--- a/presentations/03_functions.pptx
+++ b/presentations/03_functions.pptx
@@ -5,26 +5,21 @@
     <p:sldMasterId id="2147483648" r:id="rId1"/>
   </p:sldMasterIdLst>
   <p:notesMasterIdLst>
-    <p:notesMasterId r:id="rId19"/>
+    <p:notesMasterId r:id="rId14"/>
   </p:notesMasterIdLst>
   <p:sldIdLst>
     <p:sldId id="324" r:id="rId2"/>
-    <p:sldId id="325" r:id="rId3"/>
-    <p:sldId id="266" r:id="rId4"/>
-    <p:sldId id="284" r:id="rId5"/>
-    <p:sldId id="323" r:id="rId6"/>
-    <p:sldId id="281" r:id="rId7"/>
-    <p:sldId id="293" r:id="rId8"/>
-    <p:sldId id="283" r:id="rId9"/>
-    <p:sldId id="294" r:id="rId10"/>
-    <p:sldId id="297" r:id="rId11"/>
-    <p:sldId id="295" r:id="rId12"/>
-    <p:sldId id="298" r:id="rId13"/>
-    <p:sldId id="302" r:id="rId14"/>
-    <p:sldId id="301" r:id="rId15"/>
-    <p:sldId id="300" r:id="rId16"/>
-    <p:sldId id="304" r:id="rId17"/>
-    <p:sldId id="303" r:id="rId18"/>
+    <p:sldId id="266" r:id="rId3"/>
+    <p:sldId id="284" r:id="rId4"/>
+    <p:sldId id="323" r:id="rId5"/>
+    <p:sldId id="281" r:id="rId6"/>
+    <p:sldId id="293" r:id="rId7"/>
+    <p:sldId id="294" r:id="rId8"/>
+    <p:sldId id="297" r:id="rId9"/>
+    <p:sldId id="298" r:id="rId10"/>
+    <p:sldId id="301" r:id="rId11"/>
+    <p:sldId id="304" r:id="rId12"/>
+    <p:sldId id="303" r:id="rId13"/>
   </p:sldIdLst>
   <p:sldSz cx="12192000" cy="6858000"/>
   <p:notesSz cx="6858000" cy="9144000"/>
@@ -224,7 +219,7 @@
           <a:p>
             <a:fld id="{FD93C9B2-20F6-4DB1-B471-224337D0AC79}" type="datetimeFigureOut">
               <a:rPr lang="en-US" smtClean="0"/>
-              <a:t>11/17/2021</a:t>
+              <a:t>6/1/2022</a:t>
             </a:fld>
             <a:endParaRPr lang="en-US"/>
           </a:p>
@@ -626,34 +621,63 @@
           <a:bodyPr/>
           <a:lstStyle/>
           <a:p>
-            <a:pPr marL="0" marR="0" lvl="0" indent="0" algn="l" defTabSz="914400" rtl="0" eaLnBrk="1" fontAlgn="auto" latinLnBrk="0" hangingPunct="1">
-              <a:lnSpc>
-                <a:spcPct val="100000"/>
-              </a:lnSpc>
-              <a:spcBef>
-                <a:spcPts val="0"/>
-              </a:spcBef>
-              <a:spcAft>
-                <a:spcPts val="0"/>
-              </a:spcAft>
-              <a:buClrTx/>
-              <a:buSzTx/>
-              <a:buFontTx/>
-              <a:buNone/>
-              <a:tabLst/>
-              <a:defRPr/>
-            </a:pPr>
-            <a:r>
-              <a:rPr lang="en-US" dirty="0"/>
-              <a:t>When calling a function and passing arguments to it, you can do so in two ways – by position or by keyword.  We have a couple exercises to introduce you to these two options. Although you can pass arguments to a function in multiple ways, my personal preference is to pass arguments to functions by KEYWORD.  When you do that, you know exactly what's being passed to the function.  And your code becomes self-documenting.  This is important when you come back to a piece of code after a lapse of time.  The goal is to write code for the </a:t>
-            </a:r>
-            <a:r>
-              <a:rPr lang="en-US" b="1" dirty="0"/>
-              <a:t>future</a:t>
-            </a:r>
-            <a:r>
-              <a:rPr lang="en-US" dirty="0"/>
-              <a:t> you.</a:t>
+            <a:pPr algn="l"/>
+            <a:r>
+              <a:rPr lang="en-US" sz="1200" b="1" i="0" u="none" strike="noStrike" baseline="0" dirty="0">
+                <a:latin typeface="OpenSans-Semibold"/>
+              </a:rPr>
+              <a:t>Don't Repeat Yourself</a:t>
+            </a:r>
+          </a:p>
+          <a:p>
+            <a:pPr algn="l"/>
+            <a:endParaRPr lang="en-US" sz="1200" b="0" i="0" u="none" strike="noStrike" baseline="0" dirty="0">
+              <a:latin typeface="OpenSans-Semibold"/>
+            </a:endParaRPr>
+          </a:p>
+          <a:p>
+            <a:pPr algn="l"/>
+            <a:r>
+              <a:rPr lang="en-US" sz="1200" b="0" i="0" u="none" strike="noStrike" baseline="0" dirty="0">
+                <a:latin typeface="Lora-Regular"/>
+              </a:rPr>
+              <a:t>One of the cardinal rules of good programming is stated here: Do not Repeat Yourself (DRY). In other words, "</a:t>
+            </a:r>
+            <a:r>
+              <a:rPr lang="en-US" sz="1200" b="0" i="1" u="none" strike="noStrike" baseline="0" dirty="0">
+                <a:latin typeface="Lora-Italic"/>
+              </a:rPr>
+              <a:t>Every piece of knowledge or logic must have a single, unambiguous representation within a system.</a:t>
+            </a:r>
+            <a:r>
+              <a:rPr lang="en-US" sz="1200" b="0" i="0" u="none" strike="noStrike" baseline="0" dirty="0">
+                <a:latin typeface="Lora-Regular"/>
+              </a:rPr>
+              <a:t>" If you want to do the same thing multiple times in your code, it should be expressed as a function, and called wherever it is needed.</a:t>
+            </a:r>
+          </a:p>
+          <a:p>
+            <a:pPr algn="l"/>
+            <a:endParaRPr lang="en-US" sz="1200" b="0" i="0" u="none" strike="noStrike" baseline="0" dirty="0">
+              <a:latin typeface="Lora-Regular"/>
+            </a:endParaRPr>
+          </a:p>
+          <a:p>
+            <a:pPr algn="l"/>
+            <a:r>
+              <a:rPr lang="en-US" sz="1200" b="0" i="0" u="none" strike="noStrike" baseline="0" dirty="0">
+                <a:latin typeface="Arial" panose="020B0604020202020204" pitchFamily="34" charset="0"/>
+              </a:rPr>
+              <a:t>Bird, Andrew, et al. The Python Workshop : Learn to Code in Python and Kickstart Your Career in Software Development or Data Science, Packt Publishing,</a:t>
+            </a:r>
+          </a:p>
+          <a:p>
+            <a:pPr algn="l"/>
+            <a:r>
+              <a:rPr lang="en-US" sz="1200" b="0" i="0" u="none" strike="noStrike" baseline="0" dirty="0">
+                <a:latin typeface="Arial" panose="020B0604020202020204" pitchFamily="34" charset="0"/>
+              </a:rPr>
+              <a:t>Limited, 2019. ProQuest Ebook Central, http://ebookcentral.proquest.com/lib/ufl/detail.action?docID=5974923.</a:t>
             </a:r>
           </a:p>
           <a:p>
@@ -704,7 +728,7 @@
     </p:spTree>
     <p:extLst>
       <p:ext uri="{BB962C8B-B14F-4D97-AF65-F5344CB8AC3E}">
-        <p14:creationId xmlns:p14="http://schemas.microsoft.com/office/powerpoint/2010/main" val="1314382224"/>
+        <p14:creationId xmlns:p14="http://schemas.microsoft.com/office/powerpoint/2010/main" val="2100913932"/>
       </p:ext>
     </p:extLst>
   </p:cSld>
@@ -758,90 +782,27 @@
           <a:bodyPr/>
           <a:lstStyle/>
           <a:p>
-            <a:pPr marL="0" marR="0" lvl="0" indent="0" algn="l" defTabSz="914400" rtl="0" eaLnBrk="1" fontAlgn="auto" latinLnBrk="0" hangingPunct="1">
-              <a:lnSpc>
-                <a:spcPct val="100000"/>
-              </a:lnSpc>
-              <a:spcBef>
-                <a:spcPts val="0"/>
-              </a:spcBef>
-              <a:spcAft>
-                <a:spcPts val="0"/>
-              </a:spcAft>
-              <a:buClrTx/>
-              <a:buSzTx/>
-              <a:buFontTx/>
-              <a:buNone/>
-              <a:tabLst/>
-              <a:defRPr/>
-            </a:pPr>
-            <a:r>
-              <a:rPr lang="en-US" sz="1200" dirty="0"/>
-              <a:t>Exercise 45 starts on page 119 of the textbook.  </a:t>
-            </a:r>
-          </a:p>
-          <a:p>
-            <a:pPr marL="0" marR="0" lvl="0" indent="0" algn="l" defTabSz="914400" rtl="0" eaLnBrk="1" fontAlgn="auto" latinLnBrk="0" hangingPunct="1">
-              <a:lnSpc>
-                <a:spcPct val="100000"/>
-              </a:lnSpc>
-              <a:spcBef>
-                <a:spcPts val="0"/>
-              </a:spcBef>
-              <a:spcAft>
-                <a:spcPts val="0"/>
-              </a:spcAft>
-              <a:buClrTx/>
-              <a:buSzTx/>
-              <a:buFontTx/>
-              <a:buNone/>
-              <a:tabLst/>
-              <a:defRPr/>
-            </a:pPr>
-            <a:r>
-              <a:rPr lang="en-US" sz="1200" dirty="0"/>
-              <a:t>Exercise 46 starts on page 119 of the textbook.  </a:t>
-            </a:r>
-          </a:p>
-          <a:p>
-            <a:pPr marL="0" marR="0" lvl="0" indent="0" algn="l" defTabSz="914400" rtl="0" eaLnBrk="1" fontAlgn="auto" latinLnBrk="0" hangingPunct="1">
-              <a:lnSpc>
-                <a:spcPct val="100000"/>
-              </a:lnSpc>
-              <a:spcBef>
-                <a:spcPts val="0"/>
-              </a:spcBef>
-              <a:spcAft>
-                <a:spcPts val="0"/>
-              </a:spcAft>
-              <a:buClrTx/>
-              <a:buSzTx/>
-              <a:buFontTx/>
-              <a:buNone/>
-              <a:tabLst/>
-              <a:defRPr/>
-            </a:pPr>
-            <a:endParaRPr lang="en-US" sz="1200" dirty="0"/>
-          </a:p>
-          <a:p>
-            <a:pPr marL="0" marR="0" lvl="0" indent="0" algn="l" defTabSz="914400" rtl="0" eaLnBrk="1" fontAlgn="auto" latinLnBrk="0" hangingPunct="1">
-              <a:lnSpc>
-                <a:spcPct val="100000"/>
-              </a:lnSpc>
-              <a:spcBef>
-                <a:spcPts val="0"/>
-              </a:spcBef>
-              <a:spcAft>
-                <a:spcPts val="0"/>
-              </a:spcAft>
-              <a:buClrTx/>
-              <a:buSzTx/>
-              <a:buFontTx/>
-              <a:buNone/>
-              <a:tabLst/>
-              <a:defRPr/>
-            </a:pPr>
-            <a:endParaRPr lang="en-US" dirty="0"/>
+            <a:pPr algn="l"/>
+            <a:r>
+              <a:rPr lang="en-US" sz="4000" b="0" i="0" dirty="0">
+                <a:solidFill>
+                  <a:srgbClr val="292929"/>
+                </a:solidFill>
+                <a:effectLst/>
+                <a:latin typeface="charter"/>
+              </a:rPr>
+              <a:t>Think of a class as a blueprint for how an object may operate. The object is a particular instance derived from the class. For example, an object could represent a particular person with attributes including name, age, address, etc., and methods like walking, talking, breathing, and running.  Here the object is Pikachu, derived from the class Pokemon.  Keep in mind: methods define what a given object can do while attributes define its features.  </a:t>
+            </a:r>
+          </a:p>
+          <a:p>
+            <a:pPr algn="l"/>
+            <a:endParaRPr lang="en-US" sz="2800" b="0" i="0" dirty="0">
+              <a:solidFill>
+                <a:srgbClr val="090909"/>
+              </a:solidFill>
+              <a:effectLst/>
+              <a:latin typeface="-apple-system"/>
+            </a:endParaRPr>
           </a:p>
         </p:txBody>
       </p:sp>
@@ -871,7 +832,7 @@
     </p:spTree>
     <p:extLst>
       <p:ext uri="{BB962C8B-B14F-4D97-AF65-F5344CB8AC3E}">
-        <p14:creationId xmlns:p14="http://schemas.microsoft.com/office/powerpoint/2010/main" val="3784008207"/>
+        <p14:creationId xmlns:p14="http://schemas.microsoft.com/office/powerpoint/2010/main" val="473516458"/>
       </p:ext>
     </p:extLst>
   </p:cSld>
@@ -925,629 +886,6 @@
           <a:bodyPr/>
           <a:lstStyle/>
           <a:p>
-            <a:pPr marL="0" marR="0" lvl="0" indent="0" algn="l" defTabSz="914400" rtl="0" eaLnBrk="1" fontAlgn="auto" latinLnBrk="0" hangingPunct="1">
-              <a:lnSpc>
-                <a:spcPct val="100000"/>
-              </a:lnSpc>
-              <a:spcBef>
-                <a:spcPts val="0"/>
-              </a:spcBef>
-              <a:spcAft>
-                <a:spcPts val="0"/>
-              </a:spcAft>
-              <a:buClrTx/>
-              <a:buSzTx/>
-              <a:buFontTx/>
-              <a:buNone/>
-              <a:tabLst/>
-              <a:defRPr/>
-            </a:pPr>
-            <a:endParaRPr lang="en-US" dirty="0"/>
-          </a:p>
-        </p:txBody>
-      </p:sp>
-      <p:sp>
-        <p:nvSpPr>
-          <p:cNvPr id="4" name="Slide Number Placeholder 3"/>
-          <p:cNvSpPr>
-            <a:spLocks noGrp="1"/>
-          </p:cNvSpPr>
-          <p:nvPr>
-            <p:ph type="sldNum" sz="quarter" idx="5"/>
-          </p:nvPr>
-        </p:nvSpPr>
-        <p:spPr/>
-        <p:txBody>
-          <a:bodyPr/>
-          <a:lstStyle/>
-          <a:p>
-            <a:fld id="{3148858F-F1DB-4027-9C85-CCA6849540DD}" type="slidenum">
-              <a:rPr lang="en-US" smtClean="0"/>
-              <a:t>12</a:t>
-            </a:fld>
-            <a:endParaRPr lang="en-US"/>
-          </a:p>
-        </p:txBody>
-      </p:sp>
-    </p:spTree>
-    <p:extLst>
-      <p:ext uri="{BB962C8B-B14F-4D97-AF65-F5344CB8AC3E}">
-        <p14:creationId xmlns:p14="http://schemas.microsoft.com/office/powerpoint/2010/main" val="3830469567"/>
-      </p:ext>
-    </p:extLst>
-  </p:cSld>
-  <p:clrMapOvr>
-    <a:masterClrMapping/>
-  </p:clrMapOvr>
-</p:notes>
-</file>
-
-<file path=ppt/notesSlides/notesSlide13.xml><?xml version="1.0" encoding="utf-8"?>
-<p:notes xmlns:a="http://schemas.openxmlformats.org/drawingml/2006/main" xmlns:r="http://schemas.openxmlformats.org/officeDocument/2006/relationships" xmlns:p="http://schemas.openxmlformats.org/presentationml/2006/main">
-  <p:cSld>
-    <p:spTree>
-      <p:nvGrpSpPr>
-        <p:cNvPr id="1" name=""/>
-        <p:cNvGrpSpPr/>
-        <p:nvPr/>
-      </p:nvGrpSpPr>
-      <p:grpSpPr>
-        <a:xfrm>
-          <a:off x="0" y="0"/>
-          <a:ext cx="0" cy="0"/>
-          <a:chOff x="0" y="0"/>
-          <a:chExt cx="0" cy="0"/>
-        </a:xfrm>
-      </p:grpSpPr>
-      <p:sp>
-        <p:nvSpPr>
-          <p:cNvPr id="2" name="Slide Image Placeholder 1"/>
-          <p:cNvSpPr>
-            <a:spLocks noGrp="1" noRot="1" noChangeAspect="1"/>
-          </p:cNvSpPr>
-          <p:nvPr>
-            <p:ph type="sldImg"/>
-          </p:nvPr>
-        </p:nvSpPr>
-        <p:spPr/>
-      </p:sp>
-      <p:sp>
-        <p:nvSpPr>
-          <p:cNvPr id="3" name="Notes Placeholder 2"/>
-          <p:cNvSpPr>
-            <a:spLocks noGrp="1"/>
-          </p:cNvSpPr>
-          <p:nvPr>
-            <p:ph type="body" idx="1"/>
-          </p:nvPr>
-        </p:nvSpPr>
-        <p:spPr/>
-        <p:txBody>
-          <a:bodyPr/>
-          <a:lstStyle/>
-          <a:p>
-            <a:pPr marL="0" marR="0" lvl="0" indent="0" algn="l" defTabSz="914400" rtl="0" eaLnBrk="1" fontAlgn="auto" latinLnBrk="0" hangingPunct="1">
-              <a:lnSpc>
-                <a:spcPct val="100000"/>
-              </a:lnSpc>
-              <a:spcBef>
-                <a:spcPts val="0"/>
-              </a:spcBef>
-              <a:spcAft>
-                <a:spcPts val="0"/>
-              </a:spcAft>
-              <a:buClrTx/>
-              <a:buSzTx/>
-              <a:buFontTx/>
-              <a:buNone/>
-              <a:tabLst/>
-              <a:defRPr/>
-            </a:pPr>
-            <a:r>
-              <a:rPr lang="en-US" sz="1200" dirty="0"/>
-              <a:t>Exercise 48 starts on page 123 of the textbook.  </a:t>
-            </a:r>
-          </a:p>
-          <a:p>
-            <a:pPr marL="0" marR="0" lvl="0" indent="0" algn="l" defTabSz="914400" rtl="0" eaLnBrk="1" fontAlgn="auto" latinLnBrk="0" hangingPunct="1">
-              <a:lnSpc>
-                <a:spcPct val="100000"/>
-              </a:lnSpc>
-              <a:spcBef>
-                <a:spcPts val="0"/>
-              </a:spcBef>
-              <a:spcAft>
-                <a:spcPts val="0"/>
-              </a:spcAft>
-              <a:buClrTx/>
-              <a:buSzTx/>
-              <a:buFontTx/>
-              <a:buNone/>
-              <a:tabLst/>
-              <a:defRPr/>
-            </a:pPr>
-            <a:r>
-              <a:rPr lang="en-US" sz="1200" dirty="0"/>
-              <a:t>Exercise 49 starts on page 123 of the textbook.  </a:t>
-            </a:r>
-          </a:p>
-          <a:p>
-            <a:pPr marL="0" marR="0" lvl="0" indent="0" algn="l" defTabSz="914400" rtl="0" eaLnBrk="1" fontAlgn="auto" latinLnBrk="0" hangingPunct="1">
-              <a:lnSpc>
-                <a:spcPct val="100000"/>
-              </a:lnSpc>
-              <a:spcBef>
-                <a:spcPts val="0"/>
-              </a:spcBef>
-              <a:spcAft>
-                <a:spcPts val="0"/>
-              </a:spcAft>
-              <a:buClrTx/>
-              <a:buSzTx/>
-              <a:buFontTx/>
-              <a:buNone/>
-              <a:tabLst/>
-              <a:defRPr/>
-            </a:pPr>
-            <a:endParaRPr lang="en-US" dirty="0"/>
-          </a:p>
-        </p:txBody>
-      </p:sp>
-      <p:sp>
-        <p:nvSpPr>
-          <p:cNvPr id="4" name="Slide Number Placeholder 3"/>
-          <p:cNvSpPr>
-            <a:spLocks noGrp="1"/>
-          </p:cNvSpPr>
-          <p:nvPr>
-            <p:ph type="sldNum" sz="quarter" idx="5"/>
-          </p:nvPr>
-        </p:nvSpPr>
-        <p:spPr/>
-        <p:txBody>
-          <a:bodyPr/>
-          <a:lstStyle/>
-          <a:p>
-            <a:fld id="{3148858F-F1DB-4027-9C85-CCA6849540DD}" type="slidenum">
-              <a:rPr lang="en-US" smtClean="0"/>
-              <a:t>13</a:t>
-            </a:fld>
-            <a:endParaRPr lang="en-US"/>
-          </a:p>
-        </p:txBody>
-      </p:sp>
-    </p:spTree>
-    <p:extLst>
-      <p:ext uri="{BB962C8B-B14F-4D97-AF65-F5344CB8AC3E}">
-        <p14:creationId xmlns:p14="http://schemas.microsoft.com/office/powerpoint/2010/main" val="3921999407"/>
-      </p:ext>
-    </p:extLst>
-  </p:cSld>
-  <p:clrMapOvr>
-    <a:masterClrMapping/>
-  </p:clrMapOvr>
-</p:notes>
-</file>
-
-<file path=ppt/notesSlides/notesSlide14.xml><?xml version="1.0" encoding="utf-8"?>
-<p:notes xmlns:a="http://schemas.openxmlformats.org/drawingml/2006/main" xmlns:r="http://schemas.openxmlformats.org/officeDocument/2006/relationships" xmlns:p="http://schemas.openxmlformats.org/presentationml/2006/main">
-  <p:cSld>
-    <p:spTree>
-      <p:nvGrpSpPr>
-        <p:cNvPr id="1" name=""/>
-        <p:cNvGrpSpPr/>
-        <p:nvPr/>
-      </p:nvGrpSpPr>
-      <p:grpSpPr>
-        <a:xfrm>
-          <a:off x="0" y="0"/>
-          <a:ext cx="0" cy="0"/>
-          <a:chOff x="0" y="0"/>
-          <a:chExt cx="0" cy="0"/>
-        </a:xfrm>
-      </p:grpSpPr>
-      <p:sp>
-        <p:nvSpPr>
-          <p:cNvPr id="2" name="Slide Image Placeholder 1"/>
-          <p:cNvSpPr>
-            <a:spLocks noGrp="1" noRot="1" noChangeAspect="1"/>
-          </p:cNvSpPr>
-          <p:nvPr>
-            <p:ph type="sldImg"/>
-          </p:nvPr>
-        </p:nvSpPr>
-        <p:spPr/>
-      </p:sp>
-      <p:sp>
-        <p:nvSpPr>
-          <p:cNvPr id="3" name="Notes Placeholder 2"/>
-          <p:cNvSpPr>
-            <a:spLocks noGrp="1"/>
-          </p:cNvSpPr>
-          <p:nvPr>
-            <p:ph type="body" idx="1"/>
-          </p:nvPr>
-        </p:nvSpPr>
-        <p:spPr/>
-        <p:txBody>
-          <a:bodyPr/>
-          <a:lstStyle/>
-          <a:p>
-            <a:pPr algn="l"/>
-            <a:r>
-              <a:rPr lang="en-US" sz="1200" b="1" i="0" u="none" strike="noStrike" baseline="0" dirty="0">
-                <a:latin typeface="OpenSans-Semibold"/>
-              </a:rPr>
-              <a:t>Don't Repeat Yourself</a:t>
-            </a:r>
-          </a:p>
-          <a:p>
-            <a:pPr algn="l"/>
-            <a:endParaRPr lang="en-US" sz="1200" b="0" i="0" u="none" strike="noStrike" baseline="0" dirty="0">
-              <a:latin typeface="OpenSans-Semibold"/>
-            </a:endParaRPr>
-          </a:p>
-          <a:p>
-            <a:pPr algn="l"/>
-            <a:r>
-              <a:rPr lang="en-US" sz="1200" b="0" i="0" u="none" strike="noStrike" baseline="0" dirty="0">
-                <a:latin typeface="Lora-Regular"/>
-              </a:rPr>
-              <a:t>One of the cardinal rules of good programming is stated here: Do not Repeat Yourself (DRY). In other words, "</a:t>
-            </a:r>
-            <a:r>
-              <a:rPr lang="en-US" sz="1200" b="0" i="1" u="none" strike="noStrike" baseline="0" dirty="0">
-                <a:latin typeface="Lora-Italic"/>
-              </a:rPr>
-              <a:t>Every piece of knowledge or logic must have a single, unambiguous representation within a system.</a:t>
-            </a:r>
-            <a:r>
-              <a:rPr lang="en-US" sz="1200" b="0" i="0" u="none" strike="noStrike" baseline="0" dirty="0">
-                <a:latin typeface="Lora-Regular"/>
-              </a:rPr>
-              <a:t>" If you want to do the same thing multiple times in your code, it should be expressed as a function, and called wherever it is needed.</a:t>
-            </a:r>
-          </a:p>
-          <a:p>
-            <a:pPr algn="l"/>
-            <a:endParaRPr lang="en-US" sz="1200" b="0" i="0" u="none" strike="noStrike" baseline="0" dirty="0">
-              <a:latin typeface="Lora-Regular"/>
-            </a:endParaRPr>
-          </a:p>
-          <a:p>
-            <a:pPr algn="l"/>
-            <a:r>
-              <a:rPr lang="en-US" sz="1200" b="0" i="0" u="none" strike="noStrike" baseline="0" dirty="0">
-                <a:latin typeface="Arial" panose="020B0604020202020204" pitchFamily="34" charset="0"/>
-              </a:rPr>
-              <a:t>Bird, Andrew, et al. The Python Workshop : Learn to Code in Python and Kickstart Your Career in Software Development or Data Science, Packt Publishing,</a:t>
-            </a:r>
-          </a:p>
-          <a:p>
-            <a:pPr algn="l"/>
-            <a:r>
-              <a:rPr lang="en-US" sz="1200" b="0" i="0" u="none" strike="noStrike" baseline="0" dirty="0">
-                <a:latin typeface="Arial" panose="020B0604020202020204" pitchFamily="34" charset="0"/>
-              </a:rPr>
-              <a:t>Limited, 2019. ProQuest Ebook Central, http://ebookcentral.proquest.com/lib/ufl/detail.action?docID=5974923.</a:t>
-            </a:r>
-          </a:p>
-          <a:p>
-            <a:pPr marL="0" marR="0" lvl="0" indent="0" algn="l" defTabSz="914400" rtl="0" eaLnBrk="1" fontAlgn="auto" latinLnBrk="0" hangingPunct="1">
-              <a:lnSpc>
-                <a:spcPct val="100000"/>
-              </a:lnSpc>
-              <a:spcBef>
-                <a:spcPts val="0"/>
-              </a:spcBef>
-              <a:spcAft>
-                <a:spcPts val="0"/>
-              </a:spcAft>
-              <a:buClrTx/>
-              <a:buSzTx/>
-              <a:buFontTx/>
-              <a:buNone/>
-              <a:tabLst/>
-              <a:defRPr/>
-            </a:pPr>
-            <a:endParaRPr lang="en-US" dirty="0"/>
-          </a:p>
-        </p:txBody>
-      </p:sp>
-      <p:sp>
-        <p:nvSpPr>
-          <p:cNvPr id="4" name="Slide Number Placeholder 3"/>
-          <p:cNvSpPr>
-            <a:spLocks noGrp="1"/>
-          </p:cNvSpPr>
-          <p:nvPr>
-            <p:ph type="sldNum" sz="quarter" idx="5"/>
-          </p:nvPr>
-        </p:nvSpPr>
-        <p:spPr/>
-        <p:txBody>
-          <a:bodyPr/>
-          <a:lstStyle/>
-          <a:p>
-            <a:fld id="{3148858F-F1DB-4027-9C85-CCA6849540DD}" type="slidenum">
-              <a:rPr lang="en-US" smtClean="0"/>
-              <a:t>14</a:t>
-            </a:fld>
-            <a:endParaRPr lang="en-US"/>
-          </a:p>
-        </p:txBody>
-      </p:sp>
-    </p:spTree>
-    <p:extLst>
-      <p:ext uri="{BB962C8B-B14F-4D97-AF65-F5344CB8AC3E}">
-        <p14:creationId xmlns:p14="http://schemas.microsoft.com/office/powerpoint/2010/main" val="2100913932"/>
-      </p:ext>
-    </p:extLst>
-  </p:cSld>
-  <p:clrMapOvr>
-    <a:masterClrMapping/>
-  </p:clrMapOvr>
-</p:notes>
-</file>
-
-<file path=ppt/notesSlides/notesSlide15.xml><?xml version="1.0" encoding="utf-8"?>
-<p:notes xmlns:a="http://schemas.openxmlformats.org/drawingml/2006/main" xmlns:r="http://schemas.openxmlformats.org/officeDocument/2006/relationships" xmlns:p="http://schemas.openxmlformats.org/presentationml/2006/main">
-  <p:cSld>
-    <p:spTree>
-      <p:nvGrpSpPr>
-        <p:cNvPr id="1" name=""/>
-        <p:cNvGrpSpPr/>
-        <p:nvPr/>
-      </p:nvGrpSpPr>
-      <p:grpSpPr>
-        <a:xfrm>
-          <a:off x="0" y="0"/>
-          <a:ext cx="0" cy="0"/>
-          <a:chOff x="0" y="0"/>
-          <a:chExt cx="0" cy="0"/>
-        </a:xfrm>
-      </p:grpSpPr>
-      <p:sp>
-        <p:nvSpPr>
-          <p:cNvPr id="2" name="Slide Image Placeholder 1"/>
-          <p:cNvSpPr>
-            <a:spLocks noGrp="1" noRot="1" noChangeAspect="1"/>
-          </p:cNvSpPr>
-          <p:nvPr>
-            <p:ph type="sldImg"/>
-          </p:nvPr>
-        </p:nvSpPr>
-        <p:spPr/>
-      </p:sp>
-      <p:sp>
-        <p:nvSpPr>
-          <p:cNvPr id="3" name="Notes Placeholder 2"/>
-          <p:cNvSpPr>
-            <a:spLocks noGrp="1"/>
-          </p:cNvSpPr>
-          <p:nvPr>
-            <p:ph type="body" idx="1"/>
-          </p:nvPr>
-        </p:nvSpPr>
-        <p:spPr/>
-        <p:txBody>
-          <a:bodyPr/>
-          <a:lstStyle/>
-          <a:p>
-            <a:pPr marL="0" marR="0" lvl="0" indent="0" algn="l" defTabSz="914400" rtl="0" eaLnBrk="1" fontAlgn="auto" latinLnBrk="0" hangingPunct="1">
-              <a:lnSpc>
-                <a:spcPct val="100000"/>
-              </a:lnSpc>
-              <a:spcBef>
-                <a:spcPts val="0"/>
-              </a:spcBef>
-              <a:spcAft>
-                <a:spcPts val="0"/>
-              </a:spcAft>
-              <a:buClrTx/>
-              <a:buSzTx/>
-              <a:buFontTx/>
-              <a:buNone/>
-              <a:tabLst/>
-              <a:defRPr/>
-            </a:pPr>
-            <a:r>
-              <a:rPr lang="en-US" sz="1800" dirty="0"/>
-              <a:t>Exercise 54 starts on page 135 of the textbook.  </a:t>
-            </a:r>
-          </a:p>
-          <a:p>
-            <a:pPr algn="l"/>
-            <a:endParaRPr lang="en-US" sz="1800" b="0" i="0" u="none" strike="noStrike" baseline="0" dirty="0">
-              <a:latin typeface="Arial" panose="020B0604020202020204" pitchFamily="34" charset="0"/>
-            </a:endParaRPr>
-          </a:p>
-        </p:txBody>
-      </p:sp>
-      <p:sp>
-        <p:nvSpPr>
-          <p:cNvPr id="4" name="Slide Number Placeholder 3"/>
-          <p:cNvSpPr>
-            <a:spLocks noGrp="1"/>
-          </p:cNvSpPr>
-          <p:nvPr>
-            <p:ph type="sldNum" sz="quarter" idx="5"/>
-          </p:nvPr>
-        </p:nvSpPr>
-        <p:spPr/>
-        <p:txBody>
-          <a:bodyPr/>
-          <a:lstStyle/>
-          <a:p>
-            <a:fld id="{3148858F-F1DB-4027-9C85-CCA6849540DD}" type="slidenum">
-              <a:rPr lang="en-US" smtClean="0"/>
-              <a:t>15</a:t>
-            </a:fld>
-            <a:endParaRPr lang="en-US"/>
-          </a:p>
-        </p:txBody>
-      </p:sp>
-    </p:spTree>
-    <p:extLst>
-      <p:ext uri="{BB962C8B-B14F-4D97-AF65-F5344CB8AC3E}">
-        <p14:creationId xmlns:p14="http://schemas.microsoft.com/office/powerpoint/2010/main" val="2538593942"/>
-      </p:ext>
-    </p:extLst>
-  </p:cSld>
-  <p:clrMapOvr>
-    <a:masterClrMapping/>
-  </p:clrMapOvr>
-</p:notes>
-</file>
-
-<file path=ppt/notesSlides/notesSlide16.xml><?xml version="1.0" encoding="utf-8"?>
-<p:notes xmlns:a="http://schemas.openxmlformats.org/drawingml/2006/main" xmlns:r="http://schemas.openxmlformats.org/officeDocument/2006/relationships" xmlns:p="http://schemas.openxmlformats.org/presentationml/2006/main">
-  <p:cSld>
-    <p:spTree>
-      <p:nvGrpSpPr>
-        <p:cNvPr id="1" name=""/>
-        <p:cNvGrpSpPr/>
-        <p:nvPr/>
-      </p:nvGrpSpPr>
-      <p:grpSpPr>
-        <a:xfrm>
-          <a:off x="0" y="0"/>
-          <a:ext cx="0" cy="0"/>
-          <a:chOff x="0" y="0"/>
-          <a:chExt cx="0" cy="0"/>
-        </a:xfrm>
-      </p:grpSpPr>
-      <p:sp>
-        <p:nvSpPr>
-          <p:cNvPr id="2" name="Slide Image Placeholder 1"/>
-          <p:cNvSpPr>
-            <a:spLocks noGrp="1" noRot="1" noChangeAspect="1"/>
-          </p:cNvSpPr>
-          <p:nvPr>
-            <p:ph type="sldImg"/>
-          </p:nvPr>
-        </p:nvSpPr>
-        <p:spPr/>
-      </p:sp>
-      <p:sp>
-        <p:nvSpPr>
-          <p:cNvPr id="3" name="Notes Placeholder 2"/>
-          <p:cNvSpPr>
-            <a:spLocks noGrp="1"/>
-          </p:cNvSpPr>
-          <p:nvPr>
-            <p:ph type="body" idx="1"/>
-          </p:nvPr>
-        </p:nvSpPr>
-        <p:spPr/>
-        <p:txBody>
-          <a:bodyPr/>
-          <a:lstStyle/>
-          <a:p>
-            <a:pPr algn="l"/>
-            <a:r>
-              <a:rPr lang="en-US" sz="4000" b="0" i="0" dirty="0">
-                <a:solidFill>
-                  <a:srgbClr val="292929"/>
-                </a:solidFill>
-                <a:effectLst/>
-                <a:latin typeface="charter"/>
-              </a:rPr>
-              <a:t>Think of a class as a blueprint for how an object may operate. The object is a particular instance derived from the class. For example, an object could represent a particular person with attributes including name, age, address, etc., and methods like walking, talking, breathing, and running.  Here the object is Pikachu, derived from the class Pokemon.  Keep in mind: methods define what a given object can do while attributes define its features.  </a:t>
-            </a:r>
-          </a:p>
-          <a:p>
-            <a:pPr algn="l"/>
-            <a:endParaRPr lang="en-US" sz="2800" b="0" i="0" dirty="0">
-              <a:solidFill>
-                <a:srgbClr val="090909"/>
-              </a:solidFill>
-              <a:effectLst/>
-              <a:latin typeface="-apple-system"/>
-            </a:endParaRPr>
-          </a:p>
-        </p:txBody>
-      </p:sp>
-      <p:sp>
-        <p:nvSpPr>
-          <p:cNvPr id="4" name="Slide Number Placeholder 3"/>
-          <p:cNvSpPr>
-            <a:spLocks noGrp="1"/>
-          </p:cNvSpPr>
-          <p:nvPr>
-            <p:ph type="sldNum" sz="quarter" idx="5"/>
-          </p:nvPr>
-        </p:nvSpPr>
-        <p:spPr/>
-        <p:txBody>
-          <a:bodyPr/>
-          <a:lstStyle/>
-          <a:p>
-            <a:fld id="{3148858F-F1DB-4027-9C85-CCA6849540DD}" type="slidenum">
-              <a:rPr lang="en-US" smtClean="0"/>
-              <a:t>16</a:t>
-            </a:fld>
-            <a:endParaRPr lang="en-US"/>
-          </a:p>
-        </p:txBody>
-      </p:sp>
-    </p:spTree>
-    <p:extLst>
-      <p:ext uri="{BB962C8B-B14F-4D97-AF65-F5344CB8AC3E}">
-        <p14:creationId xmlns:p14="http://schemas.microsoft.com/office/powerpoint/2010/main" val="473516458"/>
-      </p:ext>
-    </p:extLst>
-  </p:cSld>
-  <p:clrMapOvr>
-    <a:masterClrMapping/>
-  </p:clrMapOvr>
-</p:notes>
-</file>
-
-<file path=ppt/notesSlides/notesSlide17.xml><?xml version="1.0" encoding="utf-8"?>
-<p:notes xmlns:a="http://schemas.openxmlformats.org/drawingml/2006/main" xmlns:r="http://schemas.openxmlformats.org/officeDocument/2006/relationships" xmlns:p="http://schemas.openxmlformats.org/presentationml/2006/main">
-  <p:cSld>
-    <p:spTree>
-      <p:nvGrpSpPr>
-        <p:cNvPr id="1" name=""/>
-        <p:cNvGrpSpPr/>
-        <p:nvPr/>
-      </p:nvGrpSpPr>
-      <p:grpSpPr>
-        <a:xfrm>
-          <a:off x="0" y="0"/>
-          <a:ext cx="0" cy="0"/>
-          <a:chOff x="0" y="0"/>
-          <a:chExt cx="0" cy="0"/>
-        </a:xfrm>
-      </p:grpSpPr>
-      <p:sp>
-        <p:nvSpPr>
-          <p:cNvPr id="2" name="Slide Image Placeholder 1"/>
-          <p:cNvSpPr>
-            <a:spLocks noGrp="1" noRot="1" noChangeAspect="1"/>
-          </p:cNvSpPr>
-          <p:nvPr>
-            <p:ph type="sldImg"/>
-          </p:nvPr>
-        </p:nvSpPr>
-        <p:spPr/>
-      </p:sp>
-      <p:sp>
-        <p:nvSpPr>
-          <p:cNvPr id="3" name="Notes Placeholder 2"/>
-          <p:cNvSpPr>
-            <a:spLocks noGrp="1"/>
-          </p:cNvSpPr>
-          <p:nvPr>
-            <p:ph type="body" idx="1"/>
-          </p:nvPr>
-        </p:nvSpPr>
-        <p:spPr/>
-        <p:txBody>
-          <a:bodyPr/>
-          <a:lstStyle/>
-          <a:p>
             <a:pPr algn="l"/>
             <a:r>
               <a:rPr lang="en-US" sz="1800" b="0" i="0" dirty="0">
@@ -1632,7 +970,7 @@
           <a:p>
             <a:fld id="{3148858F-F1DB-4027-9C85-CCA6849540DD}" type="slidenum">
               <a:rPr lang="en-US" smtClean="0"/>
-              <a:t>17</a:t>
+              <a:t>12</a:t>
             </a:fld>
             <a:endParaRPr lang="en-US"/>
           </a:p>
@@ -1695,14 +1033,7 @@
           <a:bodyPr/>
           <a:lstStyle/>
           <a:p>
-            <a:endParaRPr lang="en-US" dirty="0">
-              <a:latin typeface="Palatino Linotype" panose="02040502050505030304" pitchFamily="18" charset="0"/>
-            </a:endParaRPr>
-          </a:p>
-          <a:p>
-            <a:endParaRPr lang="en-US" dirty="0">
-              <a:latin typeface="Palatino Linotype" panose="02040502050505030304" pitchFamily="18" charset="0"/>
-            </a:endParaRPr>
+            <a:endParaRPr lang="en-US" dirty="0"/>
           </a:p>
         </p:txBody>
       </p:sp>
@@ -1732,7 +1063,7 @@
     </p:spTree>
     <p:extLst>
       <p:ext uri="{BB962C8B-B14F-4D97-AF65-F5344CB8AC3E}">
-        <p14:creationId xmlns:p14="http://schemas.microsoft.com/office/powerpoint/2010/main" val="160237460"/>
+        <p14:creationId xmlns:p14="http://schemas.microsoft.com/office/powerpoint/2010/main" val="1207792633"/>
       </p:ext>
     </p:extLst>
   </p:cSld>
@@ -1786,7 +1117,70 @@
           <a:bodyPr/>
           <a:lstStyle/>
           <a:p>
+            <a:pPr marL="0" marR="0" lvl="0" indent="0" algn="l" defTabSz="914400" rtl="0" eaLnBrk="1" fontAlgn="auto" latinLnBrk="0" hangingPunct="1">
+              <a:lnSpc>
+                <a:spcPct val="100000"/>
+              </a:lnSpc>
+              <a:spcBef>
+                <a:spcPts val="0"/>
+              </a:spcBef>
+              <a:spcAft>
+                <a:spcPts val="0"/>
+              </a:spcAft>
+              <a:buClrTx/>
+              <a:buSzTx/>
+              <a:buFontTx/>
+              <a:buNone/>
+              <a:tabLst/>
+              <a:defRPr/>
+            </a:pPr>
+            <a:r>
+              <a:rPr lang="en-US" dirty="0"/>
+              <a:t>Most of the AI code you write in Python is nothing more than calls to various functions.  And what is a function?  Well, I'm glad you asked.  Noted computer science educator John Zelle writes, “The basic idea of a function is that we write a sequence of statements and give that sequence a name. The instructions can then be executed at any point in another program by referring to the function name. </a:t>
+            </a:r>
+          </a:p>
+          <a:p>
+            <a:pPr marL="0" marR="0" lvl="0" indent="0" algn="l" defTabSz="914400" rtl="0" eaLnBrk="1" fontAlgn="auto" latinLnBrk="0" hangingPunct="1">
+              <a:lnSpc>
+                <a:spcPct val="100000"/>
+              </a:lnSpc>
+              <a:spcBef>
+                <a:spcPts val="0"/>
+              </a:spcBef>
+              <a:spcAft>
+                <a:spcPts val="0"/>
+              </a:spcAft>
+              <a:buClrTx/>
+              <a:buSzTx/>
+              <a:buFontTx/>
+              <a:buNone/>
+              <a:tabLst/>
+              <a:defRPr/>
+            </a:pPr>
             <a:endParaRPr lang="en-US" dirty="0"/>
+          </a:p>
+          <a:p>
+            <a:pPr marL="0" marR="0" lvl="0" indent="0" algn="l" defTabSz="914400" rtl="0" eaLnBrk="1" fontAlgn="auto" latinLnBrk="0" hangingPunct="1">
+              <a:lnSpc>
+                <a:spcPct val="100000"/>
+              </a:lnSpc>
+              <a:spcBef>
+                <a:spcPts val="0"/>
+              </a:spcBef>
+              <a:spcAft>
+                <a:spcPts val="0"/>
+              </a:spcAft>
+              <a:buClrTx/>
+              <a:buSzTx/>
+              <a:buFontTx/>
+              <a:buNone/>
+              <a:tabLst/>
+              <a:defRPr/>
+            </a:pPr>
+            <a:r>
+              <a:rPr lang="en-US" dirty="0"/>
+              <a:t>So how do we call or execute a function?  Let’s take a look…</a:t>
+            </a:r>
           </a:p>
         </p:txBody>
       </p:sp>
@@ -1816,7 +1210,7 @@
     </p:spTree>
     <p:extLst>
       <p:ext uri="{BB962C8B-B14F-4D97-AF65-F5344CB8AC3E}">
-        <p14:creationId xmlns:p14="http://schemas.microsoft.com/office/powerpoint/2010/main" val="1207792633"/>
+        <p14:creationId xmlns:p14="http://schemas.microsoft.com/office/powerpoint/2010/main" val="3116388112"/>
       </p:ext>
     </p:extLst>
   </p:cSld>
@@ -1870,69 +1264,9 @@
           <a:bodyPr/>
           <a:lstStyle/>
           <a:p>
-            <a:pPr marL="0" marR="0" lvl="0" indent="0" algn="l" defTabSz="914400" rtl="0" eaLnBrk="1" fontAlgn="auto" latinLnBrk="0" hangingPunct="1">
-              <a:lnSpc>
-                <a:spcPct val="100000"/>
-              </a:lnSpc>
-              <a:spcBef>
-                <a:spcPts val="0"/>
-              </a:spcBef>
-              <a:spcAft>
-                <a:spcPts val="0"/>
-              </a:spcAft>
-              <a:buClrTx/>
-              <a:buSzTx/>
-              <a:buFontTx/>
-              <a:buNone/>
-              <a:tabLst/>
-              <a:defRPr/>
-            </a:pPr>
             <a:r>
               <a:rPr lang="en-US" dirty="0"/>
-              <a:t>Most of the AI code you write in Python is nothing more than calls to various functions.  And what is a function?  Well, I'm glad you asked.  Noted computer science educator John Zelle writes, “The basic idea of a function is that we write a sequence of statements and give that sequence a name. The instructions can then be executed at any point in another program by referring to the function name. </a:t>
-            </a:r>
-          </a:p>
-          <a:p>
-            <a:pPr marL="0" marR="0" lvl="0" indent="0" algn="l" defTabSz="914400" rtl="0" eaLnBrk="1" fontAlgn="auto" latinLnBrk="0" hangingPunct="1">
-              <a:lnSpc>
-                <a:spcPct val="100000"/>
-              </a:lnSpc>
-              <a:spcBef>
-                <a:spcPts val="0"/>
-              </a:spcBef>
-              <a:spcAft>
-                <a:spcPts val="0"/>
-              </a:spcAft>
-              <a:buClrTx/>
-              <a:buSzTx/>
-              <a:buFontTx/>
-              <a:buNone/>
-              <a:tabLst/>
-              <a:defRPr/>
-            </a:pPr>
-            <a:endParaRPr lang="en-US" dirty="0"/>
-          </a:p>
-          <a:p>
-            <a:pPr marL="0" marR="0" lvl="0" indent="0" algn="l" defTabSz="914400" rtl="0" eaLnBrk="1" fontAlgn="auto" latinLnBrk="0" hangingPunct="1">
-              <a:lnSpc>
-                <a:spcPct val="100000"/>
-              </a:lnSpc>
-              <a:spcBef>
-                <a:spcPts val="0"/>
-              </a:spcBef>
-              <a:spcAft>
-                <a:spcPts val="0"/>
-              </a:spcAft>
-              <a:buClrTx/>
-              <a:buSzTx/>
-              <a:buFontTx/>
-              <a:buNone/>
-              <a:tabLst/>
-              <a:defRPr/>
-            </a:pPr>
-            <a:r>
-              <a:rPr lang="en-US" dirty="0"/>
-              <a:t>So how do we call or execute a function?  Let’s take a look…</a:t>
+              <a:t>Here we see 2 function calls, followed by a method call.</a:t>
             </a:r>
           </a:p>
         </p:txBody>
@@ -1963,7 +1297,7 @@
     </p:spTree>
     <p:extLst>
       <p:ext uri="{BB962C8B-B14F-4D97-AF65-F5344CB8AC3E}">
-        <p14:creationId xmlns:p14="http://schemas.microsoft.com/office/powerpoint/2010/main" val="3116388112"/>
+        <p14:creationId xmlns:p14="http://schemas.microsoft.com/office/powerpoint/2010/main" val="3881420511"/>
       </p:ext>
     </p:extLst>
   </p:cSld>
@@ -2017,9 +1351,137 @@
           <a:bodyPr/>
           <a:lstStyle/>
           <a:p>
-            <a:r>
+            <a:pPr algn="l"/>
+            <a:r>
+              <a:rPr lang="en-US" b="0" i="0" dirty="0">
+                <a:solidFill>
+                  <a:srgbClr val="000000"/>
+                </a:solidFill>
+                <a:effectLst/>
+                <a:latin typeface="Helvetica Neue"/>
+              </a:rPr>
+              <a:t>At this point, I want to briefly discuss an important yet often overlooked point.</a:t>
+            </a:r>
+          </a:p>
+          <a:p>
+            <a:pPr algn="just"/>
+            <a:endParaRPr lang="en-US" b="0" i="0" dirty="0">
+              <a:solidFill>
+                <a:srgbClr val="000000"/>
+              </a:solidFill>
+              <a:effectLst/>
+              <a:latin typeface="Helvetica Neue"/>
+            </a:endParaRPr>
+          </a:p>
+          <a:p>
+            <a:pPr algn="just"/>
+            <a:r>
+              <a:rPr lang="en-US" b="0" i="0" dirty="0">
+                <a:solidFill>
+                  <a:srgbClr val="000000"/>
+                </a:solidFill>
+                <a:effectLst/>
+                <a:latin typeface="Helvetica Neue"/>
+              </a:rPr>
+              <a:t>In the </a:t>
+            </a:r>
+            <a:r>
+              <a:rPr lang="en-US" b="0" i="1" dirty="0">
+                <a:solidFill>
+                  <a:srgbClr val="000000"/>
+                </a:solidFill>
+                <a:effectLst/>
+                <a:latin typeface="Helvetica Neue"/>
+              </a:rPr>
+              <a:t>Big Bang Theory</a:t>
+            </a:r>
+            <a:r>
+              <a:rPr lang="en-US" b="0" i="0" dirty="0">
+                <a:solidFill>
+                  <a:srgbClr val="000000"/>
+                </a:solidFill>
+                <a:effectLst/>
+                <a:latin typeface="Helvetica Neue"/>
+              </a:rPr>
+              <a:t> TV series, the show's resident genius - Sheldon Cooper - enjoys creating legally-binding agreements that specify the particulars of any relationship he is presently in. His romance with Amy is regulated by a relationship agreement, as is his relationship with his roommate, Leonard Hofstadter.</a:t>
+            </a:r>
+          </a:p>
+          <a:p>
+            <a:pPr marL="0" marR="0" lvl="0" indent="0" algn="l" defTabSz="914400" rtl="0" eaLnBrk="1" fontAlgn="auto" latinLnBrk="0" hangingPunct="1">
+              <a:lnSpc>
+                <a:spcPct val="100000"/>
+              </a:lnSpc>
+              <a:spcBef>
+                <a:spcPts val="0"/>
+              </a:spcBef>
+              <a:spcAft>
+                <a:spcPts val="0"/>
+              </a:spcAft>
+              <a:buClrTx/>
+              <a:buSzTx/>
+              <a:buFontTx/>
+              <a:buNone/>
+              <a:tabLst/>
+              <a:defRPr/>
+            </a:pPr>
+            <a:endParaRPr lang="en-US" dirty="0"/>
+          </a:p>
+          <a:p>
+            <a:pPr algn="l"/>
+            <a:r>
+              <a:rPr lang="en-US" b="1" i="0" dirty="0">
+                <a:solidFill>
+                  <a:srgbClr val="000000"/>
+                </a:solidFill>
+                <a:effectLst/>
+                <a:latin typeface="Helvetica Neue"/>
+              </a:rPr>
+              <a:t>Python Functions</a:t>
+            </a:r>
+          </a:p>
+          <a:p>
+            <a:pPr algn="just"/>
+            <a:r>
+              <a:rPr lang="en-US" b="0" i="0" dirty="0">
+                <a:solidFill>
+                  <a:srgbClr val="000000"/>
+                </a:solidFill>
+                <a:effectLst/>
+                <a:latin typeface="Helvetica Neue"/>
+              </a:rPr>
+              <a:t>The fundamental concept behind functions is the notion of a contract. Just as Sheldon's relationship and roommate agreements ensure that the parties involved will act in regular and predictable ways, so too the interface to a function is like a contract. If a call to a function passes the correct arguments in the correct order, a well written function responds in a predictable way, providing the promised output.</a:t>
+            </a:r>
+          </a:p>
+          <a:p>
+            <a:pPr algn="just"/>
+            <a:endParaRPr lang="en-US" b="0" i="0" dirty="0">
+              <a:solidFill>
+                <a:srgbClr val="000000"/>
+              </a:solidFill>
+              <a:effectLst/>
+              <a:latin typeface="Helvetica Neue"/>
+            </a:endParaRPr>
+          </a:p>
+          <a:p>
+            <a:pPr algn="just"/>
+            <a:r>
+              <a:rPr lang="en-US" b="0" i="0" dirty="0">
+                <a:solidFill>
+                  <a:srgbClr val="000000"/>
+                </a:solidFill>
+                <a:effectLst/>
+                <a:latin typeface="Helvetica Neue"/>
+              </a:rPr>
+              <a:t>Counterintuitively, the first step in creating a function is to define what it will do. I say "counterintuitively" because most programmers simply dive right in and start writing code. This strategy works well for small and rather simple programs. However, you'll quickly run into trouble when the complexity begins to increase. For that reason, seasoned software developers usually begin by writing a specification (spec) - a document that spells out the terms of the contract. A well-written specification typically includes interface documentation as well as pseudocode, a clear statement in plain English of the steps to be taken to accomplish the function's task.</a:t>
+            </a:r>
+          </a:p>
+          <a:p>
+            <a:br>
               <a:rPr lang="en-US" dirty="0"/>
-              <a:t>Here we see 2 function calls, followed by a method call.</a:t>
+            </a:br>
+            <a:r>
+              <a:rPr lang="en-US" dirty="0"/>
+              <a:t>https://www.pinterest.com/pin/558024210062835602/</a:t>
             </a:r>
           </a:p>
         </p:txBody>
@@ -2050,7 +1512,7 @@
     </p:spTree>
     <p:extLst>
       <p:ext uri="{BB962C8B-B14F-4D97-AF65-F5344CB8AC3E}">
-        <p14:creationId xmlns:p14="http://schemas.microsoft.com/office/powerpoint/2010/main" val="3881420511"/>
+        <p14:creationId xmlns:p14="http://schemas.microsoft.com/office/powerpoint/2010/main" val="880453606"/>
       </p:ext>
     </p:extLst>
   </p:cSld>
@@ -2104,7 +1566,7 @@
           <a:bodyPr/>
           <a:lstStyle/>
           <a:p>
-            <a:pPr algn="l"/>
+            <a:pPr algn="just"/>
             <a:r>
               <a:rPr lang="en-US" b="0" i="0" dirty="0">
                 <a:solidFill>
@@ -2113,7 +1575,27 @@
                 <a:effectLst/>
                 <a:latin typeface="Helvetica Neue"/>
               </a:rPr>
-              <a:t>At this point, I want to briefly discuss an important yet often overlooked point.</a:t>
+              <a:t>Let's illustrate this process by writing a spec for a rather simple function called </a:t>
+            </a:r>
+            <a:r>
+              <a:rPr lang="en-US" b="0" i="1" dirty="0">
+                <a:solidFill>
+                  <a:srgbClr val="000000"/>
+                </a:solidFill>
+                <a:effectLst/>
+                <a:latin typeface="Helvetica Neue"/>
+              </a:rPr>
+              <a:t>multiply.</a:t>
+            </a:r>
+            <a:r>
+              <a:rPr lang="en-US" b="0" i="0" dirty="0">
+                <a:solidFill>
+                  <a:srgbClr val="000000"/>
+                </a:solidFill>
+                <a:effectLst/>
+                <a:latin typeface="Helvetica Neue"/>
+              </a:rPr>
+              <a:t> Here's the initial specification.  Simple enough!</a:t>
             </a:r>
           </a:p>
           <a:p>
@@ -2136,7 +1618,53 @@
                 <a:effectLst/>
                 <a:latin typeface="Helvetica Neue"/>
               </a:rPr>
-              <a:t>In the </a:t>
+              <a:t>Because this function is so simple, we won't bother with the pseudocode at this point. For more complex functions, however, pseudocode is strongly recommended as it helps you understand the flow and logic of your program before you start coding. With all that said, here's a first look at the code.</a:t>
+            </a:r>
+          </a:p>
+          <a:p>
+            <a:pPr algn="just"/>
+            <a:endParaRPr lang="en-US" b="0" i="0" dirty="0">
+              <a:solidFill>
+                <a:srgbClr val="000000"/>
+              </a:solidFill>
+              <a:effectLst/>
+              <a:latin typeface="Helvetica Neue"/>
+            </a:endParaRPr>
+          </a:p>
+          <a:p>
+            <a:pPr algn="just"/>
+            <a:r>
+              <a:rPr lang="en-US" b="0" i="0" dirty="0">
+                <a:solidFill>
+                  <a:srgbClr val="000000"/>
+                </a:solidFill>
+                <a:effectLst/>
+                <a:latin typeface="Helvetica Neue"/>
+              </a:rPr>
+              <a:t>This is a straightforward function, if there ever was one. Even so, a couple points need to be highlighted. Consider, for example, the documentation (doc) string immediately following the function definition. As you can see, this string is enclosed by three single quotes '''. The information in a doc string displays whenever one runs help() on a given function. Here's what you get when you run the command…</a:t>
+            </a:r>
+          </a:p>
+          <a:p>
+            <a:pPr algn="just"/>
+            <a:endParaRPr lang="en-US" b="0" i="0" dirty="0">
+              <a:solidFill>
+                <a:srgbClr val="000000"/>
+              </a:solidFill>
+              <a:effectLst/>
+              <a:latin typeface="Helvetica Neue"/>
+            </a:endParaRPr>
+          </a:p>
+          <a:p>
+            <a:pPr algn="just"/>
+            <a:r>
+              <a:rPr lang="en-US" b="0" i="0" dirty="0">
+                <a:solidFill>
+                  <a:srgbClr val="000000"/>
+                </a:solidFill>
+                <a:effectLst/>
+                <a:latin typeface="Helvetica Neue"/>
+              </a:rPr>
+              <a:t>In his wonderful book, </a:t>
             </a:r>
             <a:r>
               <a:rPr lang="en-US" b="0" i="1" dirty="0">
@@ -2146,7 +1674,7 @@
                 <a:effectLst/>
                 <a:latin typeface="Helvetica Neue"/>
               </a:rPr>
-              <a:t>Big Bang Theory</a:t>
+              <a:t>Python without Fear,</a:t>
             </a:r>
             <a:r>
               <a:rPr lang="en-US" b="0" i="0" dirty="0">
@@ -2156,8 +1684,105 @@
                 <a:effectLst/>
                 <a:latin typeface="Helvetica Neue"/>
               </a:rPr>
-              <a:t> TV series, the show's resident genius - Sheldon Cooper - enjoys creating legally-binding agreements that specify the particulars of any relationship he is presently in. His romance with Amy is regulated by a relationship agreement, as is his relationship with his roommate, Leonard Hofstadter.</a:t>
-            </a:r>
+              <a:t> Brian Overland makes the following points about doc strings (p. 322). You'll want to keep these in mind as you create doc strings for your functions.</a:t>
+            </a:r>
+          </a:p>
+          <a:p>
+            <a:pPr algn="just"/>
+            <a:endParaRPr lang="en-US" b="0" i="0" dirty="0">
+              <a:solidFill>
+                <a:srgbClr val="000000"/>
+              </a:solidFill>
+              <a:effectLst/>
+              <a:latin typeface="Helvetica Neue"/>
+            </a:endParaRPr>
+          </a:p>
+          <a:p>
+            <a:pPr algn="l">
+              <a:buFont typeface="+mj-lt"/>
+              <a:buAutoNum type="arabicPeriod"/>
+            </a:pPr>
+            <a:r>
+              <a:rPr lang="en-US" b="0" i="0" dirty="0">
+                <a:solidFill>
+                  <a:srgbClr val="000000"/>
+                </a:solidFill>
+                <a:effectLst/>
+                <a:latin typeface="Helvetica Neue"/>
+              </a:rPr>
+              <a:t> The doc string must be the first statement after the beginning (header) of the function definition.</a:t>
+            </a:r>
+          </a:p>
+          <a:p>
+            <a:pPr algn="l">
+              <a:buFont typeface="+mj-lt"/>
+              <a:buAutoNum type="arabicPeriod"/>
+            </a:pPr>
+            <a:r>
+              <a:rPr lang="en-US" b="0" i="0" dirty="0">
+                <a:solidFill>
+                  <a:srgbClr val="000000"/>
+                </a:solidFill>
+                <a:effectLst/>
+                <a:latin typeface="Helvetica Neue"/>
+              </a:rPr>
+              <a:t> Normal indentation rules apply. The doc string must be indented under the heading of the definition, just as any statement.</a:t>
+            </a:r>
+          </a:p>
+          <a:p>
+            <a:pPr algn="l">
+              <a:buFont typeface="+mj-lt"/>
+              <a:buAutoNum type="arabicPeriod"/>
+            </a:pPr>
+            <a:r>
+              <a:rPr lang="en-US" b="0" i="0" dirty="0">
+                <a:solidFill>
+                  <a:srgbClr val="000000"/>
+                </a:solidFill>
+                <a:effectLst/>
+                <a:latin typeface="Helvetica Neue"/>
+              </a:rPr>
+              <a:t> The indentation requirement applies only to the first physical line. However, the cleanest style is to continue the indentation of the first line.</a:t>
+            </a:r>
+          </a:p>
+          <a:p>
+            <a:pPr algn="l">
+              <a:buFont typeface="+mj-lt"/>
+              <a:buAutoNum type="arabicPeriod"/>
+            </a:pPr>
+            <a:r>
+              <a:rPr lang="en-US" b="0" i="0" dirty="0">
+                <a:solidFill>
+                  <a:srgbClr val="000000"/>
+                </a:solidFill>
+                <a:effectLst/>
+                <a:latin typeface="Helvetica Neue"/>
+              </a:rPr>
+              <a:t> You can use any kind of quotation marks. However, the literal quote marks (''') enable you to write doc strings that span any number of physical lines.</a:t>
+            </a:r>
+          </a:p>
+          <a:p>
+            <a:pPr algn="just"/>
+            <a:r>
+              <a:rPr lang="en-US" b="0" i="0" dirty="0">
+                <a:solidFill>
+                  <a:srgbClr val="000000"/>
+                </a:solidFill>
+                <a:effectLst/>
+                <a:latin typeface="Helvetica Neue"/>
+              </a:rPr>
+              <a:t>The last thing we need to point out is the comment at the end of the function definition. The pound sign (#) indicates that anything following it is a comment. In this case, we mark the end of the function with a comment. When developing a module containing multiple functions, best practice encourages the placement of comments at the end of each function. This helps you to clearly see where one function ends and another begins.</a:t>
+            </a:r>
+          </a:p>
+          <a:p>
+            <a:pPr algn="just"/>
+            <a:endParaRPr lang="en-US" b="0" i="0" dirty="0">
+              <a:solidFill>
+                <a:srgbClr val="000000"/>
+              </a:solidFill>
+              <a:effectLst/>
+              <a:latin typeface="Helvetica Neue"/>
+            </a:endParaRPr>
           </a:p>
           <a:p>
             <a:pPr marL="0" marR="0" lvl="0" indent="0" algn="l" defTabSz="914400" rtl="0" eaLnBrk="1" fontAlgn="auto" latinLnBrk="0" hangingPunct="1">
@@ -2179,64 +1804,6 @@
             </a:pPr>
             <a:endParaRPr lang="en-US" dirty="0"/>
           </a:p>
-          <a:p>
-            <a:pPr algn="l"/>
-            <a:r>
-              <a:rPr lang="en-US" b="1" i="0" dirty="0">
-                <a:solidFill>
-                  <a:srgbClr val="000000"/>
-                </a:solidFill>
-                <a:effectLst/>
-                <a:latin typeface="Helvetica Neue"/>
-              </a:rPr>
-              <a:t>Python Functions</a:t>
-            </a:r>
-          </a:p>
-          <a:p>
-            <a:pPr algn="just"/>
-            <a:r>
-              <a:rPr lang="en-US" b="0" i="0" dirty="0">
-                <a:solidFill>
-                  <a:srgbClr val="000000"/>
-                </a:solidFill>
-                <a:effectLst/>
-                <a:latin typeface="Helvetica Neue"/>
-              </a:rPr>
-              <a:t>The fundamental concept behind functions is the notion of a contract. Just as Sheldon's relationship and roommate agreements ensure that the parties involved will act in regular and predictable ways, so too the interface to a function is like a contract. If a call to a function passes the correct arguments in the correct order, a well written function responds in a predictable way, providing the promised output.</a:t>
-            </a:r>
-          </a:p>
-          <a:p>
-            <a:pPr algn="just"/>
-            <a:endParaRPr lang="en-US" b="0" i="0" dirty="0">
-              <a:solidFill>
-                <a:srgbClr val="000000"/>
-              </a:solidFill>
-              <a:effectLst/>
-              <a:latin typeface="Helvetica Neue"/>
-            </a:endParaRPr>
-          </a:p>
-          <a:p>
-            <a:pPr algn="just"/>
-            <a:r>
-              <a:rPr lang="en-US" b="0" i="0" dirty="0">
-                <a:solidFill>
-                  <a:srgbClr val="000000"/>
-                </a:solidFill>
-                <a:effectLst/>
-                <a:latin typeface="Helvetica Neue"/>
-              </a:rPr>
-              <a:t>Counterintuitively, the first step in creating a function is to define what it will do. I say "counterintuitively" because most programmers simply dive right in and start writing code. This strategy works well for small and rather simple programs. However, you'll quickly run into trouble when the complexity begins to increase. For that reason, seasoned software developers usually begin by writing a specification (spec) - a document that spells out the terms of the contract. A well-written specification typically includes interface documentation as well as pseudocode, a clear statement in plain English of the steps to be taken to accomplish the function's task.</a:t>
-            </a:r>
-          </a:p>
-          <a:p>
-            <a:br>
-              <a:rPr lang="en-US" dirty="0"/>
-            </a:br>
-            <a:r>
-              <a:rPr lang="en-US" dirty="0"/>
-              <a:t>https://www.pinterest.com/pin/558024210062835602/</a:t>
-            </a:r>
-          </a:p>
         </p:txBody>
       </p:sp>
       <p:sp>
@@ -2265,7 +1832,7 @@
     </p:spTree>
     <p:extLst>
       <p:ext uri="{BB962C8B-B14F-4D97-AF65-F5344CB8AC3E}">
-        <p14:creationId xmlns:p14="http://schemas.microsoft.com/office/powerpoint/2010/main" val="880453606"/>
+        <p14:creationId xmlns:p14="http://schemas.microsoft.com/office/powerpoint/2010/main" val="932329178"/>
       </p:ext>
     </p:extLst>
   </p:cSld>
@@ -2319,223 +1886,27 @@
           <a:bodyPr/>
           <a:lstStyle/>
           <a:p>
-            <a:pPr algn="just"/>
-            <a:r>
-              <a:rPr lang="en-US" b="0" i="0" dirty="0">
-                <a:solidFill>
-                  <a:srgbClr val="000000"/>
-                </a:solidFill>
-                <a:effectLst/>
-                <a:latin typeface="Helvetica Neue"/>
-              </a:rPr>
-              <a:t>Let's illustrate this process by writing a spec for a rather simple function called </a:t>
-            </a:r>
-            <a:r>
-              <a:rPr lang="en-US" b="0" i="1" dirty="0">
-                <a:solidFill>
-                  <a:srgbClr val="000000"/>
-                </a:solidFill>
-                <a:effectLst/>
-                <a:latin typeface="Helvetica Neue"/>
-              </a:rPr>
-              <a:t>multiply.</a:t>
-            </a:r>
-            <a:r>
-              <a:rPr lang="en-US" b="0" i="0" dirty="0">
-                <a:solidFill>
-                  <a:srgbClr val="000000"/>
-                </a:solidFill>
-                <a:effectLst/>
-                <a:latin typeface="Helvetica Neue"/>
-              </a:rPr>
-              <a:t> Here's the initial specification.  Simple enough!</a:t>
-            </a:r>
-          </a:p>
-          <a:p>
-            <a:pPr algn="just"/>
-            <a:endParaRPr lang="en-US" b="0" i="0" dirty="0">
-              <a:solidFill>
-                <a:srgbClr val="000000"/>
-              </a:solidFill>
-              <a:effectLst/>
-              <a:latin typeface="Helvetica Neue"/>
-            </a:endParaRPr>
-          </a:p>
-          <a:p>
-            <a:pPr algn="just"/>
-            <a:r>
-              <a:rPr lang="en-US" b="0" i="0" dirty="0">
-                <a:solidFill>
-                  <a:srgbClr val="000000"/>
-                </a:solidFill>
-                <a:effectLst/>
-                <a:latin typeface="Helvetica Neue"/>
-              </a:rPr>
-              <a:t>Because this function is so simple, we won't bother with the pseudocode at this point. For more complex functions, however, pseudocode is strongly recommended as it helps you understand the flow and logic of your program before you start coding. With all that said, here's a first look at the code.</a:t>
-            </a:r>
-          </a:p>
-          <a:p>
-            <a:pPr algn="just"/>
-            <a:endParaRPr lang="en-US" b="0" i="0" dirty="0">
-              <a:solidFill>
-                <a:srgbClr val="000000"/>
-              </a:solidFill>
-              <a:effectLst/>
-              <a:latin typeface="Helvetica Neue"/>
-            </a:endParaRPr>
-          </a:p>
-          <a:p>
-            <a:pPr algn="just"/>
-            <a:r>
-              <a:rPr lang="en-US" b="0" i="0" dirty="0">
-                <a:solidFill>
-                  <a:srgbClr val="000000"/>
-                </a:solidFill>
-                <a:effectLst/>
-                <a:latin typeface="Helvetica Neue"/>
-              </a:rPr>
-              <a:t>This is a straightforward function, if there ever was one. Even so, a couple points need to be highlighted. Consider, for example, the documentation (doc) string immediately following the function definition. As you can see, this string is enclosed by three single quotes '''. The information in a doc string displays whenever one runs help() on a given function. Here's what you get when you run the command…</a:t>
-            </a:r>
-          </a:p>
-          <a:p>
-            <a:pPr algn="just"/>
-            <a:endParaRPr lang="en-US" b="0" i="0" dirty="0">
-              <a:solidFill>
-                <a:srgbClr val="000000"/>
-              </a:solidFill>
-              <a:effectLst/>
-              <a:latin typeface="Helvetica Neue"/>
-            </a:endParaRPr>
-          </a:p>
-          <a:p>
-            <a:pPr algn="just"/>
-            <a:r>
-              <a:rPr lang="en-US" b="0" i="0" dirty="0">
-                <a:solidFill>
-                  <a:srgbClr val="000000"/>
-                </a:solidFill>
-                <a:effectLst/>
-                <a:latin typeface="Helvetica Neue"/>
-              </a:rPr>
-              <a:t>In his wonderful book, </a:t>
-            </a:r>
-            <a:r>
-              <a:rPr lang="en-US" b="0" i="1" dirty="0">
-                <a:solidFill>
-                  <a:srgbClr val="000000"/>
-                </a:solidFill>
-                <a:effectLst/>
-                <a:latin typeface="Helvetica Neue"/>
-              </a:rPr>
-              <a:t>Python without Fear,</a:t>
-            </a:r>
-            <a:r>
-              <a:rPr lang="en-US" b="0" i="0" dirty="0">
-                <a:solidFill>
-                  <a:srgbClr val="000000"/>
-                </a:solidFill>
-                <a:effectLst/>
-                <a:latin typeface="Helvetica Neue"/>
-              </a:rPr>
-              <a:t> Brian Overland makes the following points about doc strings (p. 322). You'll want to keep these in mind as you create doc strings for your functions.</a:t>
-            </a:r>
-          </a:p>
-          <a:p>
-            <a:pPr algn="just"/>
-            <a:endParaRPr lang="en-US" b="0" i="0" dirty="0">
-              <a:solidFill>
-                <a:srgbClr val="000000"/>
-              </a:solidFill>
-              <a:effectLst/>
-              <a:latin typeface="Helvetica Neue"/>
-            </a:endParaRPr>
-          </a:p>
-          <a:p>
-            <a:pPr algn="l">
-              <a:buFont typeface="+mj-lt"/>
-              <a:buAutoNum type="arabicPeriod"/>
+            <a:pPr marL="0" marR="0" lvl="0" indent="0" algn="l" defTabSz="914400" rtl="0" eaLnBrk="1" fontAlgn="auto" latinLnBrk="0" hangingPunct="1">
+              <a:lnSpc>
+                <a:spcPct val="100000"/>
+              </a:lnSpc>
+              <a:spcBef>
+                <a:spcPts val="0"/>
+              </a:spcBef>
+              <a:spcAft>
+                <a:spcPts val="0"/>
+              </a:spcAft>
+              <a:buClrTx/>
+              <a:buSzTx/>
+              <a:buFontTx/>
+              <a:buNone/>
+              <a:tabLst/>
+              <a:defRPr/>
             </a:pPr>
             <a:r>
-              <a:rPr lang="en-US" b="0" i="0" dirty="0">
-                <a:solidFill>
-                  <a:srgbClr val="000000"/>
-                </a:solidFill>
-                <a:effectLst/>
-                <a:latin typeface="Helvetica Neue"/>
-              </a:rPr>
-              <a:t> The doc string must be the first statement after the beginning (header) of the function definition.</a:t>
-            </a:r>
-          </a:p>
-          <a:p>
-            <a:pPr algn="l">
-              <a:buFont typeface="+mj-lt"/>
-              <a:buAutoNum type="arabicPeriod"/>
-            </a:pPr>
-            <a:r>
-              <a:rPr lang="en-US" b="0" i="0" dirty="0">
-                <a:solidFill>
-                  <a:srgbClr val="000000"/>
-                </a:solidFill>
-                <a:effectLst/>
-                <a:latin typeface="Helvetica Neue"/>
-              </a:rPr>
-              <a:t> Normal indentation rules apply. The doc string must be indented under the heading of the definition, just as any statement.</a:t>
-            </a:r>
-          </a:p>
-          <a:p>
-            <a:pPr algn="l">
-              <a:buFont typeface="+mj-lt"/>
-              <a:buAutoNum type="arabicPeriod"/>
-            </a:pPr>
-            <a:r>
-              <a:rPr lang="en-US" b="0" i="0" dirty="0">
-                <a:solidFill>
-                  <a:srgbClr val="000000"/>
-                </a:solidFill>
-                <a:effectLst/>
-                <a:latin typeface="Helvetica Neue"/>
-              </a:rPr>
-              <a:t> The indentation requirement applies only to the first physical line. However, the cleanest style is to continue the indentation of the first line.</a:t>
-            </a:r>
-          </a:p>
-          <a:p>
-            <a:pPr algn="l">
-              <a:buFont typeface="+mj-lt"/>
-              <a:buAutoNum type="arabicPeriod"/>
-            </a:pPr>
-            <a:r>
-              <a:rPr lang="en-US" b="0" i="0" dirty="0">
-                <a:solidFill>
-                  <a:srgbClr val="000000"/>
-                </a:solidFill>
-                <a:effectLst/>
-                <a:latin typeface="Helvetica Neue"/>
-              </a:rPr>
-              <a:t> You can use any kind of quotation marks. However, the literal quote marks (''') enable you to write doc strings that span any number of physical lines.</a:t>
-            </a:r>
-          </a:p>
-          <a:p>
-            <a:pPr algn="just"/>
-            <a:r>
-              <a:rPr lang="en-US" b="0" i="0" dirty="0">
-                <a:solidFill>
-                  <a:srgbClr val="000000"/>
-                </a:solidFill>
-                <a:effectLst/>
-                <a:latin typeface="Helvetica Neue"/>
-              </a:rPr>
-              <a:t>The last thing we need to point out is the comment at the end of the function definition. The pound sign (#) indicates that anything following it is a comment. In this case, we mark the end of the function with a comment. When developing a module containing multiple functions, best practice encourages the placement of comments at the end of each function. This helps you to clearly see where one function ends and another begins.</a:t>
-            </a:r>
-          </a:p>
-          <a:p>
-            <a:pPr algn="just"/>
-            <a:endParaRPr lang="en-US" b="0" i="0" dirty="0">
-              <a:solidFill>
-                <a:srgbClr val="000000"/>
-              </a:solidFill>
-              <a:effectLst/>
-              <a:latin typeface="Helvetica Neue"/>
-            </a:endParaRPr>
+              <a:rPr lang="en-US" dirty="0"/>
+              <a:t>A function can be executed at any point in a program by referring to its name.  When a function is subsequently used in a program, we say that the definition is called or invoked.  Most Python functions have arguments, sometimes called parameters.  In this example, the add_up() function can receive two arguments – x and y.</a:t>
+            </a:r>
           </a:p>
           <a:p>
             <a:pPr marL="0" marR="0" lvl="0" indent="0" algn="l" defTabSz="914400" rtl="0" eaLnBrk="1" fontAlgn="auto" latinLnBrk="0" hangingPunct="1">
@@ -2557,6 +1928,49 @@
             </a:pPr>
             <a:endParaRPr lang="en-US" dirty="0"/>
           </a:p>
+          <a:p>
+            <a:pPr marL="0" marR="0" lvl="0" indent="0" algn="l" defTabSz="914400" rtl="0" eaLnBrk="1" fontAlgn="auto" latinLnBrk="0" hangingPunct="1">
+              <a:lnSpc>
+                <a:spcPct val="100000"/>
+              </a:lnSpc>
+              <a:spcBef>
+                <a:spcPts val="0"/>
+              </a:spcBef>
+              <a:spcAft>
+                <a:spcPts val="0"/>
+              </a:spcAft>
+              <a:buClrTx/>
+              <a:buSzTx/>
+              <a:buFontTx/>
+              <a:buNone/>
+              <a:tabLst/>
+              <a:defRPr/>
+            </a:pPr>
+            <a:r>
+              <a:rPr lang="en-US" dirty="0"/>
+              <a:t>Keep in mind that the term 'argument' and 'parameter' are used interchangeably in the technical literature.  You can also write functions which accept no arguments, as is the case with the get_the_time() function shown here.</a:t>
+            </a:r>
+          </a:p>
+          <a:p>
+            <a:pPr marL="0" marR="0" lvl="0" indent="0" algn="l" defTabSz="914400" rtl="0" eaLnBrk="1" fontAlgn="auto" latinLnBrk="0" hangingPunct="1">
+              <a:lnSpc>
+                <a:spcPct val="100000"/>
+              </a:lnSpc>
+              <a:spcBef>
+                <a:spcPts val="0"/>
+              </a:spcBef>
+              <a:spcAft>
+                <a:spcPts val="0"/>
+              </a:spcAft>
+              <a:buClrTx/>
+              <a:buSzTx/>
+              <a:buFontTx/>
+              <a:buNone/>
+              <a:tabLst/>
+              <a:defRPr/>
+            </a:pPr>
+            <a:endParaRPr lang="en-US" dirty="0"/>
+          </a:p>
         </p:txBody>
       </p:sp>
       <p:sp>
@@ -2585,7 +1999,7 @@
     </p:spTree>
     <p:extLst>
       <p:ext uri="{BB962C8B-B14F-4D97-AF65-F5344CB8AC3E}">
-        <p14:creationId xmlns:p14="http://schemas.microsoft.com/office/powerpoint/2010/main" val="932329178"/>
+        <p14:creationId xmlns:p14="http://schemas.microsoft.com/office/powerpoint/2010/main" val="2307613464"/>
       </p:ext>
     </p:extLst>
   </p:cSld>
@@ -2658,7 +2072,15 @@
             </a:pPr>
             <a:r>
               <a:rPr lang="en-US" dirty="0"/>
-              <a:t>Exercise 42 starts on page 116 of the textbook.  </a:t>
+              <a:t>When calling a function and passing arguments to it, you can do so in two ways – by position or by keyword.  We have a couple exercises to introduce you to these two options. Although you can pass arguments to a function in multiple ways, my personal preference is to pass arguments to functions by KEYWORD.  When you do that, you know exactly what's being passed to the function.  And your code becomes self-documenting.  This is important when you come back to a piece of code after a lapse of time.  The goal is to write code for the </a:t>
+            </a:r>
+            <a:r>
+              <a:rPr lang="en-US" b="1" dirty="0"/>
+              <a:t>future</a:t>
+            </a:r>
+            <a:r>
+              <a:rPr lang="en-US" dirty="0"/>
+              <a:t> you.</a:t>
             </a:r>
           </a:p>
           <a:p>
@@ -2709,7 +2131,7 @@
     </p:spTree>
     <p:extLst>
       <p:ext uri="{BB962C8B-B14F-4D97-AF65-F5344CB8AC3E}">
-        <p14:creationId xmlns:p14="http://schemas.microsoft.com/office/powerpoint/2010/main" val="3611845465"/>
+        <p14:creationId xmlns:p14="http://schemas.microsoft.com/office/powerpoint/2010/main" val="1314382224"/>
       </p:ext>
     </p:extLst>
   </p:cSld>
@@ -2780,72 +2202,6 @@
               <a:tabLst/>
               <a:defRPr/>
             </a:pPr>
-            <a:r>
-              <a:rPr lang="en-US" dirty="0"/>
-              <a:t>A function can be executed at any point in a program by referring to its name.  When a function is subsequently used in a program, we say that the definition is called or invoked.  Most Python functions have arguments, sometimes called parameters.  In this example, the add_up() function can receive two arguments – x and y.</a:t>
-            </a:r>
-          </a:p>
-          <a:p>
-            <a:pPr marL="0" marR="0" lvl="0" indent="0" algn="l" defTabSz="914400" rtl="0" eaLnBrk="1" fontAlgn="auto" latinLnBrk="0" hangingPunct="1">
-              <a:lnSpc>
-                <a:spcPct val="100000"/>
-              </a:lnSpc>
-              <a:spcBef>
-                <a:spcPts val="0"/>
-              </a:spcBef>
-              <a:spcAft>
-                <a:spcPts val="0"/>
-              </a:spcAft>
-              <a:buClrTx/>
-              <a:buSzTx/>
-              <a:buFontTx/>
-              <a:buNone/>
-              <a:tabLst/>
-              <a:defRPr/>
-            </a:pPr>
-            <a:endParaRPr lang="en-US" dirty="0"/>
-          </a:p>
-          <a:p>
-            <a:pPr marL="0" marR="0" lvl="0" indent="0" algn="l" defTabSz="914400" rtl="0" eaLnBrk="1" fontAlgn="auto" latinLnBrk="0" hangingPunct="1">
-              <a:lnSpc>
-                <a:spcPct val="100000"/>
-              </a:lnSpc>
-              <a:spcBef>
-                <a:spcPts val="0"/>
-              </a:spcBef>
-              <a:spcAft>
-                <a:spcPts val="0"/>
-              </a:spcAft>
-              <a:buClrTx/>
-              <a:buSzTx/>
-              <a:buFontTx/>
-              <a:buNone/>
-              <a:tabLst/>
-              <a:defRPr/>
-            </a:pPr>
-            <a:r>
-              <a:rPr lang="en-US" dirty="0"/>
-              <a:t>Keep in mind that the term 'argument' and 'parameter' are used interchangeably in the technical literature.  You can also write functions which accept no arguments, as is the case with the get_the_time() function shown here.</a:t>
-            </a:r>
-          </a:p>
-          <a:p>
-            <a:pPr marL="0" marR="0" lvl="0" indent="0" algn="l" defTabSz="914400" rtl="0" eaLnBrk="1" fontAlgn="auto" latinLnBrk="0" hangingPunct="1">
-              <a:lnSpc>
-                <a:spcPct val="100000"/>
-              </a:lnSpc>
-              <a:spcBef>
-                <a:spcPts val="0"/>
-              </a:spcBef>
-              <a:spcAft>
-                <a:spcPts val="0"/>
-              </a:spcAft>
-              <a:buClrTx/>
-              <a:buSzTx/>
-              <a:buFontTx/>
-              <a:buNone/>
-              <a:tabLst/>
-              <a:defRPr/>
-            </a:pPr>
             <a:endParaRPr lang="en-US" dirty="0"/>
           </a:p>
         </p:txBody>
@@ -2876,7 +2232,7 @@
     </p:spTree>
     <p:extLst>
       <p:ext uri="{BB962C8B-B14F-4D97-AF65-F5344CB8AC3E}">
-        <p14:creationId xmlns:p14="http://schemas.microsoft.com/office/powerpoint/2010/main" val="2307613464"/>
+        <p14:creationId xmlns:p14="http://schemas.microsoft.com/office/powerpoint/2010/main" val="3830469567"/>
       </p:ext>
     </p:extLst>
   </p:cSld>
@@ -3033,7 +2389,7 @@
           <a:p>
             <a:fld id="{C3F78080-8D0A-4BE8-A5B4-CB115102D524}" type="datetimeFigureOut">
               <a:rPr lang="en-US" smtClean="0"/>
-              <a:t>11/17/2021</a:t>
+              <a:t>6/1/2022</a:t>
             </a:fld>
             <a:endParaRPr lang="en-US"/>
           </a:p>
@@ -3231,7 +2587,7 @@
           <a:p>
             <a:fld id="{C3F78080-8D0A-4BE8-A5B4-CB115102D524}" type="datetimeFigureOut">
               <a:rPr lang="en-US" smtClean="0"/>
-              <a:t>11/17/2021</a:t>
+              <a:t>6/1/2022</a:t>
             </a:fld>
             <a:endParaRPr lang="en-US"/>
           </a:p>
@@ -3439,7 +2795,7 @@
           <a:p>
             <a:fld id="{C3F78080-8D0A-4BE8-A5B4-CB115102D524}" type="datetimeFigureOut">
               <a:rPr lang="en-US" smtClean="0"/>
-              <a:t>11/17/2021</a:t>
+              <a:t>6/1/2022</a:t>
             </a:fld>
             <a:endParaRPr lang="en-US"/>
           </a:p>
@@ -3637,7 +2993,7 @@
           <a:p>
             <a:fld id="{C3F78080-8D0A-4BE8-A5B4-CB115102D524}" type="datetimeFigureOut">
               <a:rPr lang="en-US" smtClean="0"/>
-              <a:t>11/17/2021</a:t>
+              <a:t>6/1/2022</a:t>
             </a:fld>
             <a:endParaRPr lang="en-US"/>
           </a:p>
@@ -3912,7 +3268,7 @@
           <a:p>
             <a:fld id="{C3F78080-8D0A-4BE8-A5B4-CB115102D524}" type="datetimeFigureOut">
               <a:rPr lang="en-US" smtClean="0"/>
-              <a:t>11/17/2021</a:t>
+              <a:t>6/1/2022</a:t>
             </a:fld>
             <a:endParaRPr lang="en-US"/>
           </a:p>
@@ -4177,7 +3533,7 @@
           <a:p>
             <a:fld id="{C3F78080-8D0A-4BE8-A5B4-CB115102D524}" type="datetimeFigureOut">
               <a:rPr lang="en-US" smtClean="0"/>
-              <a:t>11/17/2021</a:t>
+              <a:t>6/1/2022</a:t>
             </a:fld>
             <a:endParaRPr lang="en-US"/>
           </a:p>
@@ -4589,7 +3945,7 @@
           <a:p>
             <a:fld id="{C3F78080-8D0A-4BE8-A5B4-CB115102D524}" type="datetimeFigureOut">
               <a:rPr lang="en-US" smtClean="0"/>
-              <a:t>11/17/2021</a:t>
+              <a:t>6/1/2022</a:t>
             </a:fld>
             <a:endParaRPr lang="en-US"/>
           </a:p>
@@ -4730,7 +4086,7 @@
           <a:p>
             <a:fld id="{C3F78080-8D0A-4BE8-A5B4-CB115102D524}" type="datetimeFigureOut">
               <a:rPr lang="en-US" smtClean="0"/>
-              <a:t>11/17/2021</a:t>
+              <a:t>6/1/2022</a:t>
             </a:fld>
             <a:endParaRPr lang="en-US"/>
           </a:p>
@@ -4843,7 +4199,7 @@
           <a:p>
             <a:fld id="{C3F78080-8D0A-4BE8-A5B4-CB115102D524}" type="datetimeFigureOut">
               <a:rPr lang="en-US" smtClean="0"/>
-              <a:t>11/17/2021</a:t>
+              <a:t>6/1/2022</a:t>
             </a:fld>
             <a:endParaRPr lang="en-US"/>
           </a:p>
@@ -5154,7 +4510,7 @@
           <a:p>
             <a:fld id="{C3F78080-8D0A-4BE8-A5B4-CB115102D524}" type="datetimeFigureOut">
               <a:rPr lang="en-US" smtClean="0"/>
-              <a:t>11/17/2021</a:t>
+              <a:t>6/1/2022</a:t>
             </a:fld>
             <a:endParaRPr lang="en-US"/>
           </a:p>
@@ -5442,7 +4798,7 @@
           <a:p>
             <a:fld id="{C3F78080-8D0A-4BE8-A5B4-CB115102D524}" type="datetimeFigureOut">
               <a:rPr lang="en-US" smtClean="0"/>
-              <a:t>11/17/2021</a:t>
+              <a:t>6/1/2022</a:t>
             </a:fld>
             <a:endParaRPr lang="en-US"/>
           </a:p>
@@ -5683,7 +5039,7 @@
           <a:p>
             <a:fld id="{C3F78080-8D0A-4BE8-A5B4-CB115102D524}" type="datetimeFigureOut">
               <a:rPr lang="en-US" smtClean="0"/>
-              <a:t>11/17/2021</a:t>
+              <a:t>6/1/2022</a:t>
             </a:fld>
             <a:endParaRPr lang="en-US"/>
           </a:p>
@@ -6216,59 +5572,116 @@
       </p:grpSpPr>
       <p:sp>
         <p:nvSpPr>
-          <p:cNvPr id="10" name="Title 3">
-            <a:extLst>
-              <a:ext uri="{FF2B5EF4-FFF2-40B4-BE49-F238E27FC236}">
-                <a16:creationId xmlns:a16="http://schemas.microsoft.com/office/drawing/2014/main" id="{0B9179B9-24F9-486B-8D20-29B0A09C9FAD}"/>
-              </a:ext>
-            </a:extLst>
-          </p:cNvPr>
-          <p:cNvSpPr>
-            <a:spLocks noGrp="1"/>
-          </p:cNvSpPr>
-          <p:nvPr>
-            <p:ph type="title"/>
-          </p:nvPr>
+          <p:cNvPr id="5" name="Title 3">
+            <a:extLst>
+              <a:ext uri="{FF2B5EF4-FFF2-40B4-BE49-F238E27FC236}">
+                <a16:creationId xmlns:a16="http://schemas.microsoft.com/office/drawing/2014/main" id="{877E605A-7720-49C5-A32C-BE23908AA888}"/>
+              </a:ext>
+            </a:extLst>
+          </p:cNvPr>
+          <p:cNvSpPr txBox="1">
+            <a:spLocks/>
+          </p:cNvSpPr>
+          <p:nvPr/>
         </p:nvSpPr>
         <p:spPr>
           <a:xfrm>
-            <a:off x="0" y="2766218"/>
-            <a:ext cx="12192000" cy="1325563"/>
+            <a:off x="0" y="1720197"/>
+            <a:ext cx="12192000" cy="3417606"/>
           </a:xfrm>
+          <a:prstGeom prst="rect">
+            <a:avLst/>
+          </a:prstGeom>
         </p:spPr>
         <p:txBody>
-          <a:bodyPr/>
-          <a:lstStyle/>
+          <a:bodyPr vert="horz" lIns="91440" tIns="45720" rIns="91440" bIns="45720" rtlCol="0" anchor="ctr">
+            <a:normAutofit/>
+          </a:bodyPr>
+          <a:lstStyle>
+            <a:lvl1pPr algn="l" defTabSz="914400" rtl="0" eaLnBrk="1" latinLnBrk="0" hangingPunct="1">
+              <a:lnSpc>
+                <a:spcPct val="90000"/>
+              </a:lnSpc>
+              <a:spcBef>
+                <a:spcPct val="0"/>
+              </a:spcBef>
+              <a:buNone/>
+              <a:defRPr sz="4400" kern="1200">
+                <a:solidFill>
+                  <a:schemeClr val="tx1"/>
+                </a:solidFill>
+                <a:latin typeface="+mj-lt"/>
+                <a:ea typeface="+mj-ea"/>
+                <a:cs typeface="+mj-cs"/>
+              </a:defRPr>
+            </a:lvl1pPr>
+          </a:lstStyle>
           <a:p>
             <a:pPr algn="ctr"/>
             <a:r>
-              <a:rPr lang="en-US" sz="4400" dirty="0">
+              <a:rPr lang="en-US" dirty="0">
                 <a:solidFill>
-                  <a:schemeClr val="tx1">
+                  <a:schemeClr val="accent4">
                     <a:lumMod val="75000"/>
-                    <a:lumOff val="25000"/>
                   </a:schemeClr>
                 </a:solidFill>
-                <a:latin typeface="Palatino Linotype" panose="02040502050505030304" pitchFamily="18" charset="0"/>
+                <a:latin typeface="Courier New" panose="02070309020205020404" pitchFamily="49" charset="0"/>
+                <a:cs typeface="Courier New" panose="02070309020205020404" pitchFamily="49" charset="0"/>
               </a:rPr>
-              <a:t>Call by Position or Keyword?</a:t>
-            </a:r>
-            <a:endParaRPr lang="en-US" dirty="0">
-              <a:solidFill>
-                <a:schemeClr val="tx1">
-                  <a:lumMod val="75000"/>
-                  <a:lumOff val="25000"/>
-                </a:schemeClr>
-              </a:solidFill>
-              <a:latin typeface="Palatino Linotype" panose="02040502050505030304" pitchFamily="18" charset="0"/>
-            </a:endParaRPr>
+              <a:t>Do not repeat yourself</a:t>
+            </a:r>
+          </a:p>
+          <a:p>
+            <a:pPr algn="ctr"/>
+            <a:r>
+              <a:rPr lang="en-US" dirty="0">
+                <a:solidFill>
+                  <a:schemeClr val="accent4">
+                    <a:lumMod val="75000"/>
+                  </a:schemeClr>
+                </a:solidFill>
+                <a:latin typeface="Courier New" panose="02070309020205020404" pitchFamily="49" charset="0"/>
+                <a:cs typeface="Courier New" panose="02070309020205020404" pitchFamily="49" charset="0"/>
+              </a:rPr>
+              <a:t>Do not repeat yourself</a:t>
+            </a:r>
+          </a:p>
+          <a:p>
+            <a:pPr algn="ctr"/>
+            <a:r>
+              <a:rPr lang="en-US" dirty="0">
+                <a:solidFill>
+                  <a:schemeClr val="accent4">
+                    <a:lumMod val="75000"/>
+                  </a:schemeClr>
+                </a:solidFill>
+                <a:latin typeface="Courier New" panose="02070309020205020404" pitchFamily="49" charset="0"/>
+                <a:cs typeface="Courier New" panose="02070309020205020404" pitchFamily="49" charset="0"/>
+              </a:rPr>
+              <a:t>Do not repeat yourself</a:t>
+            </a:r>
+          </a:p>
+          <a:p>
+            <a:pPr algn="ctr"/>
+            <a:r>
+              <a:rPr lang="en-US" dirty="0">
+                <a:solidFill>
+                  <a:schemeClr val="accent4">
+                    <a:lumMod val="75000"/>
+                  </a:schemeClr>
+                </a:solidFill>
+                <a:latin typeface="Courier New" panose="02070309020205020404" pitchFamily="49" charset="0"/>
+                <a:cs typeface="Courier New" panose="02070309020205020404" pitchFamily="49" charset="0"/>
+              </a:rPr>
+              <a:t>Do not repeat yourself</a:t>
+            </a:r>
           </a:p>
         </p:txBody>
       </p:sp>
     </p:spTree>
     <p:extLst>
       <p:ext uri="{BB962C8B-B14F-4D97-AF65-F5344CB8AC3E}">
-        <p14:creationId xmlns:p14="http://schemas.microsoft.com/office/powerpoint/2010/main" val="1986634862"/>
+        <p14:creationId xmlns:p14="http://schemas.microsoft.com/office/powerpoint/2010/main" val="3989656751"/>
       </p:ext>
     </p:extLst>
   </p:cSld>
@@ -6307,823 +5720,6 @@
           <a:chExt cx="0" cy="0"/>
         </a:xfrm>
       </p:grpSpPr>
-      <p:sp>
-        <p:nvSpPr>
-          <p:cNvPr id="4" name="Title 3">
-            <a:extLst>
-              <a:ext uri="{FF2B5EF4-FFF2-40B4-BE49-F238E27FC236}">
-                <a16:creationId xmlns:a16="http://schemas.microsoft.com/office/drawing/2014/main" id="{A022B8E0-DD9C-49D7-82FB-ACD3443312AF}"/>
-              </a:ext>
-            </a:extLst>
-          </p:cNvPr>
-          <p:cNvSpPr>
-            <a:spLocks noGrp="1"/>
-          </p:cNvSpPr>
-          <p:nvPr>
-            <p:ph type="title"/>
-          </p:nvPr>
-        </p:nvSpPr>
-        <p:spPr>
-          <a:xfrm>
-            <a:off x="0" y="2828212"/>
-            <a:ext cx="12192000" cy="805144"/>
-          </a:xfrm>
-        </p:spPr>
-        <p:txBody>
-          <a:bodyPr/>
-          <a:lstStyle/>
-          <a:p>
-            <a:r>
-              <a:rPr lang="en-US" dirty="0">
-                <a:solidFill>
-                  <a:schemeClr val="tx1">
-                    <a:lumMod val="65000"/>
-                    <a:lumOff val="35000"/>
-                  </a:schemeClr>
-                </a:solidFill>
-                <a:latin typeface="Palatino Linotype" panose="02040502050505030304" pitchFamily="18" charset="0"/>
-              </a:rPr>
-              <a:t>		45: Keyword Function</a:t>
-            </a:r>
-          </a:p>
-        </p:txBody>
-      </p:sp>
-      <p:pic>
-        <p:nvPicPr>
-          <p:cNvPr id="3" name="Picture 2">
-            <a:extLst>
-              <a:ext uri="{FF2B5EF4-FFF2-40B4-BE49-F238E27FC236}">
-                <a16:creationId xmlns:a16="http://schemas.microsoft.com/office/drawing/2014/main" id="{D6D7883A-3DD2-4EB0-91B5-727D5E420734}"/>
-              </a:ext>
-            </a:extLst>
-          </p:cNvPr>
-          <p:cNvPicPr>
-            <a:picLocks noChangeAspect="1"/>
-          </p:cNvPicPr>
-          <p:nvPr/>
-        </p:nvPicPr>
-        <p:blipFill>
-          <a:blip r:embed="rId3"/>
-          <a:stretch>
-            <a:fillRect/>
-          </a:stretch>
-        </p:blipFill>
-        <p:spPr>
-          <a:xfrm>
-            <a:off x="0" y="365760"/>
-            <a:ext cx="3233668" cy="805144"/>
-          </a:xfrm>
-          <a:prstGeom prst="rect">
-            <a:avLst/>
-          </a:prstGeom>
-        </p:spPr>
-      </p:pic>
-      <p:sp>
-        <p:nvSpPr>
-          <p:cNvPr id="5" name="Title 3">
-            <a:extLst>
-              <a:ext uri="{FF2B5EF4-FFF2-40B4-BE49-F238E27FC236}">
-                <a16:creationId xmlns:a16="http://schemas.microsoft.com/office/drawing/2014/main" id="{8F110C88-5AEF-40A7-91D2-1753CE220EFC}"/>
-              </a:ext>
-            </a:extLst>
-          </p:cNvPr>
-          <p:cNvSpPr txBox="1">
-            <a:spLocks/>
-          </p:cNvSpPr>
-          <p:nvPr/>
-        </p:nvSpPr>
-        <p:spPr>
-          <a:xfrm>
-            <a:off x="0" y="3744966"/>
-            <a:ext cx="12192000" cy="805144"/>
-          </a:xfrm>
-          <a:prstGeom prst="rect">
-            <a:avLst/>
-          </a:prstGeom>
-        </p:spPr>
-        <p:txBody>
-          <a:bodyPr vert="horz" lIns="91440" tIns="45720" rIns="91440" bIns="45720" rtlCol="0" anchor="ctr">
-            <a:normAutofit/>
-          </a:bodyPr>
-          <a:lstStyle>
-            <a:lvl1pPr algn="l" defTabSz="914400" rtl="0" eaLnBrk="1" latinLnBrk="0" hangingPunct="1">
-              <a:lnSpc>
-                <a:spcPct val="90000"/>
-              </a:lnSpc>
-              <a:spcBef>
-                <a:spcPct val="0"/>
-              </a:spcBef>
-              <a:buNone/>
-              <a:defRPr sz="4400" kern="1200">
-                <a:solidFill>
-                  <a:schemeClr val="tx1"/>
-                </a:solidFill>
-                <a:latin typeface="+mj-lt"/>
-                <a:ea typeface="+mj-ea"/>
-                <a:cs typeface="+mj-cs"/>
-              </a:defRPr>
-            </a:lvl1pPr>
-          </a:lstStyle>
-          <a:p>
-            <a:r>
-              <a:rPr lang="en-US" dirty="0">
-                <a:solidFill>
-                  <a:schemeClr val="tx1">
-                    <a:lumMod val="65000"/>
-                    <a:lumOff val="35000"/>
-                  </a:schemeClr>
-                </a:solidFill>
-                <a:latin typeface="Palatino Linotype" panose="02040502050505030304" pitchFamily="18" charset="0"/>
-              </a:rPr>
-              <a:t>		46: Positional &amp; Keyword Function</a:t>
-            </a:r>
-          </a:p>
-        </p:txBody>
-      </p:sp>
-    </p:spTree>
-    <p:extLst>
-      <p:ext uri="{BB962C8B-B14F-4D97-AF65-F5344CB8AC3E}">
-        <p14:creationId xmlns:p14="http://schemas.microsoft.com/office/powerpoint/2010/main" val="2351041525"/>
-      </p:ext>
-    </p:extLst>
-  </p:cSld>
-  <p:clrMapOvr>
-    <a:masterClrMapping/>
-  </p:clrMapOvr>
-  <mc:AlternateContent xmlns:mc="http://schemas.openxmlformats.org/markup-compatibility/2006" xmlns:p14="http://schemas.microsoft.com/office/powerpoint/2010/main">
-    <mc:Choice Requires="p14">
-      <p:transition spd="med" p14:dur="700">
-        <p:fade/>
-      </p:transition>
-    </mc:Choice>
-    <mc:Fallback xmlns="">
-      <p:transition spd="med">
-        <p:fade/>
-      </p:transition>
-    </mc:Fallback>
-  </mc:AlternateContent>
-</p:sld>
-</file>
-
-<file path=ppt/slides/slide12.xml><?xml version="1.0" encoding="utf-8"?>
-<p:sld xmlns:a="http://schemas.openxmlformats.org/drawingml/2006/main" xmlns:r="http://schemas.openxmlformats.org/officeDocument/2006/relationships" xmlns:p="http://schemas.openxmlformats.org/presentationml/2006/main">
-  <p:cSld>
-    <p:spTree>
-      <p:nvGrpSpPr>
-        <p:cNvPr id="1" name=""/>
-        <p:cNvGrpSpPr/>
-        <p:nvPr/>
-      </p:nvGrpSpPr>
-      <p:grpSpPr>
-        <a:xfrm>
-          <a:off x="0" y="0"/>
-          <a:ext cx="0" cy="0"/>
-          <a:chOff x="0" y="0"/>
-          <a:chExt cx="0" cy="0"/>
-        </a:xfrm>
-      </p:grpSpPr>
-      <p:sp>
-        <p:nvSpPr>
-          <p:cNvPr id="4" name="Title 3">
-            <a:extLst>
-              <a:ext uri="{FF2B5EF4-FFF2-40B4-BE49-F238E27FC236}">
-                <a16:creationId xmlns:a16="http://schemas.microsoft.com/office/drawing/2014/main" id="{33138175-F3B0-4FC6-B2C2-6A0D9680E52B}"/>
-              </a:ext>
-            </a:extLst>
-          </p:cNvPr>
-          <p:cNvSpPr>
-            <a:spLocks noGrp="1"/>
-          </p:cNvSpPr>
-          <p:nvPr>
-            <p:ph type="title"/>
-          </p:nvPr>
-        </p:nvSpPr>
-        <p:spPr/>
-        <p:txBody>
-          <a:bodyPr/>
-          <a:lstStyle/>
-          <a:p>
-            <a:pPr algn="ctr"/>
-            <a:r>
-              <a:rPr lang="en-US" dirty="0">
-                <a:solidFill>
-                  <a:schemeClr val="tx1">
-                    <a:lumMod val="65000"/>
-                    <a:lumOff val="35000"/>
-                  </a:schemeClr>
-                </a:solidFill>
-                <a:latin typeface="Palatino Linotype" panose="02040502050505030304" pitchFamily="18" charset="0"/>
-              </a:rPr>
-              <a:t>Iterative Functions</a:t>
-            </a:r>
-          </a:p>
-        </p:txBody>
-      </p:sp>
-      <p:sp>
-        <p:nvSpPr>
-          <p:cNvPr id="5" name="TextBox 4">
-            <a:extLst>
-              <a:ext uri="{FF2B5EF4-FFF2-40B4-BE49-F238E27FC236}">
-                <a16:creationId xmlns:a16="http://schemas.microsoft.com/office/drawing/2014/main" id="{1A9B3BBA-447C-49B3-8FD5-0340D61D3D48}"/>
-              </a:ext>
-            </a:extLst>
-          </p:cNvPr>
-          <p:cNvSpPr txBox="1"/>
-          <p:nvPr/>
-        </p:nvSpPr>
-        <p:spPr>
-          <a:xfrm>
-            <a:off x="0" y="6550223"/>
-            <a:ext cx="12192000" cy="307777"/>
-          </a:xfrm>
-          <a:prstGeom prst="rect">
-            <a:avLst/>
-          </a:prstGeom>
-          <a:noFill/>
-        </p:spPr>
-        <p:txBody>
-          <a:bodyPr wrap="square" rtlCol="0">
-            <a:spAutoFit/>
-          </a:bodyPr>
-          <a:lstStyle/>
-          <a:p>
-            <a:pPr>
-              <a:defRPr/>
-            </a:pPr>
-            <a:r>
-              <a:rPr lang="en-US" sz="1400" dirty="0">
-                <a:solidFill>
-                  <a:schemeClr val="tx1">
-                    <a:lumMod val="65000"/>
-                    <a:lumOff val="35000"/>
-                  </a:schemeClr>
-                </a:solidFill>
-                <a:latin typeface="+mj-lt"/>
-                <a:ea typeface="Verdana" panose="020B0604030504040204" pitchFamily="34" charset="0"/>
-              </a:rPr>
-              <a:t>Image Credit: https://www.kindpng.com/free/blue-arrow/</a:t>
-            </a:r>
-            <a:endParaRPr lang="en-US" sz="1400" dirty="0">
-              <a:solidFill>
-                <a:schemeClr val="tx1">
-                  <a:lumMod val="65000"/>
-                  <a:lumOff val="35000"/>
-                </a:schemeClr>
-              </a:solidFill>
-              <a:latin typeface="+mj-lt"/>
-            </a:endParaRPr>
-          </a:p>
-        </p:txBody>
-      </p:sp>
-      <p:pic>
-        <p:nvPicPr>
-          <p:cNvPr id="3076" name="Picture 4" descr="Blue Arrow PNG Images, Free Transparent Blue Arrow Download - KindPNG">
-            <a:extLst>
-              <a:ext uri="{FF2B5EF4-FFF2-40B4-BE49-F238E27FC236}">
-                <a16:creationId xmlns:a16="http://schemas.microsoft.com/office/drawing/2014/main" id="{0691F7B4-7EE2-469E-A181-D4AA30E631AB}"/>
-              </a:ext>
-            </a:extLst>
-          </p:cNvPr>
-          <p:cNvPicPr>
-            <a:picLocks noChangeAspect="1" noChangeArrowheads="1"/>
-          </p:cNvPicPr>
-          <p:nvPr/>
-        </p:nvPicPr>
-        <p:blipFill>
-          <a:blip r:embed="rId3">
-            <a:clrChange>
-              <a:clrFrom>
-                <a:srgbClr val="F6F6F6"/>
-              </a:clrFrom>
-              <a:clrTo>
-                <a:srgbClr val="F6F6F6">
-                  <a:alpha val="0"/>
-                </a:srgbClr>
-              </a:clrTo>
-            </a:clrChange>
-            <a:extLst>
-              <a:ext uri="{28A0092B-C50C-407E-A947-70E740481C1C}">
-                <a14:useLocalDpi xmlns:a14="http://schemas.microsoft.com/office/drawing/2010/main" val="0"/>
-              </a:ext>
-            </a:extLst>
-          </a:blip>
-          <a:srcRect/>
-          <a:stretch>
-            <a:fillRect/>
-          </a:stretch>
-        </p:blipFill>
-        <p:spPr bwMode="auto">
-          <a:xfrm>
-            <a:off x="4418597" y="2113092"/>
-            <a:ext cx="3354805" cy="3354805"/>
-          </a:xfrm>
-          <a:prstGeom prst="rect">
-            <a:avLst/>
-          </a:prstGeom>
-          <a:noFill/>
-          <a:extLst>
-            <a:ext uri="{909E8E84-426E-40DD-AFC4-6F175D3DCCD1}">
-              <a14:hiddenFill xmlns:a14="http://schemas.microsoft.com/office/drawing/2010/main">
-                <a:solidFill>
-                  <a:srgbClr val="FFFFFF"/>
-                </a:solidFill>
-              </a14:hiddenFill>
-            </a:ext>
-          </a:extLst>
-        </p:spPr>
-      </p:pic>
-    </p:spTree>
-    <p:extLst>
-      <p:ext uri="{BB962C8B-B14F-4D97-AF65-F5344CB8AC3E}">
-        <p14:creationId xmlns:p14="http://schemas.microsoft.com/office/powerpoint/2010/main" val="808335887"/>
-      </p:ext>
-    </p:extLst>
-  </p:cSld>
-  <p:clrMapOvr>
-    <a:masterClrMapping/>
-  </p:clrMapOvr>
-  <mc:AlternateContent xmlns:mc="http://schemas.openxmlformats.org/markup-compatibility/2006" xmlns:p14="http://schemas.microsoft.com/office/powerpoint/2010/main">
-    <mc:Choice Requires="p14">
-      <p:transition spd="med" p14:dur="700">
-        <p:fade/>
-      </p:transition>
-    </mc:Choice>
-    <mc:Fallback xmlns="">
-      <p:transition spd="med">
-        <p:fade/>
-      </p:transition>
-    </mc:Fallback>
-  </mc:AlternateContent>
-</p:sld>
-</file>
-
-<file path=ppt/slides/slide13.xml><?xml version="1.0" encoding="utf-8"?>
-<p:sld xmlns:a="http://schemas.openxmlformats.org/drawingml/2006/main" xmlns:r="http://schemas.openxmlformats.org/officeDocument/2006/relationships" xmlns:p="http://schemas.openxmlformats.org/presentationml/2006/main">
-  <p:cSld>
-    <p:spTree>
-      <p:nvGrpSpPr>
-        <p:cNvPr id="1" name=""/>
-        <p:cNvGrpSpPr/>
-        <p:nvPr/>
-      </p:nvGrpSpPr>
-      <p:grpSpPr>
-        <a:xfrm>
-          <a:off x="0" y="0"/>
-          <a:ext cx="0" cy="0"/>
-          <a:chOff x="0" y="0"/>
-          <a:chExt cx="0" cy="0"/>
-        </a:xfrm>
-      </p:grpSpPr>
-      <p:sp>
-        <p:nvSpPr>
-          <p:cNvPr id="2" name="Title 3">
-            <a:extLst>
-              <a:ext uri="{FF2B5EF4-FFF2-40B4-BE49-F238E27FC236}">
-                <a16:creationId xmlns:a16="http://schemas.microsoft.com/office/drawing/2014/main" id="{C9455D6B-62B8-475B-9063-DAA7F7BF0230}"/>
-              </a:ext>
-            </a:extLst>
-          </p:cNvPr>
-          <p:cNvSpPr>
-            <a:spLocks noGrp="1"/>
-          </p:cNvSpPr>
-          <p:nvPr>
-            <p:ph type="title"/>
-          </p:nvPr>
-        </p:nvSpPr>
-        <p:spPr>
-          <a:xfrm>
-            <a:off x="0" y="2978486"/>
-            <a:ext cx="12192000" cy="805145"/>
-          </a:xfrm>
-        </p:spPr>
-        <p:txBody>
-          <a:bodyPr/>
-          <a:lstStyle/>
-          <a:p>
-            <a:r>
-              <a:rPr lang="en-US" dirty="0">
-                <a:solidFill>
-                  <a:schemeClr val="tx1">
-                    <a:lumMod val="65000"/>
-                    <a:lumOff val="35000"/>
-                  </a:schemeClr>
-                </a:solidFill>
-                <a:latin typeface="Palatino Linotype" panose="02040502050505030304" pitchFamily="18" charset="0"/>
-              </a:rPr>
-              <a:t>		48: For Loop Function</a:t>
-            </a:r>
-          </a:p>
-        </p:txBody>
-      </p:sp>
-      <p:pic>
-        <p:nvPicPr>
-          <p:cNvPr id="3" name="Picture 2">
-            <a:extLst>
-              <a:ext uri="{FF2B5EF4-FFF2-40B4-BE49-F238E27FC236}">
-                <a16:creationId xmlns:a16="http://schemas.microsoft.com/office/drawing/2014/main" id="{FBDA8249-78CA-498B-98FC-53FC1013A624}"/>
-              </a:ext>
-            </a:extLst>
-          </p:cNvPr>
-          <p:cNvPicPr>
-            <a:picLocks noChangeAspect="1"/>
-          </p:cNvPicPr>
-          <p:nvPr/>
-        </p:nvPicPr>
-        <p:blipFill>
-          <a:blip r:embed="rId3"/>
-          <a:stretch>
-            <a:fillRect/>
-          </a:stretch>
-        </p:blipFill>
-        <p:spPr>
-          <a:xfrm>
-            <a:off x="0" y="365760"/>
-            <a:ext cx="3233668" cy="805144"/>
-          </a:xfrm>
-          <a:prstGeom prst="rect">
-            <a:avLst/>
-          </a:prstGeom>
-        </p:spPr>
-      </p:pic>
-      <p:sp>
-        <p:nvSpPr>
-          <p:cNvPr id="4" name="Title 3">
-            <a:extLst>
-              <a:ext uri="{FF2B5EF4-FFF2-40B4-BE49-F238E27FC236}">
-                <a16:creationId xmlns:a16="http://schemas.microsoft.com/office/drawing/2014/main" id="{8FD5888A-4E83-4999-BF72-D2063BA97B46}"/>
-              </a:ext>
-            </a:extLst>
-          </p:cNvPr>
-          <p:cNvSpPr txBox="1">
-            <a:spLocks/>
-          </p:cNvSpPr>
-          <p:nvPr/>
-        </p:nvSpPr>
-        <p:spPr>
-          <a:xfrm>
-            <a:off x="0" y="3879514"/>
-            <a:ext cx="12192000" cy="805145"/>
-          </a:xfrm>
-          <a:prstGeom prst="rect">
-            <a:avLst/>
-          </a:prstGeom>
-        </p:spPr>
-        <p:txBody>
-          <a:bodyPr vert="horz" lIns="91440" tIns="45720" rIns="91440" bIns="45720" rtlCol="0" anchor="ctr">
-            <a:normAutofit/>
-          </a:bodyPr>
-          <a:lstStyle>
-            <a:lvl1pPr algn="l" defTabSz="914400" rtl="0" eaLnBrk="1" latinLnBrk="0" hangingPunct="1">
-              <a:lnSpc>
-                <a:spcPct val="90000"/>
-              </a:lnSpc>
-              <a:spcBef>
-                <a:spcPct val="0"/>
-              </a:spcBef>
-              <a:buNone/>
-              <a:defRPr sz="4400" kern="1200">
-                <a:solidFill>
-                  <a:schemeClr val="tx1"/>
-                </a:solidFill>
-                <a:latin typeface="+mj-lt"/>
-                <a:ea typeface="+mj-ea"/>
-                <a:cs typeface="+mj-cs"/>
-              </a:defRPr>
-            </a:lvl1pPr>
-          </a:lstStyle>
-          <a:p>
-            <a:r>
-              <a:rPr lang="en-US" dirty="0">
-                <a:solidFill>
-                  <a:schemeClr val="tx1">
-                    <a:lumMod val="65000"/>
-                    <a:lumOff val="35000"/>
-                  </a:schemeClr>
-                </a:solidFill>
-                <a:latin typeface="Palatino Linotype" panose="02040502050505030304" pitchFamily="18" charset="0"/>
-              </a:rPr>
-              <a:t>		49: Exiting For Loop Function</a:t>
-            </a:r>
-          </a:p>
-        </p:txBody>
-      </p:sp>
-    </p:spTree>
-    <p:extLst>
-      <p:ext uri="{BB962C8B-B14F-4D97-AF65-F5344CB8AC3E}">
-        <p14:creationId xmlns:p14="http://schemas.microsoft.com/office/powerpoint/2010/main" val="772118613"/>
-      </p:ext>
-    </p:extLst>
-  </p:cSld>
-  <p:clrMapOvr>
-    <a:masterClrMapping/>
-  </p:clrMapOvr>
-  <mc:AlternateContent xmlns:mc="http://schemas.openxmlformats.org/markup-compatibility/2006" xmlns:p14="http://schemas.microsoft.com/office/powerpoint/2010/main">
-    <mc:Choice Requires="p14">
-      <p:transition spd="med" p14:dur="700">
-        <p:fade/>
-      </p:transition>
-    </mc:Choice>
-    <mc:Fallback xmlns="">
-      <p:transition spd="med">
-        <p:fade/>
-      </p:transition>
-    </mc:Fallback>
-  </mc:AlternateContent>
-</p:sld>
-</file>
-
-<file path=ppt/slides/slide14.xml><?xml version="1.0" encoding="utf-8"?>
-<p:sld xmlns:a="http://schemas.openxmlformats.org/drawingml/2006/main" xmlns:r="http://schemas.openxmlformats.org/officeDocument/2006/relationships" xmlns:p="http://schemas.openxmlformats.org/presentationml/2006/main">
-  <p:cSld>
-    <p:spTree>
-      <p:nvGrpSpPr>
-        <p:cNvPr id="1" name=""/>
-        <p:cNvGrpSpPr/>
-        <p:nvPr/>
-      </p:nvGrpSpPr>
-      <p:grpSpPr>
-        <a:xfrm>
-          <a:off x="0" y="0"/>
-          <a:ext cx="0" cy="0"/>
-          <a:chOff x="0" y="0"/>
-          <a:chExt cx="0" cy="0"/>
-        </a:xfrm>
-      </p:grpSpPr>
-      <p:sp>
-        <p:nvSpPr>
-          <p:cNvPr id="5" name="Title 3">
-            <a:extLst>
-              <a:ext uri="{FF2B5EF4-FFF2-40B4-BE49-F238E27FC236}">
-                <a16:creationId xmlns:a16="http://schemas.microsoft.com/office/drawing/2014/main" id="{877E605A-7720-49C5-A32C-BE23908AA888}"/>
-              </a:ext>
-            </a:extLst>
-          </p:cNvPr>
-          <p:cNvSpPr txBox="1">
-            <a:spLocks/>
-          </p:cNvSpPr>
-          <p:nvPr/>
-        </p:nvSpPr>
-        <p:spPr>
-          <a:xfrm>
-            <a:off x="0" y="1720197"/>
-            <a:ext cx="12192000" cy="3417606"/>
-          </a:xfrm>
-          <a:prstGeom prst="rect">
-            <a:avLst/>
-          </a:prstGeom>
-        </p:spPr>
-        <p:txBody>
-          <a:bodyPr vert="horz" lIns="91440" tIns="45720" rIns="91440" bIns="45720" rtlCol="0" anchor="ctr">
-            <a:normAutofit/>
-          </a:bodyPr>
-          <a:lstStyle>
-            <a:lvl1pPr algn="l" defTabSz="914400" rtl="0" eaLnBrk="1" latinLnBrk="0" hangingPunct="1">
-              <a:lnSpc>
-                <a:spcPct val="90000"/>
-              </a:lnSpc>
-              <a:spcBef>
-                <a:spcPct val="0"/>
-              </a:spcBef>
-              <a:buNone/>
-              <a:defRPr sz="4400" kern="1200">
-                <a:solidFill>
-                  <a:schemeClr val="tx1"/>
-                </a:solidFill>
-                <a:latin typeface="+mj-lt"/>
-                <a:ea typeface="+mj-ea"/>
-                <a:cs typeface="+mj-cs"/>
-              </a:defRPr>
-            </a:lvl1pPr>
-          </a:lstStyle>
-          <a:p>
-            <a:pPr algn="ctr"/>
-            <a:r>
-              <a:rPr lang="en-US" dirty="0">
-                <a:solidFill>
-                  <a:schemeClr val="accent4">
-                    <a:lumMod val="75000"/>
-                  </a:schemeClr>
-                </a:solidFill>
-                <a:latin typeface="Courier New" panose="02070309020205020404" pitchFamily="49" charset="0"/>
-                <a:cs typeface="Courier New" panose="02070309020205020404" pitchFamily="49" charset="0"/>
-              </a:rPr>
-              <a:t>Do not repeat yourself</a:t>
-            </a:r>
-          </a:p>
-          <a:p>
-            <a:pPr algn="ctr"/>
-            <a:r>
-              <a:rPr lang="en-US" dirty="0">
-                <a:solidFill>
-                  <a:schemeClr val="accent4">
-                    <a:lumMod val="75000"/>
-                  </a:schemeClr>
-                </a:solidFill>
-                <a:latin typeface="Courier New" panose="02070309020205020404" pitchFamily="49" charset="0"/>
-                <a:cs typeface="Courier New" panose="02070309020205020404" pitchFamily="49" charset="0"/>
-              </a:rPr>
-              <a:t>Do not repeat yourself</a:t>
-            </a:r>
-          </a:p>
-          <a:p>
-            <a:pPr algn="ctr"/>
-            <a:r>
-              <a:rPr lang="en-US" dirty="0">
-                <a:solidFill>
-                  <a:schemeClr val="accent4">
-                    <a:lumMod val="75000"/>
-                  </a:schemeClr>
-                </a:solidFill>
-                <a:latin typeface="Courier New" panose="02070309020205020404" pitchFamily="49" charset="0"/>
-                <a:cs typeface="Courier New" panose="02070309020205020404" pitchFamily="49" charset="0"/>
-              </a:rPr>
-              <a:t>Do not repeat yourself</a:t>
-            </a:r>
-          </a:p>
-          <a:p>
-            <a:pPr algn="ctr"/>
-            <a:r>
-              <a:rPr lang="en-US" dirty="0">
-                <a:solidFill>
-                  <a:schemeClr val="accent4">
-                    <a:lumMod val="75000"/>
-                  </a:schemeClr>
-                </a:solidFill>
-                <a:latin typeface="Courier New" panose="02070309020205020404" pitchFamily="49" charset="0"/>
-                <a:cs typeface="Courier New" panose="02070309020205020404" pitchFamily="49" charset="0"/>
-              </a:rPr>
-              <a:t>Do not repeat yourself</a:t>
-            </a:r>
-          </a:p>
-        </p:txBody>
-      </p:sp>
-    </p:spTree>
-    <p:extLst>
-      <p:ext uri="{BB962C8B-B14F-4D97-AF65-F5344CB8AC3E}">
-        <p14:creationId xmlns:p14="http://schemas.microsoft.com/office/powerpoint/2010/main" val="3989656751"/>
-      </p:ext>
-    </p:extLst>
-  </p:cSld>
-  <p:clrMapOvr>
-    <a:masterClrMapping/>
-  </p:clrMapOvr>
-  <mc:AlternateContent xmlns:mc="http://schemas.openxmlformats.org/markup-compatibility/2006" xmlns:p14="http://schemas.microsoft.com/office/powerpoint/2010/main">
-    <mc:Choice Requires="p14">
-      <p:transition spd="med" p14:dur="700">
-        <p:fade/>
-      </p:transition>
-    </mc:Choice>
-    <mc:Fallback xmlns="">
-      <p:transition spd="med">
-        <p:fade/>
-      </p:transition>
-    </mc:Fallback>
-  </mc:AlternateContent>
-</p:sld>
-</file>
-
-<file path=ppt/slides/slide15.xml><?xml version="1.0" encoding="utf-8"?>
-<p:sld xmlns:a="http://schemas.openxmlformats.org/drawingml/2006/main" xmlns:r="http://schemas.openxmlformats.org/officeDocument/2006/relationships" xmlns:p="http://schemas.openxmlformats.org/presentationml/2006/main">
-  <p:cSld>
-    <p:spTree>
-      <p:nvGrpSpPr>
-        <p:cNvPr id="1" name=""/>
-        <p:cNvGrpSpPr/>
-        <p:nvPr/>
-      </p:nvGrpSpPr>
-      <p:grpSpPr>
-        <a:xfrm>
-          <a:off x="0" y="0"/>
-          <a:ext cx="0" cy="0"/>
-          <a:chOff x="0" y="0"/>
-          <a:chExt cx="0" cy="0"/>
-        </a:xfrm>
-      </p:grpSpPr>
-      <p:sp>
-        <p:nvSpPr>
-          <p:cNvPr id="2" name="Title 3">
-            <a:extLst>
-              <a:ext uri="{FF2B5EF4-FFF2-40B4-BE49-F238E27FC236}">
-                <a16:creationId xmlns:a16="http://schemas.microsoft.com/office/drawing/2014/main" id="{C9455D6B-62B8-475B-9063-DAA7F7BF0230}"/>
-              </a:ext>
-            </a:extLst>
-          </p:cNvPr>
-          <p:cNvSpPr>
-            <a:spLocks noGrp="1"/>
-          </p:cNvSpPr>
-          <p:nvPr>
-            <p:ph type="title"/>
-          </p:nvPr>
-        </p:nvSpPr>
-        <p:spPr>
-          <a:xfrm>
-            <a:off x="0" y="2766218"/>
-            <a:ext cx="12192000" cy="1325563"/>
-          </a:xfrm>
-        </p:spPr>
-        <p:txBody>
-          <a:bodyPr/>
-          <a:lstStyle/>
-          <a:p>
-            <a:r>
-              <a:rPr lang="en-US" sz="4400" dirty="0">
-                <a:solidFill>
-                  <a:schemeClr val="tx1">
-                    <a:lumMod val="65000"/>
-                    <a:lumOff val="35000"/>
-                  </a:schemeClr>
-                </a:solidFill>
-                <a:latin typeface="Palatino Linotype" panose="02040502050505030304" pitchFamily="18" charset="0"/>
-              </a:rPr>
-              <a:t>			54</a:t>
-            </a:r>
-            <a:r>
-              <a:rPr lang="en-US" dirty="0">
-                <a:solidFill>
-                  <a:schemeClr val="tx1">
-                    <a:lumMod val="65000"/>
-                    <a:lumOff val="35000"/>
-                  </a:schemeClr>
-                </a:solidFill>
-                <a:latin typeface="Palatino Linotype" panose="02040502050505030304" pitchFamily="18" charset="0"/>
-              </a:rPr>
-              <a:t>: Helper Function</a:t>
-            </a:r>
-          </a:p>
-        </p:txBody>
-      </p:sp>
-      <p:pic>
-        <p:nvPicPr>
-          <p:cNvPr id="3" name="Picture 2">
-            <a:extLst>
-              <a:ext uri="{FF2B5EF4-FFF2-40B4-BE49-F238E27FC236}">
-                <a16:creationId xmlns:a16="http://schemas.microsoft.com/office/drawing/2014/main" id="{81BA1D1E-9A46-4F90-B92B-8FC448F0A155}"/>
-              </a:ext>
-            </a:extLst>
-          </p:cNvPr>
-          <p:cNvPicPr>
-            <a:picLocks noChangeAspect="1"/>
-          </p:cNvPicPr>
-          <p:nvPr/>
-        </p:nvPicPr>
-        <p:blipFill>
-          <a:blip r:embed="rId3"/>
-          <a:stretch>
-            <a:fillRect/>
-          </a:stretch>
-        </p:blipFill>
-        <p:spPr>
-          <a:xfrm>
-            <a:off x="0" y="365760"/>
-            <a:ext cx="3233668" cy="805144"/>
-          </a:xfrm>
-          <a:prstGeom prst="rect">
-            <a:avLst/>
-          </a:prstGeom>
-        </p:spPr>
-      </p:pic>
-    </p:spTree>
-    <p:extLst>
-      <p:ext uri="{BB962C8B-B14F-4D97-AF65-F5344CB8AC3E}">
-        <p14:creationId xmlns:p14="http://schemas.microsoft.com/office/powerpoint/2010/main" val="1777187302"/>
-      </p:ext>
-    </p:extLst>
-  </p:cSld>
-  <p:clrMapOvr>
-    <a:masterClrMapping/>
-  </p:clrMapOvr>
-  <mc:AlternateContent xmlns:mc="http://schemas.openxmlformats.org/markup-compatibility/2006" xmlns:p14="http://schemas.microsoft.com/office/powerpoint/2010/main">
-    <mc:Choice Requires="p14">
-      <p:transition spd="med" p14:dur="700">
-        <p:fade/>
-      </p:transition>
-    </mc:Choice>
-    <mc:Fallback xmlns="">
-      <p:transition spd="med">
-        <p:fade/>
-      </p:transition>
-    </mc:Fallback>
-  </mc:AlternateContent>
-</p:sld>
-</file>
-
-<file path=ppt/slides/slide16.xml><?xml version="1.0" encoding="utf-8"?>
-<p:sld xmlns:a="http://schemas.openxmlformats.org/drawingml/2006/main" xmlns:r="http://schemas.openxmlformats.org/officeDocument/2006/relationships" xmlns:p="http://schemas.openxmlformats.org/presentationml/2006/main">
-  <p:cSld>
-    <p:spTree>
-      <p:nvGrpSpPr>
-        <p:cNvPr id="1" name=""/>
-        <p:cNvGrpSpPr/>
-        <p:nvPr/>
-      </p:nvGrpSpPr>
-      <p:grpSpPr>
-        <a:xfrm>
-          <a:off x="0" y="0"/>
-          <a:ext cx="0" cy="0"/>
-          <a:chOff x="0" y="0"/>
-          <a:chExt cx="0" cy="0"/>
-        </a:xfrm>
-      </p:grpSpPr>
       <p:pic>
         <p:nvPicPr>
           <p:cNvPr id="1028" name="Picture 4" descr="Intro to Object-oriented Programming in Python | by Winston Robson | Future  Vision | Medium">
@@ -7252,7 +5848,7 @@
 </p:sld>
 </file>
 
-<file path=ppt/slides/slide17.xml><?xml version="1.0" encoding="utf-8"?>
+<file path=ppt/slides/slide12.xml><?xml version="1.0" encoding="utf-8"?>
 <p:sld xmlns:a="http://schemas.openxmlformats.org/drawingml/2006/main" xmlns:r="http://schemas.openxmlformats.org/officeDocument/2006/relationships" xmlns:p="http://schemas.openxmlformats.org/presentationml/2006/main">
   <p:cSld>
     <p:spTree>
@@ -7414,64 +6010,121 @@
           <a:chExt cx="0" cy="0"/>
         </a:xfrm>
       </p:grpSpPr>
-      <p:pic>
-        <p:nvPicPr>
-          <p:cNvPr id="1026" name="Picture 2">
-            <a:extLst>
-              <a:ext uri="{FF2B5EF4-FFF2-40B4-BE49-F238E27FC236}">
-                <a16:creationId xmlns:a16="http://schemas.microsoft.com/office/drawing/2014/main" id="{174BBB8B-5E8B-4A71-A913-9010484F67B4}"/>
-              </a:ext>
-            </a:extLst>
-          </p:cNvPr>
-          <p:cNvPicPr>
-            <a:picLocks noChangeAspect="1" noChangeArrowheads="1"/>
-          </p:cNvPicPr>
-          <p:nvPr/>
-        </p:nvPicPr>
-        <p:blipFill>
-          <a:blip r:embed="rId3">
-            <a:extLst>
-              <a:ext uri="{28A0092B-C50C-407E-A947-70E740481C1C}">
-                <a14:useLocalDpi xmlns:a14="http://schemas.microsoft.com/office/drawing/2010/main" val="0"/>
-              </a:ext>
-            </a:extLst>
-          </a:blip>
-          <a:srcRect/>
-          <a:stretch>
-            <a:fillRect/>
-          </a:stretch>
-        </p:blipFill>
-        <p:spPr bwMode="auto">
+      <p:sp>
+        <p:nvSpPr>
+          <p:cNvPr id="2" name="Title 1">
+            <a:extLst>
+              <a:ext uri="{FF2B5EF4-FFF2-40B4-BE49-F238E27FC236}">
+                <a16:creationId xmlns:a16="http://schemas.microsoft.com/office/drawing/2014/main" id="{8306FF31-301F-43F0-8202-A782726E446A}"/>
+              </a:ext>
+            </a:extLst>
+          </p:cNvPr>
+          <p:cNvSpPr>
+            <a:spLocks noGrp="1"/>
+          </p:cNvSpPr>
+          <p:nvPr>
+            <p:ph type="title"/>
+          </p:nvPr>
+        </p:nvSpPr>
+        <p:spPr>
           <a:xfrm>
-            <a:off x="4162425" y="1047750"/>
-            <a:ext cx="3867150" cy="4762500"/>
+            <a:off x="0" y="365127"/>
+            <a:ext cx="12191999" cy="827416"/>
           </a:xfrm>
-          <a:prstGeom prst="rect">
-            <a:avLst/>
-          </a:prstGeom>
-          <a:noFill/>
-          <a:effectLst>
-            <a:outerShdw blurRad="50800" dist="38100" dir="2700000" algn="tl" rotWithShape="0">
-              <a:prstClr val="black">
-                <a:alpha val="40000"/>
-              </a:prstClr>
-            </a:outerShdw>
-          </a:effectLst>
-          <a:extLst>
-            <a:ext uri="{909E8E84-426E-40DD-AFC4-6F175D3DCCD1}">
-              <a14:hiddenFill xmlns:a14="http://schemas.microsoft.com/office/drawing/2010/main">
+        </p:spPr>
+        <p:txBody>
+          <a:bodyPr>
+            <a:normAutofit/>
+          </a:bodyPr>
+          <a:lstStyle/>
+          <a:p>
+            <a:pPr algn="ctr"/>
+            <a:r>
+              <a:rPr lang="en-US" sz="4000" dirty="0">
                 <a:solidFill>
-                  <a:srgbClr val="FFFFFF"/>
+                  <a:schemeClr val="tx1">
+                    <a:lumMod val="65000"/>
+                    <a:lumOff val="35000"/>
+                  </a:schemeClr>
                 </a:solidFill>
-              </a14:hiddenFill>
-            </a:ext>
-          </a:extLst>
-        </p:spPr>
-      </p:pic>
+                <a:latin typeface="Palatino Linotype" panose="02040502050505030304" pitchFamily="18" charset="0"/>
+                <a:cs typeface="Segoe UI Light" panose="020B0502040204020203" pitchFamily="34" charset="0"/>
+              </a:rPr>
+              <a:t>Agenda</a:t>
+            </a:r>
+          </a:p>
+        </p:txBody>
+      </p:sp>
+      <p:sp>
+        <p:nvSpPr>
+          <p:cNvPr id="4" name="Content Placeholder 3">
+            <a:extLst>
+              <a:ext uri="{FF2B5EF4-FFF2-40B4-BE49-F238E27FC236}">
+                <a16:creationId xmlns:a16="http://schemas.microsoft.com/office/drawing/2014/main" id="{659531AF-92C6-4F92-AA59-2FD12D624E53}"/>
+              </a:ext>
+            </a:extLst>
+          </p:cNvPr>
+          <p:cNvSpPr>
+            <a:spLocks noGrp="1"/>
+          </p:cNvSpPr>
+          <p:nvPr>
+            <p:ph idx="1"/>
+          </p:nvPr>
+        </p:nvSpPr>
+        <p:spPr/>
+        <p:txBody>
+          <a:bodyPr>
+            <a:normAutofit/>
+          </a:bodyPr>
+          <a:lstStyle/>
+          <a:p>
+            <a:pPr>
+              <a:lnSpc>
+                <a:spcPct val="150000"/>
+              </a:lnSpc>
+              <a:buFont typeface="Wingdings" panose="05000000000000000000" pitchFamily="2" charset="2"/>
+              <a:buChar char="Ø"/>
+            </a:pPr>
+            <a:r>
+              <a:rPr lang="en-US" sz="3200" dirty="0">
+                <a:solidFill>
+                  <a:schemeClr val="tx1">
+                    <a:lumMod val="65000"/>
+                    <a:lumOff val="35000"/>
+                  </a:schemeClr>
+                </a:solidFill>
+                <a:latin typeface="Palatino Linotype" panose="02040502050505030304" pitchFamily="18" charset="0"/>
+              </a:rPr>
+              <a:t> Functions</a:t>
+            </a:r>
+          </a:p>
+          <a:p>
+            <a:pPr>
+              <a:lnSpc>
+                <a:spcPct val="150000"/>
+              </a:lnSpc>
+              <a:buFont typeface="Wingdings" panose="05000000000000000000" pitchFamily="2" charset="2"/>
+              <a:buChar char="Ø"/>
+            </a:pPr>
+            <a:r>
+              <a:rPr lang="en-US" sz="3200" dirty="0">
+                <a:solidFill>
+                  <a:schemeClr val="tx1">
+                    <a:lumMod val="65000"/>
+                    <a:lumOff val="35000"/>
+                  </a:schemeClr>
+                </a:solidFill>
+                <a:latin typeface="Palatino Linotype" panose="02040502050505030304" pitchFamily="18" charset="0"/>
+              </a:rPr>
+              <a:t> Object-Oriented Concepts</a:t>
+            </a:r>
+          </a:p>
+        </p:txBody>
+      </p:sp>
     </p:spTree>
     <p:extLst>
       <p:ext uri="{BB962C8B-B14F-4D97-AF65-F5344CB8AC3E}">
-        <p14:creationId xmlns:p14="http://schemas.microsoft.com/office/powerpoint/2010/main" val="1484206410"/>
+        <p14:creationId xmlns:p14="http://schemas.microsoft.com/office/powerpoint/2010/main" val="3933901158"/>
       </p:ext>
     </p:extLst>
   </p:cSld>
@@ -7512,119 +6165,118 @@
       </p:grpSpPr>
       <p:sp>
         <p:nvSpPr>
-          <p:cNvPr id="2" name="Title 1">
-            <a:extLst>
-              <a:ext uri="{FF2B5EF4-FFF2-40B4-BE49-F238E27FC236}">
-                <a16:creationId xmlns:a16="http://schemas.microsoft.com/office/drawing/2014/main" id="{8306FF31-301F-43F0-8202-A782726E446A}"/>
-              </a:ext>
-            </a:extLst>
-          </p:cNvPr>
-          <p:cNvSpPr>
-            <a:spLocks noGrp="1"/>
-          </p:cNvSpPr>
-          <p:nvPr>
-            <p:ph type="title"/>
+          <p:cNvPr id="7" name="Content Placeholder 2">
+            <a:extLst>
+              <a:ext uri="{FF2B5EF4-FFF2-40B4-BE49-F238E27FC236}">
+                <a16:creationId xmlns:a16="http://schemas.microsoft.com/office/drawing/2014/main" id="{13B67958-0DE1-4F81-B236-36CEA9F133C4}"/>
+              </a:ext>
+            </a:extLst>
+          </p:cNvPr>
+          <p:cNvSpPr>
+            <a:spLocks noGrp="1"/>
+          </p:cNvSpPr>
+          <p:nvPr>
+            <p:ph idx="1"/>
           </p:nvPr>
         </p:nvSpPr>
         <p:spPr>
           <a:xfrm>
-            <a:off x="0" y="365127"/>
-            <a:ext cx="12191999" cy="827416"/>
+            <a:off x="838200" y="1253331"/>
+            <a:ext cx="10515600" cy="4351338"/>
           </a:xfrm>
         </p:spPr>
         <p:txBody>
-          <a:bodyPr>
-            <a:normAutofit/>
-          </a:bodyPr>
-          <a:lstStyle/>
-          <a:p>
-            <a:pPr algn="ctr"/>
-            <a:r>
-              <a:rPr lang="en-US" sz="4000" dirty="0">
+          <a:bodyPr/>
+          <a:lstStyle/>
+          <a:p>
+            <a:pPr marL="0" indent="0">
+              <a:buNone/>
+            </a:pPr>
+            <a:r>
+              <a:rPr lang="en-US" dirty="0"/>
+              <a:t>“You can think of a function as a small program inside a program.  The basic idea of a function is that we write a sequence of statements and give that sequence a name. The instructions can then be executed at any point in the program by referring to the function name…  </a:t>
+            </a:r>
+          </a:p>
+          <a:p>
+            <a:pPr marL="0" indent="0">
+              <a:buNone/>
+            </a:pPr>
+            <a:endParaRPr lang="en-US" dirty="0"/>
+          </a:p>
+          <a:p>
+            <a:pPr marL="0" indent="0">
+              <a:buNone/>
+            </a:pPr>
+            <a:r>
+              <a:rPr lang="en-US" dirty="0"/>
+              <a:t>When a function is subsequently used in a program, we say that the definition is </a:t>
+            </a:r>
+            <a:r>
+              <a:rPr lang="en-US" i="1" dirty="0">
                 <a:solidFill>
-                  <a:schemeClr val="tx1">
-                    <a:lumMod val="65000"/>
-                    <a:lumOff val="35000"/>
+                  <a:schemeClr val="accent5">
+                    <a:lumMod val="50000"/>
                   </a:schemeClr>
                 </a:solidFill>
-                <a:latin typeface="Palatino Linotype" panose="02040502050505030304" pitchFamily="18" charset="0"/>
-                <a:cs typeface="Segoe UI Light" panose="020B0502040204020203" pitchFamily="34" charset="0"/>
               </a:rPr>
-              <a:t>Agenda</a:t>
-            </a:r>
-          </a:p>
-        </p:txBody>
-      </p:sp>
-      <p:sp>
-        <p:nvSpPr>
-          <p:cNvPr id="4" name="Content Placeholder 3">
-            <a:extLst>
-              <a:ext uri="{FF2B5EF4-FFF2-40B4-BE49-F238E27FC236}">
-                <a16:creationId xmlns:a16="http://schemas.microsoft.com/office/drawing/2014/main" id="{659531AF-92C6-4F92-AA59-2FD12D624E53}"/>
-              </a:ext>
-            </a:extLst>
-          </p:cNvPr>
-          <p:cNvSpPr>
-            <a:spLocks noGrp="1"/>
-          </p:cNvSpPr>
-          <p:nvPr>
-            <p:ph idx="1"/>
-          </p:nvPr>
-        </p:nvSpPr>
-        <p:spPr/>
-        <p:txBody>
-          <a:bodyPr>
-            <a:normAutofit/>
-          </a:bodyPr>
-          <a:lstStyle/>
-          <a:p>
-            <a:pPr>
-              <a:lnSpc>
-                <a:spcPct val="150000"/>
-              </a:lnSpc>
-              <a:buFont typeface="Wingdings" panose="05000000000000000000" pitchFamily="2" charset="2"/>
-              <a:buChar char="Ø"/>
-            </a:pPr>
-            <a:r>
-              <a:rPr lang="en-US" sz="3200" dirty="0">
+              <a:t>called</a:t>
+            </a:r>
+            <a:r>
+              <a:rPr lang="en-US" dirty="0">
                 <a:solidFill>
-                  <a:schemeClr val="tx1">
-                    <a:lumMod val="65000"/>
-                    <a:lumOff val="35000"/>
+                  <a:schemeClr val="accent5">
+                    <a:lumMod val="50000"/>
                   </a:schemeClr>
                 </a:solidFill>
-                <a:latin typeface="Palatino Linotype" panose="02040502050505030304" pitchFamily="18" charset="0"/>
               </a:rPr>
-              <a:t> Functions</a:t>
-            </a:r>
-          </a:p>
-          <a:p>
-            <a:pPr>
-              <a:lnSpc>
-                <a:spcPct val="150000"/>
-              </a:lnSpc>
-              <a:buFont typeface="Wingdings" panose="05000000000000000000" pitchFamily="2" charset="2"/>
-              <a:buChar char="Ø"/>
-            </a:pPr>
-            <a:r>
-              <a:rPr lang="en-US" sz="3200" dirty="0">
+              <a:t> </a:t>
+            </a:r>
+            <a:r>
+              <a:rPr lang="en-US" dirty="0"/>
+              <a:t>or </a:t>
+            </a:r>
+            <a:r>
+              <a:rPr lang="en-US" i="1" dirty="0">
                 <a:solidFill>
-                  <a:schemeClr val="tx1">
-                    <a:lumMod val="65000"/>
-                    <a:lumOff val="35000"/>
+                  <a:schemeClr val="accent5">
+                    <a:lumMod val="50000"/>
                   </a:schemeClr>
                 </a:solidFill>
-                <a:latin typeface="Palatino Linotype" panose="02040502050505030304" pitchFamily="18" charset="0"/>
               </a:rPr>
-              <a:t> Object-Oriented Concepts</a:t>
-            </a:r>
+              <a:t>invoked</a:t>
+            </a:r>
+            <a:r>
+              <a:rPr lang="en-US" dirty="0"/>
+              <a:t>.”</a:t>
+            </a:r>
+          </a:p>
+          <a:p>
+            <a:pPr marL="0" indent="0">
+              <a:buNone/>
+            </a:pPr>
+            <a:endParaRPr lang="en-US" dirty="0"/>
+          </a:p>
+          <a:p>
+            <a:pPr marL="0" indent="0">
+              <a:buNone/>
+            </a:pPr>
+            <a:r>
+              <a:rPr lang="en-US" dirty="0"/>
+              <a:t>John Zelle</a:t>
+            </a:r>
+          </a:p>
+          <a:p>
+            <a:pPr marL="0" indent="0">
+              <a:buNone/>
+            </a:pPr>
+            <a:endParaRPr lang="en-US" dirty="0"/>
           </a:p>
         </p:txBody>
       </p:sp>
     </p:spTree>
     <p:extLst>
       <p:ext uri="{BB962C8B-B14F-4D97-AF65-F5344CB8AC3E}">
-        <p14:creationId xmlns:p14="http://schemas.microsoft.com/office/powerpoint/2010/main" val="3933901158"/>
+        <p14:creationId xmlns:p14="http://schemas.microsoft.com/office/powerpoint/2010/main" val="86349095"/>
       </p:ext>
     </p:extLst>
   </p:cSld>
@@ -7665,158 +6317,6 @@
       </p:grpSpPr>
       <p:sp>
         <p:nvSpPr>
-          <p:cNvPr id="7" name="Content Placeholder 2">
-            <a:extLst>
-              <a:ext uri="{FF2B5EF4-FFF2-40B4-BE49-F238E27FC236}">
-                <a16:creationId xmlns:a16="http://schemas.microsoft.com/office/drawing/2014/main" id="{13B67958-0DE1-4F81-B236-36CEA9F133C4}"/>
-              </a:ext>
-            </a:extLst>
-          </p:cNvPr>
-          <p:cNvSpPr>
-            <a:spLocks noGrp="1"/>
-          </p:cNvSpPr>
-          <p:nvPr>
-            <p:ph idx="1"/>
-          </p:nvPr>
-        </p:nvSpPr>
-        <p:spPr>
-          <a:xfrm>
-            <a:off x="838200" y="1253331"/>
-            <a:ext cx="10515600" cy="4351338"/>
-          </a:xfrm>
-        </p:spPr>
-        <p:txBody>
-          <a:bodyPr/>
-          <a:lstStyle/>
-          <a:p>
-            <a:pPr marL="0" indent="0">
-              <a:buNone/>
-            </a:pPr>
-            <a:r>
-              <a:rPr lang="en-US" dirty="0"/>
-              <a:t>“You can think of a function as a small program inside a program.  The basic idea of a function is that we write a sequence of statements and give that sequence a name. The instructions can then be executed at any point in the program by referring to the function name…  </a:t>
-            </a:r>
-          </a:p>
-          <a:p>
-            <a:pPr marL="0" indent="0">
-              <a:buNone/>
-            </a:pPr>
-            <a:endParaRPr lang="en-US" dirty="0"/>
-          </a:p>
-          <a:p>
-            <a:pPr marL="0" indent="0">
-              <a:buNone/>
-            </a:pPr>
-            <a:r>
-              <a:rPr lang="en-US" dirty="0"/>
-              <a:t>When a function is subsequently used in a program, we say that the definition is </a:t>
-            </a:r>
-            <a:r>
-              <a:rPr lang="en-US" i="1" dirty="0">
-                <a:solidFill>
-                  <a:schemeClr val="accent5">
-                    <a:lumMod val="50000"/>
-                  </a:schemeClr>
-                </a:solidFill>
-              </a:rPr>
-              <a:t>called</a:t>
-            </a:r>
-            <a:r>
-              <a:rPr lang="en-US" dirty="0">
-                <a:solidFill>
-                  <a:schemeClr val="accent5">
-                    <a:lumMod val="50000"/>
-                  </a:schemeClr>
-                </a:solidFill>
-              </a:rPr>
-              <a:t> </a:t>
-            </a:r>
-            <a:r>
-              <a:rPr lang="en-US" dirty="0"/>
-              <a:t>or </a:t>
-            </a:r>
-            <a:r>
-              <a:rPr lang="en-US" i="1" dirty="0">
-                <a:solidFill>
-                  <a:schemeClr val="accent5">
-                    <a:lumMod val="50000"/>
-                  </a:schemeClr>
-                </a:solidFill>
-              </a:rPr>
-              <a:t>invoked</a:t>
-            </a:r>
-            <a:r>
-              <a:rPr lang="en-US" dirty="0"/>
-              <a:t>.”</a:t>
-            </a:r>
-          </a:p>
-          <a:p>
-            <a:pPr marL="0" indent="0">
-              <a:buNone/>
-            </a:pPr>
-            <a:endParaRPr lang="en-US" dirty="0"/>
-          </a:p>
-          <a:p>
-            <a:pPr marL="0" indent="0">
-              <a:buNone/>
-            </a:pPr>
-            <a:r>
-              <a:rPr lang="en-US" dirty="0"/>
-              <a:t>John Zelle</a:t>
-            </a:r>
-          </a:p>
-          <a:p>
-            <a:pPr marL="0" indent="0">
-              <a:buNone/>
-            </a:pPr>
-            <a:endParaRPr lang="en-US" dirty="0"/>
-          </a:p>
-        </p:txBody>
-      </p:sp>
-    </p:spTree>
-    <p:extLst>
-      <p:ext uri="{BB962C8B-B14F-4D97-AF65-F5344CB8AC3E}">
-        <p14:creationId xmlns:p14="http://schemas.microsoft.com/office/powerpoint/2010/main" val="86349095"/>
-      </p:ext>
-    </p:extLst>
-  </p:cSld>
-  <p:clrMapOvr>
-    <a:masterClrMapping/>
-  </p:clrMapOvr>
-  <mc:AlternateContent xmlns:mc="http://schemas.openxmlformats.org/markup-compatibility/2006" xmlns:p14="http://schemas.microsoft.com/office/powerpoint/2010/main">
-    <mc:Choice Requires="p14">
-      <p:transition spd="med" p14:dur="700">
-        <p:fade/>
-      </p:transition>
-    </mc:Choice>
-    <mc:Fallback xmlns="">
-      <p:transition spd="med">
-        <p:fade/>
-      </p:transition>
-    </mc:Fallback>
-  </mc:AlternateContent>
-</p:sld>
-</file>
-
-<file path=ppt/slides/slide5.xml><?xml version="1.0" encoding="utf-8"?>
-<p:sld xmlns:a="http://schemas.openxmlformats.org/drawingml/2006/main" xmlns:r="http://schemas.openxmlformats.org/officeDocument/2006/relationships" xmlns:p="http://schemas.openxmlformats.org/presentationml/2006/main">
-  <p:cSld>
-    <p:spTree>
-      <p:nvGrpSpPr>
-        <p:cNvPr id="1" name=""/>
-        <p:cNvGrpSpPr/>
-        <p:nvPr/>
-      </p:nvGrpSpPr>
-      <p:grpSpPr>
-        <a:xfrm>
-          <a:off x="0" y="0"/>
-          <a:ext cx="0" cy="0"/>
-          <a:chOff x="0" y="0"/>
-          <a:chExt cx="0" cy="0"/>
-        </a:xfrm>
-      </p:grpSpPr>
-      <p:sp>
-        <p:nvSpPr>
           <p:cNvPr id="12" name="TextBox 11">
             <a:extLst>
               <a:ext uri="{FF2B5EF4-FFF2-40B4-BE49-F238E27FC236}">
@@ -8180,7 +6680,7 @@
 </p:sld>
 </file>
 
-<file path=ppt/slides/slide6.xml><?xml version="1.0" encoding="utf-8"?>
+<file path=ppt/slides/slide5.xml><?xml version="1.0" encoding="utf-8"?>
 <p:sld xmlns:a="http://schemas.openxmlformats.org/drawingml/2006/main" xmlns:r="http://schemas.openxmlformats.org/officeDocument/2006/relationships" xmlns:p="http://schemas.openxmlformats.org/presentationml/2006/main">
   <p:cSld>
     <p:spTree>
@@ -8351,7 +6851,7 @@
 </p:sld>
 </file>
 
-<file path=ppt/slides/slide7.xml><?xml version="1.0" encoding="utf-8"?>
+<file path=ppt/slides/slide6.xml><?xml version="1.0" encoding="utf-8"?>
 <p:sld xmlns:a="http://schemas.openxmlformats.org/drawingml/2006/main" xmlns:r="http://schemas.openxmlformats.org/officeDocument/2006/relationships" xmlns:p="http://schemas.openxmlformats.org/presentationml/2006/main">
   <p:cSld>
     <p:spTree>
@@ -8702,6 +7202,244 @@
 </p:sld>
 </file>
 
+<file path=ppt/slides/slide7.xml><?xml version="1.0" encoding="utf-8"?>
+<p:sld xmlns:a="http://schemas.openxmlformats.org/drawingml/2006/main" xmlns:r="http://schemas.openxmlformats.org/officeDocument/2006/relationships" xmlns:p="http://schemas.openxmlformats.org/presentationml/2006/main">
+  <p:cSld>
+    <p:spTree>
+      <p:nvGrpSpPr>
+        <p:cNvPr id="1" name=""/>
+        <p:cNvGrpSpPr/>
+        <p:nvPr/>
+      </p:nvGrpSpPr>
+      <p:grpSpPr>
+        <a:xfrm>
+          <a:off x="0" y="0"/>
+          <a:ext cx="0" cy="0"/>
+          <a:chOff x="0" y="0"/>
+          <a:chExt cx="0" cy="0"/>
+        </a:xfrm>
+      </p:grpSpPr>
+      <p:pic>
+        <p:nvPicPr>
+          <p:cNvPr id="7" name="Picture 6">
+            <a:extLst>
+              <a:ext uri="{FF2B5EF4-FFF2-40B4-BE49-F238E27FC236}">
+                <a16:creationId xmlns:a16="http://schemas.microsoft.com/office/drawing/2014/main" id="{E23DD45F-9610-4FC9-B305-4AB7395CC69C}"/>
+              </a:ext>
+            </a:extLst>
+          </p:cNvPr>
+          <p:cNvPicPr>
+            <a:picLocks noChangeAspect="1"/>
+          </p:cNvPicPr>
+          <p:nvPr/>
+        </p:nvPicPr>
+        <p:blipFill>
+          <a:blip r:embed="rId3"/>
+          <a:stretch>
+            <a:fillRect/>
+          </a:stretch>
+        </p:blipFill>
+        <p:spPr>
+          <a:xfrm>
+            <a:off x="2712170" y="1553703"/>
+            <a:ext cx="6767660" cy="1669942"/>
+          </a:xfrm>
+          <a:prstGeom prst="rect">
+            <a:avLst/>
+          </a:prstGeom>
+        </p:spPr>
+      </p:pic>
+      <p:sp>
+        <p:nvSpPr>
+          <p:cNvPr id="8" name="Oval 7">
+            <a:extLst>
+              <a:ext uri="{FF2B5EF4-FFF2-40B4-BE49-F238E27FC236}">
+                <a16:creationId xmlns:a16="http://schemas.microsoft.com/office/drawing/2014/main" id="{85827F63-CBEA-4D1E-85C2-18A83F06342C}"/>
+              </a:ext>
+            </a:extLst>
+          </p:cNvPr>
+          <p:cNvSpPr/>
+          <p:nvPr/>
+        </p:nvSpPr>
+        <p:spPr>
+          <a:xfrm>
+            <a:off x="5362414" y="1815235"/>
+            <a:ext cx="1022888" cy="586999"/>
+          </a:xfrm>
+          <a:prstGeom prst="ellipse">
+            <a:avLst/>
+          </a:prstGeom>
+          <a:noFill/>
+          <a:ln>
+            <a:solidFill>
+              <a:srgbClr val="DE3500"/>
+            </a:solidFill>
+          </a:ln>
+        </p:spPr>
+        <p:style>
+          <a:lnRef idx="2">
+            <a:schemeClr val="accent1">
+              <a:shade val="50000"/>
+            </a:schemeClr>
+          </a:lnRef>
+          <a:fillRef idx="1">
+            <a:schemeClr val="accent1"/>
+          </a:fillRef>
+          <a:effectRef idx="0">
+            <a:schemeClr val="accent1"/>
+          </a:effectRef>
+          <a:fontRef idx="minor">
+            <a:schemeClr val="lt1"/>
+          </a:fontRef>
+        </p:style>
+        <p:txBody>
+          <a:bodyPr rtlCol="0" anchor="ctr"/>
+          <a:lstStyle/>
+          <a:p>
+            <a:pPr algn="ctr"/>
+            <a:endParaRPr lang="en-US"/>
+          </a:p>
+        </p:txBody>
+      </p:sp>
+      <p:sp>
+        <p:nvSpPr>
+          <p:cNvPr id="9" name="TextBox 8">
+            <a:extLst>
+              <a:ext uri="{FF2B5EF4-FFF2-40B4-BE49-F238E27FC236}">
+                <a16:creationId xmlns:a16="http://schemas.microsoft.com/office/drawing/2014/main" id="{D97973C6-2896-4047-B606-D057A5CCAB65}"/>
+              </a:ext>
+            </a:extLst>
+          </p:cNvPr>
+          <p:cNvSpPr txBox="1"/>
+          <p:nvPr/>
+        </p:nvSpPr>
+        <p:spPr>
+          <a:xfrm>
+            <a:off x="5362414" y="961272"/>
+            <a:ext cx="3570208" cy="400110"/>
+          </a:xfrm>
+          <a:prstGeom prst="rect">
+            <a:avLst/>
+          </a:prstGeom>
+          <a:noFill/>
+        </p:spPr>
+        <p:txBody>
+          <a:bodyPr wrap="none" rtlCol="0">
+            <a:spAutoFit/>
+          </a:bodyPr>
+          <a:lstStyle/>
+          <a:p>
+            <a:r>
+              <a:rPr lang="en-US" sz="2000" dirty="0">
+                <a:solidFill>
+                  <a:srgbClr val="C00000"/>
+                </a:solidFill>
+                <a:latin typeface="Courier New" panose="02070309020205020404" pitchFamily="49" charset="0"/>
+                <a:cs typeface="Courier New" panose="02070309020205020404" pitchFamily="49" charset="0"/>
+              </a:rPr>
+              <a:t>Arguments / Parameters</a:t>
+            </a:r>
+          </a:p>
+        </p:txBody>
+      </p:sp>
+      <p:cxnSp>
+        <p:nvCxnSpPr>
+          <p:cNvPr id="11" name="Straight Connector 10">
+            <a:extLst>
+              <a:ext uri="{FF2B5EF4-FFF2-40B4-BE49-F238E27FC236}">
+                <a16:creationId xmlns:a16="http://schemas.microsoft.com/office/drawing/2014/main" id="{D1B4DB3B-A748-4C2F-A52A-04451D08862F}"/>
+              </a:ext>
+            </a:extLst>
+          </p:cNvPr>
+          <p:cNvCxnSpPr>
+            <a:stCxn id="8" idx="0"/>
+          </p:cNvCxnSpPr>
+          <p:nvPr/>
+        </p:nvCxnSpPr>
+        <p:spPr>
+          <a:xfrm flipV="1">
+            <a:off x="5873858" y="1422937"/>
+            <a:ext cx="222142" cy="392298"/>
+          </a:xfrm>
+          <a:prstGeom prst="line">
+            <a:avLst/>
+          </a:prstGeom>
+          <a:ln>
+            <a:solidFill>
+              <a:srgbClr val="DE3500"/>
+            </a:solidFill>
+          </a:ln>
+        </p:spPr>
+        <p:style>
+          <a:lnRef idx="1">
+            <a:schemeClr val="accent1"/>
+          </a:lnRef>
+          <a:fillRef idx="0">
+            <a:schemeClr val="accent1"/>
+          </a:fillRef>
+          <a:effectRef idx="0">
+            <a:schemeClr val="accent1"/>
+          </a:effectRef>
+          <a:fontRef idx="minor">
+            <a:schemeClr val="tx1"/>
+          </a:fontRef>
+        </p:style>
+      </p:cxnSp>
+      <p:pic>
+        <p:nvPicPr>
+          <p:cNvPr id="13" name="Picture 12">
+            <a:extLst>
+              <a:ext uri="{FF2B5EF4-FFF2-40B4-BE49-F238E27FC236}">
+                <a16:creationId xmlns:a16="http://schemas.microsoft.com/office/drawing/2014/main" id="{E3F1B9F6-2E01-47EC-9DFE-ABE03F098CFB}"/>
+              </a:ext>
+            </a:extLst>
+          </p:cNvPr>
+          <p:cNvPicPr>
+            <a:picLocks noChangeAspect="1"/>
+          </p:cNvPicPr>
+          <p:nvPr/>
+        </p:nvPicPr>
+        <p:blipFill>
+          <a:blip r:embed="rId4"/>
+          <a:stretch>
+            <a:fillRect/>
+          </a:stretch>
+        </p:blipFill>
+        <p:spPr>
+          <a:xfrm>
+            <a:off x="2712170" y="3667530"/>
+            <a:ext cx="6767660" cy="2541567"/>
+          </a:xfrm>
+          <a:prstGeom prst="rect">
+            <a:avLst/>
+          </a:prstGeom>
+        </p:spPr>
+      </p:pic>
+    </p:spTree>
+    <p:extLst>
+      <p:ext uri="{BB962C8B-B14F-4D97-AF65-F5344CB8AC3E}">
+        <p14:creationId xmlns:p14="http://schemas.microsoft.com/office/powerpoint/2010/main" val="1235081902"/>
+      </p:ext>
+    </p:extLst>
+  </p:cSld>
+  <p:clrMapOvr>
+    <a:masterClrMapping/>
+  </p:clrMapOvr>
+  <mc:AlternateContent xmlns:mc="http://schemas.openxmlformats.org/markup-compatibility/2006" xmlns:p14="http://schemas.microsoft.com/office/powerpoint/2010/main">
+    <mc:Choice Requires="p14">
+      <p:transition spd="med" p14:dur="700">
+        <p:fade/>
+      </p:transition>
+    </mc:Choice>
+    <mc:Fallback xmlns="">
+      <p:transition spd="med">
+        <p:fade/>
+      </p:transition>
+    </mc:Fallback>
+  </mc:AlternateContent>
+</p:sld>
+</file>
+
 <file path=ppt/slides/slide8.xml><?xml version="1.0" encoding="utf-8"?>
 <p:sld xmlns:a="http://schemas.openxmlformats.org/drawingml/2006/main" xmlns:r="http://schemas.openxmlformats.org/officeDocument/2006/relationships" xmlns:p="http://schemas.openxmlformats.org/presentationml/2006/main">
   <p:cSld>
@@ -8721,10 +7459,10 @@
       </p:grpSpPr>
       <p:sp>
         <p:nvSpPr>
-          <p:cNvPr id="4" name="Title 3">
-            <a:extLst>
-              <a:ext uri="{FF2B5EF4-FFF2-40B4-BE49-F238E27FC236}">
-                <a16:creationId xmlns:a16="http://schemas.microsoft.com/office/drawing/2014/main" id="{A022B8E0-DD9C-49D7-82FB-ACD3443312AF}"/>
+          <p:cNvPr id="10" name="Title 3">
+            <a:extLst>
+              <a:ext uri="{FF2B5EF4-FFF2-40B4-BE49-F238E27FC236}">
+                <a16:creationId xmlns:a16="http://schemas.microsoft.com/office/drawing/2014/main" id="{0B9179B9-24F9-486B-8D20-29B0A09C9FAD}"/>
               </a:ext>
             </a:extLst>
           </p:cNvPr>
@@ -8747,34 +7485,22 @@
           <a:p>
             <a:pPr algn="ctr"/>
             <a:r>
-              <a:rPr lang="en-US" dirty="0">
+              <a:rPr lang="en-US" sz="4400" dirty="0">
                 <a:solidFill>
                   <a:schemeClr val="tx1">
-                    <a:lumMod val="65000"/>
-                    <a:lumOff val="35000"/>
+                    <a:lumMod val="75000"/>
+                    <a:lumOff val="25000"/>
                   </a:schemeClr>
                 </a:solidFill>
                 <a:latin typeface="Palatino Linotype" panose="02040502050505030304" pitchFamily="18" charset="0"/>
               </a:rPr>
-              <a:t>42</a:t>
-            </a:r>
-            <a:r>
-              <a:rPr lang="en-US" sz="4400" dirty="0">
-                <a:solidFill>
-                  <a:schemeClr val="tx1">
-                    <a:lumMod val="65000"/>
-                    <a:lumOff val="35000"/>
-                  </a:schemeClr>
-                </a:solidFill>
-                <a:latin typeface="Palatino Linotype" panose="02040502050505030304" pitchFamily="18" charset="0"/>
-              </a:rPr>
-              <a:t>: Defining &amp; Calling a Function</a:t>
+              <a:t>Call by Position or Keyword?</a:t>
             </a:r>
             <a:endParaRPr lang="en-US" dirty="0">
               <a:solidFill>
                 <a:schemeClr val="tx1">
-                  <a:lumMod val="65000"/>
-                  <a:lumOff val="35000"/>
+                  <a:lumMod val="75000"/>
+                  <a:lumOff val="25000"/>
                 </a:schemeClr>
               </a:solidFill>
               <a:latin typeface="Palatino Linotype" panose="02040502050505030304" pitchFamily="18" charset="0"/>
@@ -8782,40 +7508,10 @@
           </a:p>
         </p:txBody>
       </p:sp>
-      <p:pic>
-        <p:nvPicPr>
-          <p:cNvPr id="3" name="Picture 2">
-            <a:extLst>
-              <a:ext uri="{FF2B5EF4-FFF2-40B4-BE49-F238E27FC236}">
-                <a16:creationId xmlns:a16="http://schemas.microsoft.com/office/drawing/2014/main" id="{117BB5E2-F809-46C3-80FE-7790B1D8E49E}"/>
-              </a:ext>
-            </a:extLst>
-          </p:cNvPr>
-          <p:cNvPicPr>
-            <a:picLocks noChangeAspect="1"/>
-          </p:cNvPicPr>
-          <p:nvPr/>
-        </p:nvPicPr>
-        <p:blipFill>
-          <a:blip r:embed="rId3"/>
-          <a:stretch>
-            <a:fillRect/>
-          </a:stretch>
-        </p:blipFill>
-        <p:spPr>
-          <a:xfrm>
-            <a:off x="0" y="365760"/>
-            <a:ext cx="3233668" cy="805144"/>
-          </a:xfrm>
-          <a:prstGeom prst="rect">
-            <a:avLst/>
-          </a:prstGeom>
-        </p:spPr>
-      </p:pic>
     </p:spTree>
     <p:extLst>
       <p:ext uri="{BB962C8B-B14F-4D97-AF65-F5344CB8AC3E}">
-        <p14:creationId xmlns:p14="http://schemas.microsoft.com/office/powerpoint/2010/main" val="2443664004"/>
+        <p14:creationId xmlns:p14="http://schemas.microsoft.com/office/powerpoint/2010/main" val="1986634862"/>
       </p:ext>
     </p:extLst>
   </p:cSld>
@@ -8854,104 +7550,59 @@
           <a:chExt cx="0" cy="0"/>
         </a:xfrm>
       </p:grpSpPr>
-      <p:pic>
-        <p:nvPicPr>
-          <p:cNvPr id="7" name="Picture 6">
-            <a:extLst>
-              <a:ext uri="{FF2B5EF4-FFF2-40B4-BE49-F238E27FC236}">
-                <a16:creationId xmlns:a16="http://schemas.microsoft.com/office/drawing/2014/main" id="{E23DD45F-9610-4FC9-B305-4AB7395CC69C}"/>
-              </a:ext>
-            </a:extLst>
-          </p:cNvPr>
-          <p:cNvPicPr>
-            <a:picLocks noChangeAspect="1"/>
-          </p:cNvPicPr>
+      <p:sp>
+        <p:nvSpPr>
+          <p:cNvPr id="4" name="Title 3">
+            <a:extLst>
+              <a:ext uri="{FF2B5EF4-FFF2-40B4-BE49-F238E27FC236}">
+                <a16:creationId xmlns:a16="http://schemas.microsoft.com/office/drawing/2014/main" id="{33138175-F3B0-4FC6-B2C2-6A0D9680E52B}"/>
+              </a:ext>
+            </a:extLst>
+          </p:cNvPr>
+          <p:cNvSpPr>
+            <a:spLocks noGrp="1"/>
+          </p:cNvSpPr>
+          <p:nvPr>
+            <p:ph type="title"/>
+          </p:nvPr>
+        </p:nvSpPr>
+        <p:spPr/>
+        <p:txBody>
+          <a:bodyPr/>
+          <a:lstStyle/>
+          <a:p>
+            <a:pPr algn="ctr"/>
+            <a:r>
+              <a:rPr lang="en-US" dirty="0">
+                <a:solidFill>
+                  <a:schemeClr val="tx1">
+                    <a:lumMod val="65000"/>
+                    <a:lumOff val="35000"/>
+                  </a:schemeClr>
+                </a:solidFill>
+                <a:latin typeface="Palatino Linotype" panose="02040502050505030304" pitchFamily="18" charset="0"/>
+              </a:rPr>
+              <a:t>Iterative Functions</a:t>
+            </a:r>
+          </a:p>
+        </p:txBody>
+      </p:sp>
+      <p:sp>
+        <p:nvSpPr>
+          <p:cNvPr id="5" name="TextBox 4">
+            <a:extLst>
+              <a:ext uri="{FF2B5EF4-FFF2-40B4-BE49-F238E27FC236}">
+                <a16:creationId xmlns:a16="http://schemas.microsoft.com/office/drawing/2014/main" id="{1A9B3BBA-447C-49B3-8FD5-0340D61D3D48}"/>
+              </a:ext>
+            </a:extLst>
+          </p:cNvPr>
+          <p:cNvSpPr txBox="1"/>
           <p:nvPr/>
-        </p:nvPicPr>
-        <p:blipFill>
-          <a:blip r:embed="rId3"/>
-          <a:stretch>
-            <a:fillRect/>
-          </a:stretch>
-        </p:blipFill>
+        </p:nvSpPr>
         <p:spPr>
           <a:xfrm>
-            <a:off x="2712170" y="1553703"/>
-            <a:ext cx="6767660" cy="1669942"/>
-          </a:xfrm>
-          <a:prstGeom prst="rect">
-            <a:avLst/>
-          </a:prstGeom>
-        </p:spPr>
-      </p:pic>
-      <p:sp>
-        <p:nvSpPr>
-          <p:cNvPr id="8" name="Oval 7">
-            <a:extLst>
-              <a:ext uri="{FF2B5EF4-FFF2-40B4-BE49-F238E27FC236}">
-                <a16:creationId xmlns:a16="http://schemas.microsoft.com/office/drawing/2014/main" id="{85827F63-CBEA-4D1E-85C2-18A83F06342C}"/>
-              </a:ext>
-            </a:extLst>
-          </p:cNvPr>
-          <p:cNvSpPr/>
-          <p:nvPr/>
-        </p:nvSpPr>
-        <p:spPr>
-          <a:xfrm>
-            <a:off x="5362414" y="1815235"/>
-            <a:ext cx="1022888" cy="586999"/>
-          </a:xfrm>
-          <a:prstGeom prst="ellipse">
-            <a:avLst/>
-          </a:prstGeom>
-          <a:noFill/>
-          <a:ln>
-            <a:solidFill>
-              <a:srgbClr val="DE3500"/>
-            </a:solidFill>
-          </a:ln>
-        </p:spPr>
-        <p:style>
-          <a:lnRef idx="2">
-            <a:schemeClr val="accent1">
-              <a:shade val="50000"/>
-            </a:schemeClr>
-          </a:lnRef>
-          <a:fillRef idx="1">
-            <a:schemeClr val="accent1"/>
-          </a:fillRef>
-          <a:effectRef idx="0">
-            <a:schemeClr val="accent1"/>
-          </a:effectRef>
-          <a:fontRef idx="minor">
-            <a:schemeClr val="lt1"/>
-          </a:fontRef>
-        </p:style>
-        <p:txBody>
-          <a:bodyPr rtlCol="0" anchor="ctr"/>
-          <a:lstStyle/>
-          <a:p>
-            <a:pPr algn="ctr"/>
-            <a:endParaRPr lang="en-US"/>
-          </a:p>
-        </p:txBody>
-      </p:sp>
-      <p:sp>
-        <p:nvSpPr>
-          <p:cNvPr id="9" name="TextBox 8">
-            <a:extLst>
-              <a:ext uri="{FF2B5EF4-FFF2-40B4-BE49-F238E27FC236}">
-                <a16:creationId xmlns:a16="http://schemas.microsoft.com/office/drawing/2014/main" id="{D97973C6-2896-4047-B606-D057A5CCAB65}"/>
-              </a:ext>
-            </a:extLst>
-          </p:cNvPr>
-          <p:cNvSpPr txBox="1"/>
-          <p:nvPr/>
-        </p:nvSpPr>
-        <p:spPr>
-          <a:xfrm>
-            <a:off x="5362414" y="961272"/>
-            <a:ext cx="3570208" cy="400110"/>
+            <a:off x="0" y="6550223"/>
+            <a:ext cx="12192000" cy="307777"/>
           </a:xfrm>
           <a:prstGeom prst="rect">
             <a:avLst/>
@@ -8959,101 +7610,100 @@
           <a:noFill/>
         </p:spPr>
         <p:txBody>
-          <a:bodyPr wrap="none" rtlCol="0">
+          <a:bodyPr wrap="square" rtlCol="0">
             <a:spAutoFit/>
           </a:bodyPr>
           <a:lstStyle/>
           <a:p>
-            <a:r>
-              <a:rPr lang="en-US" sz="2000" dirty="0">
+            <a:pPr>
+              <a:defRPr/>
+            </a:pPr>
+            <a:r>
+              <a:rPr lang="en-US" sz="1400" dirty="0">
                 <a:solidFill>
-                  <a:srgbClr val="C00000"/>
+                  <a:schemeClr val="tx1">
+                    <a:lumMod val="65000"/>
+                    <a:lumOff val="35000"/>
+                  </a:schemeClr>
                 </a:solidFill>
-                <a:latin typeface="Courier New" panose="02070309020205020404" pitchFamily="49" charset="0"/>
-                <a:cs typeface="Courier New" panose="02070309020205020404" pitchFamily="49" charset="0"/>
+                <a:latin typeface="+mj-lt"/>
+                <a:ea typeface="Verdana" panose="020B0604030504040204" pitchFamily="34" charset="0"/>
               </a:rPr>
-              <a:t>Arguments / Parameters</a:t>
-            </a:r>
-          </a:p>
-        </p:txBody>
-      </p:sp>
-      <p:cxnSp>
-        <p:nvCxnSpPr>
-          <p:cNvPr id="11" name="Straight Connector 10">
-            <a:extLst>
-              <a:ext uri="{FF2B5EF4-FFF2-40B4-BE49-F238E27FC236}">
-                <a16:creationId xmlns:a16="http://schemas.microsoft.com/office/drawing/2014/main" id="{D1B4DB3B-A748-4C2F-A52A-04451D08862F}"/>
-              </a:ext>
-            </a:extLst>
-          </p:cNvPr>
-          <p:cNvCxnSpPr>
-            <a:stCxn id="8" idx="0"/>
-          </p:cNvCxnSpPr>
-          <p:nvPr/>
-        </p:nvCxnSpPr>
-        <p:spPr>
-          <a:xfrm flipV="1">
-            <a:off x="5873858" y="1422937"/>
-            <a:ext cx="222142" cy="392298"/>
-          </a:xfrm>
-          <a:prstGeom prst="line">
-            <a:avLst/>
-          </a:prstGeom>
-          <a:ln>
-            <a:solidFill>
-              <a:srgbClr val="DE3500"/>
-            </a:solidFill>
-          </a:ln>
-        </p:spPr>
-        <p:style>
-          <a:lnRef idx="1">
-            <a:schemeClr val="accent1"/>
-          </a:lnRef>
-          <a:fillRef idx="0">
-            <a:schemeClr val="accent1"/>
-          </a:fillRef>
-          <a:effectRef idx="0">
-            <a:schemeClr val="accent1"/>
-          </a:effectRef>
-          <a:fontRef idx="minor">
-            <a:schemeClr val="tx1"/>
-          </a:fontRef>
-        </p:style>
-      </p:cxnSp>
+              <a:t>Image Credit: https://www.kindpng.com/free/blue-arrow/</a:t>
+            </a:r>
+            <a:endParaRPr lang="en-US" sz="1400" dirty="0">
+              <a:solidFill>
+                <a:schemeClr val="tx1">
+                  <a:lumMod val="65000"/>
+                  <a:lumOff val="35000"/>
+                </a:schemeClr>
+              </a:solidFill>
+              <a:latin typeface="+mj-lt"/>
+            </a:endParaRPr>
+          </a:p>
+        </p:txBody>
+      </p:sp>
       <p:pic>
         <p:nvPicPr>
-          <p:cNvPr id="13" name="Picture 12">
-            <a:extLst>
-              <a:ext uri="{FF2B5EF4-FFF2-40B4-BE49-F238E27FC236}">
-                <a16:creationId xmlns:a16="http://schemas.microsoft.com/office/drawing/2014/main" id="{E3F1B9F6-2E01-47EC-9DFE-ABE03F098CFB}"/>
+          <p:cNvPr id="3076" name="Picture 4" descr="Blue Arrow PNG Images, Free Transparent Blue Arrow Download - KindPNG">
+            <a:extLst>
+              <a:ext uri="{FF2B5EF4-FFF2-40B4-BE49-F238E27FC236}">
+                <a16:creationId xmlns:a16="http://schemas.microsoft.com/office/drawing/2014/main" id="{0691F7B4-7EE2-469E-A181-D4AA30E631AB}"/>
               </a:ext>
             </a:extLst>
           </p:cNvPr>
           <p:cNvPicPr>
-            <a:picLocks noChangeAspect="1"/>
+            <a:picLocks noChangeAspect="1" noChangeArrowheads="1"/>
           </p:cNvPicPr>
           <p:nvPr/>
         </p:nvPicPr>
         <p:blipFill>
-          <a:blip r:embed="rId4"/>
+          <a:blip r:embed="rId3">
+            <a:clrChange>
+              <a:clrFrom>
+                <a:srgbClr val="F6F6F6"/>
+              </a:clrFrom>
+              <a:clrTo>
+                <a:srgbClr val="F6F6F6">
+                  <a:alpha val="0"/>
+                </a:srgbClr>
+              </a:clrTo>
+            </a:clrChange>
+            <a:extLst>
+              <a:ext uri="{28A0092B-C50C-407E-A947-70E740481C1C}">
+                <a14:useLocalDpi xmlns:a14="http://schemas.microsoft.com/office/drawing/2010/main" val="0"/>
+              </a:ext>
+            </a:extLst>
+          </a:blip>
+          <a:srcRect/>
           <a:stretch>
             <a:fillRect/>
           </a:stretch>
         </p:blipFill>
-        <p:spPr>
+        <p:spPr bwMode="auto">
           <a:xfrm>
-            <a:off x="2712170" y="3667530"/>
-            <a:ext cx="6767660" cy="2541567"/>
+            <a:off x="4418597" y="2113092"/>
+            <a:ext cx="3354805" cy="3354805"/>
           </a:xfrm>
           <a:prstGeom prst="rect">
             <a:avLst/>
           </a:prstGeom>
+          <a:noFill/>
+          <a:extLst>
+            <a:ext uri="{909E8E84-426E-40DD-AFC4-6F175D3DCCD1}">
+              <a14:hiddenFill xmlns:a14="http://schemas.microsoft.com/office/drawing/2010/main">
+                <a:solidFill>
+                  <a:srgbClr val="FFFFFF"/>
+                </a:solidFill>
+              </a14:hiddenFill>
+            </a:ext>
+          </a:extLst>
         </p:spPr>
       </p:pic>
     </p:spTree>
     <p:extLst>
       <p:ext uri="{BB962C8B-B14F-4D97-AF65-F5344CB8AC3E}">
-        <p14:creationId xmlns:p14="http://schemas.microsoft.com/office/powerpoint/2010/main" val="1235081902"/>
+        <p14:creationId xmlns:p14="http://schemas.microsoft.com/office/powerpoint/2010/main" val="808335887"/>
       </p:ext>
     </p:extLst>
   </p:cSld>

--- a/presentations/03_functions.pptx
+++ b/presentations/03_functions.pptx
@@ -5,21 +5,27 @@
     <p:sldMasterId id="2147483648" r:id="rId1"/>
   </p:sldMasterIdLst>
   <p:notesMasterIdLst>
-    <p:notesMasterId r:id="rId14"/>
+    <p:notesMasterId r:id="rId20"/>
   </p:notesMasterIdLst>
   <p:sldIdLst>
     <p:sldId id="324" r:id="rId2"/>
-    <p:sldId id="266" r:id="rId3"/>
-    <p:sldId id="284" r:id="rId4"/>
-    <p:sldId id="323" r:id="rId5"/>
-    <p:sldId id="281" r:id="rId6"/>
-    <p:sldId id="293" r:id="rId7"/>
-    <p:sldId id="294" r:id="rId8"/>
-    <p:sldId id="297" r:id="rId9"/>
-    <p:sldId id="298" r:id="rId10"/>
-    <p:sldId id="301" r:id="rId11"/>
-    <p:sldId id="304" r:id="rId12"/>
-    <p:sldId id="303" r:id="rId13"/>
+    <p:sldId id="284" r:id="rId3"/>
+    <p:sldId id="325" r:id="rId4"/>
+    <p:sldId id="326" r:id="rId5"/>
+    <p:sldId id="301" r:id="rId6"/>
+    <p:sldId id="327" r:id="rId7"/>
+    <p:sldId id="328" r:id="rId8"/>
+    <p:sldId id="329" r:id="rId9"/>
+    <p:sldId id="330" r:id="rId10"/>
+    <p:sldId id="332" r:id="rId11"/>
+    <p:sldId id="297" r:id="rId12"/>
+    <p:sldId id="281" r:id="rId13"/>
+    <p:sldId id="293" r:id="rId14"/>
+    <p:sldId id="279" r:id="rId15"/>
+    <p:sldId id="331" r:id="rId16"/>
+    <p:sldId id="298" r:id="rId17"/>
+    <p:sldId id="304" r:id="rId18"/>
+    <p:sldId id="303" r:id="rId19"/>
   </p:sldIdLst>
   <p:sldSz cx="12192000" cy="6858000"/>
   <p:notesSz cx="6858000" cy="9144000"/>
@@ -219,7 +225,7 @@
           <a:p>
             <a:fld id="{FD93C9B2-20F6-4DB1-B471-224337D0AC79}" type="datetimeFigureOut">
               <a:rPr lang="en-US" smtClean="0"/>
-              <a:t>6/1/2022</a:t>
+              <a:t>10/11/2022</a:t>
             </a:fld>
             <a:endParaRPr lang="en-US"/>
           </a:p>
@@ -621,83 +627,109 @@
           <a:bodyPr/>
           <a:lstStyle/>
           <a:p>
-            <a:pPr algn="l"/>
-            <a:r>
-              <a:rPr lang="en-US" sz="1200" b="1" i="0" u="none" strike="noStrike" baseline="0" dirty="0">
-                <a:latin typeface="OpenSans-Semibold"/>
-              </a:rPr>
-              <a:t>Don't Repeat Yourself</a:t>
-            </a:r>
-          </a:p>
-          <a:p>
-            <a:pPr algn="l"/>
-            <a:endParaRPr lang="en-US" sz="1200" b="0" i="0" u="none" strike="noStrike" baseline="0" dirty="0">
-              <a:latin typeface="OpenSans-Semibold"/>
-            </a:endParaRPr>
-          </a:p>
-          <a:p>
-            <a:pPr algn="l"/>
-            <a:r>
-              <a:rPr lang="en-US" sz="1200" b="0" i="0" u="none" strike="noStrike" baseline="0" dirty="0">
-                <a:latin typeface="Lora-Regular"/>
-              </a:rPr>
-              <a:t>One of the cardinal rules of good programming is stated here: Do not Repeat Yourself (DRY). In other words, "</a:t>
-            </a:r>
-            <a:r>
-              <a:rPr lang="en-US" sz="1200" b="0" i="1" u="none" strike="noStrike" baseline="0" dirty="0">
-                <a:latin typeface="Lora-Italic"/>
-              </a:rPr>
-              <a:t>Every piece of knowledge or logic must have a single, unambiguous representation within a system.</a:t>
-            </a:r>
-            <a:r>
-              <a:rPr lang="en-US" sz="1200" b="0" i="0" u="none" strike="noStrike" baseline="0" dirty="0">
-                <a:latin typeface="Lora-Regular"/>
-              </a:rPr>
-              <a:t>" If you want to do the same thing multiple times in your code, it should be expressed as a function, and called wherever it is needed.</a:t>
-            </a:r>
-          </a:p>
-          <a:p>
-            <a:pPr algn="l"/>
-            <a:endParaRPr lang="en-US" sz="1200" b="0" i="0" u="none" strike="noStrike" baseline="0" dirty="0">
-              <a:latin typeface="Lora-Regular"/>
-            </a:endParaRPr>
-          </a:p>
-          <a:p>
-            <a:pPr algn="l"/>
-            <a:r>
-              <a:rPr lang="en-US" sz="1200" b="0" i="0" u="none" strike="noStrike" baseline="0" dirty="0">
-                <a:latin typeface="Arial" panose="020B0604020202020204" pitchFamily="34" charset="0"/>
-              </a:rPr>
-              <a:t>Bird, Andrew, et al. The Python Workshop : Learn to Code in Python and Kickstart Your Career in Software Development or Data Science, Packt Publishing,</a:t>
-            </a:r>
-          </a:p>
-          <a:p>
-            <a:pPr algn="l"/>
-            <a:r>
-              <a:rPr lang="en-US" sz="1200" b="0" i="0" u="none" strike="noStrike" baseline="0" dirty="0">
-                <a:latin typeface="Arial" panose="020B0604020202020204" pitchFamily="34" charset="0"/>
-              </a:rPr>
-              <a:t>Limited, 2019. ProQuest Ebook Central, http://ebookcentral.proquest.com/lib/ufl/detail.action?docID=5974923.</a:t>
-            </a:r>
-          </a:p>
-          <a:p>
-            <a:pPr marL="0" marR="0" lvl="0" indent="0" algn="l" defTabSz="914400" rtl="0" eaLnBrk="1" fontAlgn="auto" latinLnBrk="0" hangingPunct="1">
-              <a:lnSpc>
-                <a:spcPct val="100000"/>
-              </a:lnSpc>
-              <a:spcBef>
-                <a:spcPts val="0"/>
-              </a:spcBef>
-              <a:spcAft>
-                <a:spcPts val="0"/>
-              </a:spcAft>
-              <a:buClrTx/>
-              <a:buSzTx/>
-              <a:buFontTx/>
+            <a:pPr marL="171450" indent="-171450">
+              <a:buFont typeface="Courier New" panose="02070309020205020404" pitchFamily="49" charset="0"/>
+              <a:buChar char="o"/>
+            </a:pPr>
+            <a:r>
+              <a:rPr lang="en-US" dirty="0"/>
+              <a:t>Functions can (and usually do) return values</a:t>
+            </a:r>
+          </a:p>
+          <a:p>
+            <a:pPr lvl="1"/>
+            <a:endParaRPr lang="en-US" dirty="0"/>
+          </a:p>
+          <a:p>
+            <a:pPr marL="171450" indent="-171450">
+              <a:buFont typeface="Courier New" panose="02070309020205020404" pitchFamily="49" charset="0"/>
+              <a:buChar char="o"/>
+            </a:pPr>
+            <a:r>
+              <a:rPr lang="en-US" dirty="0"/>
+              <a:t>To specify the return values, use "</a:t>
+            </a:r>
+            <a:r>
+              <a:rPr lang="en-US" dirty="0">
+                <a:solidFill>
+                  <a:srgbClr val="FF00FF"/>
+                </a:solidFill>
+              </a:rPr>
+              <a:t>return</a:t>
+            </a:r>
+            <a:r>
+              <a:rPr lang="en-US" dirty="0"/>
+              <a:t>" followed by one or more values or variables</a:t>
+            </a:r>
+          </a:p>
+          <a:p>
+            <a:pPr marL="0" indent="0">
               <a:buNone/>
-              <a:tabLst/>
-              <a:defRPr/>
             </a:pPr>
+            <a:r>
+              <a:rPr lang="en-US" dirty="0"/>
+              <a:t>	</a:t>
+            </a:r>
+            <a:r>
+              <a:rPr lang="en-US" dirty="0">
+                <a:solidFill>
+                  <a:srgbClr val="FF00FF"/>
+                </a:solidFill>
+              </a:rPr>
+              <a:t>return</a:t>
+            </a:r>
+            <a:r>
+              <a:rPr lang="en-US" dirty="0"/>
+              <a:t> </a:t>
+            </a:r>
+            <a:r>
+              <a:rPr lang="en-US" dirty="0">
+                <a:solidFill>
+                  <a:srgbClr val="FFFF00"/>
+                </a:solidFill>
+              </a:rPr>
+              <a:t>&lt;value1&gt;</a:t>
+            </a:r>
+            <a:r>
+              <a:rPr lang="en-US" dirty="0"/>
+              <a:t>,</a:t>
+            </a:r>
+            <a:r>
+              <a:rPr lang="en-US" dirty="0">
+                <a:solidFill>
+                  <a:srgbClr val="FFFF00"/>
+                </a:solidFill>
+              </a:rPr>
+              <a:t>&lt;value2&gt;</a:t>
+            </a:r>
+            <a:r>
+              <a:rPr lang="en-US" dirty="0"/>
+              <a:t>, </a:t>
+            </a:r>
+            <a:r>
+              <a:rPr lang="en-US" dirty="0">
+                <a:solidFill>
+                  <a:srgbClr val="FFFF00"/>
+                </a:solidFill>
+              </a:rPr>
+              <a:t>. . .</a:t>
+            </a:r>
+          </a:p>
+          <a:p>
+            <a:pPr lvl="1"/>
+            <a:endParaRPr lang="en-US" dirty="0"/>
+          </a:p>
+          <a:p>
+            <a:pPr marL="171450" indent="-171450">
+              <a:buFont typeface="Courier New" panose="02070309020205020404" pitchFamily="49" charset="0"/>
+              <a:buChar char="o"/>
+            </a:pPr>
+            <a:r>
+              <a:rPr lang="en-US" dirty="0"/>
+              <a:t>The returned value is usually assigned to a variable</a:t>
+            </a:r>
+          </a:p>
+          <a:p>
             <a:endParaRPr lang="en-US" dirty="0"/>
           </a:p>
         </p:txBody>
@@ -728,7 +760,7 @@
     </p:spTree>
     <p:extLst>
       <p:ext uri="{BB962C8B-B14F-4D97-AF65-F5344CB8AC3E}">
-        <p14:creationId xmlns:p14="http://schemas.microsoft.com/office/powerpoint/2010/main" val="2100913932"/>
+        <p14:creationId xmlns:p14="http://schemas.microsoft.com/office/powerpoint/2010/main" val="514196380"/>
       </p:ext>
     </p:extLst>
   </p:cSld>
@@ -782,27 +814,55 @@
           <a:bodyPr/>
           <a:lstStyle/>
           <a:p>
-            <a:pPr algn="l"/>
-            <a:r>
-              <a:rPr lang="en-US" sz="4000" b="0" i="0" dirty="0">
-                <a:solidFill>
-                  <a:srgbClr val="292929"/>
-                </a:solidFill>
-                <a:effectLst/>
-                <a:latin typeface="charter"/>
-              </a:rPr>
-              <a:t>Think of a class as a blueprint for how an object may operate. The object is a particular instance derived from the class. For example, an object could represent a particular person with attributes including name, age, address, etc., and methods like walking, talking, breathing, and running.  Here the object is Pikachu, derived from the class Pokemon.  Keep in mind: methods define what a given object can do while attributes define its features.  </a:t>
-            </a:r>
-          </a:p>
-          <a:p>
-            <a:pPr algn="l"/>
-            <a:endParaRPr lang="en-US" sz="2800" b="0" i="0" dirty="0">
-              <a:solidFill>
-                <a:srgbClr val="090909"/>
-              </a:solidFill>
-              <a:effectLst/>
-              <a:latin typeface="-apple-system"/>
-            </a:endParaRPr>
+            <a:pPr marL="0" marR="0" lvl="0" indent="0" algn="l" defTabSz="914400" rtl="0" eaLnBrk="1" fontAlgn="auto" latinLnBrk="0" hangingPunct="1">
+              <a:lnSpc>
+                <a:spcPct val="100000"/>
+              </a:lnSpc>
+              <a:spcBef>
+                <a:spcPts val="0"/>
+              </a:spcBef>
+              <a:spcAft>
+                <a:spcPts val="0"/>
+              </a:spcAft>
+              <a:buClrTx/>
+              <a:buSzTx/>
+              <a:buFontTx/>
+              <a:buNone/>
+              <a:tabLst/>
+              <a:defRPr/>
+            </a:pPr>
+            <a:r>
+              <a:rPr lang="en-US" dirty="0"/>
+              <a:t>When calling a function and passing arguments to it, you can do so in two ways – by position or by keyword.  Although you can pass arguments to a function in multiple ways, my personal preference is to pass arguments to functions by KEYWORD.  When you do that, you know exactly what's being passed to the function.  And your code becomes self-documenting.  This is important when you come back to a piece of code after a lapse of time.  Write code for the </a:t>
+            </a:r>
+            <a:r>
+              <a:rPr lang="en-US" b="1" dirty="0"/>
+              <a:t>future</a:t>
+            </a:r>
+            <a:r>
+              <a:rPr lang="en-US" dirty="0"/>
+              <a:t> you!</a:t>
+            </a:r>
+          </a:p>
+          <a:p>
+            <a:pPr marL="0" marR="0" lvl="0" indent="0" algn="l" defTabSz="914400" rtl="0" eaLnBrk="1" fontAlgn="auto" latinLnBrk="0" hangingPunct="1">
+              <a:lnSpc>
+                <a:spcPct val="100000"/>
+              </a:lnSpc>
+              <a:spcBef>
+                <a:spcPts val="0"/>
+              </a:spcBef>
+              <a:spcAft>
+                <a:spcPts val="0"/>
+              </a:spcAft>
+              <a:buClrTx/>
+              <a:buSzTx/>
+              <a:buFontTx/>
+              <a:buNone/>
+              <a:tabLst/>
+              <a:defRPr/>
+            </a:pPr>
+            <a:endParaRPr lang="en-US" dirty="0"/>
           </a:p>
         </p:txBody>
       </p:sp>
@@ -832,7 +892,7 @@
     </p:spTree>
     <p:extLst>
       <p:ext uri="{BB962C8B-B14F-4D97-AF65-F5344CB8AC3E}">
-        <p14:creationId xmlns:p14="http://schemas.microsoft.com/office/powerpoint/2010/main" val="473516458"/>
+        <p14:creationId xmlns:p14="http://schemas.microsoft.com/office/powerpoint/2010/main" val="1314382224"/>
       </p:ext>
     </p:extLst>
   </p:cSld>
@@ -888,6 +948,847 @@
           <a:p>
             <a:pPr algn="l"/>
             <a:r>
+              <a:rPr lang="en-US" b="0" i="0" dirty="0">
+                <a:solidFill>
+                  <a:srgbClr val="000000"/>
+                </a:solidFill>
+                <a:effectLst/>
+                <a:latin typeface="Helvetica Neue"/>
+              </a:rPr>
+              <a:t>At this point, I want to briefly discuss an important yet often overlooked point.</a:t>
+            </a:r>
+          </a:p>
+          <a:p>
+            <a:pPr algn="just"/>
+            <a:endParaRPr lang="en-US" b="0" i="0" dirty="0">
+              <a:solidFill>
+                <a:srgbClr val="000000"/>
+              </a:solidFill>
+              <a:effectLst/>
+              <a:latin typeface="Helvetica Neue"/>
+            </a:endParaRPr>
+          </a:p>
+          <a:p>
+            <a:pPr algn="just"/>
+            <a:r>
+              <a:rPr lang="en-US" b="0" i="0" dirty="0">
+                <a:solidFill>
+                  <a:srgbClr val="000000"/>
+                </a:solidFill>
+                <a:effectLst/>
+                <a:latin typeface="Helvetica Neue"/>
+              </a:rPr>
+              <a:t>In the </a:t>
+            </a:r>
+            <a:r>
+              <a:rPr lang="en-US" b="0" i="1" dirty="0">
+                <a:solidFill>
+                  <a:srgbClr val="000000"/>
+                </a:solidFill>
+                <a:effectLst/>
+                <a:latin typeface="Helvetica Neue"/>
+              </a:rPr>
+              <a:t>Big Bang Theory</a:t>
+            </a:r>
+            <a:r>
+              <a:rPr lang="en-US" b="0" i="0" dirty="0">
+                <a:solidFill>
+                  <a:srgbClr val="000000"/>
+                </a:solidFill>
+                <a:effectLst/>
+                <a:latin typeface="Helvetica Neue"/>
+              </a:rPr>
+              <a:t> TV series, the show's resident genius - Sheldon Cooper - enjoys creating legally-binding agreements that specify the particulars of any relationship he is presently in. His romance with Amy is regulated by a relationship agreement, as is his relationship with his roommate, Leonard Hofstadter.</a:t>
+            </a:r>
+          </a:p>
+          <a:p>
+            <a:pPr marL="0" marR="0" lvl="0" indent="0" algn="l" defTabSz="914400" rtl="0" eaLnBrk="1" fontAlgn="auto" latinLnBrk="0" hangingPunct="1">
+              <a:lnSpc>
+                <a:spcPct val="100000"/>
+              </a:lnSpc>
+              <a:spcBef>
+                <a:spcPts val="0"/>
+              </a:spcBef>
+              <a:spcAft>
+                <a:spcPts val="0"/>
+              </a:spcAft>
+              <a:buClrTx/>
+              <a:buSzTx/>
+              <a:buFontTx/>
+              <a:buNone/>
+              <a:tabLst/>
+              <a:defRPr/>
+            </a:pPr>
+            <a:endParaRPr lang="en-US" dirty="0"/>
+          </a:p>
+          <a:p>
+            <a:pPr algn="l"/>
+            <a:r>
+              <a:rPr lang="en-US" b="1" i="0" dirty="0">
+                <a:solidFill>
+                  <a:srgbClr val="000000"/>
+                </a:solidFill>
+                <a:effectLst/>
+                <a:latin typeface="Helvetica Neue"/>
+              </a:rPr>
+              <a:t>Python Functions</a:t>
+            </a:r>
+          </a:p>
+          <a:p>
+            <a:pPr algn="just"/>
+            <a:r>
+              <a:rPr lang="en-US" b="0" i="0" dirty="0">
+                <a:solidFill>
+                  <a:srgbClr val="000000"/>
+                </a:solidFill>
+                <a:effectLst/>
+                <a:latin typeface="Helvetica Neue"/>
+              </a:rPr>
+              <a:t>The fundamental concept behind functions is the notion of a contract. Just as Sheldon's relationship and roommate agreements ensure that the parties involved will act in regular and predictable ways, so too the interface to a function is like a contract. If a call to a function passes the correct arguments in the correct order, a well written function responds in a predictable way, providing the promised output.</a:t>
+            </a:r>
+          </a:p>
+          <a:p>
+            <a:pPr algn="just"/>
+            <a:endParaRPr lang="en-US" b="0" i="0" dirty="0">
+              <a:solidFill>
+                <a:srgbClr val="000000"/>
+              </a:solidFill>
+              <a:effectLst/>
+              <a:latin typeface="Helvetica Neue"/>
+            </a:endParaRPr>
+          </a:p>
+          <a:p>
+            <a:pPr algn="just"/>
+            <a:r>
+              <a:rPr lang="en-US" b="0" i="0" dirty="0">
+                <a:solidFill>
+                  <a:srgbClr val="000000"/>
+                </a:solidFill>
+                <a:effectLst/>
+                <a:latin typeface="Helvetica Neue"/>
+              </a:rPr>
+              <a:t>Counterintuitively, the first step in creating a function is to define what it will do. I say "counterintuitively" because most programmers simply dive right in and start writing code. This strategy works well for small and rather simple programs. However, you'll quickly run into trouble when the complexity begins to increase. For that reason, seasoned software developers usually begin by writing a specification (spec) - a document that spells out the terms of the contract. A well-written specification typically includes interface documentation as well as pseudocode, a clear statement in plain English of the steps to be taken to accomplish the function's task.</a:t>
+            </a:r>
+          </a:p>
+          <a:p>
+            <a:br>
+              <a:rPr lang="en-US" dirty="0"/>
+            </a:br>
+            <a:r>
+              <a:rPr lang="en-US" dirty="0"/>
+              <a:t>https://www.pinterest.com/pin/558024210062835602/</a:t>
+            </a:r>
+          </a:p>
+        </p:txBody>
+      </p:sp>
+      <p:sp>
+        <p:nvSpPr>
+          <p:cNvPr id="4" name="Slide Number Placeholder 3"/>
+          <p:cNvSpPr>
+            <a:spLocks noGrp="1"/>
+          </p:cNvSpPr>
+          <p:nvPr>
+            <p:ph type="sldNum" sz="quarter" idx="5"/>
+          </p:nvPr>
+        </p:nvSpPr>
+        <p:spPr/>
+        <p:txBody>
+          <a:bodyPr/>
+          <a:lstStyle/>
+          <a:p>
+            <a:fld id="{3148858F-F1DB-4027-9C85-CCA6849540DD}" type="slidenum">
+              <a:rPr lang="en-US" smtClean="0"/>
+              <a:t>12</a:t>
+            </a:fld>
+            <a:endParaRPr lang="en-US"/>
+          </a:p>
+        </p:txBody>
+      </p:sp>
+    </p:spTree>
+    <p:extLst>
+      <p:ext uri="{BB962C8B-B14F-4D97-AF65-F5344CB8AC3E}">
+        <p14:creationId xmlns:p14="http://schemas.microsoft.com/office/powerpoint/2010/main" val="880453606"/>
+      </p:ext>
+    </p:extLst>
+  </p:cSld>
+  <p:clrMapOvr>
+    <a:masterClrMapping/>
+  </p:clrMapOvr>
+</p:notes>
+</file>
+
+<file path=ppt/notesSlides/notesSlide13.xml><?xml version="1.0" encoding="utf-8"?>
+<p:notes xmlns:a="http://schemas.openxmlformats.org/drawingml/2006/main" xmlns:r="http://schemas.openxmlformats.org/officeDocument/2006/relationships" xmlns:p="http://schemas.openxmlformats.org/presentationml/2006/main">
+  <p:cSld>
+    <p:spTree>
+      <p:nvGrpSpPr>
+        <p:cNvPr id="1" name=""/>
+        <p:cNvGrpSpPr/>
+        <p:nvPr/>
+      </p:nvGrpSpPr>
+      <p:grpSpPr>
+        <a:xfrm>
+          <a:off x="0" y="0"/>
+          <a:ext cx="0" cy="0"/>
+          <a:chOff x="0" y="0"/>
+          <a:chExt cx="0" cy="0"/>
+        </a:xfrm>
+      </p:grpSpPr>
+      <p:sp>
+        <p:nvSpPr>
+          <p:cNvPr id="2" name="Slide Image Placeholder 1"/>
+          <p:cNvSpPr>
+            <a:spLocks noGrp="1" noRot="1" noChangeAspect="1"/>
+          </p:cNvSpPr>
+          <p:nvPr>
+            <p:ph type="sldImg"/>
+          </p:nvPr>
+        </p:nvSpPr>
+        <p:spPr/>
+      </p:sp>
+      <p:sp>
+        <p:nvSpPr>
+          <p:cNvPr id="3" name="Notes Placeholder 2"/>
+          <p:cNvSpPr>
+            <a:spLocks noGrp="1"/>
+          </p:cNvSpPr>
+          <p:nvPr>
+            <p:ph type="body" idx="1"/>
+          </p:nvPr>
+        </p:nvSpPr>
+        <p:spPr/>
+        <p:txBody>
+          <a:bodyPr/>
+          <a:lstStyle/>
+          <a:p>
+            <a:pPr algn="just"/>
+            <a:r>
+              <a:rPr lang="en-US" b="0" i="0" dirty="0">
+                <a:solidFill>
+                  <a:srgbClr val="000000"/>
+                </a:solidFill>
+                <a:effectLst/>
+                <a:latin typeface="Helvetica Neue"/>
+              </a:rPr>
+              <a:t>Let's illustrate this process by writing a spec for a rather simple function called </a:t>
+            </a:r>
+            <a:r>
+              <a:rPr lang="en-US" b="0" i="1" dirty="0">
+                <a:solidFill>
+                  <a:srgbClr val="000000"/>
+                </a:solidFill>
+                <a:effectLst/>
+                <a:latin typeface="Helvetica Neue"/>
+              </a:rPr>
+              <a:t>multiply.</a:t>
+            </a:r>
+            <a:r>
+              <a:rPr lang="en-US" b="0" i="0" dirty="0">
+                <a:solidFill>
+                  <a:srgbClr val="000000"/>
+                </a:solidFill>
+                <a:effectLst/>
+                <a:latin typeface="Helvetica Neue"/>
+              </a:rPr>
+              <a:t> Here's the initial specification.  Simple enough!</a:t>
+            </a:r>
+          </a:p>
+          <a:p>
+            <a:pPr algn="just"/>
+            <a:endParaRPr lang="en-US" b="0" i="0" dirty="0">
+              <a:solidFill>
+                <a:srgbClr val="000000"/>
+              </a:solidFill>
+              <a:effectLst/>
+              <a:latin typeface="Helvetica Neue"/>
+            </a:endParaRPr>
+          </a:p>
+          <a:p>
+            <a:pPr algn="just"/>
+            <a:r>
+              <a:rPr lang="en-US" b="0" i="0" dirty="0">
+                <a:solidFill>
+                  <a:srgbClr val="000000"/>
+                </a:solidFill>
+                <a:effectLst/>
+                <a:latin typeface="Helvetica Neue"/>
+              </a:rPr>
+              <a:t>Because this function is so simple, we won't bother with the pseudocode at this point. For more complex functions, however, pseudocode is strongly recommended as it helps you understand the flow and logic of your program before you start coding. With all that said, here's a first look at the code.</a:t>
+            </a:r>
+          </a:p>
+          <a:p>
+            <a:pPr algn="just"/>
+            <a:endParaRPr lang="en-US" b="0" i="0" dirty="0">
+              <a:solidFill>
+                <a:srgbClr val="000000"/>
+              </a:solidFill>
+              <a:effectLst/>
+              <a:latin typeface="Helvetica Neue"/>
+            </a:endParaRPr>
+          </a:p>
+          <a:p>
+            <a:pPr algn="just"/>
+            <a:r>
+              <a:rPr lang="en-US" b="0" i="0" dirty="0">
+                <a:solidFill>
+                  <a:srgbClr val="000000"/>
+                </a:solidFill>
+                <a:effectLst/>
+                <a:latin typeface="Helvetica Neue"/>
+              </a:rPr>
+              <a:t>This is a straightforward function, if there ever was one. Even so, a couple points need to be highlighted. Consider, for example, the documentation (doc) string immediately following the function definition. As you can see, this string is enclosed by three single quotes '''. The information in a doc string displays whenever one runs help() on a given function.</a:t>
+            </a:r>
+          </a:p>
+          <a:p>
+            <a:pPr algn="just"/>
+            <a:endParaRPr lang="en-US" b="0" i="0" dirty="0">
+              <a:solidFill>
+                <a:srgbClr val="000000"/>
+              </a:solidFill>
+              <a:effectLst/>
+              <a:latin typeface="Helvetica Neue"/>
+            </a:endParaRPr>
+          </a:p>
+          <a:p>
+            <a:pPr algn="just"/>
+            <a:r>
+              <a:rPr lang="en-US" b="0" i="0" dirty="0">
+                <a:solidFill>
+                  <a:srgbClr val="000000"/>
+                </a:solidFill>
+                <a:effectLst/>
+                <a:latin typeface="Helvetica Neue"/>
+              </a:rPr>
+              <a:t>In his wonderful book, </a:t>
+            </a:r>
+            <a:r>
+              <a:rPr lang="en-US" b="0" i="1" dirty="0">
+                <a:solidFill>
+                  <a:srgbClr val="000000"/>
+                </a:solidFill>
+                <a:effectLst/>
+                <a:latin typeface="Helvetica Neue"/>
+              </a:rPr>
+              <a:t>Python without Fear,</a:t>
+            </a:r>
+            <a:r>
+              <a:rPr lang="en-US" b="0" i="0" dirty="0">
+                <a:solidFill>
+                  <a:srgbClr val="000000"/>
+                </a:solidFill>
+                <a:effectLst/>
+                <a:latin typeface="Helvetica Neue"/>
+              </a:rPr>
+              <a:t> Brian Overland makes the following points about doc strings (p. 322). You'll want to keep these in mind as you create doc strings for your functions.</a:t>
+            </a:r>
+          </a:p>
+          <a:p>
+            <a:pPr algn="just"/>
+            <a:endParaRPr lang="en-US" b="0" i="0" dirty="0">
+              <a:solidFill>
+                <a:srgbClr val="000000"/>
+              </a:solidFill>
+              <a:effectLst/>
+              <a:latin typeface="Helvetica Neue"/>
+            </a:endParaRPr>
+          </a:p>
+          <a:p>
+            <a:pPr algn="l">
+              <a:buFont typeface="+mj-lt"/>
+              <a:buAutoNum type="arabicPeriod"/>
+            </a:pPr>
+            <a:r>
+              <a:rPr lang="en-US" b="0" i="0" dirty="0">
+                <a:solidFill>
+                  <a:srgbClr val="000000"/>
+                </a:solidFill>
+                <a:effectLst/>
+                <a:latin typeface="Helvetica Neue"/>
+              </a:rPr>
+              <a:t> The doc string must be the first statement after the beginning (header) of the function definition.</a:t>
+            </a:r>
+          </a:p>
+          <a:p>
+            <a:pPr algn="l">
+              <a:buFont typeface="+mj-lt"/>
+              <a:buAutoNum type="arabicPeriod"/>
+            </a:pPr>
+            <a:r>
+              <a:rPr lang="en-US" b="0" i="0" dirty="0">
+                <a:solidFill>
+                  <a:srgbClr val="000000"/>
+                </a:solidFill>
+                <a:effectLst/>
+                <a:latin typeface="Helvetica Neue"/>
+              </a:rPr>
+              <a:t> Normal indentation rules apply. The doc string must be indented under the heading of the definition, just as any statement.</a:t>
+            </a:r>
+          </a:p>
+          <a:p>
+            <a:pPr algn="l">
+              <a:buFont typeface="+mj-lt"/>
+              <a:buAutoNum type="arabicPeriod"/>
+            </a:pPr>
+            <a:r>
+              <a:rPr lang="en-US" b="0" i="0" dirty="0">
+                <a:solidFill>
+                  <a:srgbClr val="000000"/>
+                </a:solidFill>
+                <a:effectLst/>
+                <a:latin typeface="Helvetica Neue"/>
+              </a:rPr>
+              <a:t> The indentation requirement applies only to the first physical line. However, the cleanest style is to continue the indentation of the first line.</a:t>
+            </a:r>
+          </a:p>
+          <a:p>
+            <a:pPr algn="l">
+              <a:buFont typeface="+mj-lt"/>
+              <a:buAutoNum type="arabicPeriod"/>
+            </a:pPr>
+            <a:r>
+              <a:rPr lang="en-US" b="0" i="0" dirty="0">
+                <a:solidFill>
+                  <a:srgbClr val="000000"/>
+                </a:solidFill>
+                <a:effectLst/>
+                <a:latin typeface="Helvetica Neue"/>
+              </a:rPr>
+              <a:t> You can use any kind of quotation marks. However, the literal quote marks (''') enable you to write doc strings that span any number of physical lines.</a:t>
+            </a:r>
+          </a:p>
+          <a:p>
+            <a:pPr algn="just"/>
+            <a:r>
+              <a:rPr lang="en-US" b="0" i="0" dirty="0">
+                <a:solidFill>
+                  <a:srgbClr val="000000"/>
+                </a:solidFill>
+                <a:effectLst/>
+                <a:latin typeface="Helvetica Neue"/>
+              </a:rPr>
+              <a:t>The last thing we need to point out is the comment at the end of the function definition. The pound sign (#) indicates that anything following it is a comment. In this case, we mark the end of the function with a comment. When developing a module containing multiple functions, best practice encourages the placement of comments at the end of each function. This helps you to clearly see where one function ends and another begins.</a:t>
+            </a:r>
+          </a:p>
+          <a:p>
+            <a:pPr algn="just"/>
+            <a:endParaRPr lang="en-US" b="0" i="0" dirty="0">
+              <a:solidFill>
+                <a:srgbClr val="000000"/>
+              </a:solidFill>
+              <a:effectLst/>
+              <a:latin typeface="Helvetica Neue"/>
+            </a:endParaRPr>
+          </a:p>
+          <a:p>
+            <a:pPr marL="0" marR="0" lvl="0" indent="0" algn="l" defTabSz="914400" rtl="0" eaLnBrk="1" fontAlgn="auto" latinLnBrk="0" hangingPunct="1">
+              <a:lnSpc>
+                <a:spcPct val="100000"/>
+              </a:lnSpc>
+              <a:spcBef>
+                <a:spcPts val="0"/>
+              </a:spcBef>
+              <a:spcAft>
+                <a:spcPts val="0"/>
+              </a:spcAft>
+              <a:buClrTx/>
+              <a:buSzTx/>
+              <a:buFontTx/>
+              <a:buNone/>
+              <a:tabLst/>
+              <a:defRPr/>
+            </a:pPr>
+            <a:endParaRPr lang="en-US" dirty="0"/>
+          </a:p>
+        </p:txBody>
+      </p:sp>
+      <p:sp>
+        <p:nvSpPr>
+          <p:cNvPr id="4" name="Slide Number Placeholder 3"/>
+          <p:cNvSpPr>
+            <a:spLocks noGrp="1"/>
+          </p:cNvSpPr>
+          <p:nvPr>
+            <p:ph type="sldNum" sz="quarter" idx="5"/>
+          </p:nvPr>
+        </p:nvSpPr>
+        <p:spPr/>
+        <p:txBody>
+          <a:bodyPr/>
+          <a:lstStyle/>
+          <a:p>
+            <a:fld id="{3148858F-F1DB-4027-9C85-CCA6849540DD}" type="slidenum">
+              <a:rPr lang="en-US" smtClean="0"/>
+              <a:t>13</a:t>
+            </a:fld>
+            <a:endParaRPr lang="en-US"/>
+          </a:p>
+        </p:txBody>
+      </p:sp>
+    </p:spTree>
+    <p:extLst>
+      <p:ext uri="{BB962C8B-B14F-4D97-AF65-F5344CB8AC3E}">
+        <p14:creationId xmlns:p14="http://schemas.microsoft.com/office/powerpoint/2010/main" val="932329178"/>
+      </p:ext>
+    </p:extLst>
+  </p:cSld>
+  <p:clrMapOvr>
+    <a:masterClrMapping/>
+  </p:clrMapOvr>
+</p:notes>
+</file>
+
+<file path=ppt/notesSlides/notesSlide14.xml><?xml version="1.0" encoding="utf-8"?>
+<p:notes xmlns:a="http://schemas.openxmlformats.org/drawingml/2006/main" xmlns:r="http://schemas.openxmlformats.org/officeDocument/2006/relationships" xmlns:p="http://schemas.openxmlformats.org/presentationml/2006/main">
+  <p:cSld>
+    <p:spTree>
+      <p:nvGrpSpPr>
+        <p:cNvPr id="1" name=""/>
+        <p:cNvGrpSpPr/>
+        <p:nvPr/>
+      </p:nvGrpSpPr>
+      <p:grpSpPr>
+        <a:xfrm>
+          <a:off x="0" y="0"/>
+          <a:ext cx="0" cy="0"/>
+          <a:chOff x="0" y="0"/>
+          <a:chExt cx="0" cy="0"/>
+        </a:xfrm>
+      </p:grpSpPr>
+      <p:sp>
+        <p:nvSpPr>
+          <p:cNvPr id="2" name="Slide Image Placeholder 1"/>
+          <p:cNvSpPr>
+            <a:spLocks noGrp="1" noRot="1" noChangeAspect="1"/>
+          </p:cNvSpPr>
+          <p:nvPr>
+            <p:ph type="sldImg"/>
+          </p:nvPr>
+        </p:nvSpPr>
+        <p:spPr/>
+      </p:sp>
+      <p:sp>
+        <p:nvSpPr>
+          <p:cNvPr id="3" name="Notes Placeholder 2"/>
+          <p:cNvSpPr>
+            <a:spLocks noGrp="1"/>
+          </p:cNvSpPr>
+          <p:nvPr>
+            <p:ph type="body" idx="1"/>
+          </p:nvPr>
+        </p:nvSpPr>
+        <p:spPr/>
+        <p:txBody>
+          <a:bodyPr/>
+          <a:lstStyle/>
+          <a:p>
+            <a:pPr marL="0" marR="0" lvl="0" indent="0" algn="l" defTabSz="914400" rtl="0" eaLnBrk="1" fontAlgn="auto" latinLnBrk="0" hangingPunct="1">
+              <a:lnSpc>
+                <a:spcPct val="100000"/>
+              </a:lnSpc>
+              <a:spcBef>
+                <a:spcPts val="0"/>
+              </a:spcBef>
+              <a:spcAft>
+                <a:spcPts val="0"/>
+              </a:spcAft>
+              <a:buClrTx/>
+              <a:buSzTx/>
+              <a:buFontTx/>
+              <a:buNone/>
+              <a:tabLst/>
+              <a:defRPr/>
+            </a:pPr>
+            <a:endParaRPr lang="en-US" dirty="0"/>
+          </a:p>
+        </p:txBody>
+      </p:sp>
+      <p:sp>
+        <p:nvSpPr>
+          <p:cNvPr id="4" name="Slide Number Placeholder 3"/>
+          <p:cNvSpPr>
+            <a:spLocks noGrp="1"/>
+          </p:cNvSpPr>
+          <p:nvPr>
+            <p:ph type="sldNum" sz="quarter" idx="5"/>
+          </p:nvPr>
+        </p:nvSpPr>
+        <p:spPr/>
+        <p:txBody>
+          <a:bodyPr/>
+          <a:lstStyle/>
+          <a:p>
+            <a:fld id="{3148858F-F1DB-4027-9C85-CCA6849540DD}" type="slidenum">
+              <a:rPr lang="en-US" smtClean="0"/>
+              <a:t>14</a:t>
+            </a:fld>
+            <a:endParaRPr lang="en-US"/>
+          </a:p>
+        </p:txBody>
+      </p:sp>
+    </p:spTree>
+    <p:extLst>
+      <p:ext uri="{BB962C8B-B14F-4D97-AF65-F5344CB8AC3E}">
+        <p14:creationId xmlns:p14="http://schemas.microsoft.com/office/powerpoint/2010/main" val="1985664105"/>
+      </p:ext>
+    </p:extLst>
+  </p:cSld>
+  <p:clrMapOvr>
+    <a:masterClrMapping/>
+  </p:clrMapOvr>
+</p:notes>
+</file>
+
+<file path=ppt/notesSlides/notesSlide15.xml><?xml version="1.0" encoding="utf-8"?>
+<p:notes xmlns:a="http://schemas.openxmlformats.org/drawingml/2006/main" xmlns:r="http://schemas.openxmlformats.org/officeDocument/2006/relationships" xmlns:p="http://schemas.openxmlformats.org/presentationml/2006/main">
+  <p:cSld>
+    <p:spTree>
+      <p:nvGrpSpPr>
+        <p:cNvPr id="1" name=""/>
+        <p:cNvGrpSpPr/>
+        <p:nvPr/>
+      </p:nvGrpSpPr>
+      <p:grpSpPr>
+        <a:xfrm>
+          <a:off x="0" y="0"/>
+          <a:ext cx="0" cy="0"/>
+          <a:chOff x="0" y="0"/>
+          <a:chExt cx="0" cy="0"/>
+        </a:xfrm>
+      </p:grpSpPr>
+      <p:sp>
+        <p:nvSpPr>
+          <p:cNvPr id="2" name="Slide Image Placeholder 1"/>
+          <p:cNvSpPr>
+            <a:spLocks noGrp="1" noRot="1" noChangeAspect="1"/>
+          </p:cNvSpPr>
+          <p:nvPr>
+            <p:ph type="sldImg"/>
+          </p:nvPr>
+        </p:nvSpPr>
+        <p:spPr/>
+      </p:sp>
+      <p:sp>
+        <p:nvSpPr>
+          <p:cNvPr id="3" name="Notes Placeholder 2"/>
+          <p:cNvSpPr>
+            <a:spLocks noGrp="1"/>
+          </p:cNvSpPr>
+          <p:nvPr>
+            <p:ph type="body" idx="1"/>
+          </p:nvPr>
+        </p:nvSpPr>
+        <p:spPr/>
+        <p:txBody>
+          <a:bodyPr/>
+          <a:lstStyle/>
+          <a:p>
+            <a:pPr marL="0" marR="0" lvl="0" indent="0" algn="l" defTabSz="914400" rtl="0" eaLnBrk="1" fontAlgn="auto" latinLnBrk="0" hangingPunct="1">
+              <a:lnSpc>
+                <a:spcPct val="100000"/>
+              </a:lnSpc>
+              <a:spcBef>
+                <a:spcPts val="0"/>
+              </a:spcBef>
+              <a:spcAft>
+                <a:spcPts val="0"/>
+              </a:spcAft>
+              <a:buClrTx/>
+              <a:buSzTx/>
+              <a:buFontTx/>
+              <a:buNone/>
+              <a:tabLst/>
+              <a:defRPr/>
+            </a:pPr>
+            <a:endParaRPr lang="en-US" dirty="0"/>
+          </a:p>
+        </p:txBody>
+      </p:sp>
+      <p:sp>
+        <p:nvSpPr>
+          <p:cNvPr id="4" name="Slide Number Placeholder 3"/>
+          <p:cNvSpPr>
+            <a:spLocks noGrp="1"/>
+          </p:cNvSpPr>
+          <p:nvPr>
+            <p:ph type="sldNum" sz="quarter" idx="5"/>
+          </p:nvPr>
+        </p:nvSpPr>
+        <p:spPr/>
+        <p:txBody>
+          <a:bodyPr/>
+          <a:lstStyle/>
+          <a:p>
+            <a:fld id="{3148858F-F1DB-4027-9C85-CCA6849540DD}" type="slidenum">
+              <a:rPr lang="en-US" smtClean="0"/>
+              <a:t>16</a:t>
+            </a:fld>
+            <a:endParaRPr lang="en-US"/>
+          </a:p>
+        </p:txBody>
+      </p:sp>
+    </p:spTree>
+    <p:extLst>
+      <p:ext uri="{BB962C8B-B14F-4D97-AF65-F5344CB8AC3E}">
+        <p14:creationId xmlns:p14="http://schemas.microsoft.com/office/powerpoint/2010/main" val="3830469567"/>
+      </p:ext>
+    </p:extLst>
+  </p:cSld>
+  <p:clrMapOvr>
+    <a:masterClrMapping/>
+  </p:clrMapOvr>
+</p:notes>
+</file>
+
+<file path=ppt/notesSlides/notesSlide16.xml><?xml version="1.0" encoding="utf-8"?>
+<p:notes xmlns:a="http://schemas.openxmlformats.org/drawingml/2006/main" xmlns:r="http://schemas.openxmlformats.org/officeDocument/2006/relationships" xmlns:p="http://schemas.openxmlformats.org/presentationml/2006/main">
+  <p:cSld>
+    <p:spTree>
+      <p:nvGrpSpPr>
+        <p:cNvPr id="1" name=""/>
+        <p:cNvGrpSpPr/>
+        <p:nvPr/>
+      </p:nvGrpSpPr>
+      <p:grpSpPr>
+        <a:xfrm>
+          <a:off x="0" y="0"/>
+          <a:ext cx="0" cy="0"/>
+          <a:chOff x="0" y="0"/>
+          <a:chExt cx="0" cy="0"/>
+        </a:xfrm>
+      </p:grpSpPr>
+      <p:sp>
+        <p:nvSpPr>
+          <p:cNvPr id="2" name="Slide Image Placeholder 1"/>
+          <p:cNvSpPr>
+            <a:spLocks noGrp="1" noRot="1" noChangeAspect="1"/>
+          </p:cNvSpPr>
+          <p:nvPr>
+            <p:ph type="sldImg"/>
+          </p:nvPr>
+        </p:nvSpPr>
+        <p:spPr/>
+      </p:sp>
+      <p:sp>
+        <p:nvSpPr>
+          <p:cNvPr id="3" name="Notes Placeholder 2"/>
+          <p:cNvSpPr>
+            <a:spLocks noGrp="1"/>
+          </p:cNvSpPr>
+          <p:nvPr>
+            <p:ph type="body" idx="1"/>
+          </p:nvPr>
+        </p:nvSpPr>
+        <p:spPr/>
+        <p:txBody>
+          <a:bodyPr/>
+          <a:lstStyle/>
+          <a:p>
+            <a:pPr algn="l"/>
+            <a:r>
+              <a:rPr lang="en-US" sz="4000" b="0" i="0" dirty="0">
+                <a:solidFill>
+                  <a:srgbClr val="292929"/>
+                </a:solidFill>
+                <a:effectLst/>
+                <a:latin typeface="charter"/>
+              </a:rPr>
+              <a:t>Think of a class as a blueprint for how an object may operate. The object is a particular instance derived from the class. For example, an object could represent a particular person with attributes including name, age, address, etc., and methods like walking, talking, breathing, and running.  Here the object is Pikachu, derived from the class Pokemon.  Keep in mind: methods define what a given object can do while attributes define its features.  </a:t>
+            </a:r>
+          </a:p>
+          <a:p>
+            <a:pPr algn="l"/>
+            <a:endParaRPr lang="en-US" sz="2800" b="0" i="0" dirty="0">
+              <a:solidFill>
+                <a:srgbClr val="090909"/>
+              </a:solidFill>
+              <a:effectLst/>
+              <a:latin typeface="-apple-system"/>
+            </a:endParaRPr>
+          </a:p>
+        </p:txBody>
+      </p:sp>
+      <p:sp>
+        <p:nvSpPr>
+          <p:cNvPr id="4" name="Slide Number Placeholder 3"/>
+          <p:cNvSpPr>
+            <a:spLocks noGrp="1"/>
+          </p:cNvSpPr>
+          <p:nvPr>
+            <p:ph type="sldNum" sz="quarter" idx="5"/>
+          </p:nvPr>
+        </p:nvSpPr>
+        <p:spPr/>
+        <p:txBody>
+          <a:bodyPr/>
+          <a:lstStyle/>
+          <a:p>
+            <a:fld id="{3148858F-F1DB-4027-9C85-CCA6849540DD}" type="slidenum">
+              <a:rPr lang="en-US" smtClean="0"/>
+              <a:t>17</a:t>
+            </a:fld>
+            <a:endParaRPr lang="en-US"/>
+          </a:p>
+        </p:txBody>
+      </p:sp>
+    </p:spTree>
+    <p:extLst>
+      <p:ext uri="{BB962C8B-B14F-4D97-AF65-F5344CB8AC3E}">
+        <p14:creationId xmlns:p14="http://schemas.microsoft.com/office/powerpoint/2010/main" val="473516458"/>
+      </p:ext>
+    </p:extLst>
+  </p:cSld>
+  <p:clrMapOvr>
+    <a:masterClrMapping/>
+  </p:clrMapOvr>
+</p:notes>
+</file>
+
+<file path=ppt/notesSlides/notesSlide17.xml><?xml version="1.0" encoding="utf-8"?>
+<p:notes xmlns:a="http://schemas.openxmlformats.org/drawingml/2006/main" xmlns:r="http://schemas.openxmlformats.org/officeDocument/2006/relationships" xmlns:p="http://schemas.openxmlformats.org/presentationml/2006/main">
+  <p:cSld>
+    <p:spTree>
+      <p:nvGrpSpPr>
+        <p:cNvPr id="1" name=""/>
+        <p:cNvGrpSpPr/>
+        <p:nvPr/>
+      </p:nvGrpSpPr>
+      <p:grpSpPr>
+        <a:xfrm>
+          <a:off x="0" y="0"/>
+          <a:ext cx="0" cy="0"/>
+          <a:chOff x="0" y="0"/>
+          <a:chExt cx="0" cy="0"/>
+        </a:xfrm>
+      </p:grpSpPr>
+      <p:sp>
+        <p:nvSpPr>
+          <p:cNvPr id="2" name="Slide Image Placeholder 1"/>
+          <p:cNvSpPr>
+            <a:spLocks noGrp="1" noRot="1" noChangeAspect="1"/>
+          </p:cNvSpPr>
+          <p:nvPr>
+            <p:ph type="sldImg"/>
+          </p:nvPr>
+        </p:nvSpPr>
+        <p:spPr/>
+      </p:sp>
+      <p:sp>
+        <p:nvSpPr>
+          <p:cNvPr id="3" name="Notes Placeholder 2"/>
+          <p:cNvSpPr>
+            <a:spLocks noGrp="1"/>
+          </p:cNvSpPr>
+          <p:nvPr>
+            <p:ph type="body" idx="1"/>
+          </p:nvPr>
+        </p:nvSpPr>
+        <p:spPr/>
+        <p:txBody>
+          <a:bodyPr/>
+          <a:lstStyle/>
+          <a:p>
+            <a:pPr algn="l"/>
+            <a:r>
               <a:rPr lang="en-US" sz="1800" b="0" i="0" dirty="0">
                 <a:solidFill>
                   <a:srgbClr val="292929"/>
@@ -970,7 +1871,7 @@
           <a:p>
             <a:fld id="{3148858F-F1DB-4027-9C85-CCA6849540DD}" type="slidenum">
               <a:rPr lang="en-US" smtClean="0"/>
-              <a:t>12</a:t>
+              <a:t>18</a:t>
             </a:fld>
             <a:endParaRPr lang="en-US"/>
           </a:p>
@@ -1033,7 +1934,70 @@
           <a:bodyPr/>
           <a:lstStyle/>
           <a:p>
+            <a:pPr marL="0" marR="0" lvl="0" indent="0" algn="l" defTabSz="914400" rtl="0" eaLnBrk="1" fontAlgn="auto" latinLnBrk="0" hangingPunct="1">
+              <a:lnSpc>
+                <a:spcPct val="100000"/>
+              </a:lnSpc>
+              <a:spcBef>
+                <a:spcPts val="0"/>
+              </a:spcBef>
+              <a:spcAft>
+                <a:spcPts val="0"/>
+              </a:spcAft>
+              <a:buClrTx/>
+              <a:buSzTx/>
+              <a:buFontTx/>
+              <a:buNone/>
+              <a:tabLst/>
+              <a:defRPr/>
+            </a:pPr>
+            <a:r>
+              <a:rPr lang="en-US" dirty="0"/>
+              <a:t>Most of the AI code you write in Python is nothing more than calls to various functions.  And what is a function?  Noted computer science educator John Zelle writes, “The basic idea of a function is that we write a sequence of statements and give that sequence a name. The instructions can then be executed at any point in another program by referring to the function name. </a:t>
+            </a:r>
+          </a:p>
+          <a:p>
+            <a:pPr marL="0" marR="0" lvl="0" indent="0" algn="l" defTabSz="914400" rtl="0" eaLnBrk="1" fontAlgn="auto" latinLnBrk="0" hangingPunct="1">
+              <a:lnSpc>
+                <a:spcPct val="100000"/>
+              </a:lnSpc>
+              <a:spcBef>
+                <a:spcPts val="0"/>
+              </a:spcBef>
+              <a:spcAft>
+                <a:spcPts val="0"/>
+              </a:spcAft>
+              <a:buClrTx/>
+              <a:buSzTx/>
+              <a:buFontTx/>
+              <a:buNone/>
+              <a:tabLst/>
+              <a:defRPr/>
+            </a:pPr>
             <a:endParaRPr lang="en-US" dirty="0"/>
+          </a:p>
+          <a:p>
+            <a:pPr marL="0" marR="0" lvl="0" indent="0" algn="l" defTabSz="914400" rtl="0" eaLnBrk="1" fontAlgn="auto" latinLnBrk="0" hangingPunct="1">
+              <a:lnSpc>
+                <a:spcPct val="100000"/>
+              </a:lnSpc>
+              <a:spcBef>
+                <a:spcPts val="0"/>
+              </a:spcBef>
+              <a:spcAft>
+                <a:spcPts val="0"/>
+              </a:spcAft>
+              <a:buClrTx/>
+              <a:buSzTx/>
+              <a:buFontTx/>
+              <a:buNone/>
+              <a:tabLst/>
+              <a:defRPr/>
+            </a:pPr>
+            <a:r>
+              <a:rPr lang="en-US" dirty="0"/>
+              <a:t>So how do we call or execute a function?  Let’s take a look…</a:t>
+            </a:r>
           </a:p>
         </p:txBody>
       </p:sp>
@@ -1063,7 +2027,7 @@
     </p:spTree>
     <p:extLst>
       <p:ext uri="{BB962C8B-B14F-4D97-AF65-F5344CB8AC3E}">
-        <p14:creationId xmlns:p14="http://schemas.microsoft.com/office/powerpoint/2010/main" val="1207792633"/>
+        <p14:creationId xmlns:p14="http://schemas.microsoft.com/office/powerpoint/2010/main" val="3116388112"/>
       </p:ext>
     </p:extLst>
   </p:cSld>
@@ -1117,70 +2081,7 @@
           <a:bodyPr/>
           <a:lstStyle/>
           <a:p>
-            <a:pPr marL="0" marR="0" lvl="0" indent="0" algn="l" defTabSz="914400" rtl="0" eaLnBrk="1" fontAlgn="auto" latinLnBrk="0" hangingPunct="1">
-              <a:lnSpc>
-                <a:spcPct val="100000"/>
-              </a:lnSpc>
-              <a:spcBef>
-                <a:spcPts val="0"/>
-              </a:spcBef>
-              <a:spcAft>
-                <a:spcPts val="0"/>
-              </a:spcAft>
-              <a:buClrTx/>
-              <a:buSzTx/>
-              <a:buFontTx/>
-              <a:buNone/>
-              <a:tabLst/>
-              <a:defRPr/>
-            </a:pPr>
-            <a:r>
-              <a:rPr lang="en-US" dirty="0"/>
-              <a:t>Most of the AI code you write in Python is nothing more than calls to various functions.  And what is a function?  Well, I'm glad you asked.  Noted computer science educator John Zelle writes, “The basic idea of a function is that we write a sequence of statements and give that sequence a name. The instructions can then be executed at any point in another program by referring to the function name. </a:t>
-            </a:r>
-          </a:p>
-          <a:p>
-            <a:pPr marL="0" marR="0" lvl="0" indent="0" algn="l" defTabSz="914400" rtl="0" eaLnBrk="1" fontAlgn="auto" latinLnBrk="0" hangingPunct="1">
-              <a:lnSpc>
-                <a:spcPct val="100000"/>
-              </a:lnSpc>
-              <a:spcBef>
-                <a:spcPts val="0"/>
-              </a:spcBef>
-              <a:spcAft>
-                <a:spcPts val="0"/>
-              </a:spcAft>
-              <a:buClrTx/>
-              <a:buSzTx/>
-              <a:buFontTx/>
-              <a:buNone/>
-              <a:tabLst/>
-              <a:defRPr/>
-            </a:pPr>
             <a:endParaRPr lang="en-US" dirty="0"/>
-          </a:p>
-          <a:p>
-            <a:pPr marL="0" marR="0" lvl="0" indent="0" algn="l" defTabSz="914400" rtl="0" eaLnBrk="1" fontAlgn="auto" latinLnBrk="0" hangingPunct="1">
-              <a:lnSpc>
-                <a:spcPct val="100000"/>
-              </a:lnSpc>
-              <a:spcBef>
-                <a:spcPts val="0"/>
-              </a:spcBef>
-              <a:spcAft>
-                <a:spcPts val="0"/>
-              </a:spcAft>
-              <a:buClrTx/>
-              <a:buSzTx/>
-              <a:buFontTx/>
-              <a:buNone/>
-              <a:tabLst/>
-              <a:defRPr/>
-            </a:pPr>
-            <a:r>
-              <a:rPr lang="en-US" dirty="0"/>
-              <a:t>So how do we call or execute a function?  Let’s take a look…</a:t>
-            </a:r>
           </a:p>
         </p:txBody>
       </p:sp>
@@ -1210,7 +2111,7 @@
     </p:spTree>
     <p:extLst>
       <p:ext uri="{BB962C8B-B14F-4D97-AF65-F5344CB8AC3E}">
-        <p14:creationId xmlns:p14="http://schemas.microsoft.com/office/powerpoint/2010/main" val="3116388112"/>
+        <p14:creationId xmlns:p14="http://schemas.microsoft.com/office/powerpoint/2010/main" val="244596717"/>
       </p:ext>
     </p:extLst>
   </p:cSld>
@@ -1264,10 +2165,162 @@
           <a:bodyPr/>
           <a:lstStyle/>
           <a:p>
+            <a:pPr marL="171450" indent="-171450">
+              <a:buFont typeface="Arial" panose="020B0604020202020204" pitchFamily="34" charset="0"/>
+              <a:buChar char="•"/>
+            </a:pPr>
             <a:r>
               <a:rPr lang="en-US" dirty="0"/>
-              <a:t>Here we see 2 function calls, followed by a method call.</a:t>
-            </a:r>
+              <a:t>A function should perform a </a:t>
+            </a:r>
+            <a:r>
+              <a:rPr lang="en-US" u="sng" dirty="0"/>
+              <a:t>specific task</a:t>
+            </a:r>
+          </a:p>
+          <a:p>
+            <a:pPr lvl="1"/>
+            <a:r>
+              <a:rPr lang="en-US" dirty="0"/>
+              <a:t>this allows our program to be "</a:t>
+            </a:r>
+            <a:r>
+              <a:rPr lang="en-US" dirty="0">
+                <a:solidFill>
+                  <a:srgbClr val="FFFF00"/>
+                </a:solidFill>
+              </a:rPr>
+              <a:t>modular</a:t>
+            </a:r>
+            <a:r>
+              <a:rPr lang="en-US" dirty="0"/>
+              <a:t>"</a:t>
+            </a:r>
+          </a:p>
+          <a:p>
+            <a:endParaRPr lang="en-US" dirty="0"/>
+          </a:p>
+          <a:p>
+            <a:pPr marL="171450" indent="-171450">
+              <a:buFont typeface="Arial" panose="020B0604020202020204" pitchFamily="34" charset="0"/>
+              <a:buChar char="•"/>
+            </a:pPr>
+            <a:r>
+              <a:rPr lang="en-US" dirty="0"/>
+              <a:t>It can be </a:t>
+            </a:r>
+            <a:r>
+              <a:rPr lang="en-US" dirty="0">
+                <a:solidFill>
+                  <a:srgbClr val="FFFF00"/>
+                </a:solidFill>
+              </a:rPr>
+              <a:t>reused</a:t>
+            </a:r>
+          </a:p>
+          <a:p>
+            <a:pPr lvl="1"/>
+            <a:r>
+              <a:rPr lang="en-US" dirty="0"/>
+              <a:t>avoids </a:t>
+            </a:r>
+            <a:r>
+              <a:rPr lang="en-US" dirty="0">
+                <a:solidFill>
+                  <a:srgbClr val="FF00FF"/>
+                </a:solidFill>
+              </a:rPr>
+              <a:t>repetition</a:t>
+            </a:r>
+            <a:endParaRPr lang="en-US" dirty="0"/>
+          </a:p>
+          <a:p>
+            <a:pPr lvl="1"/>
+            <a:r>
+              <a:rPr lang="en-US" dirty="0"/>
+              <a:t>increases </a:t>
+            </a:r>
+            <a:r>
+              <a:rPr lang="en-US" dirty="0">
+                <a:solidFill>
+                  <a:srgbClr val="FF00FF"/>
+                </a:solidFill>
+              </a:rPr>
+              <a:t>reliability</a:t>
+            </a:r>
+          </a:p>
+          <a:p>
+            <a:pPr lvl="1"/>
+            <a:endParaRPr lang="en-US" dirty="0"/>
+          </a:p>
+          <a:p>
+            <a:pPr marL="171450" indent="-171450">
+              <a:buFont typeface="Arial" panose="020B0604020202020204" pitchFamily="34" charset="0"/>
+              <a:buChar char="•"/>
+            </a:pPr>
+            <a:r>
+              <a:rPr lang="en-US" dirty="0"/>
+              <a:t>Easier </a:t>
+            </a:r>
+            <a:r>
+              <a:rPr lang="en-US" dirty="0">
+                <a:solidFill>
+                  <a:srgbClr val="FFFF00"/>
+                </a:solidFill>
+              </a:rPr>
+              <a:t>debugging</a:t>
+            </a:r>
+          </a:p>
+          <a:p>
+            <a:pPr lvl="1"/>
+            <a:r>
+              <a:rPr lang="en-US" dirty="0"/>
+              <a:t>a function is easier to test and debug as it performs a single task</a:t>
+            </a:r>
+          </a:p>
+          <a:p>
+            <a:pPr lvl="1"/>
+            <a:endParaRPr lang="en-US" dirty="0"/>
+          </a:p>
+          <a:p>
+            <a:pPr marL="171450" indent="-171450">
+              <a:buFont typeface="Arial" panose="020B0604020202020204" pitchFamily="34" charset="0"/>
+              <a:buChar char="•"/>
+            </a:pPr>
+            <a:r>
+              <a:rPr lang="en-US" dirty="0"/>
+              <a:t>Avoiding </a:t>
+            </a:r>
+            <a:r>
+              <a:rPr lang="en-US" dirty="0">
+                <a:solidFill>
+                  <a:srgbClr val="FFFF00"/>
+                </a:solidFill>
+              </a:rPr>
+              <a:t>name collisions</a:t>
+            </a:r>
+          </a:p>
+          <a:p>
+            <a:pPr lvl="1"/>
+            <a:r>
+              <a:rPr lang="en-US" dirty="0"/>
+              <a:t>variable "scope" allows us to </a:t>
+            </a:r>
+            <a:r>
+              <a:rPr lang="en-US" dirty="0">
+                <a:solidFill>
+                  <a:srgbClr val="FFFF00"/>
+                </a:solidFill>
+              </a:rPr>
+              <a:t>reuse</a:t>
+            </a:r>
+            <a:r>
+              <a:rPr lang="en-US" dirty="0"/>
+              <a:t> variable names</a:t>
+            </a:r>
+          </a:p>
+          <a:p>
+            <a:endParaRPr lang="en-US" dirty="0"/>
           </a:p>
         </p:txBody>
       </p:sp>
@@ -1297,7 +2350,7 @@
     </p:spTree>
     <p:extLst>
       <p:ext uri="{BB962C8B-B14F-4D97-AF65-F5344CB8AC3E}">
-        <p14:creationId xmlns:p14="http://schemas.microsoft.com/office/powerpoint/2010/main" val="3881420511"/>
+        <p14:creationId xmlns:p14="http://schemas.microsoft.com/office/powerpoint/2010/main" val="3302171233"/>
       </p:ext>
     </p:extLst>
   </p:cSld>
@@ -1353,57 +2406,61 @@
           <a:p>
             <a:pPr algn="l"/>
             <a:r>
-              <a:rPr lang="en-US" b="0" i="0" dirty="0">
-                <a:solidFill>
-                  <a:srgbClr val="000000"/>
-                </a:solidFill>
-                <a:effectLst/>
-                <a:latin typeface="Helvetica Neue"/>
-              </a:rPr>
-              <a:t>At this point, I want to briefly discuss an important yet often overlooked point.</a:t>
-            </a:r>
-          </a:p>
-          <a:p>
-            <a:pPr algn="just"/>
-            <a:endParaRPr lang="en-US" b="0" i="0" dirty="0">
-              <a:solidFill>
-                <a:srgbClr val="000000"/>
-              </a:solidFill>
-              <a:effectLst/>
-              <a:latin typeface="Helvetica Neue"/>
+              <a:rPr lang="en-US" sz="1200" b="1" i="0" u="none" strike="noStrike" baseline="0" dirty="0">
+                <a:latin typeface="OpenSans-Semibold"/>
+              </a:rPr>
+              <a:t>Don't Repeat Yourself</a:t>
+            </a:r>
+          </a:p>
+          <a:p>
+            <a:pPr algn="l"/>
+            <a:endParaRPr lang="en-US" sz="1200" b="0" i="0" u="none" strike="noStrike" baseline="0" dirty="0">
+              <a:latin typeface="OpenSans-Semibold"/>
             </a:endParaRPr>
           </a:p>
           <a:p>
-            <a:pPr algn="just"/>
-            <a:r>
-              <a:rPr lang="en-US" b="0" i="0" dirty="0">
-                <a:solidFill>
-                  <a:srgbClr val="000000"/>
-                </a:solidFill>
-                <a:effectLst/>
-                <a:latin typeface="Helvetica Neue"/>
-              </a:rPr>
-              <a:t>In the </a:t>
-            </a:r>
-            <a:r>
-              <a:rPr lang="en-US" b="0" i="1" dirty="0">
-                <a:solidFill>
-                  <a:srgbClr val="000000"/>
-                </a:solidFill>
-                <a:effectLst/>
-                <a:latin typeface="Helvetica Neue"/>
-              </a:rPr>
-              <a:t>Big Bang Theory</a:t>
-            </a:r>
-            <a:r>
-              <a:rPr lang="en-US" b="0" i="0" dirty="0">
-                <a:solidFill>
-                  <a:srgbClr val="000000"/>
-                </a:solidFill>
-                <a:effectLst/>
-                <a:latin typeface="Helvetica Neue"/>
-              </a:rPr>
-              <a:t> TV series, the show's resident genius - Sheldon Cooper - enjoys creating legally-binding agreements that specify the particulars of any relationship he is presently in. His romance with Amy is regulated by a relationship agreement, as is his relationship with his roommate, Leonard Hofstadter.</a:t>
+            <a:pPr algn="l"/>
+            <a:r>
+              <a:rPr lang="en-US" sz="1200" b="0" i="0" u="none" strike="noStrike" baseline="0" dirty="0">
+                <a:latin typeface="Lora-Regular"/>
+              </a:rPr>
+              <a:t>One of the cardinal rules of good programming is stated here: Thou shalt not Repeat Thyself. In other words, "</a:t>
+            </a:r>
+            <a:r>
+              <a:rPr lang="en-US" sz="1200" b="0" i="1" u="none" strike="noStrike" baseline="0" dirty="0">
+                <a:latin typeface="Lora-Italic"/>
+              </a:rPr>
+              <a:t>Every piece of knowledge or logic must have a single, unambiguous representation within a system.</a:t>
+            </a:r>
+            <a:r>
+              <a:rPr lang="en-US" sz="1200" b="0" i="0" u="none" strike="noStrike" baseline="0" dirty="0">
+                <a:latin typeface="Lora-Regular"/>
+              </a:rPr>
+              <a:t>" If you want to do the same thing multiple times in your code, it should be expressed as a function, and called wherever it is needed.</a:t>
+            </a:r>
+          </a:p>
+          <a:p>
+            <a:pPr algn="l"/>
+            <a:endParaRPr lang="en-US" sz="1200" b="0" i="0" u="none" strike="noStrike" baseline="0" dirty="0">
+              <a:latin typeface="Lora-Regular"/>
+            </a:endParaRPr>
+          </a:p>
+          <a:p>
+            <a:pPr algn="l"/>
+            <a:r>
+              <a:rPr lang="en-US" sz="1200" b="0" i="0" u="none" strike="noStrike" baseline="0" dirty="0">
+                <a:latin typeface="Arial" panose="020B0604020202020204" pitchFamily="34" charset="0"/>
+              </a:rPr>
+              <a:t>Bird, Andrew, et al. The Python Workshop : Learn to Code in Python and Kickstart Your Career in Software Development or Data Science, Packt Publishing,</a:t>
+            </a:r>
+          </a:p>
+          <a:p>
+            <a:pPr algn="l"/>
+            <a:r>
+              <a:rPr lang="en-US" sz="1200" b="0" i="0" u="none" strike="noStrike" baseline="0" dirty="0">
+                <a:latin typeface="Arial" panose="020B0604020202020204" pitchFamily="34" charset="0"/>
+              </a:rPr>
+              <a:t>Limited, 2019. ProQuest Ebook Central, http://ebookcentral.proquest.com/lib/ufl/detail.action?docID=5974923.</a:t>
             </a:r>
           </a:p>
           <a:p>
@@ -1426,64 +2483,6 @@
             </a:pPr>
             <a:endParaRPr lang="en-US" dirty="0"/>
           </a:p>
-          <a:p>
-            <a:pPr algn="l"/>
-            <a:r>
-              <a:rPr lang="en-US" b="1" i="0" dirty="0">
-                <a:solidFill>
-                  <a:srgbClr val="000000"/>
-                </a:solidFill>
-                <a:effectLst/>
-                <a:latin typeface="Helvetica Neue"/>
-              </a:rPr>
-              <a:t>Python Functions</a:t>
-            </a:r>
-          </a:p>
-          <a:p>
-            <a:pPr algn="just"/>
-            <a:r>
-              <a:rPr lang="en-US" b="0" i="0" dirty="0">
-                <a:solidFill>
-                  <a:srgbClr val="000000"/>
-                </a:solidFill>
-                <a:effectLst/>
-                <a:latin typeface="Helvetica Neue"/>
-              </a:rPr>
-              <a:t>The fundamental concept behind functions is the notion of a contract. Just as Sheldon's relationship and roommate agreements ensure that the parties involved will act in regular and predictable ways, so too the interface to a function is like a contract. If a call to a function passes the correct arguments in the correct order, a well written function responds in a predictable way, providing the promised output.</a:t>
-            </a:r>
-          </a:p>
-          <a:p>
-            <a:pPr algn="just"/>
-            <a:endParaRPr lang="en-US" b="0" i="0" dirty="0">
-              <a:solidFill>
-                <a:srgbClr val="000000"/>
-              </a:solidFill>
-              <a:effectLst/>
-              <a:latin typeface="Helvetica Neue"/>
-            </a:endParaRPr>
-          </a:p>
-          <a:p>
-            <a:pPr algn="just"/>
-            <a:r>
-              <a:rPr lang="en-US" b="0" i="0" dirty="0">
-                <a:solidFill>
-                  <a:srgbClr val="000000"/>
-                </a:solidFill>
-                <a:effectLst/>
-                <a:latin typeface="Helvetica Neue"/>
-              </a:rPr>
-              <a:t>Counterintuitively, the first step in creating a function is to define what it will do. I say "counterintuitively" because most programmers simply dive right in and start writing code. This strategy works well for small and rather simple programs. However, you'll quickly run into trouble when the complexity begins to increase. For that reason, seasoned software developers usually begin by writing a specification (spec) - a document that spells out the terms of the contract. A well-written specification typically includes interface documentation as well as pseudocode, a clear statement in plain English of the steps to be taken to accomplish the function's task.</a:t>
-            </a:r>
-          </a:p>
-          <a:p>
-            <a:br>
-              <a:rPr lang="en-US" dirty="0"/>
-            </a:br>
-            <a:r>
-              <a:rPr lang="en-US" dirty="0"/>
-              <a:t>https://www.pinterest.com/pin/558024210062835602/</a:t>
-            </a:r>
-          </a:p>
         </p:txBody>
       </p:sp>
       <p:sp>
@@ -1512,7 +2511,7 @@
     </p:spTree>
     <p:extLst>
       <p:ext uri="{BB962C8B-B14F-4D97-AF65-F5344CB8AC3E}">
-        <p14:creationId xmlns:p14="http://schemas.microsoft.com/office/powerpoint/2010/main" val="880453606"/>
+        <p14:creationId xmlns:p14="http://schemas.microsoft.com/office/powerpoint/2010/main" val="2100913932"/>
       </p:ext>
     </p:extLst>
   </p:cSld>
@@ -1566,242 +2565,87 @@
           <a:bodyPr/>
           <a:lstStyle/>
           <a:p>
-            <a:pPr algn="just"/>
-            <a:r>
-              <a:rPr lang="en-US" b="0" i="0" dirty="0">
-                <a:solidFill>
-                  <a:srgbClr val="000000"/>
-                </a:solidFill>
-                <a:effectLst/>
-                <a:latin typeface="Helvetica Neue"/>
-              </a:rPr>
-              <a:t>Let's illustrate this process by writing a spec for a rather simple function called </a:t>
-            </a:r>
-            <a:r>
-              <a:rPr lang="en-US" b="0" i="1" dirty="0">
-                <a:solidFill>
-                  <a:srgbClr val="000000"/>
-                </a:solidFill>
-                <a:effectLst/>
-                <a:latin typeface="Helvetica Neue"/>
-              </a:rPr>
-              <a:t>multiply.</a:t>
-            </a:r>
-            <a:r>
-              <a:rPr lang="en-US" b="0" i="0" dirty="0">
-                <a:solidFill>
-                  <a:srgbClr val="000000"/>
-                </a:solidFill>
-                <a:effectLst/>
-                <a:latin typeface="Helvetica Neue"/>
-              </a:rPr>
-              <a:t> Here's the initial specification.  Simple enough!</a:t>
-            </a:r>
-          </a:p>
-          <a:p>
-            <a:pPr algn="just"/>
-            <a:endParaRPr lang="en-US" b="0" i="0" dirty="0">
-              <a:solidFill>
-                <a:srgbClr val="000000"/>
-              </a:solidFill>
-              <a:effectLst/>
-              <a:latin typeface="Helvetica Neue"/>
-            </a:endParaRPr>
-          </a:p>
-          <a:p>
-            <a:pPr algn="just"/>
-            <a:r>
-              <a:rPr lang="en-US" b="0" i="0" dirty="0">
-                <a:solidFill>
-                  <a:srgbClr val="000000"/>
-                </a:solidFill>
-                <a:effectLst/>
-                <a:latin typeface="Helvetica Neue"/>
-              </a:rPr>
-              <a:t>Because this function is so simple, we won't bother with the pseudocode at this point. For more complex functions, however, pseudocode is strongly recommended as it helps you understand the flow and logic of your program before you start coding. With all that said, here's a first look at the code.</a:t>
-            </a:r>
-          </a:p>
-          <a:p>
-            <a:pPr algn="just"/>
-            <a:endParaRPr lang="en-US" b="0" i="0" dirty="0">
-              <a:solidFill>
-                <a:srgbClr val="000000"/>
-              </a:solidFill>
-              <a:effectLst/>
-              <a:latin typeface="Helvetica Neue"/>
-            </a:endParaRPr>
-          </a:p>
-          <a:p>
-            <a:pPr algn="just"/>
-            <a:r>
-              <a:rPr lang="en-US" b="0" i="0" dirty="0">
-                <a:solidFill>
-                  <a:srgbClr val="000000"/>
-                </a:solidFill>
-                <a:effectLst/>
-                <a:latin typeface="Helvetica Neue"/>
-              </a:rPr>
-              <a:t>This is a straightforward function, if there ever was one. Even so, a couple points need to be highlighted. Consider, for example, the documentation (doc) string immediately following the function definition. As you can see, this string is enclosed by three single quotes '''. The information in a doc string displays whenever one runs help() on a given function. Here's what you get when you run the command…</a:t>
-            </a:r>
-          </a:p>
-          <a:p>
-            <a:pPr algn="just"/>
-            <a:endParaRPr lang="en-US" b="0" i="0" dirty="0">
-              <a:solidFill>
-                <a:srgbClr val="000000"/>
-              </a:solidFill>
-              <a:effectLst/>
-              <a:latin typeface="Helvetica Neue"/>
-            </a:endParaRPr>
-          </a:p>
-          <a:p>
-            <a:pPr algn="just"/>
-            <a:r>
-              <a:rPr lang="en-US" b="0" i="0" dirty="0">
-                <a:solidFill>
-                  <a:srgbClr val="000000"/>
-                </a:solidFill>
-                <a:effectLst/>
-                <a:latin typeface="Helvetica Neue"/>
-              </a:rPr>
-              <a:t>In his wonderful book, </a:t>
-            </a:r>
-            <a:r>
-              <a:rPr lang="en-US" b="0" i="1" dirty="0">
-                <a:solidFill>
-                  <a:srgbClr val="000000"/>
-                </a:solidFill>
-                <a:effectLst/>
-                <a:latin typeface="Helvetica Neue"/>
-              </a:rPr>
-              <a:t>Python without Fear,</a:t>
-            </a:r>
-            <a:r>
-              <a:rPr lang="en-US" b="0" i="0" dirty="0">
-                <a:solidFill>
-                  <a:srgbClr val="000000"/>
-                </a:solidFill>
-                <a:effectLst/>
-                <a:latin typeface="Helvetica Neue"/>
-              </a:rPr>
-              <a:t> Brian Overland makes the following points about doc strings (p. 322). You'll want to keep these in mind as you create doc strings for your functions.</a:t>
-            </a:r>
-          </a:p>
-          <a:p>
-            <a:pPr algn="just"/>
-            <a:endParaRPr lang="en-US" b="0" i="0" dirty="0">
-              <a:solidFill>
-                <a:srgbClr val="000000"/>
-              </a:solidFill>
-              <a:effectLst/>
-              <a:latin typeface="Helvetica Neue"/>
-            </a:endParaRPr>
-          </a:p>
-          <a:p>
-            <a:pPr algn="l">
-              <a:buFont typeface="+mj-lt"/>
-              <a:buAutoNum type="arabicPeriod"/>
-            </a:pPr>
-            <a:r>
-              <a:rPr lang="en-US" b="0" i="0" dirty="0">
-                <a:solidFill>
-                  <a:srgbClr val="000000"/>
-                </a:solidFill>
-                <a:effectLst/>
-                <a:latin typeface="Helvetica Neue"/>
-              </a:rPr>
-              <a:t> The doc string must be the first statement after the beginning (header) of the function definition.</a:t>
-            </a:r>
-          </a:p>
-          <a:p>
-            <a:pPr algn="l">
-              <a:buFont typeface="+mj-lt"/>
-              <a:buAutoNum type="arabicPeriod"/>
-            </a:pPr>
-            <a:r>
-              <a:rPr lang="en-US" b="0" i="0" dirty="0">
-                <a:solidFill>
-                  <a:srgbClr val="000000"/>
-                </a:solidFill>
-                <a:effectLst/>
-                <a:latin typeface="Helvetica Neue"/>
-              </a:rPr>
-              <a:t> Normal indentation rules apply. The doc string must be indented under the heading of the definition, just as any statement.</a:t>
-            </a:r>
-          </a:p>
-          <a:p>
-            <a:pPr algn="l">
-              <a:buFont typeface="+mj-lt"/>
-              <a:buAutoNum type="arabicPeriod"/>
-            </a:pPr>
-            <a:r>
-              <a:rPr lang="en-US" b="0" i="0" dirty="0">
-                <a:solidFill>
-                  <a:srgbClr val="000000"/>
-                </a:solidFill>
-                <a:effectLst/>
-                <a:latin typeface="Helvetica Neue"/>
-              </a:rPr>
-              <a:t> The indentation requirement applies only to the first physical line. However, the cleanest style is to continue the indentation of the first line.</a:t>
-            </a:r>
-          </a:p>
-          <a:p>
-            <a:pPr algn="l">
-              <a:buFont typeface="+mj-lt"/>
-              <a:buAutoNum type="arabicPeriod"/>
-            </a:pPr>
-            <a:r>
-              <a:rPr lang="en-US" b="0" i="0" dirty="0">
-                <a:solidFill>
-                  <a:srgbClr val="000000"/>
-                </a:solidFill>
-                <a:effectLst/>
-                <a:latin typeface="Helvetica Neue"/>
-              </a:rPr>
-              <a:t> You can use any kind of quotation marks. However, the literal quote marks (''') enable you to write doc strings that span any number of physical lines.</a:t>
-            </a:r>
-          </a:p>
-          <a:p>
-            <a:pPr algn="just"/>
-            <a:r>
-              <a:rPr lang="en-US" b="0" i="0" dirty="0">
-                <a:solidFill>
-                  <a:srgbClr val="000000"/>
-                </a:solidFill>
-                <a:effectLst/>
-                <a:latin typeface="Helvetica Neue"/>
-              </a:rPr>
-              <a:t>The last thing we need to point out is the comment at the end of the function definition. The pound sign (#) indicates that anything following it is a comment. In this case, we mark the end of the function with a comment. When developing a module containing multiple functions, best practice encourages the placement of comments at the end of each function. This helps you to clearly see where one function ends and another begins.</a:t>
-            </a:r>
-          </a:p>
-          <a:p>
-            <a:pPr algn="just"/>
-            <a:endParaRPr lang="en-US" b="0" i="0" dirty="0">
-              <a:solidFill>
-                <a:srgbClr val="000000"/>
-              </a:solidFill>
-              <a:effectLst/>
-              <a:latin typeface="Helvetica Neue"/>
-            </a:endParaRPr>
-          </a:p>
-          <a:p>
-            <a:pPr marL="0" marR="0" lvl="0" indent="0" algn="l" defTabSz="914400" rtl="0" eaLnBrk="1" fontAlgn="auto" latinLnBrk="0" hangingPunct="1">
+            <a:pPr marL="285750" marR="0" lvl="0" indent="-285750">
               <a:lnSpc>
-                <a:spcPct val="100000"/>
+                <a:spcPct val="107000"/>
               </a:lnSpc>
               <a:spcBef>
                 <a:spcPts val="0"/>
               </a:spcBef>
               <a:spcAft>
+                <a:spcPts val="800"/>
+              </a:spcAft>
+              <a:buFont typeface="Arial" panose="020B0604020202020204" pitchFamily="34" charset="0"/>
+              <a:buChar char="•"/>
+              <a:tabLst>
+                <a:tab pos="914400" algn="l"/>
+              </a:tabLst>
+            </a:pPr>
+            <a:r>
+              <a:rPr lang="en-US" sz="1800" dirty="0">
+                <a:effectLst/>
+                <a:latin typeface="Calibri" panose="020F0502020204030204" pitchFamily="34" charset="0"/>
+                <a:ea typeface="Malgun Gothic" panose="020B0503020000020004" pitchFamily="34" charset="-127"/>
+                <a:cs typeface="Times New Roman" panose="02020603050405020304" pitchFamily="18" charset="0"/>
+              </a:rPr>
+              <a:t>def – keyword indicating a function</a:t>
+            </a:r>
+          </a:p>
+          <a:p>
+            <a:pPr marL="285750" marR="0" lvl="0" indent="-285750">
+              <a:lnSpc>
+                <a:spcPct val="107000"/>
+              </a:lnSpc>
+              <a:spcBef>
                 <a:spcPts val="0"/>
+              </a:spcBef>
+              <a:spcAft>
+                <a:spcPts val="800"/>
               </a:spcAft>
-              <a:buClrTx/>
-              <a:buSzTx/>
-              <a:buFontTx/>
-              <a:buNone/>
-              <a:tabLst/>
-              <a:defRPr/>
+              <a:buFont typeface="Arial" panose="020B0604020202020204" pitchFamily="34" charset="0"/>
+              <a:buChar char="•"/>
+              <a:tabLst>
+                <a:tab pos="914400" algn="l"/>
+              </a:tabLst>
             </a:pPr>
+            <a:r>
+              <a:rPr lang="en-US" sz="1800" dirty="0">
+                <a:effectLst/>
+                <a:latin typeface="Calibri" panose="020F0502020204030204" pitchFamily="34" charset="0"/>
+                <a:ea typeface="Malgun Gothic" panose="020B0503020000020004" pitchFamily="34" charset="-127"/>
+                <a:cs typeface="Times New Roman" panose="02020603050405020304" pitchFamily="18" charset="0"/>
+              </a:rPr>
+              <a:t>&lt;name&gt; - name of the function (same rules as variables)</a:t>
+            </a:r>
+          </a:p>
+          <a:p>
+            <a:pPr marL="285750" marR="0" lvl="0" indent="-285750">
+              <a:lnSpc>
+                <a:spcPct val="107000"/>
+              </a:lnSpc>
+              <a:spcBef>
+                <a:spcPts val="0"/>
+              </a:spcBef>
+              <a:spcAft>
+                <a:spcPts val="800"/>
+              </a:spcAft>
+              <a:buFont typeface="Arial" panose="020B0604020202020204" pitchFamily="34" charset="0"/>
+              <a:buChar char="•"/>
+              <a:tabLst>
+                <a:tab pos="914400" algn="l"/>
+              </a:tabLst>
+            </a:pPr>
+            <a:r>
+              <a:rPr lang="en-US" sz="1800" dirty="0">
+                <a:effectLst/>
+                <a:latin typeface="Calibri" panose="020F0502020204030204" pitchFamily="34" charset="0"/>
+                <a:ea typeface="Malgun Gothic" panose="020B0503020000020004" pitchFamily="34" charset="-127"/>
+                <a:cs typeface="Times New Roman" panose="02020603050405020304" pitchFamily="18" charset="0"/>
+              </a:rPr>
+              <a:t>return – optional statement to return value(s) to program</a:t>
+            </a:r>
+          </a:p>
+          <a:p>
             <a:endParaRPr lang="en-US" dirty="0"/>
           </a:p>
         </p:txBody>
@@ -1832,7 +2676,7 @@
     </p:spTree>
     <p:extLst>
       <p:ext uri="{BB962C8B-B14F-4D97-AF65-F5344CB8AC3E}">
-        <p14:creationId xmlns:p14="http://schemas.microsoft.com/office/powerpoint/2010/main" val="932329178"/>
+        <p14:creationId xmlns:p14="http://schemas.microsoft.com/office/powerpoint/2010/main" val="2404158240"/>
       </p:ext>
     </p:extLst>
   </p:cSld>
@@ -1886,89 +2730,41 @@
           <a:bodyPr/>
           <a:lstStyle/>
           <a:p>
-            <a:pPr marL="0" marR="0" lvl="0" indent="0" algn="l" defTabSz="914400" rtl="0" eaLnBrk="1" fontAlgn="auto" latinLnBrk="0" hangingPunct="1">
-              <a:lnSpc>
-                <a:spcPct val="100000"/>
-              </a:lnSpc>
-              <a:spcBef>
-                <a:spcPts val="0"/>
-              </a:spcBef>
-              <a:spcAft>
-                <a:spcPts val="0"/>
-              </a:spcAft>
-              <a:buClrTx/>
-              <a:buSzTx/>
-              <a:buFontTx/>
-              <a:buNone/>
-              <a:tabLst/>
-              <a:defRPr/>
+            <a:pPr marL="171450" indent="-171450">
+              <a:buFont typeface="Courier New" panose="02070309020205020404" pitchFamily="49" charset="0"/>
+              <a:buChar char="o"/>
             </a:pPr>
             <a:r>
               <a:rPr lang="en-US" dirty="0"/>
-              <a:t>A function can be executed at any point in a program by referring to its name.  When a function is subsequently used in a program, we say that the definition is called or invoked.  Most Python functions have arguments, sometimes called parameters.  In this example, the add_up() function can receive two arguments – x and y.</a:t>
-            </a:r>
-          </a:p>
-          <a:p>
-            <a:pPr marL="0" marR="0" lvl="0" indent="0" algn="l" defTabSz="914400" rtl="0" eaLnBrk="1" fontAlgn="auto" latinLnBrk="0" hangingPunct="1">
-              <a:lnSpc>
-                <a:spcPct val="100000"/>
-              </a:lnSpc>
-              <a:spcBef>
-                <a:spcPts val="0"/>
-              </a:spcBef>
-              <a:spcAft>
-                <a:spcPts val="0"/>
-              </a:spcAft>
-              <a:buClrTx/>
-              <a:buSzTx/>
-              <a:buFontTx/>
-              <a:buNone/>
-              <a:tabLst/>
-              <a:defRPr/>
+              <a:t>A function can only be called </a:t>
+            </a:r>
+            <a:r>
+              <a:rPr lang="en-US" u="sng" dirty="0">
+                <a:solidFill>
+                  <a:srgbClr val="FFFF00"/>
+                </a:solidFill>
+              </a:rPr>
+              <a:t>after</a:t>
+            </a:r>
+            <a:r>
+              <a:rPr lang="en-US" dirty="0"/>
+              <a:t> it is defined</a:t>
+            </a:r>
+          </a:p>
+          <a:p>
+            <a:endParaRPr lang="en-US" dirty="0"/>
+          </a:p>
+          <a:p>
+            <a:pPr marL="171450" indent="-171450">
+              <a:buFont typeface="Courier New" panose="02070309020205020404" pitchFamily="49" charset="0"/>
+              <a:buChar char="o"/>
             </a:pPr>
-            <a:endParaRPr lang="en-US" dirty="0"/>
-          </a:p>
-          <a:p>
-            <a:pPr marL="0" marR="0" lvl="0" indent="0" algn="l" defTabSz="914400" rtl="0" eaLnBrk="1" fontAlgn="auto" latinLnBrk="0" hangingPunct="1">
-              <a:lnSpc>
-                <a:spcPct val="100000"/>
-              </a:lnSpc>
-              <a:spcBef>
-                <a:spcPts val="0"/>
-              </a:spcBef>
-              <a:spcAft>
-                <a:spcPts val="0"/>
-              </a:spcAft>
-              <a:buClrTx/>
-              <a:buSzTx/>
-              <a:buFontTx/>
-              <a:buNone/>
-              <a:tabLst/>
-              <a:defRPr/>
-            </a:pPr>
             <a:r>
               <a:rPr lang="en-US" dirty="0"/>
-              <a:t>Keep in mind that the term 'argument' and 'parameter' are used interchangeably in the technical literature.  You can also write functions which accept no arguments, as is the case with the get_the_time() function shown here.</a:t>
-            </a:r>
-          </a:p>
-          <a:p>
-            <a:pPr marL="0" marR="0" lvl="0" indent="0" algn="l" defTabSz="914400" rtl="0" eaLnBrk="1" fontAlgn="auto" latinLnBrk="0" hangingPunct="1">
-              <a:lnSpc>
-                <a:spcPct val="100000"/>
-              </a:lnSpc>
-              <a:spcBef>
-                <a:spcPts val="0"/>
-              </a:spcBef>
-              <a:spcAft>
-                <a:spcPts val="0"/>
-              </a:spcAft>
-              <a:buClrTx/>
-              <a:buSzTx/>
-              <a:buFontTx/>
-              <a:buNone/>
-              <a:tabLst/>
-              <a:defRPr/>
-            </a:pPr>
+              <a:t>A function can be (and usually is!)  called many times</a:t>
+            </a:r>
+          </a:p>
+          <a:p>
             <a:endParaRPr lang="en-US" dirty="0"/>
           </a:p>
         </p:txBody>
@@ -1999,7 +2795,7 @@
     </p:spTree>
     <p:extLst>
       <p:ext uri="{BB962C8B-B14F-4D97-AF65-F5344CB8AC3E}">
-        <p14:creationId xmlns:p14="http://schemas.microsoft.com/office/powerpoint/2010/main" val="2307613464"/>
+        <p14:creationId xmlns:p14="http://schemas.microsoft.com/office/powerpoint/2010/main" val="3454384319"/>
       </p:ext>
     </p:extLst>
   </p:cSld>
@@ -2053,54 +2849,119 @@
           <a:bodyPr/>
           <a:lstStyle/>
           <a:p>
-            <a:pPr marL="0" marR="0" lvl="0" indent="0" algn="l" defTabSz="914400" rtl="0" eaLnBrk="1" fontAlgn="auto" latinLnBrk="0" hangingPunct="1">
-              <a:lnSpc>
-                <a:spcPct val="100000"/>
-              </a:lnSpc>
-              <a:spcBef>
-                <a:spcPts val="0"/>
-              </a:spcBef>
-              <a:spcAft>
-                <a:spcPts val="0"/>
-              </a:spcAft>
-              <a:buClrTx/>
-              <a:buSzTx/>
-              <a:buFontTx/>
-              <a:buNone/>
-              <a:tabLst/>
-              <a:defRPr/>
+            <a:pPr marL="171450" indent="-171450">
+              <a:buFont typeface="Courier New" panose="02070309020205020404" pitchFamily="49" charset="0"/>
+              <a:buChar char="o"/>
             </a:pPr>
             <a:r>
               <a:rPr lang="en-US" dirty="0"/>
-              <a:t>When calling a function and passing arguments to it, you can do so in two ways – by position or by keyword.  We have a couple exercises to introduce you to these two options. Although you can pass arguments to a function in multiple ways, my personal preference is to pass arguments to functions by KEYWORD.  When you do that, you know exactly what's being passed to the function.  And your code becomes self-documenting.  This is important when you come back to a piece of code after a lapse of time.  The goal is to write code for the </a:t>
-            </a:r>
-            <a:r>
-              <a:rPr lang="en-US" b="1" dirty="0"/>
-              <a:t>future</a:t>
-            </a:r>
+              <a:t>Function parameters are input variables defined ("declared") in the function definition</a:t>
+            </a:r>
+          </a:p>
+          <a:p>
+            <a:pPr lvl="1"/>
+            <a:endParaRPr lang="en-US" dirty="0"/>
+          </a:p>
+          <a:p>
+            <a:pPr lvl="1"/>
             <a:r>
               <a:rPr lang="en-US" dirty="0"/>
-              <a:t> you.</a:t>
-            </a:r>
-          </a:p>
-          <a:p>
-            <a:pPr marL="0" marR="0" lvl="0" indent="0" algn="l" defTabSz="914400" rtl="0" eaLnBrk="1" fontAlgn="auto" latinLnBrk="0" hangingPunct="1">
-              <a:lnSpc>
-                <a:spcPct val="100000"/>
-              </a:lnSpc>
-              <a:spcBef>
-                <a:spcPts val="0"/>
-              </a:spcBef>
-              <a:spcAft>
-                <a:spcPts val="0"/>
-              </a:spcAft>
-              <a:buClrTx/>
-              <a:buSzTx/>
-              <a:buFontTx/>
-              <a:buNone/>
-              <a:tabLst/>
-              <a:defRPr/>
+              <a:t>A function can have </a:t>
+            </a:r>
+            <a:r>
+              <a:rPr lang="en-US" dirty="0">
+                <a:solidFill>
+                  <a:srgbClr val="FFFF00"/>
+                </a:solidFill>
+                <a:latin typeface="Consolas" panose="020B0609020204030204" pitchFamily="49" charset="0"/>
+              </a:rPr>
+              <a:t>0</a:t>
+            </a:r>
+            <a:r>
+              <a:rPr lang="en-US" dirty="0"/>
+              <a:t> to many parameters</a:t>
+            </a:r>
+          </a:p>
+          <a:p>
+            <a:endParaRPr lang="en-US" dirty="0"/>
+          </a:p>
+          <a:p>
+            <a:pPr marL="171450" indent="-171450">
+              <a:buFont typeface="Courier New" panose="02070309020205020404" pitchFamily="49" charset="0"/>
+              <a:buChar char="o"/>
             </a:pPr>
+            <a:r>
+              <a:rPr lang="en-US" dirty="0"/>
+              <a:t>When calling a function, you must specify </a:t>
+            </a:r>
+            <a:r>
+              <a:rPr lang="en-US" dirty="0">
+                <a:solidFill>
+                  <a:srgbClr val="FFFF00"/>
+                </a:solidFill>
+              </a:rPr>
+              <a:t>arguments</a:t>
+            </a:r>
+            <a:r>
+              <a:rPr lang="en-US" dirty="0"/>
+              <a:t> for each required </a:t>
+            </a:r>
+            <a:r>
+              <a:rPr lang="en-US" dirty="0">
+                <a:solidFill>
+                  <a:srgbClr val="FFFF00"/>
+                </a:solidFill>
+              </a:rPr>
+              <a:t>parameter</a:t>
+            </a:r>
+          </a:p>
+          <a:p>
+            <a:endParaRPr lang="en-US" dirty="0"/>
+          </a:p>
+          <a:p>
+            <a:pPr lvl="1"/>
+            <a:r>
+              <a:rPr lang="en-US" dirty="0"/>
+              <a:t>Arguments are passed to parameters by </a:t>
+            </a:r>
+            <a:r>
+              <a:rPr lang="en-US" dirty="0">
+                <a:solidFill>
+                  <a:schemeClr val="tx1"/>
+                </a:solidFill>
+              </a:rPr>
+              <a:t>position </a:t>
+            </a:r>
+            <a:r>
+              <a:rPr lang="en-US" dirty="0">
+                <a:solidFill>
+                  <a:srgbClr val="FFFF00"/>
+                </a:solidFill>
+              </a:rPr>
+              <a:t>NOT</a:t>
+            </a:r>
+            <a:r>
+              <a:rPr lang="en-US" dirty="0">
+                <a:solidFill>
+                  <a:schemeClr val="tx1"/>
+                </a:solidFill>
+              </a:rPr>
+              <a:t> name!</a:t>
+            </a:r>
+          </a:p>
+          <a:p>
+            <a:pPr lvl="1"/>
+            <a:r>
+              <a:rPr lang="en-US" dirty="0">
+                <a:solidFill>
+                  <a:schemeClr val="tx1"/>
+                </a:solidFill>
+              </a:rPr>
+              <a:t>We’ll cover a second way of calling functions in just a moment</a:t>
+            </a:r>
+            <a:endParaRPr lang="en-US" dirty="0"/>
+          </a:p>
+          <a:p>
             <a:endParaRPr lang="en-US" dirty="0"/>
           </a:p>
         </p:txBody>
@@ -2131,7 +2992,7 @@
     </p:spTree>
     <p:extLst>
       <p:ext uri="{BB962C8B-B14F-4D97-AF65-F5344CB8AC3E}">
-        <p14:creationId xmlns:p14="http://schemas.microsoft.com/office/powerpoint/2010/main" val="1314382224"/>
+        <p14:creationId xmlns:p14="http://schemas.microsoft.com/office/powerpoint/2010/main" val="1569848031"/>
       </p:ext>
     </p:extLst>
   </p:cSld>
@@ -2185,23 +3046,151 @@
           <a:bodyPr/>
           <a:lstStyle/>
           <a:p>
-            <a:pPr marL="0" marR="0" lvl="0" indent="0" algn="l" defTabSz="914400" rtl="0" eaLnBrk="1" fontAlgn="auto" latinLnBrk="0" hangingPunct="1">
-              <a:lnSpc>
-                <a:spcPct val="100000"/>
-              </a:lnSpc>
-              <a:spcBef>
-                <a:spcPts val="0"/>
-              </a:spcBef>
-              <a:spcAft>
-                <a:spcPts val="0"/>
-              </a:spcAft>
-              <a:buClrTx/>
-              <a:buSzTx/>
-              <a:buFontTx/>
-              <a:buNone/>
-              <a:tabLst/>
-              <a:defRPr/>
+            <a:pPr marL="171450" indent="-171450">
+              <a:buFont typeface="Courier New" panose="02070309020205020404" pitchFamily="49" charset="0"/>
+              <a:buChar char="o"/>
             </a:pPr>
+            <a:r>
+              <a:rPr lang="en-US" dirty="0"/>
+              <a:t>The 2 terms are often used interchangeably</a:t>
+            </a:r>
+          </a:p>
+          <a:p>
+            <a:pPr lvl="1"/>
+            <a:r>
+              <a:rPr lang="en-US" dirty="0"/>
+              <a:t>Even the </a:t>
+            </a:r>
+            <a:r>
+              <a:rPr lang="en-US" dirty="0">
+                <a:solidFill>
+                  <a:srgbClr val="FFFF00"/>
+                </a:solidFill>
+              </a:rPr>
+              <a:t>textbook</a:t>
+            </a:r>
+            <a:r>
+              <a:rPr lang="en-US" dirty="0"/>
+              <a:t> is inconsistent!</a:t>
+            </a:r>
+          </a:p>
+          <a:p>
+            <a:pPr lvl="1"/>
+            <a:endParaRPr lang="en-US" dirty="0"/>
+          </a:p>
+          <a:p>
+            <a:pPr marL="171450" indent="-171450">
+              <a:buFont typeface="Courier New" panose="02070309020205020404" pitchFamily="49" charset="0"/>
+              <a:buChar char="o"/>
+            </a:pPr>
+            <a:r>
+              <a:rPr lang="en-US" dirty="0">
+                <a:solidFill>
+                  <a:srgbClr val="FFFF00"/>
+                </a:solidFill>
+              </a:rPr>
+              <a:t>Parameter</a:t>
+            </a:r>
+            <a:r>
+              <a:rPr lang="en-US" dirty="0"/>
+              <a:t> = "</a:t>
+            </a:r>
+            <a:r>
+              <a:rPr lang="en-US" dirty="0">
+                <a:solidFill>
+                  <a:srgbClr val="FFC000"/>
+                </a:solidFill>
+              </a:rPr>
+              <a:t>Placeholder</a:t>
+            </a:r>
+            <a:r>
+              <a:rPr lang="en-US" dirty="0"/>
+              <a:t>"</a:t>
+            </a:r>
+          </a:p>
+          <a:p>
+            <a:pPr lvl="1"/>
+            <a:r>
+              <a:rPr lang="en-US" dirty="0"/>
+              <a:t>Defined by the function</a:t>
+            </a:r>
+          </a:p>
+          <a:p>
+            <a:pPr lvl="1"/>
+            <a:r>
+              <a:rPr lang="en-US" dirty="0"/>
+              <a:t>the "</a:t>
+            </a:r>
+            <a:r>
+              <a:rPr lang="en-US" dirty="0">
+                <a:solidFill>
+                  <a:srgbClr val="FFFF00"/>
+                </a:solidFill>
+              </a:rPr>
+              <a:t>place</a:t>
+            </a:r>
+            <a:r>
+              <a:rPr lang="en-US" dirty="0"/>
+              <a:t>" where values are assigned when the function is called</a:t>
+            </a:r>
+          </a:p>
+          <a:p>
+            <a:pPr lvl="1"/>
+            <a:endParaRPr lang="en-US" dirty="0"/>
+          </a:p>
+          <a:p>
+            <a:pPr marL="171450" indent="-171450">
+              <a:buFont typeface="Courier New" panose="02070309020205020404" pitchFamily="49" charset="0"/>
+              <a:buChar char="o"/>
+            </a:pPr>
+            <a:r>
+              <a:rPr lang="en-US" dirty="0">
+                <a:solidFill>
+                  <a:srgbClr val="FFFF00"/>
+                </a:solidFill>
+              </a:rPr>
+              <a:t>Argument</a:t>
+            </a:r>
+            <a:r>
+              <a:rPr lang="en-US" dirty="0"/>
+              <a:t> = "</a:t>
+            </a:r>
+            <a:r>
+              <a:rPr lang="en-US" dirty="0">
+                <a:solidFill>
+                  <a:srgbClr val="FFC000"/>
+                </a:solidFill>
+              </a:rPr>
+              <a:t>Actual values</a:t>
+            </a:r>
+            <a:r>
+              <a:rPr lang="en-US" dirty="0"/>
+              <a:t>"</a:t>
+            </a:r>
+          </a:p>
+          <a:p>
+            <a:pPr lvl="1"/>
+            <a:r>
+              <a:rPr lang="en-US" dirty="0"/>
+              <a:t>specified when </a:t>
+            </a:r>
+            <a:r>
+              <a:rPr lang="en-US" u="sng" dirty="0"/>
+              <a:t>calling</a:t>
+            </a:r>
+            <a:r>
+              <a:rPr lang="en-US" dirty="0"/>
+              <a:t> the function</a:t>
+            </a:r>
+          </a:p>
+          <a:p>
+            <a:pPr lvl="1"/>
+            <a:r>
+              <a:rPr lang="en-US" dirty="0"/>
+              <a:t>specifies actual values or variables that will be used as inputs</a:t>
+            </a:r>
+          </a:p>
+          <a:p>
             <a:endParaRPr lang="en-US" dirty="0"/>
           </a:p>
         </p:txBody>
@@ -2232,7 +3221,7 @@
     </p:spTree>
     <p:extLst>
       <p:ext uri="{BB962C8B-B14F-4D97-AF65-F5344CB8AC3E}">
-        <p14:creationId xmlns:p14="http://schemas.microsoft.com/office/powerpoint/2010/main" val="3830469567"/>
+        <p14:creationId xmlns:p14="http://schemas.microsoft.com/office/powerpoint/2010/main" val="479528192"/>
       </p:ext>
     </p:extLst>
   </p:cSld>
@@ -2389,7 +3378,7 @@
           <a:p>
             <a:fld id="{C3F78080-8D0A-4BE8-A5B4-CB115102D524}" type="datetimeFigureOut">
               <a:rPr lang="en-US" smtClean="0"/>
-              <a:t>6/1/2022</a:t>
+              <a:t>10/11/2022</a:t>
             </a:fld>
             <a:endParaRPr lang="en-US"/>
           </a:p>
@@ -2587,7 +3576,7 @@
           <a:p>
             <a:fld id="{C3F78080-8D0A-4BE8-A5B4-CB115102D524}" type="datetimeFigureOut">
               <a:rPr lang="en-US" smtClean="0"/>
-              <a:t>6/1/2022</a:t>
+              <a:t>10/11/2022</a:t>
             </a:fld>
             <a:endParaRPr lang="en-US"/>
           </a:p>
@@ -2795,7 +3784,7 @@
           <a:p>
             <a:fld id="{C3F78080-8D0A-4BE8-A5B4-CB115102D524}" type="datetimeFigureOut">
               <a:rPr lang="en-US" smtClean="0"/>
-              <a:t>6/1/2022</a:t>
+              <a:t>10/11/2022</a:t>
             </a:fld>
             <a:endParaRPr lang="en-US"/>
           </a:p>
@@ -2993,7 +3982,7 @@
           <a:p>
             <a:fld id="{C3F78080-8D0A-4BE8-A5B4-CB115102D524}" type="datetimeFigureOut">
               <a:rPr lang="en-US" smtClean="0"/>
-              <a:t>6/1/2022</a:t>
+              <a:t>10/11/2022</a:t>
             </a:fld>
             <a:endParaRPr lang="en-US"/>
           </a:p>
@@ -3268,7 +4257,7 @@
           <a:p>
             <a:fld id="{C3F78080-8D0A-4BE8-A5B4-CB115102D524}" type="datetimeFigureOut">
               <a:rPr lang="en-US" smtClean="0"/>
-              <a:t>6/1/2022</a:t>
+              <a:t>10/11/2022</a:t>
             </a:fld>
             <a:endParaRPr lang="en-US"/>
           </a:p>
@@ -3533,7 +4522,7 @@
           <a:p>
             <a:fld id="{C3F78080-8D0A-4BE8-A5B4-CB115102D524}" type="datetimeFigureOut">
               <a:rPr lang="en-US" smtClean="0"/>
-              <a:t>6/1/2022</a:t>
+              <a:t>10/11/2022</a:t>
             </a:fld>
             <a:endParaRPr lang="en-US"/>
           </a:p>
@@ -3945,7 +4934,7 @@
           <a:p>
             <a:fld id="{C3F78080-8D0A-4BE8-A5B4-CB115102D524}" type="datetimeFigureOut">
               <a:rPr lang="en-US" smtClean="0"/>
-              <a:t>6/1/2022</a:t>
+              <a:t>10/11/2022</a:t>
             </a:fld>
             <a:endParaRPr lang="en-US"/>
           </a:p>
@@ -4086,7 +5075,7 @@
           <a:p>
             <a:fld id="{C3F78080-8D0A-4BE8-A5B4-CB115102D524}" type="datetimeFigureOut">
               <a:rPr lang="en-US" smtClean="0"/>
-              <a:t>6/1/2022</a:t>
+              <a:t>10/11/2022</a:t>
             </a:fld>
             <a:endParaRPr lang="en-US"/>
           </a:p>
@@ -4199,7 +5188,7 @@
           <a:p>
             <a:fld id="{C3F78080-8D0A-4BE8-A5B4-CB115102D524}" type="datetimeFigureOut">
               <a:rPr lang="en-US" smtClean="0"/>
-              <a:t>6/1/2022</a:t>
+              <a:t>10/11/2022</a:t>
             </a:fld>
             <a:endParaRPr lang="en-US"/>
           </a:p>
@@ -4510,7 +5499,7 @@
           <a:p>
             <a:fld id="{C3F78080-8D0A-4BE8-A5B4-CB115102D524}" type="datetimeFigureOut">
               <a:rPr lang="en-US" smtClean="0"/>
-              <a:t>6/1/2022</a:t>
+              <a:t>10/11/2022</a:t>
             </a:fld>
             <a:endParaRPr lang="en-US"/>
           </a:p>
@@ -4798,7 +5787,7 @@
           <a:p>
             <a:fld id="{C3F78080-8D0A-4BE8-A5B4-CB115102D524}" type="datetimeFigureOut">
               <a:rPr lang="en-US" smtClean="0"/>
-              <a:t>6/1/2022</a:t>
+              <a:t>10/11/2022</a:t>
             </a:fld>
             <a:endParaRPr lang="en-US"/>
           </a:p>
@@ -5039,7 +6028,7 @@
           <a:p>
             <a:fld id="{C3F78080-8D0A-4BE8-A5B4-CB115102D524}" type="datetimeFigureOut">
               <a:rPr lang="en-US" smtClean="0"/>
-              <a:t>6/1/2022</a:t>
+              <a:t>10/11/2022</a:t>
             </a:fld>
             <a:endParaRPr lang="en-US"/>
           </a:p>
@@ -5572,134 +6561,549 @@
       </p:grpSpPr>
       <p:sp>
         <p:nvSpPr>
-          <p:cNvPr id="5" name="Title 3">
+          <p:cNvPr id="3" name="TextBox 2">
             <a:extLst>
               <a:ext uri="{FF2B5EF4-FFF2-40B4-BE49-F238E27FC236}">
-                <a16:creationId xmlns:a16="http://schemas.microsoft.com/office/drawing/2014/main" id="{877E605A-7720-49C5-A32C-BE23908AA888}"/>
+                <a16:creationId xmlns:a16="http://schemas.microsoft.com/office/drawing/2014/main" id="{1642793B-E5EF-2C63-F67E-719236BCC49E}"/>
               </a:ext>
             </a:extLst>
           </p:cNvPr>
-          <p:cNvSpPr txBox="1">
-            <a:spLocks/>
-          </p:cNvSpPr>
+          <p:cNvSpPr txBox="1"/>
           <p:nvPr/>
         </p:nvSpPr>
         <p:spPr>
           <a:xfrm>
-            <a:off x="0" y="1720197"/>
-            <a:ext cx="12192000" cy="3417606"/>
+            <a:off x="2236945" y="1662232"/>
+            <a:ext cx="6666547" cy="523220"/>
           </a:xfrm>
           <a:prstGeom prst="rect">
             <a:avLst/>
           </a:prstGeom>
+          <a:noFill/>
         </p:spPr>
         <p:txBody>
-          <a:bodyPr vert="horz" lIns="91440" tIns="45720" rIns="91440" bIns="45720" rtlCol="0" anchor="ctr">
-            <a:normAutofit/>
+          <a:bodyPr wrap="square">
+            <a:spAutoFit/>
           </a:bodyPr>
-          <a:lstStyle>
-            <a:lvl1pPr algn="l" defTabSz="914400" rtl="0" eaLnBrk="1" latinLnBrk="0" hangingPunct="1">
-              <a:lnSpc>
-                <a:spcPct val="90000"/>
-              </a:lnSpc>
-              <a:spcBef>
-                <a:spcPct val="0"/>
-              </a:spcBef>
+          <a:lstStyle/>
+          <a:p>
+            <a:pPr marL="0" indent="0">
               <a:buNone/>
-              <a:defRPr sz="4400" kern="1200">
-                <a:solidFill>
-                  <a:schemeClr val="tx1"/>
+            </a:pPr>
+            <a:r>
+              <a:rPr lang="en-US" sz="2800" dirty="0">
+                <a:solidFill>
+                  <a:srgbClr val="FF00FF"/>
+                </a:solidFill>
+                <a:latin typeface="Consolas" panose="020B0609020204030204" pitchFamily="49" charset="0"/>
+              </a:rPr>
+              <a:t>return</a:t>
+            </a:r>
+            <a:r>
+              <a:rPr lang="en-US" sz="2800" dirty="0">
+                <a:latin typeface="Consolas" panose="020B0609020204030204" pitchFamily="49" charset="0"/>
+              </a:rPr>
+              <a:t> </a:t>
+            </a:r>
+            <a:r>
+              <a:rPr lang="en-US" sz="2800" dirty="0">
+                <a:solidFill>
+                  <a:srgbClr val="5EBB78"/>
+                </a:solidFill>
+                <a:latin typeface="Consolas" panose="020B0609020204030204" pitchFamily="49" charset="0"/>
+              </a:rPr>
+              <a:t>&lt;value1&gt;,&lt;value2&gt;, . . .</a:t>
+            </a:r>
+          </a:p>
+        </p:txBody>
+      </p:sp>
+      <p:sp>
+        <p:nvSpPr>
+          <p:cNvPr id="4" name="TextBox 3">
+            <a:extLst>
+              <a:ext uri="{FF2B5EF4-FFF2-40B4-BE49-F238E27FC236}">
+                <a16:creationId xmlns:a16="http://schemas.microsoft.com/office/drawing/2014/main" id="{78960E0B-5C06-77AC-FED6-CDA019AED9AD}"/>
+              </a:ext>
+            </a:extLst>
+          </p:cNvPr>
+          <p:cNvSpPr txBox="1"/>
+          <p:nvPr/>
+        </p:nvSpPr>
+        <p:spPr>
+          <a:xfrm>
+            <a:off x="0" y="578094"/>
+            <a:ext cx="12192000" cy="523220"/>
+          </a:xfrm>
+          <a:prstGeom prst="rect">
+            <a:avLst/>
+          </a:prstGeom>
+          <a:noFill/>
+        </p:spPr>
+        <p:txBody>
+          <a:bodyPr wrap="square">
+            <a:spAutoFit/>
+          </a:bodyPr>
+          <a:lstStyle/>
+          <a:p>
+            <a:pPr algn="ctr"/>
+            <a:r>
+              <a:rPr lang="en-US" sz="2800" dirty="0">
+                <a:solidFill>
+                  <a:schemeClr val="tx1">
+                    <a:lumMod val="75000"/>
+                    <a:lumOff val="25000"/>
+                  </a:schemeClr>
+                </a:solidFill>
+                <a:latin typeface="Futura Medium"/>
+                <a:cs typeface="Arial" panose="020B0604020202020204" pitchFamily="34" charset="0"/>
+              </a:rPr>
+              <a:t>Returning Values</a:t>
+            </a:r>
+            <a:endParaRPr lang="en-US" sz="2800" dirty="0">
+              <a:solidFill>
+                <a:schemeClr val="tx1">
+                  <a:lumMod val="75000"/>
+                  <a:lumOff val="25000"/>
+                </a:schemeClr>
+              </a:solidFill>
+              <a:latin typeface="Futura Medium"/>
+            </a:endParaRPr>
+          </a:p>
+        </p:txBody>
+      </p:sp>
+      <p:sp>
+        <p:nvSpPr>
+          <p:cNvPr id="6" name="TextBox 5">
+            <a:extLst>
+              <a:ext uri="{FF2B5EF4-FFF2-40B4-BE49-F238E27FC236}">
+                <a16:creationId xmlns:a16="http://schemas.microsoft.com/office/drawing/2014/main" id="{BCC02AAE-6403-0DA4-AA3E-5F67D1B62CF3}"/>
+              </a:ext>
+            </a:extLst>
+          </p:cNvPr>
+          <p:cNvSpPr txBox="1"/>
+          <p:nvPr/>
+        </p:nvSpPr>
+        <p:spPr>
+          <a:xfrm>
+            <a:off x="2236945" y="2507100"/>
+            <a:ext cx="7718108" cy="2308324"/>
+          </a:xfrm>
+          <a:prstGeom prst="rect">
+            <a:avLst/>
+          </a:prstGeom>
+          <a:solidFill>
+            <a:schemeClr val="bg1">
+              <a:lumMod val="95000"/>
+            </a:schemeClr>
+          </a:solidFill>
+          <a:ln>
+            <a:solidFill>
+              <a:schemeClr val="bg1">
+                <a:lumMod val="85000"/>
+              </a:schemeClr>
+            </a:solidFill>
+          </a:ln>
+        </p:spPr>
+        <p:txBody>
+          <a:bodyPr wrap="square">
+            <a:spAutoFit/>
+          </a:bodyPr>
+          <a:lstStyle/>
+          <a:p>
+            <a:r>
+              <a:rPr lang="en-US" sz="2400" dirty="0">
+                <a:solidFill>
+                  <a:srgbClr val="FF00FF"/>
+                </a:solidFill>
+                <a:latin typeface="Consolas" panose="020B0609020204030204" pitchFamily="49" charset="0"/>
+              </a:rPr>
+              <a:t>def </a:t>
+            </a:r>
+            <a:r>
+              <a:rPr lang="en-US" sz="2400" dirty="0">
+                <a:solidFill>
+                  <a:srgbClr val="00B0F0"/>
+                </a:solidFill>
+                <a:latin typeface="Consolas" panose="020B0609020204030204" pitchFamily="49" charset="0"/>
+              </a:rPr>
+              <a:t>hello</a:t>
+            </a:r>
+            <a:r>
+              <a:rPr lang="en-US" sz="2400" dirty="0">
+                <a:latin typeface="Consolas" panose="020B0609020204030204" pitchFamily="49" charset="0"/>
+              </a:rPr>
+              <a:t>(name):</a:t>
+            </a:r>
+          </a:p>
+          <a:p>
+            <a:r>
+              <a:rPr lang="en-US" sz="2400" dirty="0">
+                <a:latin typeface="Consolas" panose="020B0609020204030204" pitchFamily="49" charset="0"/>
+              </a:rPr>
+              <a:t>    </a:t>
+            </a:r>
+            <a:r>
+              <a:rPr lang="en-US" sz="2400" dirty="0">
+                <a:solidFill>
+                  <a:srgbClr val="FFC000"/>
+                </a:solidFill>
+                <a:latin typeface="Consolas" panose="020B0609020204030204" pitchFamily="49" charset="0"/>
+              </a:rPr>
+              <a:t>print</a:t>
+            </a:r>
+            <a:r>
+              <a:rPr lang="en-US" sz="2400" dirty="0">
+                <a:latin typeface="Consolas" panose="020B0609020204030204" pitchFamily="49" charset="0"/>
+              </a:rPr>
+              <a:t>(</a:t>
+            </a:r>
+            <a:r>
+              <a:rPr lang="en-US" sz="2400" dirty="0">
+                <a:solidFill>
+                  <a:srgbClr val="92D050"/>
+                </a:solidFill>
+                <a:latin typeface="Consolas" panose="020B0609020204030204" pitchFamily="49" charset="0"/>
+              </a:rPr>
+              <a:t>'Hello {}!'</a:t>
+            </a:r>
+            <a:r>
+              <a:rPr lang="en-US" sz="2400" dirty="0">
+                <a:latin typeface="Consolas" panose="020B0609020204030204" pitchFamily="49" charset="0"/>
+              </a:rPr>
+              <a:t>.format(name))</a:t>
+            </a:r>
+          </a:p>
+          <a:p>
+            <a:r>
+              <a:rPr lang="en-US" sz="2400" dirty="0">
+                <a:latin typeface="Consolas" panose="020B0609020204030204" pitchFamily="49" charset="0"/>
+              </a:rPr>
+              <a:t>	</a:t>
+            </a:r>
+            <a:r>
+              <a:rPr lang="en-US" sz="2400" dirty="0">
+                <a:solidFill>
+                  <a:srgbClr val="FF00FF"/>
+                </a:solidFill>
+                <a:latin typeface="Consolas" panose="020B0609020204030204" pitchFamily="49" charset="0"/>
+              </a:rPr>
+              <a:t>return</a:t>
+            </a:r>
+            <a:r>
+              <a:rPr lang="en-US" sz="2400" dirty="0">
+                <a:latin typeface="Consolas" panose="020B0609020204030204" pitchFamily="49" charset="0"/>
+              </a:rPr>
+              <a:t> </a:t>
+            </a:r>
+            <a:r>
+              <a:rPr lang="en-US" sz="2400" dirty="0">
+                <a:solidFill>
+                  <a:srgbClr val="FFC000"/>
+                </a:solidFill>
+                <a:latin typeface="Consolas" panose="020B0609020204030204" pitchFamily="49" charset="0"/>
+              </a:rPr>
+              <a:t>True</a:t>
+            </a:r>
+          </a:p>
+          <a:p>
+            <a:r>
+              <a:rPr lang="en-US" sz="2400" dirty="0" err="1">
+                <a:latin typeface="Consolas" panose="020B0609020204030204" pitchFamily="49" charset="0"/>
+              </a:rPr>
+              <a:t>myName</a:t>
+            </a:r>
+            <a:r>
+              <a:rPr lang="en-US" sz="2400" dirty="0">
+                <a:latin typeface="Consolas" panose="020B0609020204030204" pitchFamily="49" charset="0"/>
+              </a:rPr>
+              <a:t> = </a:t>
+            </a:r>
+            <a:r>
+              <a:rPr lang="en-US" sz="2400" dirty="0">
+                <a:solidFill>
+                  <a:srgbClr val="FFC000"/>
+                </a:solidFill>
+                <a:latin typeface="Consolas" panose="020B0609020204030204" pitchFamily="49" charset="0"/>
+              </a:rPr>
+              <a:t>input</a:t>
+            </a:r>
+            <a:r>
+              <a:rPr lang="en-US" sz="2400" dirty="0">
+                <a:latin typeface="Consolas" panose="020B0609020204030204" pitchFamily="49" charset="0"/>
+              </a:rPr>
+              <a:t>('Name? ')</a:t>
+            </a:r>
+          </a:p>
+          <a:p>
+            <a:r>
+              <a:rPr lang="en-US" sz="2400" dirty="0">
+                <a:latin typeface="Consolas" panose="020B0609020204030204" pitchFamily="49" charset="0"/>
+              </a:rPr>
+              <a:t>status</a:t>
+            </a:r>
+            <a:r>
+              <a:rPr lang="en-US" sz="2400" dirty="0">
+                <a:solidFill>
+                  <a:srgbClr val="FFC000"/>
+                </a:solidFill>
+                <a:latin typeface="Consolas" panose="020B0609020204030204" pitchFamily="49" charset="0"/>
+              </a:rPr>
+              <a:t> = hello</a:t>
+            </a:r>
+            <a:r>
+              <a:rPr lang="en-US" sz="2400" dirty="0">
+                <a:latin typeface="Consolas" panose="020B0609020204030204" pitchFamily="49" charset="0"/>
+              </a:rPr>
+              <a:t>(</a:t>
+            </a:r>
+            <a:r>
+              <a:rPr lang="en-US" sz="2400" dirty="0" err="1">
+                <a:latin typeface="Consolas" panose="020B0609020204030204" pitchFamily="49" charset="0"/>
+              </a:rPr>
+              <a:t>myName</a:t>
+            </a:r>
+            <a:r>
+              <a:rPr lang="en-US" sz="2400" dirty="0">
+                <a:latin typeface="Consolas" panose="020B0609020204030204" pitchFamily="49" charset="0"/>
+              </a:rPr>
+              <a:t>)</a:t>
+            </a:r>
+          </a:p>
+          <a:p>
+            <a:r>
+              <a:rPr lang="en-US" sz="2400" dirty="0">
+                <a:solidFill>
+                  <a:srgbClr val="FFC000"/>
+                </a:solidFill>
+                <a:latin typeface="Consolas" panose="020B0609020204030204" pitchFamily="49" charset="0"/>
+              </a:rPr>
+              <a:t>print</a:t>
+            </a:r>
+            <a:r>
+              <a:rPr lang="en-US" sz="2400" dirty="0">
+                <a:latin typeface="Consolas" panose="020B0609020204030204" pitchFamily="49" charset="0"/>
+              </a:rPr>
+              <a:t>(status)</a:t>
+            </a:r>
+          </a:p>
+        </p:txBody>
+      </p:sp>
+      <p:sp>
+        <p:nvSpPr>
+          <p:cNvPr id="8" name="TextBox 7">
+            <a:extLst>
+              <a:ext uri="{FF2B5EF4-FFF2-40B4-BE49-F238E27FC236}">
+                <a16:creationId xmlns:a16="http://schemas.microsoft.com/office/drawing/2014/main" id="{E67E8680-DC93-A40D-9FC7-830776F806C1}"/>
+              </a:ext>
+            </a:extLst>
+          </p:cNvPr>
+          <p:cNvSpPr txBox="1"/>
+          <p:nvPr/>
+        </p:nvSpPr>
+        <p:spPr>
+          <a:xfrm>
+            <a:off x="2236945" y="5137072"/>
+            <a:ext cx="7718108" cy="1200329"/>
+          </a:xfrm>
+          <a:prstGeom prst="rect">
+            <a:avLst/>
+          </a:prstGeom>
+          <a:solidFill>
+            <a:schemeClr val="bg1">
+              <a:lumMod val="95000"/>
+            </a:schemeClr>
+          </a:solidFill>
+          <a:ln>
+            <a:solidFill>
+              <a:schemeClr val="bg1">
+                <a:lumMod val="85000"/>
+              </a:schemeClr>
+            </a:solidFill>
+          </a:ln>
+        </p:spPr>
+        <p:txBody>
+          <a:bodyPr wrap="square">
+            <a:spAutoFit/>
+          </a:bodyPr>
+          <a:lstStyle/>
+          <a:p>
+            <a:r>
+              <a:rPr lang="en-US" sz="2400" dirty="0">
+                <a:latin typeface="Consolas" panose="020B0609020204030204" pitchFamily="49" charset="0"/>
+              </a:rPr>
+              <a:t>Name? Randy</a:t>
+            </a:r>
+          </a:p>
+          <a:p>
+            <a:r>
+              <a:rPr lang="en-US" sz="2400" dirty="0">
+                <a:latin typeface="Consolas" panose="020B0609020204030204" pitchFamily="49" charset="0"/>
+              </a:rPr>
+              <a:t>Hello Randy!</a:t>
+            </a:r>
+          </a:p>
+          <a:p>
+            <a:r>
+              <a:rPr lang="en-US" sz="2400" dirty="0">
+                <a:latin typeface="Consolas" panose="020B0609020204030204" pitchFamily="49" charset="0"/>
+              </a:rPr>
+              <a:t>True</a:t>
+            </a:r>
+          </a:p>
+        </p:txBody>
+      </p:sp>
+      <p:sp>
+        <p:nvSpPr>
+          <p:cNvPr id="9" name="TextBox 8">
+            <a:extLst>
+              <a:ext uri="{FF2B5EF4-FFF2-40B4-BE49-F238E27FC236}">
+                <a16:creationId xmlns:a16="http://schemas.microsoft.com/office/drawing/2014/main" id="{E8A096AF-5AED-0679-7205-301572CF424A}"/>
+              </a:ext>
+            </a:extLst>
+          </p:cNvPr>
+          <p:cNvSpPr txBox="1"/>
+          <p:nvPr/>
+        </p:nvSpPr>
+        <p:spPr>
+          <a:xfrm>
+            <a:off x="0" y="6550223"/>
+            <a:ext cx="12192000" cy="307777"/>
+          </a:xfrm>
+          <a:prstGeom prst="rect">
+            <a:avLst/>
+          </a:prstGeom>
+          <a:noFill/>
+        </p:spPr>
+        <p:txBody>
+          <a:bodyPr wrap="square" rtlCol="0">
+            <a:spAutoFit/>
+          </a:bodyPr>
+          <a:lstStyle/>
+          <a:p>
+            <a:pPr>
+              <a:defRPr/>
+            </a:pPr>
+            <a:r>
+              <a:rPr lang="en-US" sz="1400" dirty="0">
+                <a:solidFill>
+                  <a:schemeClr val="tx1">
+                    <a:lumMod val="65000"/>
+                    <a:lumOff val="35000"/>
+                  </a:schemeClr>
                 </a:solidFill>
                 <a:latin typeface="+mj-lt"/>
-                <a:ea typeface="+mj-ea"/>
-                <a:cs typeface="+mj-cs"/>
-              </a:defRPr>
-            </a:lvl1pPr>
-          </a:lstStyle>
-          <a:p>
-            <a:pPr algn="ctr"/>
-            <a:r>
-              <a:rPr lang="en-US" dirty="0">
-                <a:solidFill>
-                  <a:schemeClr val="accent4">
-                    <a:lumMod val="75000"/>
-                  </a:schemeClr>
-                </a:solidFill>
-                <a:latin typeface="Courier New" panose="02070309020205020404" pitchFamily="49" charset="0"/>
-                <a:cs typeface="Courier New" panose="02070309020205020404" pitchFamily="49" charset="0"/>
-              </a:rPr>
-              <a:t>Do not repeat yourself</a:t>
-            </a:r>
-          </a:p>
-          <a:p>
-            <a:pPr algn="ctr"/>
-            <a:r>
-              <a:rPr lang="en-US" dirty="0">
-                <a:solidFill>
-                  <a:schemeClr val="accent4">
-                    <a:lumMod val="75000"/>
-                  </a:schemeClr>
-                </a:solidFill>
-                <a:latin typeface="Courier New" panose="02070309020205020404" pitchFamily="49" charset="0"/>
-                <a:cs typeface="Courier New" panose="02070309020205020404" pitchFamily="49" charset="0"/>
-              </a:rPr>
-              <a:t>Do not repeat yourself</a:t>
-            </a:r>
-          </a:p>
-          <a:p>
-            <a:pPr algn="ctr"/>
-            <a:r>
-              <a:rPr lang="en-US" dirty="0">
-                <a:solidFill>
-                  <a:schemeClr val="accent4">
-                    <a:lumMod val="75000"/>
-                  </a:schemeClr>
-                </a:solidFill>
-                <a:latin typeface="Courier New" panose="02070309020205020404" pitchFamily="49" charset="0"/>
-                <a:cs typeface="Courier New" panose="02070309020205020404" pitchFamily="49" charset="0"/>
-              </a:rPr>
-              <a:t>Do not repeat yourself</a:t>
-            </a:r>
-          </a:p>
-          <a:p>
-            <a:pPr algn="ctr"/>
-            <a:r>
-              <a:rPr lang="en-US" dirty="0">
-                <a:solidFill>
-                  <a:schemeClr val="accent4">
-                    <a:lumMod val="75000"/>
-                  </a:schemeClr>
-                </a:solidFill>
-                <a:latin typeface="Courier New" panose="02070309020205020404" pitchFamily="49" charset="0"/>
-                <a:cs typeface="Courier New" panose="02070309020205020404" pitchFamily="49" charset="0"/>
-              </a:rPr>
-              <a:t>Do not repeat yourself</a:t>
-            </a:r>
+                <a:ea typeface="Verdana" panose="020B0604030504040204" pitchFamily="34" charset="0"/>
+              </a:rPr>
+              <a:t>Source: Randy Switt – University of Florida (Pythonista)</a:t>
+            </a:r>
+            <a:endParaRPr lang="en-US" sz="1400" dirty="0">
+              <a:solidFill>
+                <a:schemeClr val="tx1">
+                  <a:lumMod val="65000"/>
+                  <a:lumOff val="35000"/>
+                </a:schemeClr>
+              </a:solidFill>
+              <a:latin typeface="+mj-lt"/>
+            </a:endParaRPr>
           </a:p>
         </p:txBody>
       </p:sp>
     </p:spTree>
     <p:extLst>
       <p:ext uri="{BB962C8B-B14F-4D97-AF65-F5344CB8AC3E}">
-        <p14:creationId xmlns:p14="http://schemas.microsoft.com/office/powerpoint/2010/main" val="3989656751"/>
+        <p14:creationId xmlns:p14="http://schemas.microsoft.com/office/powerpoint/2010/main" val="354729111"/>
       </p:ext>
     </p:extLst>
   </p:cSld>
   <p:clrMapOvr>
     <a:masterClrMapping/>
   </p:clrMapOvr>
-  <mc:AlternateContent xmlns:mc="http://schemas.openxmlformats.org/markup-compatibility/2006" xmlns:p14="http://schemas.microsoft.com/office/powerpoint/2010/main">
-    <mc:Choice Requires="p14">
-      <p:transition spd="med" p14:dur="700">
-        <p:fade/>
-      </p:transition>
-    </mc:Choice>
-    <mc:Fallback xmlns="">
-      <p:transition spd="med">
-        <p:fade/>
-      </p:transition>
-    </mc:Fallback>
-  </mc:AlternateContent>
+  <p:timing>
+    <p:tnLst>
+      <p:par>
+        <p:cTn id="1" dur="indefinite" restart="never" nodeType="tmRoot">
+          <p:childTnLst>
+            <p:seq concurrent="1" nextAc="seek">
+              <p:cTn id="2" dur="indefinite" nodeType="mainSeq">
+                <p:childTnLst>
+                  <p:par>
+                    <p:cTn id="3" fill="hold">
+                      <p:stCondLst>
+                        <p:cond delay="indefinite"/>
+                      </p:stCondLst>
+                      <p:childTnLst>
+                        <p:par>
+                          <p:cTn id="4" fill="hold">
+                            <p:stCondLst>
+                              <p:cond delay="0"/>
+                            </p:stCondLst>
+                            <p:childTnLst>
+                              <p:par>
+                                <p:cTn id="5" presetID="10" presetClass="entr" presetSubtype="0" fill="hold" grpId="0" nodeType="clickEffect">
+                                  <p:stCondLst>
+                                    <p:cond delay="0"/>
+                                  </p:stCondLst>
+                                  <p:childTnLst>
+                                    <p:set>
+                                      <p:cBhvr>
+                                        <p:cTn id="6" dur="1" fill="hold">
+                                          <p:stCondLst>
+                                            <p:cond delay="0"/>
+                                          </p:stCondLst>
+                                        </p:cTn>
+                                        <p:tgtEl>
+                                          <p:spTgt spid="8"/>
+                                        </p:tgtEl>
+                                        <p:attrNameLst>
+                                          <p:attrName>style.visibility</p:attrName>
+                                        </p:attrNameLst>
+                                      </p:cBhvr>
+                                      <p:to>
+                                        <p:strVal val="visible"/>
+                                      </p:to>
+                                    </p:set>
+                                    <p:animEffect transition="in" filter="fade">
+                                      <p:cBhvr>
+                                        <p:cTn id="7" dur="500"/>
+                                        <p:tgtEl>
+                                          <p:spTgt spid="8"/>
+                                        </p:tgtEl>
+                                      </p:cBhvr>
+                                    </p:animEffect>
+                                  </p:childTnLst>
+                                </p:cTn>
+                              </p:par>
+                            </p:childTnLst>
+                          </p:cTn>
+                        </p:par>
+                      </p:childTnLst>
+                    </p:cTn>
+                  </p:par>
+                </p:childTnLst>
+              </p:cTn>
+              <p:prevCondLst>
+                <p:cond evt="onPrev" delay="0">
+                  <p:tgtEl>
+                    <p:sldTgt/>
+                  </p:tgtEl>
+                </p:cond>
+              </p:prevCondLst>
+              <p:nextCondLst>
+                <p:cond evt="onNext" delay="0">
+                  <p:tgtEl>
+                    <p:sldTgt/>
+                  </p:tgtEl>
+                </p:cond>
+              </p:nextCondLst>
+            </p:seq>
+          </p:childTnLst>
+        </p:cTn>
+      </p:par>
+    </p:tnLst>
+    <p:bldLst>
+      <p:bldP spid="8" grpId="0" animBg="1"/>
+    </p:bldLst>
+  </p:timing>
 </p:sld>
 </file>
 
@@ -5720,59 +7124,243 @@
           <a:chExt cx="0" cy="0"/>
         </a:xfrm>
       </p:grpSpPr>
-      <p:pic>
-        <p:nvPicPr>
-          <p:cNvPr id="1028" name="Picture 4" descr="Intro to Object-oriented Programming in Python | by Winston Robson | Future  Vision | Medium">
+      <p:sp>
+        <p:nvSpPr>
+          <p:cNvPr id="3" name="TextBox 2">
             <a:extLst>
               <a:ext uri="{FF2B5EF4-FFF2-40B4-BE49-F238E27FC236}">
-                <a16:creationId xmlns:a16="http://schemas.microsoft.com/office/drawing/2014/main" id="{0E581978-E189-47AE-BE3E-3E0FDA945542}"/>
+                <a16:creationId xmlns:a16="http://schemas.microsoft.com/office/drawing/2014/main" id="{5C0A5C65-AF69-D9F1-303D-9A0930209843}"/>
               </a:ext>
             </a:extLst>
           </p:cNvPr>
-          <p:cNvPicPr>
-            <a:picLocks noChangeAspect="1" noChangeArrowheads="1"/>
-          </p:cNvPicPr>
+          <p:cNvSpPr txBox="1"/>
           <p:nvPr/>
-        </p:nvPicPr>
-        <p:blipFill>
-          <a:blip r:embed="rId3">
-            <a:extLst>
-              <a:ext uri="{28A0092B-C50C-407E-A947-70E740481C1C}">
-                <a14:useLocalDpi xmlns:a14="http://schemas.microsoft.com/office/drawing/2010/main" val="0"/>
-              </a:ext>
-            </a:extLst>
-          </a:blip>
-          <a:srcRect/>
-          <a:stretch>
-            <a:fillRect/>
-          </a:stretch>
-        </p:blipFill>
-        <p:spPr bwMode="auto">
+        </p:nvSpPr>
+        <p:spPr>
           <a:xfrm>
-            <a:off x="2238375" y="1285875"/>
-            <a:ext cx="7715250" cy="4286250"/>
+            <a:off x="2340310" y="1670897"/>
+            <a:ext cx="7707085" cy="3785652"/>
           </a:xfrm>
           <a:prstGeom prst="rect">
             <a:avLst/>
           </a:prstGeom>
-          <a:noFill/>
-          <a:extLst>
-            <a:ext uri="{909E8E84-426E-40DD-AFC4-6F175D3DCCD1}">
-              <a14:hiddenFill xmlns:a14="http://schemas.microsoft.com/office/drawing/2010/main">
-                <a:solidFill>
-                  <a:srgbClr val="FFFFFF"/>
-                </a:solidFill>
-              </a14:hiddenFill>
-            </a:ext>
-          </a:extLst>
+          <a:solidFill>
+            <a:schemeClr val="bg1">
+              <a:lumMod val="95000"/>
+            </a:schemeClr>
+          </a:solidFill>
+          <a:ln>
+            <a:solidFill>
+              <a:schemeClr val="bg1">
+                <a:lumMod val="85000"/>
+              </a:schemeClr>
+            </a:solidFill>
+          </a:ln>
         </p:spPr>
-      </p:pic>
-      <p:sp>
-        <p:nvSpPr>
-          <p:cNvPr id="5" name="TextBox 4">
+        <p:txBody>
+          <a:bodyPr wrap="square">
+            <a:spAutoFit/>
+          </a:bodyPr>
+          <a:lstStyle/>
+          <a:p>
+            <a:r>
+              <a:rPr lang="en-US" sz="2400" dirty="0">
+                <a:solidFill>
+                  <a:srgbClr val="FF00FF"/>
+                </a:solidFill>
+                <a:latin typeface="Consolas" panose="020B0609020204030204" pitchFamily="49" charset="0"/>
+              </a:rPr>
+              <a:t>def </a:t>
+            </a:r>
+            <a:r>
+              <a:rPr lang="en-US" sz="2400" dirty="0">
+                <a:solidFill>
+                  <a:srgbClr val="3366FF"/>
+                </a:solidFill>
+                <a:latin typeface="Consolas" panose="020B0609020204030204" pitchFamily="49" charset="0"/>
+              </a:rPr>
+              <a:t>hello</a:t>
+            </a:r>
+            <a:r>
+              <a:rPr lang="en-US" sz="2400" dirty="0">
+                <a:latin typeface="Consolas" panose="020B0609020204030204" pitchFamily="49" charset="0"/>
+              </a:rPr>
+              <a:t>(name):</a:t>
+            </a:r>
+          </a:p>
+          <a:p>
+            <a:r>
+              <a:rPr lang="en-US" sz="2400" dirty="0">
+                <a:latin typeface="Consolas" panose="020B0609020204030204" pitchFamily="49" charset="0"/>
+              </a:rPr>
+              <a:t>    </a:t>
+            </a:r>
+            <a:r>
+              <a:rPr lang="en-US" sz="2400" dirty="0">
+                <a:solidFill>
+                  <a:srgbClr val="FFC000"/>
+                </a:solidFill>
+                <a:latin typeface="Consolas" panose="020B0609020204030204" pitchFamily="49" charset="0"/>
+              </a:rPr>
+              <a:t>print</a:t>
+            </a:r>
+            <a:r>
+              <a:rPr lang="en-US" sz="2400" dirty="0">
+                <a:latin typeface="Consolas" panose="020B0609020204030204" pitchFamily="49" charset="0"/>
+              </a:rPr>
+              <a:t>(</a:t>
+            </a:r>
+            <a:r>
+              <a:rPr lang="en-US" sz="2400" dirty="0">
+                <a:solidFill>
+                  <a:srgbClr val="5EBB78"/>
+                </a:solidFill>
+                <a:latin typeface="Consolas" panose="020B0609020204030204" pitchFamily="49" charset="0"/>
+              </a:rPr>
+              <a:t>'Hello {}!'</a:t>
+            </a:r>
+            <a:r>
+              <a:rPr lang="en-US" sz="2400" dirty="0">
+                <a:latin typeface="Consolas" panose="020B0609020204030204" pitchFamily="49" charset="0"/>
+              </a:rPr>
+              <a:t>.format(name))</a:t>
+            </a:r>
+          </a:p>
+          <a:p>
+            <a:endParaRPr lang="en-US" sz="2400" dirty="0">
+              <a:latin typeface="Consolas" panose="020B0609020204030204" pitchFamily="49" charset="0"/>
+            </a:endParaRPr>
+          </a:p>
+          <a:p>
+            <a:r>
+              <a:rPr lang="en-US" sz="2400" dirty="0" err="1">
+                <a:latin typeface="Consolas" panose="020B0609020204030204" pitchFamily="49" charset="0"/>
+              </a:rPr>
+              <a:t>myName</a:t>
+            </a:r>
+            <a:r>
+              <a:rPr lang="en-US" sz="2400" dirty="0">
+                <a:latin typeface="Consolas" panose="020B0609020204030204" pitchFamily="49" charset="0"/>
+              </a:rPr>
+              <a:t> = </a:t>
+            </a:r>
+            <a:r>
+              <a:rPr lang="en-US" sz="2400" dirty="0">
+                <a:solidFill>
+                  <a:srgbClr val="FFC000"/>
+                </a:solidFill>
+                <a:latin typeface="Consolas" panose="020B0609020204030204" pitchFamily="49" charset="0"/>
+              </a:rPr>
+              <a:t>input</a:t>
+            </a:r>
+            <a:r>
+              <a:rPr lang="en-US" sz="2400" dirty="0">
+                <a:latin typeface="Consolas" panose="020B0609020204030204" pitchFamily="49" charset="0"/>
+              </a:rPr>
+              <a:t>('Name? ‘)</a:t>
+            </a:r>
+          </a:p>
+          <a:p>
+            <a:endParaRPr lang="en-US" sz="2400" dirty="0">
+              <a:solidFill>
+                <a:srgbClr val="FFC000"/>
+              </a:solidFill>
+              <a:latin typeface="Consolas" panose="020B0609020204030204" pitchFamily="49" charset="0"/>
+            </a:endParaRPr>
+          </a:p>
+          <a:p>
+            <a:r>
+              <a:rPr lang="en-US" sz="2400" dirty="0">
+                <a:solidFill>
+                  <a:srgbClr val="5EBB78"/>
+                </a:solidFill>
+                <a:latin typeface="Consolas" panose="020B0609020204030204" pitchFamily="49" charset="0"/>
+              </a:rPr>
+              <a:t># Call by position</a:t>
+            </a:r>
+          </a:p>
+          <a:p>
+            <a:r>
+              <a:rPr lang="en-US" sz="2400" dirty="0">
+                <a:solidFill>
+                  <a:srgbClr val="3366FF"/>
+                </a:solidFill>
+                <a:latin typeface="Consolas" panose="020B0609020204030204" pitchFamily="49" charset="0"/>
+              </a:rPr>
+              <a:t>hello</a:t>
+            </a:r>
+            <a:r>
+              <a:rPr lang="en-US" sz="2400" dirty="0">
+                <a:latin typeface="Consolas" panose="020B0609020204030204" pitchFamily="49" charset="0"/>
+              </a:rPr>
+              <a:t>(</a:t>
+            </a:r>
+            <a:r>
+              <a:rPr lang="en-US" sz="2400" dirty="0" err="1">
+                <a:latin typeface="Consolas" panose="020B0609020204030204" pitchFamily="49" charset="0"/>
+              </a:rPr>
+              <a:t>myName</a:t>
+            </a:r>
+            <a:r>
+              <a:rPr lang="en-US" sz="2400" dirty="0">
+                <a:latin typeface="Consolas" panose="020B0609020204030204" pitchFamily="49" charset="0"/>
+              </a:rPr>
+              <a:t>)</a:t>
+            </a:r>
+          </a:p>
+          <a:p>
+            <a:endParaRPr lang="en-US" sz="2400" dirty="0">
+              <a:latin typeface="Consolas" panose="020B0609020204030204" pitchFamily="49" charset="0"/>
+            </a:endParaRPr>
+          </a:p>
+          <a:p>
+            <a:r>
+              <a:rPr lang="en-US" sz="2400" dirty="0">
+                <a:solidFill>
+                  <a:srgbClr val="5EBB78"/>
+                </a:solidFill>
+                <a:latin typeface="Consolas" panose="020B0609020204030204" pitchFamily="49" charset="0"/>
+              </a:rPr>
+              <a:t># Call by keyword</a:t>
+            </a:r>
+          </a:p>
+          <a:p>
+            <a:r>
+              <a:rPr lang="en-US" sz="2400" dirty="0">
+                <a:solidFill>
+                  <a:srgbClr val="3366FF"/>
+                </a:solidFill>
+                <a:latin typeface="Consolas" panose="020B0609020204030204" pitchFamily="49" charset="0"/>
+              </a:rPr>
+              <a:t>hello</a:t>
+            </a:r>
+            <a:r>
+              <a:rPr lang="en-US" sz="2400" dirty="0">
+                <a:latin typeface="Consolas" panose="020B0609020204030204" pitchFamily="49" charset="0"/>
+              </a:rPr>
+              <a:t>(name = </a:t>
+            </a:r>
+            <a:r>
+              <a:rPr lang="en-US" sz="2400" dirty="0" err="1">
+                <a:latin typeface="Consolas" panose="020B0609020204030204" pitchFamily="49" charset="0"/>
+              </a:rPr>
+              <a:t>myName</a:t>
+            </a:r>
+            <a:r>
+              <a:rPr lang="en-US" sz="2400" dirty="0">
+                <a:latin typeface="Consolas" panose="020B0609020204030204" pitchFamily="49" charset="0"/>
+              </a:rPr>
+              <a:t>)</a:t>
+            </a:r>
+          </a:p>
+        </p:txBody>
+      </p:sp>
+      <p:sp>
+        <p:nvSpPr>
+          <p:cNvPr id="4" name="TextBox 3">
             <a:extLst>
               <a:ext uri="{FF2B5EF4-FFF2-40B4-BE49-F238E27FC236}">
-                <a16:creationId xmlns:a16="http://schemas.microsoft.com/office/drawing/2014/main" id="{7BAC4704-52EC-434B-B6DD-AB10E80FF802}"/>
+                <a16:creationId xmlns:a16="http://schemas.microsoft.com/office/drawing/2014/main" id="{22704BC7-6FCC-4C57-AA4D-D71A548FD91A}"/>
               </a:ext>
             </a:extLst>
           </p:cNvPr>
@@ -5781,8 +7369,8 @@
         </p:nvSpPr>
         <p:spPr>
           <a:xfrm>
-            <a:off x="0" y="6550223"/>
-            <a:ext cx="12192000" cy="307777"/>
+            <a:off x="0" y="578094"/>
+            <a:ext cx="12192000" cy="523220"/>
           </a:xfrm>
           <a:prstGeom prst="rect">
             <a:avLst/>
@@ -5790,35 +7378,33 @@
           <a:noFill/>
         </p:spPr>
         <p:txBody>
-          <a:bodyPr wrap="square" rtlCol="0">
+          <a:bodyPr wrap="square">
             <a:spAutoFit/>
           </a:bodyPr>
           <a:lstStyle/>
           <a:p>
-            <a:pPr>
-              <a:defRPr/>
-            </a:pPr>
-            <a:r>
-              <a:rPr lang="en-US" sz="1400" dirty="0">
+            <a:pPr algn="ctr"/>
+            <a:r>
+              <a:rPr lang="en-US" sz="2800" dirty="0">
                 <a:solidFill>
                   <a:schemeClr val="tx1">
-                    <a:lumMod val="65000"/>
-                    <a:lumOff val="35000"/>
+                    <a:lumMod val="75000"/>
+                    <a:lumOff val="25000"/>
                   </a:schemeClr>
                 </a:solidFill>
-                <a:latin typeface="+mj-lt"/>
-                <a:ea typeface="Verdana" panose="020B0604030504040204" pitchFamily="34" charset="0"/>
-              </a:rPr>
-              <a:t>Image Credit: https://medium.com/future-vision/intro-to-oop-with-python-39ba63967e45</a:t>
-            </a:r>
-            <a:endParaRPr lang="en-US" sz="1400" dirty="0">
+                <a:latin typeface="Futura Medium"/>
+                <a:cs typeface="Arial" panose="020B0604020202020204" pitchFamily="34" charset="0"/>
+              </a:rPr>
+              <a:t>Call by Position or Keyword</a:t>
+            </a:r>
+            <a:endParaRPr lang="en-US" sz="2800" dirty="0">
               <a:solidFill>
                 <a:schemeClr val="tx1">
-                  <a:lumMod val="65000"/>
-                  <a:lumOff val="35000"/>
+                  <a:lumMod val="75000"/>
+                  <a:lumOff val="25000"/>
                 </a:schemeClr>
               </a:solidFill>
-              <a:latin typeface="+mj-lt"/>
+              <a:latin typeface="Futura Medium"/>
             </a:endParaRPr>
           </a:p>
         </p:txBody>
@@ -5826,7 +7412,7 @@
     </p:spTree>
     <p:extLst>
       <p:ext uri="{BB962C8B-B14F-4D97-AF65-F5344CB8AC3E}">
-        <p14:creationId xmlns:p14="http://schemas.microsoft.com/office/powerpoint/2010/main" val="4107282774"/>
+        <p14:creationId xmlns:p14="http://schemas.microsoft.com/office/powerpoint/2010/main" val="1986634862"/>
       </p:ext>
     </p:extLst>
   </p:cSld>
@@ -5867,838 +7453,6 @@
       </p:grpSpPr>
       <p:pic>
         <p:nvPicPr>
-          <p:cNvPr id="2" name="Picture 2" descr="PHP Inheritance">
-            <a:extLst>
-              <a:ext uri="{FF2B5EF4-FFF2-40B4-BE49-F238E27FC236}">
-                <a16:creationId xmlns:a16="http://schemas.microsoft.com/office/drawing/2014/main" id="{649F761A-70D7-4C19-9F67-E2010F6EB312}"/>
-              </a:ext>
-            </a:extLst>
-          </p:cNvPr>
-          <p:cNvPicPr>
-            <a:picLocks noChangeAspect="1" noChangeArrowheads="1"/>
-          </p:cNvPicPr>
-          <p:nvPr/>
-        </p:nvPicPr>
-        <p:blipFill>
-          <a:blip r:embed="rId3">
-            <a:extLst>
-              <a:ext uri="{28A0092B-C50C-407E-A947-70E740481C1C}">
-                <a14:useLocalDpi xmlns:a14="http://schemas.microsoft.com/office/drawing/2010/main" val="0"/>
-              </a:ext>
-            </a:extLst>
-          </a:blip>
-          <a:srcRect/>
-          <a:stretch>
-            <a:fillRect/>
-          </a:stretch>
-        </p:blipFill>
-        <p:spPr bwMode="auto">
-          <a:xfrm>
-            <a:off x="3381375" y="1257300"/>
-            <a:ext cx="5429250" cy="4343400"/>
-          </a:xfrm>
-          <a:prstGeom prst="rect">
-            <a:avLst/>
-          </a:prstGeom>
-          <a:noFill/>
-          <a:extLst>
-            <a:ext uri="{909E8E84-426E-40DD-AFC4-6F175D3DCCD1}">
-              <a14:hiddenFill xmlns:a14="http://schemas.microsoft.com/office/drawing/2010/main">
-                <a:solidFill>
-                  <a:srgbClr val="FFFFFF"/>
-                </a:solidFill>
-              </a14:hiddenFill>
-            </a:ext>
-          </a:extLst>
-        </p:spPr>
-      </p:pic>
-      <p:sp>
-        <p:nvSpPr>
-          <p:cNvPr id="4" name="TextBox 3">
-            <a:extLst>
-              <a:ext uri="{FF2B5EF4-FFF2-40B4-BE49-F238E27FC236}">
-                <a16:creationId xmlns:a16="http://schemas.microsoft.com/office/drawing/2014/main" id="{C0C1E8D7-CD38-44CA-9725-1DBF57DB487C}"/>
-              </a:ext>
-            </a:extLst>
-          </p:cNvPr>
-          <p:cNvSpPr txBox="1"/>
-          <p:nvPr/>
-        </p:nvSpPr>
-        <p:spPr>
-          <a:xfrm>
-            <a:off x="0" y="6550223"/>
-            <a:ext cx="12192000" cy="307777"/>
-          </a:xfrm>
-          <a:prstGeom prst="rect">
-            <a:avLst/>
-          </a:prstGeom>
-          <a:noFill/>
-        </p:spPr>
-        <p:txBody>
-          <a:bodyPr wrap="square" rtlCol="0">
-            <a:spAutoFit/>
-          </a:bodyPr>
-          <a:lstStyle/>
-          <a:p>
-            <a:pPr>
-              <a:defRPr/>
-            </a:pPr>
-            <a:r>
-              <a:rPr lang="en-US" sz="1400" dirty="0">
-                <a:solidFill>
-                  <a:schemeClr val="tx1">
-                    <a:lumMod val="65000"/>
-                    <a:lumOff val="35000"/>
-                  </a:schemeClr>
-                </a:solidFill>
-                <a:latin typeface="+mj-lt"/>
-                <a:ea typeface="Verdana" panose="020B0604030504040204" pitchFamily="34" charset="0"/>
-              </a:rPr>
-              <a:t>Image Credit: https://tutorials.supunkavinda.blog/php/oop-inheritance</a:t>
-            </a:r>
-            <a:endParaRPr lang="en-US" sz="1400" dirty="0">
-              <a:solidFill>
-                <a:schemeClr val="tx1">
-                  <a:lumMod val="65000"/>
-                  <a:lumOff val="35000"/>
-                </a:schemeClr>
-              </a:solidFill>
-              <a:latin typeface="+mj-lt"/>
-            </a:endParaRPr>
-          </a:p>
-        </p:txBody>
-      </p:sp>
-    </p:spTree>
-    <p:extLst>
-      <p:ext uri="{BB962C8B-B14F-4D97-AF65-F5344CB8AC3E}">
-        <p14:creationId xmlns:p14="http://schemas.microsoft.com/office/powerpoint/2010/main" val="4104442645"/>
-      </p:ext>
-    </p:extLst>
-  </p:cSld>
-  <p:clrMapOvr>
-    <a:masterClrMapping/>
-  </p:clrMapOvr>
-  <mc:AlternateContent xmlns:mc="http://schemas.openxmlformats.org/markup-compatibility/2006" xmlns:p14="http://schemas.microsoft.com/office/powerpoint/2010/main">
-    <mc:Choice Requires="p14">
-      <p:transition spd="med" p14:dur="700">
-        <p:fade/>
-      </p:transition>
-    </mc:Choice>
-    <mc:Fallback xmlns="">
-      <p:transition spd="med">
-        <p:fade/>
-      </p:transition>
-    </mc:Fallback>
-  </mc:AlternateContent>
-</p:sld>
-</file>
-
-<file path=ppt/slides/slide2.xml><?xml version="1.0" encoding="utf-8"?>
-<p:sld xmlns:a="http://schemas.openxmlformats.org/drawingml/2006/main" xmlns:r="http://schemas.openxmlformats.org/officeDocument/2006/relationships" xmlns:p="http://schemas.openxmlformats.org/presentationml/2006/main">
-  <p:cSld>
-    <p:spTree>
-      <p:nvGrpSpPr>
-        <p:cNvPr id="1" name=""/>
-        <p:cNvGrpSpPr/>
-        <p:nvPr/>
-      </p:nvGrpSpPr>
-      <p:grpSpPr>
-        <a:xfrm>
-          <a:off x="0" y="0"/>
-          <a:ext cx="0" cy="0"/>
-          <a:chOff x="0" y="0"/>
-          <a:chExt cx="0" cy="0"/>
-        </a:xfrm>
-      </p:grpSpPr>
-      <p:sp>
-        <p:nvSpPr>
-          <p:cNvPr id="2" name="Title 1">
-            <a:extLst>
-              <a:ext uri="{FF2B5EF4-FFF2-40B4-BE49-F238E27FC236}">
-                <a16:creationId xmlns:a16="http://schemas.microsoft.com/office/drawing/2014/main" id="{8306FF31-301F-43F0-8202-A782726E446A}"/>
-              </a:ext>
-            </a:extLst>
-          </p:cNvPr>
-          <p:cNvSpPr>
-            <a:spLocks noGrp="1"/>
-          </p:cNvSpPr>
-          <p:nvPr>
-            <p:ph type="title"/>
-          </p:nvPr>
-        </p:nvSpPr>
-        <p:spPr>
-          <a:xfrm>
-            <a:off x="0" y="365127"/>
-            <a:ext cx="12191999" cy="827416"/>
-          </a:xfrm>
-        </p:spPr>
-        <p:txBody>
-          <a:bodyPr>
-            <a:normAutofit/>
-          </a:bodyPr>
-          <a:lstStyle/>
-          <a:p>
-            <a:pPr algn="ctr"/>
-            <a:r>
-              <a:rPr lang="en-US" sz="4000" dirty="0">
-                <a:solidFill>
-                  <a:schemeClr val="tx1">
-                    <a:lumMod val="65000"/>
-                    <a:lumOff val="35000"/>
-                  </a:schemeClr>
-                </a:solidFill>
-                <a:latin typeface="Palatino Linotype" panose="02040502050505030304" pitchFamily="18" charset="0"/>
-                <a:cs typeface="Segoe UI Light" panose="020B0502040204020203" pitchFamily="34" charset="0"/>
-              </a:rPr>
-              <a:t>Agenda</a:t>
-            </a:r>
-          </a:p>
-        </p:txBody>
-      </p:sp>
-      <p:sp>
-        <p:nvSpPr>
-          <p:cNvPr id="4" name="Content Placeholder 3">
-            <a:extLst>
-              <a:ext uri="{FF2B5EF4-FFF2-40B4-BE49-F238E27FC236}">
-                <a16:creationId xmlns:a16="http://schemas.microsoft.com/office/drawing/2014/main" id="{659531AF-92C6-4F92-AA59-2FD12D624E53}"/>
-              </a:ext>
-            </a:extLst>
-          </p:cNvPr>
-          <p:cNvSpPr>
-            <a:spLocks noGrp="1"/>
-          </p:cNvSpPr>
-          <p:nvPr>
-            <p:ph idx="1"/>
-          </p:nvPr>
-        </p:nvSpPr>
-        <p:spPr/>
-        <p:txBody>
-          <a:bodyPr>
-            <a:normAutofit/>
-          </a:bodyPr>
-          <a:lstStyle/>
-          <a:p>
-            <a:pPr>
-              <a:lnSpc>
-                <a:spcPct val="150000"/>
-              </a:lnSpc>
-              <a:buFont typeface="Wingdings" panose="05000000000000000000" pitchFamily="2" charset="2"/>
-              <a:buChar char="Ø"/>
-            </a:pPr>
-            <a:r>
-              <a:rPr lang="en-US" sz="3200" dirty="0">
-                <a:solidFill>
-                  <a:schemeClr val="tx1">
-                    <a:lumMod val="65000"/>
-                    <a:lumOff val="35000"/>
-                  </a:schemeClr>
-                </a:solidFill>
-                <a:latin typeface="Palatino Linotype" panose="02040502050505030304" pitchFamily="18" charset="0"/>
-              </a:rPr>
-              <a:t> Functions</a:t>
-            </a:r>
-          </a:p>
-          <a:p>
-            <a:pPr>
-              <a:lnSpc>
-                <a:spcPct val="150000"/>
-              </a:lnSpc>
-              <a:buFont typeface="Wingdings" panose="05000000000000000000" pitchFamily="2" charset="2"/>
-              <a:buChar char="Ø"/>
-            </a:pPr>
-            <a:r>
-              <a:rPr lang="en-US" sz="3200" dirty="0">
-                <a:solidFill>
-                  <a:schemeClr val="tx1">
-                    <a:lumMod val="65000"/>
-                    <a:lumOff val="35000"/>
-                  </a:schemeClr>
-                </a:solidFill>
-                <a:latin typeface="Palatino Linotype" panose="02040502050505030304" pitchFamily="18" charset="0"/>
-              </a:rPr>
-              <a:t> Object-Oriented Concepts</a:t>
-            </a:r>
-          </a:p>
-        </p:txBody>
-      </p:sp>
-    </p:spTree>
-    <p:extLst>
-      <p:ext uri="{BB962C8B-B14F-4D97-AF65-F5344CB8AC3E}">
-        <p14:creationId xmlns:p14="http://schemas.microsoft.com/office/powerpoint/2010/main" val="3933901158"/>
-      </p:ext>
-    </p:extLst>
-  </p:cSld>
-  <p:clrMapOvr>
-    <a:masterClrMapping/>
-  </p:clrMapOvr>
-  <mc:AlternateContent xmlns:mc="http://schemas.openxmlformats.org/markup-compatibility/2006" xmlns:p14="http://schemas.microsoft.com/office/powerpoint/2010/main">
-    <mc:Choice Requires="p14">
-      <p:transition spd="med" p14:dur="700">
-        <p:fade/>
-      </p:transition>
-    </mc:Choice>
-    <mc:Fallback xmlns="">
-      <p:transition spd="med">
-        <p:fade/>
-      </p:transition>
-    </mc:Fallback>
-  </mc:AlternateContent>
-</p:sld>
-</file>
-
-<file path=ppt/slides/slide3.xml><?xml version="1.0" encoding="utf-8"?>
-<p:sld xmlns:a="http://schemas.openxmlformats.org/drawingml/2006/main" xmlns:r="http://schemas.openxmlformats.org/officeDocument/2006/relationships" xmlns:p="http://schemas.openxmlformats.org/presentationml/2006/main">
-  <p:cSld>
-    <p:spTree>
-      <p:nvGrpSpPr>
-        <p:cNvPr id="1" name=""/>
-        <p:cNvGrpSpPr/>
-        <p:nvPr/>
-      </p:nvGrpSpPr>
-      <p:grpSpPr>
-        <a:xfrm>
-          <a:off x="0" y="0"/>
-          <a:ext cx="0" cy="0"/>
-          <a:chOff x="0" y="0"/>
-          <a:chExt cx="0" cy="0"/>
-        </a:xfrm>
-      </p:grpSpPr>
-      <p:sp>
-        <p:nvSpPr>
-          <p:cNvPr id="7" name="Content Placeholder 2">
-            <a:extLst>
-              <a:ext uri="{FF2B5EF4-FFF2-40B4-BE49-F238E27FC236}">
-                <a16:creationId xmlns:a16="http://schemas.microsoft.com/office/drawing/2014/main" id="{13B67958-0DE1-4F81-B236-36CEA9F133C4}"/>
-              </a:ext>
-            </a:extLst>
-          </p:cNvPr>
-          <p:cNvSpPr>
-            <a:spLocks noGrp="1"/>
-          </p:cNvSpPr>
-          <p:nvPr>
-            <p:ph idx="1"/>
-          </p:nvPr>
-        </p:nvSpPr>
-        <p:spPr>
-          <a:xfrm>
-            <a:off x="838200" y="1253331"/>
-            <a:ext cx="10515600" cy="4351338"/>
-          </a:xfrm>
-        </p:spPr>
-        <p:txBody>
-          <a:bodyPr/>
-          <a:lstStyle/>
-          <a:p>
-            <a:pPr marL="0" indent="0">
-              <a:buNone/>
-            </a:pPr>
-            <a:r>
-              <a:rPr lang="en-US" dirty="0"/>
-              <a:t>“You can think of a function as a small program inside a program.  The basic idea of a function is that we write a sequence of statements and give that sequence a name. The instructions can then be executed at any point in the program by referring to the function name…  </a:t>
-            </a:r>
-          </a:p>
-          <a:p>
-            <a:pPr marL="0" indent="0">
-              <a:buNone/>
-            </a:pPr>
-            <a:endParaRPr lang="en-US" dirty="0"/>
-          </a:p>
-          <a:p>
-            <a:pPr marL="0" indent="0">
-              <a:buNone/>
-            </a:pPr>
-            <a:r>
-              <a:rPr lang="en-US" dirty="0"/>
-              <a:t>When a function is subsequently used in a program, we say that the definition is </a:t>
-            </a:r>
-            <a:r>
-              <a:rPr lang="en-US" i="1" dirty="0">
-                <a:solidFill>
-                  <a:schemeClr val="accent5">
-                    <a:lumMod val="50000"/>
-                  </a:schemeClr>
-                </a:solidFill>
-              </a:rPr>
-              <a:t>called</a:t>
-            </a:r>
-            <a:r>
-              <a:rPr lang="en-US" dirty="0">
-                <a:solidFill>
-                  <a:schemeClr val="accent5">
-                    <a:lumMod val="50000"/>
-                  </a:schemeClr>
-                </a:solidFill>
-              </a:rPr>
-              <a:t> </a:t>
-            </a:r>
-            <a:r>
-              <a:rPr lang="en-US" dirty="0"/>
-              <a:t>or </a:t>
-            </a:r>
-            <a:r>
-              <a:rPr lang="en-US" i="1" dirty="0">
-                <a:solidFill>
-                  <a:schemeClr val="accent5">
-                    <a:lumMod val="50000"/>
-                  </a:schemeClr>
-                </a:solidFill>
-              </a:rPr>
-              <a:t>invoked</a:t>
-            </a:r>
-            <a:r>
-              <a:rPr lang="en-US" dirty="0"/>
-              <a:t>.”</a:t>
-            </a:r>
-          </a:p>
-          <a:p>
-            <a:pPr marL="0" indent="0">
-              <a:buNone/>
-            </a:pPr>
-            <a:endParaRPr lang="en-US" dirty="0"/>
-          </a:p>
-          <a:p>
-            <a:pPr marL="0" indent="0">
-              <a:buNone/>
-            </a:pPr>
-            <a:r>
-              <a:rPr lang="en-US" dirty="0"/>
-              <a:t>John Zelle</a:t>
-            </a:r>
-          </a:p>
-          <a:p>
-            <a:pPr marL="0" indent="0">
-              <a:buNone/>
-            </a:pPr>
-            <a:endParaRPr lang="en-US" dirty="0"/>
-          </a:p>
-        </p:txBody>
-      </p:sp>
-    </p:spTree>
-    <p:extLst>
-      <p:ext uri="{BB962C8B-B14F-4D97-AF65-F5344CB8AC3E}">
-        <p14:creationId xmlns:p14="http://schemas.microsoft.com/office/powerpoint/2010/main" val="86349095"/>
-      </p:ext>
-    </p:extLst>
-  </p:cSld>
-  <p:clrMapOvr>
-    <a:masterClrMapping/>
-  </p:clrMapOvr>
-  <mc:AlternateContent xmlns:mc="http://schemas.openxmlformats.org/markup-compatibility/2006" xmlns:p14="http://schemas.microsoft.com/office/powerpoint/2010/main">
-    <mc:Choice Requires="p14">
-      <p:transition spd="med" p14:dur="700">
-        <p:fade/>
-      </p:transition>
-    </mc:Choice>
-    <mc:Fallback xmlns="">
-      <p:transition spd="med">
-        <p:fade/>
-      </p:transition>
-    </mc:Fallback>
-  </mc:AlternateContent>
-</p:sld>
-</file>
-
-<file path=ppt/slides/slide4.xml><?xml version="1.0" encoding="utf-8"?>
-<p:sld xmlns:a="http://schemas.openxmlformats.org/drawingml/2006/main" xmlns:r="http://schemas.openxmlformats.org/officeDocument/2006/relationships" xmlns:p="http://schemas.openxmlformats.org/presentationml/2006/main">
-  <p:cSld>
-    <p:spTree>
-      <p:nvGrpSpPr>
-        <p:cNvPr id="1" name=""/>
-        <p:cNvGrpSpPr/>
-        <p:nvPr/>
-      </p:nvGrpSpPr>
-      <p:grpSpPr>
-        <a:xfrm>
-          <a:off x="0" y="0"/>
-          <a:ext cx="0" cy="0"/>
-          <a:chOff x="0" y="0"/>
-          <a:chExt cx="0" cy="0"/>
-        </a:xfrm>
-      </p:grpSpPr>
-      <p:sp>
-        <p:nvSpPr>
-          <p:cNvPr id="12" name="TextBox 11">
-            <a:extLst>
-              <a:ext uri="{FF2B5EF4-FFF2-40B4-BE49-F238E27FC236}">
-                <a16:creationId xmlns:a16="http://schemas.microsoft.com/office/drawing/2014/main" id="{863D304B-D644-4461-892E-B156F306187D}"/>
-              </a:ext>
-            </a:extLst>
-          </p:cNvPr>
-          <p:cNvSpPr txBox="1"/>
-          <p:nvPr/>
-        </p:nvSpPr>
-        <p:spPr>
-          <a:xfrm>
-            <a:off x="776204" y="2185922"/>
-            <a:ext cx="7656163" cy="400110"/>
-          </a:xfrm>
-          <a:prstGeom prst="rect">
-            <a:avLst/>
-          </a:prstGeom>
-          <a:solidFill>
-            <a:schemeClr val="bg1">
-              <a:lumMod val="95000"/>
-            </a:schemeClr>
-          </a:solidFill>
-        </p:spPr>
-        <p:txBody>
-          <a:bodyPr wrap="square" rtlCol="0">
-            <a:spAutoFit/>
-          </a:bodyPr>
-          <a:lstStyle/>
-          <a:p>
-            <a:r>
-              <a:rPr lang="en-US" sz="2000" dirty="0" err="1">
-                <a:latin typeface="Courier New" panose="02070309020205020404" pitchFamily="49" charset="0"/>
-                <a:cs typeface="Courier New" panose="02070309020205020404" pitchFamily="49" charset="0"/>
-              </a:rPr>
-              <a:t>myimage</a:t>
-            </a:r>
-            <a:r>
-              <a:rPr lang="en-US" sz="2000" dirty="0">
-                <a:latin typeface="Courier New" panose="02070309020205020404" pitchFamily="49" charset="0"/>
-                <a:cs typeface="Courier New" panose="02070309020205020404" pitchFamily="49" charset="0"/>
-              </a:rPr>
-              <a:t> </a:t>
-            </a:r>
-            <a:r>
-              <a:rPr lang="en-US" sz="2000" dirty="0">
-                <a:solidFill>
-                  <a:srgbClr val="9933FF"/>
-                </a:solidFill>
-                <a:latin typeface="Courier New" panose="02070309020205020404" pitchFamily="49" charset="0"/>
-                <a:cs typeface="Courier New" panose="02070309020205020404" pitchFamily="49" charset="0"/>
-              </a:rPr>
-              <a:t>=</a:t>
-            </a:r>
-            <a:r>
-              <a:rPr lang="en-US" sz="2000" dirty="0">
-                <a:latin typeface="Courier New" panose="02070309020205020404" pitchFamily="49" charset="0"/>
-                <a:cs typeface="Courier New" panose="02070309020205020404" pitchFamily="49" charset="0"/>
-              </a:rPr>
-              <a:t> </a:t>
-            </a:r>
-            <a:r>
-              <a:rPr lang="en-US" sz="2000" dirty="0" err="1">
-                <a:latin typeface="Courier New" panose="02070309020205020404" pitchFamily="49" charset="0"/>
-                <a:cs typeface="Courier New" panose="02070309020205020404" pitchFamily="49" charset="0"/>
-              </a:rPr>
-              <a:t>preprocess_input</a:t>
-            </a:r>
-            <a:r>
-              <a:rPr lang="en-US" sz="2000" dirty="0">
-                <a:latin typeface="Courier New" panose="02070309020205020404" pitchFamily="49" charset="0"/>
-                <a:cs typeface="Courier New" panose="02070309020205020404" pitchFamily="49" charset="0"/>
-              </a:rPr>
-              <a:t>(</a:t>
-            </a:r>
-            <a:r>
-              <a:rPr lang="en-US" sz="2000" dirty="0" err="1">
-                <a:latin typeface="Courier New" panose="02070309020205020404" pitchFamily="49" charset="0"/>
-                <a:cs typeface="Courier New" panose="02070309020205020404" pitchFamily="49" charset="0"/>
-              </a:rPr>
-              <a:t>myimage</a:t>
-            </a:r>
-            <a:r>
-              <a:rPr lang="en-US" sz="2000" dirty="0">
-                <a:latin typeface="Courier New" panose="02070309020205020404" pitchFamily="49" charset="0"/>
-                <a:cs typeface="Courier New" panose="02070309020205020404" pitchFamily="49" charset="0"/>
-              </a:rPr>
-              <a:t>)</a:t>
-            </a:r>
-          </a:p>
-        </p:txBody>
-      </p:sp>
-      <p:sp>
-        <p:nvSpPr>
-          <p:cNvPr id="13" name="TextBox 12">
-            <a:extLst>
-              <a:ext uri="{FF2B5EF4-FFF2-40B4-BE49-F238E27FC236}">
-                <a16:creationId xmlns:a16="http://schemas.microsoft.com/office/drawing/2014/main" id="{AB262122-18AD-4BE5-84D0-E8970887218F}"/>
-              </a:ext>
-            </a:extLst>
-          </p:cNvPr>
-          <p:cNvSpPr txBox="1"/>
-          <p:nvPr/>
-        </p:nvSpPr>
-        <p:spPr>
-          <a:xfrm>
-            <a:off x="776204" y="4599380"/>
-            <a:ext cx="7656163" cy="400110"/>
-          </a:xfrm>
-          <a:prstGeom prst="rect">
-            <a:avLst/>
-          </a:prstGeom>
-          <a:solidFill>
-            <a:schemeClr val="bg1">
-              <a:lumMod val="95000"/>
-            </a:schemeClr>
-          </a:solidFill>
-        </p:spPr>
-        <p:txBody>
-          <a:bodyPr wrap="square" rtlCol="0">
-            <a:spAutoFit/>
-          </a:bodyPr>
-          <a:lstStyle/>
-          <a:p>
-            <a:r>
-              <a:rPr lang="en-US" sz="2000" dirty="0" err="1">
-                <a:latin typeface="Courier New" panose="02070309020205020404" pitchFamily="49" charset="0"/>
-                <a:cs typeface="Courier New" panose="02070309020205020404" pitchFamily="49" charset="0"/>
-              </a:rPr>
-              <a:t>myresult</a:t>
-            </a:r>
-            <a:r>
-              <a:rPr lang="en-US" sz="2000" dirty="0">
-                <a:latin typeface="Courier New" panose="02070309020205020404" pitchFamily="49" charset="0"/>
-                <a:cs typeface="Courier New" panose="02070309020205020404" pitchFamily="49" charset="0"/>
-              </a:rPr>
-              <a:t> </a:t>
-            </a:r>
-            <a:r>
-              <a:rPr lang="en-US" sz="2000" dirty="0">
-                <a:solidFill>
-                  <a:srgbClr val="9933FF"/>
-                </a:solidFill>
-                <a:latin typeface="Courier New" panose="02070309020205020404" pitchFamily="49" charset="0"/>
-                <a:cs typeface="Courier New" panose="02070309020205020404" pitchFamily="49" charset="0"/>
-              </a:rPr>
-              <a:t>=</a:t>
-            </a:r>
-            <a:r>
-              <a:rPr lang="en-US" sz="2000" dirty="0">
-                <a:latin typeface="Courier New" panose="02070309020205020404" pitchFamily="49" charset="0"/>
-                <a:cs typeface="Courier New" panose="02070309020205020404" pitchFamily="49" charset="0"/>
-              </a:rPr>
-              <a:t> </a:t>
-            </a:r>
-            <a:r>
-              <a:rPr lang="en-US" sz="2000" dirty="0" err="1">
-                <a:latin typeface="Courier New" panose="02070309020205020404" pitchFamily="49" charset="0"/>
-                <a:cs typeface="Courier New" panose="02070309020205020404" pitchFamily="49" charset="0"/>
-              </a:rPr>
-              <a:t>mymodel.</a:t>
-            </a:r>
-            <a:r>
-              <a:rPr lang="en-US" sz="2000" dirty="0" err="1">
-                <a:solidFill>
-                  <a:schemeClr val="accent5">
-                    <a:lumMod val="75000"/>
-                  </a:schemeClr>
-                </a:solidFill>
-                <a:latin typeface="Courier New" panose="02070309020205020404" pitchFamily="49" charset="0"/>
-                <a:cs typeface="Courier New" panose="02070309020205020404" pitchFamily="49" charset="0"/>
-              </a:rPr>
-              <a:t>predict</a:t>
-            </a:r>
-            <a:r>
-              <a:rPr lang="en-US" sz="2000" dirty="0">
-                <a:latin typeface="Courier New" panose="02070309020205020404" pitchFamily="49" charset="0"/>
-                <a:cs typeface="Courier New" panose="02070309020205020404" pitchFamily="49" charset="0"/>
-              </a:rPr>
-              <a:t>(</a:t>
-            </a:r>
-            <a:r>
-              <a:rPr lang="en-US" sz="2000" dirty="0" err="1">
-                <a:latin typeface="Courier New" panose="02070309020205020404" pitchFamily="49" charset="0"/>
-                <a:cs typeface="Courier New" panose="02070309020205020404" pitchFamily="49" charset="0"/>
-              </a:rPr>
-              <a:t>myimage</a:t>
-            </a:r>
-            <a:r>
-              <a:rPr lang="en-US" sz="2000" dirty="0">
-                <a:latin typeface="Courier New" panose="02070309020205020404" pitchFamily="49" charset="0"/>
-                <a:cs typeface="Courier New" panose="02070309020205020404" pitchFamily="49" charset="0"/>
-              </a:rPr>
-              <a:t>)</a:t>
-            </a:r>
-          </a:p>
-        </p:txBody>
-      </p:sp>
-      <p:sp>
-        <p:nvSpPr>
-          <p:cNvPr id="14" name="TextBox 13">
-            <a:extLst>
-              <a:ext uri="{FF2B5EF4-FFF2-40B4-BE49-F238E27FC236}">
-                <a16:creationId xmlns:a16="http://schemas.microsoft.com/office/drawing/2014/main" id="{A1C4AF91-99A1-4B61-B81E-6E0F493B1A4C}"/>
-              </a:ext>
-            </a:extLst>
-          </p:cNvPr>
-          <p:cNvSpPr txBox="1"/>
-          <p:nvPr/>
-        </p:nvSpPr>
-        <p:spPr>
-          <a:xfrm>
-            <a:off x="776204" y="3392651"/>
-            <a:ext cx="10577596" cy="400110"/>
-          </a:xfrm>
-          <a:prstGeom prst="rect">
-            <a:avLst/>
-          </a:prstGeom>
-          <a:solidFill>
-            <a:schemeClr val="bg1">
-              <a:lumMod val="95000"/>
-            </a:schemeClr>
-          </a:solidFill>
-        </p:spPr>
-        <p:txBody>
-          <a:bodyPr wrap="square" rtlCol="0">
-            <a:spAutoFit/>
-          </a:bodyPr>
-          <a:lstStyle/>
-          <a:p>
-            <a:r>
-              <a:rPr lang="en-US" sz="2000" dirty="0" err="1">
-                <a:latin typeface="Courier New" panose="02070309020205020404" pitchFamily="49" charset="0"/>
-                <a:cs typeface="Courier New" panose="02070309020205020404" pitchFamily="49" charset="0"/>
-              </a:rPr>
-              <a:t>myimage</a:t>
-            </a:r>
-            <a:r>
-              <a:rPr lang="en-US" sz="2000" dirty="0">
-                <a:latin typeface="Courier New" panose="02070309020205020404" pitchFamily="49" charset="0"/>
-                <a:cs typeface="Courier New" panose="02070309020205020404" pitchFamily="49" charset="0"/>
-              </a:rPr>
-              <a:t> </a:t>
-            </a:r>
-            <a:r>
-              <a:rPr lang="en-US" sz="2000" dirty="0">
-                <a:solidFill>
-                  <a:srgbClr val="9933FF"/>
-                </a:solidFill>
-                <a:latin typeface="Courier New" panose="02070309020205020404" pitchFamily="49" charset="0"/>
-                <a:cs typeface="Courier New" panose="02070309020205020404" pitchFamily="49" charset="0"/>
-              </a:rPr>
-              <a:t>= </a:t>
-            </a:r>
-            <a:r>
-              <a:rPr lang="en-US" sz="2000" dirty="0" err="1">
-                <a:latin typeface="Courier New" panose="02070309020205020404" pitchFamily="49" charset="0"/>
-                <a:cs typeface="Courier New" panose="02070309020205020404" pitchFamily="49" charset="0"/>
-              </a:rPr>
-              <a:t>load_image</a:t>
-            </a:r>
-            <a:r>
-              <a:rPr lang="en-US" sz="2000" dirty="0">
-                <a:latin typeface="Courier New" panose="02070309020205020404" pitchFamily="49" charset="0"/>
-                <a:cs typeface="Courier New" panose="02070309020205020404" pitchFamily="49" charset="0"/>
-              </a:rPr>
-              <a:t>(</a:t>
-            </a:r>
-            <a:r>
-              <a:rPr lang="en-US" sz="2000" dirty="0">
-                <a:solidFill>
-                  <a:srgbClr val="C00000"/>
-                </a:solidFill>
-                <a:latin typeface="Courier New" panose="02070309020205020404" pitchFamily="49" charset="0"/>
-                <a:cs typeface="Courier New" panose="02070309020205020404" pitchFamily="49" charset="0"/>
-              </a:rPr>
-              <a:t>’images/pizza.jpg’</a:t>
-            </a:r>
-            <a:r>
-              <a:rPr lang="en-US" sz="2000" dirty="0">
-                <a:latin typeface="Courier New" panose="02070309020205020404" pitchFamily="49" charset="0"/>
-                <a:cs typeface="Courier New" panose="02070309020205020404" pitchFamily="49" charset="0"/>
-              </a:rPr>
-              <a:t>, </a:t>
-            </a:r>
-            <a:r>
-              <a:rPr lang="en-US" sz="2000" dirty="0" err="1">
-                <a:latin typeface="Courier New" panose="02070309020205020404" pitchFamily="49" charset="0"/>
-                <a:cs typeface="Courier New" panose="02070309020205020404" pitchFamily="49" charset="0"/>
-              </a:rPr>
-              <a:t>target_size</a:t>
-            </a:r>
-            <a:r>
-              <a:rPr lang="en-US" sz="2000" dirty="0">
-                <a:latin typeface="Courier New" panose="02070309020205020404" pitchFamily="49" charset="0"/>
-                <a:cs typeface="Courier New" panose="02070309020205020404" pitchFamily="49" charset="0"/>
-              </a:rPr>
-              <a:t> </a:t>
-            </a:r>
-            <a:r>
-              <a:rPr lang="en-US" sz="2000" dirty="0">
-                <a:solidFill>
-                  <a:srgbClr val="9933FF"/>
-                </a:solidFill>
-                <a:latin typeface="Courier New" panose="02070309020205020404" pitchFamily="49" charset="0"/>
-                <a:cs typeface="Courier New" panose="02070309020205020404" pitchFamily="49" charset="0"/>
-              </a:rPr>
-              <a:t>=</a:t>
-            </a:r>
-            <a:r>
-              <a:rPr lang="en-US" sz="2000" dirty="0">
-                <a:latin typeface="Courier New" panose="02070309020205020404" pitchFamily="49" charset="0"/>
-                <a:cs typeface="Courier New" panose="02070309020205020404" pitchFamily="49" charset="0"/>
-              </a:rPr>
-              <a:t> </a:t>
-            </a:r>
-            <a:r>
-              <a:rPr lang="en-US" sz="2000" dirty="0">
-                <a:solidFill>
-                  <a:schemeClr val="accent6">
-                    <a:lumMod val="75000"/>
-                  </a:schemeClr>
-                </a:solidFill>
-                <a:latin typeface="Courier New" panose="02070309020205020404" pitchFamily="49" charset="0"/>
-                <a:cs typeface="Courier New" panose="02070309020205020404" pitchFamily="49" charset="0"/>
-              </a:rPr>
-              <a:t>224</a:t>
-            </a:r>
-            <a:r>
-              <a:rPr lang="en-US" sz="2000" dirty="0">
-                <a:latin typeface="Courier New" panose="02070309020205020404" pitchFamily="49" charset="0"/>
-                <a:cs typeface="Courier New" panose="02070309020205020404" pitchFamily="49" charset="0"/>
-              </a:rPr>
-              <a:t>)</a:t>
-            </a:r>
-          </a:p>
-        </p:txBody>
-      </p:sp>
-    </p:spTree>
-    <p:extLst>
-      <p:ext uri="{BB962C8B-B14F-4D97-AF65-F5344CB8AC3E}">
-        <p14:creationId xmlns:p14="http://schemas.microsoft.com/office/powerpoint/2010/main" val="4244442612"/>
-      </p:ext>
-    </p:extLst>
-  </p:cSld>
-  <p:clrMapOvr>
-    <a:masterClrMapping/>
-  </p:clrMapOvr>
-  <mc:AlternateContent xmlns:mc="http://schemas.openxmlformats.org/markup-compatibility/2006" xmlns:p14="http://schemas.microsoft.com/office/powerpoint/2010/main">
-    <mc:Choice Requires="p14">
-      <p:transition spd="med" p14:dur="700">
-        <p:fade/>
-      </p:transition>
-    </mc:Choice>
-    <mc:Fallback xmlns="">
-      <p:transition spd="med">
-        <p:fade/>
-      </p:transition>
-    </mc:Fallback>
-  </mc:AlternateContent>
-</p:sld>
-</file>
-
-<file path=ppt/slides/slide5.xml><?xml version="1.0" encoding="utf-8"?>
-<p:sld xmlns:a="http://schemas.openxmlformats.org/drawingml/2006/main" xmlns:r="http://schemas.openxmlformats.org/officeDocument/2006/relationships" xmlns:p="http://schemas.openxmlformats.org/presentationml/2006/main">
-  <p:cSld>
-    <p:spTree>
-      <p:nvGrpSpPr>
-        <p:cNvPr id="1" name=""/>
-        <p:cNvGrpSpPr/>
-        <p:nvPr/>
-      </p:nvGrpSpPr>
-      <p:grpSpPr>
-        <a:xfrm>
-          <a:off x="0" y="0"/>
-          <a:ext cx="0" cy="0"/>
-          <a:chOff x="0" y="0"/>
-          <a:chExt cx="0" cy="0"/>
-        </a:xfrm>
-      </p:grpSpPr>
-      <p:pic>
-        <p:nvPicPr>
           <p:cNvPr id="4" name="Picture 2" descr="Pin on movies">
             <a:extLst>
               <a:ext uri="{FF2B5EF4-FFF2-40B4-BE49-F238E27FC236}">
@@ -6851,7 +7605,7 @@
 </p:sld>
 </file>
 
-<file path=ppt/slides/slide6.xml><?xml version="1.0" encoding="utf-8"?>
+<file path=ppt/slides/slide13.xml><?xml version="1.0" encoding="utf-8"?>
 <p:sld xmlns:a="http://schemas.openxmlformats.org/drawingml/2006/main" xmlns:r="http://schemas.openxmlformats.org/officeDocument/2006/relationships" xmlns:p="http://schemas.openxmlformats.org/presentationml/2006/main">
   <p:cSld>
     <p:spTree>
@@ -6926,28 +7680,26 @@
           </a:bodyPr>
           <a:lstStyle/>
           <a:p>
-            <a:pPr algn="ctr"/>
             <a:r>
               <a:rPr lang="en-US" b="0" i="0" dirty="0">
                 <a:solidFill>
                   <a:srgbClr val="000000"/>
                 </a:solidFill>
                 <a:effectLst/>
-                <a:latin typeface="Courier New" panose="02070309020205020404" pitchFamily="49" charset="0"/>
+                <a:latin typeface="Consolas" panose="020B0609020204030204" pitchFamily="49" charset="0"/>
                 <a:cs typeface="Courier New" panose="02070309020205020404" pitchFamily="49" charset="0"/>
               </a:rPr>
               <a:t>Specification</a:t>
             </a:r>
           </a:p>
           <a:p>
-            <a:pPr algn="ctr"/>
             <a:r>
               <a:rPr lang="en-US" b="0" i="0" dirty="0">
                 <a:solidFill>
                   <a:srgbClr val="000000"/>
                 </a:solidFill>
                 <a:effectLst/>
-                <a:latin typeface="Courier New" panose="02070309020205020404" pitchFamily="49" charset="0"/>
+                <a:latin typeface="Consolas" panose="020B0609020204030204" pitchFamily="49" charset="0"/>
                 <a:cs typeface="Courier New" panose="02070309020205020404" pitchFamily="49" charset="0"/>
               </a:rPr>
               <a:t>The multiply() function takes two arguments (arg_1, arg_2), multiplies them, and returns the result.</a:t>
@@ -7202,7 +7954,7 @@
 </p:sld>
 </file>
 
-<file path=ppt/slides/slide7.xml><?xml version="1.0" encoding="utf-8"?>
+<file path=ppt/slides/slide14.xml><?xml version="1.0" encoding="utf-8"?>
 <p:sld xmlns:a="http://schemas.openxmlformats.org/drawingml/2006/main" xmlns:r="http://schemas.openxmlformats.org/officeDocument/2006/relationships" xmlns:p="http://schemas.openxmlformats.org/presentationml/2006/main">
   <p:cSld>
     <p:spTree>
@@ -7221,10 +7973,10 @@
       </p:grpSpPr>
       <p:pic>
         <p:nvPicPr>
-          <p:cNvPr id="7" name="Picture 6">
+          <p:cNvPr id="3" name="Picture 2">
             <a:extLst>
               <a:ext uri="{FF2B5EF4-FFF2-40B4-BE49-F238E27FC236}">
-                <a16:creationId xmlns:a16="http://schemas.microsoft.com/office/drawing/2014/main" id="{E23DD45F-9610-4FC9-B305-4AB7395CC69C}"/>
+                <a16:creationId xmlns:a16="http://schemas.microsoft.com/office/drawing/2014/main" id="{88CC7D4C-7D31-4E3C-92F7-200A7C7F587F}"/>
               </a:ext>
             </a:extLst>
           </p:cNvPr>
@@ -7241,8 +7993,8 @@
         </p:blipFill>
         <p:spPr>
           <a:xfrm>
-            <a:off x="2712170" y="1553703"/>
-            <a:ext cx="6767660" cy="1669942"/>
+            <a:off x="0" y="365760"/>
+            <a:ext cx="3233668" cy="805144"/>
           </a:xfrm>
           <a:prstGeom prst="rect">
             <a:avLst/>
@@ -7251,62 +8003,10 @@
       </p:pic>
       <p:sp>
         <p:nvSpPr>
-          <p:cNvPr id="8" name="Oval 7">
+          <p:cNvPr id="4" name="TextBox 3">
             <a:extLst>
               <a:ext uri="{FF2B5EF4-FFF2-40B4-BE49-F238E27FC236}">
-                <a16:creationId xmlns:a16="http://schemas.microsoft.com/office/drawing/2014/main" id="{85827F63-CBEA-4D1E-85C2-18A83F06342C}"/>
-              </a:ext>
-            </a:extLst>
-          </p:cNvPr>
-          <p:cNvSpPr/>
-          <p:nvPr/>
-        </p:nvSpPr>
-        <p:spPr>
-          <a:xfrm>
-            <a:off x="5362414" y="1815235"/>
-            <a:ext cx="1022888" cy="586999"/>
-          </a:xfrm>
-          <a:prstGeom prst="ellipse">
-            <a:avLst/>
-          </a:prstGeom>
-          <a:noFill/>
-          <a:ln>
-            <a:solidFill>
-              <a:srgbClr val="DE3500"/>
-            </a:solidFill>
-          </a:ln>
-        </p:spPr>
-        <p:style>
-          <a:lnRef idx="2">
-            <a:schemeClr val="accent1">
-              <a:shade val="50000"/>
-            </a:schemeClr>
-          </a:lnRef>
-          <a:fillRef idx="1">
-            <a:schemeClr val="accent1"/>
-          </a:fillRef>
-          <a:effectRef idx="0">
-            <a:schemeClr val="accent1"/>
-          </a:effectRef>
-          <a:fontRef idx="minor">
-            <a:schemeClr val="lt1"/>
-          </a:fontRef>
-        </p:style>
-        <p:txBody>
-          <a:bodyPr rtlCol="0" anchor="ctr"/>
-          <a:lstStyle/>
-          <a:p>
-            <a:pPr algn="ctr"/>
-            <a:endParaRPr lang="en-US"/>
-          </a:p>
-        </p:txBody>
-      </p:sp>
-      <p:sp>
-        <p:nvSpPr>
-          <p:cNvPr id="9" name="TextBox 8">
-            <a:extLst>
-              <a:ext uri="{FF2B5EF4-FFF2-40B4-BE49-F238E27FC236}">
-                <a16:creationId xmlns:a16="http://schemas.microsoft.com/office/drawing/2014/main" id="{D97973C6-2896-4047-B606-D057A5CCAB65}"/>
+                <a16:creationId xmlns:a16="http://schemas.microsoft.com/office/drawing/2014/main" id="{E5B866A1-DCAF-4E6B-BCCB-0CE14529234E}"/>
               </a:ext>
             </a:extLst>
           </p:cNvPr>
@@ -7315,8 +8015,8 @@
         </p:nvSpPr>
         <p:spPr>
           <a:xfrm>
-            <a:off x="5362414" y="961272"/>
-            <a:ext cx="3570208" cy="400110"/>
+            <a:off x="0" y="3291840"/>
+            <a:ext cx="12192000" cy="1200329"/>
           </a:xfrm>
           <a:prstGeom prst="rect">
             <a:avLst/>
@@ -7324,101 +8024,47 @@
           <a:noFill/>
         </p:spPr>
         <p:txBody>
-          <a:bodyPr wrap="none" rtlCol="0">
+          <a:bodyPr wrap="square" rtlCol="0">
             <a:spAutoFit/>
           </a:bodyPr>
           <a:lstStyle/>
           <a:p>
-            <a:r>
-              <a:rPr lang="en-US" sz="2000" dirty="0">
-                <a:solidFill>
-                  <a:srgbClr val="C00000"/>
-                </a:solidFill>
-                <a:latin typeface="Courier New" panose="02070309020205020404" pitchFamily="49" charset="0"/>
-                <a:cs typeface="Courier New" panose="02070309020205020404" pitchFamily="49" charset="0"/>
-              </a:rPr>
-              <a:t>Arguments / Parameters</a:t>
-            </a:r>
-          </a:p>
-        </p:txBody>
-      </p:sp>
-      <p:cxnSp>
-        <p:nvCxnSpPr>
-          <p:cNvPr id="11" name="Straight Connector 10">
-            <a:extLst>
-              <a:ext uri="{FF2B5EF4-FFF2-40B4-BE49-F238E27FC236}">
-                <a16:creationId xmlns:a16="http://schemas.microsoft.com/office/drawing/2014/main" id="{D1B4DB3B-A748-4C2F-A52A-04451D08862F}"/>
-              </a:ext>
-            </a:extLst>
-          </p:cNvPr>
-          <p:cNvCxnSpPr>
-            <a:stCxn id="8" idx="0"/>
-          </p:cNvCxnSpPr>
-          <p:nvPr/>
-        </p:nvCxnSpPr>
-        <p:spPr>
-          <a:xfrm flipV="1">
-            <a:off x="5873858" y="1422937"/>
-            <a:ext cx="222142" cy="392298"/>
-          </a:xfrm>
-          <a:prstGeom prst="line">
-            <a:avLst/>
-          </a:prstGeom>
-          <a:ln>
-            <a:solidFill>
-              <a:srgbClr val="DE3500"/>
-            </a:solidFill>
-          </a:ln>
-        </p:spPr>
-        <p:style>
-          <a:lnRef idx="1">
-            <a:schemeClr val="accent1"/>
-          </a:lnRef>
-          <a:fillRef idx="0">
-            <a:schemeClr val="accent1"/>
-          </a:fillRef>
-          <a:effectRef idx="0">
-            <a:schemeClr val="accent1"/>
-          </a:effectRef>
-          <a:fontRef idx="minor">
-            <a:schemeClr val="tx1"/>
-          </a:fontRef>
-        </p:style>
-      </p:cxnSp>
-      <p:pic>
-        <p:nvPicPr>
-          <p:cNvPr id="13" name="Picture 12">
-            <a:extLst>
-              <a:ext uri="{FF2B5EF4-FFF2-40B4-BE49-F238E27FC236}">
-                <a16:creationId xmlns:a16="http://schemas.microsoft.com/office/drawing/2014/main" id="{E3F1B9F6-2E01-47EC-9DFE-ABE03F098CFB}"/>
-              </a:ext>
-            </a:extLst>
-          </p:cNvPr>
-          <p:cNvPicPr>
-            <a:picLocks noChangeAspect="1"/>
-          </p:cNvPicPr>
-          <p:nvPr/>
-        </p:nvPicPr>
-        <p:blipFill>
-          <a:blip r:embed="rId4"/>
-          <a:stretch>
-            <a:fillRect/>
-          </a:stretch>
-        </p:blipFill>
-        <p:spPr>
-          <a:xfrm>
-            <a:off x="2712170" y="3667530"/>
-            <a:ext cx="6767660" cy="2541567"/>
-          </a:xfrm>
-          <a:prstGeom prst="rect">
-            <a:avLst/>
-          </a:prstGeom>
-        </p:spPr>
-      </p:pic>
+            <a:pPr algn="ctr"/>
+            <a:r>
+              <a:rPr lang="en-US" sz="3600" dirty="0">
+                <a:solidFill>
+                  <a:schemeClr val="tx1">
+                    <a:lumMod val="65000"/>
+                    <a:lumOff val="35000"/>
+                  </a:schemeClr>
+                </a:solidFill>
+                <a:latin typeface="Palatino Linotype" panose="02040502050505030304" pitchFamily="18" charset="0"/>
+              </a:rPr>
+              <a:t>Functions</a:t>
+            </a:r>
+          </a:p>
+          <a:p>
+            <a:pPr algn="ctr"/>
+            <a:r>
+              <a:rPr lang="en-US" sz="3600" dirty="0">
+                <a:solidFill>
+                  <a:schemeClr val="tx1">
+                    <a:lumMod val="65000"/>
+                    <a:lumOff val="35000"/>
+                  </a:schemeClr>
+                </a:solidFill>
+                <a:latin typeface="Palatino Linotype" panose="02040502050505030304" pitchFamily="18" charset="0"/>
+              </a:rPr>
+              <a:t>03.3_functions.ipynb</a:t>
+            </a:r>
+            <a:endParaRPr lang="en-US" sz="3600" dirty="0"/>
+          </a:p>
+        </p:txBody>
+      </p:sp>
     </p:spTree>
     <p:extLst>
       <p:ext uri="{BB962C8B-B14F-4D97-AF65-F5344CB8AC3E}">
-        <p14:creationId xmlns:p14="http://schemas.microsoft.com/office/powerpoint/2010/main" val="1235081902"/>
+        <p14:creationId xmlns:p14="http://schemas.microsoft.com/office/powerpoint/2010/main" val="2261991877"/>
       </p:ext>
     </p:extLst>
   </p:cSld>
@@ -7440,7 +8086,7 @@
 </p:sld>
 </file>
 
-<file path=ppt/slides/slide8.xml><?xml version="1.0" encoding="utf-8"?>
+<file path=ppt/slides/slide15.xml><?xml version="1.0" encoding="utf-8"?>
 <p:sld xmlns:a="http://schemas.openxmlformats.org/drawingml/2006/main" xmlns:r="http://schemas.openxmlformats.org/officeDocument/2006/relationships" xmlns:p="http://schemas.openxmlformats.org/presentationml/2006/main">
   <p:cSld>
     <p:spTree>
@@ -7459,10 +8105,10 @@
       </p:grpSpPr>
       <p:sp>
         <p:nvSpPr>
-          <p:cNvPr id="10" name="Title 3">
+          <p:cNvPr id="2" name="Title 1">
             <a:extLst>
               <a:ext uri="{FF2B5EF4-FFF2-40B4-BE49-F238E27FC236}">
-                <a16:creationId xmlns:a16="http://schemas.microsoft.com/office/drawing/2014/main" id="{0B9179B9-24F9-486B-8D20-29B0A09C9FAD}"/>
+                <a16:creationId xmlns:a16="http://schemas.microsoft.com/office/drawing/2014/main" id="{A2BE2215-911C-92F7-589B-2174816E3CD8}"/>
               </a:ext>
             </a:extLst>
           </p:cNvPr>
@@ -7473,67 +8119,54 @@
             <p:ph type="title"/>
           </p:nvPr>
         </p:nvSpPr>
-        <p:spPr>
-          <a:xfrm>
-            <a:off x="0" y="2766218"/>
-            <a:ext cx="12192000" cy="1325563"/>
-          </a:xfrm>
-        </p:spPr>
+        <p:spPr/>
         <p:txBody>
           <a:bodyPr/>
           <a:lstStyle/>
           <a:p>
-            <a:pPr algn="ctr"/>
-            <a:r>
-              <a:rPr lang="en-US" sz="4400" dirty="0">
-                <a:solidFill>
-                  <a:schemeClr val="tx1">
-                    <a:lumMod val="75000"/>
-                    <a:lumOff val="25000"/>
-                  </a:schemeClr>
-                </a:solidFill>
-                <a:latin typeface="Palatino Linotype" panose="02040502050505030304" pitchFamily="18" charset="0"/>
-              </a:rPr>
-              <a:t>Call by Position or Keyword?</a:t>
-            </a:r>
-            <a:endParaRPr lang="en-US" dirty="0">
-              <a:solidFill>
-                <a:schemeClr val="tx1">
-                  <a:lumMod val="75000"/>
-                  <a:lumOff val="25000"/>
-                </a:schemeClr>
-              </a:solidFill>
-              <a:latin typeface="Palatino Linotype" panose="02040502050505030304" pitchFamily="18" charset="0"/>
-            </a:endParaRPr>
+            <a:endParaRPr lang="en-US"/>
+          </a:p>
+        </p:txBody>
+      </p:sp>
+      <p:sp>
+        <p:nvSpPr>
+          <p:cNvPr id="3" name="Content Placeholder 2">
+            <a:extLst>
+              <a:ext uri="{FF2B5EF4-FFF2-40B4-BE49-F238E27FC236}">
+                <a16:creationId xmlns:a16="http://schemas.microsoft.com/office/drawing/2014/main" id="{9D168106-D854-8DEE-8072-FE9B9FDFF73A}"/>
+              </a:ext>
+            </a:extLst>
+          </p:cNvPr>
+          <p:cNvSpPr>
+            <a:spLocks noGrp="1"/>
+          </p:cNvSpPr>
+          <p:nvPr>
+            <p:ph idx="1"/>
+          </p:nvPr>
+        </p:nvSpPr>
+        <p:spPr/>
+        <p:txBody>
+          <a:bodyPr/>
+          <a:lstStyle/>
+          <a:p>
+            <a:endParaRPr lang="en-US"/>
           </a:p>
         </p:txBody>
       </p:sp>
     </p:spTree>
     <p:extLst>
       <p:ext uri="{BB962C8B-B14F-4D97-AF65-F5344CB8AC3E}">
-        <p14:creationId xmlns:p14="http://schemas.microsoft.com/office/powerpoint/2010/main" val="1986634862"/>
+        <p14:creationId xmlns:p14="http://schemas.microsoft.com/office/powerpoint/2010/main" val="2230124425"/>
       </p:ext>
     </p:extLst>
   </p:cSld>
   <p:clrMapOvr>
     <a:masterClrMapping/>
   </p:clrMapOvr>
-  <mc:AlternateContent xmlns:mc="http://schemas.openxmlformats.org/markup-compatibility/2006" xmlns:p14="http://schemas.microsoft.com/office/powerpoint/2010/main">
-    <mc:Choice Requires="p14">
-      <p:transition spd="med" p14:dur="700">
-        <p:fade/>
-      </p:transition>
-    </mc:Choice>
-    <mc:Fallback xmlns="">
-      <p:transition spd="med">
-        <p:fade/>
-      </p:transition>
-    </mc:Fallback>
-  </mc:AlternateContent>
 </p:sld>
 </file>
 
-<file path=ppt/slides/slide9.xml><?xml version="1.0" encoding="utf-8"?>
+<file path=ppt/slides/slide16.xml><?xml version="1.0" encoding="utf-8"?>
 <p:sld xmlns:a="http://schemas.openxmlformats.org/drawingml/2006/main" xmlns:r="http://schemas.openxmlformats.org/officeDocument/2006/relationships" xmlns:p="http://schemas.openxmlformats.org/presentationml/2006/main">
   <p:cSld>
     <p:spTree>
@@ -7722,6 +8355,2987 @@
       </p:transition>
     </mc:Fallback>
   </mc:AlternateContent>
+</p:sld>
+</file>
+
+<file path=ppt/slides/slide17.xml><?xml version="1.0" encoding="utf-8"?>
+<p:sld xmlns:a="http://schemas.openxmlformats.org/drawingml/2006/main" xmlns:r="http://schemas.openxmlformats.org/officeDocument/2006/relationships" xmlns:p="http://schemas.openxmlformats.org/presentationml/2006/main">
+  <p:cSld>
+    <p:spTree>
+      <p:nvGrpSpPr>
+        <p:cNvPr id="1" name=""/>
+        <p:cNvGrpSpPr/>
+        <p:nvPr/>
+      </p:nvGrpSpPr>
+      <p:grpSpPr>
+        <a:xfrm>
+          <a:off x="0" y="0"/>
+          <a:ext cx="0" cy="0"/>
+          <a:chOff x="0" y="0"/>
+          <a:chExt cx="0" cy="0"/>
+        </a:xfrm>
+      </p:grpSpPr>
+      <p:pic>
+        <p:nvPicPr>
+          <p:cNvPr id="1028" name="Picture 4" descr="Intro to Object-oriented Programming in Python | by Winston Robson | Future  Vision | Medium">
+            <a:extLst>
+              <a:ext uri="{FF2B5EF4-FFF2-40B4-BE49-F238E27FC236}">
+                <a16:creationId xmlns:a16="http://schemas.microsoft.com/office/drawing/2014/main" id="{0E581978-E189-47AE-BE3E-3E0FDA945542}"/>
+              </a:ext>
+            </a:extLst>
+          </p:cNvPr>
+          <p:cNvPicPr>
+            <a:picLocks noChangeAspect="1" noChangeArrowheads="1"/>
+          </p:cNvPicPr>
+          <p:nvPr/>
+        </p:nvPicPr>
+        <p:blipFill>
+          <a:blip r:embed="rId3">
+            <a:extLst>
+              <a:ext uri="{28A0092B-C50C-407E-A947-70E740481C1C}">
+                <a14:useLocalDpi xmlns:a14="http://schemas.microsoft.com/office/drawing/2010/main" val="0"/>
+              </a:ext>
+            </a:extLst>
+          </a:blip>
+          <a:srcRect/>
+          <a:stretch>
+            <a:fillRect/>
+          </a:stretch>
+        </p:blipFill>
+        <p:spPr bwMode="auto">
+          <a:xfrm>
+            <a:off x="2238375" y="1285875"/>
+            <a:ext cx="7715250" cy="4286250"/>
+          </a:xfrm>
+          <a:prstGeom prst="rect">
+            <a:avLst/>
+          </a:prstGeom>
+          <a:noFill/>
+          <a:extLst>
+            <a:ext uri="{909E8E84-426E-40DD-AFC4-6F175D3DCCD1}">
+              <a14:hiddenFill xmlns:a14="http://schemas.microsoft.com/office/drawing/2010/main">
+                <a:solidFill>
+                  <a:srgbClr val="FFFFFF"/>
+                </a:solidFill>
+              </a14:hiddenFill>
+            </a:ext>
+          </a:extLst>
+        </p:spPr>
+      </p:pic>
+      <p:sp>
+        <p:nvSpPr>
+          <p:cNvPr id="5" name="TextBox 4">
+            <a:extLst>
+              <a:ext uri="{FF2B5EF4-FFF2-40B4-BE49-F238E27FC236}">
+                <a16:creationId xmlns:a16="http://schemas.microsoft.com/office/drawing/2014/main" id="{7BAC4704-52EC-434B-B6DD-AB10E80FF802}"/>
+              </a:ext>
+            </a:extLst>
+          </p:cNvPr>
+          <p:cNvSpPr txBox="1"/>
+          <p:nvPr/>
+        </p:nvSpPr>
+        <p:spPr>
+          <a:xfrm>
+            <a:off x="0" y="6550223"/>
+            <a:ext cx="12192000" cy="307777"/>
+          </a:xfrm>
+          <a:prstGeom prst="rect">
+            <a:avLst/>
+          </a:prstGeom>
+          <a:noFill/>
+        </p:spPr>
+        <p:txBody>
+          <a:bodyPr wrap="square" rtlCol="0">
+            <a:spAutoFit/>
+          </a:bodyPr>
+          <a:lstStyle/>
+          <a:p>
+            <a:pPr>
+              <a:defRPr/>
+            </a:pPr>
+            <a:r>
+              <a:rPr lang="en-US" sz="1400" dirty="0">
+                <a:solidFill>
+                  <a:schemeClr val="tx1">
+                    <a:lumMod val="65000"/>
+                    <a:lumOff val="35000"/>
+                  </a:schemeClr>
+                </a:solidFill>
+                <a:latin typeface="+mj-lt"/>
+                <a:ea typeface="Verdana" panose="020B0604030504040204" pitchFamily="34" charset="0"/>
+              </a:rPr>
+              <a:t>Image Credit: https://medium.com/future-vision/intro-to-oop-with-python-39ba63967e45</a:t>
+            </a:r>
+            <a:endParaRPr lang="en-US" sz="1400" dirty="0">
+              <a:solidFill>
+                <a:schemeClr val="tx1">
+                  <a:lumMod val="65000"/>
+                  <a:lumOff val="35000"/>
+                </a:schemeClr>
+              </a:solidFill>
+              <a:latin typeface="+mj-lt"/>
+            </a:endParaRPr>
+          </a:p>
+        </p:txBody>
+      </p:sp>
+    </p:spTree>
+    <p:extLst>
+      <p:ext uri="{BB962C8B-B14F-4D97-AF65-F5344CB8AC3E}">
+        <p14:creationId xmlns:p14="http://schemas.microsoft.com/office/powerpoint/2010/main" val="4107282774"/>
+      </p:ext>
+    </p:extLst>
+  </p:cSld>
+  <p:clrMapOvr>
+    <a:masterClrMapping/>
+  </p:clrMapOvr>
+  <mc:AlternateContent xmlns:mc="http://schemas.openxmlformats.org/markup-compatibility/2006" xmlns:p14="http://schemas.microsoft.com/office/powerpoint/2010/main">
+    <mc:Choice Requires="p14">
+      <p:transition spd="med" p14:dur="700">
+        <p:fade/>
+      </p:transition>
+    </mc:Choice>
+    <mc:Fallback xmlns="">
+      <p:transition spd="med">
+        <p:fade/>
+      </p:transition>
+    </mc:Fallback>
+  </mc:AlternateContent>
+</p:sld>
+</file>
+
+<file path=ppt/slides/slide18.xml><?xml version="1.0" encoding="utf-8"?>
+<p:sld xmlns:a="http://schemas.openxmlformats.org/drawingml/2006/main" xmlns:r="http://schemas.openxmlformats.org/officeDocument/2006/relationships" xmlns:p="http://schemas.openxmlformats.org/presentationml/2006/main">
+  <p:cSld>
+    <p:spTree>
+      <p:nvGrpSpPr>
+        <p:cNvPr id="1" name=""/>
+        <p:cNvGrpSpPr/>
+        <p:nvPr/>
+      </p:nvGrpSpPr>
+      <p:grpSpPr>
+        <a:xfrm>
+          <a:off x="0" y="0"/>
+          <a:ext cx="0" cy="0"/>
+          <a:chOff x="0" y="0"/>
+          <a:chExt cx="0" cy="0"/>
+        </a:xfrm>
+      </p:grpSpPr>
+      <p:pic>
+        <p:nvPicPr>
+          <p:cNvPr id="2" name="Picture 2" descr="PHP Inheritance">
+            <a:extLst>
+              <a:ext uri="{FF2B5EF4-FFF2-40B4-BE49-F238E27FC236}">
+                <a16:creationId xmlns:a16="http://schemas.microsoft.com/office/drawing/2014/main" id="{649F761A-70D7-4C19-9F67-E2010F6EB312}"/>
+              </a:ext>
+            </a:extLst>
+          </p:cNvPr>
+          <p:cNvPicPr>
+            <a:picLocks noChangeAspect="1" noChangeArrowheads="1"/>
+          </p:cNvPicPr>
+          <p:nvPr/>
+        </p:nvPicPr>
+        <p:blipFill>
+          <a:blip r:embed="rId3">
+            <a:extLst>
+              <a:ext uri="{28A0092B-C50C-407E-A947-70E740481C1C}">
+                <a14:useLocalDpi xmlns:a14="http://schemas.microsoft.com/office/drawing/2010/main" val="0"/>
+              </a:ext>
+            </a:extLst>
+          </a:blip>
+          <a:srcRect/>
+          <a:stretch>
+            <a:fillRect/>
+          </a:stretch>
+        </p:blipFill>
+        <p:spPr bwMode="auto">
+          <a:xfrm>
+            <a:off x="3381375" y="1257300"/>
+            <a:ext cx="5429250" cy="4343400"/>
+          </a:xfrm>
+          <a:prstGeom prst="rect">
+            <a:avLst/>
+          </a:prstGeom>
+          <a:noFill/>
+          <a:extLst>
+            <a:ext uri="{909E8E84-426E-40DD-AFC4-6F175D3DCCD1}">
+              <a14:hiddenFill xmlns:a14="http://schemas.microsoft.com/office/drawing/2010/main">
+                <a:solidFill>
+                  <a:srgbClr val="FFFFFF"/>
+                </a:solidFill>
+              </a14:hiddenFill>
+            </a:ext>
+          </a:extLst>
+        </p:spPr>
+      </p:pic>
+      <p:sp>
+        <p:nvSpPr>
+          <p:cNvPr id="4" name="TextBox 3">
+            <a:extLst>
+              <a:ext uri="{FF2B5EF4-FFF2-40B4-BE49-F238E27FC236}">
+                <a16:creationId xmlns:a16="http://schemas.microsoft.com/office/drawing/2014/main" id="{C0C1E8D7-CD38-44CA-9725-1DBF57DB487C}"/>
+              </a:ext>
+            </a:extLst>
+          </p:cNvPr>
+          <p:cNvSpPr txBox="1"/>
+          <p:nvPr/>
+        </p:nvSpPr>
+        <p:spPr>
+          <a:xfrm>
+            <a:off x="0" y="6550223"/>
+            <a:ext cx="12192000" cy="307777"/>
+          </a:xfrm>
+          <a:prstGeom prst="rect">
+            <a:avLst/>
+          </a:prstGeom>
+          <a:noFill/>
+        </p:spPr>
+        <p:txBody>
+          <a:bodyPr wrap="square" rtlCol="0">
+            <a:spAutoFit/>
+          </a:bodyPr>
+          <a:lstStyle/>
+          <a:p>
+            <a:pPr>
+              <a:defRPr/>
+            </a:pPr>
+            <a:r>
+              <a:rPr lang="en-US" sz="1400" dirty="0">
+                <a:solidFill>
+                  <a:schemeClr val="tx1">
+                    <a:lumMod val="65000"/>
+                    <a:lumOff val="35000"/>
+                  </a:schemeClr>
+                </a:solidFill>
+                <a:latin typeface="+mj-lt"/>
+                <a:ea typeface="Verdana" panose="020B0604030504040204" pitchFamily="34" charset="0"/>
+              </a:rPr>
+              <a:t>Image Credit: https://tutorials.supunkavinda.blog/php/oop-inheritance</a:t>
+            </a:r>
+            <a:endParaRPr lang="en-US" sz="1400" dirty="0">
+              <a:solidFill>
+                <a:schemeClr val="tx1">
+                  <a:lumMod val="65000"/>
+                  <a:lumOff val="35000"/>
+                </a:schemeClr>
+              </a:solidFill>
+              <a:latin typeface="+mj-lt"/>
+            </a:endParaRPr>
+          </a:p>
+        </p:txBody>
+      </p:sp>
+    </p:spTree>
+    <p:extLst>
+      <p:ext uri="{BB962C8B-B14F-4D97-AF65-F5344CB8AC3E}">
+        <p14:creationId xmlns:p14="http://schemas.microsoft.com/office/powerpoint/2010/main" val="4104442645"/>
+      </p:ext>
+    </p:extLst>
+  </p:cSld>
+  <p:clrMapOvr>
+    <a:masterClrMapping/>
+  </p:clrMapOvr>
+  <mc:AlternateContent xmlns:mc="http://schemas.openxmlformats.org/markup-compatibility/2006" xmlns:p14="http://schemas.microsoft.com/office/powerpoint/2010/main">
+    <mc:Choice Requires="p14">
+      <p:transition spd="med" p14:dur="700">
+        <p:fade/>
+      </p:transition>
+    </mc:Choice>
+    <mc:Fallback xmlns="">
+      <p:transition spd="med">
+        <p:fade/>
+      </p:transition>
+    </mc:Fallback>
+  </mc:AlternateContent>
+</p:sld>
+</file>
+
+<file path=ppt/slides/slide2.xml><?xml version="1.0" encoding="utf-8"?>
+<p:sld xmlns:a="http://schemas.openxmlformats.org/drawingml/2006/main" xmlns:r="http://schemas.openxmlformats.org/officeDocument/2006/relationships" xmlns:p="http://schemas.openxmlformats.org/presentationml/2006/main">
+  <p:cSld>
+    <p:spTree>
+      <p:nvGrpSpPr>
+        <p:cNvPr id="1" name=""/>
+        <p:cNvGrpSpPr/>
+        <p:nvPr/>
+      </p:nvGrpSpPr>
+      <p:grpSpPr>
+        <a:xfrm>
+          <a:off x="0" y="0"/>
+          <a:ext cx="0" cy="0"/>
+          <a:chOff x="0" y="0"/>
+          <a:chExt cx="0" cy="0"/>
+        </a:xfrm>
+      </p:grpSpPr>
+      <p:sp>
+        <p:nvSpPr>
+          <p:cNvPr id="7" name="Content Placeholder 2">
+            <a:extLst>
+              <a:ext uri="{FF2B5EF4-FFF2-40B4-BE49-F238E27FC236}">
+                <a16:creationId xmlns:a16="http://schemas.microsoft.com/office/drawing/2014/main" id="{13B67958-0DE1-4F81-B236-36CEA9F133C4}"/>
+              </a:ext>
+            </a:extLst>
+          </p:cNvPr>
+          <p:cNvSpPr>
+            <a:spLocks noGrp="1"/>
+          </p:cNvSpPr>
+          <p:nvPr>
+            <p:ph idx="1"/>
+          </p:nvPr>
+        </p:nvSpPr>
+        <p:spPr>
+          <a:xfrm>
+            <a:off x="838200" y="1253331"/>
+            <a:ext cx="10515600" cy="4351338"/>
+          </a:xfrm>
+        </p:spPr>
+        <p:txBody>
+          <a:bodyPr/>
+          <a:lstStyle/>
+          <a:p>
+            <a:pPr marL="0" indent="0">
+              <a:buNone/>
+            </a:pPr>
+            <a:r>
+              <a:rPr lang="en-US" dirty="0"/>
+              <a:t>“You can think of a function as a small program inside a program.  The basic idea of a function is that we write a sequence of statements and give that sequence a name. The instructions can then be executed at any point in the program by referring to the function name…  </a:t>
+            </a:r>
+          </a:p>
+          <a:p>
+            <a:pPr marL="0" indent="0">
+              <a:buNone/>
+            </a:pPr>
+            <a:endParaRPr lang="en-US" dirty="0"/>
+          </a:p>
+          <a:p>
+            <a:pPr marL="0" indent="0">
+              <a:buNone/>
+            </a:pPr>
+            <a:r>
+              <a:rPr lang="en-US" dirty="0"/>
+              <a:t>When a function is subsequently used in a program, we say that the definition is </a:t>
+            </a:r>
+            <a:r>
+              <a:rPr lang="en-US" i="1" dirty="0">
+                <a:solidFill>
+                  <a:schemeClr val="accent5">
+                    <a:lumMod val="50000"/>
+                  </a:schemeClr>
+                </a:solidFill>
+              </a:rPr>
+              <a:t>called</a:t>
+            </a:r>
+            <a:r>
+              <a:rPr lang="en-US" dirty="0">
+                <a:solidFill>
+                  <a:schemeClr val="accent5">
+                    <a:lumMod val="50000"/>
+                  </a:schemeClr>
+                </a:solidFill>
+              </a:rPr>
+              <a:t> </a:t>
+            </a:r>
+            <a:r>
+              <a:rPr lang="en-US" dirty="0"/>
+              <a:t>or </a:t>
+            </a:r>
+            <a:r>
+              <a:rPr lang="en-US" i="1" dirty="0">
+                <a:solidFill>
+                  <a:schemeClr val="accent5">
+                    <a:lumMod val="50000"/>
+                  </a:schemeClr>
+                </a:solidFill>
+              </a:rPr>
+              <a:t>invoked</a:t>
+            </a:r>
+            <a:r>
+              <a:rPr lang="en-US" dirty="0"/>
+              <a:t>.”</a:t>
+            </a:r>
+          </a:p>
+          <a:p>
+            <a:pPr marL="0" indent="0">
+              <a:buNone/>
+            </a:pPr>
+            <a:endParaRPr lang="en-US" dirty="0"/>
+          </a:p>
+          <a:p>
+            <a:pPr marL="0" indent="0">
+              <a:buNone/>
+            </a:pPr>
+            <a:r>
+              <a:rPr lang="en-US" dirty="0"/>
+              <a:t>John Zelle</a:t>
+            </a:r>
+          </a:p>
+          <a:p>
+            <a:pPr marL="0" indent="0">
+              <a:buNone/>
+            </a:pPr>
+            <a:endParaRPr lang="en-US" dirty="0"/>
+          </a:p>
+        </p:txBody>
+      </p:sp>
+    </p:spTree>
+    <p:extLst>
+      <p:ext uri="{BB962C8B-B14F-4D97-AF65-F5344CB8AC3E}">
+        <p14:creationId xmlns:p14="http://schemas.microsoft.com/office/powerpoint/2010/main" val="86349095"/>
+      </p:ext>
+    </p:extLst>
+  </p:cSld>
+  <p:clrMapOvr>
+    <a:masterClrMapping/>
+  </p:clrMapOvr>
+  <mc:AlternateContent xmlns:mc="http://schemas.openxmlformats.org/markup-compatibility/2006" xmlns:p14="http://schemas.microsoft.com/office/powerpoint/2010/main">
+    <mc:Choice Requires="p14">
+      <p:transition spd="med" p14:dur="700">
+        <p:fade/>
+      </p:transition>
+    </mc:Choice>
+    <mc:Fallback xmlns="">
+      <p:transition spd="med">
+        <p:fade/>
+      </p:transition>
+    </mc:Fallback>
+  </mc:AlternateContent>
+</p:sld>
+</file>
+
+<file path=ppt/slides/slide3.xml><?xml version="1.0" encoding="utf-8"?>
+<p:sld xmlns:a="http://schemas.openxmlformats.org/drawingml/2006/main" xmlns:r="http://schemas.openxmlformats.org/officeDocument/2006/relationships" xmlns:p="http://schemas.openxmlformats.org/presentationml/2006/main">
+  <p:cSld>
+    <p:spTree>
+      <p:nvGrpSpPr>
+        <p:cNvPr id="1" name=""/>
+        <p:cNvGrpSpPr/>
+        <p:nvPr/>
+      </p:nvGrpSpPr>
+      <p:grpSpPr>
+        <a:xfrm>
+          <a:off x="0" y="0"/>
+          <a:ext cx="0" cy="0"/>
+          <a:chOff x="0" y="0"/>
+          <a:chExt cx="0" cy="0"/>
+        </a:xfrm>
+      </p:grpSpPr>
+      <p:sp>
+        <p:nvSpPr>
+          <p:cNvPr id="8" name="TextBox 7">
+            <a:extLst>
+              <a:ext uri="{FF2B5EF4-FFF2-40B4-BE49-F238E27FC236}">
+                <a16:creationId xmlns:a16="http://schemas.microsoft.com/office/drawing/2014/main" id="{8AA53311-E9AB-8000-76B7-B5294CE0B931}"/>
+              </a:ext>
+            </a:extLst>
+          </p:cNvPr>
+          <p:cNvSpPr txBox="1"/>
+          <p:nvPr/>
+        </p:nvSpPr>
+        <p:spPr>
+          <a:xfrm>
+            <a:off x="960120" y="578094"/>
+            <a:ext cx="10430256" cy="523220"/>
+          </a:xfrm>
+          <a:prstGeom prst="rect">
+            <a:avLst/>
+          </a:prstGeom>
+          <a:noFill/>
+        </p:spPr>
+        <p:txBody>
+          <a:bodyPr wrap="square">
+            <a:spAutoFit/>
+          </a:bodyPr>
+          <a:lstStyle/>
+          <a:p>
+            <a:r>
+              <a:rPr lang="en-US" sz="2800" dirty="0">
+                <a:solidFill>
+                  <a:schemeClr val="tx1">
+                    <a:lumMod val="75000"/>
+                    <a:lumOff val="25000"/>
+                  </a:schemeClr>
+                </a:solidFill>
+                <a:latin typeface="Futura Medium"/>
+                <a:cs typeface="Arial" panose="020B0604020202020204" pitchFamily="34" charset="0"/>
+              </a:rPr>
+              <a:t>A function is a self-contained block of code…</a:t>
+            </a:r>
+            <a:endParaRPr lang="en-US" sz="2800" dirty="0">
+              <a:solidFill>
+                <a:schemeClr val="tx1">
+                  <a:lumMod val="75000"/>
+                  <a:lumOff val="25000"/>
+                </a:schemeClr>
+              </a:solidFill>
+              <a:latin typeface="Futura Medium"/>
+            </a:endParaRPr>
+          </a:p>
+        </p:txBody>
+      </p:sp>
+      <p:sp>
+        <p:nvSpPr>
+          <p:cNvPr id="9" name="TextBox 8">
+            <a:extLst>
+              <a:ext uri="{FF2B5EF4-FFF2-40B4-BE49-F238E27FC236}">
+                <a16:creationId xmlns:a16="http://schemas.microsoft.com/office/drawing/2014/main" id="{C270A992-CE55-054B-99DC-02F2DA39CA5A}"/>
+              </a:ext>
+            </a:extLst>
+          </p:cNvPr>
+          <p:cNvSpPr txBox="1"/>
+          <p:nvPr/>
+        </p:nvSpPr>
+        <p:spPr>
+          <a:xfrm>
+            <a:off x="984504" y="1628187"/>
+            <a:ext cx="10430256" cy="523220"/>
+          </a:xfrm>
+          <a:prstGeom prst="rect">
+            <a:avLst/>
+          </a:prstGeom>
+          <a:noFill/>
+        </p:spPr>
+        <p:txBody>
+          <a:bodyPr wrap="square">
+            <a:spAutoFit/>
+          </a:bodyPr>
+          <a:lstStyle/>
+          <a:p>
+            <a:pPr marL="457200" indent="-457200">
+              <a:buFont typeface="Courier New" panose="02070309020205020404" pitchFamily="49" charset="0"/>
+              <a:buChar char="o"/>
+            </a:pPr>
+            <a:r>
+              <a:rPr lang="en-US" sz="2800" dirty="0">
+                <a:cs typeface="Futura Medium" panose="020B0602020204020303"/>
+              </a:rPr>
+              <a:t>It </a:t>
+            </a:r>
+            <a:r>
+              <a:rPr lang="en-US" sz="2800" u="sng" dirty="0">
+                <a:solidFill>
+                  <a:srgbClr val="0033CC"/>
+                </a:solidFill>
+                <a:cs typeface="Futura Medium" panose="020B0602020204020303"/>
+              </a:rPr>
+              <a:t>may</a:t>
+            </a:r>
+            <a:r>
+              <a:rPr lang="en-US" sz="2800" dirty="0">
+                <a:cs typeface="Futura Medium" panose="020B0602020204020303"/>
+              </a:rPr>
+              <a:t> accept inputs (</a:t>
+            </a:r>
+            <a:r>
+              <a:rPr lang="en-US" sz="2800" dirty="0">
+                <a:solidFill>
+                  <a:srgbClr val="64B57A"/>
+                </a:solidFill>
+                <a:cs typeface="Futura Medium" panose="020B0602020204020303"/>
+              </a:rPr>
+              <a:t>parameters</a:t>
+            </a:r>
+            <a:r>
+              <a:rPr lang="en-US" sz="2800" dirty="0">
+                <a:cs typeface="Futura Medium" panose="020B0602020204020303"/>
+              </a:rPr>
+              <a:t>)</a:t>
+            </a:r>
+          </a:p>
+        </p:txBody>
+      </p:sp>
+      <p:sp>
+        <p:nvSpPr>
+          <p:cNvPr id="10" name="TextBox 9">
+            <a:extLst>
+              <a:ext uri="{FF2B5EF4-FFF2-40B4-BE49-F238E27FC236}">
+                <a16:creationId xmlns:a16="http://schemas.microsoft.com/office/drawing/2014/main" id="{473ED75A-AADF-8C9B-144A-12689D6B1C23}"/>
+              </a:ext>
+            </a:extLst>
+          </p:cNvPr>
+          <p:cNvSpPr txBox="1"/>
+          <p:nvPr/>
+        </p:nvSpPr>
+        <p:spPr>
+          <a:xfrm>
+            <a:off x="960120" y="2286254"/>
+            <a:ext cx="10430256" cy="954107"/>
+          </a:xfrm>
+          <a:prstGeom prst="rect">
+            <a:avLst/>
+          </a:prstGeom>
+          <a:noFill/>
+        </p:spPr>
+        <p:txBody>
+          <a:bodyPr wrap="square">
+            <a:spAutoFit/>
+          </a:bodyPr>
+          <a:lstStyle/>
+          <a:p>
+            <a:pPr marL="457200" indent="-457200">
+              <a:buFont typeface="Courier New" panose="02070309020205020404" pitchFamily="49" charset="0"/>
+              <a:buChar char="o"/>
+            </a:pPr>
+            <a:r>
+              <a:rPr lang="en-US" sz="2800" dirty="0">
+                <a:cs typeface="Futura Medium" panose="020B0602020204020303"/>
+              </a:rPr>
+              <a:t>It will output (return) one or more results</a:t>
+            </a:r>
+          </a:p>
+          <a:p>
+            <a:pPr lvl="1"/>
+            <a:r>
+              <a:rPr lang="en-US" sz="2800" dirty="0">
+                <a:cs typeface="Futura Medium" panose="020B0602020204020303"/>
+              </a:rPr>
+              <a:t>the result may be nothing! (</a:t>
+            </a:r>
+            <a:r>
+              <a:rPr lang="en-US" sz="2800" dirty="0">
+                <a:solidFill>
+                  <a:srgbClr val="5EBB78"/>
+                </a:solidFill>
+                <a:cs typeface="Futura Medium" panose="020B0602020204020303"/>
+              </a:rPr>
+              <a:t>None</a:t>
+            </a:r>
+            <a:r>
+              <a:rPr lang="en-US" sz="2800" dirty="0">
+                <a:cs typeface="Futura Medium" panose="020B0602020204020303"/>
+              </a:rPr>
+              <a:t>)</a:t>
+            </a:r>
+          </a:p>
+        </p:txBody>
+      </p:sp>
+      <p:sp>
+        <p:nvSpPr>
+          <p:cNvPr id="12" name="TextBox 11">
+            <a:extLst>
+              <a:ext uri="{FF2B5EF4-FFF2-40B4-BE49-F238E27FC236}">
+                <a16:creationId xmlns:a16="http://schemas.microsoft.com/office/drawing/2014/main" id="{2FA010EF-DCA7-B328-7CA5-28511B08763F}"/>
+              </a:ext>
+            </a:extLst>
+          </p:cNvPr>
+          <p:cNvSpPr txBox="1"/>
+          <p:nvPr/>
+        </p:nvSpPr>
+        <p:spPr>
+          <a:xfrm>
+            <a:off x="984504" y="3371165"/>
+            <a:ext cx="10430256" cy="523220"/>
+          </a:xfrm>
+          <a:prstGeom prst="rect">
+            <a:avLst/>
+          </a:prstGeom>
+          <a:noFill/>
+        </p:spPr>
+        <p:txBody>
+          <a:bodyPr wrap="square">
+            <a:spAutoFit/>
+          </a:bodyPr>
+          <a:lstStyle/>
+          <a:p>
+            <a:pPr marL="457200" indent="-457200">
+              <a:buFont typeface="Courier New" panose="02070309020205020404" pitchFamily="49" charset="0"/>
+              <a:buChar char="o"/>
+            </a:pPr>
+            <a:r>
+              <a:rPr lang="en-US" sz="2800" dirty="0">
+                <a:cs typeface="Futura Medium" panose="020B0602020204020303"/>
+              </a:rPr>
+              <a:t>Can contain any statements found in a normal program</a:t>
+            </a:r>
+          </a:p>
+        </p:txBody>
+      </p:sp>
+      <p:sp>
+        <p:nvSpPr>
+          <p:cNvPr id="13" name="TextBox 12">
+            <a:extLst>
+              <a:ext uri="{FF2B5EF4-FFF2-40B4-BE49-F238E27FC236}">
+                <a16:creationId xmlns:a16="http://schemas.microsoft.com/office/drawing/2014/main" id="{51940D94-B91C-D364-73BD-09F36FF3D30C}"/>
+              </a:ext>
+            </a:extLst>
+          </p:cNvPr>
+          <p:cNvSpPr txBox="1"/>
+          <p:nvPr/>
+        </p:nvSpPr>
+        <p:spPr>
+          <a:xfrm>
+            <a:off x="984504" y="4025190"/>
+            <a:ext cx="10430256" cy="1384995"/>
+          </a:xfrm>
+          <a:prstGeom prst="rect">
+            <a:avLst/>
+          </a:prstGeom>
+          <a:noFill/>
+        </p:spPr>
+        <p:txBody>
+          <a:bodyPr wrap="square">
+            <a:spAutoFit/>
+          </a:bodyPr>
+          <a:lstStyle/>
+          <a:p>
+            <a:pPr marL="285750" indent="-285750">
+              <a:buFont typeface="Courier New" panose="02070309020205020404" pitchFamily="49" charset="0"/>
+              <a:buChar char="o"/>
+            </a:pPr>
+            <a:r>
+              <a:rPr lang="en-US" sz="2800" dirty="0">
+                <a:cs typeface="Futura Medium" panose="020B0602020204020303"/>
+              </a:rPr>
+              <a:t>We've already encountered functions</a:t>
+            </a:r>
+          </a:p>
+          <a:p>
+            <a:pPr lvl="1"/>
+            <a:r>
+              <a:rPr lang="en-US" sz="2800" dirty="0">
+                <a:cs typeface="Futura Medium" panose="020B0602020204020303"/>
+              </a:rPr>
+              <a:t>e.g. </a:t>
+            </a:r>
+            <a:r>
+              <a:rPr lang="en-US" sz="2800" dirty="0">
+                <a:solidFill>
+                  <a:srgbClr val="5EBB78"/>
+                </a:solidFill>
+                <a:cs typeface="Futura Medium" panose="020B0602020204020303"/>
+              </a:rPr>
+              <a:t>set</a:t>
+            </a:r>
+            <a:r>
+              <a:rPr lang="en-US" sz="2800" dirty="0">
+                <a:cs typeface="Futura Medium" panose="020B0602020204020303"/>
+              </a:rPr>
+              <a:t>(), </a:t>
+            </a:r>
+            <a:r>
+              <a:rPr lang="en-US" sz="2800" dirty="0">
+                <a:solidFill>
+                  <a:srgbClr val="5EBB78"/>
+                </a:solidFill>
+                <a:cs typeface="Futura Medium" panose="020B0602020204020303"/>
+              </a:rPr>
+              <a:t>list</a:t>
+            </a:r>
+            <a:r>
+              <a:rPr lang="en-US" sz="2800" dirty="0">
+                <a:cs typeface="Futura Medium" panose="020B0602020204020303"/>
+              </a:rPr>
+              <a:t>(), </a:t>
+            </a:r>
+            <a:r>
+              <a:rPr lang="en-US" sz="2800" dirty="0">
+                <a:solidFill>
+                  <a:srgbClr val="5EBB78"/>
+                </a:solidFill>
+                <a:cs typeface="Futura Medium" panose="020B0602020204020303"/>
+              </a:rPr>
+              <a:t>range</a:t>
+            </a:r>
+            <a:r>
+              <a:rPr lang="en-US" sz="2800" dirty="0">
+                <a:cs typeface="Futura Medium" panose="020B0602020204020303"/>
+              </a:rPr>
+              <a:t>(), many more – these are "</a:t>
+            </a:r>
+            <a:r>
+              <a:rPr lang="en-US" sz="2800" dirty="0">
+                <a:solidFill>
+                  <a:srgbClr val="5EBB78"/>
+                </a:solidFill>
+                <a:cs typeface="Futura Medium" panose="020B0602020204020303"/>
+              </a:rPr>
+              <a:t>built-in functions</a:t>
+            </a:r>
+            <a:r>
+              <a:rPr lang="en-US" sz="2800" dirty="0">
+                <a:cs typeface="Futura Medium" panose="020B0602020204020303"/>
+              </a:rPr>
+              <a:t>"</a:t>
+            </a:r>
+          </a:p>
+          <a:p>
+            <a:pPr lvl="1"/>
+            <a:r>
+              <a:rPr lang="en-US" sz="2800" dirty="0">
+                <a:cs typeface="Futura Medium" panose="020B0602020204020303"/>
+              </a:rPr>
+              <a:t>Functions we write ourselves are "</a:t>
+            </a:r>
+            <a:r>
+              <a:rPr lang="en-US" sz="2800" dirty="0">
+                <a:solidFill>
+                  <a:srgbClr val="5EBB78"/>
+                </a:solidFill>
+                <a:cs typeface="Futura Medium" panose="020B0602020204020303"/>
+              </a:rPr>
+              <a:t>user-defined</a:t>
+            </a:r>
+            <a:r>
+              <a:rPr lang="en-US" sz="2800" dirty="0">
+                <a:cs typeface="Futura Medium" panose="020B0602020204020303"/>
+              </a:rPr>
+              <a:t>" functions</a:t>
+            </a:r>
+          </a:p>
+        </p:txBody>
+      </p:sp>
+      <p:sp>
+        <p:nvSpPr>
+          <p:cNvPr id="14" name="TextBox 13">
+            <a:extLst>
+              <a:ext uri="{FF2B5EF4-FFF2-40B4-BE49-F238E27FC236}">
+                <a16:creationId xmlns:a16="http://schemas.microsoft.com/office/drawing/2014/main" id="{423BF31C-6E6C-05FE-4924-033E316C16E6}"/>
+              </a:ext>
+            </a:extLst>
+          </p:cNvPr>
+          <p:cNvSpPr txBox="1"/>
+          <p:nvPr/>
+        </p:nvSpPr>
+        <p:spPr>
+          <a:xfrm>
+            <a:off x="0" y="6550223"/>
+            <a:ext cx="12192000" cy="307777"/>
+          </a:xfrm>
+          <a:prstGeom prst="rect">
+            <a:avLst/>
+          </a:prstGeom>
+          <a:noFill/>
+        </p:spPr>
+        <p:txBody>
+          <a:bodyPr wrap="square" rtlCol="0">
+            <a:spAutoFit/>
+          </a:bodyPr>
+          <a:lstStyle/>
+          <a:p>
+            <a:pPr>
+              <a:defRPr/>
+            </a:pPr>
+            <a:r>
+              <a:rPr lang="en-US" sz="1400" dirty="0">
+                <a:solidFill>
+                  <a:schemeClr val="tx1">
+                    <a:lumMod val="65000"/>
+                    <a:lumOff val="35000"/>
+                  </a:schemeClr>
+                </a:solidFill>
+                <a:latin typeface="+mj-lt"/>
+                <a:ea typeface="Verdana" panose="020B0604030504040204" pitchFamily="34" charset="0"/>
+              </a:rPr>
+              <a:t>Source: Randy Switt – University of Florida (Pythonista)</a:t>
+            </a:r>
+            <a:endParaRPr lang="en-US" sz="1400" dirty="0">
+              <a:solidFill>
+                <a:schemeClr val="tx1">
+                  <a:lumMod val="65000"/>
+                  <a:lumOff val="35000"/>
+                </a:schemeClr>
+              </a:solidFill>
+              <a:latin typeface="+mj-lt"/>
+            </a:endParaRPr>
+          </a:p>
+        </p:txBody>
+      </p:sp>
+    </p:spTree>
+    <p:extLst>
+      <p:ext uri="{BB962C8B-B14F-4D97-AF65-F5344CB8AC3E}">
+        <p14:creationId xmlns:p14="http://schemas.microsoft.com/office/powerpoint/2010/main" val="663104863"/>
+      </p:ext>
+    </p:extLst>
+  </p:cSld>
+  <p:clrMapOvr>
+    <a:masterClrMapping/>
+  </p:clrMapOvr>
+  <p:timing>
+    <p:tnLst>
+      <p:par>
+        <p:cTn id="1" dur="indefinite" restart="never" nodeType="tmRoot">
+          <p:childTnLst>
+            <p:seq concurrent="1" nextAc="seek">
+              <p:cTn id="2" dur="indefinite" nodeType="mainSeq">
+                <p:childTnLst>
+                  <p:par>
+                    <p:cTn id="3" fill="hold">
+                      <p:stCondLst>
+                        <p:cond delay="indefinite"/>
+                      </p:stCondLst>
+                      <p:childTnLst>
+                        <p:par>
+                          <p:cTn id="4" fill="hold">
+                            <p:stCondLst>
+                              <p:cond delay="0"/>
+                            </p:stCondLst>
+                            <p:childTnLst>
+                              <p:par>
+                                <p:cTn id="5" presetID="10" presetClass="entr" presetSubtype="0" fill="hold" grpId="0" nodeType="clickEffect">
+                                  <p:stCondLst>
+                                    <p:cond delay="0"/>
+                                  </p:stCondLst>
+                                  <p:childTnLst>
+                                    <p:set>
+                                      <p:cBhvr>
+                                        <p:cTn id="6" dur="1" fill="hold">
+                                          <p:stCondLst>
+                                            <p:cond delay="0"/>
+                                          </p:stCondLst>
+                                        </p:cTn>
+                                        <p:tgtEl>
+                                          <p:spTgt spid="9"/>
+                                        </p:tgtEl>
+                                        <p:attrNameLst>
+                                          <p:attrName>style.visibility</p:attrName>
+                                        </p:attrNameLst>
+                                      </p:cBhvr>
+                                      <p:to>
+                                        <p:strVal val="visible"/>
+                                      </p:to>
+                                    </p:set>
+                                    <p:animEffect transition="in" filter="fade">
+                                      <p:cBhvr>
+                                        <p:cTn id="7" dur="500"/>
+                                        <p:tgtEl>
+                                          <p:spTgt spid="9"/>
+                                        </p:tgtEl>
+                                      </p:cBhvr>
+                                    </p:animEffect>
+                                  </p:childTnLst>
+                                </p:cTn>
+                              </p:par>
+                            </p:childTnLst>
+                          </p:cTn>
+                        </p:par>
+                      </p:childTnLst>
+                    </p:cTn>
+                  </p:par>
+                  <p:par>
+                    <p:cTn id="8" fill="hold">
+                      <p:stCondLst>
+                        <p:cond delay="indefinite"/>
+                      </p:stCondLst>
+                      <p:childTnLst>
+                        <p:par>
+                          <p:cTn id="9" fill="hold">
+                            <p:stCondLst>
+                              <p:cond delay="0"/>
+                            </p:stCondLst>
+                            <p:childTnLst>
+                              <p:par>
+                                <p:cTn id="10" presetID="10" presetClass="entr" presetSubtype="0" fill="hold" grpId="0" nodeType="clickEffect">
+                                  <p:stCondLst>
+                                    <p:cond delay="0"/>
+                                  </p:stCondLst>
+                                  <p:childTnLst>
+                                    <p:set>
+                                      <p:cBhvr>
+                                        <p:cTn id="11" dur="1" fill="hold">
+                                          <p:stCondLst>
+                                            <p:cond delay="0"/>
+                                          </p:stCondLst>
+                                        </p:cTn>
+                                        <p:tgtEl>
+                                          <p:spTgt spid="10"/>
+                                        </p:tgtEl>
+                                        <p:attrNameLst>
+                                          <p:attrName>style.visibility</p:attrName>
+                                        </p:attrNameLst>
+                                      </p:cBhvr>
+                                      <p:to>
+                                        <p:strVal val="visible"/>
+                                      </p:to>
+                                    </p:set>
+                                    <p:animEffect transition="in" filter="fade">
+                                      <p:cBhvr>
+                                        <p:cTn id="12" dur="500"/>
+                                        <p:tgtEl>
+                                          <p:spTgt spid="10"/>
+                                        </p:tgtEl>
+                                      </p:cBhvr>
+                                    </p:animEffect>
+                                  </p:childTnLst>
+                                </p:cTn>
+                              </p:par>
+                            </p:childTnLst>
+                          </p:cTn>
+                        </p:par>
+                      </p:childTnLst>
+                    </p:cTn>
+                  </p:par>
+                  <p:par>
+                    <p:cTn id="13" fill="hold">
+                      <p:stCondLst>
+                        <p:cond delay="indefinite"/>
+                      </p:stCondLst>
+                      <p:childTnLst>
+                        <p:par>
+                          <p:cTn id="14" fill="hold">
+                            <p:stCondLst>
+                              <p:cond delay="0"/>
+                            </p:stCondLst>
+                            <p:childTnLst>
+                              <p:par>
+                                <p:cTn id="15" presetID="10" presetClass="entr" presetSubtype="0" fill="hold" grpId="0" nodeType="clickEffect">
+                                  <p:stCondLst>
+                                    <p:cond delay="0"/>
+                                  </p:stCondLst>
+                                  <p:childTnLst>
+                                    <p:set>
+                                      <p:cBhvr>
+                                        <p:cTn id="16" dur="1" fill="hold">
+                                          <p:stCondLst>
+                                            <p:cond delay="0"/>
+                                          </p:stCondLst>
+                                        </p:cTn>
+                                        <p:tgtEl>
+                                          <p:spTgt spid="12"/>
+                                        </p:tgtEl>
+                                        <p:attrNameLst>
+                                          <p:attrName>style.visibility</p:attrName>
+                                        </p:attrNameLst>
+                                      </p:cBhvr>
+                                      <p:to>
+                                        <p:strVal val="visible"/>
+                                      </p:to>
+                                    </p:set>
+                                    <p:animEffect transition="in" filter="fade">
+                                      <p:cBhvr>
+                                        <p:cTn id="17" dur="500"/>
+                                        <p:tgtEl>
+                                          <p:spTgt spid="12"/>
+                                        </p:tgtEl>
+                                      </p:cBhvr>
+                                    </p:animEffect>
+                                  </p:childTnLst>
+                                </p:cTn>
+                              </p:par>
+                            </p:childTnLst>
+                          </p:cTn>
+                        </p:par>
+                      </p:childTnLst>
+                    </p:cTn>
+                  </p:par>
+                  <p:par>
+                    <p:cTn id="18" fill="hold">
+                      <p:stCondLst>
+                        <p:cond delay="indefinite"/>
+                      </p:stCondLst>
+                      <p:childTnLst>
+                        <p:par>
+                          <p:cTn id="19" fill="hold">
+                            <p:stCondLst>
+                              <p:cond delay="0"/>
+                            </p:stCondLst>
+                            <p:childTnLst>
+                              <p:par>
+                                <p:cTn id="20" presetID="10" presetClass="entr" presetSubtype="0" fill="hold" grpId="0" nodeType="clickEffect">
+                                  <p:stCondLst>
+                                    <p:cond delay="0"/>
+                                  </p:stCondLst>
+                                  <p:childTnLst>
+                                    <p:set>
+                                      <p:cBhvr>
+                                        <p:cTn id="21" dur="1" fill="hold">
+                                          <p:stCondLst>
+                                            <p:cond delay="0"/>
+                                          </p:stCondLst>
+                                        </p:cTn>
+                                        <p:tgtEl>
+                                          <p:spTgt spid="13"/>
+                                        </p:tgtEl>
+                                        <p:attrNameLst>
+                                          <p:attrName>style.visibility</p:attrName>
+                                        </p:attrNameLst>
+                                      </p:cBhvr>
+                                      <p:to>
+                                        <p:strVal val="visible"/>
+                                      </p:to>
+                                    </p:set>
+                                    <p:animEffect transition="in" filter="fade">
+                                      <p:cBhvr>
+                                        <p:cTn id="22" dur="500"/>
+                                        <p:tgtEl>
+                                          <p:spTgt spid="13"/>
+                                        </p:tgtEl>
+                                      </p:cBhvr>
+                                    </p:animEffect>
+                                  </p:childTnLst>
+                                </p:cTn>
+                              </p:par>
+                            </p:childTnLst>
+                          </p:cTn>
+                        </p:par>
+                      </p:childTnLst>
+                    </p:cTn>
+                  </p:par>
+                </p:childTnLst>
+              </p:cTn>
+              <p:prevCondLst>
+                <p:cond evt="onPrev" delay="0">
+                  <p:tgtEl>
+                    <p:sldTgt/>
+                  </p:tgtEl>
+                </p:cond>
+              </p:prevCondLst>
+              <p:nextCondLst>
+                <p:cond evt="onNext" delay="0">
+                  <p:tgtEl>
+                    <p:sldTgt/>
+                  </p:tgtEl>
+                </p:cond>
+              </p:nextCondLst>
+            </p:seq>
+          </p:childTnLst>
+        </p:cTn>
+      </p:par>
+    </p:tnLst>
+    <p:bldLst>
+      <p:bldP spid="9" grpId="0"/>
+      <p:bldP spid="10" grpId="0"/>
+      <p:bldP spid="12" grpId="0"/>
+      <p:bldP spid="13" grpId="0"/>
+    </p:bldLst>
+  </p:timing>
+</p:sld>
+</file>
+
+<file path=ppt/slides/slide4.xml><?xml version="1.0" encoding="utf-8"?>
+<p:sld xmlns:a="http://schemas.openxmlformats.org/drawingml/2006/main" xmlns:r="http://schemas.openxmlformats.org/officeDocument/2006/relationships" xmlns:p="http://schemas.openxmlformats.org/presentationml/2006/main">
+  <p:cSld>
+    <p:spTree>
+      <p:nvGrpSpPr>
+        <p:cNvPr id="1" name=""/>
+        <p:cNvGrpSpPr/>
+        <p:nvPr/>
+      </p:nvGrpSpPr>
+      <p:grpSpPr>
+        <a:xfrm>
+          <a:off x="0" y="0"/>
+          <a:ext cx="0" cy="0"/>
+          <a:chOff x="0" y="0"/>
+          <a:chExt cx="0" cy="0"/>
+        </a:xfrm>
+      </p:grpSpPr>
+      <p:pic>
+        <p:nvPicPr>
+          <p:cNvPr id="5" name="Picture 4">
+            <a:extLst>
+              <a:ext uri="{FF2B5EF4-FFF2-40B4-BE49-F238E27FC236}">
+                <a16:creationId xmlns:a16="http://schemas.microsoft.com/office/drawing/2014/main" id="{4001A2FB-8C69-E67E-0A00-BF4B7B1FA950}"/>
+              </a:ext>
+            </a:extLst>
+          </p:cNvPr>
+          <p:cNvPicPr>
+            <a:picLocks noChangeAspect="1"/>
+          </p:cNvPicPr>
+          <p:nvPr/>
+        </p:nvPicPr>
+        <p:blipFill>
+          <a:blip r:embed="rId3"/>
+          <a:stretch>
+            <a:fillRect/>
+          </a:stretch>
+        </p:blipFill>
+        <p:spPr>
+          <a:xfrm>
+            <a:off x="2119312" y="1422156"/>
+            <a:ext cx="7953375" cy="4857750"/>
+          </a:xfrm>
+          <a:prstGeom prst="rect">
+            <a:avLst/>
+          </a:prstGeom>
+        </p:spPr>
+      </p:pic>
+      <p:sp>
+        <p:nvSpPr>
+          <p:cNvPr id="6" name="TextBox 5">
+            <a:extLst>
+              <a:ext uri="{FF2B5EF4-FFF2-40B4-BE49-F238E27FC236}">
+                <a16:creationId xmlns:a16="http://schemas.microsoft.com/office/drawing/2014/main" id="{098C5FE6-2435-5793-70E6-C76888EE0554}"/>
+              </a:ext>
+            </a:extLst>
+          </p:cNvPr>
+          <p:cNvSpPr txBox="1"/>
+          <p:nvPr/>
+        </p:nvSpPr>
+        <p:spPr>
+          <a:xfrm>
+            <a:off x="0" y="578094"/>
+            <a:ext cx="12192000" cy="523220"/>
+          </a:xfrm>
+          <a:prstGeom prst="rect">
+            <a:avLst/>
+          </a:prstGeom>
+          <a:noFill/>
+        </p:spPr>
+        <p:txBody>
+          <a:bodyPr wrap="square">
+            <a:spAutoFit/>
+          </a:bodyPr>
+          <a:lstStyle/>
+          <a:p>
+            <a:pPr algn="ctr"/>
+            <a:r>
+              <a:rPr lang="en-US" sz="2800" dirty="0">
+                <a:solidFill>
+                  <a:schemeClr val="tx1">
+                    <a:lumMod val="75000"/>
+                    <a:lumOff val="25000"/>
+                  </a:schemeClr>
+                </a:solidFill>
+                <a:latin typeface="Futura Medium"/>
+                <a:cs typeface="Arial" panose="020B0604020202020204" pitchFamily="34" charset="0"/>
+              </a:rPr>
+              <a:t>Why use Functions?</a:t>
+            </a:r>
+            <a:endParaRPr lang="en-US" sz="2800" dirty="0">
+              <a:solidFill>
+                <a:schemeClr val="tx1">
+                  <a:lumMod val="75000"/>
+                  <a:lumOff val="25000"/>
+                </a:schemeClr>
+              </a:solidFill>
+              <a:latin typeface="Futura Medium"/>
+            </a:endParaRPr>
+          </a:p>
+        </p:txBody>
+      </p:sp>
+      <p:sp>
+        <p:nvSpPr>
+          <p:cNvPr id="7" name="TextBox 6">
+            <a:extLst>
+              <a:ext uri="{FF2B5EF4-FFF2-40B4-BE49-F238E27FC236}">
+                <a16:creationId xmlns:a16="http://schemas.microsoft.com/office/drawing/2014/main" id="{4795CC42-5D5B-FB2F-2043-B63F3789E896}"/>
+              </a:ext>
+            </a:extLst>
+          </p:cNvPr>
+          <p:cNvSpPr txBox="1"/>
+          <p:nvPr/>
+        </p:nvSpPr>
+        <p:spPr>
+          <a:xfrm>
+            <a:off x="0" y="6550223"/>
+            <a:ext cx="12192000" cy="307777"/>
+          </a:xfrm>
+          <a:prstGeom prst="rect">
+            <a:avLst/>
+          </a:prstGeom>
+          <a:noFill/>
+        </p:spPr>
+        <p:txBody>
+          <a:bodyPr wrap="square" rtlCol="0">
+            <a:spAutoFit/>
+          </a:bodyPr>
+          <a:lstStyle/>
+          <a:p>
+            <a:pPr>
+              <a:defRPr/>
+            </a:pPr>
+            <a:r>
+              <a:rPr lang="en-US" sz="1400" dirty="0">
+                <a:solidFill>
+                  <a:schemeClr val="tx1">
+                    <a:lumMod val="65000"/>
+                    <a:lumOff val="35000"/>
+                  </a:schemeClr>
+                </a:solidFill>
+                <a:latin typeface="+mj-lt"/>
+                <a:ea typeface="Verdana" panose="020B0604030504040204" pitchFamily="34" charset="0"/>
+              </a:rPr>
+              <a:t>Source: Randy Switt – University of Florida (Pythonista)</a:t>
+            </a:r>
+            <a:endParaRPr lang="en-US" sz="1400" dirty="0">
+              <a:solidFill>
+                <a:schemeClr val="tx1">
+                  <a:lumMod val="65000"/>
+                  <a:lumOff val="35000"/>
+                </a:schemeClr>
+              </a:solidFill>
+              <a:latin typeface="+mj-lt"/>
+            </a:endParaRPr>
+          </a:p>
+        </p:txBody>
+      </p:sp>
+    </p:spTree>
+    <p:extLst>
+      <p:ext uri="{BB962C8B-B14F-4D97-AF65-F5344CB8AC3E}">
+        <p14:creationId xmlns:p14="http://schemas.microsoft.com/office/powerpoint/2010/main" val="525905896"/>
+      </p:ext>
+    </p:extLst>
+  </p:cSld>
+  <p:clrMapOvr>
+    <a:masterClrMapping/>
+  </p:clrMapOvr>
+  <mc:AlternateContent xmlns:mc="http://schemas.openxmlformats.org/markup-compatibility/2006" xmlns:p14="http://schemas.microsoft.com/office/powerpoint/2010/main">
+    <mc:Choice Requires="p14">
+      <p:transition spd="med" p14:dur="700">
+        <p:fade/>
+      </p:transition>
+    </mc:Choice>
+    <mc:Fallback xmlns="">
+      <p:transition spd="med">
+        <p:fade/>
+      </p:transition>
+    </mc:Fallback>
+  </mc:AlternateContent>
+</p:sld>
+</file>
+
+<file path=ppt/slides/slide5.xml><?xml version="1.0" encoding="utf-8"?>
+<p:sld xmlns:a="http://schemas.openxmlformats.org/drawingml/2006/main" xmlns:r="http://schemas.openxmlformats.org/officeDocument/2006/relationships" xmlns:p="http://schemas.openxmlformats.org/presentationml/2006/main">
+  <p:cSld>
+    <p:spTree>
+      <p:nvGrpSpPr>
+        <p:cNvPr id="1" name=""/>
+        <p:cNvGrpSpPr/>
+        <p:nvPr/>
+      </p:nvGrpSpPr>
+      <p:grpSpPr>
+        <a:xfrm>
+          <a:off x="0" y="0"/>
+          <a:ext cx="0" cy="0"/>
+          <a:chOff x="0" y="0"/>
+          <a:chExt cx="0" cy="0"/>
+        </a:xfrm>
+      </p:grpSpPr>
+      <p:sp>
+        <p:nvSpPr>
+          <p:cNvPr id="5" name="Title 3">
+            <a:extLst>
+              <a:ext uri="{FF2B5EF4-FFF2-40B4-BE49-F238E27FC236}">
+                <a16:creationId xmlns:a16="http://schemas.microsoft.com/office/drawing/2014/main" id="{877E605A-7720-49C5-A32C-BE23908AA888}"/>
+              </a:ext>
+            </a:extLst>
+          </p:cNvPr>
+          <p:cNvSpPr txBox="1">
+            <a:spLocks/>
+          </p:cNvSpPr>
+          <p:nvPr/>
+        </p:nvSpPr>
+        <p:spPr>
+          <a:xfrm>
+            <a:off x="0" y="1720197"/>
+            <a:ext cx="12192000" cy="3417606"/>
+          </a:xfrm>
+          <a:prstGeom prst="rect">
+            <a:avLst/>
+          </a:prstGeom>
+        </p:spPr>
+        <p:txBody>
+          <a:bodyPr vert="horz" lIns="91440" tIns="45720" rIns="91440" bIns="45720" rtlCol="0" anchor="ctr">
+            <a:normAutofit/>
+          </a:bodyPr>
+          <a:lstStyle>
+            <a:lvl1pPr algn="l" defTabSz="914400" rtl="0" eaLnBrk="1" latinLnBrk="0" hangingPunct="1">
+              <a:lnSpc>
+                <a:spcPct val="90000"/>
+              </a:lnSpc>
+              <a:spcBef>
+                <a:spcPct val="0"/>
+              </a:spcBef>
+              <a:buNone/>
+              <a:defRPr sz="4400" kern="1200">
+                <a:solidFill>
+                  <a:schemeClr val="tx1"/>
+                </a:solidFill>
+                <a:latin typeface="+mj-lt"/>
+                <a:ea typeface="+mj-ea"/>
+                <a:cs typeface="+mj-cs"/>
+              </a:defRPr>
+            </a:lvl1pPr>
+          </a:lstStyle>
+          <a:p>
+            <a:pPr algn="ctr"/>
+            <a:r>
+              <a:rPr lang="en-US" dirty="0">
+                <a:solidFill>
+                  <a:srgbClr val="30335E"/>
+                </a:solidFill>
+                <a:latin typeface="Courier New" panose="02070309020205020404" pitchFamily="49" charset="0"/>
+                <a:cs typeface="Courier New" panose="02070309020205020404" pitchFamily="49" charset="0"/>
+              </a:rPr>
+              <a:t>Thou shalt not repeat thyself</a:t>
+            </a:r>
+          </a:p>
+          <a:p>
+            <a:pPr algn="ctr"/>
+            <a:r>
+              <a:rPr lang="en-US" dirty="0">
+                <a:solidFill>
+                  <a:srgbClr val="30335E"/>
+                </a:solidFill>
+                <a:latin typeface="Courier New" panose="02070309020205020404" pitchFamily="49" charset="0"/>
+                <a:cs typeface="Courier New" panose="02070309020205020404" pitchFamily="49" charset="0"/>
+              </a:rPr>
+              <a:t>Thou shalt not repeat thyself</a:t>
+            </a:r>
+          </a:p>
+          <a:p>
+            <a:pPr algn="ctr"/>
+            <a:r>
+              <a:rPr lang="en-US" dirty="0">
+                <a:solidFill>
+                  <a:srgbClr val="30335E"/>
+                </a:solidFill>
+                <a:latin typeface="Courier New" panose="02070309020205020404" pitchFamily="49" charset="0"/>
+                <a:cs typeface="Courier New" panose="02070309020205020404" pitchFamily="49" charset="0"/>
+              </a:rPr>
+              <a:t>Thou shalt not repeat thyself</a:t>
+            </a:r>
+          </a:p>
+          <a:p>
+            <a:pPr algn="ctr"/>
+            <a:r>
+              <a:rPr lang="en-US" dirty="0">
+                <a:solidFill>
+                  <a:srgbClr val="30335E"/>
+                </a:solidFill>
+                <a:latin typeface="Courier New" panose="02070309020205020404" pitchFamily="49" charset="0"/>
+                <a:cs typeface="Courier New" panose="02070309020205020404" pitchFamily="49" charset="0"/>
+              </a:rPr>
+              <a:t>Thou shalt not repeat thyself</a:t>
+            </a:r>
+          </a:p>
+        </p:txBody>
+      </p:sp>
+    </p:spTree>
+    <p:extLst>
+      <p:ext uri="{BB962C8B-B14F-4D97-AF65-F5344CB8AC3E}">
+        <p14:creationId xmlns:p14="http://schemas.microsoft.com/office/powerpoint/2010/main" val="3989656751"/>
+      </p:ext>
+    </p:extLst>
+  </p:cSld>
+  <p:clrMapOvr>
+    <a:masterClrMapping/>
+  </p:clrMapOvr>
+  <mc:AlternateContent xmlns:mc="http://schemas.openxmlformats.org/markup-compatibility/2006" xmlns:p14="http://schemas.microsoft.com/office/powerpoint/2010/main">
+    <mc:Choice Requires="p14">
+      <p:transition spd="med" p14:dur="700">
+        <p:fade/>
+      </p:transition>
+    </mc:Choice>
+    <mc:Fallback xmlns="">
+      <p:transition spd="med">
+        <p:fade/>
+      </p:transition>
+    </mc:Fallback>
+  </mc:AlternateContent>
+</p:sld>
+</file>
+
+<file path=ppt/slides/slide6.xml><?xml version="1.0" encoding="utf-8"?>
+<p:sld xmlns:a="http://schemas.openxmlformats.org/drawingml/2006/main" xmlns:r="http://schemas.openxmlformats.org/officeDocument/2006/relationships" xmlns:p="http://schemas.openxmlformats.org/presentationml/2006/main">
+  <p:cSld>
+    <p:spTree>
+      <p:nvGrpSpPr>
+        <p:cNvPr id="1" name=""/>
+        <p:cNvGrpSpPr/>
+        <p:nvPr/>
+      </p:nvGrpSpPr>
+      <p:grpSpPr>
+        <a:xfrm>
+          <a:off x="0" y="0"/>
+          <a:ext cx="0" cy="0"/>
+          <a:chOff x="0" y="0"/>
+          <a:chExt cx="0" cy="0"/>
+        </a:xfrm>
+      </p:grpSpPr>
+      <p:sp>
+        <p:nvSpPr>
+          <p:cNvPr id="3" name="TextBox 2">
+            <a:extLst>
+              <a:ext uri="{FF2B5EF4-FFF2-40B4-BE49-F238E27FC236}">
+                <a16:creationId xmlns:a16="http://schemas.microsoft.com/office/drawing/2014/main" id="{425671C0-97F2-2ED9-4F40-68AE62442CC8}"/>
+              </a:ext>
+            </a:extLst>
+          </p:cNvPr>
+          <p:cNvSpPr txBox="1"/>
+          <p:nvPr/>
+        </p:nvSpPr>
+        <p:spPr>
+          <a:xfrm>
+            <a:off x="3454855" y="4127603"/>
+            <a:ext cx="6098720" cy="954107"/>
+          </a:xfrm>
+          <a:prstGeom prst="rect">
+            <a:avLst/>
+          </a:prstGeom>
+          <a:solidFill>
+            <a:schemeClr val="bg1">
+              <a:lumMod val="95000"/>
+            </a:schemeClr>
+          </a:solidFill>
+          <a:ln>
+            <a:solidFill>
+              <a:schemeClr val="bg1">
+                <a:lumMod val="85000"/>
+              </a:schemeClr>
+            </a:solidFill>
+          </a:ln>
+        </p:spPr>
+        <p:txBody>
+          <a:bodyPr wrap="square">
+            <a:spAutoFit/>
+          </a:bodyPr>
+          <a:lstStyle/>
+          <a:p>
+            <a:r>
+              <a:rPr lang="en-US" sz="2800" dirty="0">
+                <a:solidFill>
+                  <a:srgbClr val="FF00FF"/>
+                </a:solidFill>
+                <a:latin typeface="Consolas" panose="020B0609020204030204" pitchFamily="49" charset="0"/>
+              </a:rPr>
+              <a:t>def </a:t>
+            </a:r>
+            <a:r>
+              <a:rPr lang="en-US" sz="2800" dirty="0">
+                <a:solidFill>
+                  <a:srgbClr val="00B0F0"/>
+                </a:solidFill>
+                <a:latin typeface="Consolas" panose="020B0609020204030204" pitchFamily="49" charset="0"/>
+              </a:rPr>
+              <a:t>hello</a:t>
+            </a:r>
+            <a:r>
+              <a:rPr lang="en-US" sz="2800" dirty="0">
+                <a:latin typeface="Consolas" panose="020B0609020204030204" pitchFamily="49" charset="0"/>
+              </a:rPr>
+              <a:t>():</a:t>
+            </a:r>
+          </a:p>
+          <a:p>
+            <a:r>
+              <a:rPr lang="en-US" sz="2800" dirty="0">
+                <a:latin typeface="Consolas" panose="020B0609020204030204" pitchFamily="49" charset="0"/>
+              </a:rPr>
+              <a:t>    print(</a:t>
+            </a:r>
+            <a:r>
+              <a:rPr lang="en-US" sz="2800" dirty="0">
+                <a:solidFill>
+                  <a:srgbClr val="5EBB78"/>
+                </a:solidFill>
+                <a:latin typeface="Consolas" panose="020B0609020204030204" pitchFamily="49" charset="0"/>
+              </a:rPr>
+              <a:t>'hello'</a:t>
+            </a:r>
+            <a:r>
+              <a:rPr lang="en-US" sz="2800" dirty="0">
+                <a:latin typeface="Consolas" panose="020B0609020204030204" pitchFamily="49" charset="0"/>
+              </a:rPr>
+              <a:t>)</a:t>
+            </a:r>
+          </a:p>
+        </p:txBody>
+      </p:sp>
+      <p:sp>
+        <p:nvSpPr>
+          <p:cNvPr id="4" name="TextBox 3">
+            <a:extLst>
+              <a:ext uri="{FF2B5EF4-FFF2-40B4-BE49-F238E27FC236}">
+                <a16:creationId xmlns:a16="http://schemas.microsoft.com/office/drawing/2014/main" id="{CBE84ED4-056A-9FA2-F61C-74E7A994D55B}"/>
+              </a:ext>
+            </a:extLst>
+          </p:cNvPr>
+          <p:cNvSpPr txBox="1"/>
+          <p:nvPr/>
+        </p:nvSpPr>
+        <p:spPr>
+          <a:xfrm>
+            <a:off x="0" y="578094"/>
+            <a:ext cx="12192000" cy="523220"/>
+          </a:xfrm>
+          <a:prstGeom prst="rect">
+            <a:avLst/>
+          </a:prstGeom>
+          <a:noFill/>
+        </p:spPr>
+        <p:txBody>
+          <a:bodyPr wrap="square">
+            <a:spAutoFit/>
+          </a:bodyPr>
+          <a:lstStyle/>
+          <a:p>
+            <a:pPr algn="ctr"/>
+            <a:r>
+              <a:rPr lang="en-US" sz="2800" dirty="0">
+                <a:solidFill>
+                  <a:schemeClr val="tx1">
+                    <a:lumMod val="75000"/>
+                    <a:lumOff val="25000"/>
+                  </a:schemeClr>
+                </a:solidFill>
+                <a:latin typeface="Futura Medium"/>
+                <a:cs typeface="Arial" panose="020B0604020202020204" pitchFamily="34" charset="0"/>
+              </a:rPr>
+              <a:t>Syntax for Creating a Function</a:t>
+            </a:r>
+            <a:endParaRPr lang="en-US" sz="2800" dirty="0">
+              <a:solidFill>
+                <a:schemeClr val="tx1">
+                  <a:lumMod val="75000"/>
+                  <a:lumOff val="25000"/>
+                </a:schemeClr>
+              </a:solidFill>
+              <a:latin typeface="Futura Medium"/>
+            </a:endParaRPr>
+          </a:p>
+        </p:txBody>
+      </p:sp>
+      <p:sp>
+        <p:nvSpPr>
+          <p:cNvPr id="6" name="TextBox 5">
+            <a:extLst>
+              <a:ext uri="{FF2B5EF4-FFF2-40B4-BE49-F238E27FC236}">
+                <a16:creationId xmlns:a16="http://schemas.microsoft.com/office/drawing/2014/main" id="{AF0C2276-D30C-925A-4229-44F780C2B798}"/>
+              </a:ext>
+            </a:extLst>
+          </p:cNvPr>
+          <p:cNvSpPr txBox="1"/>
+          <p:nvPr/>
+        </p:nvSpPr>
+        <p:spPr>
+          <a:xfrm>
+            <a:off x="3454855" y="2268732"/>
+            <a:ext cx="6098720" cy="1384995"/>
+          </a:xfrm>
+          <a:prstGeom prst="rect">
+            <a:avLst/>
+          </a:prstGeom>
+          <a:noFill/>
+        </p:spPr>
+        <p:txBody>
+          <a:bodyPr wrap="square">
+            <a:spAutoFit/>
+          </a:bodyPr>
+          <a:lstStyle/>
+          <a:p>
+            <a:pPr marL="0" indent="0">
+              <a:buNone/>
+            </a:pPr>
+            <a:r>
+              <a:rPr lang="en-US" sz="2800" dirty="0">
+                <a:solidFill>
+                  <a:srgbClr val="FF00FF"/>
+                </a:solidFill>
+                <a:latin typeface="Consolas" panose="020B0609020204030204" pitchFamily="49" charset="0"/>
+              </a:rPr>
+              <a:t>def</a:t>
+            </a:r>
+            <a:r>
+              <a:rPr lang="en-US" sz="2800" dirty="0">
+                <a:latin typeface="Consolas" panose="020B0609020204030204" pitchFamily="49" charset="0"/>
+              </a:rPr>
+              <a:t> </a:t>
+            </a:r>
+            <a:r>
+              <a:rPr lang="en-US" sz="2800" dirty="0">
+                <a:solidFill>
+                  <a:srgbClr val="00B0F0"/>
+                </a:solidFill>
+                <a:latin typeface="Consolas" panose="020B0609020204030204" pitchFamily="49" charset="0"/>
+              </a:rPr>
+              <a:t>&lt;name&gt;</a:t>
+            </a:r>
+            <a:r>
+              <a:rPr lang="en-US" sz="2800" dirty="0">
+                <a:latin typeface="Consolas" panose="020B0609020204030204" pitchFamily="49" charset="0"/>
+              </a:rPr>
+              <a:t>():</a:t>
+            </a:r>
+          </a:p>
+          <a:p>
+            <a:pPr marL="0" indent="0">
+              <a:buNone/>
+            </a:pPr>
+            <a:r>
+              <a:rPr lang="en-US" sz="2800" dirty="0">
+                <a:latin typeface="Consolas" panose="020B0609020204030204" pitchFamily="49" charset="0"/>
+              </a:rPr>
+              <a:t>	</a:t>
+            </a:r>
+            <a:r>
+              <a:rPr lang="en-US" sz="2800" dirty="0">
+                <a:solidFill>
+                  <a:srgbClr val="FFC000"/>
+                </a:solidFill>
+                <a:latin typeface="Consolas" panose="020B0609020204030204" pitchFamily="49" charset="0"/>
+              </a:rPr>
+              <a:t>&lt;statements&gt;</a:t>
+            </a:r>
+          </a:p>
+          <a:p>
+            <a:pPr marL="0" indent="0">
+              <a:buNone/>
+            </a:pPr>
+            <a:r>
+              <a:rPr lang="en-US" sz="2800" dirty="0">
+                <a:solidFill>
+                  <a:srgbClr val="FFC000"/>
+                </a:solidFill>
+                <a:latin typeface="Consolas" panose="020B0609020204030204" pitchFamily="49" charset="0"/>
+              </a:rPr>
+              <a:t>	</a:t>
+            </a:r>
+            <a:r>
+              <a:rPr lang="en-US" sz="2800" dirty="0">
+                <a:solidFill>
+                  <a:srgbClr val="FF00FF"/>
+                </a:solidFill>
+                <a:latin typeface="Consolas" panose="020B0609020204030204" pitchFamily="49" charset="0"/>
+              </a:rPr>
+              <a:t>return</a:t>
+            </a:r>
+            <a:r>
+              <a:rPr lang="en-US" sz="2800" dirty="0">
+                <a:solidFill>
+                  <a:srgbClr val="FFC000"/>
+                </a:solidFill>
+                <a:latin typeface="Consolas" panose="020B0609020204030204" pitchFamily="49" charset="0"/>
+              </a:rPr>
+              <a:t> &lt;values&gt;</a:t>
+            </a:r>
+          </a:p>
+        </p:txBody>
+      </p:sp>
+      <p:sp>
+        <p:nvSpPr>
+          <p:cNvPr id="7" name="TextBox 6">
+            <a:extLst>
+              <a:ext uri="{FF2B5EF4-FFF2-40B4-BE49-F238E27FC236}">
+                <a16:creationId xmlns:a16="http://schemas.microsoft.com/office/drawing/2014/main" id="{BA64A801-7873-DD17-33C2-7C9357F8822D}"/>
+              </a:ext>
+            </a:extLst>
+          </p:cNvPr>
+          <p:cNvSpPr txBox="1"/>
+          <p:nvPr/>
+        </p:nvSpPr>
+        <p:spPr>
+          <a:xfrm>
+            <a:off x="0" y="6550223"/>
+            <a:ext cx="12192000" cy="307777"/>
+          </a:xfrm>
+          <a:prstGeom prst="rect">
+            <a:avLst/>
+          </a:prstGeom>
+          <a:noFill/>
+        </p:spPr>
+        <p:txBody>
+          <a:bodyPr wrap="square" rtlCol="0">
+            <a:spAutoFit/>
+          </a:bodyPr>
+          <a:lstStyle/>
+          <a:p>
+            <a:pPr>
+              <a:defRPr/>
+            </a:pPr>
+            <a:r>
+              <a:rPr lang="en-US" sz="1400" dirty="0">
+                <a:solidFill>
+                  <a:schemeClr val="tx1">
+                    <a:lumMod val="65000"/>
+                    <a:lumOff val="35000"/>
+                  </a:schemeClr>
+                </a:solidFill>
+                <a:latin typeface="+mj-lt"/>
+                <a:ea typeface="Verdana" panose="020B0604030504040204" pitchFamily="34" charset="0"/>
+              </a:rPr>
+              <a:t>Source: Randy Switt – University of Florida (Pythonista)</a:t>
+            </a:r>
+            <a:endParaRPr lang="en-US" sz="1400" dirty="0">
+              <a:solidFill>
+                <a:schemeClr val="tx1">
+                  <a:lumMod val="65000"/>
+                  <a:lumOff val="35000"/>
+                </a:schemeClr>
+              </a:solidFill>
+              <a:latin typeface="+mj-lt"/>
+            </a:endParaRPr>
+          </a:p>
+        </p:txBody>
+      </p:sp>
+    </p:spTree>
+    <p:extLst>
+      <p:ext uri="{BB962C8B-B14F-4D97-AF65-F5344CB8AC3E}">
+        <p14:creationId xmlns:p14="http://schemas.microsoft.com/office/powerpoint/2010/main" val="2840130177"/>
+      </p:ext>
+    </p:extLst>
+  </p:cSld>
+  <p:clrMapOvr>
+    <a:masterClrMapping/>
+  </p:clrMapOvr>
+  <mc:AlternateContent xmlns:mc="http://schemas.openxmlformats.org/markup-compatibility/2006" xmlns:p14="http://schemas.microsoft.com/office/powerpoint/2010/main">
+    <mc:Choice Requires="p14">
+      <p:transition spd="med" p14:dur="700">
+        <p:fade/>
+      </p:transition>
+    </mc:Choice>
+    <mc:Fallback xmlns="">
+      <p:transition spd="med">
+        <p:fade/>
+      </p:transition>
+    </mc:Fallback>
+  </mc:AlternateContent>
+</p:sld>
+</file>
+
+<file path=ppt/slides/slide7.xml><?xml version="1.0" encoding="utf-8"?>
+<p:sld xmlns:a="http://schemas.openxmlformats.org/drawingml/2006/main" xmlns:r="http://schemas.openxmlformats.org/officeDocument/2006/relationships" xmlns:p="http://schemas.openxmlformats.org/presentationml/2006/main">
+  <p:cSld>
+    <p:spTree>
+      <p:nvGrpSpPr>
+        <p:cNvPr id="1" name=""/>
+        <p:cNvGrpSpPr/>
+        <p:nvPr/>
+      </p:nvGrpSpPr>
+      <p:grpSpPr>
+        <a:xfrm>
+          <a:off x="0" y="0"/>
+          <a:ext cx="0" cy="0"/>
+          <a:chOff x="0" y="0"/>
+          <a:chExt cx="0" cy="0"/>
+        </a:xfrm>
+      </p:grpSpPr>
+      <p:sp>
+        <p:nvSpPr>
+          <p:cNvPr id="2" name="TextBox 1">
+            <a:extLst>
+              <a:ext uri="{FF2B5EF4-FFF2-40B4-BE49-F238E27FC236}">
+                <a16:creationId xmlns:a16="http://schemas.microsoft.com/office/drawing/2014/main" id="{EF0B623C-CFB7-A64E-0392-2A4FE3CB9763}"/>
+              </a:ext>
+            </a:extLst>
+          </p:cNvPr>
+          <p:cNvSpPr txBox="1"/>
+          <p:nvPr/>
+        </p:nvSpPr>
+        <p:spPr>
+          <a:xfrm>
+            <a:off x="0" y="578094"/>
+            <a:ext cx="12192000" cy="523220"/>
+          </a:xfrm>
+          <a:prstGeom prst="rect">
+            <a:avLst/>
+          </a:prstGeom>
+          <a:noFill/>
+        </p:spPr>
+        <p:txBody>
+          <a:bodyPr wrap="square">
+            <a:spAutoFit/>
+          </a:bodyPr>
+          <a:lstStyle/>
+          <a:p>
+            <a:pPr algn="ctr"/>
+            <a:r>
+              <a:rPr lang="en-US" sz="2800" dirty="0">
+                <a:solidFill>
+                  <a:schemeClr val="tx1">
+                    <a:lumMod val="75000"/>
+                    <a:lumOff val="25000"/>
+                  </a:schemeClr>
+                </a:solidFill>
+                <a:latin typeface="Futura Medium"/>
+                <a:cs typeface="Arial" panose="020B0604020202020204" pitchFamily="34" charset="0"/>
+              </a:rPr>
+              <a:t>Syntax for Calling a Function</a:t>
+            </a:r>
+            <a:endParaRPr lang="en-US" sz="2800" dirty="0">
+              <a:solidFill>
+                <a:schemeClr val="tx1">
+                  <a:lumMod val="75000"/>
+                  <a:lumOff val="25000"/>
+                </a:schemeClr>
+              </a:solidFill>
+              <a:latin typeface="Futura Medium"/>
+            </a:endParaRPr>
+          </a:p>
+        </p:txBody>
+      </p:sp>
+      <p:sp>
+        <p:nvSpPr>
+          <p:cNvPr id="4" name="TextBox 3">
+            <a:extLst>
+              <a:ext uri="{FF2B5EF4-FFF2-40B4-BE49-F238E27FC236}">
+                <a16:creationId xmlns:a16="http://schemas.microsoft.com/office/drawing/2014/main" id="{F1BC91ED-4ED6-830B-4C8B-FBDB37A61D5D}"/>
+              </a:ext>
+            </a:extLst>
+          </p:cNvPr>
+          <p:cNvSpPr txBox="1"/>
+          <p:nvPr/>
+        </p:nvSpPr>
+        <p:spPr>
+          <a:xfrm>
+            <a:off x="3912054" y="2036020"/>
+            <a:ext cx="4464503" cy="523220"/>
+          </a:xfrm>
+          <a:prstGeom prst="rect">
+            <a:avLst/>
+          </a:prstGeom>
+          <a:noFill/>
+        </p:spPr>
+        <p:txBody>
+          <a:bodyPr wrap="square">
+            <a:spAutoFit/>
+          </a:bodyPr>
+          <a:lstStyle/>
+          <a:p>
+            <a:pPr marL="342900" lvl="1" indent="0">
+              <a:buNone/>
+            </a:pPr>
+            <a:r>
+              <a:rPr lang="en-US" sz="2800" dirty="0">
+                <a:solidFill>
+                  <a:srgbClr val="00B0F0"/>
+                </a:solidFill>
+                <a:latin typeface="Consolas" panose="020B0609020204030204" pitchFamily="49" charset="0"/>
+              </a:rPr>
+              <a:t>&lt;</a:t>
+            </a:r>
+            <a:r>
+              <a:rPr lang="en-US" sz="2800" dirty="0" err="1">
+                <a:solidFill>
+                  <a:srgbClr val="00B0F0"/>
+                </a:solidFill>
+                <a:latin typeface="Consolas" panose="020B0609020204030204" pitchFamily="49" charset="0"/>
+              </a:rPr>
+              <a:t>function_name</a:t>
+            </a:r>
+            <a:r>
+              <a:rPr lang="en-US" sz="2800" dirty="0">
+                <a:solidFill>
+                  <a:srgbClr val="00B0F0"/>
+                </a:solidFill>
+                <a:latin typeface="Consolas" panose="020B0609020204030204" pitchFamily="49" charset="0"/>
+              </a:rPr>
+              <a:t>&gt;</a:t>
+            </a:r>
+            <a:r>
+              <a:rPr lang="en-US" sz="2800" dirty="0">
+                <a:latin typeface="Consolas" panose="020B0609020204030204" pitchFamily="49" charset="0"/>
+              </a:rPr>
+              <a:t>()</a:t>
+            </a:r>
+          </a:p>
+        </p:txBody>
+      </p:sp>
+      <p:sp>
+        <p:nvSpPr>
+          <p:cNvPr id="5" name="TextBox 4">
+            <a:extLst>
+              <a:ext uri="{FF2B5EF4-FFF2-40B4-BE49-F238E27FC236}">
+                <a16:creationId xmlns:a16="http://schemas.microsoft.com/office/drawing/2014/main" id="{B2D346FA-9579-E3BA-FE97-CEBE5A290631}"/>
+              </a:ext>
+            </a:extLst>
+          </p:cNvPr>
+          <p:cNvSpPr txBox="1"/>
+          <p:nvPr/>
+        </p:nvSpPr>
+        <p:spPr>
+          <a:xfrm>
+            <a:off x="0" y="6550223"/>
+            <a:ext cx="12192000" cy="307777"/>
+          </a:xfrm>
+          <a:prstGeom prst="rect">
+            <a:avLst/>
+          </a:prstGeom>
+          <a:noFill/>
+        </p:spPr>
+        <p:txBody>
+          <a:bodyPr wrap="square" rtlCol="0">
+            <a:spAutoFit/>
+          </a:bodyPr>
+          <a:lstStyle/>
+          <a:p>
+            <a:pPr>
+              <a:defRPr/>
+            </a:pPr>
+            <a:r>
+              <a:rPr lang="en-US" sz="1400" dirty="0">
+                <a:solidFill>
+                  <a:schemeClr val="tx1">
+                    <a:lumMod val="65000"/>
+                    <a:lumOff val="35000"/>
+                  </a:schemeClr>
+                </a:solidFill>
+                <a:latin typeface="+mj-lt"/>
+                <a:ea typeface="Verdana" panose="020B0604030504040204" pitchFamily="34" charset="0"/>
+              </a:rPr>
+              <a:t>Source: Randy Switt – University of Florida (Pythonista)</a:t>
+            </a:r>
+            <a:endParaRPr lang="en-US" sz="1400" dirty="0">
+              <a:solidFill>
+                <a:schemeClr val="tx1">
+                  <a:lumMod val="65000"/>
+                  <a:lumOff val="35000"/>
+                </a:schemeClr>
+              </a:solidFill>
+              <a:latin typeface="+mj-lt"/>
+            </a:endParaRPr>
+          </a:p>
+        </p:txBody>
+      </p:sp>
+      <p:sp>
+        <p:nvSpPr>
+          <p:cNvPr id="7" name="TextBox 6">
+            <a:extLst>
+              <a:ext uri="{FF2B5EF4-FFF2-40B4-BE49-F238E27FC236}">
+                <a16:creationId xmlns:a16="http://schemas.microsoft.com/office/drawing/2014/main" id="{D30FBE66-3B29-EB79-D5DD-BB44C45688A0}"/>
+              </a:ext>
+            </a:extLst>
+          </p:cNvPr>
+          <p:cNvSpPr txBox="1"/>
+          <p:nvPr/>
+        </p:nvSpPr>
+        <p:spPr>
+          <a:xfrm>
+            <a:off x="3042557" y="3225604"/>
+            <a:ext cx="6106886" cy="1815882"/>
+          </a:xfrm>
+          <a:prstGeom prst="rect">
+            <a:avLst/>
+          </a:prstGeom>
+          <a:solidFill>
+            <a:schemeClr val="bg1">
+              <a:lumMod val="95000"/>
+            </a:schemeClr>
+          </a:solidFill>
+          <a:ln>
+            <a:solidFill>
+              <a:schemeClr val="bg1">
+                <a:lumMod val="85000"/>
+              </a:schemeClr>
+            </a:solidFill>
+          </a:ln>
+        </p:spPr>
+        <p:txBody>
+          <a:bodyPr wrap="square">
+            <a:spAutoFit/>
+          </a:bodyPr>
+          <a:lstStyle/>
+          <a:p>
+            <a:r>
+              <a:rPr lang="en-US" sz="2800" dirty="0">
+                <a:solidFill>
+                  <a:srgbClr val="FF00FF"/>
+                </a:solidFill>
+                <a:latin typeface="Consolas" panose="020B0609020204030204" pitchFamily="49" charset="0"/>
+              </a:rPr>
+              <a:t>def </a:t>
+            </a:r>
+            <a:r>
+              <a:rPr lang="en-US" sz="2800" dirty="0">
+                <a:solidFill>
+                  <a:srgbClr val="00B0F0"/>
+                </a:solidFill>
+                <a:latin typeface="Consolas" panose="020B0609020204030204" pitchFamily="49" charset="0"/>
+              </a:rPr>
+              <a:t>hello</a:t>
+            </a:r>
+            <a:r>
+              <a:rPr lang="en-US" sz="2800" dirty="0">
+                <a:latin typeface="Consolas" panose="020B0609020204030204" pitchFamily="49" charset="0"/>
+              </a:rPr>
+              <a:t>():</a:t>
+            </a:r>
+          </a:p>
+          <a:p>
+            <a:r>
+              <a:rPr lang="en-US" sz="2800" dirty="0">
+                <a:latin typeface="Consolas" panose="020B0609020204030204" pitchFamily="49" charset="0"/>
+              </a:rPr>
+              <a:t>    print(</a:t>
+            </a:r>
+            <a:r>
+              <a:rPr lang="en-US" sz="2800" dirty="0">
+                <a:solidFill>
+                  <a:srgbClr val="5EBB78"/>
+                </a:solidFill>
+                <a:latin typeface="Consolas" panose="020B0609020204030204" pitchFamily="49" charset="0"/>
+              </a:rPr>
+              <a:t>'Hello!'</a:t>
+            </a:r>
+            <a:r>
+              <a:rPr lang="en-US" sz="2800" dirty="0">
+                <a:latin typeface="Consolas" panose="020B0609020204030204" pitchFamily="49" charset="0"/>
+              </a:rPr>
+              <a:t>)</a:t>
+            </a:r>
+          </a:p>
+          <a:p>
+            <a:endParaRPr lang="en-US" sz="2800" dirty="0">
+              <a:latin typeface="Consolas" panose="020B0609020204030204" pitchFamily="49" charset="0"/>
+            </a:endParaRPr>
+          </a:p>
+          <a:p>
+            <a:r>
+              <a:rPr lang="en-US" sz="2800" dirty="0">
+                <a:latin typeface="Consolas" panose="020B0609020204030204" pitchFamily="49" charset="0"/>
+              </a:rPr>
+              <a:t>hello()</a:t>
+            </a:r>
+          </a:p>
+        </p:txBody>
+      </p:sp>
+      <p:sp>
+        <p:nvSpPr>
+          <p:cNvPr id="9" name="TextBox 8">
+            <a:extLst>
+              <a:ext uri="{FF2B5EF4-FFF2-40B4-BE49-F238E27FC236}">
+                <a16:creationId xmlns:a16="http://schemas.microsoft.com/office/drawing/2014/main" id="{363E00C6-444C-E1FE-8352-B99A5243F933}"/>
+              </a:ext>
+            </a:extLst>
+          </p:cNvPr>
+          <p:cNvSpPr txBox="1"/>
+          <p:nvPr/>
+        </p:nvSpPr>
+        <p:spPr>
+          <a:xfrm>
+            <a:off x="3042557" y="5272634"/>
+            <a:ext cx="6106886" cy="523220"/>
+          </a:xfrm>
+          <a:prstGeom prst="rect">
+            <a:avLst/>
+          </a:prstGeom>
+          <a:solidFill>
+            <a:schemeClr val="bg1">
+              <a:lumMod val="95000"/>
+            </a:schemeClr>
+          </a:solidFill>
+          <a:ln>
+            <a:solidFill>
+              <a:schemeClr val="bg1">
+                <a:lumMod val="85000"/>
+              </a:schemeClr>
+            </a:solidFill>
+          </a:ln>
+        </p:spPr>
+        <p:txBody>
+          <a:bodyPr wrap="square">
+            <a:spAutoFit/>
+          </a:bodyPr>
+          <a:lstStyle/>
+          <a:p>
+            <a:r>
+              <a:rPr lang="en-US" sz="2800" dirty="0">
+                <a:latin typeface="Consolas" panose="020B0609020204030204" pitchFamily="49" charset="0"/>
+              </a:rPr>
+              <a:t>Hello!</a:t>
+            </a:r>
+          </a:p>
+        </p:txBody>
+      </p:sp>
+    </p:spTree>
+    <p:extLst>
+      <p:ext uri="{BB962C8B-B14F-4D97-AF65-F5344CB8AC3E}">
+        <p14:creationId xmlns:p14="http://schemas.microsoft.com/office/powerpoint/2010/main" val="3539548517"/>
+      </p:ext>
+    </p:extLst>
+  </p:cSld>
+  <p:clrMapOvr>
+    <a:masterClrMapping/>
+  </p:clrMapOvr>
+  <mc:AlternateContent xmlns:mc="http://schemas.openxmlformats.org/markup-compatibility/2006" xmlns:p14="http://schemas.microsoft.com/office/powerpoint/2010/main">
+    <mc:Choice Requires="p14">
+      <p:transition spd="med" p14:dur="700">
+        <p:fade/>
+      </p:transition>
+    </mc:Choice>
+    <mc:Fallback xmlns="">
+      <p:transition spd="med">
+        <p:fade/>
+      </p:transition>
+    </mc:Fallback>
+  </mc:AlternateContent>
+  <p:timing>
+    <p:tnLst>
+      <p:par>
+        <p:cTn id="1" dur="indefinite" restart="never" nodeType="tmRoot">
+          <p:childTnLst>
+            <p:seq concurrent="1" nextAc="seek">
+              <p:cTn id="2" dur="indefinite" nodeType="mainSeq">
+                <p:childTnLst>
+                  <p:par>
+                    <p:cTn id="3" fill="hold">
+                      <p:stCondLst>
+                        <p:cond delay="indefinite"/>
+                      </p:stCondLst>
+                      <p:childTnLst>
+                        <p:par>
+                          <p:cTn id="4" fill="hold">
+                            <p:stCondLst>
+                              <p:cond delay="0"/>
+                            </p:stCondLst>
+                            <p:childTnLst>
+                              <p:par>
+                                <p:cTn id="5" presetID="10" presetClass="entr" presetSubtype="0" fill="hold" grpId="0" nodeType="clickEffect">
+                                  <p:stCondLst>
+                                    <p:cond delay="0"/>
+                                  </p:stCondLst>
+                                  <p:childTnLst>
+                                    <p:set>
+                                      <p:cBhvr>
+                                        <p:cTn id="6" dur="1" fill="hold">
+                                          <p:stCondLst>
+                                            <p:cond delay="0"/>
+                                          </p:stCondLst>
+                                        </p:cTn>
+                                        <p:tgtEl>
+                                          <p:spTgt spid="9"/>
+                                        </p:tgtEl>
+                                        <p:attrNameLst>
+                                          <p:attrName>style.visibility</p:attrName>
+                                        </p:attrNameLst>
+                                      </p:cBhvr>
+                                      <p:to>
+                                        <p:strVal val="visible"/>
+                                      </p:to>
+                                    </p:set>
+                                    <p:animEffect transition="in" filter="fade">
+                                      <p:cBhvr>
+                                        <p:cTn id="7" dur="500"/>
+                                        <p:tgtEl>
+                                          <p:spTgt spid="9"/>
+                                        </p:tgtEl>
+                                      </p:cBhvr>
+                                    </p:animEffect>
+                                  </p:childTnLst>
+                                </p:cTn>
+                              </p:par>
+                            </p:childTnLst>
+                          </p:cTn>
+                        </p:par>
+                      </p:childTnLst>
+                    </p:cTn>
+                  </p:par>
+                </p:childTnLst>
+              </p:cTn>
+              <p:prevCondLst>
+                <p:cond evt="onPrev" delay="0">
+                  <p:tgtEl>
+                    <p:sldTgt/>
+                  </p:tgtEl>
+                </p:cond>
+              </p:prevCondLst>
+              <p:nextCondLst>
+                <p:cond evt="onNext" delay="0">
+                  <p:tgtEl>
+                    <p:sldTgt/>
+                  </p:tgtEl>
+                </p:cond>
+              </p:nextCondLst>
+            </p:seq>
+          </p:childTnLst>
+        </p:cTn>
+      </p:par>
+    </p:tnLst>
+    <p:bldLst>
+      <p:bldP spid="9" grpId="0" animBg="1"/>
+    </p:bldLst>
+  </p:timing>
+</p:sld>
+</file>
+
+<file path=ppt/slides/slide8.xml><?xml version="1.0" encoding="utf-8"?>
+<p:sld xmlns:a="http://schemas.openxmlformats.org/drawingml/2006/main" xmlns:r="http://schemas.openxmlformats.org/officeDocument/2006/relationships" xmlns:p="http://schemas.openxmlformats.org/presentationml/2006/main">
+  <p:cSld>
+    <p:spTree>
+      <p:nvGrpSpPr>
+        <p:cNvPr id="1" name=""/>
+        <p:cNvGrpSpPr/>
+        <p:nvPr/>
+      </p:nvGrpSpPr>
+      <p:grpSpPr>
+        <a:xfrm>
+          <a:off x="0" y="0"/>
+          <a:ext cx="0" cy="0"/>
+          <a:chOff x="0" y="0"/>
+          <a:chExt cx="0" cy="0"/>
+        </a:xfrm>
+      </p:grpSpPr>
+      <p:sp>
+        <p:nvSpPr>
+          <p:cNvPr id="2" name="TextBox 1">
+            <a:extLst>
+              <a:ext uri="{FF2B5EF4-FFF2-40B4-BE49-F238E27FC236}">
+                <a16:creationId xmlns:a16="http://schemas.microsoft.com/office/drawing/2014/main" id="{EA423DC7-04C3-9F1C-DA39-41C2EC9D7AE5}"/>
+              </a:ext>
+            </a:extLst>
+          </p:cNvPr>
+          <p:cNvSpPr txBox="1"/>
+          <p:nvPr/>
+        </p:nvSpPr>
+        <p:spPr>
+          <a:xfrm>
+            <a:off x="0" y="578094"/>
+            <a:ext cx="12192000" cy="523220"/>
+          </a:xfrm>
+          <a:prstGeom prst="rect">
+            <a:avLst/>
+          </a:prstGeom>
+          <a:noFill/>
+        </p:spPr>
+        <p:txBody>
+          <a:bodyPr wrap="square">
+            <a:spAutoFit/>
+          </a:bodyPr>
+          <a:lstStyle/>
+          <a:p>
+            <a:pPr algn="ctr"/>
+            <a:r>
+              <a:rPr lang="en-US" sz="2800" dirty="0">
+                <a:solidFill>
+                  <a:schemeClr val="tx1">
+                    <a:lumMod val="75000"/>
+                    <a:lumOff val="25000"/>
+                  </a:schemeClr>
+                </a:solidFill>
+                <a:latin typeface="Futura Medium"/>
+                <a:cs typeface="Arial" panose="020B0604020202020204" pitchFamily="34" charset="0"/>
+              </a:rPr>
+              <a:t>Function Parameters and Arguments</a:t>
+            </a:r>
+            <a:endParaRPr lang="en-US" sz="2800" dirty="0">
+              <a:solidFill>
+                <a:schemeClr val="tx1">
+                  <a:lumMod val="75000"/>
+                  <a:lumOff val="25000"/>
+                </a:schemeClr>
+              </a:solidFill>
+              <a:latin typeface="Futura Medium"/>
+            </a:endParaRPr>
+          </a:p>
+        </p:txBody>
+      </p:sp>
+      <p:sp>
+        <p:nvSpPr>
+          <p:cNvPr id="4" name="TextBox 3">
+            <a:extLst>
+              <a:ext uri="{FF2B5EF4-FFF2-40B4-BE49-F238E27FC236}">
+                <a16:creationId xmlns:a16="http://schemas.microsoft.com/office/drawing/2014/main" id="{B636AB52-89B8-821D-D3B5-6BB299F49202}"/>
+              </a:ext>
+            </a:extLst>
+          </p:cNvPr>
+          <p:cNvSpPr txBox="1"/>
+          <p:nvPr/>
+        </p:nvSpPr>
+        <p:spPr>
+          <a:xfrm>
+            <a:off x="1631873" y="2762213"/>
+            <a:ext cx="8928253" cy="523220"/>
+          </a:xfrm>
+          <a:prstGeom prst="rect">
+            <a:avLst/>
+          </a:prstGeom>
+          <a:noFill/>
+        </p:spPr>
+        <p:txBody>
+          <a:bodyPr wrap="square">
+            <a:spAutoFit/>
+          </a:bodyPr>
+          <a:lstStyle/>
+          <a:p>
+            <a:pPr marL="342900" lvl="1" indent="0">
+              <a:buNone/>
+            </a:pPr>
+            <a:r>
+              <a:rPr lang="en-US" sz="2800" dirty="0">
+                <a:solidFill>
+                  <a:srgbClr val="FF00FF"/>
+                </a:solidFill>
+                <a:latin typeface="Consolas" panose="020B0609020204030204" pitchFamily="49" charset="0"/>
+              </a:rPr>
+              <a:t>def</a:t>
+            </a:r>
+            <a:r>
+              <a:rPr lang="en-US" sz="2800" dirty="0">
+                <a:latin typeface="Consolas" panose="020B0609020204030204" pitchFamily="49" charset="0"/>
+              </a:rPr>
+              <a:t> &lt;function_name&gt;(</a:t>
+            </a:r>
+            <a:r>
+              <a:rPr lang="en-US" sz="2800" dirty="0">
+                <a:solidFill>
+                  <a:srgbClr val="5EBB78"/>
+                </a:solidFill>
+                <a:latin typeface="Consolas" panose="020B0609020204030204" pitchFamily="49" charset="0"/>
+              </a:rPr>
+              <a:t>param1, param2</a:t>
+            </a:r>
+            <a:r>
+              <a:rPr lang="en-US" sz="2800" dirty="0">
+                <a:latin typeface="Consolas" panose="020B0609020204030204" pitchFamily="49" charset="0"/>
+              </a:rPr>
+              <a:t>, . . .)</a:t>
+            </a:r>
+          </a:p>
+        </p:txBody>
+      </p:sp>
+      <p:sp>
+        <p:nvSpPr>
+          <p:cNvPr id="5" name="TextBox 4">
+            <a:extLst>
+              <a:ext uri="{FF2B5EF4-FFF2-40B4-BE49-F238E27FC236}">
+                <a16:creationId xmlns:a16="http://schemas.microsoft.com/office/drawing/2014/main" id="{0CFFB000-9F1B-EC32-58B2-2723E2D0D5CF}"/>
+              </a:ext>
+            </a:extLst>
+          </p:cNvPr>
+          <p:cNvSpPr txBox="1"/>
+          <p:nvPr/>
+        </p:nvSpPr>
+        <p:spPr>
+          <a:xfrm>
+            <a:off x="0" y="6550223"/>
+            <a:ext cx="12192000" cy="307777"/>
+          </a:xfrm>
+          <a:prstGeom prst="rect">
+            <a:avLst/>
+          </a:prstGeom>
+          <a:noFill/>
+        </p:spPr>
+        <p:txBody>
+          <a:bodyPr wrap="square" rtlCol="0">
+            <a:spAutoFit/>
+          </a:bodyPr>
+          <a:lstStyle/>
+          <a:p>
+            <a:pPr>
+              <a:defRPr/>
+            </a:pPr>
+            <a:r>
+              <a:rPr lang="en-US" sz="1400" dirty="0">
+                <a:solidFill>
+                  <a:schemeClr val="tx1">
+                    <a:lumMod val="65000"/>
+                    <a:lumOff val="35000"/>
+                  </a:schemeClr>
+                </a:solidFill>
+                <a:latin typeface="+mj-lt"/>
+                <a:ea typeface="Verdana" panose="020B0604030504040204" pitchFamily="34" charset="0"/>
+              </a:rPr>
+              <a:t>Source: Randy Switt – University of Florida (Pythonista)</a:t>
+            </a:r>
+            <a:endParaRPr lang="en-US" sz="1400" dirty="0">
+              <a:solidFill>
+                <a:schemeClr val="tx1">
+                  <a:lumMod val="65000"/>
+                  <a:lumOff val="35000"/>
+                </a:schemeClr>
+              </a:solidFill>
+              <a:latin typeface="+mj-lt"/>
+            </a:endParaRPr>
+          </a:p>
+        </p:txBody>
+      </p:sp>
+    </p:spTree>
+    <p:extLst>
+      <p:ext uri="{BB962C8B-B14F-4D97-AF65-F5344CB8AC3E}">
+        <p14:creationId xmlns:p14="http://schemas.microsoft.com/office/powerpoint/2010/main" val="1743933521"/>
+      </p:ext>
+    </p:extLst>
+  </p:cSld>
+  <p:clrMapOvr>
+    <a:masterClrMapping/>
+  </p:clrMapOvr>
+</p:sld>
+</file>
+
+<file path=ppt/slides/slide9.xml><?xml version="1.0" encoding="utf-8"?>
+<p:sld xmlns:a="http://schemas.openxmlformats.org/drawingml/2006/main" xmlns:r="http://schemas.openxmlformats.org/officeDocument/2006/relationships" xmlns:p="http://schemas.openxmlformats.org/presentationml/2006/main">
+  <p:cSld>
+    <p:spTree>
+      <p:nvGrpSpPr>
+        <p:cNvPr id="1" name=""/>
+        <p:cNvGrpSpPr/>
+        <p:nvPr/>
+      </p:nvGrpSpPr>
+      <p:grpSpPr>
+        <a:xfrm>
+          <a:off x="0" y="0"/>
+          <a:ext cx="0" cy="0"/>
+          <a:chOff x="0" y="0"/>
+          <a:chExt cx="0" cy="0"/>
+        </a:xfrm>
+      </p:grpSpPr>
+      <p:sp>
+        <p:nvSpPr>
+          <p:cNvPr id="2" name="TextBox 1">
+            <a:extLst>
+              <a:ext uri="{FF2B5EF4-FFF2-40B4-BE49-F238E27FC236}">
+                <a16:creationId xmlns:a16="http://schemas.microsoft.com/office/drawing/2014/main" id="{FF1AAF2D-A6F8-7511-A919-9619DAE82C67}"/>
+              </a:ext>
+            </a:extLst>
+          </p:cNvPr>
+          <p:cNvSpPr txBox="1"/>
+          <p:nvPr/>
+        </p:nvSpPr>
+        <p:spPr>
+          <a:xfrm>
+            <a:off x="0" y="578094"/>
+            <a:ext cx="12192000" cy="523220"/>
+          </a:xfrm>
+          <a:prstGeom prst="rect">
+            <a:avLst/>
+          </a:prstGeom>
+          <a:noFill/>
+        </p:spPr>
+        <p:txBody>
+          <a:bodyPr wrap="square">
+            <a:spAutoFit/>
+          </a:bodyPr>
+          <a:lstStyle/>
+          <a:p>
+            <a:pPr algn="ctr"/>
+            <a:r>
+              <a:rPr lang="en-US" sz="2800" dirty="0">
+                <a:solidFill>
+                  <a:schemeClr val="tx1">
+                    <a:lumMod val="75000"/>
+                    <a:lumOff val="25000"/>
+                  </a:schemeClr>
+                </a:solidFill>
+                <a:latin typeface="Futura Medium"/>
+                <a:cs typeface="Arial" panose="020B0604020202020204" pitchFamily="34" charset="0"/>
+              </a:rPr>
+              <a:t>Parameters vs Arguments</a:t>
+            </a:r>
+            <a:endParaRPr lang="en-US" sz="2800" dirty="0">
+              <a:solidFill>
+                <a:schemeClr val="tx1">
+                  <a:lumMod val="75000"/>
+                  <a:lumOff val="25000"/>
+                </a:schemeClr>
+              </a:solidFill>
+              <a:latin typeface="Futura Medium"/>
+            </a:endParaRPr>
+          </a:p>
+        </p:txBody>
+      </p:sp>
+      <p:sp>
+        <p:nvSpPr>
+          <p:cNvPr id="4" name="TextBox 3">
+            <a:extLst>
+              <a:ext uri="{FF2B5EF4-FFF2-40B4-BE49-F238E27FC236}">
+                <a16:creationId xmlns:a16="http://schemas.microsoft.com/office/drawing/2014/main" id="{7FEF5886-D2CD-7427-2531-029695DBB8F5}"/>
+              </a:ext>
+            </a:extLst>
+          </p:cNvPr>
+          <p:cNvSpPr txBox="1"/>
+          <p:nvPr/>
+        </p:nvSpPr>
+        <p:spPr>
+          <a:xfrm>
+            <a:off x="2841172" y="2559708"/>
+            <a:ext cx="7707085" cy="2246769"/>
+          </a:xfrm>
+          <a:prstGeom prst="rect">
+            <a:avLst/>
+          </a:prstGeom>
+          <a:solidFill>
+            <a:schemeClr val="bg1">
+              <a:lumMod val="95000"/>
+            </a:schemeClr>
+          </a:solidFill>
+          <a:ln>
+            <a:solidFill>
+              <a:schemeClr val="bg1">
+                <a:lumMod val="85000"/>
+              </a:schemeClr>
+            </a:solidFill>
+          </a:ln>
+        </p:spPr>
+        <p:txBody>
+          <a:bodyPr wrap="square">
+            <a:spAutoFit/>
+          </a:bodyPr>
+          <a:lstStyle/>
+          <a:p>
+            <a:r>
+              <a:rPr lang="en-US" sz="2800" dirty="0">
+                <a:solidFill>
+                  <a:srgbClr val="FF00FF"/>
+                </a:solidFill>
+                <a:latin typeface="Consolas" panose="020B0609020204030204" pitchFamily="49" charset="0"/>
+              </a:rPr>
+              <a:t>def </a:t>
+            </a:r>
+            <a:r>
+              <a:rPr lang="en-US" sz="2800" dirty="0">
+                <a:solidFill>
+                  <a:srgbClr val="00B0F0"/>
+                </a:solidFill>
+                <a:latin typeface="Consolas" panose="020B0609020204030204" pitchFamily="49" charset="0"/>
+              </a:rPr>
+              <a:t>hello</a:t>
+            </a:r>
+            <a:r>
+              <a:rPr lang="en-US" sz="2800" dirty="0">
+                <a:latin typeface="Consolas" panose="020B0609020204030204" pitchFamily="49" charset="0"/>
+              </a:rPr>
+              <a:t>(name):</a:t>
+            </a:r>
+          </a:p>
+          <a:p>
+            <a:r>
+              <a:rPr lang="en-US" sz="2800" dirty="0">
+                <a:latin typeface="Consolas" panose="020B0609020204030204" pitchFamily="49" charset="0"/>
+              </a:rPr>
+              <a:t>    </a:t>
+            </a:r>
+            <a:r>
+              <a:rPr lang="en-US" sz="2800" dirty="0">
+                <a:solidFill>
+                  <a:srgbClr val="FFC000"/>
+                </a:solidFill>
+                <a:latin typeface="Consolas" panose="020B0609020204030204" pitchFamily="49" charset="0"/>
+              </a:rPr>
+              <a:t>print</a:t>
+            </a:r>
+            <a:r>
+              <a:rPr lang="en-US" sz="2800" dirty="0">
+                <a:latin typeface="Consolas" panose="020B0609020204030204" pitchFamily="49" charset="0"/>
+              </a:rPr>
+              <a:t>(</a:t>
+            </a:r>
+            <a:r>
+              <a:rPr lang="en-US" sz="2800" dirty="0">
+                <a:solidFill>
+                  <a:srgbClr val="5EBB78"/>
+                </a:solidFill>
+                <a:latin typeface="Consolas" panose="020B0609020204030204" pitchFamily="49" charset="0"/>
+              </a:rPr>
+              <a:t>'Hello {}!'</a:t>
+            </a:r>
+            <a:r>
+              <a:rPr lang="en-US" sz="2800" dirty="0">
+                <a:latin typeface="Consolas" panose="020B0609020204030204" pitchFamily="49" charset="0"/>
+              </a:rPr>
+              <a:t>.format(name))</a:t>
+            </a:r>
+          </a:p>
+          <a:p>
+            <a:endParaRPr lang="en-US" sz="2800" dirty="0">
+              <a:latin typeface="Consolas" panose="020B0609020204030204" pitchFamily="49" charset="0"/>
+            </a:endParaRPr>
+          </a:p>
+          <a:p>
+            <a:r>
+              <a:rPr lang="en-US" sz="2800" dirty="0" err="1">
+                <a:latin typeface="Consolas" panose="020B0609020204030204" pitchFamily="49" charset="0"/>
+              </a:rPr>
+              <a:t>myName</a:t>
+            </a:r>
+            <a:r>
+              <a:rPr lang="en-US" sz="2800" dirty="0">
+                <a:latin typeface="Consolas" panose="020B0609020204030204" pitchFamily="49" charset="0"/>
+              </a:rPr>
+              <a:t> = </a:t>
+            </a:r>
+            <a:r>
+              <a:rPr lang="en-US" sz="2800" dirty="0">
+                <a:solidFill>
+                  <a:srgbClr val="FFC000"/>
+                </a:solidFill>
+                <a:latin typeface="Consolas" panose="020B0609020204030204" pitchFamily="49" charset="0"/>
+              </a:rPr>
+              <a:t>input</a:t>
+            </a:r>
+            <a:r>
+              <a:rPr lang="en-US" sz="2800" dirty="0">
+                <a:latin typeface="Consolas" panose="020B0609020204030204" pitchFamily="49" charset="0"/>
+              </a:rPr>
+              <a:t>('Name? ')</a:t>
+            </a:r>
+          </a:p>
+          <a:p>
+            <a:r>
+              <a:rPr lang="en-US" sz="2800" dirty="0">
+                <a:solidFill>
+                  <a:srgbClr val="FFC000"/>
+                </a:solidFill>
+                <a:latin typeface="Consolas" panose="020B0609020204030204" pitchFamily="49" charset="0"/>
+              </a:rPr>
+              <a:t>hello</a:t>
+            </a:r>
+            <a:r>
+              <a:rPr lang="en-US" sz="2800" dirty="0">
+                <a:latin typeface="Consolas" panose="020B0609020204030204" pitchFamily="49" charset="0"/>
+              </a:rPr>
+              <a:t>(</a:t>
+            </a:r>
+            <a:r>
+              <a:rPr lang="en-US" sz="2800" dirty="0" err="1">
+                <a:latin typeface="Consolas" panose="020B0609020204030204" pitchFamily="49" charset="0"/>
+              </a:rPr>
+              <a:t>myName</a:t>
+            </a:r>
+            <a:r>
+              <a:rPr lang="en-US" sz="2800" dirty="0">
+                <a:latin typeface="Consolas" panose="020B0609020204030204" pitchFamily="49" charset="0"/>
+              </a:rPr>
+              <a:t>)</a:t>
+            </a:r>
+          </a:p>
+        </p:txBody>
+      </p:sp>
+      <p:sp>
+        <p:nvSpPr>
+          <p:cNvPr id="6" name="TextBox 5">
+            <a:extLst>
+              <a:ext uri="{FF2B5EF4-FFF2-40B4-BE49-F238E27FC236}">
+                <a16:creationId xmlns:a16="http://schemas.microsoft.com/office/drawing/2014/main" id="{236135A0-412A-86C5-8E70-A3DFFD7CFCD5}"/>
+              </a:ext>
+            </a:extLst>
+          </p:cNvPr>
+          <p:cNvSpPr txBox="1"/>
+          <p:nvPr/>
+        </p:nvSpPr>
+        <p:spPr>
+          <a:xfrm>
+            <a:off x="4622292" y="1757133"/>
+            <a:ext cx="1473708" cy="369332"/>
+          </a:xfrm>
+          <a:prstGeom prst="rect">
+            <a:avLst/>
+          </a:prstGeom>
+          <a:noFill/>
+        </p:spPr>
+        <p:txBody>
+          <a:bodyPr wrap="square">
+            <a:spAutoFit/>
+          </a:bodyPr>
+          <a:lstStyle/>
+          <a:p>
+            <a:r>
+              <a:rPr lang="en-US" sz="1800" dirty="0">
+                <a:solidFill>
+                  <a:schemeClr val="tx1">
+                    <a:lumMod val="75000"/>
+                    <a:lumOff val="25000"/>
+                  </a:schemeClr>
+                </a:solidFill>
+                <a:latin typeface="Futura Medium"/>
+                <a:cs typeface="Arial" panose="020B0604020202020204" pitchFamily="34" charset="0"/>
+              </a:rPr>
+              <a:t>Parameter</a:t>
+            </a:r>
+            <a:endParaRPr lang="en-US" dirty="0"/>
+          </a:p>
+        </p:txBody>
+      </p:sp>
+      <p:sp>
+        <p:nvSpPr>
+          <p:cNvPr id="7" name="Arrow: Down 6">
+            <a:extLst>
+              <a:ext uri="{FF2B5EF4-FFF2-40B4-BE49-F238E27FC236}">
+                <a16:creationId xmlns:a16="http://schemas.microsoft.com/office/drawing/2014/main" id="{DE41A441-8CC0-A628-5920-143110F77557}"/>
+              </a:ext>
+            </a:extLst>
+          </p:cNvPr>
+          <p:cNvSpPr/>
+          <p:nvPr/>
+        </p:nvSpPr>
+        <p:spPr>
+          <a:xfrm>
+            <a:off x="5138928" y="2176272"/>
+            <a:ext cx="310896" cy="512064"/>
+          </a:xfrm>
+          <a:prstGeom prst="downArrow">
+            <a:avLst/>
+          </a:prstGeom>
+          <a:solidFill>
+            <a:srgbClr val="5EBB78"/>
+          </a:solidFill>
+          <a:ln w="3175">
+            <a:noFill/>
+          </a:ln>
+        </p:spPr>
+        <p:style>
+          <a:lnRef idx="2">
+            <a:schemeClr val="accent1">
+              <a:shade val="50000"/>
+            </a:schemeClr>
+          </a:lnRef>
+          <a:fillRef idx="1">
+            <a:schemeClr val="accent1"/>
+          </a:fillRef>
+          <a:effectRef idx="0">
+            <a:schemeClr val="accent1"/>
+          </a:effectRef>
+          <a:fontRef idx="minor">
+            <a:schemeClr val="lt1"/>
+          </a:fontRef>
+        </p:style>
+        <p:txBody>
+          <a:bodyPr rtlCol="0" anchor="ctr"/>
+          <a:lstStyle/>
+          <a:p>
+            <a:pPr algn="ctr"/>
+            <a:endParaRPr lang="en-US"/>
+          </a:p>
+        </p:txBody>
+      </p:sp>
+      <p:sp>
+        <p:nvSpPr>
+          <p:cNvPr id="8" name="TextBox 7">
+            <a:extLst>
+              <a:ext uri="{FF2B5EF4-FFF2-40B4-BE49-F238E27FC236}">
+                <a16:creationId xmlns:a16="http://schemas.microsoft.com/office/drawing/2014/main" id="{E794F220-0D05-D828-05B3-3B6E5C3AF5A6}"/>
+              </a:ext>
+            </a:extLst>
+          </p:cNvPr>
+          <p:cNvSpPr txBox="1"/>
+          <p:nvPr/>
+        </p:nvSpPr>
+        <p:spPr>
+          <a:xfrm>
+            <a:off x="4012692" y="5277474"/>
+            <a:ext cx="1473708" cy="369332"/>
+          </a:xfrm>
+          <a:prstGeom prst="rect">
+            <a:avLst/>
+          </a:prstGeom>
+          <a:noFill/>
+        </p:spPr>
+        <p:txBody>
+          <a:bodyPr wrap="square">
+            <a:spAutoFit/>
+          </a:bodyPr>
+          <a:lstStyle/>
+          <a:p>
+            <a:r>
+              <a:rPr lang="en-US" sz="1800" dirty="0">
+                <a:solidFill>
+                  <a:schemeClr val="tx1">
+                    <a:lumMod val="75000"/>
+                    <a:lumOff val="25000"/>
+                  </a:schemeClr>
+                </a:solidFill>
+                <a:latin typeface="Futura Medium"/>
+                <a:cs typeface="Arial" panose="020B0604020202020204" pitchFamily="34" charset="0"/>
+              </a:rPr>
+              <a:t>Argument</a:t>
+            </a:r>
+            <a:endParaRPr lang="en-US" dirty="0"/>
+          </a:p>
+        </p:txBody>
+      </p:sp>
+      <p:sp>
+        <p:nvSpPr>
+          <p:cNvPr id="9" name="Arrow: Down 8">
+            <a:extLst>
+              <a:ext uri="{FF2B5EF4-FFF2-40B4-BE49-F238E27FC236}">
+                <a16:creationId xmlns:a16="http://schemas.microsoft.com/office/drawing/2014/main" id="{FAF772FA-F3FF-8DD2-4D82-ED0E109B5284}"/>
+              </a:ext>
+            </a:extLst>
+          </p:cNvPr>
+          <p:cNvSpPr/>
+          <p:nvPr/>
+        </p:nvSpPr>
+        <p:spPr>
+          <a:xfrm rot="10800000">
+            <a:off x="4493516" y="4748908"/>
+            <a:ext cx="310896" cy="512064"/>
+          </a:xfrm>
+          <a:prstGeom prst="downArrow">
+            <a:avLst/>
+          </a:prstGeom>
+          <a:solidFill>
+            <a:srgbClr val="5EBB78"/>
+          </a:solidFill>
+          <a:ln w="3175">
+            <a:noFill/>
+          </a:ln>
+        </p:spPr>
+        <p:style>
+          <a:lnRef idx="2">
+            <a:schemeClr val="accent1">
+              <a:shade val="50000"/>
+            </a:schemeClr>
+          </a:lnRef>
+          <a:fillRef idx="1">
+            <a:schemeClr val="accent1"/>
+          </a:fillRef>
+          <a:effectRef idx="0">
+            <a:schemeClr val="accent1"/>
+          </a:effectRef>
+          <a:fontRef idx="minor">
+            <a:schemeClr val="lt1"/>
+          </a:fontRef>
+        </p:style>
+        <p:txBody>
+          <a:bodyPr rtlCol="0" anchor="ctr"/>
+          <a:lstStyle/>
+          <a:p>
+            <a:pPr algn="ctr"/>
+            <a:endParaRPr lang="en-US"/>
+          </a:p>
+        </p:txBody>
+      </p:sp>
+      <p:sp>
+        <p:nvSpPr>
+          <p:cNvPr id="10" name="TextBox 9">
+            <a:extLst>
+              <a:ext uri="{FF2B5EF4-FFF2-40B4-BE49-F238E27FC236}">
+                <a16:creationId xmlns:a16="http://schemas.microsoft.com/office/drawing/2014/main" id="{BBCEA592-BE79-D337-1A96-68AEC4624CC4}"/>
+              </a:ext>
+            </a:extLst>
+          </p:cNvPr>
+          <p:cNvSpPr txBox="1"/>
+          <p:nvPr/>
+        </p:nvSpPr>
+        <p:spPr>
+          <a:xfrm>
+            <a:off x="0" y="6550223"/>
+            <a:ext cx="12192000" cy="307777"/>
+          </a:xfrm>
+          <a:prstGeom prst="rect">
+            <a:avLst/>
+          </a:prstGeom>
+          <a:noFill/>
+        </p:spPr>
+        <p:txBody>
+          <a:bodyPr wrap="square" rtlCol="0">
+            <a:spAutoFit/>
+          </a:bodyPr>
+          <a:lstStyle/>
+          <a:p>
+            <a:pPr>
+              <a:defRPr/>
+            </a:pPr>
+            <a:r>
+              <a:rPr lang="en-US" sz="1400" dirty="0">
+                <a:solidFill>
+                  <a:schemeClr val="tx1">
+                    <a:lumMod val="65000"/>
+                    <a:lumOff val="35000"/>
+                  </a:schemeClr>
+                </a:solidFill>
+                <a:latin typeface="+mj-lt"/>
+                <a:ea typeface="Verdana" panose="020B0604030504040204" pitchFamily="34" charset="0"/>
+              </a:rPr>
+              <a:t>Source: Randy Switt – University of Florida (Pythonista)</a:t>
+            </a:r>
+            <a:endParaRPr lang="en-US" sz="1400" dirty="0">
+              <a:solidFill>
+                <a:schemeClr val="tx1">
+                  <a:lumMod val="65000"/>
+                  <a:lumOff val="35000"/>
+                </a:schemeClr>
+              </a:solidFill>
+              <a:latin typeface="+mj-lt"/>
+            </a:endParaRPr>
+          </a:p>
+        </p:txBody>
+      </p:sp>
+    </p:spTree>
+    <p:extLst>
+      <p:ext uri="{BB962C8B-B14F-4D97-AF65-F5344CB8AC3E}">
+        <p14:creationId xmlns:p14="http://schemas.microsoft.com/office/powerpoint/2010/main" val="2588662608"/>
+      </p:ext>
+    </p:extLst>
+  </p:cSld>
+  <p:clrMapOvr>
+    <a:masterClrMapping/>
+  </p:clrMapOvr>
 </p:sld>
 </file>
 

--- a/presentations/03_functions.pptx
+++ b/presentations/03_functions.pptx
@@ -225,7 +225,7 @@
           <a:p>
             <a:fld id="{FD93C9B2-20F6-4DB1-B471-224337D0AC79}" type="datetimeFigureOut">
               <a:rPr lang="en-US" smtClean="0"/>
-              <a:t>10/11/2022</a:t>
+              <a:t>10/27/2022</a:t>
             </a:fld>
             <a:endParaRPr lang="en-US"/>
           </a:p>
@@ -3378,7 +3378,7 @@
           <a:p>
             <a:fld id="{C3F78080-8D0A-4BE8-A5B4-CB115102D524}" type="datetimeFigureOut">
               <a:rPr lang="en-US" smtClean="0"/>
-              <a:t>10/11/2022</a:t>
+              <a:t>10/27/2022</a:t>
             </a:fld>
             <a:endParaRPr lang="en-US"/>
           </a:p>
@@ -3576,7 +3576,7 @@
           <a:p>
             <a:fld id="{C3F78080-8D0A-4BE8-A5B4-CB115102D524}" type="datetimeFigureOut">
               <a:rPr lang="en-US" smtClean="0"/>
-              <a:t>10/11/2022</a:t>
+              <a:t>10/27/2022</a:t>
             </a:fld>
             <a:endParaRPr lang="en-US"/>
           </a:p>
@@ -3784,7 +3784,7 @@
           <a:p>
             <a:fld id="{C3F78080-8D0A-4BE8-A5B4-CB115102D524}" type="datetimeFigureOut">
               <a:rPr lang="en-US" smtClean="0"/>
-              <a:t>10/11/2022</a:t>
+              <a:t>10/27/2022</a:t>
             </a:fld>
             <a:endParaRPr lang="en-US"/>
           </a:p>
@@ -3982,7 +3982,7 @@
           <a:p>
             <a:fld id="{C3F78080-8D0A-4BE8-A5B4-CB115102D524}" type="datetimeFigureOut">
               <a:rPr lang="en-US" smtClean="0"/>
-              <a:t>10/11/2022</a:t>
+              <a:t>10/27/2022</a:t>
             </a:fld>
             <a:endParaRPr lang="en-US"/>
           </a:p>
@@ -4257,7 +4257,7 @@
           <a:p>
             <a:fld id="{C3F78080-8D0A-4BE8-A5B4-CB115102D524}" type="datetimeFigureOut">
               <a:rPr lang="en-US" smtClean="0"/>
-              <a:t>10/11/2022</a:t>
+              <a:t>10/27/2022</a:t>
             </a:fld>
             <a:endParaRPr lang="en-US"/>
           </a:p>
@@ -4522,7 +4522,7 @@
           <a:p>
             <a:fld id="{C3F78080-8D0A-4BE8-A5B4-CB115102D524}" type="datetimeFigureOut">
               <a:rPr lang="en-US" smtClean="0"/>
-              <a:t>10/11/2022</a:t>
+              <a:t>10/27/2022</a:t>
             </a:fld>
             <a:endParaRPr lang="en-US"/>
           </a:p>
@@ -4934,7 +4934,7 @@
           <a:p>
             <a:fld id="{C3F78080-8D0A-4BE8-A5B4-CB115102D524}" type="datetimeFigureOut">
               <a:rPr lang="en-US" smtClean="0"/>
-              <a:t>10/11/2022</a:t>
+              <a:t>10/27/2022</a:t>
             </a:fld>
             <a:endParaRPr lang="en-US"/>
           </a:p>
@@ -5075,7 +5075,7 @@
           <a:p>
             <a:fld id="{C3F78080-8D0A-4BE8-A5B4-CB115102D524}" type="datetimeFigureOut">
               <a:rPr lang="en-US" smtClean="0"/>
-              <a:t>10/11/2022</a:t>
+              <a:t>10/27/2022</a:t>
             </a:fld>
             <a:endParaRPr lang="en-US"/>
           </a:p>
@@ -5188,7 +5188,7 @@
           <a:p>
             <a:fld id="{C3F78080-8D0A-4BE8-A5B4-CB115102D524}" type="datetimeFigureOut">
               <a:rPr lang="en-US" smtClean="0"/>
-              <a:t>10/11/2022</a:t>
+              <a:t>10/27/2022</a:t>
             </a:fld>
             <a:endParaRPr lang="en-US"/>
           </a:p>
@@ -5499,7 +5499,7 @@
           <a:p>
             <a:fld id="{C3F78080-8D0A-4BE8-A5B4-CB115102D524}" type="datetimeFigureOut">
               <a:rPr lang="en-US" smtClean="0"/>
-              <a:t>10/11/2022</a:t>
+              <a:t>10/27/2022</a:t>
             </a:fld>
             <a:endParaRPr lang="en-US"/>
           </a:p>
@@ -5787,7 +5787,7 @@
           <a:p>
             <a:fld id="{C3F78080-8D0A-4BE8-A5B4-CB115102D524}" type="datetimeFigureOut">
               <a:rPr lang="en-US" smtClean="0"/>
-              <a:t>10/11/2022</a:t>
+              <a:t>10/27/2022</a:t>
             </a:fld>
             <a:endParaRPr lang="en-US"/>
           </a:p>
@@ -6028,7 +6028,7 @@
           <a:p>
             <a:fld id="{C3F78080-8D0A-4BE8-A5B4-CB115102D524}" type="datetimeFigureOut">
               <a:rPr lang="en-US" smtClean="0"/>
-              <a:t>10/11/2022</a:t>
+              <a:t>10/27/2022</a:t>
             </a:fld>
             <a:endParaRPr lang="en-US"/>
           </a:p>
@@ -6685,8 +6685,8 @@
         </p:nvSpPr>
         <p:spPr>
           <a:xfrm>
-            <a:off x="2236945" y="2507100"/>
-            <a:ext cx="7718108" cy="2308324"/>
+            <a:off x="2236945" y="2322434"/>
+            <a:ext cx="7718108" cy="2677656"/>
           </a:xfrm>
           <a:prstGeom prst="rect">
             <a:avLst/>
@@ -6713,16 +6713,25 @@
             <a:r>
               <a:rPr lang="en-US" sz="2400" dirty="0">
                 <a:solidFill>
+                  <a:srgbClr val="007C00"/>
+                </a:solidFill>
+                <a:latin typeface="Consolas" panose="020B0609020204030204" pitchFamily="49" charset="0"/>
+              </a:rPr>
+              <a:t>def</a:t>
+            </a:r>
+            <a:r>
+              <a:rPr lang="en-US" sz="2400" dirty="0">
+                <a:solidFill>
                   <a:srgbClr val="FF00FF"/>
                 </a:solidFill>
                 <a:latin typeface="Consolas" panose="020B0609020204030204" pitchFamily="49" charset="0"/>
               </a:rPr>
-              <a:t>def </a:t>
+              <a:t> </a:t>
             </a:r>
             <a:r>
               <a:rPr lang="en-US" sz="2400" dirty="0">
                 <a:solidFill>
-                  <a:srgbClr val="00B0F0"/>
+                  <a:srgbClr val="482DFF"/>
                 </a:solidFill>
                 <a:latin typeface="Consolas" panose="020B0609020204030204" pitchFamily="49" charset="0"/>
               </a:rPr>
@@ -6745,7 +6754,7 @@
             <a:r>
               <a:rPr lang="en-US" sz="2400" dirty="0">
                 <a:solidFill>
-                  <a:srgbClr val="FFC000"/>
+                  <a:srgbClr val="007C00"/>
                 </a:solidFill>
                 <a:latin typeface="Consolas" panose="020B0609020204030204" pitchFamily="49" charset="0"/>
               </a:rPr>
@@ -6760,7 +6769,7 @@
             <a:r>
               <a:rPr lang="en-US" sz="2400" dirty="0">
                 <a:solidFill>
-                  <a:srgbClr val="92D050"/>
+                  <a:srgbClr val="BA2020"/>
                 </a:solidFill>
                 <a:latin typeface="Consolas" panose="020B0609020204030204" pitchFamily="49" charset="0"/>
               </a:rPr>
@@ -6776,52 +6785,48 @@
           <a:p>
             <a:r>
               <a:rPr lang="en-US" sz="2400" dirty="0">
+                <a:solidFill>
+                  <a:srgbClr val="007C00"/>
+                </a:solidFill>
                 <a:latin typeface="Consolas" panose="020B0609020204030204" pitchFamily="49" charset="0"/>
               </a:rPr>
-              <a:t>	</a:t>
-            </a:r>
-            <a:r>
-              <a:rPr lang="en-US" sz="2400" dirty="0">
-                <a:solidFill>
-                  <a:srgbClr val="FF00FF"/>
-                </a:solidFill>
-                <a:latin typeface="Consolas" panose="020B0609020204030204" pitchFamily="49" charset="0"/>
-              </a:rPr>
-              <a:t>return</a:t>
-            </a:r>
+              <a:t>	return True</a:t>
+            </a:r>
+          </a:p>
+          <a:p>
+            <a:endParaRPr lang="en-US" sz="2400" dirty="0">
+              <a:solidFill>
+                <a:srgbClr val="007C00"/>
+              </a:solidFill>
+              <a:latin typeface="Consolas" panose="020B0609020204030204" pitchFamily="49" charset="0"/>
+            </a:endParaRPr>
+          </a:p>
+          <a:p>
             <a:r>
               <a:rPr lang="en-US" sz="2400" dirty="0">
                 <a:latin typeface="Consolas" panose="020B0609020204030204" pitchFamily="49" charset="0"/>
               </a:rPr>
-              <a:t> </a:t>
+              <a:t>myName </a:t>
             </a:r>
             <a:r>
               <a:rPr lang="en-US" sz="2400" dirty="0">
                 <a:solidFill>
-                  <a:srgbClr val="FFC000"/>
+                  <a:srgbClr val="BD62FF"/>
                 </a:solidFill>
                 <a:latin typeface="Consolas" panose="020B0609020204030204" pitchFamily="49" charset="0"/>
               </a:rPr>
-              <a:t>True</a:t>
-            </a:r>
-          </a:p>
-          <a:p>
-            <a:r>
-              <a:rPr lang="en-US" sz="2400" dirty="0" err="1">
-                <a:latin typeface="Consolas" panose="020B0609020204030204" pitchFamily="49" charset="0"/>
-              </a:rPr>
-              <a:t>myName</a:t>
+              <a:t>=</a:t>
             </a:r>
             <a:r>
               <a:rPr lang="en-US" sz="2400" dirty="0">
                 <a:latin typeface="Consolas" panose="020B0609020204030204" pitchFamily="49" charset="0"/>
               </a:rPr>
-              <a:t> = </a:t>
+              <a:t> </a:t>
             </a:r>
             <a:r>
               <a:rPr lang="en-US" sz="2400" dirty="0">
                 <a:solidFill>
-                  <a:srgbClr val="FFC000"/>
+                  <a:srgbClr val="007C00"/>
                 </a:solidFill>
                 <a:latin typeface="Consolas" panose="020B0609020204030204" pitchFamily="49" charset="0"/>
               </a:rPr>
@@ -6848,32 +6853,38 @@
                 </a:solidFill>
                 <a:latin typeface="Consolas" panose="020B0609020204030204" pitchFamily="49" charset="0"/>
               </a:rPr>
-              <a:t> = hello</a:t>
+              <a:t> </a:t>
+            </a:r>
+            <a:r>
+              <a:rPr lang="en-US" sz="2400" dirty="0">
+                <a:solidFill>
+                  <a:srgbClr val="BD62FF"/>
+                </a:solidFill>
+                <a:latin typeface="Consolas" panose="020B0609020204030204" pitchFamily="49" charset="0"/>
+              </a:rPr>
+              <a:t>=</a:t>
+            </a:r>
+            <a:r>
+              <a:rPr lang="en-US" sz="2400" dirty="0">
+                <a:solidFill>
+                  <a:srgbClr val="FFC000"/>
+                </a:solidFill>
+                <a:latin typeface="Consolas" panose="020B0609020204030204" pitchFamily="49" charset="0"/>
+              </a:rPr>
+              <a:t> </a:t>
             </a:r>
             <a:r>
               <a:rPr lang="en-US" sz="2400" dirty="0">
                 <a:latin typeface="Consolas" panose="020B0609020204030204" pitchFamily="49" charset="0"/>
               </a:rPr>
-              <a:t>(</a:t>
-            </a:r>
-            <a:r>
-              <a:rPr lang="en-US" sz="2400" dirty="0" err="1">
-                <a:latin typeface="Consolas" panose="020B0609020204030204" pitchFamily="49" charset="0"/>
-              </a:rPr>
-              <a:t>myName</a:t>
-            </a:r>
+              <a:t>hello(myName)</a:t>
+            </a:r>
+          </a:p>
+          <a:p>
             <a:r>
               <a:rPr lang="en-US" sz="2400" dirty="0">
-                <a:latin typeface="Consolas" panose="020B0609020204030204" pitchFamily="49" charset="0"/>
-              </a:rPr>
-              <a:t>)</a:t>
-            </a:r>
-          </a:p>
-          <a:p>
-            <a:r>
-              <a:rPr lang="en-US" sz="2400" dirty="0">
-                <a:solidFill>
-                  <a:srgbClr val="FFC000"/>
+                <a:solidFill>
+                  <a:srgbClr val="007C00"/>
                 </a:solidFill>
                 <a:latin typeface="Consolas" panose="020B0609020204030204" pitchFamily="49" charset="0"/>
               </a:rPr>
@@ -7166,16 +7177,25 @@
             <a:r>
               <a:rPr lang="en-US" sz="2400" dirty="0">
                 <a:solidFill>
+                  <a:srgbClr val="007C00"/>
+                </a:solidFill>
+                <a:latin typeface="Consolas" panose="020B0609020204030204" pitchFamily="49" charset="0"/>
+              </a:rPr>
+              <a:t>def</a:t>
+            </a:r>
+            <a:r>
+              <a:rPr lang="en-US" sz="2400" dirty="0">
+                <a:solidFill>
                   <a:srgbClr val="FF00FF"/>
                 </a:solidFill>
                 <a:latin typeface="Consolas" panose="020B0609020204030204" pitchFamily="49" charset="0"/>
               </a:rPr>
-              <a:t>def </a:t>
+              <a:t> </a:t>
             </a:r>
             <a:r>
               <a:rPr lang="en-US" sz="2400" dirty="0">
                 <a:solidFill>
-                  <a:srgbClr val="3366FF"/>
+                  <a:srgbClr val="482DFF"/>
                 </a:solidFill>
                 <a:latin typeface="Consolas" panose="020B0609020204030204" pitchFamily="49" charset="0"/>
               </a:rPr>
@@ -7198,7 +7218,7 @@
             <a:r>
               <a:rPr lang="en-US" sz="2400" dirty="0">
                 <a:solidFill>
-                  <a:srgbClr val="FFC000"/>
+                  <a:srgbClr val="007C00"/>
                 </a:solidFill>
                 <a:latin typeface="Consolas" panose="020B0609020204030204" pitchFamily="49" charset="0"/>
               </a:rPr>
@@ -7213,7 +7233,7 @@
             <a:r>
               <a:rPr lang="en-US" sz="2400" dirty="0">
                 <a:solidFill>
-                  <a:srgbClr val="5EBB78"/>
+                  <a:srgbClr val="BA2020"/>
                 </a:solidFill>
                 <a:latin typeface="Consolas" panose="020B0609020204030204" pitchFamily="49" charset="0"/>
               </a:rPr>
@@ -7223,7 +7243,22 @@
               <a:rPr lang="en-US" sz="2400" dirty="0">
                 <a:latin typeface="Consolas" panose="020B0609020204030204" pitchFamily="49" charset="0"/>
               </a:rPr>
-              <a:t>.format(name))</a:t>
+              <a:t>.</a:t>
+            </a:r>
+            <a:r>
+              <a:rPr lang="en-US" sz="2400" dirty="0">
+                <a:solidFill>
+                  <a:srgbClr val="4D5EB6"/>
+                </a:solidFill>
+                <a:latin typeface="Consolas" panose="020B0609020204030204" pitchFamily="49" charset="0"/>
+              </a:rPr>
+              <a:t>format</a:t>
+            </a:r>
+            <a:r>
+              <a:rPr lang="en-US" sz="2400" dirty="0">
+                <a:latin typeface="Consolas" panose="020B0609020204030204" pitchFamily="49" charset="0"/>
+              </a:rPr>
+              <a:t>(name))</a:t>
             </a:r>
           </a:p>
           <a:p>
@@ -7233,31 +7268,55 @@
           </a:p>
           <a:p>
             <a:r>
-              <a:rPr lang="en-US" sz="2400" dirty="0" err="1">
-                <a:latin typeface="Consolas" panose="020B0609020204030204" pitchFamily="49" charset="0"/>
-              </a:rPr>
-              <a:t>myName</a:t>
-            </a:r>
-            <a:r>
               <a:rPr lang="en-US" sz="2400" dirty="0">
                 <a:latin typeface="Consolas" panose="020B0609020204030204" pitchFamily="49" charset="0"/>
               </a:rPr>
-              <a:t> = </a:t>
+              <a:t>myName </a:t>
             </a:r>
             <a:r>
               <a:rPr lang="en-US" sz="2400" dirty="0">
                 <a:solidFill>
-                  <a:srgbClr val="FFC000"/>
+                  <a:srgbClr val="BD62FF"/>
                 </a:solidFill>
                 <a:latin typeface="Consolas" panose="020B0609020204030204" pitchFamily="49" charset="0"/>
               </a:rPr>
-              <a:t>input</a:t>
+              <a:t>=</a:t>
             </a:r>
             <a:r>
               <a:rPr lang="en-US" sz="2400" dirty="0">
                 <a:latin typeface="Consolas" panose="020B0609020204030204" pitchFamily="49" charset="0"/>
               </a:rPr>
-              <a:t>('Name? ‘)</a:t>
+              <a:t> </a:t>
+            </a:r>
+            <a:r>
+              <a:rPr lang="en-US" sz="2400" dirty="0">
+                <a:solidFill>
+                  <a:srgbClr val="007C00"/>
+                </a:solidFill>
+                <a:latin typeface="Consolas" panose="020B0609020204030204" pitchFamily="49" charset="0"/>
+              </a:rPr>
+              <a:t>input</a:t>
+            </a:r>
+            <a:r>
+              <a:rPr lang="en-US" sz="2400" dirty="0">
+                <a:latin typeface="Consolas" panose="020B0609020204030204" pitchFamily="49" charset="0"/>
+              </a:rPr>
+              <a:t>(</a:t>
+            </a:r>
+            <a:r>
+              <a:rPr lang="en-US" sz="2400" dirty="0">
+                <a:solidFill>
+                  <a:srgbClr val="BA2020"/>
+                </a:solidFill>
+                <a:latin typeface="Consolas" panose="020B0609020204030204" pitchFamily="49" charset="0"/>
+              </a:rPr>
+              <a:t>'Name? '</a:t>
+            </a:r>
+            <a:r>
+              <a:rPr lang="en-US" sz="2400" dirty="0">
+                <a:latin typeface="Consolas" panose="020B0609020204030204" pitchFamily="49" charset="0"/>
+              </a:rPr>
+              <a:t>)</a:t>
             </a:r>
           </a:p>
           <a:p>
@@ -7272,7 +7331,7 @@
             <a:r>
               <a:rPr lang="en-US" sz="2400" dirty="0">
                 <a:solidFill>
-                  <a:srgbClr val="5EBB78"/>
+                  <a:srgbClr val="698F91"/>
                 </a:solidFill>
                 <a:latin typeface="Consolas" panose="020B0609020204030204" pitchFamily="49" charset="0"/>
               </a:rPr>
@@ -7280,32 +7339,11 @@
             </a:r>
           </a:p>
           <a:p>
-            <a:r>
-              <a:rPr lang="en-US" sz="2400" dirty="0">
-                <a:solidFill>
-                  <a:srgbClr val="3366FF"/>
-                </a:solidFill>
-                <a:latin typeface="Consolas" panose="020B0609020204030204" pitchFamily="49" charset="0"/>
-              </a:rPr>
-              <a:t>hello</a:t>
-            </a:r>
             <a:r>
               <a:rPr lang="en-US" sz="2400" dirty="0">
                 <a:latin typeface="Consolas" panose="020B0609020204030204" pitchFamily="49" charset="0"/>
               </a:rPr>
-              <a:t>(</a:t>
-            </a:r>
-            <a:r>
-              <a:rPr lang="en-US" sz="2400" dirty="0" err="1">
-                <a:latin typeface="Consolas" panose="020B0609020204030204" pitchFamily="49" charset="0"/>
-              </a:rPr>
-              <a:t>myName</a:t>
-            </a:r>
-            <a:r>
-              <a:rPr lang="en-US" sz="2400" dirty="0">
-                <a:latin typeface="Consolas" panose="020B0609020204030204" pitchFamily="49" charset="0"/>
-              </a:rPr>
-              <a:t>)</a:t>
+              <a:t>hello(myName)</a:t>
             </a:r>
           </a:p>
           <a:p>
@@ -7317,7 +7355,7 @@
             <a:r>
               <a:rPr lang="en-US" sz="2400" dirty="0">
                 <a:solidFill>
-                  <a:srgbClr val="5EBB78"/>
+                  <a:srgbClr val="698F91"/>
                 </a:solidFill>
                 <a:latin typeface="Consolas" panose="020B0609020204030204" pitchFamily="49" charset="0"/>
               </a:rPr>
@@ -7325,32 +7363,26 @@
             </a:r>
           </a:p>
           <a:p>
-            <a:r>
-              <a:rPr lang="en-US" sz="2400" dirty="0">
-                <a:solidFill>
-                  <a:srgbClr val="3366FF"/>
-                </a:solidFill>
-                <a:latin typeface="Consolas" panose="020B0609020204030204" pitchFamily="49" charset="0"/>
-              </a:rPr>
-              <a:t>hello</a:t>
-            </a:r>
             <a:r>
               <a:rPr lang="en-US" sz="2400" dirty="0">
                 <a:latin typeface="Consolas" panose="020B0609020204030204" pitchFamily="49" charset="0"/>
               </a:rPr>
-              <a:t>(name = </a:t>
-            </a:r>
-            <a:r>
-              <a:rPr lang="en-US" sz="2400" dirty="0" err="1">
+              <a:t>hello(name </a:t>
+            </a:r>
+            <a:r>
+              <a:rPr lang="en-US" sz="2400" dirty="0">
+                <a:solidFill>
+                  <a:srgbClr val="BD62FF"/>
+                </a:solidFill>
                 <a:latin typeface="Consolas" panose="020B0609020204030204" pitchFamily="49" charset="0"/>
               </a:rPr>
-              <a:t>myName</a:t>
+              <a:t>=</a:t>
             </a:r>
             <a:r>
               <a:rPr lang="en-US" sz="2400" dirty="0">
                 <a:latin typeface="Consolas" panose="020B0609020204030204" pitchFamily="49" charset="0"/>
               </a:rPr>
-              <a:t>)</a:t>
+              <a:t> myName)</a:t>
             </a:r>
           </a:p>
         </p:txBody>
@@ -9853,7 +9885,7 @@
         </p:nvSpPr>
         <p:spPr>
           <a:xfrm>
-            <a:off x="3454855" y="4127603"/>
+            <a:off x="3454855" y="3867038"/>
             <a:ext cx="6098720" cy="954107"/>
           </a:xfrm>
           <a:prstGeom prst="rect">
@@ -9881,16 +9913,25 @@
             <a:r>
               <a:rPr lang="en-US" sz="2800" dirty="0">
                 <a:solidFill>
+                  <a:srgbClr val="007C00"/>
+                </a:solidFill>
+                <a:latin typeface="Consolas" panose="020B0609020204030204" pitchFamily="49" charset="0"/>
+              </a:rPr>
+              <a:t>def</a:t>
+            </a:r>
+            <a:r>
+              <a:rPr lang="en-US" sz="2800" dirty="0">
+                <a:solidFill>
                   <a:srgbClr val="FF00FF"/>
                 </a:solidFill>
                 <a:latin typeface="Consolas" panose="020B0609020204030204" pitchFamily="49" charset="0"/>
               </a:rPr>
-              <a:t>def </a:t>
+              <a:t> </a:t>
             </a:r>
             <a:r>
               <a:rPr lang="en-US" sz="2800" dirty="0">
                 <a:solidFill>
-                  <a:srgbClr val="00B0F0"/>
+                  <a:srgbClr val="482DFF"/>
                 </a:solidFill>
                 <a:latin typeface="Consolas" panose="020B0609020204030204" pitchFamily="49" charset="0"/>
               </a:rPr>
@@ -9908,12 +9949,27 @@
               <a:rPr lang="en-US" sz="2800" dirty="0">
                 <a:latin typeface="Consolas" panose="020B0609020204030204" pitchFamily="49" charset="0"/>
               </a:rPr>
-              <a:t>    print(</a:t>
+              <a:t>    </a:t>
             </a:r>
             <a:r>
               <a:rPr lang="en-US" sz="2800" dirty="0">
                 <a:solidFill>
-                  <a:srgbClr val="5EBB78"/>
+                  <a:srgbClr val="007C00"/>
+                </a:solidFill>
+                <a:latin typeface="Consolas" panose="020B0609020204030204" pitchFamily="49" charset="0"/>
+              </a:rPr>
+              <a:t>print</a:t>
+            </a:r>
+            <a:r>
+              <a:rPr lang="en-US" sz="2800" dirty="0">
+                <a:latin typeface="Consolas" panose="020B0609020204030204" pitchFamily="49" charset="0"/>
+              </a:rPr>
+              <a:t>(</a:t>
+            </a:r>
+            <a:r>
+              <a:rPr lang="en-US" sz="2800" dirty="0">
+                <a:solidFill>
+                  <a:srgbClr val="BA2020"/>
                 </a:solidFill>
                 <a:latin typeface="Consolas" panose="020B0609020204030204" pitchFamily="49" charset="0"/>
               </a:rPr>
@@ -10415,16 +10471,25 @@
             <a:r>
               <a:rPr lang="en-US" sz="2800" dirty="0">
                 <a:solidFill>
+                  <a:srgbClr val="007C00"/>
+                </a:solidFill>
+                <a:latin typeface="Consolas" panose="020B0609020204030204" pitchFamily="49" charset="0"/>
+              </a:rPr>
+              <a:t>def</a:t>
+            </a:r>
+            <a:r>
+              <a:rPr lang="en-US" sz="2800" dirty="0">
+                <a:solidFill>
                   <a:srgbClr val="FF00FF"/>
                 </a:solidFill>
                 <a:latin typeface="Consolas" panose="020B0609020204030204" pitchFamily="49" charset="0"/>
               </a:rPr>
-              <a:t>def </a:t>
+              <a:t> </a:t>
             </a:r>
             <a:r>
               <a:rPr lang="en-US" sz="2800" dirty="0">
                 <a:solidFill>
-                  <a:srgbClr val="00B0F0"/>
+                  <a:srgbClr val="482DFF"/>
                 </a:solidFill>
                 <a:latin typeface="Consolas" panose="020B0609020204030204" pitchFamily="49" charset="0"/>
               </a:rPr>
@@ -10442,12 +10507,27 @@
               <a:rPr lang="en-US" sz="2800" dirty="0">
                 <a:latin typeface="Consolas" panose="020B0609020204030204" pitchFamily="49" charset="0"/>
               </a:rPr>
-              <a:t>    print(</a:t>
+              <a:t>    </a:t>
             </a:r>
             <a:r>
               <a:rPr lang="en-US" sz="2800" dirty="0">
                 <a:solidFill>
-                  <a:srgbClr val="5EBB78"/>
+                  <a:srgbClr val="007C00"/>
+                </a:solidFill>
+                <a:latin typeface="Consolas" panose="020B0609020204030204" pitchFamily="49" charset="0"/>
+              </a:rPr>
+              <a:t>print</a:t>
+            </a:r>
+            <a:r>
+              <a:rPr lang="en-US" sz="2800" dirty="0">
+                <a:latin typeface="Consolas" panose="020B0609020204030204" pitchFamily="49" charset="0"/>
+              </a:rPr>
+              <a:t>(</a:t>
+            </a:r>
+            <a:r>
+              <a:rPr lang="en-US" sz="2800" dirty="0">
+                <a:solidFill>
+                  <a:srgbClr val="C00000"/>
                 </a:solidFill>
                 <a:latin typeface="Consolas" panose="020B0609020204030204" pitchFamily="49" charset="0"/>
               </a:rPr>
@@ -10951,16 +11031,25 @@
             <a:r>
               <a:rPr lang="en-US" sz="2800" dirty="0">
                 <a:solidFill>
+                  <a:srgbClr val="007C00"/>
+                </a:solidFill>
+                <a:latin typeface="Consolas" panose="020B0609020204030204" pitchFamily="49" charset="0"/>
+              </a:rPr>
+              <a:t>def</a:t>
+            </a:r>
+            <a:r>
+              <a:rPr lang="en-US" sz="2800" dirty="0">
+                <a:solidFill>
                   <a:srgbClr val="FF00FF"/>
                 </a:solidFill>
                 <a:latin typeface="Consolas" panose="020B0609020204030204" pitchFamily="49" charset="0"/>
               </a:rPr>
-              <a:t>def </a:t>
+              <a:t> </a:t>
             </a:r>
             <a:r>
               <a:rPr lang="en-US" sz="2800" dirty="0">
                 <a:solidFill>
-                  <a:srgbClr val="00B0F0"/>
+                  <a:srgbClr val="482DFF"/>
                 </a:solidFill>
                 <a:latin typeface="Consolas" panose="020B0609020204030204" pitchFamily="49" charset="0"/>
               </a:rPr>
@@ -10983,7 +11072,7 @@
             <a:r>
               <a:rPr lang="en-US" sz="2800" dirty="0">
                 <a:solidFill>
-                  <a:srgbClr val="FFC000"/>
+                  <a:srgbClr val="007C00"/>
                 </a:solidFill>
                 <a:latin typeface="Consolas" panose="020B0609020204030204" pitchFamily="49" charset="0"/>
               </a:rPr>
@@ -10998,7 +11087,7 @@
             <a:r>
               <a:rPr lang="en-US" sz="2800" dirty="0">
                 <a:solidFill>
-                  <a:srgbClr val="5EBB78"/>
+                  <a:srgbClr val="BA2020"/>
                 </a:solidFill>
                 <a:latin typeface="Consolas" panose="020B0609020204030204" pitchFamily="49" charset="0"/>
               </a:rPr>
@@ -11008,7 +11097,22 @@
               <a:rPr lang="en-US" sz="2800" dirty="0">
                 <a:latin typeface="Consolas" panose="020B0609020204030204" pitchFamily="49" charset="0"/>
               </a:rPr>
-              <a:t>.format(name))</a:t>
+              <a:t>.</a:t>
+            </a:r>
+            <a:r>
+              <a:rPr lang="en-US" sz="2800" dirty="0">
+                <a:solidFill>
+                  <a:srgbClr val="4D5EB6"/>
+                </a:solidFill>
+                <a:latin typeface="Consolas" panose="020B0609020204030204" pitchFamily="49" charset="0"/>
+              </a:rPr>
+              <a:t>format</a:t>
+            </a:r>
+            <a:r>
+              <a:rPr lang="en-US" sz="2800" dirty="0">
+                <a:latin typeface="Consolas" panose="020B0609020204030204" pitchFamily="49" charset="0"/>
+              </a:rPr>
+              <a:t>(name))</a:t>
             </a:r>
           </a:p>
           <a:p>
@@ -11018,42 +11122,34 @@
           </a:p>
           <a:p>
             <a:r>
-              <a:rPr lang="en-US" sz="2800" dirty="0" err="1">
-                <a:latin typeface="Consolas" panose="020B0609020204030204" pitchFamily="49" charset="0"/>
-              </a:rPr>
-              <a:t>myName</a:t>
-            </a:r>
-            <a:r>
               <a:rPr lang="en-US" sz="2800" dirty="0">
                 <a:latin typeface="Consolas" panose="020B0609020204030204" pitchFamily="49" charset="0"/>
               </a:rPr>
-              <a:t> = </a:t>
+              <a:t>myName </a:t>
             </a:r>
             <a:r>
               <a:rPr lang="en-US" sz="2800" dirty="0">
                 <a:solidFill>
-                  <a:srgbClr val="FFC000"/>
+                  <a:srgbClr val="BD62FF"/>
                 </a:solidFill>
                 <a:latin typeface="Consolas" panose="020B0609020204030204" pitchFamily="49" charset="0"/>
               </a:rPr>
-              <a:t>input</a:t>
+              <a:t>=</a:t>
             </a:r>
             <a:r>
               <a:rPr lang="en-US" sz="2800" dirty="0">
                 <a:latin typeface="Consolas" panose="020B0609020204030204" pitchFamily="49" charset="0"/>
               </a:rPr>
-              <a:t>('Name? ')</a:t>
-            </a:r>
-          </a:p>
-          <a:p>
+              <a:t> </a:t>
+            </a:r>
             <a:r>
               <a:rPr lang="en-US" sz="2800" dirty="0">
                 <a:solidFill>
-                  <a:srgbClr val="FFC000"/>
+                  <a:srgbClr val="007C00"/>
                 </a:solidFill>
                 <a:latin typeface="Consolas" panose="020B0609020204030204" pitchFamily="49" charset="0"/>
               </a:rPr>
-              <a:t>hello</a:t>
+              <a:t>input</a:t>
             </a:r>
             <a:r>
               <a:rPr lang="en-US" sz="2800" dirty="0">
@@ -11062,16 +11158,27 @@
               <a:t>(</a:t>
             </a:r>
             <a:r>
-              <a:rPr lang="en-US" sz="2800" dirty="0" err="1">
+              <a:rPr lang="en-US" sz="2800" dirty="0">
+                <a:solidFill>
+                  <a:srgbClr val="BA2020"/>
+                </a:solidFill>
                 <a:latin typeface="Consolas" panose="020B0609020204030204" pitchFamily="49" charset="0"/>
               </a:rPr>
-              <a:t>myName</a:t>
+              <a:t>'Name? '</a:t>
             </a:r>
             <a:r>
               <a:rPr lang="en-US" sz="2800" dirty="0">
                 <a:latin typeface="Consolas" panose="020B0609020204030204" pitchFamily="49" charset="0"/>
               </a:rPr>
               <a:t>)</a:t>
+            </a:r>
+          </a:p>
+          <a:p>
+            <a:r>
+              <a:rPr lang="en-US" sz="2800" dirty="0">
+                <a:latin typeface="Consolas" panose="020B0609020204030204" pitchFamily="49" charset="0"/>
+              </a:rPr>
+              <a:t>hello(myName)</a:t>
             </a:r>
           </a:p>
         </p:txBody>

--- a/presentations/03_functions.pptx
+++ b/presentations/03_functions.pptx
@@ -225,7 +225,7 @@
           <a:p>
             <a:fld id="{FD93C9B2-20F6-4DB1-B471-224337D0AC79}" type="datetimeFigureOut">
               <a:rPr lang="en-US" smtClean="0"/>
-              <a:t>10/27/2022</a:t>
+              <a:t>11/1/2022</a:t>
             </a:fld>
             <a:endParaRPr lang="en-US"/>
           </a:p>
@@ -1804,7 +1804,7 @@
                   <a:srgbClr val="292929"/>
                 </a:solidFill>
                 <a:effectLst/>
-                <a:latin typeface="charter"/>
+                <a:latin typeface="Charter"/>
               </a:rPr>
               <a:t>instantiated</a:t>
             </a:r>
@@ -3378,7 +3378,7 @@
           <a:p>
             <a:fld id="{C3F78080-8D0A-4BE8-A5B4-CB115102D524}" type="datetimeFigureOut">
               <a:rPr lang="en-US" smtClean="0"/>
-              <a:t>10/27/2022</a:t>
+              <a:t>11/1/2022</a:t>
             </a:fld>
             <a:endParaRPr lang="en-US"/>
           </a:p>
@@ -3576,7 +3576,7 @@
           <a:p>
             <a:fld id="{C3F78080-8D0A-4BE8-A5B4-CB115102D524}" type="datetimeFigureOut">
               <a:rPr lang="en-US" smtClean="0"/>
-              <a:t>10/27/2022</a:t>
+              <a:t>11/1/2022</a:t>
             </a:fld>
             <a:endParaRPr lang="en-US"/>
           </a:p>
@@ -3784,7 +3784,7 @@
           <a:p>
             <a:fld id="{C3F78080-8D0A-4BE8-A5B4-CB115102D524}" type="datetimeFigureOut">
               <a:rPr lang="en-US" smtClean="0"/>
-              <a:t>10/27/2022</a:t>
+              <a:t>11/1/2022</a:t>
             </a:fld>
             <a:endParaRPr lang="en-US"/>
           </a:p>
@@ -3982,7 +3982,7 @@
           <a:p>
             <a:fld id="{C3F78080-8D0A-4BE8-A5B4-CB115102D524}" type="datetimeFigureOut">
               <a:rPr lang="en-US" smtClean="0"/>
-              <a:t>10/27/2022</a:t>
+              <a:t>11/1/2022</a:t>
             </a:fld>
             <a:endParaRPr lang="en-US"/>
           </a:p>
@@ -4257,7 +4257,7 @@
           <a:p>
             <a:fld id="{C3F78080-8D0A-4BE8-A5B4-CB115102D524}" type="datetimeFigureOut">
               <a:rPr lang="en-US" smtClean="0"/>
-              <a:t>10/27/2022</a:t>
+              <a:t>11/1/2022</a:t>
             </a:fld>
             <a:endParaRPr lang="en-US"/>
           </a:p>
@@ -4522,7 +4522,7 @@
           <a:p>
             <a:fld id="{C3F78080-8D0A-4BE8-A5B4-CB115102D524}" type="datetimeFigureOut">
               <a:rPr lang="en-US" smtClean="0"/>
-              <a:t>10/27/2022</a:t>
+              <a:t>11/1/2022</a:t>
             </a:fld>
             <a:endParaRPr lang="en-US"/>
           </a:p>
@@ -4934,7 +4934,7 @@
           <a:p>
             <a:fld id="{C3F78080-8D0A-4BE8-A5B4-CB115102D524}" type="datetimeFigureOut">
               <a:rPr lang="en-US" smtClean="0"/>
-              <a:t>10/27/2022</a:t>
+              <a:t>11/1/2022</a:t>
             </a:fld>
             <a:endParaRPr lang="en-US"/>
           </a:p>
@@ -5075,7 +5075,7 @@
           <a:p>
             <a:fld id="{C3F78080-8D0A-4BE8-A5B4-CB115102D524}" type="datetimeFigureOut">
               <a:rPr lang="en-US" smtClean="0"/>
-              <a:t>10/27/2022</a:t>
+              <a:t>11/1/2022</a:t>
             </a:fld>
             <a:endParaRPr lang="en-US"/>
           </a:p>
@@ -5188,7 +5188,7 @@
           <a:p>
             <a:fld id="{C3F78080-8D0A-4BE8-A5B4-CB115102D524}" type="datetimeFigureOut">
               <a:rPr lang="en-US" smtClean="0"/>
-              <a:t>10/27/2022</a:t>
+              <a:t>11/1/2022</a:t>
             </a:fld>
             <a:endParaRPr lang="en-US"/>
           </a:p>
@@ -5499,7 +5499,7 @@
           <a:p>
             <a:fld id="{C3F78080-8D0A-4BE8-A5B4-CB115102D524}" type="datetimeFigureOut">
               <a:rPr lang="en-US" smtClean="0"/>
-              <a:t>10/27/2022</a:t>
+              <a:t>11/1/2022</a:t>
             </a:fld>
             <a:endParaRPr lang="en-US"/>
           </a:p>
@@ -5787,7 +5787,7 @@
           <a:p>
             <a:fld id="{C3F78080-8D0A-4BE8-A5B4-CB115102D524}" type="datetimeFigureOut">
               <a:rPr lang="en-US" smtClean="0"/>
-              <a:t>10/27/2022</a:t>
+              <a:t>11/1/2022</a:t>
             </a:fld>
             <a:endParaRPr lang="en-US"/>
           </a:p>
@@ -6028,7 +6028,7 @@
           <a:p>
             <a:fld id="{C3F78080-8D0A-4BE8-A5B4-CB115102D524}" type="datetimeFigureOut">
               <a:rPr lang="en-US" smtClean="0"/>
-              <a:t>10/27/2022</a:t>
+              <a:t>11/1/2022</a:t>
             </a:fld>
             <a:endParaRPr lang="en-US"/>
           </a:p>
@@ -6463,7 +6463,7 @@
         </p:nvSpPr>
         <p:spPr>
           <a:xfrm>
-            <a:off x="844550" y="5105707"/>
+            <a:off x="436904" y="5379437"/>
             <a:ext cx="10515600" cy="670560"/>
           </a:xfrm>
         </p:spPr>
@@ -6473,7 +6473,7 @@
           <a:p>
             <a:r>
               <a:rPr lang="en-US" dirty="0">
-                <a:latin typeface="Palatino Linotype" panose="02040502050505030304" pitchFamily="18" charset="0"/>
+                <a:latin typeface="Avenir" panose="02000503020000020003" pitchFamily="2" charset="0"/>
                 <a:cs typeface="Segoe UI" panose="020B0502040204020203" pitchFamily="34" charset="0"/>
               </a:rPr>
               <a:t>Python Functions</a:t>
@@ -6483,10 +6483,10 @@
       </p:sp>
       <p:pic>
         <p:nvPicPr>
-          <p:cNvPr id="7" name="Picture 6" descr="A picture containing text, clipart&#10;&#10;Description automatically generated">
-            <a:extLst>
-              <a:ext uri="{FF2B5EF4-FFF2-40B4-BE49-F238E27FC236}">
-                <a16:creationId xmlns:a16="http://schemas.microsoft.com/office/drawing/2014/main" id="{77FCCB67-39FD-4BE1-9A26-C0B1DF410887}"/>
+          <p:cNvPr id="6" name="Graphic 5">
+            <a:extLst>
+              <a:ext uri="{FF2B5EF4-FFF2-40B4-BE49-F238E27FC236}">
+                <a16:creationId xmlns:a16="http://schemas.microsoft.com/office/drawing/2014/main" id="{D035209F-C587-7FC6-E954-C27464E4EBB0}"/>
               </a:ext>
             </a:extLst>
           </p:cNvPr>
@@ -6501,6 +6501,9 @@
               <a:ext uri="{28A0092B-C50C-407E-A947-70E740481C1C}">
                 <a14:useLocalDpi xmlns:a14="http://schemas.microsoft.com/office/drawing/2010/main" val="0"/>
               </a:ext>
+              <a:ext uri="{96DAC541-7B7A-43D3-8B79-37D633B846F1}">
+                <asvg:svgBlip xmlns:asvg="http://schemas.microsoft.com/office/drawing/2016/SVG/main" r:embed="rId4"/>
+              </a:ext>
             </a:extLst>
           </a:blip>
           <a:stretch>
@@ -6509,8 +6512,44 @@
         </p:blipFill>
         <p:spPr>
           <a:xfrm>
-            <a:off x="844551" y="3633112"/>
-            <a:ext cx="6154487" cy="1268482"/>
+            <a:off x="11361672" y="6049997"/>
+            <a:ext cx="786848" cy="786848"/>
+          </a:xfrm>
+          <a:prstGeom prst="rect">
+            <a:avLst/>
+          </a:prstGeom>
+        </p:spPr>
+      </p:pic>
+      <p:pic>
+        <p:nvPicPr>
+          <p:cNvPr id="8" name="Picture 7" descr="Logo&#10;&#10;Description automatically generated">
+            <a:extLst>
+              <a:ext uri="{FF2B5EF4-FFF2-40B4-BE49-F238E27FC236}">
+                <a16:creationId xmlns:a16="http://schemas.microsoft.com/office/drawing/2014/main" id="{755F653B-607E-3F55-E310-CE8EC1DEEC88}"/>
+              </a:ext>
+            </a:extLst>
+          </p:cNvPr>
+          <p:cNvPicPr>
+            <a:picLocks noChangeAspect="1"/>
+          </p:cNvPicPr>
+          <p:nvPr/>
+        </p:nvPicPr>
+        <p:blipFill>
+          <a:blip r:embed="rId5">
+            <a:extLst>
+              <a:ext uri="{28A0092B-C50C-407E-A947-70E740481C1C}">
+                <a14:useLocalDpi xmlns:a14="http://schemas.microsoft.com/office/drawing/2010/main" val="0"/>
+              </a:ext>
+            </a:extLst>
+          </a:blip>
+          <a:stretch>
+            <a:fillRect/>
+          </a:stretch>
+        </p:blipFill>
+        <p:spPr>
+          <a:xfrm>
+            <a:off x="147918" y="3429000"/>
+            <a:ext cx="7772400" cy="2109073"/>
           </a:xfrm>
           <a:prstGeom prst="rect">
             <a:avLst/>
@@ -6593,7 +6632,7 @@
             <a:r>
               <a:rPr lang="en-US" sz="2800" dirty="0">
                 <a:solidFill>
-                  <a:srgbClr val="FF00FF"/>
+                  <a:srgbClr val="5EBB78"/>
                 </a:solidFill>
                 <a:latin typeface="Consolas" panose="020B0609020204030204" pitchFamily="49" charset="0"/>
               </a:rPr>
@@ -6608,7 +6647,9 @@
             <a:r>
               <a:rPr lang="en-US" sz="2800" dirty="0">
                 <a:solidFill>
-                  <a:srgbClr val="5EBB78"/>
+                  <a:schemeClr val="accent2">
+                    <a:lumMod val="75000"/>
+                  </a:schemeClr>
                 </a:solidFill>
                 <a:latin typeface="Consolas" panose="020B0609020204030204" pitchFamily="49" charset="0"/>
               </a:rPr>
@@ -6632,7 +6673,7 @@
         <p:spPr>
           <a:xfrm>
             <a:off x="0" y="578094"/>
-            <a:ext cx="12192000" cy="523220"/>
+            <a:ext cx="12192000" cy="646331"/>
           </a:xfrm>
           <a:prstGeom prst="rect">
             <a:avLst/>
@@ -6647,26 +6688,26 @@
           <a:p>
             <a:pPr algn="ctr"/>
             <a:r>
-              <a:rPr lang="en-US" sz="2800" dirty="0">
+              <a:rPr lang="en-US" sz="3600" b="1" dirty="0">
                 <a:solidFill>
                   <a:schemeClr val="tx1">
-                    <a:lumMod val="75000"/>
-                    <a:lumOff val="25000"/>
+                    <a:lumMod val="65000"/>
+                    <a:lumOff val="35000"/>
                   </a:schemeClr>
                 </a:solidFill>
-                <a:latin typeface="Futura Medium"/>
+                <a:latin typeface="Avenir Heavy" panose="02000503020000020003" pitchFamily="2" charset="0"/>
                 <a:cs typeface="Arial" panose="020B0604020202020204" pitchFamily="34" charset="0"/>
               </a:rPr>
               <a:t>Returning Values</a:t>
             </a:r>
-            <a:endParaRPr lang="en-US" sz="2800" dirty="0">
+            <a:endParaRPr lang="en-US" sz="3600" b="1" dirty="0">
               <a:solidFill>
                 <a:schemeClr val="tx1">
-                  <a:lumMod val="75000"/>
-                  <a:lumOff val="25000"/>
+                  <a:lumMod val="65000"/>
+                  <a:lumOff val="35000"/>
                 </a:schemeClr>
               </a:solidFill>
-              <a:latin typeface="Futura Medium"/>
+              <a:latin typeface="Avenir Heavy" panose="02000503020000020003" pitchFamily="2" charset="0"/>
             </a:endParaRPr>
           </a:p>
         </p:txBody>
@@ -7019,6 +7060,42 @@
           </a:p>
         </p:txBody>
       </p:sp>
+      <p:pic>
+        <p:nvPicPr>
+          <p:cNvPr id="10" name="Picture 9" descr="A picture containing dark, gauge&#10;&#10;Description automatically generated">
+            <a:extLst>
+              <a:ext uri="{FF2B5EF4-FFF2-40B4-BE49-F238E27FC236}">
+                <a16:creationId xmlns:a16="http://schemas.microsoft.com/office/drawing/2014/main" id="{F176AA2F-7367-A0B3-5085-FCA420DC43B1}"/>
+              </a:ext>
+            </a:extLst>
+          </p:cNvPr>
+          <p:cNvPicPr>
+            <a:picLocks noChangeAspect="1"/>
+          </p:cNvPicPr>
+          <p:nvPr/>
+        </p:nvPicPr>
+        <p:blipFill>
+          <a:blip r:embed="rId3">
+            <a:extLst>
+              <a:ext uri="{28A0092B-C50C-407E-A947-70E740481C1C}">
+                <a14:useLocalDpi xmlns:a14="http://schemas.microsoft.com/office/drawing/2010/main" val="0"/>
+              </a:ext>
+            </a:extLst>
+          </a:blip>
+          <a:stretch>
+            <a:fillRect/>
+          </a:stretch>
+        </p:blipFill>
+        <p:spPr>
+          <a:xfrm>
+            <a:off x="11378037" y="6045200"/>
+            <a:ext cx="800100" cy="812800"/>
+          </a:xfrm>
+          <a:prstGeom prst="rect">
+            <a:avLst/>
+          </a:prstGeom>
+        </p:spPr>
+      </p:pic>
     </p:spTree>
     <p:extLst>
       <p:ext uri="{BB962C8B-B14F-4D97-AF65-F5344CB8AC3E}">
@@ -7402,7 +7479,7 @@
         <p:spPr>
           <a:xfrm>
             <a:off x="0" y="578094"/>
-            <a:ext cx="12192000" cy="523220"/>
+            <a:ext cx="12192000" cy="646331"/>
           </a:xfrm>
           <a:prstGeom prst="rect">
             <a:avLst/>
@@ -7417,30 +7494,66 @@
           <a:p>
             <a:pPr algn="ctr"/>
             <a:r>
-              <a:rPr lang="en-US" sz="2800" dirty="0">
+              <a:rPr lang="en-US" sz="3600" b="1" dirty="0">
                 <a:solidFill>
                   <a:schemeClr val="tx1">
-                    <a:lumMod val="75000"/>
-                    <a:lumOff val="25000"/>
+                    <a:lumMod val="65000"/>
+                    <a:lumOff val="35000"/>
                   </a:schemeClr>
                 </a:solidFill>
-                <a:latin typeface="Futura Medium"/>
+                <a:latin typeface="Avenir Heavy" panose="02000503020000020003" pitchFamily="2" charset="0"/>
                 <a:cs typeface="Arial" panose="020B0604020202020204" pitchFamily="34" charset="0"/>
               </a:rPr>
               <a:t>Call by Position or Keyword</a:t>
             </a:r>
-            <a:endParaRPr lang="en-US" sz="2800" dirty="0">
+            <a:endParaRPr lang="en-US" sz="3600" b="1" dirty="0">
               <a:solidFill>
                 <a:schemeClr val="tx1">
-                  <a:lumMod val="75000"/>
-                  <a:lumOff val="25000"/>
+                  <a:lumMod val="65000"/>
+                  <a:lumOff val="35000"/>
                 </a:schemeClr>
               </a:solidFill>
-              <a:latin typeface="Futura Medium"/>
+              <a:latin typeface="Avenir Heavy" panose="02000503020000020003" pitchFamily="2" charset="0"/>
             </a:endParaRPr>
           </a:p>
         </p:txBody>
       </p:sp>
+      <p:pic>
+        <p:nvPicPr>
+          <p:cNvPr id="5" name="Picture 4" descr="A picture containing dark, gauge&#10;&#10;Description automatically generated">
+            <a:extLst>
+              <a:ext uri="{FF2B5EF4-FFF2-40B4-BE49-F238E27FC236}">
+                <a16:creationId xmlns:a16="http://schemas.microsoft.com/office/drawing/2014/main" id="{E215AA27-1CAA-821B-411F-CD8CC1BA3F8A}"/>
+              </a:ext>
+            </a:extLst>
+          </p:cNvPr>
+          <p:cNvPicPr>
+            <a:picLocks noChangeAspect="1"/>
+          </p:cNvPicPr>
+          <p:nvPr/>
+        </p:nvPicPr>
+        <p:blipFill>
+          <a:blip r:embed="rId3">
+            <a:extLst>
+              <a:ext uri="{28A0092B-C50C-407E-A947-70E740481C1C}">
+                <a14:useLocalDpi xmlns:a14="http://schemas.microsoft.com/office/drawing/2010/main" val="0"/>
+              </a:ext>
+            </a:extLst>
+          </a:blip>
+          <a:stretch>
+            <a:fillRect/>
+          </a:stretch>
+        </p:blipFill>
+        <p:spPr>
+          <a:xfrm>
+            <a:off x="11378037" y="6045200"/>
+            <a:ext cx="800100" cy="812800"/>
+          </a:xfrm>
+          <a:prstGeom prst="rect">
+            <a:avLst/>
+          </a:prstGeom>
+        </p:spPr>
+      </p:pic>
     </p:spTree>
     <p:extLst>
       <p:ext uri="{BB962C8B-B14F-4D97-AF65-F5344CB8AC3E}">
@@ -7469,6 +7582,14 @@
 <file path=ppt/slides/slide12.xml><?xml version="1.0" encoding="utf-8"?>
 <p:sld xmlns:a="http://schemas.openxmlformats.org/drawingml/2006/main" xmlns:r="http://schemas.openxmlformats.org/officeDocument/2006/relationships" xmlns:p="http://schemas.openxmlformats.org/presentationml/2006/main">
   <p:cSld>
+    <p:bg>
+      <p:bgPr>
+        <a:solidFill>
+          <a:schemeClr val="bg1"/>
+        </a:solidFill>
+        <a:effectLst/>
+      </p:bgPr>
+    </p:bg>
     <p:spTree>
       <p:nvGrpSpPr>
         <p:cNvPr id="1" name=""/>
@@ -7578,40 +7699,57 @@
             </a:pPr>
             <a:r>
               <a:rPr lang="en-US" sz="1400" dirty="0">
-                <a:solidFill>
-                  <a:schemeClr val="tx1">
-                    <a:lumMod val="65000"/>
-                    <a:lumOff val="35000"/>
-                  </a:schemeClr>
-                </a:solidFill>
                 <a:latin typeface="+mj-lt"/>
                 <a:ea typeface="Verdana" panose="020B0604030504040204" pitchFamily="34" charset="0"/>
               </a:rPr>
               <a:t>Image Credit: </a:t>
             </a:r>
             <a:r>
-              <a:rPr lang="en-US" sz="1400" dirty="0">
-                <a:solidFill>
-                  <a:schemeClr val="tx1">
-                    <a:lumMod val="65000"/>
-                    <a:lumOff val="35000"/>
-                  </a:schemeClr>
-                </a:solidFill>
-              </a:rPr>
+              <a:rPr lang="en-US" sz="1400" dirty="0"/>
               <a:t>https://www.pinterest.com/pin/558024210062835602/</a:t>
             </a:r>
             <a:endParaRPr lang="en-US" sz="1400" dirty="0">
-              <a:solidFill>
-                <a:schemeClr val="tx1">
-                  <a:lumMod val="65000"/>
-                  <a:lumOff val="35000"/>
-                </a:schemeClr>
-              </a:solidFill>
               <a:latin typeface="+mj-lt"/>
             </a:endParaRPr>
           </a:p>
         </p:txBody>
       </p:sp>
+      <p:pic>
+        <p:nvPicPr>
+          <p:cNvPr id="5" name="Picture 4" descr="A picture containing dark, gauge&#10;&#10;Description automatically generated">
+            <a:extLst>
+              <a:ext uri="{FF2B5EF4-FFF2-40B4-BE49-F238E27FC236}">
+                <a16:creationId xmlns:a16="http://schemas.microsoft.com/office/drawing/2014/main" id="{18AFDA4E-8E52-76D6-17E5-307EE22E0136}"/>
+              </a:ext>
+            </a:extLst>
+          </p:cNvPr>
+          <p:cNvPicPr>
+            <a:picLocks noChangeAspect="1"/>
+          </p:cNvPicPr>
+          <p:nvPr/>
+        </p:nvPicPr>
+        <p:blipFill>
+          <a:blip r:embed="rId4">
+            <a:extLst>
+              <a:ext uri="{28A0092B-C50C-407E-A947-70E740481C1C}">
+                <a14:useLocalDpi xmlns:a14="http://schemas.microsoft.com/office/drawing/2010/main" val="0"/>
+              </a:ext>
+            </a:extLst>
+          </a:blip>
+          <a:stretch>
+            <a:fillRect/>
+          </a:stretch>
+        </p:blipFill>
+        <p:spPr>
+          <a:xfrm>
+            <a:off x="11378037" y="6045200"/>
+            <a:ext cx="800100" cy="812800"/>
+          </a:xfrm>
+          <a:prstGeom prst="rect">
+            <a:avLst/>
+          </a:prstGeom>
+        </p:spPr>
+      </p:pic>
     </p:spTree>
     <p:extLst>
       <p:ext uri="{BB962C8B-B14F-4D97-AF65-F5344CB8AC3E}">
@@ -7654,12 +7792,190 @@
           <a:chExt cx="0" cy="0"/>
         </a:xfrm>
       </p:grpSpPr>
+      <p:sp>
+        <p:nvSpPr>
+          <p:cNvPr id="5" name="TextBox 4">
+            <a:extLst>
+              <a:ext uri="{FF2B5EF4-FFF2-40B4-BE49-F238E27FC236}">
+                <a16:creationId xmlns:a16="http://schemas.microsoft.com/office/drawing/2014/main" id="{6DCE841E-5D74-D59C-F3B8-2DC5C1E8BAB4}"/>
+              </a:ext>
+            </a:extLst>
+          </p:cNvPr>
+          <p:cNvSpPr txBox="1"/>
+          <p:nvPr/>
+        </p:nvSpPr>
+        <p:spPr>
+          <a:xfrm>
+            <a:off x="470006" y="4511901"/>
+            <a:ext cx="11560630" cy="338554"/>
+          </a:xfrm>
+          <a:prstGeom prst="rect">
+            <a:avLst/>
+          </a:prstGeom>
+          <a:solidFill>
+            <a:schemeClr val="bg1">
+              <a:lumMod val="95000"/>
+            </a:schemeClr>
+          </a:solidFill>
+          <a:ln>
+            <a:solidFill>
+              <a:schemeClr val="bg1">
+                <a:lumMod val="85000"/>
+              </a:schemeClr>
+            </a:solidFill>
+          </a:ln>
+        </p:spPr>
+        <p:txBody>
+          <a:bodyPr wrap="square">
+            <a:spAutoFit/>
+          </a:bodyPr>
+          <a:lstStyle/>
+          <a:p>
+            <a:r>
+              <a:rPr lang="en-US" sz="1600" dirty="0">
+                <a:latin typeface="Consolas" panose="020B0609020204030204" pitchFamily="49" charset="0"/>
+                <a:cs typeface="Consolas" panose="020B0609020204030204" pitchFamily="49" charset="0"/>
+              </a:rPr>
+              <a:t>help(multiply)</a:t>
+            </a:r>
+          </a:p>
+        </p:txBody>
+      </p:sp>
+      <p:sp>
+        <p:nvSpPr>
+          <p:cNvPr id="2" name="TextBox 1">
+            <a:extLst>
+              <a:ext uri="{FF2B5EF4-FFF2-40B4-BE49-F238E27FC236}">
+                <a16:creationId xmlns:a16="http://schemas.microsoft.com/office/drawing/2014/main" id="{2C8698E5-8354-4A59-ABB7-0349000614A5}"/>
+              </a:ext>
+            </a:extLst>
+          </p:cNvPr>
+          <p:cNvSpPr txBox="1"/>
+          <p:nvPr/>
+        </p:nvSpPr>
+        <p:spPr>
+          <a:xfrm>
+            <a:off x="1812470" y="556972"/>
+            <a:ext cx="7995557" cy="1754326"/>
+          </a:xfrm>
+          <a:prstGeom prst="rect">
+            <a:avLst/>
+          </a:prstGeom>
+          <a:noFill/>
+        </p:spPr>
+        <p:txBody>
+          <a:bodyPr wrap="square" rtlCol="0">
+            <a:spAutoFit/>
+          </a:bodyPr>
+          <a:lstStyle/>
+          <a:p>
+            <a:pPr algn="ctr"/>
+            <a:r>
+              <a:rPr lang="en-US" sz="3600" b="1" dirty="0">
+                <a:solidFill>
+                  <a:schemeClr val="tx1">
+                    <a:lumMod val="65000"/>
+                    <a:lumOff val="35000"/>
+                  </a:schemeClr>
+                </a:solidFill>
+                <a:effectLst/>
+                <a:latin typeface="Avenir Heavy" panose="02000503020000020003" pitchFamily="2" charset="0"/>
+                <a:cs typeface="Courier New" panose="02070309020205020404" pitchFamily="49" charset="0"/>
+              </a:rPr>
+              <a:t>Specification</a:t>
+            </a:r>
+          </a:p>
+          <a:p>
+            <a:pPr algn="ctr"/>
+            <a:endParaRPr lang="en-US" sz="2400" b="0" i="0" dirty="0">
+              <a:solidFill>
+                <a:srgbClr val="000000"/>
+              </a:solidFill>
+              <a:effectLst/>
+              <a:latin typeface="Consolas" panose="020B0609020204030204" pitchFamily="49" charset="0"/>
+              <a:cs typeface="Courier New" panose="02070309020205020404" pitchFamily="49" charset="0"/>
+            </a:endParaRPr>
+          </a:p>
+          <a:p>
+            <a:pPr algn="ctr"/>
+            <a:r>
+              <a:rPr lang="en-US" sz="2400" dirty="0">
+                <a:solidFill>
+                  <a:srgbClr val="000000"/>
+                </a:solidFill>
+                <a:effectLst/>
+                <a:latin typeface="Avenir" panose="02000503020000020003" pitchFamily="2" charset="0"/>
+                <a:cs typeface="Courier New" panose="02070309020205020404" pitchFamily="49" charset="0"/>
+              </a:rPr>
+              <a:t>The </a:t>
+            </a:r>
+            <a:r>
+              <a:rPr lang="en-US" sz="2400" dirty="0">
+                <a:solidFill>
+                  <a:srgbClr val="482DFF"/>
+                </a:solidFill>
+                <a:effectLst/>
+                <a:latin typeface="Consolas" panose="020B0609020204030204" pitchFamily="49" charset="0"/>
+                <a:cs typeface="Consolas" panose="020B0609020204030204" pitchFamily="49" charset="0"/>
+              </a:rPr>
+              <a:t>multiply</a:t>
+            </a:r>
+            <a:r>
+              <a:rPr lang="en-US" sz="2400" dirty="0">
+                <a:solidFill>
+                  <a:srgbClr val="000000"/>
+                </a:solidFill>
+                <a:effectLst/>
+                <a:latin typeface="Consolas" panose="020B0609020204030204" pitchFamily="49" charset="0"/>
+                <a:cs typeface="Consolas" panose="020B0609020204030204" pitchFamily="49" charset="0"/>
+              </a:rPr>
+              <a:t>()</a:t>
+            </a:r>
+            <a:r>
+              <a:rPr lang="en-US" sz="2400" dirty="0">
+                <a:solidFill>
+                  <a:srgbClr val="000000"/>
+                </a:solidFill>
+                <a:effectLst/>
+                <a:latin typeface="Avenir" panose="02000503020000020003" pitchFamily="2" charset="0"/>
+                <a:cs typeface="Courier New" panose="02070309020205020404" pitchFamily="49" charset="0"/>
+              </a:rPr>
+              <a:t> function takes two arguments </a:t>
+            </a:r>
+          </a:p>
+          <a:p>
+            <a:pPr algn="ctr"/>
+            <a:r>
+              <a:rPr lang="en-US" sz="2400" dirty="0">
+                <a:solidFill>
+                  <a:srgbClr val="000000"/>
+                </a:solidFill>
+                <a:effectLst/>
+                <a:latin typeface="Consolas" panose="020B0609020204030204" pitchFamily="49" charset="0"/>
+                <a:cs typeface="Consolas" panose="020B0609020204030204" pitchFamily="49" charset="0"/>
+              </a:rPr>
+              <a:t>(arg_1, arg_2)</a:t>
+            </a:r>
+            <a:r>
+              <a:rPr lang="en-US" sz="2400" dirty="0">
+                <a:solidFill>
+                  <a:srgbClr val="000000"/>
+                </a:solidFill>
+                <a:effectLst/>
+                <a:latin typeface="Avenir" panose="02000503020000020003" pitchFamily="2" charset="0"/>
+                <a:cs typeface="Courier New" panose="02070309020205020404" pitchFamily="49" charset="0"/>
+              </a:rPr>
+              <a:t>, multiplies them, and returns the result.</a:t>
+            </a:r>
+          </a:p>
+        </p:txBody>
+      </p:sp>
       <p:pic>
         <p:nvPicPr>
-          <p:cNvPr id="6" name="Picture 5">
-            <a:extLst>
-              <a:ext uri="{FF2B5EF4-FFF2-40B4-BE49-F238E27FC236}">
-                <a16:creationId xmlns:a16="http://schemas.microsoft.com/office/drawing/2014/main" id="{1F3AC2AD-00ED-4D92-B9CA-71207461BBA4}"/>
+          <p:cNvPr id="4" name="Picture 3">
+            <a:extLst>
+              <a:ext uri="{FF2B5EF4-FFF2-40B4-BE49-F238E27FC236}">
+                <a16:creationId xmlns:a16="http://schemas.microsoft.com/office/drawing/2014/main" id="{A8933D68-98AC-47F5-9FFC-512B6F2F59EC}"/>
               </a:ext>
             </a:extLst>
           </p:cNvPr>
@@ -7676,8 +7992,8 @@
         </p:blipFill>
         <p:spPr>
           <a:xfrm>
-            <a:off x="0" y="2628689"/>
-            <a:ext cx="12192000" cy="1404113"/>
+            <a:off x="389370" y="4470087"/>
+            <a:ext cx="11641266" cy="1280509"/>
           </a:xfrm>
           <a:prstGeom prst="rect">
             <a:avLst/>
@@ -7686,10 +8002,10 @@
       </p:pic>
       <p:sp>
         <p:nvSpPr>
-          <p:cNvPr id="2" name="TextBox 1">
-            <a:extLst>
-              <a:ext uri="{FF2B5EF4-FFF2-40B4-BE49-F238E27FC236}">
-                <a16:creationId xmlns:a16="http://schemas.microsoft.com/office/drawing/2014/main" id="{2C8698E5-8354-4A59-ABB7-0349000614A5}"/>
+          <p:cNvPr id="3" name="TextBox 2">
+            <a:extLst>
+              <a:ext uri="{FF2B5EF4-FFF2-40B4-BE49-F238E27FC236}">
+                <a16:creationId xmlns:a16="http://schemas.microsoft.com/office/drawing/2014/main" id="{47BAE984-51CD-B104-D209-59934E44EA8A}"/>
               </a:ext>
             </a:extLst>
           </p:cNvPr>
@@ -7698,53 +8014,151 @@
         </p:nvSpPr>
         <p:spPr>
           <a:xfrm>
-            <a:off x="0" y="1152360"/>
-            <a:ext cx="12192000" cy="923330"/>
+            <a:off x="470006" y="2619075"/>
+            <a:ext cx="11560630" cy="1569660"/>
           </a:xfrm>
           <a:prstGeom prst="rect">
             <a:avLst/>
           </a:prstGeom>
-          <a:noFill/>
+          <a:solidFill>
+            <a:schemeClr val="bg1">
+              <a:lumMod val="95000"/>
+            </a:schemeClr>
+          </a:solidFill>
+          <a:ln>
+            <a:solidFill>
+              <a:schemeClr val="bg1">
+                <a:lumMod val="85000"/>
+              </a:schemeClr>
+            </a:solidFill>
+          </a:ln>
         </p:spPr>
         <p:txBody>
-          <a:bodyPr wrap="square" rtlCol="0">
+          <a:bodyPr wrap="square">
             <a:spAutoFit/>
           </a:bodyPr>
           <a:lstStyle/>
           <a:p>
             <a:r>
-              <a:rPr lang="en-US" b="0" i="0" dirty="0">
-                <a:solidFill>
-                  <a:srgbClr val="000000"/>
-                </a:solidFill>
-                <a:effectLst/>
+              <a:rPr lang="en-US" sz="1600" dirty="0">
+                <a:solidFill>
+                  <a:srgbClr val="007C00"/>
+                </a:solidFill>
                 <a:latin typeface="Consolas" panose="020B0609020204030204" pitchFamily="49" charset="0"/>
-                <a:cs typeface="Courier New" panose="02070309020205020404" pitchFamily="49" charset="0"/>
-              </a:rPr>
-              <a:t>Specification</a:t>
-            </a:r>
-          </a:p>
-          <a:p>
-            <a:r>
-              <a:rPr lang="en-US" b="0" i="0" dirty="0">
-                <a:solidFill>
-                  <a:srgbClr val="000000"/>
-                </a:solidFill>
-                <a:effectLst/>
+              </a:rPr>
+              <a:t>def</a:t>
+            </a:r>
+            <a:r>
+              <a:rPr lang="en-US" sz="1600" dirty="0">
+                <a:solidFill>
+                  <a:srgbClr val="FF00FF"/>
+                </a:solidFill>
                 <a:latin typeface="Consolas" panose="020B0609020204030204" pitchFamily="49" charset="0"/>
-                <a:cs typeface="Courier New" panose="02070309020205020404" pitchFamily="49" charset="0"/>
-              </a:rPr>
-              <a:t>The multiply() function takes two arguments (arg_1, arg_2), multiplies them, and returns the result.</a:t>
+              </a:rPr>
+              <a:t> </a:t>
+            </a:r>
+            <a:r>
+              <a:rPr lang="en-US" sz="1600" dirty="0">
+                <a:solidFill>
+                  <a:srgbClr val="482DFF"/>
+                </a:solidFill>
+                <a:latin typeface="Consolas" panose="020B0609020204030204" pitchFamily="49" charset="0"/>
+              </a:rPr>
+              <a:t>multiply</a:t>
+            </a:r>
+            <a:r>
+              <a:rPr lang="en-US" sz="1600" dirty="0">
+                <a:latin typeface="Consolas" panose="020B0609020204030204" pitchFamily="49" charset="0"/>
+              </a:rPr>
+              <a:t>(arg_1, arg_2):</a:t>
+            </a:r>
+          </a:p>
+          <a:p>
+            <a:r>
+              <a:rPr lang="en-US" sz="1600" dirty="0">
+                <a:latin typeface="Consolas" panose="020B0609020204030204" pitchFamily="49" charset="0"/>
+              </a:rPr>
+              <a:t>    </a:t>
+            </a:r>
+            <a:r>
+              <a:rPr lang="en-US" sz="1600" dirty="0">
+                <a:solidFill>
+                  <a:srgbClr val="BA2020"/>
+                </a:solidFill>
+                <a:latin typeface="Avenir Medium" panose="02000503020000020003" pitchFamily="2" charset="0"/>
+              </a:rPr>
+              <a:t>’ ’ ’</a:t>
+            </a:r>
+            <a:r>
+              <a:rPr lang="en-US" sz="1600" i="1" dirty="0">
+                <a:solidFill>
+                  <a:srgbClr val="BA2020"/>
+                </a:solidFill>
+                <a:latin typeface="Consolas" panose="020B0609020204030204" pitchFamily="49" charset="0"/>
+                <a:cs typeface="Consolas" panose="020B0609020204030204" pitchFamily="49" charset="0"/>
+              </a:rPr>
+              <a:t>This function takes two arguments (arg_1, arg2), multiplies them, and returns the result.</a:t>
+            </a:r>
+          </a:p>
+          <a:p>
+            <a:r>
+              <a:rPr lang="en-US" sz="1600" dirty="0">
+                <a:solidFill>
+                  <a:srgbClr val="BA2020"/>
+                </a:solidFill>
+                <a:latin typeface="Avenir Medium" panose="02000503020000020003" pitchFamily="2" charset="0"/>
+              </a:rPr>
+              <a:t>        ’ ‘ ’</a:t>
+            </a:r>
+            <a:endParaRPr lang="en-US" sz="1600" dirty="0">
+              <a:latin typeface="Consolas" panose="020B0609020204030204" pitchFamily="49" charset="0"/>
+            </a:endParaRPr>
+          </a:p>
+          <a:p>
+            <a:r>
+              <a:rPr lang="en-US" sz="1600" dirty="0">
+                <a:solidFill>
+                  <a:srgbClr val="007C00"/>
+                </a:solidFill>
+                <a:latin typeface="Consolas" panose="020B0609020204030204" pitchFamily="49" charset="0"/>
+              </a:rPr>
+              <a:t>    return</a:t>
+            </a:r>
+            <a:r>
+              <a:rPr lang="en-US" sz="1600" dirty="0">
+                <a:latin typeface="Consolas" panose="020B0609020204030204" pitchFamily="49" charset="0"/>
+              </a:rPr>
+              <a:t>(arg_1 * arg_2)</a:t>
+            </a:r>
+          </a:p>
+          <a:p>
+            <a:endParaRPr lang="en-US" sz="1600" dirty="0">
+              <a:solidFill>
+                <a:srgbClr val="FFC000"/>
+              </a:solidFill>
+              <a:latin typeface="Consolas" panose="020B0609020204030204" pitchFamily="49" charset="0"/>
+            </a:endParaRPr>
+          </a:p>
+          <a:p>
+            <a:r>
+              <a:rPr lang="en-US" sz="1600" i="1" dirty="0">
+                <a:solidFill>
+                  <a:srgbClr val="698F91"/>
+                </a:solidFill>
+                <a:latin typeface="Consolas" panose="020B0609020204030204" pitchFamily="49" charset="0"/>
+                <a:cs typeface="Consolas" panose="020B0609020204030204" pitchFamily="49" charset="0"/>
+              </a:rPr>
+              <a:t># end multiply()</a:t>
             </a:r>
           </a:p>
         </p:txBody>
       </p:sp>
       <p:pic>
         <p:nvPicPr>
-          <p:cNvPr id="4" name="Picture 3">
-            <a:extLst>
-              <a:ext uri="{FF2B5EF4-FFF2-40B4-BE49-F238E27FC236}">
-                <a16:creationId xmlns:a16="http://schemas.microsoft.com/office/drawing/2014/main" id="{A8933D68-98AC-47F5-9FFC-512B6F2F59EC}"/>
+          <p:cNvPr id="7" name="Picture 6" descr="A picture containing dark, gauge&#10;&#10;Description automatically generated">
+            <a:extLst>
+              <a:ext uri="{FF2B5EF4-FFF2-40B4-BE49-F238E27FC236}">
+                <a16:creationId xmlns:a16="http://schemas.microsoft.com/office/drawing/2014/main" id="{A7F5BC5C-B78E-15E2-48D5-A8E7D2E76AD4}"/>
               </a:ext>
             </a:extLst>
           </p:cNvPr>
@@ -7754,15 +8168,21 @@
           <p:nvPr/>
         </p:nvPicPr>
         <p:blipFill>
-          <a:blip r:embed="rId4"/>
+          <a:blip r:embed="rId4">
+            <a:extLst>
+              <a:ext uri="{28A0092B-C50C-407E-A947-70E740481C1C}">
+                <a14:useLocalDpi xmlns:a14="http://schemas.microsoft.com/office/drawing/2010/main" val="0"/>
+              </a:ext>
+            </a:extLst>
+          </a:blip>
           <a:stretch>
             <a:fillRect/>
           </a:stretch>
         </p:blipFill>
         <p:spPr>
           <a:xfrm>
-            <a:off x="0" y="4534859"/>
-            <a:ext cx="12192000" cy="1280509"/>
+            <a:off x="11378037" y="6045200"/>
+            <a:ext cx="800100" cy="812800"/>
           </a:xfrm>
           <a:prstGeom prst="rect">
             <a:avLst/>
@@ -7865,7 +8285,7 @@
                             </p:stCondLst>
                             <p:childTnLst>
                               <p:par>
-                                <p:cTn id="10" presetID="10" presetClass="entr" presetSubtype="0" fill="hold" nodeType="clickEffect">
+                                <p:cTn id="10" presetID="1" presetClass="entr" presetSubtype="0" fill="hold" grpId="0" nodeType="clickEffect">
                                   <p:stCondLst>
                                     <p:cond delay="0"/>
                                   </p:stCondLst>
@@ -7878,7 +8298,7 @@
                                           </p:stCondLst>
                                         </p:cTn>
                                         <p:tgtEl>
-                                          <p:spTgt spid="6"/>
+                                          <p:spTgt spid="3"/>
                                         </p:tgtEl>
                                         <p:attrNameLst>
                                           <p:attrName>style.visibility</p:attrName>
@@ -7888,14 +8308,6 @@
                                         <p:strVal val="visible"/>
                                       </p:to>
                                     </p:set>
-                                    <p:animEffect transition="in" filter="fade">
-                                      <p:cBhvr>
-                                        <p:cTn id="12" dur="500"/>
-                                        <p:tgtEl>
-                                          <p:spTgt spid="6"/>
-                                        </p:tgtEl>
-                                      </p:cBhvr>
-                                    </p:animEffect>
                                   </p:childTnLst>
                                 </p:cTn>
                               </p:par>
@@ -7906,32 +8318,32 @@
                     </p:cTn>
                   </p:par>
                   <p:par>
-                    <p:cTn id="13" fill="hold">
+                    <p:cTn id="12" fill="hold">
                       <p:stCondLst>
                         <p:cond delay="indefinite"/>
                       </p:stCondLst>
                       <p:childTnLst>
                         <p:par>
-                          <p:cTn id="14" fill="hold">
+                          <p:cTn id="13" fill="hold">
                             <p:stCondLst>
                               <p:cond delay="0"/>
                             </p:stCondLst>
                             <p:childTnLst>
                               <p:par>
-                                <p:cTn id="15" presetID="10" presetClass="entr" presetSubtype="0" fill="hold" nodeType="clickEffect">
+                                <p:cTn id="14" presetID="1" presetClass="entr" presetSubtype="0" fill="hold" grpId="0" nodeType="clickEffect">
                                   <p:stCondLst>
                                     <p:cond delay="0"/>
                                   </p:stCondLst>
                                   <p:childTnLst>
                                     <p:set>
                                       <p:cBhvr>
-                                        <p:cTn id="16" dur="1" fill="hold">
+                                        <p:cTn id="15" dur="1" fill="hold">
                                           <p:stCondLst>
                                             <p:cond delay="0"/>
                                           </p:stCondLst>
                                         </p:cTn>
                                         <p:tgtEl>
-                                          <p:spTgt spid="4"/>
+                                          <p:spTgt spid="5"/>
                                         </p:tgtEl>
                                         <p:attrNameLst>
                                           <p:attrName>style.visibility</p:attrName>
@@ -7941,14 +8353,6 @@
                                         <p:strVal val="visible"/>
                                       </p:to>
                                     </p:set>
-                                    <p:animEffect transition="in" filter="fade">
-                                      <p:cBhvr>
-                                        <p:cTn id="17" dur="500"/>
-                                        <p:tgtEl>
-                                          <p:spTgt spid="4"/>
-                                        </p:tgtEl>
-                                      </p:cBhvr>
-                                    </p:animEffect>
                                   </p:childTnLst>
                                 </p:cTn>
                               </p:par>
@@ -7980,7 +8384,9 @@
       </p:par>
     </p:tnLst>
     <p:bldLst>
+      <p:bldP spid="5" grpId="0" animBg="1"/>
       <p:bldP spid="2" grpId="0"/>
+      <p:bldP spid="3" grpId="0" animBg="1"/>
     </p:bldLst>
   </p:timing>
 </p:sld>
@@ -8003,51 +8409,21 @@
           <a:chExt cx="0" cy="0"/>
         </a:xfrm>
       </p:grpSpPr>
-      <p:pic>
-        <p:nvPicPr>
-          <p:cNvPr id="3" name="Picture 2">
-            <a:extLst>
-              <a:ext uri="{FF2B5EF4-FFF2-40B4-BE49-F238E27FC236}">
-                <a16:creationId xmlns:a16="http://schemas.microsoft.com/office/drawing/2014/main" id="{88CC7D4C-7D31-4E3C-92F7-200A7C7F587F}"/>
-              </a:ext>
-            </a:extLst>
-          </p:cNvPr>
-          <p:cNvPicPr>
-            <a:picLocks noChangeAspect="1"/>
-          </p:cNvPicPr>
+      <p:sp>
+        <p:nvSpPr>
+          <p:cNvPr id="4" name="TextBox 3">
+            <a:extLst>
+              <a:ext uri="{FF2B5EF4-FFF2-40B4-BE49-F238E27FC236}">
+                <a16:creationId xmlns:a16="http://schemas.microsoft.com/office/drawing/2014/main" id="{E5B866A1-DCAF-4E6B-BCCB-0CE14529234E}"/>
+              </a:ext>
+            </a:extLst>
+          </p:cNvPr>
+          <p:cNvSpPr txBox="1"/>
           <p:nvPr/>
-        </p:nvPicPr>
-        <p:blipFill>
-          <a:blip r:embed="rId3"/>
-          <a:stretch>
-            <a:fillRect/>
-          </a:stretch>
-        </p:blipFill>
+        </p:nvSpPr>
         <p:spPr>
           <a:xfrm>
-            <a:off x="0" y="365760"/>
-            <a:ext cx="3233668" cy="805144"/>
-          </a:xfrm>
-          <a:prstGeom prst="rect">
-            <a:avLst/>
-          </a:prstGeom>
-        </p:spPr>
-      </p:pic>
-      <p:sp>
-        <p:nvSpPr>
-          <p:cNvPr id="4" name="TextBox 3">
-            <a:extLst>
-              <a:ext uri="{FF2B5EF4-FFF2-40B4-BE49-F238E27FC236}">
-                <a16:creationId xmlns:a16="http://schemas.microsoft.com/office/drawing/2014/main" id="{E5B866A1-DCAF-4E6B-BCCB-0CE14529234E}"/>
-              </a:ext>
-            </a:extLst>
-          </p:cNvPr>
-          <p:cNvSpPr txBox="1"/>
-          <p:nvPr/>
-        </p:nvSpPr>
-        <p:spPr>
-          <a:xfrm>
-            <a:off x="0" y="3291840"/>
+            <a:off x="0" y="2828835"/>
             <a:ext cx="12192000" cy="1200329"/>
           </a:xfrm>
           <a:prstGeom prst="rect">
@@ -8063,14 +8439,14 @@
           <a:p>
             <a:pPr algn="ctr"/>
             <a:r>
-              <a:rPr lang="en-US" sz="3600" dirty="0">
+              <a:rPr lang="en-US" sz="3600" b="1" dirty="0">
                 <a:solidFill>
                   <a:schemeClr val="tx1">
                     <a:lumMod val="65000"/>
                     <a:lumOff val="35000"/>
                   </a:schemeClr>
                 </a:solidFill>
-                <a:latin typeface="Palatino Linotype" panose="02040502050505030304" pitchFamily="18" charset="0"/>
+                <a:latin typeface="Avenir Heavy" panose="02000503020000020003" pitchFamily="2" charset="0"/>
               </a:rPr>
               <a:t>Functions</a:t>
             </a:r>
@@ -8078,21 +8454,175 @@
           <a:p>
             <a:pPr algn="ctr"/>
             <a:r>
-              <a:rPr lang="en-US" sz="3600" dirty="0">
+              <a:rPr lang="en-US" sz="3600" b="1" dirty="0">
                 <a:solidFill>
                   <a:schemeClr val="tx1">
                     <a:lumMod val="65000"/>
                     <a:lumOff val="35000"/>
                   </a:schemeClr>
                 </a:solidFill>
-                <a:latin typeface="Palatino Linotype" panose="02040502050505030304" pitchFamily="18" charset="0"/>
+                <a:latin typeface="Avenir Heavy" panose="02000503020000020003" pitchFamily="2" charset="0"/>
               </a:rPr>
               <a:t>03.3_functions.ipynb</a:t>
             </a:r>
-            <a:endParaRPr lang="en-US" sz="3600" dirty="0"/>
-          </a:p>
-        </p:txBody>
-      </p:sp>
+            <a:endParaRPr lang="en-US" sz="3600" b="1" dirty="0">
+              <a:latin typeface="Avenir Heavy" panose="02000503020000020003" pitchFamily="2" charset="0"/>
+            </a:endParaRPr>
+          </a:p>
+        </p:txBody>
+      </p:sp>
+      <p:grpSp>
+        <p:nvGrpSpPr>
+          <p:cNvPr id="2" name="Group 1">
+            <a:extLst>
+              <a:ext uri="{FF2B5EF4-FFF2-40B4-BE49-F238E27FC236}">
+                <a16:creationId xmlns:a16="http://schemas.microsoft.com/office/drawing/2014/main" id="{0CC8A287-66D4-BA43-7522-9BEAF0FFF509}"/>
+              </a:ext>
+            </a:extLst>
+          </p:cNvPr>
+          <p:cNvGrpSpPr/>
+          <p:nvPr/>
+        </p:nvGrpSpPr>
+        <p:grpSpPr>
+          <a:xfrm>
+            <a:off x="-116541" y="559959"/>
+            <a:ext cx="3088342" cy="805143"/>
+            <a:chOff x="-116541" y="559959"/>
+            <a:chExt cx="3088342" cy="805143"/>
+          </a:xfrm>
+        </p:grpSpPr>
+        <p:sp>
+          <p:nvSpPr>
+            <p:cNvPr id="5" name="Pentagon 4">
+              <a:extLst>
+                <a:ext uri="{FF2B5EF4-FFF2-40B4-BE49-F238E27FC236}">
+                  <a16:creationId xmlns:a16="http://schemas.microsoft.com/office/drawing/2014/main" id="{560BE491-E8A9-839A-186C-38B50FF61CC2}"/>
+                </a:ext>
+              </a:extLst>
+            </p:cNvPr>
+            <p:cNvSpPr/>
+            <p:nvPr/>
+          </p:nvSpPr>
+          <p:spPr>
+            <a:xfrm>
+              <a:off x="-13447" y="559959"/>
+              <a:ext cx="2985248" cy="805143"/>
+            </a:xfrm>
+            <a:prstGeom prst="homePlate">
+              <a:avLst/>
+            </a:prstGeom>
+            <a:solidFill>
+              <a:srgbClr val="6D6CCA"/>
+            </a:solidFill>
+            <a:ln w="44450">
+              <a:noFill/>
+            </a:ln>
+            <a:effectLst/>
+          </p:spPr>
+          <p:style>
+            <a:lnRef idx="2">
+              <a:schemeClr val="accent1">
+                <a:shade val="50000"/>
+              </a:schemeClr>
+            </a:lnRef>
+            <a:fillRef idx="1">
+              <a:schemeClr val="accent1"/>
+            </a:fillRef>
+            <a:effectRef idx="0">
+              <a:schemeClr val="accent1"/>
+            </a:effectRef>
+            <a:fontRef idx="minor">
+              <a:schemeClr val="lt1"/>
+            </a:fontRef>
+          </p:style>
+          <p:txBody>
+            <a:bodyPr rtlCol="0" anchor="ctr"/>
+            <a:lstStyle/>
+            <a:p>
+              <a:pPr algn="ctr"/>
+              <a:endParaRPr lang="en-US"/>
+            </a:p>
+          </p:txBody>
+        </p:sp>
+        <p:sp>
+          <p:nvSpPr>
+            <p:cNvPr id="6" name="TextBox 5">
+              <a:extLst>
+                <a:ext uri="{FF2B5EF4-FFF2-40B4-BE49-F238E27FC236}">
+                  <a16:creationId xmlns:a16="http://schemas.microsoft.com/office/drawing/2014/main" id="{526DFB79-4A76-8D4D-24AD-AF60D9EBA903}"/>
+                </a:ext>
+              </a:extLst>
+            </p:cNvPr>
+            <p:cNvSpPr txBox="1"/>
+            <p:nvPr/>
+          </p:nvSpPr>
+          <p:spPr>
+            <a:xfrm>
+              <a:off x="-116541" y="714367"/>
+              <a:ext cx="3074895" cy="553998"/>
+            </a:xfrm>
+            <a:prstGeom prst="rect">
+              <a:avLst/>
+            </a:prstGeom>
+            <a:noFill/>
+          </p:spPr>
+          <p:txBody>
+            <a:bodyPr wrap="square" rtlCol="0">
+              <a:spAutoFit/>
+            </a:bodyPr>
+            <a:lstStyle/>
+            <a:p>
+              <a:pPr algn="ctr"/>
+              <a:r>
+                <a:rPr lang="en-US" sz="3000" dirty="0">
+                  <a:solidFill>
+                    <a:schemeClr val="bg1"/>
+                  </a:solidFill>
+                  <a:latin typeface="Avenir Medium" panose="02000503020000020003" pitchFamily="2" charset="0"/>
+                  <a:cs typeface="Futura Medium" panose="020B0602020204020303" pitchFamily="34" charset="-79"/>
+                </a:rPr>
+                <a:t>Exercise</a:t>
+              </a:r>
+            </a:p>
+          </p:txBody>
+        </p:sp>
+      </p:grpSp>
+      <p:pic>
+        <p:nvPicPr>
+          <p:cNvPr id="8" name="Picture 7" descr="A picture containing dark, gauge&#10;&#10;Description automatically generated">
+            <a:extLst>
+              <a:ext uri="{FF2B5EF4-FFF2-40B4-BE49-F238E27FC236}">
+                <a16:creationId xmlns:a16="http://schemas.microsoft.com/office/drawing/2014/main" id="{3388D10A-F9A1-60B9-508B-224EE3E1FD86}"/>
+              </a:ext>
+            </a:extLst>
+          </p:cNvPr>
+          <p:cNvPicPr>
+            <a:picLocks noChangeAspect="1"/>
+          </p:cNvPicPr>
+          <p:nvPr/>
+        </p:nvPicPr>
+        <p:blipFill>
+          <a:blip r:embed="rId3">
+            <a:extLst>
+              <a:ext uri="{28A0092B-C50C-407E-A947-70E740481C1C}">
+                <a14:useLocalDpi xmlns:a14="http://schemas.microsoft.com/office/drawing/2010/main" val="0"/>
+              </a:ext>
+            </a:extLst>
+          </a:blip>
+          <a:stretch>
+            <a:fillRect/>
+          </a:stretch>
+        </p:blipFill>
+        <p:spPr>
+          <a:xfrm>
+            <a:off x="11378037" y="6045200"/>
+            <a:ext cx="800100" cy="812800"/>
+          </a:xfrm>
+          <a:prstGeom prst="rect">
+            <a:avLst/>
+          </a:prstGeom>
+        </p:spPr>
+      </p:pic>
     </p:spTree>
     <p:extLst>
       <p:ext uri="{BB962C8B-B14F-4D97-AF65-F5344CB8AC3E}">
@@ -8238,82 +8768,71 @@
           <a:p>
             <a:pPr algn="ctr"/>
             <a:r>
-              <a:rPr lang="en-US" dirty="0">
+              <a:rPr lang="en-US" b="1" dirty="0">
                 <a:solidFill>
                   <a:schemeClr val="tx1">
                     <a:lumMod val="65000"/>
                     <a:lumOff val="35000"/>
                   </a:schemeClr>
                 </a:solidFill>
-                <a:latin typeface="Palatino Linotype" panose="02040502050505030304" pitchFamily="18" charset="0"/>
+                <a:latin typeface="Avenir Heavy" panose="02000503020000020003" pitchFamily="2" charset="0"/>
               </a:rPr>
               <a:t>Iterative Functions</a:t>
             </a:r>
           </a:p>
         </p:txBody>
       </p:sp>
-      <p:sp>
-        <p:nvSpPr>
-          <p:cNvPr id="5" name="TextBox 4">
-            <a:extLst>
-              <a:ext uri="{FF2B5EF4-FFF2-40B4-BE49-F238E27FC236}">
-                <a16:creationId xmlns:a16="http://schemas.microsoft.com/office/drawing/2014/main" id="{1A9B3BBA-447C-49B3-8FD5-0340D61D3D48}"/>
-              </a:ext>
-            </a:extLst>
-          </p:cNvPr>
-          <p:cNvSpPr txBox="1"/>
+      <p:pic>
+        <p:nvPicPr>
+          <p:cNvPr id="8" name="Picture 7" descr="A picture containing dark, gauge&#10;&#10;Description automatically generated">
+            <a:extLst>
+              <a:ext uri="{FF2B5EF4-FFF2-40B4-BE49-F238E27FC236}">
+                <a16:creationId xmlns:a16="http://schemas.microsoft.com/office/drawing/2014/main" id="{66EFFAE8-F5FE-9789-F7F5-D1FE8BC80D2C}"/>
+              </a:ext>
+            </a:extLst>
+          </p:cNvPr>
+          <p:cNvPicPr>
+            <a:picLocks noChangeAspect="1"/>
+          </p:cNvPicPr>
           <p:nvPr/>
-        </p:nvSpPr>
+        </p:nvPicPr>
+        <p:blipFill>
+          <a:blip r:embed="rId3">
+            <a:extLst>
+              <a:ext uri="{BEBA8EAE-BF5A-486C-A8C5-ECC9F3942E4B}">
+                <a14:imgProps xmlns:a14="http://schemas.microsoft.com/office/drawing/2010/main">
+                  <a14:imgLayer r:embed="rId4">
+                    <a14:imgEffect>
+                      <a14:brightnessContrast bright="20000" contrast="40000"/>
+                    </a14:imgEffect>
+                  </a14:imgLayer>
+                </a14:imgProps>
+              </a:ext>
+              <a:ext uri="{28A0092B-C50C-407E-A947-70E740481C1C}">
+                <a14:useLocalDpi xmlns:a14="http://schemas.microsoft.com/office/drawing/2010/main" val="0"/>
+              </a:ext>
+            </a:extLst>
+          </a:blip>
+          <a:stretch>
+            <a:fillRect/>
+          </a:stretch>
+        </p:blipFill>
         <p:spPr>
           <a:xfrm>
-            <a:off x="0" y="6550223"/>
-            <a:ext cx="12192000" cy="307777"/>
+            <a:off x="11378037" y="6031948"/>
+            <a:ext cx="800100" cy="812800"/>
           </a:xfrm>
           <a:prstGeom prst="rect">
             <a:avLst/>
           </a:prstGeom>
-          <a:noFill/>
         </p:spPr>
-        <p:txBody>
-          <a:bodyPr wrap="square" rtlCol="0">
-            <a:spAutoFit/>
-          </a:bodyPr>
-          <a:lstStyle/>
-          <a:p>
-            <a:pPr>
-              <a:defRPr/>
-            </a:pPr>
-            <a:r>
-              <a:rPr lang="en-US" sz="1400" dirty="0">
-                <a:solidFill>
-                  <a:schemeClr val="tx1">
-                    <a:lumMod val="65000"/>
-                    <a:lumOff val="35000"/>
-                  </a:schemeClr>
-                </a:solidFill>
-                <a:latin typeface="+mj-lt"/>
-                <a:ea typeface="Verdana" panose="020B0604030504040204" pitchFamily="34" charset="0"/>
-              </a:rPr>
-              <a:t>Image Credit: https://www.kindpng.com/free/blue-arrow/</a:t>
-            </a:r>
-            <a:endParaRPr lang="en-US" sz="1400" dirty="0">
-              <a:solidFill>
-                <a:schemeClr val="tx1">
-                  <a:lumMod val="65000"/>
-                  <a:lumOff val="35000"/>
-                </a:schemeClr>
-              </a:solidFill>
-              <a:latin typeface="+mj-lt"/>
-            </a:endParaRPr>
-          </a:p>
-        </p:txBody>
-      </p:sp>
+      </p:pic>
       <p:pic>
         <p:nvPicPr>
-          <p:cNvPr id="3076" name="Picture 4" descr="Blue Arrow PNG Images, Free Transparent Blue Arrow Download - KindPNG">
-            <a:extLst>
-              <a:ext uri="{FF2B5EF4-FFF2-40B4-BE49-F238E27FC236}">
-                <a16:creationId xmlns:a16="http://schemas.microsoft.com/office/drawing/2014/main" id="{0691F7B4-7EE2-469E-A181-D4AA30E631AB}"/>
+          <p:cNvPr id="5" name="Picture 4" descr="Blue Arrow PNG Images, Free Transparent Blue Arrow Download - KindPNG">
+            <a:extLst>
+              <a:ext uri="{FF2B5EF4-FFF2-40B4-BE49-F238E27FC236}">
+                <a16:creationId xmlns:a16="http://schemas.microsoft.com/office/drawing/2014/main" id="{8FC3771E-9FC5-6240-90D4-3F1DC5C7C475}"/>
               </a:ext>
             </a:extLst>
           </p:cNvPr>
@@ -8323,7 +8842,7 @@
           <p:nvPr/>
         </p:nvPicPr>
         <p:blipFill>
-          <a:blip r:embed="rId3">
+          <a:blip r:embed="rId5">
             <a:clrChange>
               <a:clrFrom>
                 <a:srgbClr val="F6F6F6"/>
@@ -8436,7 +8955,7 @@
         </p:blipFill>
         <p:spPr bwMode="auto">
           <a:xfrm>
-            <a:off x="2238375" y="1285875"/>
+            <a:off x="2238375" y="1299127"/>
             <a:ext cx="7715250" cy="4286250"/>
           </a:xfrm>
           <a:prstGeom prst="rect">
@@ -8510,6 +9029,675 @@
           </a:p>
         </p:txBody>
       </p:sp>
+      <p:sp>
+        <p:nvSpPr>
+          <p:cNvPr id="2" name="TextBox 1">
+            <a:extLst>
+              <a:ext uri="{FF2B5EF4-FFF2-40B4-BE49-F238E27FC236}">
+                <a16:creationId xmlns:a16="http://schemas.microsoft.com/office/drawing/2014/main" id="{71173FB2-C364-41E7-F052-9AF668132589}"/>
+              </a:ext>
+            </a:extLst>
+          </p:cNvPr>
+          <p:cNvSpPr txBox="1"/>
+          <p:nvPr/>
+        </p:nvSpPr>
+        <p:spPr>
+          <a:xfrm>
+            <a:off x="8053574" y="2707574"/>
+            <a:ext cx="1900051" cy="461665"/>
+          </a:xfrm>
+          <a:prstGeom prst="rect">
+            <a:avLst/>
+          </a:prstGeom>
+          <a:solidFill>
+            <a:schemeClr val="bg1"/>
+          </a:solidFill>
+        </p:spPr>
+        <p:txBody>
+          <a:bodyPr wrap="square" rtlCol="0">
+            <a:spAutoFit/>
+          </a:bodyPr>
+          <a:lstStyle/>
+          <a:p>
+            <a:r>
+              <a:rPr lang="en-US" sz="2400" b="1" dirty="0">
+                <a:solidFill>
+                  <a:srgbClr val="5EBB78"/>
+                </a:solidFill>
+                <a:latin typeface="Avenir Black" panose="02000503020000020003" pitchFamily="2" charset="0"/>
+              </a:rPr>
+              <a:t>Attributes</a:t>
+            </a:r>
+          </a:p>
+        </p:txBody>
+      </p:sp>
+      <p:sp>
+        <p:nvSpPr>
+          <p:cNvPr id="3" name="TextBox 2">
+            <a:extLst>
+              <a:ext uri="{FF2B5EF4-FFF2-40B4-BE49-F238E27FC236}">
+                <a16:creationId xmlns:a16="http://schemas.microsoft.com/office/drawing/2014/main" id="{87BC6C80-2B1F-8072-2312-8383B1C0F8EE}"/>
+              </a:ext>
+            </a:extLst>
+          </p:cNvPr>
+          <p:cNvSpPr txBox="1"/>
+          <p:nvPr/>
+        </p:nvSpPr>
+        <p:spPr>
+          <a:xfrm>
+            <a:off x="8346375" y="4151646"/>
+            <a:ext cx="1900051" cy="461665"/>
+          </a:xfrm>
+          <a:prstGeom prst="rect">
+            <a:avLst/>
+          </a:prstGeom>
+          <a:solidFill>
+            <a:schemeClr val="bg1"/>
+          </a:solidFill>
+        </p:spPr>
+        <p:txBody>
+          <a:bodyPr wrap="square" rtlCol="0">
+            <a:spAutoFit/>
+          </a:bodyPr>
+          <a:lstStyle/>
+          <a:p>
+            <a:r>
+              <a:rPr lang="en-US" sz="2400" b="1" dirty="0">
+                <a:solidFill>
+                  <a:srgbClr val="5EBB78"/>
+                </a:solidFill>
+                <a:latin typeface="Avenir Black" panose="02000503020000020003" pitchFamily="2" charset="0"/>
+              </a:rPr>
+              <a:t>Methods</a:t>
+            </a:r>
+          </a:p>
+        </p:txBody>
+      </p:sp>
+      <p:sp>
+        <p:nvSpPr>
+          <p:cNvPr id="4" name="TextBox 3">
+            <a:extLst>
+              <a:ext uri="{FF2B5EF4-FFF2-40B4-BE49-F238E27FC236}">
+                <a16:creationId xmlns:a16="http://schemas.microsoft.com/office/drawing/2014/main" id="{3B7DA52B-05E9-588C-C077-5D08D14E7F34}"/>
+              </a:ext>
+            </a:extLst>
+          </p:cNvPr>
+          <p:cNvSpPr txBox="1"/>
+          <p:nvPr/>
+        </p:nvSpPr>
+        <p:spPr>
+          <a:xfrm>
+            <a:off x="3123210" y="1611751"/>
+            <a:ext cx="1717962" cy="461665"/>
+          </a:xfrm>
+          <a:prstGeom prst="rect">
+            <a:avLst/>
+          </a:prstGeom>
+          <a:solidFill>
+            <a:schemeClr val="bg1"/>
+          </a:solidFill>
+        </p:spPr>
+        <p:txBody>
+          <a:bodyPr wrap="square" rtlCol="0">
+            <a:spAutoFit/>
+          </a:bodyPr>
+          <a:lstStyle/>
+          <a:p>
+            <a:r>
+              <a:rPr lang="en-US" sz="2400" b="1" dirty="0">
+                <a:solidFill>
+                  <a:srgbClr val="5EBB78"/>
+                </a:solidFill>
+                <a:latin typeface="Avenir Black" panose="02000503020000020003" pitchFamily="2" charset="0"/>
+              </a:rPr>
+              <a:t>Class</a:t>
+            </a:r>
+          </a:p>
+        </p:txBody>
+      </p:sp>
+      <p:sp>
+        <p:nvSpPr>
+          <p:cNvPr id="6" name="TextBox 5">
+            <a:extLst>
+              <a:ext uri="{FF2B5EF4-FFF2-40B4-BE49-F238E27FC236}">
+                <a16:creationId xmlns:a16="http://schemas.microsoft.com/office/drawing/2014/main" id="{0CBA5936-902D-6CF6-3925-A508B5B002A8}"/>
+              </a:ext>
+            </a:extLst>
+          </p:cNvPr>
+          <p:cNvSpPr txBox="1"/>
+          <p:nvPr/>
+        </p:nvSpPr>
+        <p:spPr>
+          <a:xfrm>
+            <a:off x="3323112" y="4844188"/>
+            <a:ext cx="1553686" cy="461665"/>
+          </a:xfrm>
+          <a:prstGeom prst="rect">
+            <a:avLst/>
+          </a:prstGeom>
+          <a:solidFill>
+            <a:schemeClr val="bg1"/>
+          </a:solidFill>
+        </p:spPr>
+        <p:txBody>
+          <a:bodyPr wrap="square" rtlCol="0">
+            <a:spAutoFit/>
+          </a:bodyPr>
+          <a:lstStyle/>
+          <a:p>
+            <a:r>
+              <a:rPr lang="en-US" sz="2400" b="1" dirty="0">
+                <a:solidFill>
+                  <a:srgbClr val="5EBB78"/>
+                </a:solidFill>
+                <a:latin typeface="Avenir Black" panose="02000503020000020003" pitchFamily="2" charset="0"/>
+              </a:rPr>
+              <a:t>Object</a:t>
+            </a:r>
+          </a:p>
+        </p:txBody>
+      </p:sp>
+      <p:sp>
+        <p:nvSpPr>
+          <p:cNvPr id="10" name="Rectangle 9">
+            <a:extLst>
+              <a:ext uri="{FF2B5EF4-FFF2-40B4-BE49-F238E27FC236}">
+                <a16:creationId xmlns:a16="http://schemas.microsoft.com/office/drawing/2014/main" id="{D12F0193-6F60-DE44-B69D-3EF04524479A}"/>
+              </a:ext>
+            </a:extLst>
+          </p:cNvPr>
+          <p:cNvSpPr/>
+          <p:nvPr/>
+        </p:nvSpPr>
+        <p:spPr>
+          <a:xfrm>
+            <a:off x="3679546" y="3879342"/>
+            <a:ext cx="380390" cy="767825"/>
+          </a:xfrm>
+          <a:prstGeom prst="rect">
+            <a:avLst/>
+          </a:prstGeom>
+          <a:solidFill>
+            <a:schemeClr val="bg1"/>
+          </a:solidFill>
+          <a:ln>
+            <a:noFill/>
+          </a:ln>
+        </p:spPr>
+        <p:style>
+          <a:lnRef idx="2">
+            <a:schemeClr val="accent1">
+              <a:shade val="50000"/>
+            </a:schemeClr>
+          </a:lnRef>
+          <a:fillRef idx="1">
+            <a:schemeClr val="accent1"/>
+          </a:fillRef>
+          <a:effectRef idx="0">
+            <a:schemeClr val="accent1"/>
+          </a:effectRef>
+          <a:fontRef idx="minor">
+            <a:schemeClr val="lt1"/>
+          </a:fontRef>
+        </p:style>
+        <p:txBody>
+          <a:bodyPr rtlCol="0" anchor="ctr"/>
+          <a:lstStyle/>
+          <a:p>
+            <a:pPr algn="ctr"/>
+            <a:endParaRPr lang="en-US"/>
+          </a:p>
+        </p:txBody>
+      </p:sp>
+      <p:cxnSp>
+        <p:nvCxnSpPr>
+          <p:cNvPr id="8" name="Straight Arrow Connector 7">
+            <a:extLst>
+              <a:ext uri="{FF2B5EF4-FFF2-40B4-BE49-F238E27FC236}">
+                <a16:creationId xmlns:a16="http://schemas.microsoft.com/office/drawing/2014/main" id="{71CAB373-C399-6279-E3B1-3B40696DF9EF}"/>
+              </a:ext>
+            </a:extLst>
+          </p:cNvPr>
+          <p:cNvCxnSpPr>
+            <a:cxnSpLocks/>
+          </p:cNvCxnSpPr>
+          <p:nvPr/>
+        </p:nvCxnSpPr>
+        <p:spPr>
+          <a:xfrm flipH="1" flipV="1">
+            <a:off x="3789274" y="3994099"/>
+            <a:ext cx="80467" cy="780703"/>
+          </a:xfrm>
+          <a:prstGeom prst="straightConnector1">
+            <a:avLst/>
+          </a:prstGeom>
+          <a:ln w="101600" cap="rnd">
+            <a:solidFill>
+              <a:srgbClr val="5EBB78"/>
+            </a:solidFill>
+            <a:tailEnd type="triangle"/>
+          </a:ln>
+        </p:spPr>
+        <p:style>
+          <a:lnRef idx="1">
+            <a:schemeClr val="accent1"/>
+          </a:lnRef>
+          <a:fillRef idx="0">
+            <a:schemeClr val="accent1"/>
+          </a:fillRef>
+          <a:effectRef idx="0">
+            <a:schemeClr val="accent1"/>
+          </a:effectRef>
+          <a:fontRef idx="minor">
+            <a:schemeClr val="tx1"/>
+          </a:fontRef>
+        </p:style>
+      </p:cxnSp>
+      <p:cxnSp>
+        <p:nvCxnSpPr>
+          <p:cNvPr id="13" name="Straight Arrow Connector 12">
+            <a:extLst>
+              <a:ext uri="{FF2B5EF4-FFF2-40B4-BE49-F238E27FC236}">
+                <a16:creationId xmlns:a16="http://schemas.microsoft.com/office/drawing/2014/main" id="{EC7D8FE8-94E0-77F2-435D-5401038A9125}"/>
+              </a:ext>
+            </a:extLst>
+          </p:cNvPr>
+          <p:cNvCxnSpPr>
+            <a:cxnSpLocks/>
+          </p:cNvCxnSpPr>
+          <p:nvPr/>
+        </p:nvCxnSpPr>
+        <p:spPr>
+          <a:xfrm>
+            <a:off x="4099955" y="1842583"/>
+            <a:ext cx="741217" cy="86578"/>
+          </a:xfrm>
+          <a:prstGeom prst="straightConnector1">
+            <a:avLst/>
+          </a:prstGeom>
+          <a:ln w="101600" cap="rnd">
+            <a:solidFill>
+              <a:srgbClr val="5EBB78"/>
+            </a:solidFill>
+            <a:tailEnd type="triangle"/>
+          </a:ln>
+        </p:spPr>
+        <p:style>
+          <a:lnRef idx="1">
+            <a:schemeClr val="accent1"/>
+          </a:lnRef>
+          <a:fillRef idx="0">
+            <a:schemeClr val="accent1"/>
+          </a:fillRef>
+          <a:effectRef idx="0">
+            <a:schemeClr val="accent1"/>
+          </a:effectRef>
+          <a:fontRef idx="minor">
+            <a:schemeClr val="tx1"/>
+          </a:fontRef>
+        </p:style>
+      </p:cxnSp>
+      <p:sp>
+        <p:nvSpPr>
+          <p:cNvPr id="26" name="Rectangle 25">
+            <a:extLst>
+              <a:ext uri="{FF2B5EF4-FFF2-40B4-BE49-F238E27FC236}">
+                <a16:creationId xmlns:a16="http://schemas.microsoft.com/office/drawing/2014/main" id="{B7DB4681-30BC-7631-77A8-5051FE716D58}"/>
+              </a:ext>
+            </a:extLst>
+          </p:cNvPr>
+          <p:cNvSpPr/>
+          <p:nvPr/>
+        </p:nvSpPr>
+        <p:spPr>
+          <a:xfrm>
+            <a:off x="7594636" y="2382880"/>
+            <a:ext cx="506224" cy="2565638"/>
+          </a:xfrm>
+          <a:prstGeom prst="rect">
+            <a:avLst/>
+          </a:prstGeom>
+          <a:solidFill>
+            <a:schemeClr val="bg1"/>
+          </a:solidFill>
+          <a:ln>
+            <a:noFill/>
+          </a:ln>
+        </p:spPr>
+        <p:style>
+          <a:lnRef idx="2">
+            <a:schemeClr val="accent1">
+              <a:shade val="50000"/>
+            </a:schemeClr>
+          </a:lnRef>
+          <a:fillRef idx="1">
+            <a:schemeClr val="accent1"/>
+          </a:fillRef>
+          <a:effectRef idx="0">
+            <a:schemeClr val="accent1"/>
+          </a:effectRef>
+          <a:fontRef idx="minor">
+            <a:schemeClr val="lt1"/>
+          </a:fontRef>
+        </p:style>
+        <p:txBody>
+          <a:bodyPr rtlCol="0" anchor="ctr"/>
+          <a:lstStyle/>
+          <a:p>
+            <a:pPr algn="ctr"/>
+            <a:endParaRPr lang="en-US"/>
+          </a:p>
+        </p:txBody>
+      </p:sp>
+      <p:cxnSp>
+        <p:nvCxnSpPr>
+          <p:cNvPr id="16" name="Straight Arrow Connector 15">
+            <a:extLst>
+              <a:ext uri="{FF2B5EF4-FFF2-40B4-BE49-F238E27FC236}">
+                <a16:creationId xmlns:a16="http://schemas.microsoft.com/office/drawing/2014/main" id="{DF5A80FF-03E1-09B2-3787-F8F8A45F8850}"/>
+              </a:ext>
+            </a:extLst>
+          </p:cNvPr>
+          <p:cNvCxnSpPr>
+            <a:cxnSpLocks/>
+          </p:cNvCxnSpPr>
+          <p:nvPr/>
+        </p:nvCxnSpPr>
+        <p:spPr>
+          <a:xfrm flipH="1" flipV="1">
+            <a:off x="7594636" y="2434829"/>
+            <a:ext cx="491306" cy="256561"/>
+          </a:xfrm>
+          <a:prstGeom prst="straightConnector1">
+            <a:avLst/>
+          </a:prstGeom>
+          <a:ln w="82550" cap="rnd">
+            <a:solidFill>
+              <a:srgbClr val="5EBB78"/>
+            </a:solidFill>
+            <a:tailEnd type="triangle"/>
+          </a:ln>
+        </p:spPr>
+        <p:style>
+          <a:lnRef idx="1">
+            <a:schemeClr val="accent1"/>
+          </a:lnRef>
+          <a:fillRef idx="0">
+            <a:schemeClr val="accent1"/>
+          </a:fillRef>
+          <a:effectRef idx="0">
+            <a:schemeClr val="accent1"/>
+          </a:effectRef>
+          <a:fontRef idx="minor">
+            <a:schemeClr val="tx1"/>
+          </a:fontRef>
+        </p:style>
+      </p:cxnSp>
+      <p:cxnSp>
+        <p:nvCxnSpPr>
+          <p:cNvPr id="19" name="Straight Arrow Connector 18">
+            <a:extLst>
+              <a:ext uri="{FF2B5EF4-FFF2-40B4-BE49-F238E27FC236}">
+                <a16:creationId xmlns:a16="http://schemas.microsoft.com/office/drawing/2014/main" id="{1EDBC4FC-E2F9-9E9B-13E4-1F09496F6B22}"/>
+              </a:ext>
+            </a:extLst>
+          </p:cNvPr>
+          <p:cNvCxnSpPr>
+            <a:cxnSpLocks/>
+          </p:cNvCxnSpPr>
+          <p:nvPr/>
+        </p:nvCxnSpPr>
+        <p:spPr>
+          <a:xfrm flipH="1">
+            <a:off x="7594636" y="2922222"/>
+            <a:ext cx="444020" cy="0"/>
+          </a:xfrm>
+          <a:prstGeom prst="straightConnector1">
+            <a:avLst/>
+          </a:prstGeom>
+          <a:ln w="82550" cap="rnd">
+            <a:solidFill>
+              <a:srgbClr val="5EBB78"/>
+            </a:solidFill>
+            <a:tailEnd type="triangle"/>
+          </a:ln>
+        </p:spPr>
+        <p:style>
+          <a:lnRef idx="1">
+            <a:schemeClr val="accent1"/>
+          </a:lnRef>
+          <a:fillRef idx="0">
+            <a:schemeClr val="accent1"/>
+          </a:fillRef>
+          <a:effectRef idx="0">
+            <a:schemeClr val="accent1"/>
+          </a:effectRef>
+          <a:fontRef idx="minor">
+            <a:schemeClr val="tx1"/>
+          </a:fontRef>
+        </p:style>
+      </p:cxnSp>
+      <p:cxnSp>
+        <p:nvCxnSpPr>
+          <p:cNvPr id="21" name="Straight Arrow Connector 20">
+            <a:extLst>
+              <a:ext uri="{FF2B5EF4-FFF2-40B4-BE49-F238E27FC236}">
+                <a16:creationId xmlns:a16="http://schemas.microsoft.com/office/drawing/2014/main" id="{A76F4335-F87A-E57C-1BAF-A8BCE40F55C1}"/>
+              </a:ext>
+            </a:extLst>
+          </p:cNvPr>
+          <p:cNvCxnSpPr>
+            <a:cxnSpLocks/>
+          </p:cNvCxnSpPr>
+          <p:nvPr/>
+        </p:nvCxnSpPr>
+        <p:spPr>
+          <a:xfrm flipH="1">
+            <a:off x="7638881" y="3120335"/>
+            <a:ext cx="407234" cy="276297"/>
+          </a:xfrm>
+          <a:prstGeom prst="straightConnector1">
+            <a:avLst/>
+          </a:prstGeom>
+          <a:ln w="82550" cap="rnd">
+            <a:solidFill>
+              <a:srgbClr val="5EBB78"/>
+            </a:solidFill>
+            <a:tailEnd type="triangle"/>
+          </a:ln>
+        </p:spPr>
+        <p:style>
+          <a:lnRef idx="1">
+            <a:schemeClr val="accent1"/>
+          </a:lnRef>
+          <a:fillRef idx="0">
+            <a:schemeClr val="accent1"/>
+          </a:fillRef>
+          <a:effectRef idx="0">
+            <a:schemeClr val="accent1"/>
+          </a:effectRef>
+          <a:fontRef idx="minor">
+            <a:schemeClr val="tx1"/>
+          </a:fontRef>
+        </p:style>
+      </p:cxnSp>
+      <p:cxnSp>
+        <p:nvCxnSpPr>
+          <p:cNvPr id="23" name="Straight Arrow Connector 22">
+            <a:extLst>
+              <a:ext uri="{FF2B5EF4-FFF2-40B4-BE49-F238E27FC236}">
+                <a16:creationId xmlns:a16="http://schemas.microsoft.com/office/drawing/2014/main" id="{AA66E497-34CF-BEBB-32EA-77CDE6BA3FEB}"/>
+              </a:ext>
+            </a:extLst>
+          </p:cNvPr>
+          <p:cNvCxnSpPr>
+            <a:cxnSpLocks/>
+          </p:cNvCxnSpPr>
+          <p:nvPr/>
+        </p:nvCxnSpPr>
+        <p:spPr>
+          <a:xfrm flipH="1" flipV="1">
+            <a:off x="7594636" y="3882114"/>
+            <a:ext cx="491306" cy="256561"/>
+          </a:xfrm>
+          <a:prstGeom prst="straightConnector1">
+            <a:avLst/>
+          </a:prstGeom>
+          <a:ln w="82550" cap="rnd">
+            <a:solidFill>
+              <a:srgbClr val="5EBB78"/>
+            </a:solidFill>
+            <a:tailEnd type="triangle"/>
+          </a:ln>
+        </p:spPr>
+        <p:style>
+          <a:lnRef idx="1">
+            <a:schemeClr val="accent1"/>
+          </a:lnRef>
+          <a:fillRef idx="0">
+            <a:schemeClr val="accent1"/>
+          </a:fillRef>
+          <a:effectRef idx="0">
+            <a:schemeClr val="accent1"/>
+          </a:effectRef>
+          <a:fontRef idx="minor">
+            <a:schemeClr val="tx1"/>
+          </a:fontRef>
+        </p:style>
+      </p:cxnSp>
+      <p:cxnSp>
+        <p:nvCxnSpPr>
+          <p:cNvPr id="24" name="Straight Arrow Connector 23">
+            <a:extLst>
+              <a:ext uri="{FF2B5EF4-FFF2-40B4-BE49-F238E27FC236}">
+                <a16:creationId xmlns:a16="http://schemas.microsoft.com/office/drawing/2014/main" id="{53AC70BA-59E7-6518-F452-822CCDEBB417}"/>
+              </a:ext>
+            </a:extLst>
+          </p:cNvPr>
+          <p:cNvCxnSpPr>
+            <a:cxnSpLocks/>
+          </p:cNvCxnSpPr>
+          <p:nvPr/>
+        </p:nvCxnSpPr>
+        <p:spPr>
+          <a:xfrm flipH="1">
+            <a:off x="7594636" y="4369507"/>
+            <a:ext cx="444020" cy="0"/>
+          </a:xfrm>
+          <a:prstGeom prst="straightConnector1">
+            <a:avLst/>
+          </a:prstGeom>
+          <a:ln w="82550" cap="rnd">
+            <a:solidFill>
+              <a:srgbClr val="5EBB78"/>
+            </a:solidFill>
+            <a:tailEnd type="triangle"/>
+          </a:ln>
+        </p:spPr>
+        <p:style>
+          <a:lnRef idx="1">
+            <a:schemeClr val="accent1"/>
+          </a:lnRef>
+          <a:fillRef idx="0">
+            <a:schemeClr val="accent1"/>
+          </a:fillRef>
+          <a:effectRef idx="0">
+            <a:schemeClr val="accent1"/>
+          </a:effectRef>
+          <a:fontRef idx="minor">
+            <a:schemeClr val="tx1"/>
+          </a:fontRef>
+        </p:style>
+      </p:cxnSp>
+      <p:cxnSp>
+        <p:nvCxnSpPr>
+          <p:cNvPr id="25" name="Straight Arrow Connector 24">
+            <a:extLst>
+              <a:ext uri="{FF2B5EF4-FFF2-40B4-BE49-F238E27FC236}">
+                <a16:creationId xmlns:a16="http://schemas.microsoft.com/office/drawing/2014/main" id="{F0286BAC-47A9-32A7-8F0B-086EF1B10152}"/>
+              </a:ext>
+            </a:extLst>
+          </p:cNvPr>
+          <p:cNvCxnSpPr>
+            <a:cxnSpLocks/>
+          </p:cNvCxnSpPr>
+          <p:nvPr/>
+        </p:nvCxnSpPr>
+        <p:spPr>
+          <a:xfrm flipH="1">
+            <a:off x="7638881" y="4567620"/>
+            <a:ext cx="407234" cy="276297"/>
+          </a:xfrm>
+          <a:prstGeom prst="straightConnector1">
+            <a:avLst/>
+          </a:prstGeom>
+          <a:ln w="82550" cap="rnd">
+            <a:solidFill>
+              <a:srgbClr val="5EBB78"/>
+            </a:solidFill>
+            <a:tailEnd type="triangle"/>
+          </a:ln>
+        </p:spPr>
+        <p:style>
+          <a:lnRef idx="1">
+            <a:schemeClr val="accent1"/>
+          </a:lnRef>
+          <a:fillRef idx="0">
+            <a:schemeClr val="accent1"/>
+          </a:fillRef>
+          <a:effectRef idx="0">
+            <a:schemeClr val="accent1"/>
+          </a:effectRef>
+          <a:fontRef idx="minor">
+            <a:schemeClr val="tx1"/>
+          </a:fontRef>
+        </p:style>
+      </p:cxnSp>
+      <p:pic>
+        <p:nvPicPr>
+          <p:cNvPr id="27" name="Picture 26" descr="A picture containing dark, gauge&#10;&#10;Description automatically generated">
+            <a:extLst>
+              <a:ext uri="{FF2B5EF4-FFF2-40B4-BE49-F238E27FC236}">
+                <a16:creationId xmlns:a16="http://schemas.microsoft.com/office/drawing/2014/main" id="{87B9CA08-6B59-4E08-094B-C1695054764E}"/>
+              </a:ext>
+            </a:extLst>
+          </p:cNvPr>
+          <p:cNvPicPr>
+            <a:picLocks noChangeAspect="1"/>
+          </p:cNvPicPr>
+          <p:nvPr/>
+        </p:nvPicPr>
+        <p:blipFill>
+          <a:blip r:embed="rId4">
+            <a:extLst>
+              <a:ext uri="{BEBA8EAE-BF5A-486C-A8C5-ECC9F3942E4B}">
+                <a14:imgProps xmlns:a14="http://schemas.microsoft.com/office/drawing/2010/main">
+                  <a14:imgLayer r:embed="rId5">
+                    <a14:imgEffect>
+                      <a14:brightnessContrast bright="20000" contrast="40000"/>
+                    </a14:imgEffect>
+                  </a14:imgLayer>
+                </a14:imgProps>
+              </a:ext>
+              <a:ext uri="{28A0092B-C50C-407E-A947-70E740481C1C}">
+                <a14:useLocalDpi xmlns:a14="http://schemas.microsoft.com/office/drawing/2010/main" val="0"/>
+              </a:ext>
+            </a:extLst>
+          </a:blip>
+          <a:stretch>
+            <a:fillRect/>
+          </a:stretch>
+        </p:blipFill>
+        <p:spPr>
+          <a:xfrm>
+            <a:off x="11378037" y="6031948"/>
+            <a:ext cx="800100" cy="812800"/>
+          </a:xfrm>
+          <a:prstGeom prst="rect">
+            <a:avLst/>
+          </a:prstGeom>
+        </p:spPr>
+      </p:pic>
     </p:spTree>
     <p:extLst>
       <p:ext uri="{BB962C8B-B14F-4D97-AF65-F5344CB8AC3E}">
@@ -8552,12 +9740,113 @@
           <a:chExt cx="0" cy="0"/>
         </a:xfrm>
       </p:grpSpPr>
+      <p:sp>
+        <p:nvSpPr>
+          <p:cNvPr id="4" name="TextBox 3">
+            <a:extLst>
+              <a:ext uri="{FF2B5EF4-FFF2-40B4-BE49-F238E27FC236}">
+                <a16:creationId xmlns:a16="http://schemas.microsoft.com/office/drawing/2014/main" id="{C0C1E8D7-CD38-44CA-9725-1DBF57DB487C}"/>
+              </a:ext>
+            </a:extLst>
+          </p:cNvPr>
+          <p:cNvSpPr txBox="1"/>
+          <p:nvPr/>
+        </p:nvSpPr>
+        <p:spPr>
+          <a:xfrm>
+            <a:off x="0" y="6550223"/>
+            <a:ext cx="12192000" cy="307777"/>
+          </a:xfrm>
+          <a:prstGeom prst="rect">
+            <a:avLst/>
+          </a:prstGeom>
+          <a:noFill/>
+        </p:spPr>
+        <p:txBody>
+          <a:bodyPr wrap="square" rtlCol="0">
+            <a:spAutoFit/>
+          </a:bodyPr>
+          <a:lstStyle/>
+          <a:p>
+            <a:pPr>
+              <a:defRPr/>
+            </a:pPr>
+            <a:r>
+              <a:rPr lang="en-US" sz="1400" dirty="0">
+                <a:solidFill>
+                  <a:schemeClr val="tx1">
+                    <a:lumMod val="65000"/>
+                    <a:lumOff val="35000"/>
+                  </a:schemeClr>
+                </a:solidFill>
+                <a:latin typeface="+mj-lt"/>
+                <a:ea typeface="Verdana" panose="020B0604030504040204" pitchFamily="34" charset="0"/>
+              </a:rPr>
+              <a:t>Image Credit: https://tutorials.supunkavinda.blog/php/oop-inheritance</a:t>
+            </a:r>
+            <a:endParaRPr lang="en-US" sz="1400" dirty="0">
+              <a:solidFill>
+                <a:schemeClr val="tx1">
+                  <a:lumMod val="65000"/>
+                  <a:lumOff val="35000"/>
+                </a:schemeClr>
+              </a:solidFill>
+              <a:latin typeface="+mj-lt"/>
+            </a:endParaRPr>
+          </a:p>
+        </p:txBody>
+      </p:sp>
       <p:pic>
         <p:nvPicPr>
-          <p:cNvPr id="2" name="Picture 2" descr="PHP Inheritance">
-            <a:extLst>
-              <a:ext uri="{FF2B5EF4-FFF2-40B4-BE49-F238E27FC236}">
-                <a16:creationId xmlns:a16="http://schemas.microsoft.com/office/drawing/2014/main" id="{649F761A-70D7-4C19-9F67-E2010F6EB312}"/>
+          <p:cNvPr id="23" name="Picture 22" descr="A picture containing dark, gauge&#10;&#10;Description automatically generated">
+            <a:extLst>
+              <a:ext uri="{FF2B5EF4-FFF2-40B4-BE49-F238E27FC236}">
+                <a16:creationId xmlns:a16="http://schemas.microsoft.com/office/drawing/2014/main" id="{B4A1F0E0-AE0C-26DA-8B71-9B6B59FE9E0D}"/>
+              </a:ext>
+            </a:extLst>
+          </p:cNvPr>
+          <p:cNvPicPr>
+            <a:picLocks noChangeAspect="1"/>
+          </p:cNvPicPr>
+          <p:nvPr/>
+        </p:nvPicPr>
+        <p:blipFill>
+          <a:blip r:embed="rId3">
+            <a:extLst>
+              <a:ext uri="{BEBA8EAE-BF5A-486C-A8C5-ECC9F3942E4B}">
+                <a14:imgProps xmlns:a14="http://schemas.microsoft.com/office/drawing/2010/main">
+                  <a14:imgLayer r:embed="rId4">
+                    <a14:imgEffect>
+                      <a14:brightnessContrast bright="20000" contrast="40000"/>
+                    </a14:imgEffect>
+                  </a14:imgLayer>
+                </a14:imgProps>
+              </a:ext>
+              <a:ext uri="{28A0092B-C50C-407E-A947-70E740481C1C}">
+                <a14:useLocalDpi xmlns:a14="http://schemas.microsoft.com/office/drawing/2010/main" val="0"/>
+              </a:ext>
+            </a:extLst>
+          </a:blip>
+          <a:stretch>
+            <a:fillRect/>
+          </a:stretch>
+        </p:blipFill>
+        <p:spPr>
+          <a:xfrm>
+            <a:off x="11378037" y="6031948"/>
+            <a:ext cx="800100" cy="812800"/>
+          </a:xfrm>
+          <a:prstGeom prst="rect">
+            <a:avLst/>
+          </a:prstGeom>
+        </p:spPr>
+      </p:pic>
+      <p:pic>
+        <p:nvPicPr>
+          <p:cNvPr id="14" name="Picture 2" descr="PHP Inheritance">
+            <a:extLst>
+              <a:ext uri="{FF2B5EF4-FFF2-40B4-BE49-F238E27FC236}">
+                <a16:creationId xmlns:a16="http://schemas.microsoft.com/office/drawing/2014/main" id="{E357B7C1-A70F-9038-B89F-856211EA78E1}"/>
               </a:ext>
             </a:extLst>
           </p:cNvPr>
@@ -8567,7 +9856,7 @@
           <p:nvPr/>
         </p:nvPicPr>
         <p:blipFill>
-          <a:blip r:embed="rId3">
+          <a:blip r:embed="rId5">
             <a:extLst>
               <a:ext uri="{28A0092B-C50C-407E-A947-70E740481C1C}">
                 <a14:useLocalDpi xmlns:a14="http://schemas.microsoft.com/office/drawing/2010/main" val="0"/>
@@ -8599,62 +9888,6 @@
           </a:extLst>
         </p:spPr>
       </p:pic>
-      <p:sp>
-        <p:nvSpPr>
-          <p:cNvPr id="4" name="TextBox 3">
-            <a:extLst>
-              <a:ext uri="{FF2B5EF4-FFF2-40B4-BE49-F238E27FC236}">
-                <a16:creationId xmlns:a16="http://schemas.microsoft.com/office/drawing/2014/main" id="{C0C1E8D7-CD38-44CA-9725-1DBF57DB487C}"/>
-              </a:ext>
-            </a:extLst>
-          </p:cNvPr>
-          <p:cNvSpPr txBox="1"/>
-          <p:nvPr/>
-        </p:nvSpPr>
-        <p:spPr>
-          <a:xfrm>
-            <a:off x="0" y="6550223"/>
-            <a:ext cx="12192000" cy="307777"/>
-          </a:xfrm>
-          <a:prstGeom prst="rect">
-            <a:avLst/>
-          </a:prstGeom>
-          <a:noFill/>
-        </p:spPr>
-        <p:txBody>
-          <a:bodyPr wrap="square" rtlCol="0">
-            <a:spAutoFit/>
-          </a:bodyPr>
-          <a:lstStyle/>
-          <a:p>
-            <a:pPr>
-              <a:defRPr/>
-            </a:pPr>
-            <a:r>
-              <a:rPr lang="en-US" sz="1400" dirty="0">
-                <a:solidFill>
-                  <a:schemeClr val="tx1">
-                    <a:lumMod val="65000"/>
-                    <a:lumOff val="35000"/>
-                  </a:schemeClr>
-                </a:solidFill>
-                <a:latin typeface="+mj-lt"/>
-                <a:ea typeface="Verdana" panose="020B0604030504040204" pitchFamily="34" charset="0"/>
-              </a:rPr>
-              <a:t>Image Credit: https://tutorials.supunkavinda.blog/php/oop-inheritance</a:t>
-            </a:r>
-            <a:endParaRPr lang="en-US" sz="1400" dirty="0">
-              <a:solidFill>
-                <a:schemeClr val="tx1">
-                  <a:lumMod val="65000"/>
-                  <a:lumOff val="35000"/>
-                </a:schemeClr>
-              </a:solidFill>
-              <a:latin typeface="+mj-lt"/>
-            </a:endParaRPr>
-          </a:p>
-        </p:txBody>
-      </p:sp>
     </p:spTree>
     <p:extLst>
       <p:ext uri="{BB962C8B-B14F-4D97-AF65-F5344CB8AC3E}">
@@ -8683,6 +9916,14 @@
 <file path=ppt/slides/slide2.xml><?xml version="1.0" encoding="utf-8"?>
 <p:sld xmlns:a="http://schemas.openxmlformats.org/drawingml/2006/main" xmlns:r="http://schemas.openxmlformats.org/officeDocument/2006/relationships" xmlns:p="http://schemas.openxmlformats.org/presentationml/2006/main">
   <p:cSld>
+    <p:bg>
+      <p:bgPr>
+        <a:solidFill>
+          <a:srgbClr val="6E61BA"/>
+        </a:solidFill>
+        <a:effectLst/>
+      </p:bgPr>
+    </p:bg>
     <p:spTree>
       <p:nvGrpSpPr>
         <p:cNvPr id="1" name=""/>
@@ -8715,98 +9956,277 @@
         </p:nvSpPr>
         <p:spPr>
           <a:xfrm>
-            <a:off x="838200" y="1253331"/>
-            <a:ext cx="10515600" cy="4351338"/>
+            <a:off x="838200" y="1003003"/>
+            <a:ext cx="10515600" cy="5551714"/>
           </a:xfrm>
         </p:spPr>
         <p:txBody>
-          <a:bodyPr/>
-          <a:lstStyle/>
-          <a:p>
-            <a:pPr marL="0" indent="0">
+          <a:bodyPr>
+            <a:normAutofit/>
+          </a:bodyPr>
+          <a:lstStyle/>
+          <a:p>
+            <a:pPr marL="0" indent="0" algn="ctr">
+              <a:lnSpc>
+                <a:spcPct val="120000"/>
+              </a:lnSpc>
               <a:buNone/>
             </a:pPr>
             <a:r>
-              <a:rPr lang="en-US" dirty="0"/>
-              <a:t>“You can think of a function as a small program inside a program.  The basic idea of a function is that we write a sequence of statements and give that sequence a name. The instructions can then be executed at any point in the program by referring to the function name…  </a:t>
-            </a:r>
-          </a:p>
-          <a:p>
-            <a:pPr marL="0" indent="0">
+              <a:rPr lang="en-US" i="1" dirty="0">
+                <a:solidFill>
+                  <a:schemeClr val="bg1"/>
+                </a:solidFill>
+                <a:latin typeface="Avenir Light Oblique" panose="020B0402020203090204" pitchFamily="34" charset="77"/>
+              </a:rPr>
+              <a:t>“You can think of a function as a small program inside </a:t>
+            </a:r>
+            <a:br>
+              <a:rPr lang="en-US" i="1" dirty="0">
+                <a:solidFill>
+                  <a:schemeClr val="bg1"/>
+                </a:solidFill>
+                <a:latin typeface="Avenir Light Oblique" panose="020B0402020203090204" pitchFamily="34" charset="77"/>
+              </a:rPr>
+            </a:br>
+            <a:r>
+              <a:rPr lang="en-US" i="1" dirty="0">
+                <a:solidFill>
+                  <a:schemeClr val="bg1"/>
+                </a:solidFill>
+                <a:latin typeface="Avenir Light Oblique" panose="020B0402020203090204" pitchFamily="34" charset="77"/>
+              </a:rPr>
+              <a:t>a program. The basic idea of a function is that we write </a:t>
+            </a:r>
+            <a:br>
+              <a:rPr lang="en-US" i="1" dirty="0">
+                <a:solidFill>
+                  <a:schemeClr val="bg1"/>
+                </a:solidFill>
+                <a:latin typeface="Avenir Light Oblique" panose="020B0402020203090204" pitchFamily="34" charset="77"/>
+              </a:rPr>
+            </a:br>
+            <a:r>
+              <a:rPr lang="en-US" i="1" dirty="0">
+                <a:solidFill>
+                  <a:schemeClr val="bg1"/>
+                </a:solidFill>
+                <a:latin typeface="Avenir Light Oblique" panose="020B0402020203090204" pitchFamily="34" charset="77"/>
+              </a:rPr>
+              <a:t>a sequence of statements and give that sequence a name. </a:t>
+            </a:r>
+            <a:br>
+              <a:rPr lang="en-US" i="1" dirty="0">
+                <a:solidFill>
+                  <a:schemeClr val="bg1"/>
+                </a:solidFill>
+                <a:latin typeface="Avenir Light Oblique" panose="020B0402020203090204" pitchFamily="34" charset="77"/>
+              </a:rPr>
+            </a:br>
+            <a:r>
+              <a:rPr lang="en-US" i="1" dirty="0">
+                <a:solidFill>
+                  <a:schemeClr val="bg1"/>
+                </a:solidFill>
+                <a:latin typeface="Avenir Light Oblique" panose="020B0402020203090204" pitchFamily="34" charset="77"/>
+              </a:rPr>
+              <a:t>The instructions can then be executed at any point in the program by referring to the function name…  </a:t>
+            </a:r>
+          </a:p>
+          <a:p>
+            <a:pPr marL="0" indent="0" algn="ctr">
+              <a:lnSpc>
+                <a:spcPct val="0"/>
+              </a:lnSpc>
               <a:buNone/>
             </a:pPr>
-            <a:endParaRPr lang="en-US" dirty="0"/>
-          </a:p>
-          <a:p>
-            <a:pPr marL="0" indent="0">
+            <a:endParaRPr lang="en-US" i="1" dirty="0">
+              <a:solidFill>
+                <a:schemeClr val="bg1"/>
+              </a:solidFill>
+              <a:latin typeface="Avenir Light Oblique" panose="020B0402020203090204" pitchFamily="34" charset="77"/>
+            </a:endParaRPr>
+          </a:p>
+          <a:p>
+            <a:pPr marL="0" indent="0" algn="ctr">
+              <a:lnSpc>
+                <a:spcPct val="120000"/>
+              </a:lnSpc>
               <a:buNone/>
             </a:pPr>
             <a:r>
-              <a:rPr lang="en-US" dirty="0"/>
-              <a:t>When a function is subsequently used in a program, we say that the definition is </a:t>
-            </a:r>
-            <a:r>
               <a:rPr lang="en-US" i="1" dirty="0">
                 <a:solidFill>
-                  <a:schemeClr val="accent5">
-                    <a:lumMod val="50000"/>
+                  <a:schemeClr val="bg1"/>
+                </a:solidFill>
+                <a:latin typeface="Avenir Light Oblique" panose="020B0402020203090204" pitchFamily="34" charset="77"/>
+              </a:rPr>
+              <a:t>When a function is subsequently used in a program, </a:t>
+            </a:r>
+            <a:br>
+              <a:rPr lang="en-US" i="1" dirty="0">
+                <a:solidFill>
+                  <a:schemeClr val="bg1"/>
+                </a:solidFill>
+                <a:latin typeface="Avenir Light Oblique" panose="020B0402020203090204" pitchFamily="34" charset="77"/>
+              </a:rPr>
+            </a:br>
+            <a:r>
+              <a:rPr lang="en-US" i="1" dirty="0">
+                <a:solidFill>
+                  <a:schemeClr val="bg1"/>
+                </a:solidFill>
+                <a:latin typeface="Avenir Light Oblique" panose="020B0402020203090204" pitchFamily="34" charset="77"/>
+              </a:rPr>
+              <a:t>we say that the definition is </a:t>
+            </a:r>
+            <a:r>
+              <a:rPr lang="en-US" b="1" i="1" dirty="0">
+                <a:solidFill>
+                  <a:schemeClr val="accent4">
+                    <a:lumMod val="60000"/>
+                    <a:lumOff val="40000"/>
                   </a:schemeClr>
                 </a:solidFill>
+                <a:latin typeface="Avenir Black Oblique" panose="02000503020000020003" pitchFamily="2" charset="0"/>
               </a:rPr>
               <a:t>called</a:t>
             </a:r>
             <a:r>
-              <a:rPr lang="en-US" dirty="0">
-                <a:solidFill>
-                  <a:schemeClr val="accent5">
-                    <a:lumMod val="50000"/>
+              <a:rPr lang="en-US" i="1" dirty="0">
+                <a:solidFill>
+                  <a:schemeClr val="bg1"/>
+                </a:solidFill>
+                <a:latin typeface="Avenir Light Oblique" panose="020B0402020203090204" pitchFamily="34" charset="77"/>
+              </a:rPr>
+              <a:t> or </a:t>
+            </a:r>
+            <a:r>
+              <a:rPr lang="en-US" b="1" i="1" dirty="0">
+                <a:solidFill>
+                  <a:schemeClr val="accent4">
+                    <a:lumMod val="60000"/>
+                    <a:lumOff val="40000"/>
                   </a:schemeClr>
                 </a:solidFill>
-              </a:rPr>
-              <a:t> </a:t>
-            </a:r>
-            <a:r>
-              <a:rPr lang="en-US" dirty="0"/>
-              <a:t>or </a:t>
+                <a:latin typeface="Avenir Black Oblique" panose="02000503020000020003" pitchFamily="2" charset="0"/>
+              </a:rPr>
+              <a:t>invoked</a:t>
+            </a:r>
+            <a:r>
+              <a:rPr lang="en-US" b="1" i="1" dirty="0">
+                <a:solidFill>
+                  <a:schemeClr val="bg1"/>
+                </a:solidFill>
+                <a:latin typeface="Avenir Black Oblique" panose="02000503020000020003" pitchFamily="2" charset="0"/>
+              </a:rPr>
+              <a:t>.</a:t>
             </a:r>
             <a:r>
               <a:rPr lang="en-US" i="1" dirty="0">
                 <a:solidFill>
-                  <a:schemeClr val="accent5">
-                    <a:lumMod val="50000"/>
-                  </a:schemeClr>
-                </a:solidFill>
-              </a:rPr>
-              <a:t>invoked</a:t>
-            </a:r>
-            <a:r>
-              <a:rPr lang="en-US" dirty="0"/>
-              <a:t>.”</a:t>
-            </a:r>
-          </a:p>
-          <a:p>
-            <a:pPr marL="0" indent="0">
+                  <a:schemeClr val="bg1"/>
+                </a:solidFill>
+                <a:latin typeface="Avenir Light Oblique" panose="020B0402020203090204" pitchFamily="34" charset="77"/>
+              </a:rPr>
+              <a:t>”</a:t>
+            </a:r>
+          </a:p>
+          <a:p>
+            <a:pPr marL="0" indent="0" algn="ctr">
+              <a:lnSpc>
+                <a:spcPct val="120000"/>
+              </a:lnSpc>
               <a:buNone/>
             </a:pPr>
-            <a:endParaRPr lang="en-US" dirty="0"/>
-          </a:p>
-          <a:p>
-            <a:pPr marL="0" indent="0">
+            <a:r>
+              <a:rPr lang="en-US" sz="2400" dirty="0">
+                <a:solidFill>
+                  <a:schemeClr val="bg1"/>
+                </a:solidFill>
+                <a:latin typeface="Avenir" panose="02000503020000020003" pitchFamily="2" charset="0"/>
+              </a:rPr>
+              <a:t>				              </a:t>
+            </a:r>
+          </a:p>
+          <a:p>
+            <a:pPr marL="0" indent="0" algn="ctr">
+              <a:lnSpc>
+                <a:spcPct val="120000"/>
+              </a:lnSpc>
               <a:buNone/>
             </a:pPr>
             <a:r>
-              <a:rPr lang="en-US" dirty="0"/>
-              <a:t>John Zelle</a:t>
+              <a:rPr lang="en-US" sz="2400" dirty="0">
+                <a:solidFill>
+                  <a:schemeClr val="bg1"/>
+                </a:solidFill>
+                <a:latin typeface="Avenir" panose="02000503020000020003" pitchFamily="2" charset="0"/>
+              </a:rPr>
+              <a:t>					  		John Zelle</a:t>
             </a:r>
           </a:p>
           <a:p>
             <a:pPr marL="0" indent="0">
+              <a:lnSpc>
+                <a:spcPct val="120000"/>
+              </a:lnSpc>
               <a:buNone/>
             </a:pPr>
-            <a:endParaRPr lang="en-US" dirty="0"/>
-          </a:p>
-        </p:txBody>
-      </p:sp>
+            <a:endParaRPr lang="en-US" i="1" dirty="0">
+              <a:solidFill>
+                <a:schemeClr val="bg1"/>
+              </a:solidFill>
+              <a:latin typeface="Avenir Light Oblique" panose="020B0402020203090204" pitchFamily="34" charset="77"/>
+            </a:endParaRPr>
+          </a:p>
+        </p:txBody>
+      </p:sp>
+      <p:pic>
+        <p:nvPicPr>
+          <p:cNvPr id="4" name="Picture 3" descr="A picture containing dark, gauge&#10;&#10;Description automatically generated">
+            <a:extLst>
+              <a:ext uri="{FF2B5EF4-FFF2-40B4-BE49-F238E27FC236}">
+                <a16:creationId xmlns:a16="http://schemas.microsoft.com/office/drawing/2014/main" id="{4692A2D3-EE2B-5092-AB65-5C1ADCB6EEA4}"/>
+              </a:ext>
+            </a:extLst>
+          </p:cNvPr>
+          <p:cNvPicPr>
+            <a:picLocks noChangeAspect="1"/>
+          </p:cNvPicPr>
+          <p:nvPr/>
+        </p:nvPicPr>
+        <p:blipFill>
+          <a:blip r:embed="rId3">
+            <a:extLst>
+              <a:ext uri="{BEBA8EAE-BF5A-486C-A8C5-ECC9F3942E4B}">
+                <a14:imgProps xmlns:a14="http://schemas.microsoft.com/office/drawing/2010/main">
+                  <a14:imgLayer r:embed="rId4">
+                    <a14:imgEffect>
+                      <a14:brightnessContrast bright="20000" contrast="40000"/>
+                    </a14:imgEffect>
+                  </a14:imgLayer>
+                </a14:imgProps>
+              </a:ext>
+              <a:ext uri="{28A0092B-C50C-407E-A947-70E740481C1C}">
+                <a14:useLocalDpi xmlns:a14="http://schemas.microsoft.com/office/drawing/2010/main" val="0"/>
+              </a:ext>
+            </a:extLst>
+          </a:blip>
+          <a:stretch>
+            <a:fillRect/>
+          </a:stretch>
+        </p:blipFill>
+        <p:spPr>
+          <a:xfrm>
+            <a:off x="11378037" y="6031948"/>
+            <a:ext cx="800100" cy="812800"/>
+          </a:xfrm>
+          <a:prstGeom prst="rect">
+            <a:avLst/>
+          </a:prstGeom>
+        </p:spPr>
+      </p:pic>
     </p:spTree>
     <p:extLst>
       <p:ext uri="{BB962C8B-B14F-4D97-AF65-F5344CB8AC3E}">
@@ -8863,7 +10283,60 @@
         </p:nvSpPr>
         <p:spPr>
           <a:xfrm>
-            <a:off x="960120" y="578094"/>
+            <a:off x="960120" y="724540"/>
+            <a:ext cx="10430256" cy="646331"/>
+          </a:xfrm>
+          <a:prstGeom prst="rect">
+            <a:avLst/>
+          </a:prstGeom>
+          <a:noFill/>
+        </p:spPr>
+        <p:txBody>
+          <a:bodyPr wrap="square">
+            <a:spAutoFit/>
+          </a:bodyPr>
+          <a:lstStyle/>
+          <a:p>
+            <a:r>
+              <a:rPr lang="en-US" sz="3600" b="1" dirty="0">
+                <a:solidFill>
+                  <a:schemeClr val="tx1">
+                    <a:lumMod val="65000"/>
+                    <a:lumOff val="35000"/>
+                  </a:schemeClr>
+                </a:solidFill>
+                <a:latin typeface="Avenir Black" panose="02000503020000020003" pitchFamily="2" charset="0"/>
+                <a:cs typeface="Arial" panose="020B0604020202020204" pitchFamily="34" charset="0"/>
+              </a:rPr>
+              <a:t>A function is a self-contained block of code…</a:t>
+            </a:r>
+            <a:endParaRPr lang="en-US" sz="3600" b="1" dirty="0">
+              <a:solidFill>
+                <a:schemeClr val="tx1">
+                  <a:lumMod val="65000"/>
+                  <a:lumOff val="35000"/>
+                </a:schemeClr>
+              </a:solidFill>
+              <a:latin typeface="Avenir Black" panose="02000503020000020003" pitchFamily="2" charset="0"/>
+            </a:endParaRPr>
+          </a:p>
+        </p:txBody>
+      </p:sp>
+      <p:sp>
+        <p:nvSpPr>
+          <p:cNvPr id="9" name="TextBox 8">
+            <a:extLst>
+              <a:ext uri="{FF2B5EF4-FFF2-40B4-BE49-F238E27FC236}">
+                <a16:creationId xmlns:a16="http://schemas.microsoft.com/office/drawing/2014/main" id="{C270A992-CE55-054B-99DC-02F2DA39CA5A}"/>
+              </a:ext>
+            </a:extLst>
+          </p:cNvPr>
+          <p:cNvSpPr txBox="1"/>
+          <p:nvPr/>
+        </p:nvSpPr>
+        <p:spPr>
+          <a:xfrm>
+            <a:off x="984504" y="1526589"/>
             <a:ext cx="10430256" cy="523220"/>
           </a:xfrm>
           <a:prstGeom prst="rect">
@@ -8877,37 +10350,60 @@
           </a:bodyPr>
           <a:lstStyle/>
           <a:p>
+            <a:pPr marL="457200" indent="-457200">
+              <a:buFont typeface="Wingdings" pitchFamily="2" charset="2"/>
+              <a:buChar char="§"/>
+            </a:pPr>
             <a:r>
               <a:rPr lang="en-US" sz="2800" dirty="0">
-                <a:solidFill>
-                  <a:schemeClr val="tx1">
-                    <a:lumMod val="75000"/>
-                    <a:lumOff val="25000"/>
-                  </a:schemeClr>
-                </a:solidFill>
-                <a:latin typeface="Futura Medium"/>
-                <a:cs typeface="Arial" panose="020B0604020202020204" pitchFamily="34" charset="0"/>
-              </a:rPr>
-              <a:t>A function is a self-contained block of code…</a:t>
-            </a:r>
-            <a:endParaRPr lang="en-US" sz="2800" dirty="0">
-              <a:solidFill>
-                <a:schemeClr val="tx1">
-                  <a:lumMod val="75000"/>
-                  <a:lumOff val="25000"/>
-                </a:schemeClr>
-              </a:solidFill>
-              <a:latin typeface="Futura Medium"/>
-            </a:endParaRPr>
-          </a:p>
-        </p:txBody>
-      </p:sp>
-      <p:sp>
-        <p:nvSpPr>
-          <p:cNvPr id="9" name="TextBox 8">
-            <a:extLst>
-              <a:ext uri="{FF2B5EF4-FFF2-40B4-BE49-F238E27FC236}">
-                <a16:creationId xmlns:a16="http://schemas.microsoft.com/office/drawing/2014/main" id="{C270A992-CE55-054B-99DC-02F2DA39CA5A}"/>
+                <a:latin typeface="Avenir" panose="02000503020000020003" pitchFamily="2" charset="0"/>
+                <a:cs typeface="Futura Medium" panose="020B0602020204020303"/>
+              </a:rPr>
+              <a:t>It </a:t>
+            </a:r>
+            <a:r>
+              <a:rPr lang="en-US" sz="2800" u="sng" dirty="0">
+                <a:solidFill>
+                  <a:srgbClr val="5EBB78"/>
+                </a:solidFill>
+                <a:latin typeface="Avenir" panose="02000503020000020003" pitchFamily="2" charset="0"/>
+                <a:cs typeface="Futura Medium" panose="020B0602020204020303"/>
+              </a:rPr>
+              <a:t>may</a:t>
+            </a:r>
+            <a:r>
+              <a:rPr lang="en-US" sz="2800" dirty="0">
+                <a:latin typeface="Avenir" panose="02000503020000020003" pitchFamily="2" charset="0"/>
+                <a:cs typeface="Futura Medium" panose="020B0602020204020303"/>
+              </a:rPr>
+              <a:t> accept inputs (</a:t>
+            </a:r>
+            <a:r>
+              <a:rPr lang="en-US" sz="2800" dirty="0">
+                <a:solidFill>
+                  <a:srgbClr val="64B57A"/>
+                </a:solidFill>
+                <a:latin typeface="Avenir" panose="02000503020000020003" pitchFamily="2" charset="0"/>
+                <a:cs typeface="Futura Medium" panose="020B0602020204020303"/>
+              </a:rPr>
+              <a:t>parameters</a:t>
+            </a:r>
+            <a:r>
+              <a:rPr lang="en-US" sz="2800" dirty="0">
+                <a:latin typeface="Avenir" panose="02000503020000020003" pitchFamily="2" charset="0"/>
+                <a:cs typeface="Futura Medium" panose="020B0602020204020303"/>
+              </a:rPr>
+              <a:t>)</a:t>
+            </a:r>
+          </a:p>
+        </p:txBody>
+      </p:sp>
+      <p:sp>
+        <p:nvSpPr>
+          <p:cNvPr id="10" name="TextBox 9">
+            <a:extLst>
+              <a:ext uri="{FF2B5EF4-FFF2-40B4-BE49-F238E27FC236}">
+                <a16:creationId xmlns:a16="http://schemas.microsoft.com/office/drawing/2014/main" id="{473ED75A-AADF-8C9B-144A-12689D6B1C23}"/>
               </a:ext>
             </a:extLst>
           </p:cNvPr>
@@ -8916,7 +10412,76 @@
         </p:nvSpPr>
         <p:spPr>
           <a:xfrm>
-            <a:off x="984504" y="1628187"/>
+            <a:off x="960120" y="2184656"/>
+            <a:ext cx="10430256" cy="954107"/>
+          </a:xfrm>
+          <a:prstGeom prst="rect">
+            <a:avLst/>
+          </a:prstGeom>
+          <a:noFill/>
+        </p:spPr>
+        <p:txBody>
+          <a:bodyPr wrap="square">
+            <a:spAutoFit/>
+          </a:bodyPr>
+          <a:lstStyle/>
+          <a:p>
+            <a:pPr marL="457200" indent="-457200">
+              <a:buFont typeface="Wingdings" pitchFamily="2" charset="2"/>
+              <a:buChar char="§"/>
+            </a:pPr>
+            <a:r>
+              <a:rPr lang="en-US" sz="2800" dirty="0">
+                <a:latin typeface="Avenir" panose="02000503020000020003" pitchFamily="2" charset="0"/>
+                <a:cs typeface="Futura Medium" panose="020B0602020204020303"/>
+              </a:rPr>
+              <a:t>It will output (return) one or more results</a:t>
+            </a:r>
+          </a:p>
+          <a:p>
+            <a:pPr lvl="1"/>
+            <a:r>
+              <a:rPr lang="en-US" sz="2800" dirty="0">
+                <a:latin typeface="Avenir" panose="02000503020000020003" pitchFamily="2" charset="0"/>
+                <a:cs typeface="Futura Medium" panose="020B0602020204020303"/>
+              </a:rPr>
+              <a:t>the result may be nothing! (</a:t>
+            </a:r>
+            <a:r>
+              <a:rPr lang="en-US" sz="2800" dirty="0">
+                <a:solidFill>
+                  <a:srgbClr val="5EBB78"/>
+                </a:solidFill>
+                <a:latin typeface="Avenir" panose="02000503020000020003" pitchFamily="2" charset="0"/>
+                <a:cs typeface="Futura Medium" panose="020B0602020204020303"/>
+              </a:rPr>
+              <a:t>None</a:t>
+            </a:r>
+            <a:r>
+              <a:rPr lang="en-US" sz="2800" dirty="0">
+                <a:latin typeface="Avenir" panose="02000503020000020003" pitchFamily="2" charset="0"/>
+                <a:cs typeface="Futura Medium" panose="020B0602020204020303"/>
+              </a:rPr>
+              <a:t>)</a:t>
+            </a:r>
+          </a:p>
+        </p:txBody>
+      </p:sp>
+      <p:sp>
+        <p:nvSpPr>
+          <p:cNvPr id="12" name="TextBox 11">
+            <a:extLst>
+              <a:ext uri="{FF2B5EF4-FFF2-40B4-BE49-F238E27FC236}">
+                <a16:creationId xmlns:a16="http://schemas.microsoft.com/office/drawing/2014/main" id="{2FA010EF-DCA7-B328-7CA5-28511B08763F}"/>
+              </a:ext>
+            </a:extLst>
+          </p:cNvPr>
+          <p:cNvSpPr txBox="1"/>
+          <p:nvPr/>
+        </p:nvSpPr>
+        <p:spPr>
+          <a:xfrm>
+            <a:off x="984504" y="3269567"/>
             <a:ext cx="10430256" cy="523220"/>
           </a:xfrm>
           <a:prstGeom prst="rect">
@@ -8931,54 +10496,25 @@
           <a:lstStyle/>
           <a:p>
             <a:pPr marL="457200" indent="-457200">
-              <a:buFont typeface="Courier New" panose="02070309020205020404" pitchFamily="49" charset="0"/>
-              <a:buChar char="o"/>
+              <a:buFont typeface="Wingdings" pitchFamily="2" charset="2"/>
+              <a:buChar char="§"/>
             </a:pPr>
             <a:r>
               <a:rPr lang="en-US" sz="2800" dirty="0">
+                <a:latin typeface="Avenir" panose="02000503020000020003" pitchFamily="2" charset="0"/>
                 <a:cs typeface="Futura Medium" panose="020B0602020204020303"/>
               </a:rPr>
-              <a:t>It </a:t>
-            </a:r>
-            <a:r>
-              <a:rPr lang="en-US" sz="2800" u="sng" dirty="0">
-                <a:solidFill>
-                  <a:srgbClr val="0033CC"/>
-                </a:solidFill>
-                <a:cs typeface="Futura Medium" panose="020B0602020204020303"/>
-              </a:rPr>
-              <a:t>may</a:t>
-            </a:r>
-            <a:r>
-              <a:rPr lang="en-US" sz="2800" dirty="0">
-                <a:cs typeface="Futura Medium" panose="020B0602020204020303"/>
-              </a:rPr>
-              <a:t> accept inputs (</a:t>
-            </a:r>
-            <a:r>
-              <a:rPr lang="en-US" sz="2800" dirty="0">
-                <a:solidFill>
-                  <a:srgbClr val="64B57A"/>
-                </a:solidFill>
-                <a:cs typeface="Futura Medium" panose="020B0602020204020303"/>
-              </a:rPr>
-              <a:t>parameters</a:t>
-            </a:r>
-            <a:r>
-              <a:rPr lang="en-US" sz="2800" dirty="0">
-                <a:cs typeface="Futura Medium" panose="020B0602020204020303"/>
-              </a:rPr>
-              <a:t>)</a:t>
-            </a:r>
-          </a:p>
-        </p:txBody>
-      </p:sp>
-      <p:sp>
-        <p:nvSpPr>
-          <p:cNvPr id="10" name="TextBox 9">
-            <a:extLst>
-              <a:ext uri="{FF2B5EF4-FFF2-40B4-BE49-F238E27FC236}">
-                <a16:creationId xmlns:a16="http://schemas.microsoft.com/office/drawing/2014/main" id="{473ED75A-AADF-8C9B-144A-12689D6B1C23}"/>
+              <a:t>Can contain any statements found in a normal program</a:t>
+            </a:r>
+          </a:p>
+        </p:txBody>
+      </p:sp>
+      <p:sp>
+        <p:nvSpPr>
+          <p:cNvPr id="13" name="TextBox 12">
+            <a:extLst>
+              <a:ext uri="{FF2B5EF4-FFF2-40B4-BE49-F238E27FC236}">
+                <a16:creationId xmlns:a16="http://schemas.microsoft.com/office/drawing/2014/main" id="{51940D94-B91C-D364-73BD-09F36FF3D30C}"/>
               </a:ext>
             </a:extLst>
           </p:cNvPr>
@@ -8987,8 +10523,8 @@
         </p:nvSpPr>
         <p:spPr>
           <a:xfrm>
-            <a:off x="960120" y="2286254"/>
-            <a:ext cx="10430256" cy="954107"/>
+            <a:off x="984504" y="3923592"/>
+            <a:ext cx="10430256" cy="1815882"/>
           </a:xfrm>
           <a:prstGeom prst="rect">
             <a:avLst/>
@@ -9002,210 +10538,117 @@
           <a:lstStyle/>
           <a:p>
             <a:pPr marL="457200" indent="-457200">
-              <a:buFont typeface="Courier New" panose="02070309020205020404" pitchFamily="49" charset="0"/>
-              <a:buChar char="o"/>
+              <a:buFont typeface="Wingdings" pitchFamily="2" charset="2"/>
+              <a:buChar char="§"/>
             </a:pPr>
             <a:r>
               <a:rPr lang="en-US" sz="2800" dirty="0">
+                <a:latin typeface="Avenir" panose="02000503020000020003" pitchFamily="2" charset="0"/>
                 <a:cs typeface="Futura Medium" panose="020B0602020204020303"/>
               </a:rPr>
-              <a:t>It will output (return) one or more results</a:t>
+              <a:t>We've already encountered functions</a:t>
             </a:r>
           </a:p>
           <a:p>
             <a:pPr lvl="1"/>
             <a:r>
               <a:rPr lang="en-US" sz="2800" dirty="0">
+                <a:latin typeface="Avenir" panose="02000503020000020003" pitchFamily="2" charset="0"/>
                 <a:cs typeface="Futura Medium" panose="020B0602020204020303"/>
               </a:rPr>
-              <a:t>the result may be nothing! (</a:t>
+              <a:t>e.g. </a:t>
             </a:r>
             <a:r>
               <a:rPr lang="en-US" sz="2800" dirty="0">
                 <a:solidFill>
                   <a:srgbClr val="5EBB78"/>
                 </a:solidFill>
+                <a:latin typeface="Avenir" panose="02000503020000020003" pitchFamily="2" charset="0"/>
                 <a:cs typeface="Futura Medium" panose="020B0602020204020303"/>
               </a:rPr>
-              <a:t>None</a:t>
+              <a:t>set</a:t>
             </a:r>
             <a:r>
               <a:rPr lang="en-US" sz="2800" dirty="0">
+                <a:latin typeface="Avenir" panose="02000503020000020003" pitchFamily="2" charset="0"/>
                 <a:cs typeface="Futura Medium" panose="020B0602020204020303"/>
               </a:rPr>
-              <a:t>)</a:t>
-            </a:r>
-          </a:p>
-        </p:txBody>
-      </p:sp>
-      <p:sp>
-        <p:nvSpPr>
-          <p:cNvPr id="12" name="TextBox 11">
-            <a:extLst>
-              <a:ext uri="{FF2B5EF4-FFF2-40B4-BE49-F238E27FC236}">
-                <a16:creationId xmlns:a16="http://schemas.microsoft.com/office/drawing/2014/main" id="{2FA010EF-DCA7-B328-7CA5-28511B08763F}"/>
-              </a:ext>
-            </a:extLst>
-          </p:cNvPr>
-          <p:cNvSpPr txBox="1"/>
-          <p:nvPr/>
-        </p:nvSpPr>
-        <p:spPr>
-          <a:xfrm>
-            <a:off x="984504" y="3371165"/>
-            <a:ext cx="10430256" cy="523220"/>
-          </a:xfrm>
-          <a:prstGeom prst="rect">
-            <a:avLst/>
-          </a:prstGeom>
-          <a:noFill/>
-        </p:spPr>
-        <p:txBody>
-          <a:bodyPr wrap="square">
-            <a:spAutoFit/>
-          </a:bodyPr>
-          <a:lstStyle/>
-          <a:p>
-            <a:pPr marL="457200" indent="-457200">
-              <a:buFont typeface="Courier New" panose="02070309020205020404" pitchFamily="49" charset="0"/>
-              <a:buChar char="o"/>
-            </a:pPr>
+              <a:t>(), </a:t>
+            </a:r>
             <a:r>
               <a:rPr lang="en-US" sz="2800" dirty="0">
+                <a:solidFill>
+                  <a:srgbClr val="5EBB78"/>
+                </a:solidFill>
+                <a:latin typeface="Avenir" panose="02000503020000020003" pitchFamily="2" charset="0"/>
                 <a:cs typeface="Futura Medium" panose="020B0602020204020303"/>
               </a:rPr>
-              <a:t>Can contain any statements found in a normal program</a:t>
-            </a:r>
-          </a:p>
-        </p:txBody>
-      </p:sp>
-      <p:sp>
-        <p:nvSpPr>
-          <p:cNvPr id="13" name="TextBox 12">
-            <a:extLst>
-              <a:ext uri="{FF2B5EF4-FFF2-40B4-BE49-F238E27FC236}">
-                <a16:creationId xmlns:a16="http://schemas.microsoft.com/office/drawing/2014/main" id="{51940D94-B91C-D364-73BD-09F36FF3D30C}"/>
-              </a:ext>
-            </a:extLst>
-          </p:cNvPr>
-          <p:cNvSpPr txBox="1"/>
-          <p:nvPr/>
-        </p:nvSpPr>
-        <p:spPr>
-          <a:xfrm>
-            <a:off x="984504" y="4025190"/>
-            <a:ext cx="10430256" cy="1384995"/>
-          </a:xfrm>
-          <a:prstGeom prst="rect">
-            <a:avLst/>
-          </a:prstGeom>
-          <a:noFill/>
-        </p:spPr>
-        <p:txBody>
-          <a:bodyPr wrap="square">
-            <a:spAutoFit/>
-          </a:bodyPr>
-          <a:lstStyle/>
-          <a:p>
-            <a:pPr marL="285750" indent="-285750">
-              <a:buFont typeface="Courier New" panose="02070309020205020404" pitchFamily="49" charset="0"/>
-              <a:buChar char="o"/>
-            </a:pPr>
+              <a:t>list</a:t>
+            </a:r>
             <a:r>
               <a:rPr lang="en-US" sz="2800" dirty="0">
+                <a:latin typeface="Avenir" panose="02000503020000020003" pitchFamily="2" charset="0"/>
                 <a:cs typeface="Futura Medium" panose="020B0602020204020303"/>
               </a:rPr>
-              <a:t>We've already encountered functions</a:t>
+              <a:t>(), </a:t>
+            </a:r>
+            <a:r>
+              <a:rPr lang="en-US" sz="2800" dirty="0">
+                <a:solidFill>
+                  <a:srgbClr val="5EBB78"/>
+                </a:solidFill>
+                <a:latin typeface="Avenir" panose="02000503020000020003" pitchFamily="2" charset="0"/>
+                <a:cs typeface="Futura Medium" panose="020B0602020204020303"/>
+              </a:rPr>
+              <a:t>range</a:t>
+            </a:r>
+            <a:r>
+              <a:rPr lang="en-US" sz="2800" dirty="0">
+                <a:latin typeface="Avenir" panose="02000503020000020003" pitchFamily="2" charset="0"/>
+                <a:cs typeface="Futura Medium" panose="020B0602020204020303"/>
+              </a:rPr>
+              <a:t>(), many more – these are "</a:t>
+            </a:r>
+            <a:r>
+              <a:rPr lang="en-US" sz="2800" dirty="0">
+                <a:solidFill>
+                  <a:srgbClr val="5EBB78"/>
+                </a:solidFill>
+                <a:latin typeface="Avenir" panose="02000503020000020003" pitchFamily="2" charset="0"/>
+                <a:cs typeface="Futura Medium" panose="020B0602020204020303"/>
+              </a:rPr>
+              <a:t>built-in functions</a:t>
+            </a:r>
+            <a:r>
+              <a:rPr lang="en-US" sz="2800" dirty="0">
+                <a:latin typeface="Avenir" panose="02000503020000020003" pitchFamily="2" charset="0"/>
+                <a:cs typeface="Futura Medium" panose="020B0602020204020303"/>
+              </a:rPr>
+              <a:t>"</a:t>
             </a:r>
           </a:p>
           <a:p>
             <a:pPr lvl="1"/>
             <a:r>
               <a:rPr lang="en-US" sz="2800" dirty="0">
+                <a:latin typeface="Avenir" panose="02000503020000020003" pitchFamily="2" charset="0"/>
                 <a:cs typeface="Futura Medium" panose="020B0602020204020303"/>
               </a:rPr>
-              <a:t>e.g. </a:t>
+              <a:t>Functions we write ourselves are "</a:t>
             </a:r>
             <a:r>
               <a:rPr lang="en-US" sz="2800" dirty="0">
                 <a:solidFill>
                   <a:srgbClr val="5EBB78"/>
                 </a:solidFill>
+                <a:latin typeface="Avenir" panose="02000503020000020003" pitchFamily="2" charset="0"/>
                 <a:cs typeface="Futura Medium" panose="020B0602020204020303"/>
               </a:rPr>
-              <a:t>set</a:t>
+              <a:t>user-defined</a:t>
             </a:r>
             <a:r>
               <a:rPr lang="en-US" sz="2800" dirty="0">
-                <a:cs typeface="Futura Medium" panose="020B0602020204020303"/>
-              </a:rPr>
-              <a:t>(), </a:t>
-            </a:r>
-            <a:r>
-              <a:rPr lang="en-US" sz="2800" dirty="0">
-                <a:solidFill>
-                  <a:srgbClr val="5EBB78"/>
-                </a:solidFill>
-                <a:cs typeface="Futura Medium" panose="020B0602020204020303"/>
-              </a:rPr>
-              <a:t>list</a:t>
-            </a:r>
-            <a:r>
-              <a:rPr lang="en-US" sz="2800" dirty="0">
-                <a:cs typeface="Futura Medium" panose="020B0602020204020303"/>
-              </a:rPr>
-              <a:t>(), </a:t>
-            </a:r>
-            <a:r>
-              <a:rPr lang="en-US" sz="2800" dirty="0">
-                <a:solidFill>
-                  <a:srgbClr val="5EBB78"/>
-                </a:solidFill>
-                <a:cs typeface="Futura Medium" panose="020B0602020204020303"/>
-              </a:rPr>
-              <a:t>range</a:t>
-            </a:r>
-            <a:r>
-              <a:rPr lang="en-US" sz="2800" dirty="0">
-                <a:cs typeface="Futura Medium" panose="020B0602020204020303"/>
-              </a:rPr>
-              <a:t>(), many more – these are "</a:t>
-            </a:r>
-            <a:r>
-              <a:rPr lang="en-US" sz="2800" dirty="0">
-                <a:solidFill>
-                  <a:srgbClr val="5EBB78"/>
-                </a:solidFill>
-                <a:cs typeface="Futura Medium" panose="020B0602020204020303"/>
-              </a:rPr>
-              <a:t>built-in functions</a:t>
-            </a:r>
-            <a:r>
-              <a:rPr lang="en-US" sz="2800" dirty="0">
-                <a:cs typeface="Futura Medium" panose="020B0602020204020303"/>
-              </a:rPr>
-              <a:t>"</a:t>
-            </a:r>
-          </a:p>
-          <a:p>
-            <a:pPr lvl="1"/>
-            <a:r>
-              <a:rPr lang="en-US" sz="2800" dirty="0">
-                <a:cs typeface="Futura Medium" panose="020B0602020204020303"/>
-              </a:rPr>
-              <a:t>Functions we write ourselves are "</a:t>
-            </a:r>
-            <a:r>
-              <a:rPr lang="en-US" sz="2800" dirty="0">
-                <a:solidFill>
-                  <a:srgbClr val="5EBB78"/>
-                </a:solidFill>
-                <a:cs typeface="Futura Medium" panose="020B0602020204020303"/>
-              </a:rPr>
-              <a:t>user-defined</a:t>
-            </a:r>
-            <a:r>
-              <a:rPr lang="en-US" sz="2800" dirty="0">
+                <a:latin typeface="Avenir" panose="02000503020000020003" pitchFamily="2" charset="0"/>
                 <a:cs typeface="Futura Medium" panose="020B0602020204020303"/>
               </a:rPr>
               <a:t>" functions</a:t>
@@ -9269,6 +10712,42 @@
           </a:p>
         </p:txBody>
       </p:sp>
+      <p:pic>
+        <p:nvPicPr>
+          <p:cNvPr id="15" name="Picture 14" descr="A picture containing dark, gauge&#10;&#10;Description automatically generated">
+            <a:extLst>
+              <a:ext uri="{FF2B5EF4-FFF2-40B4-BE49-F238E27FC236}">
+                <a16:creationId xmlns:a16="http://schemas.microsoft.com/office/drawing/2014/main" id="{7DE661C6-1282-0617-8149-16EEDB35EADB}"/>
+              </a:ext>
+            </a:extLst>
+          </p:cNvPr>
+          <p:cNvPicPr>
+            <a:picLocks noChangeAspect="1"/>
+          </p:cNvPicPr>
+          <p:nvPr/>
+        </p:nvPicPr>
+        <p:blipFill>
+          <a:blip r:embed="rId3">
+            <a:extLst>
+              <a:ext uri="{28A0092B-C50C-407E-A947-70E740481C1C}">
+                <a14:useLocalDpi xmlns:a14="http://schemas.microsoft.com/office/drawing/2010/main" val="0"/>
+              </a:ext>
+            </a:extLst>
+          </a:blip>
+          <a:stretch>
+            <a:fillRect/>
+          </a:stretch>
+        </p:blipFill>
+        <p:spPr>
+          <a:xfrm>
+            <a:off x="11378037" y="6045200"/>
+            <a:ext cx="800100" cy="812800"/>
+          </a:xfrm>
+          <a:prstGeom prst="rect">
+            <a:avLst/>
+          </a:prstGeom>
+        </p:spPr>
+      </p:pic>
     </p:spTree>
     <p:extLst>
       <p:ext uri="{BB962C8B-B14F-4D97-AF65-F5344CB8AC3E}">
@@ -9547,36 +11026,6 @@
           <a:chExt cx="0" cy="0"/>
         </a:xfrm>
       </p:grpSpPr>
-      <p:pic>
-        <p:nvPicPr>
-          <p:cNvPr id="5" name="Picture 4">
-            <a:extLst>
-              <a:ext uri="{FF2B5EF4-FFF2-40B4-BE49-F238E27FC236}">
-                <a16:creationId xmlns:a16="http://schemas.microsoft.com/office/drawing/2014/main" id="{4001A2FB-8C69-E67E-0A00-BF4B7B1FA950}"/>
-              </a:ext>
-            </a:extLst>
-          </p:cNvPr>
-          <p:cNvPicPr>
-            <a:picLocks noChangeAspect="1"/>
-          </p:cNvPicPr>
-          <p:nvPr/>
-        </p:nvPicPr>
-        <p:blipFill>
-          <a:blip r:embed="rId3"/>
-          <a:stretch>
-            <a:fillRect/>
-          </a:stretch>
-        </p:blipFill>
-        <p:spPr>
-          <a:xfrm>
-            <a:off x="2119312" y="1422156"/>
-            <a:ext cx="7953375" cy="4857750"/>
-          </a:xfrm>
-          <a:prstGeom prst="rect">
-            <a:avLst/>
-          </a:prstGeom>
-        </p:spPr>
-      </p:pic>
       <p:sp>
         <p:nvSpPr>
           <p:cNvPr id="6" name="TextBox 5">
@@ -9592,7 +11041,7 @@
         <p:spPr>
           <a:xfrm>
             <a:off x="0" y="578094"/>
-            <a:ext cx="12192000" cy="523220"/>
+            <a:ext cx="12192000" cy="646331"/>
           </a:xfrm>
           <a:prstGeom prst="rect">
             <a:avLst/>
@@ -9607,26 +11056,26 @@
           <a:p>
             <a:pPr algn="ctr"/>
             <a:r>
-              <a:rPr lang="en-US" sz="2800" dirty="0">
+              <a:rPr lang="en-US" sz="3600" b="1" dirty="0">
                 <a:solidFill>
                   <a:schemeClr val="tx1">
-                    <a:lumMod val="75000"/>
-                    <a:lumOff val="25000"/>
+                    <a:lumMod val="65000"/>
+                    <a:lumOff val="35000"/>
                   </a:schemeClr>
                 </a:solidFill>
-                <a:latin typeface="Futura Medium"/>
+                <a:latin typeface="Avenir Heavy" panose="02000503020000020003" pitchFamily="2" charset="0"/>
                 <a:cs typeface="Arial" panose="020B0604020202020204" pitchFamily="34" charset="0"/>
               </a:rPr>
               <a:t>Why use Functions?</a:t>
             </a:r>
-            <a:endParaRPr lang="en-US" sz="2800" dirty="0">
+            <a:endParaRPr lang="en-US" sz="3600" b="1" dirty="0">
               <a:solidFill>
                 <a:schemeClr val="tx1">
-                  <a:lumMod val="75000"/>
-                  <a:lumOff val="25000"/>
+                  <a:lumMod val="65000"/>
+                  <a:lumOff val="35000"/>
                 </a:schemeClr>
               </a:solidFill>
-              <a:latin typeface="Futura Medium"/>
+              <a:latin typeface="Avenir Heavy" panose="02000503020000020003" pitchFamily="2" charset="0"/>
             </a:endParaRPr>
           </a:p>
         </p:txBody>
@@ -9687,6 +11136,967 @@
           </a:p>
         </p:txBody>
       </p:sp>
+      <p:grpSp>
+        <p:nvGrpSpPr>
+          <p:cNvPr id="31" name="Group 30">
+            <a:extLst>
+              <a:ext uri="{FF2B5EF4-FFF2-40B4-BE49-F238E27FC236}">
+                <a16:creationId xmlns:a16="http://schemas.microsoft.com/office/drawing/2014/main" id="{00470190-8E4E-88C5-EAAA-757592483B62}"/>
+              </a:ext>
+            </a:extLst>
+          </p:cNvPr>
+          <p:cNvGrpSpPr/>
+          <p:nvPr/>
+        </p:nvGrpSpPr>
+        <p:grpSpPr>
+          <a:xfrm>
+            <a:off x="3288631" y="2743452"/>
+            <a:ext cx="5058572" cy="2059386"/>
+            <a:chOff x="3498831" y="2743452"/>
+            <a:chExt cx="5058572" cy="2059386"/>
+          </a:xfrm>
+        </p:grpSpPr>
+        <p:cxnSp>
+          <p:nvCxnSpPr>
+            <p:cNvPr id="29" name="Straight Connector 28">
+              <a:extLst>
+                <a:ext uri="{FF2B5EF4-FFF2-40B4-BE49-F238E27FC236}">
+                  <a16:creationId xmlns:a16="http://schemas.microsoft.com/office/drawing/2014/main" id="{7058919D-B0BE-F74D-FE5C-B0989BFF877B}"/>
+                </a:ext>
+              </a:extLst>
+            </p:cNvPr>
+            <p:cNvCxnSpPr>
+              <a:cxnSpLocks/>
+            </p:cNvCxnSpPr>
+            <p:nvPr/>
+          </p:nvCxnSpPr>
+          <p:spPr>
+            <a:xfrm>
+              <a:off x="4444619" y="4242373"/>
+              <a:ext cx="0" cy="262225"/>
+            </a:xfrm>
+            <a:prstGeom prst="line">
+              <a:avLst/>
+            </a:prstGeom>
+            <a:ln w="38100">
+              <a:solidFill>
+                <a:srgbClr val="30335D"/>
+              </a:solidFill>
+            </a:ln>
+          </p:spPr>
+          <p:style>
+            <a:lnRef idx="1">
+              <a:schemeClr val="accent1"/>
+            </a:lnRef>
+            <a:fillRef idx="0">
+              <a:schemeClr val="accent1"/>
+            </a:fillRef>
+            <a:effectRef idx="0">
+              <a:schemeClr val="accent1"/>
+            </a:effectRef>
+            <a:fontRef idx="minor">
+              <a:schemeClr val="tx1"/>
+            </a:fontRef>
+          </p:style>
+        </p:cxnSp>
+        <p:cxnSp>
+          <p:nvCxnSpPr>
+            <p:cNvPr id="28" name="Straight Connector 27">
+              <a:extLst>
+                <a:ext uri="{FF2B5EF4-FFF2-40B4-BE49-F238E27FC236}">
+                  <a16:creationId xmlns:a16="http://schemas.microsoft.com/office/drawing/2014/main" id="{3DF63494-0FC0-4D5B-8638-B70E199592BB}"/>
+                </a:ext>
+              </a:extLst>
+            </p:cNvPr>
+            <p:cNvCxnSpPr>
+              <a:cxnSpLocks/>
+            </p:cNvCxnSpPr>
+            <p:nvPr/>
+          </p:nvCxnSpPr>
+          <p:spPr>
+            <a:xfrm>
+              <a:off x="8554527" y="4242373"/>
+              <a:ext cx="0" cy="560465"/>
+            </a:xfrm>
+            <a:prstGeom prst="line">
+              <a:avLst/>
+            </a:prstGeom>
+            <a:ln w="38100">
+              <a:solidFill>
+                <a:srgbClr val="30335D"/>
+              </a:solidFill>
+            </a:ln>
+          </p:spPr>
+          <p:style>
+            <a:lnRef idx="1">
+              <a:schemeClr val="accent1"/>
+            </a:lnRef>
+            <a:fillRef idx="0">
+              <a:schemeClr val="accent1"/>
+            </a:fillRef>
+            <a:effectRef idx="0">
+              <a:schemeClr val="accent1"/>
+            </a:effectRef>
+            <a:fontRef idx="minor">
+              <a:schemeClr val="tx1"/>
+            </a:fontRef>
+          </p:style>
+        </p:cxnSp>
+        <p:cxnSp>
+          <p:nvCxnSpPr>
+            <p:cNvPr id="26" name="Straight Connector 25">
+              <a:extLst>
+                <a:ext uri="{FF2B5EF4-FFF2-40B4-BE49-F238E27FC236}">
+                  <a16:creationId xmlns:a16="http://schemas.microsoft.com/office/drawing/2014/main" id="{12C6612B-5B99-113A-B44C-C0D7E037865C}"/>
+                </a:ext>
+              </a:extLst>
+            </p:cNvPr>
+            <p:cNvCxnSpPr>
+              <a:cxnSpLocks/>
+            </p:cNvCxnSpPr>
+            <p:nvPr/>
+          </p:nvCxnSpPr>
+          <p:spPr>
+            <a:xfrm>
+              <a:off x="6487064" y="2743452"/>
+              <a:ext cx="0" cy="560465"/>
+            </a:xfrm>
+            <a:prstGeom prst="line">
+              <a:avLst/>
+            </a:prstGeom>
+            <a:ln w="38100">
+              <a:solidFill>
+                <a:srgbClr val="30335D"/>
+              </a:solidFill>
+            </a:ln>
+          </p:spPr>
+          <p:style>
+            <a:lnRef idx="1">
+              <a:schemeClr val="accent1"/>
+            </a:lnRef>
+            <a:fillRef idx="0">
+              <a:schemeClr val="accent1"/>
+            </a:fillRef>
+            <a:effectRef idx="0">
+              <a:schemeClr val="accent1"/>
+            </a:effectRef>
+            <a:fontRef idx="minor">
+              <a:schemeClr val="tx1"/>
+            </a:fontRef>
+          </p:style>
+        </p:cxnSp>
+        <p:sp>
+          <p:nvSpPr>
+            <p:cNvPr id="23" name="Left Bracket 22">
+              <a:extLst>
+                <a:ext uri="{FF2B5EF4-FFF2-40B4-BE49-F238E27FC236}">
+                  <a16:creationId xmlns:a16="http://schemas.microsoft.com/office/drawing/2014/main" id="{9965E8DD-A696-D473-7CBC-D38B0487CD1F}"/>
+                </a:ext>
+              </a:extLst>
+            </p:cNvPr>
+            <p:cNvSpPr/>
+            <p:nvPr/>
+          </p:nvSpPr>
+          <p:spPr>
+            <a:xfrm rot="5400000">
+              <a:off x="6402897" y="1053406"/>
+              <a:ext cx="219233" cy="4089778"/>
+            </a:xfrm>
+            <a:prstGeom prst="leftBracket">
+              <a:avLst>
+                <a:gd name="adj" fmla="val 0"/>
+              </a:avLst>
+            </a:prstGeom>
+            <a:ln w="38100">
+              <a:solidFill>
+                <a:srgbClr val="30335D"/>
+              </a:solidFill>
+            </a:ln>
+          </p:spPr>
+          <p:style>
+            <a:lnRef idx="1">
+              <a:schemeClr val="accent1"/>
+            </a:lnRef>
+            <a:fillRef idx="0">
+              <a:schemeClr val="accent1"/>
+            </a:fillRef>
+            <a:effectRef idx="0">
+              <a:schemeClr val="accent1"/>
+            </a:effectRef>
+            <a:fontRef idx="minor">
+              <a:schemeClr val="tx1"/>
+            </a:fontRef>
+          </p:style>
+          <p:txBody>
+            <a:bodyPr rtlCol="0" anchor="ctr"/>
+            <a:lstStyle/>
+            <a:p>
+              <a:pPr algn="ctr"/>
+              <a:endParaRPr lang="en-US">
+                <a:solidFill>
+                  <a:srgbClr val="4D5EB6"/>
+                </a:solidFill>
+              </a:endParaRPr>
+            </a:p>
+          </p:txBody>
+        </p:sp>
+        <p:sp>
+          <p:nvSpPr>
+            <p:cNvPr id="24" name="Left Bracket 23">
+              <a:extLst>
+                <a:ext uri="{FF2B5EF4-FFF2-40B4-BE49-F238E27FC236}">
+                  <a16:creationId xmlns:a16="http://schemas.microsoft.com/office/drawing/2014/main" id="{1672C597-AECD-A9DB-F211-00B0F094832C}"/>
+                </a:ext>
+              </a:extLst>
+            </p:cNvPr>
+            <p:cNvSpPr/>
+            <p:nvPr/>
+          </p:nvSpPr>
+          <p:spPr>
+            <a:xfrm rot="5400000">
+              <a:off x="4374372" y="3636874"/>
+              <a:ext cx="219233" cy="1970316"/>
+            </a:xfrm>
+            <a:prstGeom prst="leftBracket">
+              <a:avLst>
+                <a:gd name="adj" fmla="val 0"/>
+              </a:avLst>
+            </a:prstGeom>
+            <a:ln w="38100">
+              <a:solidFill>
+                <a:srgbClr val="30335D"/>
+              </a:solidFill>
+            </a:ln>
+          </p:spPr>
+          <p:style>
+            <a:lnRef idx="1">
+              <a:schemeClr val="accent1"/>
+            </a:lnRef>
+            <a:fillRef idx="0">
+              <a:schemeClr val="accent1"/>
+            </a:fillRef>
+            <a:effectRef idx="0">
+              <a:schemeClr val="accent1"/>
+            </a:effectRef>
+            <a:fontRef idx="minor">
+              <a:schemeClr val="tx1"/>
+            </a:fontRef>
+          </p:style>
+          <p:txBody>
+            <a:bodyPr rtlCol="0" anchor="ctr"/>
+            <a:lstStyle/>
+            <a:p>
+              <a:pPr algn="ctr"/>
+              <a:endParaRPr lang="en-US">
+                <a:solidFill>
+                  <a:srgbClr val="4D5EB6"/>
+                </a:solidFill>
+              </a:endParaRPr>
+            </a:p>
+          </p:txBody>
+        </p:sp>
+      </p:grpSp>
+      <p:sp>
+        <p:nvSpPr>
+          <p:cNvPr id="21" name="Rounded Rectangle 20">
+            <a:extLst>
+              <a:ext uri="{FF2B5EF4-FFF2-40B4-BE49-F238E27FC236}">
+                <a16:creationId xmlns:a16="http://schemas.microsoft.com/office/drawing/2014/main" id="{62B7C2B2-3011-B20A-F7D1-C2C619DBD511}"/>
+              </a:ext>
+            </a:extLst>
+          </p:cNvPr>
+          <p:cNvSpPr/>
+          <p:nvPr/>
+        </p:nvSpPr>
+        <p:spPr>
+          <a:xfrm>
+            <a:off x="4403790" y="4740625"/>
+            <a:ext cx="1769477" cy="1143299"/>
+          </a:xfrm>
+          <a:prstGeom prst="roundRect">
+            <a:avLst/>
+          </a:prstGeom>
+          <a:solidFill>
+            <a:srgbClr val="5EBB78"/>
+          </a:solidFill>
+          <a:ln>
+            <a:noFill/>
+          </a:ln>
+        </p:spPr>
+        <p:style>
+          <a:lnRef idx="2">
+            <a:schemeClr val="accent1">
+              <a:shade val="50000"/>
+            </a:schemeClr>
+          </a:lnRef>
+          <a:fillRef idx="1">
+            <a:schemeClr val="accent1"/>
+          </a:fillRef>
+          <a:effectRef idx="0">
+            <a:schemeClr val="accent1"/>
+          </a:effectRef>
+          <a:fontRef idx="minor">
+            <a:schemeClr val="lt1"/>
+          </a:fontRef>
+        </p:style>
+        <p:txBody>
+          <a:bodyPr rtlCol="0" anchor="ctr"/>
+          <a:lstStyle/>
+          <a:p>
+            <a:pPr algn="ctr"/>
+            <a:endParaRPr lang="en-US"/>
+          </a:p>
+        </p:txBody>
+      </p:sp>
+      <p:sp>
+        <p:nvSpPr>
+          <p:cNvPr id="19" name="Rounded Rectangle 18">
+            <a:extLst>
+              <a:ext uri="{FF2B5EF4-FFF2-40B4-BE49-F238E27FC236}">
+                <a16:creationId xmlns:a16="http://schemas.microsoft.com/office/drawing/2014/main" id="{58EBC787-81BF-D345-36FA-085212240503}"/>
+              </a:ext>
+            </a:extLst>
+          </p:cNvPr>
+          <p:cNvSpPr/>
+          <p:nvPr/>
+        </p:nvSpPr>
+        <p:spPr>
+          <a:xfrm>
+            <a:off x="7503364" y="3187817"/>
+            <a:ext cx="1769477" cy="1143299"/>
+          </a:xfrm>
+          <a:prstGeom prst="roundRect">
+            <a:avLst/>
+          </a:prstGeom>
+          <a:solidFill>
+            <a:srgbClr val="5EBB78"/>
+          </a:solidFill>
+          <a:ln>
+            <a:noFill/>
+          </a:ln>
+        </p:spPr>
+        <p:style>
+          <a:lnRef idx="2">
+            <a:schemeClr val="accent1">
+              <a:shade val="50000"/>
+            </a:schemeClr>
+          </a:lnRef>
+          <a:fillRef idx="1">
+            <a:schemeClr val="accent1"/>
+          </a:fillRef>
+          <a:effectRef idx="0">
+            <a:schemeClr val="accent1"/>
+          </a:effectRef>
+          <a:fontRef idx="minor">
+            <a:schemeClr val="lt1"/>
+          </a:fontRef>
+        </p:style>
+        <p:txBody>
+          <a:bodyPr rtlCol="0" anchor="ctr"/>
+          <a:lstStyle/>
+          <a:p>
+            <a:pPr algn="ctr"/>
+            <a:endParaRPr lang="en-US"/>
+          </a:p>
+        </p:txBody>
+      </p:sp>
+      <p:sp>
+        <p:nvSpPr>
+          <p:cNvPr id="20" name="Rounded Rectangle 19">
+            <a:extLst>
+              <a:ext uri="{FF2B5EF4-FFF2-40B4-BE49-F238E27FC236}">
+                <a16:creationId xmlns:a16="http://schemas.microsoft.com/office/drawing/2014/main" id="{66A32AA7-057D-84A4-3E2A-09DE3E9C98DC}"/>
+              </a:ext>
+            </a:extLst>
+          </p:cNvPr>
+          <p:cNvSpPr/>
+          <p:nvPr/>
+        </p:nvSpPr>
+        <p:spPr>
+          <a:xfrm>
+            <a:off x="2435822" y="4717138"/>
+            <a:ext cx="1769477" cy="1143299"/>
+          </a:xfrm>
+          <a:prstGeom prst="roundRect">
+            <a:avLst/>
+          </a:prstGeom>
+          <a:solidFill>
+            <a:srgbClr val="5EBB78"/>
+          </a:solidFill>
+          <a:ln>
+            <a:noFill/>
+          </a:ln>
+        </p:spPr>
+        <p:style>
+          <a:lnRef idx="2">
+            <a:schemeClr val="accent1">
+              <a:shade val="50000"/>
+            </a:schemeClr>
+          </a:lnRef>
+          <a:fillRef idx="1">
+            <a:schemeClr val="accent1"/>
+          </a:fillRef>
+          <a:effectRef idx="0">
+            <a:schemeClr val="accent1"/>
+          </a:effectRef>
+          <a:fontRef idx="minor">
+            <a:schemeClr val="lt1"/>
+          </a:fontRef>
+        </p:style>
+        <p:txBody>
+          <a:bodyPr rtlCol="0" anchor="ctr"/>
+          <a:lstStyle/>
+          <a:p>
+            <a:pPr algn="ctr"/>
+            <a:endParaRPr lang="en-US"/>
+          </a:p>
+        </p:txBody>
+      </p:sp>
+      <p:sp>
+        <p:nvSpPr>
+          <p:cNvPr id="18" name="Rounded Rectangle 17">
+            <a:extLst>
+              <a:ext uri="{FF2B5EF4-FFF2-40B4-BE49-F238E27FC236}">
+                <a16:creationId xmlns:a16="http://schemas.microsoft.com/office/drawing/2014/main" id="{7ED6CAC5-4454-6910-57F3-0444BC470044}"/>
+              </a:ext>
+            </a:extLst>
+          </p:cNvPr>
+          <p:cNvSpPr/>
+          <p:nvPr/>
+        </p:nvSpPr>
+        <p:spPr>
+          <a:xfrm>
+            <a:off x="5404970" y="3190079"/>
+            <a:ext cx="1769477" cy="1143299"/>
+          </a:xfrm>
+          <a:prstGeom prst="roundRect">
+            <a:avLst/>
+          </a:prstGeom>
+          <a:solidFill>
+            <a:srgbClr val="5EBB78"/>
+          </a:solidFill>
+          <a:ln>
+            <a:noFill/>
+          </a:ln>
+        </p:spPr>
+        <p:style>
+          <a:lnRef idx="2">
+            <a:schemeClr val="accent1">
+              <a:shade val="50000"/>
+            </a:schemeClr>
+          </a:lnRef>
+          <a:fillRef idx="1">
+            <a:schemeClr val="accent1"/>
+          </a:fillRef>
+          <a:effectRef idx="0">
+            <a:schemeClr val="accent1"/>
+          </a:effectRef>
+          <a:fontRef idx="minor">
+            <a:schemeClr val="lt1"/>
+          </a:fontRef>
+        </p:style>
+        <p:txBody>
+          <a:bodyPr rtlCol="0" anchor="ctr"/>
+          <a:lstStyle/>
+          <a:p>
+            <a:pPr algn="ctr"/>
+            <a:endParaRPr lang="en-US"/>
+          </a:p>
+        </p:txBody>
+      </p:sp>
+      <p:sp>
+        <p:nvSpPr>
+          <p:cNvPr id="22" name="Rounded Rectangle 21">
+            <a:extLst>
+              <a:ext uri="{FF2B5EF4-FFF2-40B4-BE49-F238E27FC236}">
+                <a16:creationId xmlns:a16="http://schemas.microsoft.com/office/drawing/2014/main" id="{586446E0-9253-F4AD-9FA4-338EBF2685F7}"/>
+              </a:ext>
+            </a:extLst>
+          </p:cNvPr>
+          <p:cNvSpPr/>
+          <p:nvPr/>
+        </p:nvSpPr>
+        <p:spPr>
+          <a:xfrm>
+            <a:off x="7483590" y="4769717"/>
+            <a:ext cx="1769477" cy="1143299"/>
+          </a:xfrm>
+          <a:prstGeom prst="roundRect">
+            <a:avLst/>
+          </a:prstGeom>
+          <a:solidFill>
+            <a:srgbClr val="5EBB78"/>
+          </a:solidFill>
+          <a:ln>
+            <a:noFill/>
+          </a:ln>
+        </p:spPr>
+        <p:style>
+          <a:lnRef idx="2">
+            <a:schemeClr val="accent1">
+              <a:shade val="50000"/>
+            </a:schemeClr>
+          </a:lnRef>
+          <a:fillRef idx="1">
+            <a:schemeClr val="accent1"/>
+          </a:fillRef>
+          <a:effectRef idx="0">
+            <a:schemeClr val="accent1"/>
+          </a:effectRef>
+          <a:fontRef idx="minor">
+            <a:schemeClr val="lt1"/>
+          </a:fontRef>
+        </p:style>
+        <p:txBody>
+          <a:bodyPr rtlCol="0" anchor="ctr"/>
+          <a:lstStyle/>
+          <a:p>
+            <a:pPr algn="ctr"/>
+            <a:endParaRPr lang="en-US"/>
+          </a:p>
+        </p:txBody>
+      </p:sp>
+      <p:sp>
+        <p:nvSpPr>
+          <p:cNvPr id="9" name="Rounded Rectangle 8">
+            <a:extLst>
+              <a:ext uri="{FF2B5EF4-FFF2-40B4-BE49-F238E27FC236}">
+                <a16:creationId xmlns:a16="http://schemas.microsoft.com/office/drawing/2014/main" id="{6519754E-DD70-8E00-B973-A04DC5B9C27C}"/>
+              </a:ext>
+            </a:extLst>
+          </p:cNvPr>
+          <p:cNvSpPr/>
+          <p:nvPr/>
+        </p:nvSpPr>
+        <p:spPr>
+          <a:xfrm>
+            <a:off x="5404970" y="1600153"/>
+            <a:ext cx="1769477" cy="1143299"/>
+          </a:xfrm>
+          <a:prstGeom prst="roundRect">
+            <a:avLst/>
+          </a:prstGeom>
+          <a:solidFill>
+            <a:srgbClr val="6D6CCA"/>
+          </a:solidFill>
+          <a:ln>
+            <a:noFill/>
+          </a:ln>
+        </p:spPr>
+        <p:style>
+          <a:lnRef idx="2">
+            <a:schemeClr val="accent1">
+              <a:shade val="50000"/>
+            </a:schemeClr>
+          </a:lnRef>
+          <a:fillRef idx="1">
+            <a:schemeClr val="accent1"/>
+          </a:fillRef>
+          <a:effectRef idx="0">
+            <a:schemeClr val="accent1"/>
+          </a:effectRef>
+          <a:fontRef idx="minor">
+            <a:schemeClr val="lt1"/>
+          </a:fontRef>
+        </p:style>
+        <p:txBody>
+          <a:bodyPr rtlCol="0" anchor="ctr"/>
+          <a:lstStyle/>
+          <a:p>
+            <a:pPr algn="ctr"/>
+            <a:endParaRPr lang="en-US"/>
+          </a:p>
+        </p:txBody>
+      </p:sp>
+      <p:sp>
+        <p:nvSpPr>
+          <p:cNvPr id="17" name="Rounded Rectangle 16">
+            <a:extLst>
+              <a:ext uri="{FF2B5EF4-FFF2-40B4-BE49-F238E27FC236}">
+                <a16:creationId xmlns:a16="http://schemas.microsoft.com/office/drawing/2014/main" id="{C5207A85-ECED-7147-6C52-D17A6C56EA5E}"/>
+              </a:ext>
+            </a:extLst>
+          </p:cNvPr>
+          <p:cNvSpPr/>
+          <p:nvPr/>
+        </p:nvSpPr>
+        <p:spPr>
+          <a:xfrm>
+            <a:off x="3345398" y="3201345"/>
+            <a:ext cx="1769477" cy="1143299"/>
+          </a:xfrm>
+          <a:prstGeom prst="roundRect">
+            <a:avLst/>
+          </a:prstGeom>
+          <a:solidFill>
+            <a:srgbClr val="5EBB78"/>
+          </a:solidFill>
+          <a:ln>
+            <a:noFill/>
+          </a:ln>
+        </p:spPr>
+        <p:style>
+          <a:lnRef idx="2">
+            <a:schemeClr val="accent1">
+              <a:shade val="50000"/>
+            </a:schemeClr>
+          </a:lnRef>
+          <a:fillRef idx="1">
+            <a:schemeClr val="accent1"/>
+          </a:fillRef>
+          <a:effectRef idx="0">
+            <a:schemeClr val="accent1"/>
+          </a:effectRef>
+          <a:fontRef idx="minor">
+            <a:schemeClr val="lt1"/>
+          </a:fontRef>
+        </p:style>
+        <p:txBody>
+          <a:bodyPr rtlCol="0" anchor="ctr"/>
+          <a:lstStyle/>
+          <a:p>
+            <a:pPr algn="ctr"/>
+            <a:endParaRPr lang="en-US"/>
+          </a:p>
+        </p:txBody>
+      </p:sp>
+      <p:sp>
+        <p:nvSpPr>
+          <p:cNvPr id="10" name="TextBox 9">
+            <a:extLst>
+              <a:ext uri="{FF2B5EF4-FFF2-40B4-BE49-F238E27FC236}">
+                <a16:creationId xmlns:a16="http://schemas.microsoft.com/office/drawing/2014/main" id="{95AD22BA-31BA-913F-EDB6-29C9D53C2FFC}"/>
+              </a:ext>
+            </a:extLst>
+          </p:cNvPr>
+          <p:cNvSpPr txBox="1"/>
+          <p:nvPr/>
+        </p:nvSpPr>
+        <p:spPr>
+          <a:xfrm>
+            <a:off x="5404946" y="1987136"/>
+            <a:ext cx="1769477" cy="369332"/>
+          </a:xfrm>
+          <a:prstGeom prst="rect">
+            <a:avLst/>
+          </a:prstGeom>
+          <a:noFill/>
+          <a:ln>
+            <a:noFill/>
+          </a:ln>
+        </p:spPr>
+        <p:txBody>
+          <a:bodyPr wrap="square" rtlCol="0">
+            <a:spAutoFit/>
+          </a:bodyPr>
+          <a:lstStyle/>
+          <a:p>
+            <a:pPr algn="ctr"/>
+            <a:r>
+              <a:rPr lang="en-US" dirty="0">
+                <a:solidFill>
+                  <a:schemeClr val="bg1"/>
+                </a:solidFill>
+              </a:rPr>
+              <a:t>Main Program</a:t>
+            </a:r>
+          </a:p>
+        </p:txBody>
+      </p:sp>
+      <p:sp>
+        <p:nvSpPr>
+          <p:cNvPr id="11" name="TextBox 10">
+            <a:extLst>
+              <a:ext uri="{FF2B5EF4-FFF2-40B4-BE49-F238E27FC236}">
+                <a16:creationId xmlns:a16="http://schemas.microsoft.com/office/drawing/2014/main" id="{FCD80C5B-8872-A1A0-11C6-33FBBBC9BC9A}"/>
+              </a:ext>
+            </a:extLst>
+          </p:cNvPr>
+          <p:cNvSpPr txBox="1"/>
+          <p:nvPr/>
+        </p:nvSpPr>
+        <p:spPr>
+          <a:xfrm>
+            <a:off x="3345388" y="3631107"/>
+            <a:ext cx="1769480" cy="369332"/>
+          </a:xfrm>
+          <a:prstGeom prst="rect">
+            <a:avLst/>
+          </a:prstGeom>
+          <a:noFill/>
+          <a:ln>
+            <a:noFill/>
+          </a:ln>
+        </p:spPr>
+        <p:txBody>
+          <a:bodyPr wrap="square" rtlCol="0">
+            <a:spAutoFit/>
+          </a:bodyPr>
+          <a:lstStyle/>
+          <a:p>
+            <a:pPr algn="ctr"/>
+            <a:r>
+              <a:rPr lang="en-US" dirty="0">
+                <a:solidFill>
+                  <a:schemeClr val="bg1"/>
+                </a:solidFill>
+              </a:rPr>
+              <a:t>Module-M1</a:t>
+            </a:r>
+          </a:p>
+        </p:txBody>
+      </p:sp>
+      <p:sp>
+        <p:nvSpPr>
+          <p:cNvPr id="12" name="TextBox 11">
+            <a:extLst>
+              <a:ext uri="{FF2B5EF4-FFF2-40B4-BE49-F238E27FC236}">
+                <a16:creationId xmlns:a16="http://schemas.microsoft.com/office/drawing/2014/main" id="{117F3664-90FC-D0C5-5A71-6524275FD806}"/>
+              </a:ext>
+            </a:extLst>
+          </p:cNvPr>
+          <p:cNvSpPr txBox="1"/>
+          <p:nvPr/>
+        </p:nvSpPr>
+        <p:spPr>
+          <a:xfrm>
+            <a:off x="5404969" y="3631107"/>
+            <a:ext cx="1769467" cy="369332"/>
+          </a:xfrm>
+          <a:prstGeom prst="rect">
+            <a:avLst/>
+          </a:prstGeom>
+          <a:noFill/>
+          <a:ln>
+            <a:noFill/>
+          </a:ln>
+        </p:spPr>
+        <p:txBody>
+          <a:bodyPr wrap="square" rtlCol="0">
+            <a:spAutoFit/>
+          </a:bodyPr>
+          <a:lstStyle/>
+          <a:p>
+            <a:pPr algn="ctr"/>
+            <a:r>
+              <a:rPr lang="en-US" dirty="0">
+                <a:solidFill>
+                  <a:schemeClr val="bg1"/>
+                </a:solidFill>
+              </a:rPr>
+              <a:t>Module-M2</a:t>
+            </a:r>
+          </a:p>
+        </p:txBody>
+      </p:sp>
+      <p:sp>
+        <p:nvSpPr>
+          <p:cNvPr id="13" name="TextBox 12">
+            <a:extLst>
+              <a:ext uri="{FF2B5EF4-FFF2-40B4-BE49-F238E27FC236}">
+                <a16:creationId xmlns:a16="http://schemas.microsoft.com/office/drawing/2014/main" id="{090FBFFA-B6AE-9DA9-BA97-4471720E0DCA}"/>
+              </a:ext>
+            </a:extLst>
+          </p:cNvPr>
+          <p:cNvSpPr txBox="1"/>
+          <p:nvPr/>
+        </p:nvSpPr>
+        <p:spPr>
+          <a:xfrm>
+            <a:off x="7503365" y="3631107"/>
+            <a:ext cx="1749696" cy="369332"/>
+          </a:xfrm>
+          <a:prstGeom prst="rect">
+            <a:avLst/>
+          </a:prstGeom>
+          <a:noFill/>
+          <a:ln>
+            <a:noFill/>
+          </a:ln>
+        </p:spPr>
+        <p:txBody>
+          <a:bodyPr wrap="square" rtlCol="0">
+            <a:spAutoFit/>
+          </a:bodyPr>
+          <a:lstStyle/>
+          <a:p>
+            <a:pPr algn="ctr"/>
+            <a:r>
+              <a:rPr lang="en-US" dirty="0">
+                <a:solidFill>
+                  <a:schemeClr val="bg1"/>
+                </a:solidFill>
+              </a:rPr>
+              <a:t>Module-M3</a:t>
+            </a:r>
+          </a:p>
+        </p:txBody>
+      </p:sp>
+      <p:sp>
+        <p:nvSpPr>
+          <p:cNvPr id="14" name="TextBox 13">
+            <a:extLst>
+              <a:ext uri="{FF2B5EF4-FFF2-40B4-BE49-F238E27FC236}">
+                <a16:creationId xmlns:a16="http://schemas.microsoft.com/office/drawing/2014/main" id="{E0553423-9361-E130-E015-62E48F4C887A}"/>
+              </a:ext>
+            </a:extLst>
+          </p:cNvPr>
+          <p:cNvSpPr txBox="1"/>
+          <p:nvPr/>
+        </p:nvSpPr>
+        <p:spPr>
+          <a:xfrm>
+            <a:off x="7503365" y="5153335"/>
+            <a:ext cx="1749692" cy="369332"/>
+          </a:xfrm>
+          <a:prstGeom prst="rect">
+            <a:avLst/>
+          </a:prstGeom>
+          <a:noFill/>
+          <a:ln>
+            <a:noFill/>
+          </a:ln>
+        </p:spPr>
+        <p:txBody>
+          <a:bodyPr wrap="square" rtlCol="0">
+            <a:spAutoFit/>
+          </a:bodyPr>
+          <a:lstStyle/>
+          <a:p>
+            <a:pPr algn="ctr"/>
+            <a:r>
+              <a:rPr lang="en-US" dirty="0">
+                <a:solidFill>
+                  <a:schemeClr val="bg1"/>
+                </a:solidFill>
+              </a:rPr>
+              <a:t>Module-M6</a:t>
+            </a:r>
+          </a:p>
+        </p:txBody>
+      </p:sp>
+      <p:sp>
+        <p:nvSpPr>
+          <p:cNvPr id="15" name="TextBox 14">
+            <a:extLst>
+              <a:ext uri="{FF2B5EF4-FFF2-40B4-BE49-F238E27FC236}">
+                <a16:creationId xmlns:a16="http://schemas.microsoft.com/office/drawing/2014/main" id="{6709A9C4-6C1B-A60A-8E3D-07CEC2302849}"/>
+              </a:ext>
+            </a:extLst>
+          </p:cNvPr>
+          <p:cNvSpPr txBox="1"/>
+          <p:nvPr/>
+        </p:nvSpPr>
+        <p:spPr>
+          <a:xfrm>
+            <a:off x="4403780" y="5153335"/>
+            <a:ext cx="1769477" cy="369332"/>
+          </a:xfrm>
+          <a:prstGeom prst="rect">
+            <a:avLst/>
+          </a:prstGeom>
+          <a:noFill/>
+          <a:ln>
+            <a:noFill/>
+          </a:ln>
+        </p:spPr>
+        <p:txBody>
+          <a:bodyPr wrap="square" rtlCol="0">
+            <a:spAutoFit/>
+          </a:bodyPr>
+          <a:lstStyle/>
+          <a:p>
+            <a:pPr algn="ctr"/>
+            <a:r>
+              <a:rPr lang="en-US" dirty="0">
+                <a:solidFill>
+                  <a:schemeClr val="bg1"/>
+                </a:solidFill>
+              </a:rPr>
+              <a:t>Module-M5</a:t>
+            </a:r>
+          </a:p>
+        </p:txBody>
+      </p:sp>
+      <p:sp>
+        <p:nvSpPr>
+          <p:cNvPr id="16" name="TextBox 15">
+            <a:extLst>
+              <a:ext uri="{FF2B5EF4-FFF2-40B4-BE49-F238E27FC236}">
+                <a16:creationId xmlns:a16="http://schemas.microsoft.com/office/drawing/2014/main" id="{6C961B3F-BFC7-9E6F-F5F7-F6BE28A28DC8}"/>
+              </a:ext>
+            </a:extLst>
+          </p:cNvPr>
+          <p:cNvSpPr txBox="1"/>
+          <p:nvPr/>
+        </p:nvSpPr>
+        <p:spPr>
+          <a:xfrm>
+            <a:off x="2435822" y="5153335"/>
+            <a:ext cx="1769477" cy="369332"/>
+          </a:xfrm>
+          <a:prstGeom prst="rect">
+            <a:avLst/>
+          </a:prstGeom>
+          <a:noFill/>
+          <a:ln>
+            <a:noFill/>
+          </a:ln>
+        </p:spPr>
+        <p:txBody>
+          <a:bodyPr wrap="square" rtlCol="0">
+            <a:spAutoFit/>
+          </a:bodyPr>
+          <a:lstStyle/>
+          <a:p>
+            <a:pPr algn="ctr"/>
+            <a:r>
+              <a:rPr lang="en-US" dirty="0">
+                <a:solidFill>
+                  <a:schemeClr val="bg1"/>
+                </a:solidFill>
+              </a:rPr>
+              <a:t>Module-M4</a:t>
+            </a:r>
+          </a:p>
+        </p:txBody>
+      </p:sp>
+      <p:pic>
+        <p:nvPicPr>
+          <p:cNvPr id="33" name="Picture 32" descr="A picture containing dark, gauge&#10;&#10;Description automatically generated">
+            <a:extLst>
+              <a:ext uri="{FF2B5EF4-FFF2-40B4-BE49-F238E27FC236}">
+                <a16:creationId xmlns:a16="http://schemas.microsoft.com/office/drawing/2014/main" id="{25813005-A22A-B68A-F9DF-62227EEB6B91}"/>
+              </a:ext>
+            </a:extLst>
+          </p:cNvPr>
+          <p:cNvPicPr>
+            <a:picLocks noChangeAspect="1"/>
+          </p:cNvPicPr>
+          <p:nvPr/>
+        </p:nvPicPr>
+        <p:blipFill>
+          <a:blip r:embed="rId3">
+            <a:extLst>
+              <a:ext uri="{28A0092B-C50C-407E-A947-70E740481C1C}">
+                <a14:useLocalDpi xmlns:a14="http://schemas.microsoft.com/office/drawing/2010/main" val="0"/>
+              </a:ext>
+            </a:extLst>
+          </a:blip>
+          <a:stretch>
+            <a:fillRect/>
+          </a:stretch>
+        </p:blipFill>
+        <p:spPr>
+          <a:xfrm>
+            <a:off x="11378037" y="6045200"/>
+            <a:ext cx="800100" cy="812800"/>
+          </a:xfrm>
+          <a:prstGeom prst="rect">
+            <a:avLst/>
+          </a:prstGeom>
+        </p:spPr>
+      </p:pic>
     </p:spTree>
     <p:extLst>
       <p:ext uri="{BB962C8B-B14F-4D97-AF65-F5344CB8AC3E}">
@@ -9780,10 +12190,10 @@
             <a:r>
               <a:rPr lang="en-US" dirty="0">
                 <a:solidFill>
-                  <a:srgbClr val="30335E"/>
-                </a:solidFill>
-                <a:latin typeface="Courier New" panose="02070309020205020404" pitchFamily="49" charset="0"/>
-                <a:cs typeface="Courier New" panose="02070309020205020404" pitchFamily="49" charset="0"/>
+                  <a:srgbClr val="30335D"/>
+                </a:solidFill>
+                <a:latin typeface="Consolas" panose="020B0609020204030204" pitchFamily="49" charset="0"/>
+                <a:cs typeface="Consolas" panose="020B0609020204030204" pitchFamily="49" charset="0"/>
               </a:rPr>
               <a:t>Thou shalt not repeat thyself</a:t>
             </a:r>
@@ -9793,10 +12203,10 @@
             <a:r>
               <a:rPr lang="en-US" dirty="0">
                 <a:solidFill>
-                  <a:srgbClr val="30335E"/>
-                </a:solidFill>
-                <a:latin typeface="Courier New" panose="02070309020205020404" pitchFamily="49" charset="0"/>
-                <a:cs typeface="Courier New" panose="02070309020205020404" pitchFamily="49" charset="0"/>
+                  <a:srgbClr val="30335D"/>
+                </a:solidFill>
+                <a:latin typeface="Consolas" panose="020B0609020204030204" pitchFamily="49" charset="0"/>
+                <a:cs typeface="Consolas" panose="020B0609020204030204" pitchFamily="49" charset="0"/>
               </a:rPr>
               <a:t>Thou shalt not repeat thyself</a:t>
             </a:r>
@@ -9806,10 +12216,10 @@
             <a:r>
               <a:rPr lang="en-US" dirty="0">
                 <a:solidFill>
-                  <a:srgbClr val="30335E"/>
-                </a:solidFill>
-                <a:latin typeface="Courier New" panose="02070309020205020404" pitchFamily="49" charset="0"/>
-                <a:cs typeface="Courier New" panose="02070309020205020404" pitchFamily="49" charset="0"/>
+                  <a:srgbClr val="30335D"/>
+                </a:solidFill>
+                <a:latin typeface="Consolas" panose="020B0609020204030204" pitchFamily="49" charset="0"/>
+                <a:cs typeface="Consolas" panose="020B0609020204030204" pitchFamily="49" charset="0"/>
               </a:rPr>
               <a:t>Thou shalt not repeat thyself</a:t>
             </a:r>
@@ -9819,16 +12229,52 @@
             <a:r>
               <a:rPr lang="en-US" dirty="0">
                 <a:solidFill>
-                  <a:srgbClr val="30335E"/>
-                </a:solidFill>
-                <a:latin typeface="Courier New" panose="02070309020205020404" pitchFamily="49" charset="0"/>
-                <a:cs typeface="Courier New" panose="02070309020205020404" pitchFamily="49" charset="0"/>
+                  <a:srgbClr val="30335D"/>
+                </a:solidFill>
+                <a:latin typeface="Consolas" panose="020B0609020204030204" pitchFamily="49" charset="0"/>
+                <a:cs typeface="Consolas" panose="020B0609020204030204" pitchFamily="49" charset="0"/>
               </a:rPr>
               <a:t>Thou shalt not repeat thyself</a:t>
             </a:r>
           </a:p>
         </p:txBody>
       </p:sp>
+      <p:pic>
+        <p:nvPicPr>
+          <p:cNvPr id="4" name="Picture 3" descr="A picture containing dark, gauge&#10;&#10;Description automatically generated">
+            <a:extLst>
+              <a:ext uri="{FF2B5EF4-FFF2-40B4-BE49-F238E27FC236}">
+                <a16:creationId xmlns:a16="http://schemas.microsoft.com/office/drawing/2014/main" id="{703E33DC-65D5-767C-C998-043BEE07F6EB}"/>
+              </a:ext>
+            </a:extLst>
+          </p:cNvPr>
+          <p:cNvPicPr>
+            <a:picLocks noChangeAspect="1"/>
+          </p:cNvPicPr>
+          <p:nvPr/>
+        </p:nvPicPr>
+        <p:blipFill>
+          <a:blip r:embed="rId3">
+            <a:extLst>
+              <a:ext uri="{28A0092B-C50C-407E-A947-70E740481C1C}">
+                <a14:useLocalDpi xmlns:a14="http://schemas.microsoft.com/office/drawing/2010/main" val="0"/>
+              </a:ext>
+            </a:extLst>
+          </a:blip>
+          <a:stretch>
+            <a:fillRect/>
+          </a:stretch>
+        </p:blipFill>
+        <p:spPr>
+          <a:xfrm>
+            <a:off x="11378037" y="6045200"/>
+            <a:ext cx="800100" cy="812800"/>
+          </a:xfrm>
+          <a:prstGeom prst="rect">
+            <a:avLst/>
+          </a:prstGeom>
+        </p:spPr>
+      </p:pic>
     </p:spTree>
     <p:extLst>
       <p:ext uri="{BB962C8B-B14F-4D97-AF65-F5344CB8AC3E}">
@@ -9885,7 +12331,7 @@
         </p:nvSpPr>
         <p:spPr>
           <a:xfrm>
-            <a:off x="3454855" y="3867038"/>
+            <a:off x="3454855" y="3455370"/>
             <a:ext cx="6098720" cy="954107"/>
           </a:xfrm>
           <a:prstGeom prst="rect">
@@ -9999,7 +12445,7 @@
         <p:spPr>
           <a:xfrm>
             <a:off x="0" y="578094"/>
-            <a:ext cx="12192000" cy="523220"/>
+            <a:ext cx="12192000" cy="646331"/>
           </a:xfrm>
           <a:prstGeom prst="rect">
             <a:avLst/>
@@ -10014,26 +12460,26 @@
           <a:p>
             <a:pPr algn="ctr"/>
             <a:r>
-              <a:rPr lang="en-US" sz="2800" dirty="0">
+              <a:rPr lang="en-US" sz="3600" b="1" dirty="0">
                 <a:solidFill>
                   <a:schemeClr val="tx1">
-                    <a:lumMod val="75000"/>
-                    <a:lumOff val="25000"/>
+                    <a:lumMod val="65000"/>
+                    <a:lumOff val="35000"/>
                   </a:schemeClr>
                 </a:solidFill>
-                <a:latin typeface="Futura Medium"/>
+                <a:latin typeface="Avenir Heavy" panose="02000503020000020003" pitchFamily="2" charset="0"/>
                 <a:cs typeface="Arial" panose="020B0604020202020204" pitchFamily="34" charset="0"/>
               </a:rPr>
               <a:t>Syntax for Creating a Function</a:t>
             </a:r>
-            <a:endParaRPr lang="en-US" sz="2800" dirty="0">
+            <a:endParaRPr lang="en-US" sz="3600" b="1" dirty="0">
               <a:solidFill>
                 <a:schemeClr val="tx1">
-                  <a:lumMod val="75000"/>
-                  <a:lumOff val="25000"/>
+                  <a:lumMod val="65000"/>
+                  <a:lumOff val="35000"/>
                 </a:schemeClr>
               </a:solidFill>
-              <a:latin typeface="Futura Medium"/>
+              <a:latin typeface="Avenir Heavy" panose="02000503020000020003" pitchFamily="2" charset="0"/>
             </a:endParaRPr>
           </a:p>
         </p:txBody>
@@ -10052,7 +12498,7 @@
         </p:nvSpPr>
         <p:spPr>
           <a:xfrm>
-            <a:off x="3454855" y="2268732"/>
+            <a:off x="3454855" y="1857064"/>
             <a:ext cx="6098720" cy="1384995"/>
           </a:xfrm>
           <a:prstGeom prst="rect">
@@ -10072,7 +12518,7 @@
             <a:r>
               <a:rPr lang="en-US" sz="2800" dirty="0">
                 <a:solidFill>
-                  <a:srgbClr val="FF00FF"/>
+                  <a:srgbClr val="5EBB78"/>
                 </a:solidFill>
                 <a:latin typeface="Consolas" panose="020B0609020204030204" pitchFamily="49" charset="0"/>
               </a:rPr>
@@ -10087,7 +12533,7 @@
             <a:r>
               <a:rPr lang="en-US" sz="2800" dirty="0">
                 <a:solidFill>
-                  <a:srgbClr val="00B0F0"/>
+                  <a:srgbClr val="FFC000"/>
                 </a:solidFill>
                 <a:latin typeface="Consolas" panose="020B0609020204030204" pitchFamily="49" charset="0"/>
               </a:rPr>
@@ -10113,7 +12559,7 @@
             <a:r>
               <a:rPr lang="en-US" sz="2800" dirty="0">
                 <a:solidFill>
-                  <a:srgbClr val="FFC000"/>
+                  <a:srgbClr val="6D6CCA"/>
                 </a:solidFill>
                 <a:latin typeface="Consolas" panose="020B0609020204030204" pitchFamily="49" charset="0"/>
               </a:rPr>
@@ -10136,7 +12582,7 @@
             <a:r>
               <a:rPr lang="en-US" sz="2800" dirty="0">
                 <a:solidFill>
-                  <a:srgbClr val="FF00FF"/>
+                  <a:srgbClr val="5EBB78"/>
                 </a:solidFill>
                 <a:latin typeface="Consolas" panose="020B0609020204030204" pitchFamily="49" charset="0"/>
               </a:rPr>
@@ -10149,7 +12595,16 @@
                 </a:solidFill>
                 <a:latin typeface="Consolas" panose="020B0609020204030204" pitchFamily="49" charset="0"/>
               </a:rPr>
-              <a:t> &lt;values&gt;</a:t>
+              <a:t> </a:t>
+            </a:r>
+            <a:r>
+              <a:rPr lang="en-US" sz="2800" dirty="0">
+                <a:solidFill>
+                  <a:srgbClr val="6D6CCA"/>
+                </a:solidFill>
+                <a:latin typeface="Consolas" panose="020B0609020204030204" pitchFamily="49" charset="0"/>
+              </a:rPr>
+              <a:t>&lt;values&gt;</a:t>
             </a:r>
           </a:p>
         </p:txBody>
@@ -10210,6 +12665,42 @@
           </a:p>
         </p:txBody>
       </p:sp>
+      <p:pic>
+        <p:nvPicPr>
+          <p:cNvPr id="8" name="Picture 7" descr="A picture containing dark, gauge&#10;&#10;Description automatically generated">
+            <a:extLst>
+              <a:ext uri="{FF2B5EF4-FFF2-40B4-BE49-F238E27FC236}">
+                <a16:creationId xmlns:a16="http://schemas.microsoft.com/office/drawing/2014/main" id="{524B03F5-A6D7-C697-7863-F2DC9C734427}"/>
+              </a:ext>
+            </a:extLst>
+          </p:cNvPr>
+          <p:cNvPicPr>
+            <a:picLocks noChangeAspect="1"/>
+          </p:cNvPicPr>
+          <p:nvPr/>
+        </p:nvPicPr>
+        <p:blipFill>
+          <a:blip r:embed="rId3">
+            <a:extLst>
+              <a:ext uri="{28A0092B-C50C-407E-A947-70E740481C1C}">
+                <a14:useLocalDpi xmlns:a14="http://schemas.microsoft.com/office/drawing/2010/main" val="0"/>
+              </a:ext>
+            </a:extLst>
+          </a:blip>
+          <a:stretch>
+            <a:fillRect/>
+          </a:stretch>
+        </p:blipFill>
+        <p:spPr>
+          <a:xfrm>
+            <a:off x="11378037" y="6045200"/>
+            <a:ext cx="800100" cy="812800"/>
+          </a:xfrm>
+          <a:prstGeom prst="rect">
+            <a:avLst/>
+          </a:prstGeom>
+        </p:spPr>
+      </p:pic>
     </p:spTree>
     <p:extLst>
       <p:ext uri="{BB962C8B-B14F-4D97-AF65-F5344CB8AC3E}">
@@ -10267,7 +12758,7 @@
         <p:spPr>
           <a:xfrm>
             <a:off x="0" y="578094"/>
-            <a:ext cx="12192000" cy="523220"/>
+            <a:ext cx="12192000" cy="646331"/>
           </a:xfrm>
           <a:prstGeom prst="rect">
             <a:avLst/>
@@ -10282,26 +12773,26 @@
           <a:p>
             <a:pPr algn="ctr"/>
             <a:r>
-              <a:rPr lang="en-US" sz="2800" dirty="0">
+              <a:rPr lang="en-US" sz="3600" b="1" dirty="0">
                 <a:solidFill>
                   <a:schemeClr val="tx1">
-                    <a:lumMod val="75000"/>
-                    <a:lumOff val="25000"/>
+                    <a:lumMod val="65000"/>
+                    <a:lumOff val="35000"/>
                   </a:schemeClr>
                 </a:solidFill>
-                <a:latin typeface="Futura Medium"/>
+                <a:latin typeface="Avenir Heavy" panose="02000503020000020003" pitchFamily="2" charset="0"/>
                 <a:cs typeface="Arial" panose="020B0604020202020204" pitchFamily="34" charset="0"/>
               </a:rPr>
               <a:t>Syntax for Calling a Function</a:t>
             </a:r>
-            <a:endParaRPr lang="en-US" sz="2800" dirty="0">
+            <a:endParaRPr lang="en-US" sz="3600" b="1" dirty="0">
               <a:solidFill>
                 <a:schemeClr val="tx1">
-                  <a:lumMod val="75000"/>
-                  <a:lumOff val="25000"/>
+                  <a:lumMod val="65000"/>
+                  <a:lumOff val="35000"/>
                 </a:schemeClr>
               </a:solidFill>
-              <a:latin typeface="Futura Medium"/>
+              <a:latin typeface="Avenir Heavy" panose="02000503020000020003" pitchFamily="2" charset="0"/>
             </a:endParaRPr>
           </a:p>
         </p:txBody>
@@ -10340,7 +12831,7 @@
             <a:r>
               <a:rPr lang="en-US" sz="2800" dirty="0">
                 <a:solidFill>
-                  <a:srgbClr val="00B0F0"/>
+                  <a:srgbClr val="6D6CCA"/>
                 </a:solidFill>
                 <a:latin typeface="Consolas" panose="020B0609020204030204" pitchFamily="49" charset="0"/>
               </a:rPr>
@@ -10349,7 +12840,7 @@
             <a:r>
               <a:rPr lang="en-US" sz="2800" dirty="0" err="1">
                 <a:solidFill>
-                  <a:srgbClr val="00B0F0"/>
+                  <a:srgbClr val="6D6CCA"/>
                 </a:solidFill>
                 <a:latin typeface="Consolas" panose="020B0609020204030204" pitchFamily="49" charset="0"/>
               </a:rPr>
@@ -10358,7 +12849,7 @@
             <a:r>
               <a:rPr lang="en-US" sz="2800" dirty="0">
                 <a:solidFill>
-                  <a:srgbClr val="00B0F0"/>
+                  <a:srgbClr val="6D6CCA"/>
                 </a:solidFill>
                 <a:latin typeface="Consolas" panose="020B0609020204030204" pitchFamily="49" charset="0"/>
               </a:rPr>
@@ -10603,6 +13094,42 @@
           </a:p>
         </p:txBody>
       </p:sp>
+      <p:pic>
+        <p:nvPicPr>
+          <p:cNvPr id="11" name="Picture 10" descr="A picture containing dark, gauge&#10;&#10;Description automatically generated">
+            <a:extLst>
+              <a:ext uri="{FF2B5EF4-FFF2-40B4-BE49-F238E27FC236}">
+                <a16:creationId xmlns:a16="http://schemas.microsoft.com/office/drawing/2014/main" id="{7C3E6A26-8BF4-41D5-8047-A03792F90807}"/>
+              </a:ext>
+            </a:extLst>
+          </p:cNvPr>
+          <p:cNvPicPr>
+            <a:picLocks noChangeAspect="1"/>
+          </p:cNvPicPr>
+          <p:nvPr/>
+        </p:nvPicPr>
+        <p:blipFill>
+          <a:blip r:embed="rId3">
+            <a:extLst>
+              <a:ext uri="{28A0092B-C50C-407E-A947-70E740481C1C}">
+                <a14:useLocalDpi xmlns:a14="http://schemas.microsoft.com/office/drawing/2010/main" val="0"/>
+              </a:ext>
+            </a:extLst>
+          </a:blip>
+          <a:stretch>
+            <a:fillRect/>
+          </a:stretch>
+        </p:blipFill>
+        <p:spPr>
+          <a:xfrm>
+            <a:off x="11378037" y="6045200"/>
+            <a:ext cx="800100" cy="812800"/>
+          </a:xfrm>
+          <a:prstGeom prst="rect">
+            <a:avLst/>
+          </a:prstGeom>
+        </p:spPr>
+      </p:pic>
     </p:spTree>
     <p:extLst>
       <p:ext uri="{BB962C8B-B14F-4D97-AF65-F5344CB8AC3E}">
@@ -10746,7 +13273,7 @@
         <p:spPr>
           <a:xfrm>
             <a:off x="0" y="578094"/>
-            <a:ext cx="12192000" cy="523220"/>
+            <a:ext cx="12192000" cy="646331"/>
           </a:xfrm>
           <a:prstGeom prst="rect">
             <a:avLst/>
@@ -10761,26 +13288,52 @@
           <a:p>
             <a:pPr algn="ctr"/>
             <a:r>
-              <a:rPr lang="en-US" sz="2800" dirty="0">
+              <a:rPr lang="en-US" sz="3600" b="1" dirty="0">
                 <a:solidFill>
                   <a:schemeClr val="tx1">
                     <a:lumMod val="75000"/>
                     <a:lumOff val="25000"/>
                   </a:schemeClr>
                 </a:solidFill>
-                <a:latin typeface="Futura Medium"/>
+                <a:latin typeface="Avenir Heavy" panose="02000503020000020003" pitchFamily="2" charset="0"/>
                 <a:cs typeface="Arial" panose="020B0604020202020204" pitchFamily="34" charset="0"/>
               </a:rPr>
-              <a:t>Function Parameters and Arguments</a:t>
-            </a:r>
-            <a:endParaRPr lang="en-US" sz="2800" dirty="0">
+              <a:t>Function </a:t>
+            </a:r>
+            <a:r>
+              <a:rPr lang="en-US" sz="3600" b="1" dirty="0">
+                <a:solidFill>
+                  <a:schemeClr val="tx1">
+                    <a:lumMod val="65000"/>
+                    <a:lumOff val="35000"/>
+                  </a:schemeClr>
+                </a:solidFill>
+                <a:latin typeface="Avenir Heavy" panose="02000503020000020003" pitchFamily="2" charset="0"/>
+                <a:cs typeface="Arial" panose="020B0604020202020204" pitchFamily="34" charset="0"/>
+              </a:rPr>
+              <a:t>Parameters</a:t>
+            </a:r>
+            <a:r>
+              <a:rPr lang="en-US" sz="3600" b="1" dirty="0">
+                <a:solidFill>
+                  <a:schemeClr val="tx1">
+                    <a:lumMod val="75000"/>
+                    <a:lumOff val="25000"/>
+                  </a:schemeClr>
+                </a:solidFill>
+                <a:latin typeface="Avenir Heavy" panose="02000503020000020003" pitchFamily="2" charset="0"/>
+                <a:cs typeface="Arial" panose="020B0604020202020204" pitchFamily="34" charset="0"/>
+              </a:rPr>
+              <a:t> and Arguments</a:t>
+            </a:r>
+            <a:endParaRPr lang="en-US" sz="3600" b="1" dirty="0">
               <a:solidFill>
                 <a:schemeClr val="tx1">
                   <a:lumMod val="75000"/>
                   <a:lumOff val="25000"/>
                 </a:schemeClr>
               </a:solidFill>
-              <a:latin typeface="Futura Medium"/>
+              <a:latin typeface="Avenir Heavy" panose="02000503020000020003" pitchFamily="2" charset="0"/>
             </a:endParaRPr>
           </a:p>
         </p:txBody>
@@ -10819,7 +13372,7 @@
             <a:r>
               <a:rPr lang="en-US" sz="2800" dirty="0">
                 <a:solidFill>
-                  <a:srgbClr val="FF00FF"/>
+                  <a:srgbClr val="5EBB78"/>
                 </a:solidFill>
                 <a:latin typeface="Consolas" panose="020B0609020204030204" pitchFamily="49" charset="0"/>
               </a:rPr>
@@ -10834,17 +13387,19 @@
             <a:r>
               <a:rPr lang="en-US" sz="2800" dirty="0">
                 <a:solidFill>
-                  <a:srgbClr val="5EBB78"/>
+                  <a:schemeClr val="accent2">
+                    <a:lumMod val="75000"/>
+                  </a:schemeClr>
                 </a:solidFill>
                 <a:latin typeface="Consolas" panose="020B0609020204030204" pitchFamily="49" charset="0"/>
               </a:rPr>
-              <a:t>param1, param2</a:t>
+              <a:t>param1, param2, </a:t>
             </a:r>
             <a:r>
               <a:rPr lang="en-US" sz="2800" dirty="0">
                 <a:latin typeface="Consolas" panose="020B0609020204030204" pitchFamily="49" charset="0"/>
               </a:rPr>
-              <a:t>, . . .)</a:t>
+              <a:t>. . .)</a:t>
             </a:r>
           </a:p>
         </p:txBody>
@@ -10905,6 +13460,42 @@
           </a:p>
         </p:txBody>
       </p:sp>
+      <p:pic>
+        <p:nvPicPr>
+          <p:cNvPr id="6" name="Picture 5" descr="A picture containing dark, gauge&#10;&#10;Description automatically generated">
+            <a:extLst>
+              <a:ext uri="{FF2B5EF4-FFF2-40B4-BE49-F238E27FC236}">
+                <a16:creationId xmlns:a16="http://schemas.microsoft.com/office/drawing/2014/main" id="{F8B635AE-B6D7-9D88-5224-083BE9B61634}"/>
+              </a:ext>
+            </a:extLst>
+          </p:cNvPr>
+          <p:cNvPicPr>
+            <a:picLocks noChangeAspect="1"/>
+          </p:cNvPicPr>
+          <p:nvPr/>
+        </p:nvPicPr>
+        <p:blipFill>
+          <a:blip r:embed="rId3">
+            <a:extLst>
+              <a:ext uri="{28A0092B-C50C-407E-A947-70E740481C1C}">
+                <a14:useLocalDpi xmlns:a14="http://schemas.microsoft.com/office/drawing/2010/main" val="0"/>
+              </a:ext>
+            </a:extLst>
+          </a:blip>
+          <a:stretch>
+            <a:fillRect/>
+          </a:stretch>
+        </p:blipFill>
+        <p:spPr>
+          <a:xfrm>
+            <a:off x="11378037" y="6045200"/>
+            <a:ext cx="800100" cy="812800"/>
+          </a:xfrm>
+          <a:prstGeom prst="rect">
+            <a:avLst/>
+          </a:prstGeom>
+        </p:spPr>
+      </p:pic>
     </p:spTree>
     <p:extLst>
       <p:ext uri="{BB962C8B-B14F-4D97-AF65-F5344CB8AC3E}">
@@ -10950,7 +13541,7 @@
         <p:spPr>
           <a:xfrm>
             <a:off x="0" y="578094"/>
-            <a:ext cx="12192000" cy="523220"/>
+            <a:ext cx="12192000" cy="646331"/>
           </a:xfrm>
           <a:prstGeom prst="rect">
             <a:avLst/>
@@ -10965,26 +13556,26 @@
           <a:p>
             <a:pPr algn="ctr"/>
             <a:r>
-              <a:rPr lang="en-US" sz="2800" dirty="0">
+              <a:rPr lang="en-US" sz="3600" b="1" dirty="0">
                 <a:solidFill>
                   <a:schemeClr val="tx1">
-                    <a:lumMod val="75000"/>
-                    <a:lumOff val="25000"/>
+                    <a:lumMod val="65000"/>
+                    <a:lumOff val="35000"/>
                   </a:schemeClr>
                 </a:solidFill>
-                <a:latin typeface="Futura Medium"/>
+                <a:latin typeface="Avenir Heavy" panose="02000503020000020003" pitchFamily="2" charset="0"/>
                 <a:cs typeface="Arial" panose="020B0604020202020204" pitchFamily="34" charset="0"/>
               </a:rPr>
               <a:t>Parameters vs Arguments</a:t>
             </a:r>
-            <a:endParaRPr lang="en-US" sz="2800" dirty="0">
+            <a:endParaRPr lang="en-US" sz="3600" b="1" dirty="0">
               <a:solidFill>
                 <a:schemeClr val="tx1">
-                  <a:lumMod val="75000"/>
-                  <a:lumOff val="25000"/>
+                  <a:lumMod val="65000"/>
+                  <a:lumOff val="35000"/>
                 </a:schemeClr>
               </a:solidFill>
-              <a:latin typeface="Futura Medium"/>
+              <a:latin typeface="Avenir Heavy" panose="02000503020000020003" pitchFamily="2" charset="0"/>
             </a:endParaRPr>
           </a:p>
         </p:txBody>
@@ -11125,7 +13716,7 @@
               <a:rPr lang="en-US" sz="2800" dirty="0">
                 <a:latin typeface="Consolas" panose="020B0609020204030204" pitchFamily="49" charset="0"/>
               </a:rPr>
-              <a:t>myName </a:t>
+              <a:t>my_name </a:t>
             </a:r>
             <a:r>
               <a:rPr lang="en-US" sz="2800" dirty="0">
@@ -11178,7 +13769,7 @@
               <a:rPr lang="en-US" sz="2800" dirty="0">
                 <a:latin typeface="Consolas" panose="020B0609020204030204" pitchFamily="49" charset="0"/>
               </a:rPr>
-              <a:t>hello(myName)</a:t>
+              <a:t>hello(my_name)</a:t>
             </a:r>
           </a:p>
         </p:txBody>
@@ -11198,7 +13789,7 @@
         <p:spPr>
           <a:xfrm>
             <a:off x="4622292" y="1757133"/>
-            <a:ext cx="1473708" cy="369332"/>
+            <a:ext cx="1473708" cy="400110"/>
           </a:xfrm>
           <a:prstGeom prst="rect">
             <a:avLst/>
@@ -11212,28 +13803,133 @@
           <a:lstStyle/>
           <a:p>
             <a:r>
-              <a:rPr lang="en-US" sz="1800" dirty="0">
+              <a:rPr lang="en-US" sz="2000" dirty="0">
                 <a:solidFill>
                   <a:schemeClr val="tx1">
                     <a:lumMod val="75000"/>
                     <a:lumOff val="25000"/>
                   </a:schemeClr>
                 </a:solidFill>
-                <a:latin typeface="Futura Medium"/>
+                <a:latin typeface="Avenir Light" panose="020B0402020203020204" pitchFamily="34" charset="77"/>
                 <a:cs typeface="Arial" panose="020B0604020202020204" pitchFamily="34" charset="0"/>
               </a:rPr>
               <a:t>Parameter</a:t>
             </a:r>
-            <a:endParaRPr lang="en-US" dirty="0"/>
-          </a:p>
-        </p:txBody>
-      </p:sp>
-      <p:sp>
-        <p:nvSpPr>
-          <p:cNvPr id="7" name="Arrow: Down 6">
-            <a:extLst>
-              <a:ext uri="{FF2B5EF4-FFF2-40B4-BE49-F238E27FC236}">
-                <a16:creationId xmlns:a16="http://schemas.microsoft.com/office/drawing/2014/main" id="{DE41A441-8CC0-A628-5920-143110F77557}"/>
+            <a:endParaRPr lang="en-US" sz="2000" dirty="0">
+              <a:latin typeface="Avenir Light" panose="020B0402020203020204" pitchFamily="34" charset="77"/>
+            </a:endParaRPr>
+          </a:p>
+        </p:txBody>
+      </p:sp>
+      <p:sp>
+        <p:nvSpPr>
+          <p:cNvPr id="8" name="TextBox 7">
+            <a:extLst>
+              <a:ext uri="{FF2B5EF4-FFF2-40B4-BE49-F238E27FC236}">
+                <a16:creationId xmlns:a16="http://schemas.microsoft.com/office/drawing/2014/main" id="{E794F220-0D05-D828-05B3-3B6E5C3AF5A6}"/>
+              </a:ext>
+            </a:extLst>
+          </p:cNvPr>
+          <p:cNvSpPr txBox="1"/>
+          <p:nvPr/>
+        </p:nvSpPr>
+        <p:spPr>
+          <a:xfrm>
+            <a:off x="4012692" y="5212158"/>
+            <a:ext cx="1473708" cy="400110"/>
+          </a:xfrm>
+          <a:prstGeom prst="rect">
+            <a:avLst/>
+          </a:prstGeom>
+          <a:noFill/>
+        </p:spPr>
+        <p:txBody>
+          <a:bodyPr wrap="square">
+            <a:spAutoFit/>
+          </a:bodyPr>
+          <a:lstStyle/>
+          <a:p>
+            <a:r>
+              <a:rPr lang="en-US" sz="2000" dirty="0">
+                <a:solidFill>
+                  <a:schemeClr val="tx1">
+                    <a:lumMod val="75000"/>
+                    <a:lumOff val="25000"/>
+                  </a:schemeClr>
+                </a:solidFill>
+                <a:latin typeface="Avenir Light" panose="020B0402020203020204" pitchFamily="34" charset="77"/>
+                <a:cs typeface="Arial" panose="020B0604020202020204" pitchFamily="34" charset="0"/>
+              </a:rPr>
+              <a:t>Argument</a:t>
+            </a:r>
+            <a:endParaRPr lang="en-US" sz="2000" dirty="0">
+              <a:latin typeface="Avenir Light" panose="020B0402020203020204" pitchFamily="34" charset="77"/>
+            </a:endParaRPr>
+          </a:p>
+        </p:txBody>
+      </p:sp>
+      <p:sp>
+        <p:nvSpPr>
+          <p:cNvPr id="10" name="TextBox 9">
+            <a:extLst>
+              <a:ext uri="{FF2B5EF4-FFF2-40B4-BE49-F238E27FC236}">
+                <a16:creationId xmlns:a16="http://schemas.microsoft.com/office/drawing/2014/main" id="{BBCEA592-BE79-D337-1A96-68AEC4624CC4}"/>
+              </a:ext>
+            </a:extLst>
+          </p:cNvPr>
+          <p:cNvSpPr txBox="1"/>
+          <p:nvPr/>
+        </p:nvSpPr>
+        <p:spPr>
+          <a:xfrm>
+            <a:off x="0" y="6550223"/>
+            <a:ext cx="12192000" cy="307777"/>
+          </a:xfrm>
+          <a:prstGeom prst="rect">
+            <a:avLst/>
+          </a:prstGeom>
+          <a:noFill/>
+        </p:spPr>
+        <p:txBody>
+          <a:bodyPr wrap="square" rtlCol="0">
+            <a:spAutoFit/>
+          </a:bodyPr>
+          <a:lstStyle/>
+          <a:p>
+            <a:pPr>
+              <a:defRPr/>
+            </a:pPr>
+            <a:r>
+              <a:rPr lang="en-US" sz="1400" dirty="0">
+                <a:solidFill>
+                  <a:schemeClr val="tx1">
+                    <a:lumMod val="65000"/>
+                    <a:lumOff val="35000"/>
+                  </a:schemeClr>
+                </a:solidFill>
+                <a:latin typeface="+mj-lt"/>
+                <a:ea typeface="Verdana" panose="020B0604030504040204" pitchFamily="34" charset="0"/>
+              </a:rPr>
+              <a:t>Source: Randy Switt – University of Florida (Pythonista)</a:t>
+            </a:r>
+            <a:endParaRPr lang="en-US" sz="1400" dirty="0">
+              <a:solidFill>
+                <a:schemeClr val="tx1">
+                  <a:lumMod val="65000"/>
+                  <a:lumOff val="35000"/>
+                </a:schemeClr>
+              </a:solidFill>
+              <a:latin typeface="+mj-lt"/>
+            </a:endParaRPr>
+          </a:p>
+        </p:txBody>
+      </p:sp>
+      <p:sp>
+        <p:nvSpPr>
+          <p:cNvPr id="3" name="Down Arrow 2">
+            <a:extLst>
+              <a:ext uri="{FF2B5EF4-FFF2-40B4-BE49-F238E27FC236}">
+                <a16:creationId xmlns:a16="http://schemas.microsoft.com/office/drawing/2014/main" id="{32AB7A65-B841-4171-FE41-FC6A1E306AE4}"/>
               </a:ext>
             </a:extLst>
           </p:cNvPr>
@@ -11242,17 +13938,22 @@
         </p:nvSpPr>
         <p:spPr>
           <a:xfrm>
-            <a:off x="5138928" y="2176272"/>
-            <a:ext cx="310896" cy="512064"/>
+            <a:off x="5258081" y="2157243"/>
+            <a:ext cx="101065" cy="399448"/>
           </a:xfrm>
           <a:prstGeom prst="downArrow">
-            <a:avLst/>
+            <a:avLst>
+              <a:gd name="adj1" fmla="val 11941"/>
+              <a:gd name="adj2" fmla="val 81286"/>
+            </a:avLst>
           </a:prstGeom>
           <a:solidFill>
-            <a:srgbClr val="5EBB78"/>
+            <a:schemeClr val="tx1"/>
           </a:solidFill>
-          <a:ln w="3175">
-            <a:noFill/>
+          <a:ln w="76200">
+            <a:solidFill>
+              <a:srgbClr val="5EBB78"/>
+            </a:solidFill>
           </a:ln>
         </p:spPr>
         <p:style>
@@ -11276,61 +13977,16 @@
           <a:lstStyle/>
           <a:p>
             <a:pPr algn="ctr"/>
-            <a:endParaRPr lang="en-US"/>
-          </a:p>
-        </p:txBody>
-      </p:sp>
-      <p:sp>
-        <p:nvSpPr>
-          <p:cNvPr id="8" name="TextBox 7">
-            <a:extLst>
-              <a:ext uri="{FF2B5EF4-FFF2-40B4-BE49-F238E27FC236}">
-                <a16:creationId xmlns:a16="http://schemas.microsoft.com/office/drawing/2014/main" id="{E794F220-0D05-D828-05B3-3B6E5C3AF5A6}"/>
-              </a:ext>
-            </a:extLst>
-          </p:cNvPr>
-          <p:cNvSpPr txBox="1"/>
-          <p:nvPr/>
-        </p:nvSpPr>
-        <p:spPr>
-          <a:xfrm>
-            <a:off x="4012692" y="5277474"/>
-            <a:ext cx="1473708" cy="369332"/>
-          </a:xfrm>
-          <a:prstGeom prst="rect">
-            <a:avLst/>
-          </a:prstGeom>
-          <a:noFill/>
-        </p:spPr>
-        <p:txBody>
-          <a:bodyPr wrap="square">
-            <a:spAutoFit/>
-          </a:bodyPr>
-          <a:lstStyle/>
-          <a:p>
-            <a:r>
-              <a:rPr lang="en-US" sz="1800" dirty="0">
-                <a:solidFill>
-                  <a:schemeClr val="tx1">
-                    <a:lumMod val="75000"/>
-                    <a:lumOff val="25000"/>
-                  </a:schemeClr>
-                </a:solidFill>
-                <a:latin typeface="Futura Medium"/>
-                <a:cs typeface="Arial" panose="020B0604020202020204" pitchFamily="34" charset="0"/>
-              </a:rPr>
-              <a:t>Argument</a:t>
-            </a:r>
             <a:endParaRPr lang="en-US" dirty="0"/>
           </a:p>
         </p:txBody>
       </p:sp>
       <p:sp>
         <p:nvSpPr>
-          <p:cNvPr id="9" name="Arrow: Down 8">
-            <a:extLst>
-              <a:ext uri="{FF2B5EF4-FFF2-40B4-BE49-F238E27FC236}">
-                <a16:creationId xmlns:a16="http://schemas.microsoft.com/office/drawing/2014/main" id="{FAF772FA-F3FF-8DD2-4D82-ED0E109B5284}"/>
+          <p:cNvPr id="5" name="Down Arrow 4">
+            <a:extLst>
+              <a:ext uri="{FF2B5EF4-FFF2-40B4-BE49-F238E27FC236}">
+                <a16:creationId xmlns:a16="http://schemas.microsoft.com/office/drawing/2014/main" id="{B9068EC3-9A4D-1D00-01C2-83E6C585C4EE}"/>
               </a:ext>
             </a:extLst>
           </p:cNvPr>
@@ -11339,17 +13995,22 @@
         </p:nvSpPr>
         <p:spPr>
           <a:xfrm rot="10800000">
-            <a:off x="4493516" y="4748908"/>
-            <a:ext cx="310896" cy="512064"/>
+            <a:off x="4648481" y="4806477"/>
+            <a:ext cx="101065" cy="399448"/>
           </a:xfrm>
           <a:prstGeom prst="downArrow">
-            <a:avLst/>
+            <a:avLst>
+              <a:gd name="adj1" fmla="val 11941"/>
+              <a:gd name="adj2" fmla="val 81286"/>
+            </a:avLst>
           </a:prstGeom>
           <a:solidFill>
-            <a:srgbClr val="5EBB78"/>
+            <a:schemeClr val="tx1"/>
           </a:solidFill>
-          <a:ln w="3175">
-            <a:noFill/>
+          <a:ln w="76200">
+            <a:solidFill>
+              <a:srgbClr val="5EBB78"/>
+            </a:solidFill>
           </a:ln>
         </p:spPr>
         <p:style>
@@ -11373,66 +14034,46 @@
           <a:lstStyle/>
           <a:p>
             <a:pPr algn="ctr"/>
-            <a:endParaRPr lang="en-US"/>
-          </a:p>
-        </p:txBody>
-      </p:sp>
-      <p:sp>
-        <p:nvSpPr>
-          <p:cNvPr id="10" name="TextBox 9">
-            <a:extLst>
-              <a:ext uri="{FF2B5EF4-FFF2-40B4-BE49-F238E27FC236}">
-                <a16:creationId xmlns:a16="http://schemas.microsoft.com/office/drawing/2014/main" id="{BBCEA592-BE79-D337-1A96-68AEC4624CC4}"/>
-              </a:ext>
-            </a:extLst>
-          </p:cNvPr>
-          <p:cNvSpPr txBox="1"/>
+            <a:endParaRPr lang="en-US" dirty="0"/>
+          </a:p>
+        </p:txBody>
+      </p:sp>
+      <p:pic>
+        <p:nvPicPr>
+          <p:cNvPr id="12" name="Picture 11" descr="A picture containing dark, gauge&#10;&#10;Description automatically generated">
+            <a:extLst>
+              <a:ext uri="{FF2B5EF4-FFF2-40B4-BE49-F238E27FC236}">
+                <a16:creationId xmlns:a16="http://schemas.microsoft.com/office/drawing/2014/main" id="{3447D1B3-5891-6085-FAA3-BF646720BE41}"/>
+              </a:ext>
+            </a:extLst>
+          </p:cNvPr>
+          <p:cNvPicPr>
+            <a:picLocks noChangeAspect="1"/>
+          </p:cNvPicPr>
           <p:nvPr/>
-        </p:nvSpPr>
+        </p:nvPicPr>
+        <p:blipFill>
+          <a:blip r:embed="rId3">
+            <a:extLst>
+              <a:ext uri="{28A0092B-C50C-407E-A947-70E740481C1C}">
+                <a14:useLocalDpi xmlns:a14="http://schemas.microsoft.com/office/drawing/2010/main" val="0"/>
+              </a:ext>
+            </a:extLst>
+          </a:blip>
+          <a:stretch>
+            <a:fillRect/>
+          </a:stretch>
+        </p:blipFill>
         <p:spPr>
           <a:xfrm>
-            <a:off x="0" y="6550223"/>
-            <a:ext cx="12192000" cy="307777"/>
+            <a:off x="11378037" y="6045200"/>
+            <a:ext cx="800100" cy="812800"/>
           </a:xfrm>
           <a:prstGeom prst="rect">
             <a:avLst/>
           </a:prstGeom>
-          <a:noFill/>
         </p:spPr>
-        <p:txBody>
-          <a:bodyPr wrap="square" rtlCol="0">
-            <a:spAutoFit/>
-          </a:bodyPr>
-          <a:lstStyle/>
-          <a:p>
-            <a:pPr>
-              <a:defRPr/>
-            </a:pPr>
-            <a:r>
-              <a:rPr lang="en-US" sz="1400" dirty="0">
-                <a:solidFill>
-                  <a:schemeClr val="tx1">
-                    <a:lumMod val="65000"/>
-                    <a:lumOff val="35000"/>
-                  </a:schemeClr>
-                </a:solidFill>
-                <a:latin typeface="+mj-lt"/>
-                <a:ea typeface="Verdana" panose="020B0604030504040204" pitchFamily="34" charset="0"/>
-              </a:rPr>
-              <a:t>Source: Randy Switt – University of Florida (Pythonista)</a:t>
-            </a:r>
-            <a:endParaRPr lang="en-US" sz="1400" dirty="0">
-              <a:solidFill>
-                <a:schemeClr val="tx1">
-                  <a:lumMod val="65000"/>
-                  <a:lumOff val="35000"/>
-                </a:schemeClr>
-              </a:solidFill>
-              <a:latin typeface="+mj-lt"/>
-            </a:endParaRPr>
-          </a:p>
-        </p:txBody>
-      </p:sp>
+      </p:pic>
     </p:spTree>
     <p:extLst>
       <p:ext uri="{BB962C8B-B14F-4D97-AF65-F5344CB8AC3E}">

--- a/presentations/03_functions.pptx
+++ b/presentations/03_functions.pptx
@@ -225,7 +225,7 @@
           <a:p>
             <a:fld id="{FD93C9B2-20F6-4DB1-B471-224337D0AC79}" type="datetimeFigureOut">
               <a:rPr lang="en-US" smtClean="0"/>
-              <a:t>11/1/2022</a:t>
+              <a:t>11/14/2022</a:t>
             </a:fld>
             <a:endParaRPr lang="en-US"/>
           </a:p>
@@ -3378,7 +3378,7 @@
           <a:p>
             <a:fld id="{C3F78080-8D0A-4BE8-A5B4-CB115102D524}" type="datetimeFigureOut">
               <a:rPr lang="en-US" smtClean="0"/>
-              <a:t>11/1/2022</a:t>
+              <a:t>11/14/2022</a:t>
             </a:fld>
             <a:endParaRPr lang="en-US"/>
           </a:p>
@@ -3576,7 +3576,7 @@
           <a:p>
             <a:fld id="{C3F78080-8D0A-4BE8-A5B4-CB115102D524}" type="datetimeFigureOut">
               <a:rPr lang="en-US" smtClean="0"/>
-              <a:t>11/1/2022</a:t>
+              <a:t>11/14/2022</a:t>
             </a:fld>
             <a:endParaRPr lang="en-US"/>
           </a:p>
@@ -3784,7 +3784,7 @@
           <a:p>
             <a:fld id="{C3F78080-8D0A-4BE8-A5B4-CB115102D524}" type="datetimeFigureOut">
               <a:rPr lang="en-US" smtClean="0"/>
-              <a:t>11/1/2022</a:t>
+              <a:t>11/14/2022</a:t>
             </a:fld>
             <a:endParaRPr lang="en-US"/>
           </a:p>
@@ -3982,7 +3982,7 @@
           <a:p>
             <a:fld id="{C3F78080-8D0A-4BE8-A5B4-CB115102D524}" type="datetimeFigureOut">
               <a:rPr lang="en-US" smtClean="0"/>
-              <a:t>11/1/2022</a:t>
+              <a:t>11/14/2022</a:t>
             </a:fld>
             <a:endParaRPr lang="en-US"/>
           </a:p>
@@ -4257,7 +4257,7 @@
           <a:p>
             <a:fld id="{C3F78080-8D0A-4BE8-A5B4-CB115102D524}" type="datetimeFigureOut">
               <a:rPr lang="en-US" smtClean="0"/>
-              <a:t>11/1/2022</a:t>
+              <a:t>11/14/2022</a:t>
             </a:fld>
             <a:endParaRPr lang="en-US"/>
           </a:p>
@@ -4522,7 +4522,7 @@
           <a:p>
             <a:fld id="{C3F78080-8D0A-4BE8-A5B4-CB115102D524}" type="datetimeFigureOut">
               <a:rPr lang="en-US" smtClean="0"/>
-              <a:t>11/1/2022</a:t>
+              <a:t>11/14/2022</a:t>
             </a:fld>
             <a:endParaRPr lang="en-US"/>
           </a:p>
@@ -4934,7 +4934,7 @@
           <a:p>
             <a:fld id="{C3F78080-8D0A-4BE8-A5B4-CB115102D524}" type="datetimeFigureOut">
               <a:rPr lang="en-US" smtClean="0"/>
-              <a:t>11/1/2022</a:t>
+              <a:t>11/14/2022</a:t>
             </a:fld>
             <a:endParaRPr lang="en-US"/>
           </a:p>
@@ -5075,7 +5075,7 @@
           <a:p>
             <a:fld id="{C3F78080-8D0A-4BE8-A5B4-CB115102D524}" type="datetimeFigureOut">
               <a:rPr lang="en-US" smtClean="0"/>
-              <a:t>11/1/2022</a:t>
+              <a:t>11/14/2022</a:t>
             </a:fld>
             <a:endParaRPr lang="en-US"/>
           </a:p>
@@ -5188,7 +5188,7 @@
           <a:p>
             <a:fld id="{C3F78080-8D0A-4BE8-A5B4-CB115102D524}" type="datetimeFigureOut">
               <a:rPr lang="en-US" smtClean="0"/>
-              <a:t>11/1/2022</a:t>
+              <a:t>11/14/2022</a:t>
             </a:fld>
             <a:endParaRPr lang="en-US"/>
           </a:p>
@@ -5499,7 +5499,7 @@
           <a:p>
             <a:fld id="{C3F78080-8D0A-4BE8-A5B4-CB115102D524}" type="datetimeFigureOut">
               <a:rPr lang="en-US" smtClean="0"/>
-              <a:t>11/1/2022</a:t>
+              <a:t>11/14/2022</a:t>
             </a:fld>
             <a:endParaRPr lang="en-US"/>
           </a:p>
@@ -5787,7 +5787,7 @@
           <a:p>
             <a:fld id="{C3F78080-8D0A-4BE8-A5B4-CB115102D524}" type="datetimeFigureOut">
               <a:rPr lang="en-US" smtClean="0"/>
-              <a:t>11/1/2022</a:t>
+              <a:t>11/14/2022</a:t>
             </a:fld>
             <a:endParaRPr lang="en-US"/>
           </a:p>
@@ -6028,7 +6028,7 @@
           <a:p>
             <a:fld id="{C3F78080-8D0A-4BE8-A5B4-CB115102D524}" type="datetimeFigureOut">
               <a:rPr lang="en-US" smtClean="0"/>
-              <a:t>11/1/2022</a:t>
+              <a:t>11/14/2022</a:t>
             </a:fld>
             <a:endParaRPr lang="en-US"/>
           </a:p>
@@ -6512,8 +6512,8 @@
         </p:blipFill>
         <p:spPr>
           <a:xfrm>
-            <a:off x="11361672" y="6049997"/>
-            <a:ext cx="786848" cy="786848"/>
+            <a:off x="11200705" y="5821251"/>
+            <a:ext cx="864635" cy="864635"/>
           </a:xfrm>
           <a:prstGeom prst="rect">
             <a:avLst/>
@@ -6632,28 +6632,14 @@
             <a:r>
               <a:rPr lang="en-US" sz="2800" dirty="0">
                 <a:solidFill>
-                  <a:srgbClr val="5EBB78"/>
+                  <a:schemeClr val="tx1">
+                    <a:lumMod val="65000"/>
+                    <a:lumOff val="35000"/>
+                  </a:schemeClr>
                 </a:solidFill>
                 <a:latin typeface="Consolas" panose="020B0609020204030204" pitchFamily="49" charset="0"/>
               </a:rPr>
-              <a:t>return</a:t>
-            </a:r>
-            <a:r>
-              <a:rPr lang="en-US" sz="2800" dirty="0">
-                <a:latin typeface="Consolas" panose="020B0609020204030204" pitchFamily="49" charset="0"/>
-              </a:rPr>
-              <a:t> </a:t>
-            </a:r>
-            <a:r>
-              <a:rPr lang="en-US" sz="2800" dirty="0">
-                <a:solidFill>
-                  <a:schemeClr val="accent2">
-                    <a:lumMod val="75000"/>
-                  </a:schemeClr>
-                </a:solidFill>
-                <a:latin typeface="Consolas" panose="020B0609020204030204" pitchFamily="49" charset="0"/>
-              </a:rPr>
-              <a:t>&lt;value1&gt;,&lt;value2&gt;, . . .</a:t>
+              <a:t>return &lt;value1&gt;,&lt;value2&gt;, . . .</a:t>
             </a:r>
           </a:p>
         </p:txBody>
@@ -6690,9 +6676,8 @@
             <a:r>
               <a:rPr lang="en-US" sz="3600" b="1" dirty="0">
                 <a:solidFill>
-                  <a:schemeClr val="tx1">
-                    <a:lumMod val="65000"/>
-                    <a:lumOff val="35000"/>
+                  <a:schemeClr val="bg2">
+                    <a:lumMod val="25000"/>
                   </a:schemeClr>
                 </a:solidFill>
                 <a:latin typeface="Avenir Heavy" panose="02000503020000020003" pitchFamily="2" charset="0"/>
@@ -6702,9 +6687,8 @@
             </a:r>
             <a:endParaRPr lang="en-US" sz="3600" b="1" dirty="0">
               <a:solidFill>
-                <a:schemeClr val="tx1">
-                  <a:lumMod val="65000"/>
-                  <a:lumOff val="35000"/>
+                <a:schemeClr val="bg2">
+                  <a:lumMod val="25000"/>
                 </a:schemeClr>
               </a:solidFill>
               <a:latin typeface="Avenir Heavy" panose="02000503020000020003" pitchFamily="2" charset="0"/>
@@ -7065,7 +7049,7 @@
           <p:cNvPr id="10" name="Picture 9" descr="A picture containing dark, gauge&#10;&#10;Description automatically generated">
             <a:extLst>
               <a:ext uri="{FF2B5EF4-FFF2-40B4-BE49-F238E27FC236}">
-                <a16:creationId xmlns:a16="http://schemas.microsoft.com/office/drawing/2014/main" id="{F176AA2F-7367-A0B3-5085-FCA420DC43B1}"/>
+                <a16:creationId xmlns:a16="http://schemas.microsoft.com/office/drawing/2014/main" id="{73FA8EC0-0B6C-E6EB-0CB4-16072AA21797}"/>
               </a:ext>
             </a:extLst>
           </p:cNvPr>
@@ -7496,9 +7480,8 @@
             <a:r>
               <a:rPr lang="en-US" sz="3600" b="1" dirty="0">
                 <a:solidFill>
-                  <a:schemeClr val="tx1">
-                    <a:lumMod val="65000"/>
-                    <a:lumOff val="35000"/>
+                  <a:schemeClr val="bg2">
+                    <a:lumMod val="25000"/>
                   </a:schemeClr>
                 </a:solidFill>
                 <a:latin typeface="Avenir Heavy" panose="02000503020000020003" pitchFamily="2" charset="0"/>
@@ -7508,9 +7491,8 @@
             </a:r>
             <a:endParaRPr lang="en-US" sz="3600" b="1" dirty="0">
               <a:solidFill>
-                <a:schemeClr val="tx1">
-                  <a:lumMod val="65000"/>
-                  <a:lumOff val="35000"/>
+                <a:schemeClr val="bg2">
+                  <a:lumMod val="25000"/>
                 </a:schemeClr>
               </a:solidFill>
               <a:latin typeface="Avenir Heavy" panose="02000503020000020003" pitchFamily="2" charset="0"/>
@@ -7523,7 +7505,7 @@
           <p:cNvPr id="5" name="Picture 4" descr="A picture containing dark, gauge&#10;&#10;Description automatically generated">
             <a:extLst>
               <a:ext uri="{FF2B5EF4-FFF2-40B4-BE49-F238E27FC236}">
-                <a16:creationId xmlns:a16="http://schemas.microsoft.com/office/drawing/2014/main" id="{E215AA27-1CAA-821B-411F-CD8CC1BA3F8A}"/>
+                <a16:creationId xmlns:a16="http://schemas.microsoft.com/office/drawing/2014/main" id="{FABCADEC-E214-2DA1-88C0-A90E0DEE3BF2}"/>
               </a:ext>
             </a:extLst>
           </p:cNvPr>
@@ -7686,7 +7668,9 @@
           <a:prstGeom prst="rect">
             <a:avLst/>
           </a:prstGeom>
-          <a:noFill/>
+          <a:solidFill>
+            <a:schemeClr val="bg1"/>
+          </a:solidFill>
         </p:spPr>
         <p:txBody>
           <a:bodyPr wrap="square" rtlCol="0">
@@ -7699,16 +7683,32 @@
             </a:pPr>
             <a:r>
               <a:rPr lang="en-US" sz="1400" dirty="0">
+                <a:solidFill>
+                  <a:schemeClr val="bg2">
+                    <a:lumMod val="75000"/>
+                  </a:schemeClr>
+                </a:solidFill>
                 <a:latin typeface="+mj-lt"/>
                 <a:ea typeface="Verdana" panose="020B0604030504040204" pitchFamily="34" charset="0"/>
               </a:rPr>
               <a:t>Image Credit: </a:t>
             </a:r>
             <a:r>
-              <a:rPr lang="en-US" sz="1400" dirty="0"/>
+              <a:rPr lang="en-US" sz="1400" dirty="0">
+                <a:solidFill>
+                  <a:schemeClr val="bg2">
+                    <a:lumMod val="75000"/>
+                  </a:schemeClr>
+                </a:solidFill>
+              </a:rPr>
               <a:t>https://www.pinterest.com/pin/558024210062835602/</a:t>
             </a:r>
             <a:endParaRPr lang="en-US" sz="1400" dirty="0">
+              <a:solidFill>
+                <a:schemeClr val="bg2">
+                  <a:lumMod val="75000"/>
+                </a:schemeClr>
+              </a:solidFill>
               <a:latin typeface="+mj-lt"/>
             </a:endParaRPr>
           </a:p>
@@ -7719,7 +7719,7 @@
           <p:cNvPr id="5" name="Picture 4" descr="A picture containing dark, gauge&#10;&#10;Description automatically generated">
             <a:extLst>
               <a:ext uri="{FF2B5EF4-FFF2-40B4-BE49-F238E27FC236}">
-                <a16:creationId xmlns:a16="http://schemas.microsoft.com/office/drawing/2014/main" id="{18AFDA4E-8E52-76D6-17E5-307EE22E0136}"/>
+                <a16:creationId xmlns:a16="http://schemas.microsoft.com/office/drawing/2014/main" id="{47C94F79-35DD-30CD-E442-1D0600DEDA68}"/>
               </a:ext>
             </a:extLst>
           </p:cNvPr>
@@ -7794,6 +7794,317 @@
       </p:grpSpPr>
       <p:sp>
         <p:nvSpPr>
+          <p:cNvPr id="2" name="TextBox 1">
+            <a:extLst>
+              <a:ext uri="{FF2B5EF4-FFF2-40B4-BE49-F238E27FC236}">
+                <a16:creationId xmlns:a16="http://schemas.microsoft.com/office/drawing/2014/main" id="{2C8698E5-8354-4A59-ABB7-0349000614A5}"/>
+              </a:ext>
+            </a:extLst>
+          </p:cNvPr>
+          <p:cNvSpPr txBox="1"/>
+          <p:nvPr/>
+        </p:nvSpPr>
+        <p:spPr>
+          <a:xfrm>
+            <a:off x="1812470" y="556972"/>
+            <a:ext cx="7995557" cy="1754326"/>
+          </a:xfrm>
+          <a:prstGeom prst="rect">
+            <a:avLst/>
+          </a:prstGeom>
+          <a:noFill/>
+        </p:spPr>
+        <p:txBody>
+          <a:bodyPr wrap="square" rtlCol="0">
+            <a:spAutoFit/>
+          </a:bodyPr>
+          <a:lstStyle/>
+          <a:p>
+            <a:pPr algn="ctr"/>
+            <a:r>
+              <a:rPr lang="en-US" sz="3600" b="1" dirty="0">
+                <a:solidFill>
+                  <a:schemeClr val="bg2">
+                    <a:lumMod val="25000"/>
+                  </a:schemeClr>
+                </a:solidFill>
+                <a:effectLst/>
+                <a:latin typeface="Avenir Heavy" panose="02000503020000020003" pitchFamily="2" charset="0"/>
+                <a:cs typeface="Courier New" panose="02070309020205020404" pitchFamily="49" charset="0"/>
+              </a:rPr>
+              <a:t>Specification</a:t>
+            </a:r>
+          </a:p>
+          <a:p>
+            <a:pPr algn="ctr"/>
+            <a:endParaRPr lang="en-US" sz="2400" b="0" i="0" dirty="0">
+              <a:solidFill>
+                <a:srgbClr val="000000"/>
+              </a:solidFill>
+              <a:effectLst/>
+              <a:latin typeface="Consolas" panose="020B0609020204030204" pitchFamily="49" charset="0"/>
+              <a:cs typeface="Courier New" panose="02070309020205020404" pitchFamily="49" charset="0"/>
+            </a:endParaRPr>
+          </a:p>
+          <a:p>
+            <a:pPr algn="ctr"/>
+            <a:r>
+              <a:rPr lang="en-US" sz="2400" dirty="0">
+                <a:solidFill>
+                  <a:srgbClr val="000000"/>
+                </a:solidFill>
+                <a:effectLst/>
+                <a:latin typeface="Avenir" panose="02000503020000020003" pitchFamily="2" charset="0"/>
+                <a:cs typeface="Courier New" panose="02070309020205020404" pitchFamily="49" charset="0"/>
+              </a:rPr>
+              <a:t>The </a:t>
+            </a:r>
+            <a:r>
+              <a:rPr lang="en-US" sz="2400" dirty="0">
+                <a:solidFill>
+                  <a:srgbClr val="482DFF"/>
+                </a:solidFill>
+                <a:effectLst/>
+                <a:latin typeface="Consolas" panose="020B0609020204030204" pitchFamily="49" charset="0"/>
+                <a:cs typeface="Consolas" panose="020B0609020204030204" pitchFamily="49" charset="0"/>
+              </a:rPr>
+              <a:t>multiply</a:t>
+            </a:r>
+            <a:r>
+              <a:rPr lang="en-US" sz="2400" dirty="0">
+                <a:solidFill>
+                  <a:srgbClr val="000000"/>
+                </a:solidFill>
+                <a:effectLst/>
+                <a:latin typeface="Consolas" panose="020B0609020204030204" pitchFamily="49" charset="0"/>
+                <a:cs typeface="Consolas" panose="020B0609020204030204" pitchFamily="49" charset="0"/>
+              </a:rPr>
+              <a:t>()</a:t>
+            </a:r>
+            <a:r>
+              <a:rPr lang="en-US" sz="2400" dirty="0">
+                <a:solidFill>
+                  <a:srgbClr val="000000"/>
+                </a:solidFill>
+                <a:effectLst/>
+                <a:latin typeface="Avenir" panose="02000503020000020003" pitchFamily="2" charset="0"/>
+                <a:cs typeface="Courier New" panose="02070309020205020404" pitchFamily="49" charset="0"/>
+              </a:rPr>
+              <a:t> function takes two arguments </a:t>
+            </a:r>
+          </a:p>
+          <a:p>
+            <a:pPr algn="ctr"/>
+            <a:r>
+              <a:rPr lang="en-US" sz="2400" dirty="0">
+                <a:solidFill>
+                  <a:srgbClr val="000000"/>
+                </a:solidFill>
+                <a:effectLst/>
+                <a:latin typeface="Consolas" panose="020B0609020204030204" pitchFamily="49" charset="0"/>
+                <a:cs typeface="Consolas" panose="020B0609020204030204" pitchFamily="49" charset="0"/>
+              </a:rPr>
+              <a:t>(arg_1, arg_2)</a:t>
+            </a:r>
+            <a:r>
+              <a:rPr lang="en-US" sz="2400" dirty="0">
+                <a:solidFill>
+                  <a:srgbClr val="000000"/>
+                </a:solidFill>
+                <a:effectLst/>
+                <a:latin typeface="Avenir" panose="02000503020000020003" pitchFamily="2" charset="0"/>
+                <a:cs typeface="Courier New" panose="02070309020205020404" pitchFamily="49" charset="0"/>
+              </a:rPr>
+              <a:t>, multiplies them, and returns the result.</a:t>
+            </a:r>
+          </a:p>
+        </p:txBody>
+      </p:sp>
+      <p:pic>
+        <p:nvPicPr>
+          <p:cNvPr id="4" name="Picture 3">
+            <a:extLst>
+              <a:ext uri="{FF2B5EF4-FFF2-40B4-BE49-F238E27FC236}">
+                <a16:creationId xmlns:a16="http://schemas.microsoft.com/office/drawing/2014/main" id="{A8933D68-98AC-47F5-9FFC-512B6F2F59EC}"/>
+              </a:ext>
+            </a:extLst>
+          </p:cNvPr>
+          <p:cNvPicPr>
+            <a:picLocks noChangeAspect="1"/>
+          </p:cNvPicPr>
+          <p:nvPr/>
+        </p:nvPicPr>
+        <p:blipFill>
+          <a:blip r:embed="rId3"/>
+          <a:stretch>
+            <a:fillRect/>
+          </a:stretch>
+        </p:blipFill>
+        <p:spPr>
+          <a:xfrm>
+            <a:off x="12465590" y="5054352"/>
+            <a:ext cx="12192000" cy="1280509"/>
+          </a:xfrm>
+          <a:prstGeom prst="rect">
+            <a:avLst/>
+          </a:prstGeom>
+        </p:spPr>
+      </p:pic>
+      <p:sp>
+        <p:nvSpPr>
+          <p:cNvPr id="3" name="TextBox 2">
+            <a:extLst>
+              <a:ext uri="{FF2B5EF4-FFF2-40B4-BE49-F238E27FC236}">
+                <a16:creationId xmlns:a16="http://schemas.microsoft.com/office/drawing/2014/main" id="{47BAE984-51CD-B104-D209-59934E44EA8A}"/>
+              </a:ext>
+            </a:extLst>
+          </p:cNvPr>
+          <p:cNvSpPr txBox="1"/>
+          <p:nvPr/>
+        </p:nvSpPr>
+        <p:spPr>
+          <a:xfrm>
+            <a:off x="470006" y="2619075"/>
+            <a:ext cx="11560630" cy="1569660"/>
+          </a:xfrm>
+          <a:prstGeom prst="rect">
+            <a:avLst/>
+          </a:prstGeom>
+          <a:solidFill>
+            <a:schemeClr val="bg1">
+              <a:lumMod val="95000"/>
+            </a:schemeClr>
+          </a:solidFill>
+          <a:ln>
+            <a:solidFill>
+              <a:schemeClr val="bg1">
+                <a:lumMod val="85000"/>
+              </a:schemeClr>
+            </a:solidFill>
+          </a:ln>
+        </p:spPr>
+        <p:txBody>
+          <a:bodyPr wrap="square">
+            <a:spAutoFit/>
+          </a:bodyPr>
+          <a:lstStyle/>
+          <a:p>
+            <a:r>
+              <a:rPr lang="en-US" sz="1600" dirty="0">
+                <a:solidFill>
+                  <a:srgbClr val="007C00"/>
+                </a:solidFill>
+                <a:latin typeface="Consolas" panose="020B0609020204030204" pitchFamily="49" charset="0"/>
+              </a:rPr>
+              <a:t>def</a:t>
+            </a:r>
+            <a:r>
+              <a:rPr lang="en-US" sz="1600" dirty="0">
+                <a:solidFill>
+                  <a:srgbClr val="FF00FF"/>
+                </a:solidFill>
+                <a:latin typeface="Consolas" panose="020B0609020204030204" pitchFamily="49" charset="0"/>
+              </a:rPr>
+              <a:t> </a:t>
+            </a:r>
+            <a:r>
+              <a:rPr lang="en-US" sz="1600" dirty="0">
+                <a:solidFill>
+                  <a:srgbClr val="482DFF"/>
+                </a:solidFill>
+                <a:latin typeface="Consolas" panose="020B0609020204030204" pitchFamily="49" charset="0"/>
+              </a:rPr>
+              <a:t>multiply</a:t>
+            </a:r>
+            <a:r>
+              <a:rPr lang="en-US" sz="1600" dirty="0">
+                <a:latin typeface="Consolas" panose="020B0609020204030204" pitchFamily="49" charset="0"/>
+              </a:rPr>
+              <a:t>(arg_1, arg_2):</a:t>
+            </a:r>
+          </a:p>
+          <a:p>
+            <a:r>
+              <a:rPr lang="en-US" sz="1600" dirty="0">
+                <a:latin typeface="Consolas" panose="020B0609020204030204" pitchFamily="49" charset="0"/>
+              </a:rPr>
+              <a:t>    </a:t>
+            </a:r>
+            <a:r>
+              <a:rPr lang="en-US" sz="1600" dirty="0">
+                <a:solidFill>
+                  <a:srgbClr val="BA2020"/>
+                </a:solidFill>
+                <a:latin typeface="Avenir Medium" panose="02000503020000020003" pitchFamily="2" charset="0"/>
+              </a:rPr>
+              <a:t>’ ’ ’</a:t>
+            </a:r>
+            <a:r>
+              <a:rPr lang="en-US" sz="1600" i="1" dirty="0">
+                <a:solidFill>
+                  <a:srgbClr val="BA2020"/>
+                </a:solidFill>
+                <a:latin typeface="Consolas" panose="020B0609020204030204" pitchFamily="49" charset="0"/>
+                <a:cs typeface="Consolas" panose="020B0609020204030204" pitchFamily="49" charset="0"/>
+              </a:rPr>
+              <a:t>This function takes two arguments (arg_1, arg2), multiplies them, and returns the result.</a:t>
+            </a:r>
+          </a:p>
+          <a:p>
+            <a:r>
+              <a:rPr lang="en-US" sz="1600" dirty="0">
+                <a:solidFill>
+                  <a:srgbClr val="BA2020"/>
+                </a:solidFill>
+                <a:latin typeface="Avenir Medium" panose="02000503020000020003" pitchFamily="2" charset="0"/>
+              </a:rPr>
+              <a:t>        ’ ‘ ’</a:t>
+            </a:r>
+            <a:endParaRPr lang="en-US" sz="1600" dirty="0">
+              <a:latin typeface="Consolas" panose="020B0609020204030204" pitchFamily="49" charset="0"/>
+            </a:endParaRPr>
+          </a:p>
+          <a:p>
+            <a:r>
+              <a:rPr lang="en-US" sz="1600" dirty="0">
+                <a:solidFill>
+                  <a:srgbClr val="007C00"/>
+                </a:solidFill>
+                <a:latin typeface="Consolas" panose="020B0609020204030204" pitchFamily="49" charset="0"/>
+              </a:rPr>
+              <a:t>    return</a:t>
+            </a:r>
+            <a:r>
+              <a:rPr lang="en-US" sz="1600" dirty="0">
+                <a:latin typeface="Consolas" panose="020B0609020204030204" pitchFamily="49" charset="0"/>
+              </a:rPr>
+              <a:t>(arg_1 * arg_2)</a:t>
+            </a:r>
+          </a:p>
+          <a:p>
+            <a:endParaRPr lang="en-US" sz="1600" dirty="0">
+              <a:solidFill>
+                <a:srgbClr val="FFC000"/>
+              </a:solidFill>
+              <a:latin typeface="Consolas" panose="020B0609020204030204" pitchFamily="49" charset="0"/>
+            </a:endParaRPr>
+          </a:p>
+          <a:p>
+            <a:r>
+              <a:rPr lang="en-US" sz="1600" i="1" dirty="0">
+                <a:solidFill>
+                  <a:srgbClr val="698F91"/>
+                </a:solidFill>
+                <a:latin typeface="Consolas" panose="020B0609020204030204" pitchFamily="49" charset="0"/>
+                <a:cs typeface="Consolas" panose="020B0609020204030204" pitchFamily="49" charset="0"/>
+              </a:rPr>
+              <a:t># end multiply()</a:t>
+            </a:r>
+          </a:p>
+        </p:txBody>
+      </p:sp>
+      <p:sp>
+        <p:nvSpPr>
           <p:cNvPr id="5" name="TextBox 4">
             <a:extLst>
               <a:ext uri="{FF2B5EF4-FFF2-40B4-BE49-F238E27FC236}">
@@ -7841,324 +8152,12 @@
           </a:p>
         </p:txBody>
       </p:sp>
-      <p:sp>
-        <p:nvSpPr>
-          <p:cNvPr id="2" name="TextBox 1">
-            <a:extLst>
-              <a:ext uri="{FF2B5EF4-FFF2-40B4-BE49-F238E27FC236}">
-                <a16:creationId xmlns:a16="http://schemas.microsoft.com/office/drawing/2014/main" id="{2C8698E5-8354-4A59-ABB7-0349000614A5}"/>
-              </a:ext>
-            </a:extLst>
-          </p:cNvPr>
-          <p:cNvSpPr txBox="1"/>
-          <p:nvPr/>
-        </p:nvSpPr>
-        <p:spPr>
-          <a:xfrm>
-            <a:off x="1812470" y="556972"/>
-            <a:ext cx="7995557" cy="1754326"/>
-          </a:xfrm>
-          <a:prstGeom prst="rect">
-            <a:avLst/>
-          </a:prstGeom>
-          <a:noFill/>
-        </p:spPr>
-        <p:txBody>
-          <a:bodyPr wrap="square" rtlCol="0">
-            <a:spAutoFit/>
-          </a:bodyPr>
-          <a:lstStyle/>
-          <a:p>
-            <a:pPr algn="ctr"/>
-            <a:r>
-              <a:rPr lang="en-US" sz="3600" b="1" dirty="0">
-                <a:solidFill>
-                  <a:schemeClr val="tx1">
-                    <a:lumMod val="65000"/>
-                    <a:lumOff val="35000"/>
-                  </a:schemeClr>
-                </a:solidFill>
-                <a:effectLst/>
-                <a:latin typeface="Avenir Heavy" panose="02000503020000020003" pitchFamily="2" charset="0"/>
-                <a:cs typeface="Courier New" panose="02070309020205020404" pitchFamily="49" charset="0"/>
-              </a:rPr>
-              <a:t>Specification</a:t>
-            </a:r>
-          </a:p>
-          <a:p>
-            <a:pPr algn="ctr"/>
-            <a:endParaRPr lang="en-US" sz="2400" b="0" i="0" dirty="0">
-              <a:solidFill>
-                <a:srgbClr val="000000"/>
-              </a:solidFill>
-              <a:effectLst/>
-              <a:latin typeface="Consolas" panose="020B0609020204030204" pitchFamily="49" charset="0"/>
-              <a:cs typeface="Courier New" panose="02070309020205020404" pitchFamily="49" charset="0"/>
-            </a:endParaRPr>
-          </a:p>
-          <a:p>
-            <a:pPr algn="ctr"/>
-            <a:r>
-              <a:rPr lang="en-US" sz="2400" dirty="0">
-                <a:solidFill>
-                  <a:srgbClr val="000000"/>
-                </a:solidFill>
-                <a:effectLst/>
-                <a:latin typeface="Avenir" panose="02000503020000020003" pitchFamily="2" charset="0"/>
-                <a:cs typeface="Courier New" panose="02070309020205020404" pitchFamily="49" charset="0"/>
-              </a:rPr>
-              <a:t>The </a:t>
-            </a:r>
-            <a:r>
-              <a:rPr lang="en-US" sz="2400" dirty="0">
-                <a:solidFill>
-                  <a:srgbClr val="482DFF"/>
-                </a:solidFill>
-                <a:effectLst/>
-                <a:latin typeface="Consolas" panose="020B0609020204030204" pitchFamily="49" charset="0"/>
-                <a:cs typeface="Consolas" panose="020B0609020204030204" pitchFamily="49" charset="0"/>
-              </a:rPr>
-              <a:t>multiply</a:t>
-            </a:r>
-            <a:r>
-              <a:rPr lang="en-US" sz="2400" dirty="0">
-                <a:solidFill>
-                  <a:srgbClr val="000000"/>
-                </a:solidFill>
-                <a:effectLst/>
-                <a:latin typeface="Consolas" panose="020B0609020204030204" pitchFamily="49" charset="0"/>
-                <a:cs typeface="Consolas" panose="020B0609020204030204" pitchFamily="49" charset="0"/>
-              </a:rPr>
-              <a:t>()</a:t>
-            </a:r>
-            <a:r>
-              <a:rPr lang="en-US" sz="2400" dirty="0">
-                <a:solidFill>
-                  <a:srgbClr val="000000"/>
-                </a:solidFill>
-                <a:effectLst/>
-                <a:latin typeface="Avenir" panose="02000503020000020003" pitchFamily="2" charset="0"/>
-                <a:cs typeface="Courier New" panose="02070309020205020404" pitchFamily="49" charset="0"/>
-              </a:rPr>
-              <a:t> function takes two arguments </a:t>
-            </a:r>
-          </a:p>
-          <a:p>
-            <a:pPr algn="ctr"/>
-            <a:r>
-              <a:rPr lang="en-US" sz="2400" dirty="0">
-                <a:solidFill>
-                  <a:srgbClr val="000000"/>
-                </a:solidFill>
-                <a:effectLst/>
-                <a:latin typeface="Consolas" panose="020B0609020204030204" pitchFamily="49" charset="0"/>
-                <a:cs typeface="Consolas" panose="020B0609020204030204" pitchFamily="49" charset="0"/>
-              </a:rPr>
-              <a:t>(arg_1, arg_2)</a:t>
-            </a:r>
-            <a:r>
-              <a:rPr lang="en-US" sz="2400" dirty="0">
-                <a:solidFill>
-                  <a:srgbClr val="000000"/>
-                </a:solidFill>
-                <a:effectLst/>
-                <a:latin typeface="Avenir" panose="02000503020000020003" pitchFamily="2" charset="0"/>
-                <a:cs typeface="Courier New" panose="02070309020205020404" pitchFamily="49" charset="0"/>
-              </a:rPr>
-              <a:t>, multiplies them, and returns the result.</a:t>
-            </a:r>
-          </a:p>
-        </p:txBody>
-      </p:sp>
-      <p:pic>
-        <p:nvPicPr>
-          <p:cNvPr id="4" name="Picture 3">
-            <a:extLst>
-              <a:ext uri="{FF2B5EF4-FFF2-40B4-BE49-F238E27FC236}">
-                <a16:creationId xmlns:a16="http://schemas.microsoft.com/office/drawing/2014/main" id="{A8933D68-98AC-47F5-9FFC-512B6F2F59EC}"/>
-              </a:ext>
-            </a:extLst>
-          </p:cNvPr>
-          <p:cNvPicPr>
-            <a:picLocks noChangeAspect="1"/>
-          </p:cNvPicPr>
-          <p:nvPr/>
-        </p:nvPicPr>
-        <p:blipFill>
-          <a:blip r:embed="rId3"/>
-          <a:stretch>
-            <a:fillRect/>
-          </a:stretch>
-        </p:blipFill>
-        <p:spPr>
-          <a:xfrm>
-            <a:off x="389370" y="4470087"/>
-            <a:ext cx="11641266" cy="1280509"/>
-          </a:xfrm>
-          <a:prstGeom prst="rect">
-            <a:avLst/>
-          </a:prstGeom>
-        </p:spPr>
-      </p:pic>
-      <p:sp>
-        <p:nvSpPr>
-          <p:cNvPr id="3" name="TextBox 2">
-            <a:extLst>
-              <a:ext uri="{FF2B5EF4-FFF2-40B4-BE49-F238E27FC236}">
-                <a16:creationId xmlns:a16="http://schemas.microsoft.com/office/drawing/2014/main" id="{47BAE984-51CD-B104-D209-59934E44EA8A}"/>
-              </a:ext>
-            </a:extLst>
-          </p:cNvPr>
-          <p:cNvSpPr txBox="1"/>
-          <p:nvPr/>
-        </p:nvSpPr>
-        <p:spPr>
-          <a:xfrm>
-            <a:off x="470006" y="2619075"/>
-            <a:ext cx="11560630" cy="1569660"/>
-          </a:xfrm>
-          <a:prstGeom prst="rect">
-            <a:avLst/>
-          </a:prstGeom>
-          <a:solidFill>
-            <a:schemeClr val="bg1">
-              <a:lumMod val="95000"/>
-            </a:schemeClr>
-          </a:solidFill>
-          <a:ln>
-            <a:solidFill>
-              <a:schemeClr val="bg1">
-                <a:lumMod val="85000"/>
-              </a:schemeClr>
-            </a:solidFill>
-          </a:ln>
-        </p:spPr>
-        <p:txBody>
-          <a:bodyPr wrap="square">
-            <a:spAutoFit/>
-          </a:bodyPr>
-          <a:lstStyle/>
-          <a:p>
-            <a:r>
-              <a:rPr lang="en-US" sz="1600" dirty="0">
-                <a:solidFill>
-                  <a:srgbClr val="007C00"/>
-                </a:solidFill>
-                <a:latin typeface="Consolas" panose="020B0609020204030204" pitchFamily="49" charset="0"/>
-              </a:rPr>
-              <a:t>def</a:t>
-            </a:r>
-            <a:r>
-              <a:rPr lang="en-US" sz="1600" dirty="0">
-                <a:solidFill>
-                  <a:srgbClr val="FF00FF"/>
-                </a:solidFill>
-                <a:latin typeface="Consolas" panose="020B0609020204030204" pitchFamily="49" charset="0"/>
-              </a:rPr>
-              <a:t> </a:t>
-            </a:r>
-            <a:r>
-              <a:rPr lang="en-US" sz="1600" dirty="0">
-                <a:solidFill>
-                  <a:srgbClr val="482DFF"/>
-                </a:solidFill>
-                <a:latin typeface="Consolas" panose="020B0609020204030204" pitchFamily="49" charset="0"/>
-              </a:rPr>
-              <a:t>multiply</a:t>
-            </a:r>
-            <a:r>
-              <a:rPr lang="en-US" sz="1600" dirty="0">
-                <a:latin typeface="Consolas" panose="020B0609020204030204" pitchFamily="49" charset="0"/>
-              </a:rPr>
-              <a:t>(arg_1, arg_2):</a:t>
-            </a:r>
-          </a:p>
-          <a:p>
-            <a:r>
-              <a:rPr lang="en-US" sz="1600" dirty="0">
-                <a:latin typeface="Consolas" panose="020B0609020204030204" pitchFamily="49" charset="0"/>
-              </a:rPr>
-              <a:t>    </a:t>
-            </a:r>
-            <a:r>
-              <a:rPr lang="en-US" sz="1600" dirty="0">
-                <a:solidFill>
-                  <a:srgbClr val="BA2020"/>
-                </a:solidFill>
-                <a:latin typeface="Avenir Medium" panose="02000503020000020003" pitchFamily="2" charset="0"/>
-              </a:rPr>
-              <a:t>’ ’ ’</a:t>
-            </a:r>
-            <a:r>
-              <a:rPr lang="en-US" sz="1600" i="1" dirty="0">
-                <a:solidFill>
-                  <a:srgbClr val="BA2020"/>
-                </a:solidFill>
-                <a:latin typeface="Consolas" panose="020B0609020204030204" pitchFamily="49" charset="0"/>
-                <a:cs typeface="Consolas" panose="020B0609020204030204" pitchFamily="49" charset="0"/>
-              </a:rPr>
-              <a:t>This function takes two arguments (arg_1, arg2), multiplies them, and returns the result.</a:t>
-            </a:r>
-          </a:p>
-          <a:p>
-            <a:r>
-              <a:rPr lang="en-US" sz="1600" dirty="0">
-                <a:solidFill>
-                  <a:srgbClr val="BA2020"/>
-                </a:solidFill>
-                <a:latin typeface="Avenir Medium" panose="02000503020000020003" pitchFamily="2" charset="0"/>
-              </a:rPr>
-              <a:t>        ’ ‘ ’</a:t>
-            </a:r>
-            <a:endParaRPr lang="en-US" sz="1600" dirty="0">
-              <a:latin typeface="Consolas" panose="020B0609020204030204" pitchFamily="49" charset="0"/>
-            </a:endParaRPr>
-          </a:p>
-          <a:p>
-            <a:r>
-              <a:rPr lang="en-US" sz="1600" dirty="0">
-                <a:solidFill>
-                  <a:srgbClr val="007C00"/>
-                </a:solidFill>
-                <a:latin typeface="Consolas" panose="020B0609020204030204" pitchFamily="49" charset="0"/>
-              </a:rPr>
-              <a:t>    return</a:t>
-            </a:r>
-            <a:r>
-              <a:rPr lang="en-US" sz="1600" dirty="0">
-                <a:latin typeface="Consolas" panose="020B0609020204030204" pitchFamily="49" charset="0"/>
-              </a:rPr>
-              <a:t>(arg_1 * arg_2)</a:t>
-            </a:r>
-          </a:p>
-          <a:p>
-            <a:endParaRPr lang="en-US" sz="1600" dirty="0">
-              <a:solidFill>
-                <a:srgbClr val="FFC000"/>
-              </a:solidFill>
-              <a:latin typeface="Consolas" panose="020B0609020204030204" pitchFamily="49" charset="0"/>
-            </a:endParaRPr>
-          </a:p>
-          <a:p>
-            <a:r>
-              <a:rPr lang="en-US" sz="1600" i="1" dirty="0">
-                <a:solidFill>
-                  <a:srgbClr val="698F91"/>
-                </a:solidFill>
-                <a:latin typeface="Consolas" panose="020B0609020204030204" pitchFamily="49" charset="0"/>
-                <a:cs typeface="Consolas" panose="020B0609020204030204" pitchFamily="49" charset="0"/>
-              </a:rPr>
-              <a:t># end multiply()</a:t>
-            </a:r>
-          </a:p>
-        </p:txBody>
-      </p:sp>
       <p:pic>
         <p:nvPicPr>
           <p:cNvPr id="7" name="Picture 6" descr="A picture containing dark, gauge&#10;&#10;Description automatically generated">
             <a:extLst>
               <a:ext uri="{FF2B5EF4-FFF2-40B4-BE49-F238E27FC236}">
-                <a16:creationId xmlns:a16="http://schemas.microsoft.com/office/drawing/2014/main" id="{A7F5BC5C-B78E-15E2-48D5-A8E7D2E76AD4}"/>
+                <a16:creationId xmlns:a16="http://schemas.microsoft.com/office/drawing/2014/main" id="{49C8AD2F-E589-606E-1D72-D210295BB040}"/>
               </a:ext>
             </a:extLst>
           </p:cNvPr>
@@ -8384,9 +8383,9 @@
       </p:par>
     </p:tnLst>
     <p:bldLst>
-      <p:bldP spid="5" grpId="0" animBg="1"/>
       <p:bldP spid="2" grpId="0"/>
       <p:bldP spid="3" grpId="0" animBg="1"/>
+      <p:bldP spid="5" grpId="0" animBg="1"/>
     </p:bldLst>
   </p:timing>
 </p:sld>
@@ -8471,12 +8470,54 @@
           </a:p>
         </p:txBody>
       </p:sp>
+      <p:sp>
+        <p:nvSpPr>
+          <p:cNvPr id="6" name="TextBox 5">
+            <a:extLst>
+              <a:ext uri="{FF2B5EF4-FFF2-40B4-BE49-F238E27FC236}">
+                <a16:creationId xmlns:a16="http://schemas.microsoft.com/office/drawing/2014/main" id="{526DFB79-4A76-8D4D-24AD-AF60D9EBA903}"/>
+              </a:ext>
+            </a:extLst>
+          </p:cNvPr>
+          <p:cNvSpPr txBox="1"/>
+          <p:nvPr/>
+        </p:nvSpPr>
+        <p:spPr>
+          <a:xfrm>
+            <a:off x="-116541" y="714367"/>
+            <a:ext cx="3074895" cy="553998"/>
+          </a:xfrm>
+          <a:prstGeom prst="rect">
+            <a:avLst/>
+          </a:prstGeom>
+          <a:noFill/>
+        </p:spPr>
+        <p:txBody>
+          <a:bodyPr wrap="square" rtlCol="0">
+            <a:spAutoFit/>
+          </a:bodyPr>
+          <a:lstStyle/>
+          <a:p>
+            <a:pPr algn="ctr"/>
+            <a:r>
+              <a:rPr lang="en-US" sz="3000" dirty="0">
+                <a:solidFill>
+                  <a:schemeClr val="bg1"/>
+                </a:solidFill>
+                <a:latin typeface="Avenir Medium" panose="02000503020000020003" pitchFamily="2" charset="0"/>
+                <a:cs typeface="Futura Medium" panose="020B0602020204020303" pitchFamily="34" charset="-79"/>
+              </a:rPr>
+              <a:t>Exercise</a:t>
+            </a:r>
+          </a:p>
+        </p:txBody>
+      </p:sp>
       <p:grpSp>
         <p:nvGrpSpPr>
-          <p:cNvPr id="2" name="Group 1">
-            <a:extLst>
-              <a:ext uri="{FF2B5EF4-FFF2-40B4-BE49-F238E27FC236}">
-                <a16:creationId xmlns:a16="http://schemas.microsoft.com/office/drawing/2014/main" id="{0CC8A287-66D4-BA43-7522-9BEAF0FFF509}"/>
+          <p:cNvPr id="3" name="Group 2">
+            <a:extLst>
+              <a:ext uri="{FF2B5EF4-FFF2-40B4-BE49-F238E27FC236}">
+                <a16:creationId xmlns:a16="http://schemas.microsoft.com/office/drawing/2014/main" id="{D0F036F9-E9EB-3D60-ECFA-F044AD7E7A9B}"/>
               </a:ext>
             </a:extLst>
           </p:cNvPr>
@@ -8493,10 +8534,10 @@
         </p:grpSpPr>
         <p:sp>
           <p:nvSpPr>
-            <p:cNvPr id="5" name="Pentagon 4">
+            <p:cNvPr id="8" name="Pentagon 7">
               <a:extLst>
                 <a:ext uri="{FF2B5EF4-FFF2-40B4-BE49-F238E27FC236}">
-                  <a16:creationId xmlns:a16="http://schemas.microsoft.com/office/drawing/2014/main" id="{560BE491-E8A9-839A-186C-38B50FF61CC2}"/>
+                  <a16:creationId xmlns:a16="http://schemas.microsoft.com/office/drawing/2014/main" id="{3D11DA76-C67D-59DB-D6EF-33B0D17A4DF5}"/>
                 </a:ext>
               </a:extLst>
             </p:cNvPr>
@@ -8512,10 +8553,12 @@
               <a:avLst/>
             </a:prstGeom>
             <a:solidFill>
-              <a:srgbClr val="6D6CCA"/>
+              <a:srgbClr val="5A5AA8"/>
             </a:solidFill>
-            <a:ln w="44450">
-              <a:noFill/>
+            <a:ln w="6350">
+              <a:solidFill>
+                <a:schemeClr val="tx1"/>
+              </a:solidFill>
             </a:ln>
             <a:effectLst/>
           </p:spPr>
@@ -8546,10 +8589,10 @@
         </p:sp>
         <p:sp>
           <p:nvSpPr>
-            <p:cNvPr id="6" name="TextBox 5">
+            <p:cNvPr id="9" name="TextBox 8">
               <a:extLst>
                 <a:ext uri="{FF2B5EF4-FFF2-40B4-BE49-F238E27FC236}">
-                  <a16:creationId xmlns:a16="http://schemas.microsoft.com/office/drawing/2014/main" id="{526DFB79-4A76-8D4D-24AD-AF60D9EBA903}"/>
+                  <a16:creationId xmlns:a16="http://schemas.microsoft.com/office/drawing/2014/main" id="{6899920E-2FA2-78B4-8562-A076034038D7}"/>
                 </a:ext>
               </a:extLst>
             </p:cNvPr>
@@ -8589,10 +8632,10 @@
       </p:grpSp>
       <p:pic>
         <p:nvPicPr>
-          <p:cNvPr id="8" name="Picture 7" descr="A picture containing dark, gauge&#10;&#10;Description automatically generated">
-            <a:extLst>
-              <a:ext uri="{FF2B5EF4-FFF2-40B4-BE49-F238E27FC236}">
-                <a16:creationId xmlns:a16="http://schemas.microsoft.com/office/drawing/2014/main" id="{3388D10A-F9A1-60B9-508B-224EE3E1FD86}"/>
+          <p:cNvPr id="10" name="Picture 9" descr="A picture containing dark, gauge&#10;&#10;Description automatically generated">
+            <a:extLst>
+              <a:ext uri="{FF2B5EF4-FFF2-40B4-BE49-F238E27FC236}">
+                <a16:creationId xmlns:a16="http://schemas.microsoft.com/office/drawing/2014/main" id="{2BE5B1F9-E767-04E2-D406-B8269E6F0E29}"/>
               </a:ext>
             </a:extLst>
           </p:cNvPr>
@@ -8770,10 +8813,7 @@
             <a:r>
               <a:rPr lang="en-US" b="1" dirty="0">
                 <a:solidFill>
-                  <a:schemeClr val="tx1">
-                    <a:lumMod val="65000"/>
-                    <a:lumOff val="35000"/>
-                  </a:schemeClr>
+                  <a:srgbClr val="30335D"/>
                 </a:solidFill>
                 <a:latin typeface="Avenir Heavy" panose="02000503020000020003" pitchFamily="2" charset="0"/>
               </a:rPr>
@@ -8784,10 +8824,10 @@
       </p:sp>
       <p:pic>
         <p:nvPicPr>
-          <p:cNvPr id="8" name="Picture 7" descr="A picture containing dark, gauge&#10;&#10;Description automatically generated">
-            <a:extLst>
-              <a:ext uri="{FF2B5EF4-FFF2-40B4-BE49-F238E27FC236}">
-                <a16:creationId xmlns:a16="http://schemas.microsoft.com/office/drawing/2014/main" id="{66EFFAE8-F5FE-9789-F7F5-D1FE8BC80D2C}"/>
+          <p:cNvPr id="7" name="Graphic 6" descr="Repeat with solid fill">
+            <a:extLst>
+              <a:ext uri="{FF2B5EF4-FFF2-40B4-BE49-F238E27FC236}">
+                <a16:creationId xmlns:a16="http://schemas.microsoft.com/office/drawing/2014/main" id="{4940B1E0-0CE0-550E-DED9-62715005FC42}"/>
               </a:ext>
             </a:extLst>
           </p:cNvPr>
@@ -8799,15 +8839,48 @@
         <p:blipFill>
           <a:blip r:embed="rId3">
             <a:extLst>
-              <a:ext uri="{BEBA8EAE-BF5A-486C-A8C5-ECC9F3942E4B}">
-                <a14:imgProps xmlns:a14="http://schemas.microsoft.com/office/drawing/2010/main">
-                  <a14:imgLayer r:embed="rId4">
-                    <a14:imgEffect>
-                      <a14:brightnessContrast bright="20000" contrast="40000"/>
-                    </a14:imgEffect>
-                  </a14:imgLayer>
-                </a14:imgProps>
-              </a:ext>
+              <a:ext uri="{28A0092B-C50C-407E-A947-70E740481C1C}">
+                <a14:useLocalDpi xmlns:a14="http://schemas.microsoft.com/office/drawing/2010/main" val="0"/>
+              </a:ext>
+              <a:ext uri="{96DAC541-7B7A-43D3-8B79-37D633B846F1}">
+                <asvg:svgBlip xmlns:asvg="http://schemas.microsoft.com/office/drawing/2016/SVG/main" r:embed="rId4"/>
+              </a:ext>
+            </a:extLst>
+          </a:blip>
+          <a:stretch>
+            <a:fillRect/>
+          </a:stretch>
+        </p:blipFill>
+        <p:spPr>
+          <a:xfrm rot="20015256">
+            <a:off x="3896904" y="1364961"/>
+            <a:ext cx="4128076" cy="4128076"/>
+          </a:xfrm>
+          <a:prstGeom prst="rect">
+            <a:avLst/>
+          </a:prstGeom>
+          <a:effectLst>
+            <a:reflection blurRad="6350" stA="52000" endA="300" endPos="35000" dir="5400000" sy="-100000" algn="bl" rotWithShape="0"/>
+          </a:effectLst>
+        </p:spPr>
+      </p:pic>
+      <p:pic>
+        <p:nvPicPr>
+          <p:cNvPr id="5" name="Picture 4" descr="A picture containing dark, gauge&#10;&#10;Description automatically generated">
+            <a:extLst>
+              <a:ext uri="{FF2B5EF4-FFF2-40B4-BE49-F238E27FC236}">
+                <a16:creationId xmlns:a16="http://schemas.microsoft.com/office/drawing/2014/main" id="{F7115C99-330F-0BB0-C69E-EF160FA2379E}"/>
+              </a:ext>
+            </a:extLst>
+          </p:cNvPr>
+          <p:cNvPicPr>
+            <a:picLocks noChangeAspect="1"/>
+          </p:cNvPicPr>
+          <p:nvPr/>
+        </p:nvPicPr>
+        <p:blipFill>
+          <a:blip r:embed="rId5">
+            <a:extLst>
               <a:ext uri="{28A0092B-C50C-407E-A947-70E740481C1C}">
                 <a14:useLocalDpi xmlns:a14="http://schemas.microsoft.com/office/drawing/2010/main" val="0"/>
               </a:ext>
@@ -8819,69 +8892,12 @@
         </p:blipFill>
         <p:spPr>
           <a:xfrm>
-            <a:off x="11378037" y="6031948"/>
+            <a:off x="11378037" y="6045200"/>
             <a:ext cx="800100" cy="812800"/>
           </a:xfrm>
           <a:prstGeom prst="rect">
             <a:avLst/>
           </a:prstGeom>
-        </p:spPr>
-      </p:pic>
-      <p:pic>
-        <p:nvPicPr>
-          <p:cNvPr id="5" name="Picture 4" descr="Blue Arrow PNG Images, Free Transparent Blue Arrow Download - KindPNG">
-            <a:extLst>
-              <a:ext uri="{FF2B5EF4-FFF2-40B4-BE49-F238E27FC236}">
-                <a16:creationId xmlns:a16="http://schemas.microsoft.com/office/drawing/2014/main" id="{8FC3771E-9FC5-6240-90D4-3F1DC5C7C475}"/>
-              </a:ext>
-            </a:extLst>
-          </p:cNvPr>
-          <p:cNvPicPr>
-            <a:picLocks noChangeAspect="1" noChangeArrowheads="1"/>
-          </p:cNvPicPr>
-          <p:nvPr/>
-        </p:nvPicPr>
-        <p:blipFill>
-          <a:blip r:embed="rId5">
-            <a:clrChange>
-              <a:clrFrom>
-                <a:srgbClr val="F6F6F6"/>
-              </a:clrFrom>
-              <a:clrTo>
-                <a:srgbClr val="F6F6F6">
-                  <a:alpha val="0"/>
-                </a:srgbClr>
-              </a:clrTo>
-            </a:clrChange>
-            <a:extLst>
-              <a:ext uri="{28A0092B-C50C-407E-A947-70E740481C1C}">
-                <a14:useLocalDpi xmlns:a14="http://schemas.microsoft.com/office/drawing/2010/main" val="0"/>
-              </a:ext>
-            </a:extLst>
-          </a:blip>
-          <a:srcRect/>
-          <a:stretch>
-            <a:fillRect/>
-          </a:stretch>
-        </p:blipFill>
-        <p:spPr bwMode="auto">
-          <a:xfrm>
-            <a:off x="4418597" y="2113092"/>
-            <a:ext cx="3354805" cy="3354805"/>
-          </a:xfrm>
-          <a:prstGeom prst="rect">
-            <a:avLst/>
-          </a:prstGeom>
-          <a:noFill/>
-          <a:extLst>
-            <a:ext uri="{909E8E84-426E-40DD-AFC4-6F175D3DCCD1}">
-              <a14:hiddenFill xmlns:a14="http://schemas.microsoft.com/office/drawing/2010/main">
-                <a:solidFill>
-                  <a:srgbClr val="FFFFFF"/>
-                </a:solidFill>
-              </a14:hiddenFill>
-            </a:ext>
-          </a:extLst>
         </p:spPr>
       </p:pic>
     </p:spTree>
@@ -9029,636 +9045,12 @@
           </a:p>
         </p:txBody>
       </p:sp>
-      <p:sp>
-        <p:nvSpPr>
-          <p:cNvPr id="2" name="TextBox 1">
-            <a:extLst>
-              <a:ext uri="{FF2B5EF4-FFF2-40B4-BE49-F238E27FC236}">
-                <a16:creationId xmlns:a16="http://schemas.microsoft.com/office/drawing/2014/main" id="{71173FB2-C364-41E7-F052-9AF668132589}"/>
-              </a:ext>
-            </a:extLst>
-          </p:cNvPr>
-          <p:cNvSpPr txBox="1"/>
-          <p:nvPr/>
-        </p:nvSpPr>
-        <p:spPr>
-          <a:xfrm>
-            <a:off x="8053574" y="2707574"/>
-            <a:ext cx="1900051" cy="461665"/>
-          </a:xfrm>
-          <a:prstGeom prst="rect">
-            <a:avLst/>
-          </a:prstGeom>
-          <a:solidFill>
-            <a:schemeClr val="bg1"/>
-          </a:solidFill>
-        </p:spPr>
-        <p:txBody>
-          <a:bodyPr wrap="square" rtlCol="0">
-            <a:spAutoFit/>
-          </a:bodyPr>
-          <a:lstStyle/>
-          <a:p>
-            <a:r>
-              <a:rPr lang="en-US" sz="2400" b="1" dirty="0">
-                <a:solidFill>
-                  <a:srgbClr val="5EBB78"/>
-                </a:solidFill>
-                <a:latin typeface="Avenir Black" panose="02000503020000020003" pitchFamily="2" charset="0"/>
-              </a:rPr>
-              <a:t>Attributes</a:t>
-            </a:r>
-          </a:p>
-        </p:txBody>
-      </p:sp>
-      <p:sp>
-        <p:nvSpPr>
-          <p:cNvPr id="3" name="TextBox 2">
-            <a:extLst>
-              <a:ext uri="{FF2B5EF4-FFF2-40B4-BE49-F238E27FC236}">
-                <a16:creationId xmlns:a16="http://schemas.microsoft.com/office/drawing/2014/main" id="{87BC6C80-2B1F-8072-2312-8383B1C0F8EE}"/>
-              </a:ext>
-            </a:extLst>
-          </p:cNvPr>
-          <p:cNvSpPr txBox="1"/>
-          <p:nvPr/>
-        </p:nvSpPr>
-        <p:spPr>
-          <a:xfrm>
-            <a:off x="8346375" y="4151646"/>
-            <a:ext cx="1900051" cy="461665"/>
-          </a:xfrm>
-          <a:prstGeom prst="rect">
-            <a:avLst/>
-          </a:prstGeom>
-          <a:solidFill>
-            <a:schemeClr val="bg1"/>
-          </a:solidFill>
-        </p:spPr>
-        <p:txBody>
-          <a:bodyPr wrap="square" rtlCol="0">
-            <a:spAutoFit/>
-          </a:bodyPr>
-          <a:lstStyle/>
-          <a:p>
-            <a:r>
-              <a:rPr lang="en-US" sz="2400" b="1" dirty="0">
-                <a:solidFill>
-                  <a:srgbClr val="5EBB78"/>
-                </a:solidFill>
-                <a:latin typeface="Avenir Black" panose="02000503020000020003" pitchFamily="2" charset="0"/>
-              </a:rPr>
-              <a:t>Methods</a:t>
-            </a:r>
-          </a:p>
-        </p:txBody>
-      </p:sp>
-      <p:sp>
-        <p:nvSpPr>
-          <p:cNvPr id="4" name="TextBox 3">
-            <a:extLst>
-              <a:ext uri="{FF2B5EF4-FFF2-40B4-BE49-F238E27FC236}">
-                <a16:creationId xmlns:a16="http://schemas.microsoft.com/office/drawing/2014/main" id="{3B7DA52B-05E9-588C-C077-5D08D14E7F34}"/>
-              </a:ext>
-            </a:extLst>
-          </p:cNvPr>
-          <p:cNvSpPr txBox="1"/>
-          <p:nvPr/>
-        </p:nvSpPr>
-        <p:spPr>
-          <a:xfrm>
-            <a:off x="3123210" y="1611751"/>
-            <a:ext cx="1717962" cy="461665"/>
-          </a:xfrm>
-          <a:prstGeom prst="rect">
-            <a:avLst/>
-          </a:prstGeom>
-          <a:solidFill>
-            <a:schemeClr val="bg1"/>
-          </a:solidFill>
-        </p:spPr>
-        <p:txBody>
-          <a:bodyPr wrap="square" rtlCol="0">
-            <a:spAutoFit/>
-          </a:bodyPr>
-          <a:lstStyle/>
-          <a:p>
-            <a:r>
-              <a:rPr lang="en-US" sz="2400" b="1" dirty="0">
-                <a:solidFill>
-                  <a:srgbClr val="5EBB78"/>
-                </a:solidFill>
-                <a:latin typeface="Avenir Black" panose="02000503020000020003" pitchFamily="2" charset="0"/>
-              </a:rPr>
-              <a:t>Class</a:t>
-            </a:r>
-          </a:p>
-        </p:txBody>
-      </p:sp>
-      <p:sp>
-        <p:nvSpPr>
-          <p:cNvPr id="6" name="TextBox 5">
-            <a:extLst>
-              <a:ext uri="{FF2B5EF4-FFF2-40B4-BE49-F238E27FC236}">
-                <a16:creationId xmlns:a16="http://schemas.microsoft.com/office/drawing/2014/main" id="{0CBA5936-902D-6CF6-3925-A508B5B002A8}"/>
-              </a:ext>
-            </a:extLst>
-          </p:cNvPr>
-          <p:cNvSpPr txBox="1"/>
-          <p:nvPr/>
-        </p:nvSpPr>
-        <p:spPr>
-          <a:xfrm>
-            <a:off x="3323112" y="4844188"/>
-            <a:ext cx="1553686" cy="461665"/>
-          </a:xfrm>
-          <a:prstGeom prst="rect">
-            <a:avLst/>
-          </a:prstGeom>
-          <a:solidFill>
-            <a:schemeClr val="bg1"/>
-          </a:solidFill>
-        </p:spPr>
-        <p:txBody>
-          <a:bodyPr wrap="square" rtlCol="0">
-            <a:spAutoFit/>
-          </a:bodyPr>
-          <a:lstStyle/>
-          <a:p>
-            <a:r>
-              <a:rPr lang="en-US" sz="2400" b="1" dirty="0">
-                <a:solidFill>
-                  <a:srgbClr val="5EBB78"/>
-                </a:solidFill>
-                <a:latin typeface="Avenir Black" panose="02000503020000020003" pitchFamily="2" charset="0"/>
-              </a:rPr>
-              <a:t>Object</a:t>
-            </a:r>
-          </a:p>
-        </p:txBody>
-      </p:sp>
-      <p:sp>
-        <p:nvSpPr>
-          <p:cNvPr id="10" name="Rectangle 9">
-            <a:extLst>
-              <a:ext uri="{FF2B5EF4-FFF2-40B4-BE49-F238E27FC236}">
-                <a16:creationId xmlns:a16="http://schemas.microsoft.com/office/drawing/2014/main" id="{D12F0193-6F60-DE44-B69D-3EF04524479A}"/>
-              </a:ext>
-            </a:extLst>
-          </p:cNvPr>
-          <p:cNvSpPr/>
-          <p:nvPr/>
-        </p:nvSpPr>
-        <p:spPr>
-          <a:xfrm>
-            <a:off x="3679546" y="3879342"/>
-            <a:ext cx="380390" cy="767825"/>
-          </a:xfrm>
-          <a:prstGeom prst="rect">
-            <a:avLst/>
-          </a:prstGeom>
-          <a:solidFill>
-            <a:schemeClr val="bg1"/>
-          </a:solidFill>
-          <a:ln>
-            <a:noFill/>
-          </a:ln>
-        </p:spPr>
-        <p:style>
-          <a:lnRef idx="2">
-            <a:schemeClr val="accent1">
-              <a:shade val="50000"/>
-            </a:schemeClr>
-          </a:lnRef>
-          <a:fillRef idx="1">
-            <a:schemeClr val="accent1"/>
-          </a:fillRef>
-          <a:effectRef idx="0">
-            <a:schemeClr val="accent1"/>
-          </a:effectRef>
-          <a:fontRef idx="minor">
-            <a:schemeClr val="lt1"/>
-          </a:fontRef>
-        </p:style>
-        <p:txBody>
-          <a:bodyPr rtlCol="0" anchor="ctr"/>
-          <a:lstStyle/>
-          <a:p>
-            <a:pPr algn="ctr"/>
-            <a:endParaRPr lang="en-US"/>
-          </a:p>
-        </p:txBody>
-      </p:sp>
-      <p:cxnSp>
-        <p:nvCxnSpPr>
-          <p:cNvPr id="8" name="Straight Arrow Connector 7">
-            <a:extLst>
-              <a:ext uri="{FF2B5EF4-FFF2-40B4-BE49-F238E27FC236}">
-                <a16:creationId xmlns:a16="http://schemas.microsoft.com/office/drawing/2014/main" id="{71CAB373-C399-6279-E3B1-3B40696DF9EF}"/>
-              </a:ext>
-            </a:extLst>
-          </p:cNvPr>
-          <p:cNvCxnSpPr>
-            <a:cxnSpLocks/>
-          </p:cNvCxnSpPr>
-          <p:nvPr/>
-        </p:nvCxnSpPr>
-        <p:spPr>
-          <a:xfrm flipH="1" flipV="1">
-            <a:off x="3789274" y="3994099"/>
-            <a:ext cx="80467" cy="780703"/>
-          </a:xfrm>
-          <a:prstGeom prst="straightConnector1">
-            <a:avLst/>
-          </a:prstGeom>
-          <a:ln w="101600" cap="rnd">
-            <a:solidFill>
-              <a:srgbClr val="5EBB78"/>
-            </a:solidFill>
-            <a:tailEnd type="triangle"/>
-          </a:ln>
-        </p:spPr>
-        <p:style>
-          <a:lnRef idx="1">
-            <a:schemeClr val="accent1"/>
-          </a:lnRef>
-          <a:fillRef idx="0">
-            <a:schemeClr val="accent1"/>
-          </a:fillRef>
-          <a:effectRef idx="0">
-            <a:schemeClr val="accent1"/>
-          </a:effectRef>
-          <a:fontRef idx="minor">
-            <a:schemeClr val="tx1"/>
-          </a:fontRef>
-        </p:style>
-      </p:cxnSp>
-      <p:cxnSp>
-        <p:nvCxnSpPr>
-          <p:cNvPr id="13" name="Straight Arrow Connector 12">
-            <a:extLst>
-              <a:ext uri="{FF2B5EF4-FFF2-40B4-BE49-F238E27FC236}">
-                <a16:creationId xmlns:a16="http://schemas.microsoft.com/office/drawing/2014/main" id="{EC7D8FE8-94E0-77F2-435D-5401038A9125}"/>
-              </a:ext>
-            </a:extLst>
-          </p:cNvPr>
-          <p:cNvCxnSpPr>
-            <a:cxnSpLocks/>
-          </p:cNvCxnSpPr>
-          <p:nvPr/>
-        </p:nvCxnSpPr>
-        <p:spPr>
-          <a:xfrm>
-            <a:off x="4099955" y="1842583"/>
-            <a:ext cx="741217" cy="86578"/>
-          </a:xfrm>
-          <a:prstGeom prst="straightConnector1">
-            <a:avLst/>
-          </a:prstGeom>
-          <a:ln w="101600" cap="rnd">
-            <a:solidFill>
-              <a:srgbClr val="5EBB78"/>
-            </a:solidFill>
-            <a:tailEnd type="triangle"/>
-          </a:ln>
-        </p:spPr>
-        <p:style>
-          <a:lnRef idx="1">
-            <a:schemeClr val="accent1"/>
-          </a:lnRef>
-          <a:fillRef idx="0">
-            <a:schemeClr val="accent1"/>
-          </a:fillRef>
-          <a:effectRef idx="0">
-            <a:schemeClr val="accent1"/>
-          </a:effectRef>
-          <a:fontRef idx="minor">
-            <a:schemeClr val="tx1"/>
-          </a:fontRef>
-        </p:style>
-      </p:cxnSp>
-      <p:sp>
-        <p:nvSpPr>
-          <p:cNvPr id="26" name="Rectangle 25">
-            <a:extLst>
-              <a:ext uri="{FF2B5EF4-FFF2-40B4-BE49-F238E27FC236}">
-                <a16:creationId xmlns:a16="http://schemas.microsoft.com/office/drawing/2014/main" id="{B7DB4681-30BC-7631-77A8-5051FE716D58}"/>
-              </a:ext>
-            </a:extLst>
-          </p:cNvPr>
-          <p:cNvSpPr/>
-          <p:nvPr/>
-        </p:nvSpPr>
-        <p:spPr>
-          <a:xfrm>
-            <a:off x="7594636" y="2382880"/>
-            <a:ext cx="506224" cy="2565638"/>
-          </a:xfrm>
-          <a:prstGeom prst="rect">
-            <a:avLst/>
-          </a:prstGeom>
-          <a:solidFill>
-            <a:schemeClr val="bg1"/>
-          </a:solidFill>
-          <a:ln>
-            <a:noFill/>
-          </a:ln>
-        </p:spPr>
-        <p:style>
-          <a:lnRef idx="2">
-            <a:schemeClr val="accent1">
-              <a:shade val="50000"/>
-            </a:schemeClr>
-          </a:lnRef>
-          <a:fillRef idx="1">
-            <a:schemeClr val="accent1"/>
-          </a:fillRef>
-          <a:effectRef idx="0">
-            <a:schemeClr val="accent1"/>
-          </a:effectRef>
-          <a:fontRef idx="minor">
-            <a:schemeClr val="lt1"/>
-          </a:fontRef>
-        </p:style>
-        <p:txBody>
-          <a:bodyPr rtlCol="0" anchor="ctr"/>
-          <a:lstStyle/>
-          <a:p>
-            <a:pPr algn="ctr"/>
-            <a:endParaRPr lang="en-US"/>
-          </a:p>
-        </p:txBody>
-      </p:sp>
-      <p:cxnSp>
-        <p:nvCxnSpPr>
-          <p:cNvPr id="16" name="Straight Arrow Connector 15">
-            <a:extLst>
-              <a:ext uri="{FF2B5EF4-FFF2-40B4-BE49-F238E27FC236}">
-                <a16:creationId xmlns:a16="http://schemas.microsoft.com/office/drawing/2014/main" id="{DF5A80FF-03E1-09B2-3787-F8F8A45F8850}"/>
-              </a:ext>
-            </a:extLst>
-          </p:cNvPr>
-          <p:cNvCxnSpPr>
-            <a:cxnSpLocks/>
-          </p:cNvCxnSpPr>
-          <p:nvPr/>
-        </p:nvCxnSpPr>
-        <p:spPr>
-          <a:xfrm flipH="1" flipV="1">
-            <a:off x="7594636" y="2434829"/>
-            <a:ext cx="491306" cy="256561"/>
-          </a:xfrm>
-          <a:prstGeom prst="straightConnector1">
-            <a:avLst/>
-          </a:prstGeom>
-          <a:ln w="82550" cap="rnd">
-            <a:solidFill>
-              <a:srgbClr val="5EBB78"/>
-            </a:solidFill>
-            <a:tailEnd type="triangle"/>
-          </a:ln>
-        </p:spPr>
-        <p:style>
-          <a:lnRef idx="1">
-            <a:schemeClr val="accent1"/>
-          </a:lnRef>
-          <a:fillRef idx="0">
-            <a:schemeClr val="accent1"/>
-          </a:fillRef>
-          <a:effectRef idx="0">
-            <a:schemeClr val="accent1"/>
-          </a:effectRef>
-          <a:fontRef idx="minor">
-            <a:schemeClr val="tx1"/>
-          </a:fontRef>
-        </p:style>
-      </p:cxnSp>
-      <p:cxnSp>
-        <p:nvCxnSpPr>
-          <p:cNvPr id="19" name="Straight Arrow Connector 18">
-            <a:extLst>
-              <a:ext uri="{FF2B5EF4-FFF2-40B4-BE49-F238E27FC236}">
-                <a16:creationId xmlns:a16="http://schemas.microsoft.com/office/drawing/2014/main" id="{1EDBC4FC-E2F9-9E9B-13E4-1F09496F6B22}"/>
-              </a:ext>
-            </a:extLst>
-          </p:cNvPr>
-          <p:cNvCxnSpPr>
-            <a:cxnSpLocks/>
-          </p:cNvCxnSpPr>
-          <p:nvPr/>
-        </p:nvCxnSpPr>
-        <p:spPr>
-          <a:xfrm flipH="1">
-            <a:off x="7594636" y="2922222"/>
-            <a:ext cx="444020" cy="0"/>
-          </a:xfrm>
-          <a:prstGeom prst="straightConnector1">
-            <a:avLst/>
-          </a:prstGeom>
-          <a:ln w="82550" cap="rnd">
-            <a:solidFill>
-              <a:srgbClr val="5EBB78"/>
-            </a:solidFill>
-            <a:tailEnd type="triangle"/>
-          </a:ln>
-        </p:spPr>
-        <p:style>
-          <a:lnRef idx="1">
-            <a:schemeClr val="accent1"/>
-          </a:lnRef>
-          <a:fillRef idx="0">
-            <a:schemeClr val="accent1"/>
-          </a:fillRef>
-          <a:effectRef idx="0">
-            <a:schemeClr val="accent1"/>
-          </a:effectRef>
-          <a:fontRef idx="minor">
-            <a:schemeClr val="tx1"/>
-          </a:fontRef>
-        </p:style>
-      </p:cxnSp>
-      <p:cxnSp>
-        <p:nvCxnSpPr>
-          <p:cNvPr id="21" name="Straight Arrow Connector 20">
-            <a:extLst>
-              <a:ext uri="{FF2B5EF4-FFF2-40B4-BE49-F238E27FC236}">
-                <a16:creationId xmlns:a16="http://schemas.microsoft.com/office/drawing/2014/main" id="{A76F4335-F87A-E57C-1BAF-A8BCE40F55C1}"/>
-              </a:ext>
-            </a:extLst>
-          </p:cNvPr>
-          <p:cNvCxnSpPr>
-            <a:cxnSpLocks/>
-          </p:cNvCxnSpPr>
-          <p:nvPr/>
-        </p:nvCxnSpPr>
-        <p:spPr>
-          <a:xfrm flipH="1">
-            <a:off x="7638881" y="3120335"/>
-            <a:ext cx="407234" cy="276297"/>
-          </a:xfrm>
-          <a:prstGeom prst="straightConnector1">
-            <a:avLst/>
-          </a:prstGeom>
-          <a:ln w="82550" cap="rnd">
-            <a:solidFill>
-              <a:srgbClr val="5EBB78"/>
-            </a:solidFill>
-            <a:tailEnd type="triangle"/>
-          </a:ln>
-        </p:spPr>
-        <p:style>
-          <a:lnRef idx="1">
-            <a:schemeClr val="accent1"/>
-          </a:lnRef>
-          <a:fillRef idx="0">
-            <a:schemeClr val="accent1"/>
-          </a:fillRef>
-          <a:effectRef idx="0">
-            <a:schemeClr val="accent1"/>
-          </a:effectRef>
-          <a:fontRef idx="minor">
-            <a:schemeClr val="tx1"/>
-          </a:fontRef>
-        </p:style>
-      </p:cxnSp>
-      <p:cxnSp>
-        <p:nvCxnSpPr>
-          <p:cNvPr id="23" name="Straight Arrow Connector 22">
-            <a:extLst>
-              <a:ext uri="{FF2B5EF4-FFF2-40B4-BE49-F238E27FC236}">
-                <a16:creationId xmlns:a16="http://schemas.microsoft.com/office/drawing/2014/main" id="{AA66E497-34CF-BEBB-32EA-77CDE6BA3FEB}"/>
-              </a:ext>
-            </a:extLst>
-          </p:cNvPr>
-          <p:cNvCxnSpPr>
-            <a:cxnSpLocks/>
-          </p:cNvCxnSpPr>
-          <p:nvPr/>
-        </p:nvCxnSpPr>
-        <p:spPr>
-          <a:xfrm flipH="1" flipV="1">
-            <a:off x="7594636" y="3882114"/>
-            <a:ext cx="491306" cy="256561"/>
-          </a:xfrm>
-          <a:prstGeom prst="straightConnector1">
-            <a:avLst/>
-          </a:prstGeom>
-          <a:ln w="82550" cap="rnd">
-            <a:solidFill>
-              <a:srgbClr val="5EBB78"/>
-            </a:solidFill>
-            <a:tailEnd type="triangle"/>
-          </a:ln>
-        </p:spPr>
-        <p:style>
-          <a:lnRef idx="1">
-            <a:schemeClr val="accent1"/>
-          </a:lnRef>
-          <a:fillRef idx="0">
-            <a:schemeClr val="accent1"/>
-          </a:fillRef>
-          <a:effectRef idx="0">
-            <a:schemeClr val="accent1"/>
-          </a:effectRef>
-          <a:fontRef idx="minor">
-            <a:schemeClr val="tx1"/>
-          </a:fontRef>
-        </p:style>
-      </p:cxnSp>
-      <p:cxnSp>
-        <p:nvCxnSpPr>
-          <p:cNvPr id="24" name="Straight Arrow Connector 23">
-            <a:extLst>
-              <a:ext uri="{FF2B5EF4-FFF2-40B4-BE49-F238E27FC236}">
-                <a16:creationId xmlns:a16="http://schemas.microsoft.com/office/drawing/2014/main" id="{53AC70BA-59E7-6518-F452-822CCDEBB417}"/>
-              </a:ext>
-            </a:extLst>
-          </p:cNvPr>
-          <p:cNvCxnSpPr>
-            <a:cxnSpLocks/>
-          </p:cNvCxnSpPr>
-          <p:nvPr/>
-        </p:nvCxnSpPr>
-        <p:spPr>
-          <a:xfrm flipH="1">
-            <a:off x="7594636" y="4369507"/>
-            <a:ext cx="444020" cy="0"/>
-          </a:xfrm>
-          <a:prstGeom prst="straightConnector1">
-            <a:avLst/>
-          </a:prstGeom>
-          <a:ln w="82550" cap="rnd">
-            <a:solidFill>
-              <a:srgbClr val="5EBB78"/>
-            </a:solidFill>
-            <a:tailEnd type="triangle"/>
-          </a:ln>
-        </p:spPr>
-        <p:style>
-          <a:lnRef idx="1">
-            <a:schemeClr val="accent1"/>
-          </a:lnRef>
-          <a:fillRef idx="0">
-            <a:schemeClr val="accent1"/>
-          </a:fillRef>
-          <a:effectRef idx="0">
-            <a:schemeClr val="accent1"/>
-          </a:effectRef>
-          <a:fontRef idx="minor">
-            <a:schemeClr val="tx1"/>
-          </a:fontRef>
-        </p:style>
-      </p:cxnSp>
-      <p:cxnSp>
-        <p:nvCxnSpPr>
-          <p:cNvPr id="25" name="Straight Arrow Connector 24">
-            <a:extLst>
-              <a:ext uri="{FF2B5EF4-FFF2-40B4-BE49-F238E27FC236}">
-                <a16:creationId xmlns:a16="http://schemas.microsoft.com/office/drawing/2014/main" id="{F0286BAC-47A9-32A7-8F0B-086EF1B10152}"/>
-              </a:ext>
-            </a:extLst>
-          </p:cNvPr>
-          <p:cNvCxnSpPr>
-            <a:cxnSpLocks/>
-          </p:cNvCxnSpPr>
-          <p:nvPr/>
-        </p:nvCxnSpPr>
-        <p:spPr>
-          <a:xfrm flipH="1">
-            <a:off x="7638881" y="4567620"/>
-            <a:ext cx="407234" cy="276297"/>
-          </a:xfrm>
-          <a:prstGeom prst="straightConnector1">
-            <a:avLst/>
-          </a:prstGeom>
-          <a:ln w="82550" cap="rnd">
-            <a:solidFill>
-              <a:srgbClr val="5EBB78"/>
-            </a:solidFill>
-            <a:tailEnd type="triangle"/>
-          </a:ln>
-        </p:spPr>
-        <p:style>
-          <a:lnRef idx="1">
-            <a:schemeClr val="accent1"/>
-          </a:lnRef>
-          <a:fillRef idx="0">
-            <a:schemeClr val="accent1"/>
-          </a:fillRef>
-          <a:effectRef idx="0">
-            <a:schemeClr val="accent1"/>
-          </a:effectRef>
-          <a:fontRef idx="minor">
-            <a:schemeClr val="tx1"/>
-          </a:fontRef>
-        </p:style>
-      </p:cxnSp>
       <p:pic>
         <p:nvPicPr>
-          <p:cNvPr id="27" name="Picture 26" descr="A picture containing dark, gauge&#10;&#10;Description automatically generated">
-            <a:extLst>
-              <a:ext uri="{FF2B5EF4-FFF2-40B4-BE49-F238E27FC236}">
-                <a16:creationId xmlns:a16="http://schemas.microsoft.com/office/drawing/2014/main" id="{87B9CA08-6B59-4E08-094B-C1695054764E}"/>
+          <p:cNvPr id="6" name="Picture 5" descr="A picture containing dark, gauge&#10;&#10;Description automatically generated">
+            <a:extLst>
+              <a:ext uri="{FF2B5EF4-FFF2-40B4-BE49-F238E27FC236}">
+                <a16:creationId xmlns:a16="http://schemas.microsoft.com/office/drawing/2014/main" id="{F9D0A188-A97D-DF1B-FA96-7D019CD5C170}"/>
               </a:ext>
             </a:extLst>
           </p:cNvPr>
@@ -9670,15 +9062,6 @@
         <p:blipFill>
           <a:blip r:embed="rId4">
             <a:extLst>
-              <a:ext uri="{BEBA8EAE-BF5A-486C-A8C5-ECC9F3942E4B}">
-                <a14:imgProps xmlns:a14="http://schemas.microsoft.com/office/drawing/2010/main">
-                  <a14:imgLayer r:embed="rId5">
-                    <a14:imgEffect>
-                      <a14:brightnessContrast bright="20000" contrast="40000"/>
-                    </a14:imgEffect>
-                  </a14:imgLayer>
-                </a14:imgProps>
-              </a:ext>
               <a:ext uri="{28A0092B-C50C-407E-A947-70E740481C1C}">
                 <a14:useLocalDpi xmlns:a14="http://schemas.microsoft.com/office/drawing/2010/main" val="0"/>
               </a:ext>
@@ -9690,7 +9073,7 @@
         </p:blipFill>
         <p:spPr>
           <a:xfrm>
-            <a:off x="11378037" y="6031948"/>
+            <a:off x="11378037" y="6045200"/>
             <a:ext cx="800100" cy="812800"/>
           </a:xfrm>
           <a:prstGeom prst="rect">
@@ -9798,10 +9181,10 @@
       </p:sp>
       <p:pic>
         <p:nvPicPr>
-          <p:cNvPr id="23" name="Picture 22" descr="A picture containing dark, gauge&#10;&#10;Description automatically generated">
-            <a:extLst>
-              <a:ext uri="{FF2B5EF4-FFF2-40B4-BE49-F238E27FC236}">
-                <a16:creationId xmlns:a16="http://schemas.microsoft.com/office/drawing/2014/main" id="{B4A1F0E0-AE0C-26DA-8B71-9B6B59FE9E0D}"/>
+          <p:cNvPr id="2" name="Picture 1">
+            <a:extLst>
+              <a:ext uri="{FF2B5EF4-FFF2-40B4-BE49-F238E27FC236}">
+                <a16:creationId xmlns:a16="http://schemas.microsoft.com/office/drawing/2014/main" id="{C6A4991D-3279-E683-3BA9-4325D79B8300}"/>
               </a:ext>
             </a:extLst>
           </p:cNvPr>
@@ -9811,30 +9194,15 @@
           <p:nvPr/>
         </p:nvPicPr>
         <p:blipFill>
-          <a:blip r:embed="rId3">
-            <a:extLst>
-              <a:ext uri="{BEBA8EAE-BF5A-486C-A8C5-ECC9F3942E4B}">
-                <a14:imgProps xmlns:a14="http://schemas.microsoft.com/office/drawing/2010/main">
-                  <a14:imgLayer r:embed="rId4">
-                    <a14:imgEffect>
-                      <a14:brightnessContrast bright="20000" contrast="40000"/>
-                    </a14:imgEffect>
-                  </a14:imgLayer>
-                </a14:imgProps>
-              </a:ext>
-              <a:ext uri="{28A0092B-C50C-407E-A947-70E740481C1C}">
-                <a14:useLocalDpi xmlns:a14="http://schemas.microsoft.com/office/drawing/2010/main" val="0"/>
-              </a:ext>
-            </a:extLst>
-          </a:blip>
+          <a:blip r:embed="rId3"/>
           <a:stretch>
             <a:fillRect/>
           </a:stretch>
         </p:blipFill>
         <p:spPr>
           <a:xfrm>
-            <a:off x="11378037" y="6031948"/>
-            <a:ext cx="800100" cy="812800"/>
+            <a:off x="3239943" y="930563"/>
+            <a:ext cx="5712114" cy="4569691"/>
           </a:xfrm>
           <a:prstGeom prst="rect">
             <a:avLst/>
@@ -9843,49 +9211,38 @@
       </p:pic>
       <p:pic>
         <p:nvPicPr>
-          <p:cNvPr id="14" name="Picture 2" descr="PHP Inheritance">
-            <a:extLst>
-              <a:ext uri="{FF2B5EF4-FFF2-40B4-BE49-F238E27FC236}">
-                <a16:creationId xmlns:a16="http://schemas.microsoft.com/office/drawing/2014/main" id="{E357B7C1-A70F-9038-B89F-856211EA78E1}"/>
+          <p:cNvPr id="5" name="Picture 4" descr="A picture containing dark, gauge&#10;&#10;Description automatically generated">
+            <a:extLst>
+              <a:ext uri="{FF2B5EF4-FFF2-40B4-BE49-F238E27FC236}">
+                <a16:creationId xmlns:a16="http://schemas.microsoft.com/office/drawing/2014/main" id="{F652B3EB-A3A0-F53E-066E-99238E8F6D92}"/>
               </a:ext>
             </a:extLst>
           </p:cNvPr>
           <p:cNvPicPr>
-            <a:picLocks noChangeAspect="1" noChangeArrowheads="1"/>
+            <a:picLocks noChangeAspect="1"/>
           </p:cNvPicPr>
           <p:nvPr/>
         </p:nvPicPr>
         <p:blipFill>
-          <a:blip r:embed="rId5">
+          <a:blip r:embed="rId4">
             <a:extLst>
               <a:ext uri="{28A0092B-C50C-407E-A947-70E740481C1C}">
                 <a14:useLocalDpi xmlns:a14="http://schemas.microsoft.com/office/drawing/2010/main" val="0"/>
               </a:ext>
             </a:extLst>
           </a:blip>
-          <a:srcRect/>
           <a:stretch>
             <a:fillRect/>
           </a:stretch>
         </p:blipFill>
-        <p:spPr bwMode="auto">
+        <p:spPr>
           <a:xfrm>
-            <a:off x="3381375" y="1257300"/>
-            <a:ext cx="5429250" cy="4343400"/>
+            <a:off x="11378037" y="6045200"/>
+            <a:ext cx="800100" cy="812800"/>
           </a:xfrm>
           <a:prstGeom prst="rect">
             <a:avLst/>
           </a:prstGeom>
-          <a:noFill/>
-          <a:extLst>
-            <a:ext uri="{909E8E84-426E-40DD-AFC4-6F175D3DCCD1}">
-              <a14:hiddenFill xmlns:a14="http://schemas.microsoft.com/office/drawing/2010/main">
-                <a:solidFill>
-                  <a:srgbClr val="FFFFFF"/>
-                </a:solidFill>
-              </a14:hiddenFill>
-            </a:ext>
-          </a:extLst>
         </p:spPr>
       </p:pic>
     </p:spTree>
@@ -9919,7 +9276,7 @@
     <p:bg>
       <p:bgPr>
         <a:solidFill>
-          <a:srgbClr val="6E61BA"/>
+          <a:srgbClr val="5A5AA8"/>
         </a:solidFill>
         <a:effectLst/>
       </p:bgPr>
@@ -9956,7 +9313,7 @@
         </p:nvSpPr>
         <p:spPr>
           <a:xfrm>
-            <a:off x="838200" y="1003003"/>
+            <a:off x="838200" y="1183112"/>
             <a:ext cx="10515600" cy="5551714"/>
           </a:xfrm>
         </p:spPr>
@@ -10146,25 +9503,23 @@
                 </a:solidFill>
                 <a:latin typeface="Avenir" panose="02000503020000020003" pitchFamily="2" charset="0"/>
               </a:rPr>
-              <a:t>				              </a:t>
-            </a:r>
-          </a:p>
-          <a:p>
-            <a:pPr marL="0" indent="0" algn="ctr">
-              <a:lnSpc>
-                <a:spcPct val="120000"/>
-              </a:lnSpc>
-              <a:buNone/>
-            </a:pPr>
-            <a:r>
-              <a:rPr lang="en-US" sz="2400" dirty="0">
+              <a:t>				                                  </a:t>
+            </a:r>
+            <a:r>
+              <a:rPr lang="en-US" sz="1800" dirty="0">
                 <a:solidFill>
                   <a:schemeClr val="bg1"/>
                 </a:solidFill>
                 <a:latin typeface="Avenir" panose="02000503020000020003" pitchFamily="2" charset="0"/>
               </a:rPr>
-              <a:t>					  		John Zelle</a:t>
-            </a:r>
+              <a:t>John Zelle</a:t>
+            </a:r>
+            <a:endParaRPr lang="en-US" sz="2400" dirty="0">
+              <a:solidFill>
+                <a:schemeClr val="bg1"/>
+              </a:solidFill>
+              <a:latin typeface="Avenir" panose="02000503020000020003" pitchFamily="2" charset="0"/>
+            </a:endParaRPr>
           </a:p>
           <a:p>
             <a:pPr marL="0" indent="0">
@@ -10184,10 +9539,10 @@
       </p:sp>
       <p:pic>
         <p:nvPicPr>
-          <p:cNvPr id="4" name="Picture 3" descr="A picture containing dark, gauge&#10;&#10;Description automatically generated">
-            <a:extLst>
-              <a:ext uri="{FF2B5EF4-FFF2-40B4-BE49-F238E27FC236}">
-                <a16:creationId xmlns:a16="http://schemas.microsoft.com/office/drawing/2014/main" id="{4692A2D3-EE2B-5092-AB65-5C1ADCB6EEA4}"/>
+          <p:cNvPr id="5" name="Picture 4" descr="A picture containing dark, gauge&#10;&#10;Description automatically generated">
+            <a:extLst>
+              <a:ext uri="{FF2B5EF4-FFF2-40B4-BE49-F238E27FC236}">
+                <a16:creationId xmlns:a16="http://schemas.microsoft.com/office/drawing/2014/main" id="{09731AEF-C8DE-26ED-75BD-5EEF5DCBE328}"/>
               </a:ext>
             </a:extLst>
           </p:cNvPr>
@@ -10199,15 +9554,6 @@
         <p:blipFill>
           <a:blip r:embed="rId3">
             <a:extLst>
-              <a:ext uri="{BEBA8EAE-BF5A-486C-A8C5-ECC9F3942E4B}">
-                <a14:imgProps xmlns:a14="http://schemas.microsoft.com/office/drawing/2010/main">
-                  <a14:imgLayer r:embed="rId4">
-                    <a14:imgEffect>
-                      <a14:brightnessContrast bright="20000" contrast="40000"/>
-                    </a14:imgEffect>
-                  </a14:imgLayer>
-                </a14:imgProps>
-              </a:ext>
               <a:ext uri="{28A0092B-C50C-407E-A947-70E740481C1C}">
                 <a14:useLocalDpi xmlns:a14="http://schemas.microsoft.com/office/drawing/2010/main" val="0"/>
               </a:ext>
@@ -10219,7 +9565,7 @@
         </p:blipFill>
         <p:spPr>
           <a:xfrm>
-            <a:off x="11378037" y="6031948"/>
+            <a:off x="11378037" y="6045200"/>
             <a:ext cx="800100" cy="812800"/>
           </a:xfrm>
           <a:prstGeom prst="rect">
@@ -10300,9 +9646,8 @@
             <a:r>
               <a:rPr lang="en-US" sz="3600" b="1" dirty="0">
                 <a:solidFill>
-                  <a:schemeClr val="tx1">
-                    <a:lumMod val="65000"/>
-                    <a:lumOff val="35000"/>
+                  <a:schemeClr val="bg2">
+                    <a:lumMod val="25000"/>
                   </a:schemeClr>
                 </a:solidFill>
                 <a:latin typeface="Avenir Black" panose="02000503020000020003" pitchFamily="2" charset="0"/>
@@ -10312,9 +9657,8 @@
             </a:r>
             <a:endParaRPr lang="en-US" sz="3600" b="1" dirty="0">
               <a:solidFill>
-                <a:schemeClr val="tx1">
-                  <a:lumMod val="65000"/>
-                  <a:lumOff val="35000"/>
+                <a:schemeClr val="bg2">
+                  <a:lumMod val="25000"/>
                 </a:schemeClr>
               </a:solidFill>
               <a:latin typeface="Avenir Black" panose="02000503020000020003" pitchFamily="2" charset="0"/>
@@ -10364,7 +9708,7 @@
             <a:r>
               <a:rPr lang="en-US" sz="2800" u="sng" dirty="0">
                 <a:solidFill>
-                  <a:srgbClr val="5EBB78"/>
+                  <a:srgbClr val="5A5AA8"/>
                 </a:solidFill>
                 <a:latin typeface="Avenir" panose="02000503020000020003" pitchFamily="2" charset="0"/>
                 <a:cs typeface="Futura Medium" panose="020B0602020204020303"/>
@@ -10524,7 +9868,7 @@
         <p:spPr>
           <a:xfrm>
             <a:off x="984504" y="3923592"/>
-            <a:ext cx="10430256" cy="1815882"/>
+            <a:ext cx="10430256" cy="1384995"/>
           </a:xfrm>
           <a:prstGeom prst="rect">
             <a:avLst/>
@@ -10556,7 +9900,7 @@
                 <a:latin typeface="Avenir" panose="02000503020000020003" pitchFamily="2" charset="0"/>
                 <a:cs typeface="Futura Medium" panose="020B0602020204020303"/>
               </a:rPr>
-              <a:t>e.g. </a:t>
+              <a:t>i.e., </a:t>
             </a:r>
             <a:r>
               <a:rPr lang="en-US" sz="2800" dirty="0">
@@ -10717,7 +10061,7 @@
           <p:cNvPr id="15" name="Picture 14" descr="A picture containing dark, gauge&#10;&#10;Description automatically generated">
             <a:extLst>
               <a:ext uri="{FF2B5EF4-FFF2-40B4-BE49-F238E27FC236}">
-                <a16:creationId xmlns:a16="http://schemas.microsoft.com/office/drawing/2014/main" id="{7DE661C6-1282-0617-8149-16EEDB35EADB}"/>
+                <a16:creationId xmlns:a16="http://schemas.microsoft.com/office/drawing/2014/main" id="{C2690AFE-6FD7-643A-6EDE-1B57C956A15B}"/>
               </a:ext>
             </a:extLst>
           </p:cNvPr>
@@ -11058,10 +10402,7 @@
             <a:r>
               <a:rPr lang="en-US" sz="3600" b="1" dirty="0">
                 <a:solidFill>
-                  <a:schemeClr val="tx1">
-                    <a:lumMod val="65000"/>
-                    <a:lumOff val="35000"/>
-                  </a:schemeClr>
+                  <a:srgbClr val="30335D"/>
                 </a:solidFill>
                 <a:latin typeface="Avenir Heavy" panose="02000503020000020003" pitchFamily="2" charset="0"/>
                 <a:cs typeface="Arial" panose="020B0604020202020204" pitchFamily="34" charset="0"/>
@@ -11070,10 +10411,7 @@
             </a:r>
             <a:endParaRPr lang="en-US" sz="3600" b="1" dirty="0">
               <a:solidFill>
-                <a:schemeClr val="tx1">
-                  <a:lumMod val="65000"/>
-                  <a:lumOff val="35000"/>
-                </a:schemeClr>
+                <a:srgbClr val="30335D"/>
               </a:solidFill>
               <a:latin typeface="Avenir Heavy" panose="02000503020000020003" pitchFamily="2" charset="0"/>
             </a:endParaRPr>
@@ -11138,10 +10476,10 @@
       </p:sp>
       <p:grpSp>
         <p:nvGrpSpPr>
-          <p:cNvPr id="31" name="Group 30">
-            <a:extLst>
-              <a:ext uri="{FF2B5EF4-FFF2-40B4-BE49-F238E27FC236}">
-                <a16:creationId xmlns:a16="http://schemas.microsoft.com/office/drawing/2014/main" id="{00470190-8E4E-88C5-EAAA-757592483B62}"/>
+          <p:cNvPr id="2" name="Group 1">
+            <a:extLst>
+              <a:ext uri="{FF2B5EF4-FFF2-40B4-BE49-F238E27FC236}">
+                <a16:creationId xmlns:a16="http://schemas.microsoft.com/office/drawing/2014/main" id="{6C5D0102-34E4-40E9-EE83-8E7179C932E2}"/>
               </a:ext>
             </a:extLst>
           </p:cNvPr>
@@ -11150,7 +10488,7 @@
         </p:nvGrpSpPr>
         <p:grpSpPr>
           <a:xfrm>
-            <a:off x="3288631" y="2743452"/>
+            <a:off x="3498831" y="2743452"/>
             <a:ext cx="5058572" cy="2059386"/>
             <a:chOff x="3498831" y="2743452"/>
             <a:chExt cx="5058572" cy="2059386"/>
@@ -11158,10 +10496,10 @@
         </p:grpSpPr>
         <p:cxnSp>
           <p:nvCxnSpPr>
-            <p:cNvPr id="29" name="Straight Connector 28">
+            <p:cNvPr id="3" name="Straight Connector 2">
               <a:extLst>
                 <a:ext uri="{FF2B5EF4-FFF2-40B4-BE49-F238E27FC236}">
-                  <a16:creationId xmlns:a16="http://schemas.microsoft.com/office/drawing/2014/main" id="{7058919D-B0BE-F74D-FE5C-B0989BFF877B}"/>
+                  <a16:creationId xmlns:a16="http://schemas.microsoft.com/office/drawing/2014/main" id="{EADFB7D8-755D-32DF-799A-CBBEA64D5E2A}"/>
                 </a:ext>
               </a:extLst>
             </p:cNvPr>
@@ -11201,10 +10539,10 @@
         </p:cxnSp>
         <p:cxnSp>
           <p:nvCxnSpPr>
-            <p:cNvPr id="28" name="Straight Connector 27">
+            <p:cNvPr id="4" name="Straight Connector 3">
               <a:extLst>
                 <a:ext uri="{FF2B5EF4-FFF2-40B4-BE49-F238E27FC236}">
-                  <a16:creationId xmlns:a16="http://schemas.microsoft.com/office/drawing/2014/main" id="{3DF63494-0FC0-4D5B-8638-B70E199592BB}"/>
+                  <a16:creationId xmlns:a16="http://schemas.microsoft.com/office/drawing/2014/main" id="{4FEA13FF-09C1-B530-A740-EFF84CDD320A}"/>
                 </a:ext>
               </a:extLst>
             </p:cNvPr>
@@ -11244,10 +10582,10 @@
         </p:cxnSp>
         <p:cxnSp>
           <p:nvCxnSpPr>
-            <p:cNvPr id="26" name="Straight Connector 25">
+            <p:cNvPr id="5" name="Straight Connector 4">
               <a:extLst>
                 <a:ext uri="{FF2B5EF4-FFF2-40B4-BE49-F238E27FC236}">
-                  <a16:creationId xmlns:a16="http://schemas.microsoft.com/office/drawing/2014/main" id="{12C6612B-5B99-113A-B44C-C0D7E037865C}"/>
+                  <a16:creationId xmlns:a16="http://schemas.microsoft.com/office/drawing/2014/main" id="{960D5735-EC15-9F98-BE5D-BBECABA9E89C}"/>
                 </a:ext>
               </a:extLst>
             </p:cNvPr>
@@ -11287,10 +10625,10 @@
         </p:cxnSp>
         <p:sp>
           <p:nvSpPr>
-            <p:cNvPr id="23" name="Left Bracket 22">
+            <p:cNvPr id="8" name="Left Bracket 7">
               <a:extLst>
                 <a:ext uri="{FF2B5EF4-FFF2-40B4-BE49-F238E27FC236}">
-                  <a16:creationId xmlns:a16="http://schemas.microsoft.com/office/drawing/2014/main" id="{9965E8DD-A696-D473-7CBC-D38B0487CD1F}"/>
+                  <a16:creationId xmlns:a16="http://schemas.microsoft.com/office/drawing/2014/main" id="{0DD81E97-7710-8C8F-D943-44CF1829AB35}"/>
                 </a:ext>
               </a:extLst>
             </p:cNvPr>
@@ -11342,10 +10680,10 @@
         </p:sp>
         <p:sp>
           <p:nvSpPr>
-            <p:cNvPr id="24" name="Left Bracket 23">
+            <p:cNvPr id="25" name="Left Bracket 24">
               <a:extLst>
                 <a:ext uri="{FF2B5EF4-FFF2-40B4-BE49-F238E27FC236}">
-                  <a16:creationId xmlns:a16="http://schemas.microsoft.com/office/drawing/2014/main" id="{1672C597-AECD-A9DB-F211-00B0F094832C}"/>
+                  <a16:creationId xmlns:a16="http://schemas.microsoft.com/office/drawing/2014/main" id="{C9D5DF46-BEB2-F226-C8C2-DB5F074C8D08}"/>
                 </a:ext>
               </a:extLst>
             </p:cNvPr>
@@ -11398,10 +10736,10 @@
       </p:grpSp>
       <p:sp>
         <p:nvSpPr>
-          <p:cNvPr id="21" name="Rounded Rectangle 20">
-            <a:extLst>
-              <a:ext uri="{FF2B5EF4-FFF2-40B4-BE49-F238E27FC236}">
-                <a16:creationId xmlns:a16="http://schemas.microsoft.com/office/drawing/2014/main" id="{62B7C2B2-3011-B20A-F7D1-C2C619DBD511}"/>
+          <p:cNvPr id="27" name="Rounded Rectangle 26">
+            <a:extLst>
+              <a:ext uri="{FF2B5EF4-FFF2-40B4-BE49-F238E27FC236}">
+                <a16:creationId xmlns:a16="http://schemas.microsoft.com/office/drawing/2014/main" id="{0B65DC04-2643-90F3-2806-F131EE092525}"/>
               </a:ext>
             </a:extLst>
           </p:cNvPr>
@@ -11410,17 +10748,19 @@
         </p:nvSpPr>
         <p:spPr>
           <a:xfrm>
-            <a:off x="4403790" y="4740625"/>
+            <a:off x="5615170" y="1600153"/>
             <a:ext cx="1769477" cy="1143299"/>
           </a:xfrm>
           <a:prstGeom prst="roundRect">
             <a:avLst/>
           </a:prstGeom>
           <a:solidFill>
-            <a:srgbClr val="5EBB78"/>
+            <a:srgbClr val="DCEBF5"/>
           </a:solidFill>
-          <a:ln>
-            <a:noFill/>
+          <a:ln w="19050">
+            <a:solidFill>
+              <a:srgbClr val="30335D"/>
+            </a:solidFill>
           </a:ln>
         </p:spPr>
         <p:style>
@@ -11448,334 +10788,358 @@
           </a:p>
         </p:txBody>
       </p:sp>
-      <p:sp>
-        <p:nvSpPr>
-          <p:cNvPr id="19" name="Rounded Rectangle 18">
-            <a:extLst>
-              <a:ext uri="{FF2B5EF4-FFF2-40B4-BE49-F238E27FC236}">
-                <a16:creationId xmlns:a16="http://schemas.microsoft.com/office/drawing/2014/main" id="{58EBC787-81BF-D345-36FA-085212240503}"/>
-              </a:ext>
-            </a:extLst>
-          </p:cNvPr>
-          <p:cNvSpPr/>
+      <p:grpSp>
+        <p:nvGrpSpPr>
+          <p:cNvPr id="30" name="Group 29">
+            <a:extLst>
+              <a:ext uri="{FF2B5EF4-FFF2-40B4-BE49-F238E27FC236}">
+                <a16:creationId xmlns:a16="http://schemas.microsoft.com/office/drawing/2014/main" id="{4AB763AB-EB4B-5F4E-3B8B-038574D96E67}"/>
+              </a:ext>
+            </a:extLst>
+          </p:cNvPr>
+          <p:cNvGrpSpPr/>
+          <p:nvPr/>
+        </p:nvGrpSpPr>
+        <p:grpSpPr>
+          <a:xfrm>
+            <a:off x="2646022" y="3187817"/>
+            <a:ext cx="6837019" cy="2725199"/>
+            <a:chOff x="2646022" y="3187817"/>
+            <a:chExt cx="6837019" cy="2725199"/>
+          </a:xfrm>
+          <a:solidFill>
+            <a:srgbClr val="D6EDCF"/>
+          </a:solidFill>
+        </p:grpSpPr>
+        <p:sp>
+          <p:nvSpPr>
+            <p:cNvPr id="33" name="Rounded Rectangle 32">
+              <a:extLst>
+                <a:ext uri="{FF2B5EF4-FFF2-40B4-BE49-F238E27FC236}">
+                  <a16:creationId xmlns:a16="http://schemas.microsoft.com/office/drawing/2014/main" id="{60048279-AC2C-7C94-0692-5CE2C803BF02}"/>
+                </a:ext>
+              </a:extLst>
+            </p:cNvPr>
+            <p:cNvSpPr/>
+            <p:nvPr/>
+          </p:nvSpPr>
+          <p:spPr>
+            <a:xfrm>
+              <a:off x="4613990" y="4740625"/>
+              <a:ext cx="1769477" cy="1143299"/>
+            </a:xfrm>
+            <a:prstGeom prst="roundRect">
+              <a:avLst/>
+            </a:prstGeom>
+            <a:grpFill/>
+            <a:ln w="19050">
+              <a:solidFill>
+                <a:srgbClr val="30335D"/>
+              </a:solidFill>
+            </a:ln>
+          </p:spPr>
+          <p:style>
+            <a:lnRef idx="2">
+              <a:schemeClr val="accent1">
+                <a:shade val="50000"/>
+              </a:schemeClr>
+            </a:lnRef>
+            <a:fillRef idx="1">
+              <a:schemeClr val="accent1"/>
+            </a:fillRef>
+            <a:effectRef idx="0">
+              <a:schemeClr val="accent1"/>
+            </a:effectRef>
+            <a:fontRef idx="minor">
+              <a:schemeClr val="lt1"/>
+            </a:fontRef>
+          </p:style>
+          <p:txBody>
+            <a:bodyPr rtlCol="0" anchor="ctr"/>
+            <a:lstStyle/>
+            <a:p>
+              <a:pPr algn="ctr"/>
+              <a:endParaRPr lang="en-US"/>
+            </a:p>
+          </p:txBody>
+        </p:sp>
+        <p:sp>
+          <p:nvSpPr>
+            <p:cNvPr id="34" name="Rounded Rectangle 33">
+              <a:extLst>
+                <a:ext uri="{FF2B5EF4-FFF2-40B4-BE49-F238E27FC236}">
+                  <a16:creationId xmlns:a16="http://schemas.microsoft.com/office/drawing/2014/main" id="{16F4C18A-EBBF-71DE-F9F8-3D6E91AC6159}"/>
+                </a:ext>
+              </a:extLst>
+            </p:cNvPr>
+            <p:cNvSpPr/>
+            <p:nvPr/>
+          </p:nvSpPr>
+          <p:spPr>
+            <a:xfrm>
+              <a:off x="7713564" y="3187817"/>
+              <a:ext cx="1769477" cy="1143299"/>
+            </a:xfrm>
+            <a:prstGeom prst="roundRect">
+              <a:avLst/>
+            </a:prstGeom>
+            <a:grpFill/>
+            <a:ln w="19050">
+              <a:solidFill>
+                <a:srgbClr val="30335D"/>
+              </a:solidFill>
+            </a:ln>
+          </p:spPr>
+          <p:style>
+            <a:lnRef idx="2">
+              <a:schemeClr val="accent1">
+                <a:shade val="50000"/>
+              </a:schemeClr>
+            </a:lnRef>
+            <a:fillRef idx="1">
+              <a:schemeClr val="accent1"/>
+            </a:fillRef>
+            <a:effectRef idx="0">
+              <a:schemeClr val="accent1"/>
+            </a:effectRef>
+            <a:fontRef idx="minor">
+              <a:schemeClr val="lt1"/>
+            </a:fontRef>
+          </p:style>
+          <p:txBody>
+            <a:bodyPr rtlCol="0" anchor="ctr"/>
+            <a:lstStyle/>
+            <a:p>
+              <a:pPr algn="ctr"/>
+              <a:endParaRPr lang="en-US"/>
+            </a:p>
+          </p:txBody>
+        </p:sp>
+        <p:sp>
+          <p:nvSpPr>
+            <p:cNvPr id="35" name="Rounded Rectangle 34">
+              <a:extLst>
+                <a:ext uri="{FF2B5EF4-FFF2-40B4-BE49-F238E27FC236}">
+                  <a16:creationId xmlns:a16="http://schemas.microsoft.com/office/drawing/2014/main" id="{6E8BC468-DB78-A850-CB8B-5375E89B3AF2}"/>
+                </a:ext>
+              </a:extLst>
+            </p:cNvPr>
+            <p:cNvSpPr/>
+            <p:nvPr/>
+          </p:nvSpPr>
+          <p:spPr>
+            <a:xfrm>
+              <a:off x="2646022" y="4717138"/>
+              <a:ext cx="1769477" cy="1143299"/>
+            </a:xfrm>
+            <a:prstGeom prst="roundRect">
+              <a:avLst/>
+            </a:prstGeom>
+            <a:grpFill/>
+            <a:ln w="19050">
+              <a:solidFill>
+                <a:srgbClr val="30335D"/>
+              </a:solidFill>
+            </a:ln>
+          </p:spPr>
+          <p:style>
+            <a:lnRef idx="2">
+              <a:schemeClr val="accent1">
+                <a:shade val="50000"/>
+              </a:schemeClr>
+            </a:lnRef>
+            <a:fillRef idx="1">
+              <a:schemeClr val="accent1"/>
+            </a:fillRef>
+            <a:effectRef idx="0">
+              <a:schemeClr val="accent1"/>
+            </a:effectRef>
+            <a:fontRef idx="minor">
+              <a:schemeClr val="lt1"/>
+            </a:fontRef>
+          </p:style>
+          <p:txBody>
+            <a:bodyPr rtlCol="0" anchor="ctr"/>
+            <a:lstStyle/>
+            <a:p>
+              <a:pPr algn="ctr"/>
+              <a:endParaRPr lang="en-US"/>
+            </a:p>
+          </p:txBody>
+        </p:sp>
+        <p:sp>
+          <p:nvSpPr>
+            <p:cNvPr id="36" name="Rounded Rectangle 35">
+              <a:extLst>
+                <a:ext uri="{FF2B5EF4-FFF2-40B4-BE49-F238E27FC236}">
+                  <a16:creationId xmlns:a16="http://schemas.microsoft.com/office/drawing/2014/main" id="{7301E0CE-FDC3-329E-2C28-65B5F275A05F}"/>
+                </a:ext>
+              </a:extLst>
+            </p:cNvPr>
+            <p:cNvSpPr/>
+            <p:nvPr/>
+          </p:nvSpPr>
+          <p:spPr>
+            <a:xfrm>
+              <a:off x="5615170" y="3190079"/>
+              <a:ext cx="1769477" cy="1143299"/>
+            </a:xfrm>
+            <a:prstGeom prst="roundRect">
+              <a:avLst/>
+            </a:prstGeom>
+            <a:grpFill/>
+            <a:ln w="19050">
+              <a:solidFill>
+                <a:srgbClr val="30335D"/>
+              </a:solidFill>
+            </a:ln>
+          </p:spPr>
+          <p:style>
+            <a:lnRef idx="2">
+              <a:schemeClr val="accent1">
+                <a:shade val="50000"/>
+              </a:schemeClr>
+            </a:lnRef>
+            <a:fillRef idx="1">
+              <a:schemeClr val="accent1"/>
+            </a:fillRef>
+            <a:effectRef idx="0">
+              <a:schemeClr val="accent1"/>
+            </a:effectRef>
+            <a:fontRef idx="minor">
+              <a:schemeClr val="lt1"/>
+            </a:fontRef>
+          </p:style>
+          <p:txBody>
+            <a:bodyPr rtlCol="0" anchor="ctr"/>
+            <a:lstStyle/>
+            <a:p>
+              <a:pPr algn="ctr"/>
+              <a:endParaRPr lang="en-US"/>
+            </a:p>
+          </p:txBody>
+        </p:sp>
+        <p:sp>
+          <p:nvSpPr>
+            <p:cNvPr id="37" name="Rounded Rectangle 36">
+              <a:extLst>
+                <a:ext uri="{FF2B5EF4-FFF2-40B4-BE49-F238E27FC236}">
+                  <a16:creationId xmlns:a16="http://schemas.microsoft.com/office/drawing/2014/main" id="{81A070BC-079B-50C1-70C7-B3542E1CF611}"/>
+                </a:ext>
+              </a:extLst>
+            </p:cNvPr>
+            <p:cNvSpPr/>
+            <p:nvPr/>
+          </p:nvSpPr>
+          <p:spPr>
+            <a:xfrm>
+              <a:off x="7693790" y="4769717"/>
+              <a:ext cx="1769477" cy="1143299"/>
+            </a:xfrm>
+            <a:prstGeom prst="roundRect">
+              <a:avLst/>
+            </a:prstGeom>
+            <a:grpFill/>
+            <a:ln w="19050">
+              <a:solidFill>
+                <a:srgbClr val="30335D"/>
+              </a:solidFill>
+            </a:ln>
+          </p:spPr>
+          <p:style>
+            <a:lnRef idx="2">
+              <a:schemeClr val="accent1">
+                <a:shade val="50000"/>
+              </a:schemeClr>
+            </a:lnRef>
+            <a:fillRef idx="1">
+              <a:schemeClr val="accent1"/>
+            </a:fillRef>
+            <a:effectRef idx="0">
+              <a:schemeClr val="accent1"/>
+            </a:effectRef>
+            <a:fontRef idx="minor">
+              <a:schemeClr val="lt1"/>
+            </a:fontRef>
+          </p:style>
+          <p:txBody>
+            <a:bodyPr rtlCol="0" anchor="ctr"/>
+            <a:lstStyle/>
+            <a:p>
+              <a:pPr algn="ctr"/>
+              <a:endParaRPr lang="en-US"/>
+            </a:p>
+          </p:txBody>
+        </p:sp>
+        <p:sp>
+          <p:nvSpPr>
+            <p:cNvPr id="38" name="Rounded Rectangle 37">
+              <a:extLst>
+                <a:ext uri="{FF2B5EF4-FFF2-40B4-BE49-F238E27FC236}">
+                  <a16:creationId xmlns:a16="http://schemas.microsoft.com/office/drawing/2014/main" id="{E53EEEF5-56B0-5136-B470-CCFBFFE52735}"/>
+                </a:ext>
+              </a:extLst>
+            </p:cNvPr>
+            <p:cNvSpPr/>
+            <p:nvPr/>
+          </p:nvSpPr>
+          <p:spPr>
+            <a:xfrm>
+              <a:off x="3555598" y="3201345"/>
+              <a:ext cx="1769477" cy="1143299"/>
+            </a:xfrm>
+            <a:prstGeom prst="roundRect">
+              <a:avLst/>
+            </a:prstGeom>
+            <a:grpFill/>
+            <a:ln w="19050">
+              <a:solidFill>
+                <a:srgbClr val="30335D"/>
+              </a:solidFill>
+            </a:ln>
+          </p:spPr>
+          <p:style>
+            <a:lnRef idx="2">
+              <a:schemeClr val="accent1">
+                <a:shade val="50000"/>
+              </a:schemeClr>
+            </a:lnRef>
+            <a:fillRef idx="1">
+              <a:schemeClr val="accent1"/>
+            </a:fillRef>
+            <a:effectRef idx="0">
+              <a:schemeClr val="accent1"/>
+            </a:effectRef>
+            <a:fontRef idx="minor">
+              <a:schemeClr val="lt1"/>
+            </a:fontRef>
+          </p:style>
+          <p:txBody>
+            <a:bodyPr rtlCol="0" anchor="ctr"/>
+            <a:lstStyle/>
+            <a:p>
+              <a:pPr algn="ctr"/>
+              <a:endParaRPr lang="en-US"/>
+            </a:p>
+          </p:txBody>
+        </p:sp>
+      </p:grpSp>
+      <p:sp>
+        <p:nvSpPr>
+          <p:cNvPr id="39" name="TextBox 38">
+            <a:extLst>
+              <a:ext uri="{FF2B5EF4-FFF2-40B4-BE49-F238E27FC236}">
+                <a16:creationId xmlns:a16="http://schemas.microsoft.com/office/drawing/2014/main" id="{C7379117-A2ED-9EF7-264B-1BC691A910A0}"/>
+              </a:ext>
+            </a:extLst>
+          </p:cNvPr>
+          <p:cNvSpPr txBox="1"/>
           <p:nvPr/>
         </p:nvSpPr>
         <p:spPr>
           <a:xfrm>
-            <a:off x="7503364" y="3187817"/>
-            <a:ext cx="1769477" cy="1143299"/>
-          </a:xfrm>
-          <a:prstGeom prst="roundRect">
-            <a:avLst/>
-          </a:prstGeom>
-          <a:solidFill>
-            <a:srgbClr val="5EBB78"/>
-          </a:solidFill>
-          <a:ln>
-            <a:noFill/>
-          </a:ln>
-        </p:spPr>
-        <p:style>
-          <a:lnRef idx="2">
-            <a:schemeClr val="accent1">
-              <a:shade val="50000"/>
-            </a:schemeClr>
-          </a:lnRef>
-          <a:fillRef idx="1">
-            <a:schemeClr val="accent1"/>
-          </a:fillRef>
-          <a:effectRef idx="0">
-            <a:schemeClr val="accent1"/>
-          </a:effectRef>
-          <a:fontRef idx="minor">
-            <a:schemeClr val="lt1"/>
-          </a:fontRef>
-        </p:style>
-        <p:txBody>
-          <a:bodyPr rtlCol="0" anchor="ctr"/>
-          <a:lstStyle/>
-          <a:p>
-            <a:pPr algn="ctr"/>
-            <a:endParaRPr lang="en-US"/>
-          </a:p>
-        </p:txBody>
-      </p:sp>
-      <p:sp>
-        <p:nvSpPr>
-          <p:cNvPr id="20" name="Rounded Rectangle 19">
-            <a:extLst>
-              <a:ext uri="{FF2B5EF4-FFF2-40B4-BE49-F238E27FC236}">
-                <a16:creationId xmlns:a16="http://schemas.microsoft.com/office/drawing/2014/main" id="{66A32AA7-057D-84A4-3E2A-09DE3E9C98DC}"/>
-              </a:ext>
-            </a:extLst>
-          </p:cNvPr>
-          <p:cNvSpPr/>
-          <p:nvPr/>
-        </p:nvSpPr>
-        <p:spPr>
-          <a:xfrm>
-            <a:off x="2435822" y="4717138"/>
-            <a:ext cx="1769477" cy="1143299"/>
-          </a:xfrm>
-          <a:prstGeom prst="roundRect">
-            <a:avLst/>
-          </a:prstGeom>
-          <a:solidFill>
-            <a:srgbClr val="5EBB78"/>
-          </a:solidFill>
-          <a:ln>
-            <a:noFill/>
-          </a:ln>
-        </p:spPr>
-        <p:style>
-          <a:lnRef idx="2">
-            <a:schemeClr val="accent1">
-              <a:shade val="50000"/>
-            </a:schemeClr>
-          </a:lnRef>
-          <a:fillRef idx="1">
-            <a:schemeClr val="accent1"/>
-          </a:fillRef>
-          <a:effectRef idx="0">
-            <a:schemeClr val="accent1"/>
-          </a:effectRef>
-          <a:fontRef idx="minor">
-            <a:schemeClr val="lt1"/>
-          </a:fontRef>
-        </p:style>
-        <p:txBody>
-          <a:bodyPr rtlCol="0" anchor="ctr"/>
-          <a:lstStyle/>
-          <a:p>
-            <a:pPr algn="ctr"/>
-            <a:endParaRPr lang="en-US"/>
-          </a:p>
-        </p:txBody>
-      </p:sp>
-      <p:sp>
-        <p:nvSpPr>
-          <p:cNvPr id="18" name="Rounded Rectangle 17">
-            <a:extLst>
-              <a:ext uri="{FF2B5EF4-FFF2-40B4-BE49-F238E27FC236}">
-                <a16:creationId xmlns:a16="http://schemas.microsoft.com/office/drawing/2014/main" id="{7ED6CAC5-4454-6910-57F3-0444BC470044}"/>
-              </a:ext>
-            </a:extLst>
-          </p:cNvPr>
-          <p:cNvSpPr/>
-          <p:nvPr/>
-        </p:nvSpPr>
-        <p:spPr>
-          <a:xfrm>
-            <a:off x="5404970" y="3190079"/>
-            <a:ext cx="1769477" cy="1143299"/>
-          </a:xfrm>
-          <a:prstGeom prst="roundRect">
-            <a:avLst/>
-          </a:prstGeom>
-          <a:solidFill>
-            <a:srgbClr val="5EBB78"/>
-          </a:solidFill>
-          <a:ln>
-            <a:noFill/>
-          </a:ln>
-        </p:spPr>
-        <p:style>
-          <a:lnRef idx="2">
-            <a:schemeClr val="accent1">
-              <a:shade val="50000"/>
-            </a:schemeClr>
-          </a:lnRef>
-          <a:fillRef idx="1">
-            <a:schemeClr val="accent1"/>
-          </a:fillRef>
-          <a:effectRef idx="0">
-            <a:schemeClr val="accent1"/>
-          </a:effectRef>
-          <a:fontRef idx="minor">
-            <a:schemeClr val="lt1"/>
-          </a:fontRef>
-        </p:style>
-        <p:txBody>
-          <a:bodyPr rtlCol="0" anchor="ctr"/>
-          <a:lstStyle/>
-          <a:p>
-            <a:pPr algn="ctr"/>
-            <a:endParaRPr lang="en-US"/>
-          </a:p>
-        </p:txBody>
-      </p:sp>
-      <p:sp>
-        <p:nvSpPr>
-          <p:cNvPr id="22" name="Rounded Rectangle 21">
-            <a:extLst>
-              <a:ext uri="{FF2B5EF4-FFF2-40B4-BE49-F238E27FC236}">
-                <a16:creationId xmlns:a16="http://schemas.microsoft.com/office/drawing/2014/main" id="{586446E0-9253-F4AD-9FA4-338EBF2685F7}"/>
-              </a:ext>
-            </a:extLst>
-          </p:cNvPr>
-          <p:cNvSpPr/>
-          <p:nvPr/>
-        </p:nvSpPr>
-        <p:spPr>
-          <a:xfrm>
-            <a:off x="7483590" y="4769717"/>
-            <a:ext cx="1769477" cy="1143299"/>
-          </a:xfrm>
-          <a:prstGeom prst="roundRect">
-            <a:avLst/>
-          </a:prstGeom>
-          <a:solidFill>
-            <a:srgbClr val="5EBB78"/>
-          </a:solidFill>
-          <a:ln>
-            <a:noFill/>
-          </a:ln>
-        </p:spPr>
-        <p:style>
-          <a:lnRef idx="2">
-            <a:schemeClr val="accent1">
-              <a:shade val="50000"/>
-            </a:schemeClr>
-          </a:lnRef>
-          <a:fillRef idx="1">
-            <a:schemeClr val="accent1"/>
-          </a:fillRef>
-          <a:effectRef idx="0">
-            <a:schemeClr val="accent1"/>
-          </a:effectRef>
-          <a:fontRef idx="minor">
-            <a:schemeClr val="lt1"/>
-          </a:fontRef>
-        </p:style>
-        <p:txBody>
-          <a:bodyPr rtlCol="0" anchor="ctr"/>
-          <a:lstStyle/>
-          <a:p>
-            <a:pPr algn="ctr"/>
-            <a:endParaRPr lang="en-US"/>
-          </a:p>
-        </p:txBody>
-      </p:sp>
-      <p:sp>
-        <p:nvSpPr>
-          <p:cNvPr id="9" name="Rounded Rectangle 8">
-            <a:extLst>
-              <a:ext uri="{FF2B5EF4-FFF2-40B4-BE49-F238E27FC236}">
-                <a16:creationId xmlns:a16="http://schemas.microsoft.com/office/drawing/2014/main" id="{6519754E-DD70-8E00-B973-A04DC5B9C27C}"/>
-              </a:ext>
-            </a:extLst>
-          </p:cNvPr>
-          <p:cNvSpPr/>
-          <p:nvPr/>
-        </p:nvSpPr>
-        <p:spPr>
-          <a:xfrm>
-            <a:off x="5404970" y="1600153"/>
-            <a:ext cx="1769477" cy="1143299"/>
-          </a:xfrm>
-          <a:prstGeom prst="roundRect">
-            <a:avLst/>
-          </a:prstGeom>
-          <a:solidFill>
-            <a:srgbClr val="6D6CCA"/>
-          </a:solidFill>
-          <a:ln>
-            <a:noFill/>
-          </a:ln>
-        </p:spPr>
-        <p:style>
-          <a:lnRef idx="2">
-            <a:schemeClr val="accent1">
-              <a:shade val="50000"/>
-            </a:schemeClr>
-          </a:lnRef>
-          <a:fillRef idx="1">
-            <a:schemeClr val="accent1"/>
-          </a:fillRef>
-          <a:effectRef idx="0">
-            <a:schemeClr val="accent1"/>
-          </a:effectRef>
-          <a:fontRef idx="minor">
-            <a:schemeClr val="lt1"/>
-          </a:fontRef>
-        </p:style>
-        <p:txBody>
-          <a:bodyPr rtlCol="0" anchor="ctr"/>
-          <a:lstStyle/>
-          <a:p>
-            <a:pPr algn="ctr"/>
-            <a:endParaRPr lang="en-US"/>
-          </a:p>
-        </p:txBody>
-      </p:sp>
-      <p:sp>
-        <p:nvSpPr>
-          <p:cNvPr id="17" name="Rounded Rectangle 16">
-            <a:extLst>
-              <a:ext uri="{FF2B5EF4-FFF2-40B4-BE49-F238E27FC236}">
-                <a16:creationId xmlns:a16="http://schemas.microsoft.com/office/drawing/2014/main" id="{C5207A85-ECED-7147-6C52-D17A6C56EA5E}"/>
-              </a:ext>
-            </a:extLst>
-          </p:cNvPr>
-          <p:cNvSpPr/>
-          <p:nvPr/>
-        </p:nvSpPr>
-        <p:spPr>
-          <a:xfrm>
-            <a:off x="3345398" y="3201345"/>
-            <a:ext cx="1769477" cy="1143299"/>
-          </a:xfrm>
-          <a:prstGeom prst="roundRect">
-            <a:avLst/>
-          </a:prstGeom>
-          <a:solidFill>
-            <a:srgbClr val="5EBB78"/>
-          </a:solidFill>
-          <a:ln>
-            <a:noFill/>
-          </a:ln>
-        </p:spPr>
-        <p:style>
-          <a:lnRef idx="2">
-            <a:schemeClr val="accent1">
-              <a:shade val="50000"/>
-            </a:schemeClr>
-          </a:lnRef>
-          <a:fillRef idx="1">
-            <a:schemeClr val="accent1"/>
-          </a:fillRef>
-          <a:effectRef idx="0">
-            <a:schemeClr val="accent1"/>
-          </a:effectRef>
-          <a:fontRef idx="minor">
-            <a:schemeClr val="lt1"/>
-          </a:fontRef>
-        </p:style>
-        <p:txBody>
-          <a:bodyPr rtlCol="0" anchor="ctr"/>
-          <a:lstStyle/>
-          <a:p>
-            <a:pPr algn="ctr"/>
-            <a:endParaRPr lang="en-US"/>
-          </a:p>
-        </p:txBody>
-      </p:sp>
-      <p:sp>
-        <p:nvSpPr>
-          <p:cNvPr id="10" name="TextBox 9">
-            <a:extLst>
-              <a:ext uri="{FF2B5EF4-FFF2-40B4-BE49-F238E27FC236}">
-                <a16:creationId xmlns:a16="http://schemas.microsoft.com/office/drawing/2014/main" id="{95AD22BA-31BA-913F-EDB6-29C9D53C2FFC}"/>
-              </a:ext>
-            </a:extLst>
-          </p:cNvPr>
-          <p:cNvSpPr txBox="1"/>
-          <p:nvPr/>
-        </p:nvSpPr>
-        <p:spPr>
-          <a:xfrm>
-            <a:off x="5404946" y="1987136"/>
-            <a:ext cx="1769477" cy="369332"/>
+            <a:off x="5615146" y="1987136"/>
+            <a:ext cx="1769477" cy="400110"/>
           </a:xfrm>
           <a:prstGeom prst="rect">
             <a:avLst/>
@@ -11793,11 +11157,7 @@
           <a:p>
             <a:pPr algn="ctr"/>
             <a:r>
-              <a:rPr lang="en-US" dirty="0">
-                <a:solidFill>
-                  <a:schemeClr val="bg1"/>
-                </a:solidFill>
-              </a:rPr>
+              <a:rPr lang="en-US" sz="2000" dirty="0"/>
               <a:t>Main Program</a:t>
             </a:r>
           </a:p>
@@ -11805,10 +11165,10 @@
       </p:sp>
       <p:sp>
         <p:nvSpPr>
-          <p:cNvPr id="11" name="TextBox 10">
-            <a:extLst>
-              <a:ext uri="{FF2B5EF4-FFF2-40B4-BE49-F238E27FC236}">
-                <a16:creationId xmlns:a16="http://schemas.microsoft.com/office/drawing/2014/main" id="{FCD80C5B-8872-A1A0-11C6-33FBBBC9BC9A}"/>
+          <p:cNvPr id="40" name="TextBox 39">
+            <a:extLst>
+              <a:ext uri="{FF2B5EF4-FFF2-40B4-BE49-F238E27FC236}">
+                <a16:creationId xmlns:a16="http://schemas.microsoft.com/office/drawing/2014/main" id="{02B53A79-839E-FDC8-E828-91E9295A075E}"/>
               </a:ext>
             </a:extLst>
           </p:cNvPr>
@@ -11817,8 +11177,8 @@
         </p:nvSpPr>
         <p:spPr>
           <a:xfrm>
-            <a:off x="3345388" y="3631107"/>
-            <a:ext cx="1769480" cy="369332"/>
+            <a:off x="3555587" y="3618990"/>
+            <a:ext cx="1769480" cy="400110"/>
           </a:xfrm>
           <a:prstGeom prst="rect">
             <a:avLst/>
@@ -11836,11 +11196,7 @@
           <a:p>
             <a:pPr algn="ctr"/>
             <a:r>
-              <a:rPr lang="en-US" dirty="0">
-                <a:solidFill>
-                  <a:schemeClr val="bg1"/>
-                </a:solidFill>
-              </a:rPr>
+              <a:rPr lang="en-US" sz="2000" dirty="0"/>
               <a:t>Module-M1</a:t>
             </a:r>
           </a:p>
@@ -11848,10 +11204,10 @@
       </p:sp>
       <p:sp>
         <p:nvSpPr>
-          <p:cNvPr id="12" name="TextBox 11">
-            <a:extLst>
-              <a:ext uri="{FF2B5EF4-FFF2-40B4-BE49-F238E27FC236}">
-                <a16:creationId xmlns:a16="http://schemas.microsoft.com/office/drawing/2014/main" id="{117F3664-90FC-D0C5-5A71-6524275FD806}"/>
+          <p:cNvPr id="41" name="TextBox 40">
+            <a:extLst>
+              <a:ext uri="{FF2B5EF4-FFF2-40B4-BE49-F238E27FC236}">
+                <a16:creationId xmlns:a16="http://schemas.microsoft.com/office/drawing/2014/main" id="{2AC5544C-F5B8-EC08-5213-C60144F63693}"/>
               </a:ext>
             </a:extLst>
           </p:cNvPr>
@@ -11860,8 +11216,8 @@
         </p:nvSpPr>
         <p:spPr>
           <a:xfrm>
-            <a:off x="5404969" y="3631107"/>
-            <a:ext cx="1769467" cy="369332"/>
+            <a:off x="5615168" y="3618990"/>
+            <a:ext cx="1769467" cy="400110"/>
           </a:xfrm>
           <a:prstGeom prst="rect">
             <a:avLst/>
@@ -11879,11 +11235,7 @@
           <a:p>
             <a:pPr algn="ctr"/>
             <a:r>
-              <a:rPr lang="en-US" dirty="0">
-                <a:solidFill>
-                  <a:schemeClr val="bg1"/>
-                </a:solidFill>
-              </a:rPr>
+              <a:rPr lang="en-US" sz="2000" dirty="0"/>
               <a:t>Module-M2</a:t>
             </a:r>
           </a:p>
@@ -11891,10 +11243,10 @@
       </p:sp>
       <p:sp>
         <p:nvSpPr>
-          <p:cNvPr id="13" name="TextBox 12">
-            <a:extLst>
-              <a:ext uri="{FF2B5EF4-FFF2-40B4-BE49-F238E27FC236}">
-                <a16:creationId xmlns:a16="http://schemas.microsoft.com/office/drawing/2014/main" id="{090FBFFA-B6AE-9DA9-BA97-4471720E0DCA}"/>
+          <p:cNvPr id="42" name="TextBox 41">
+            <a:extLst>
+              <a:ext uri="{FF2B5EF4-FFF2-40B4-BE49-F238E27FC236}">
+                <a16:creationId xmlns:a16="http://schemas.microsoft.com/office/drawing/2014/main" id="{1C825DA9-0650-B94C-344D-141CD369F190}"/>
               </a:ext>
             </a:extLst>
           </p:cNvPr>
@@ -11903,8 +11255,8 @@
         </p:nvSpPr>
         <p:spPr>
           <a:xfrm>
-            <a:off x="7503365" y="3631107"/>
-            <a:ext cx="1749696" cy="369332"/>
+            <a:off x="7713564" y="3618990"/>
+            <a:ext cx="1749696" cy="400110"/>
           </a:xfrm>
           <a:prstGeom prst="rect">
             <a:avLst/>
@@ -11922,11 +11274,7 @@
           <a:p>
             <a:pPr algn="ctr"/>
             <a:r>
-              <a:rPr lang="en-US" dirty="0">
-                <a:solidFill>
-                  <a:schemeClr val="bg1"/>
-                </a:solidFill>
-              </a:rPr>
+              <a:rPr lang="en-US" sz="2000" dirty="0"/>
               <a:t>Module-M3</a:t>
             </a:r>
           </a:p>
@@ -11934,10 +11282,10 @@
       </p:sp>
       <p:sp>
         <p:nvSpPr>
-          <p:cNvPr id="14" name="TextBox 13">
-            <a:extLst>
-              <a:ext uri="{FF2B5EF4-FFF2-40B4-BE49-F238E27FC236}">
-                <a16:creationId xmlns:a16="http://schemas.microsoft.com/office/drawing/2014/main" id="{E0553423-9361-E130-E015-62E48F4C887A}"/>
+          <p:cNvPr id="43" name="TextBox 42">
+            <a:extLst>
+              <a:ext uri="{FF2B5EF4-FFF2-40B4-BE49-F238E27FC236}">
+                <a16:creationId xmlns:a16="http://schemas.microsoft.com/office/drawing/2014/main" id="{7AF78C24-5923-9756-8310-C71A719A6546}"/>
               </a:ext>
             </a:extLst>
           </p:cNvPr>
@@ -11946,8 +11294,8 @@
         </p:nvSpPr>
         <p:spPr>
           <a:xfrm>
-            <a:off x="7503365" y="5153335"/>
-            <a:ext cx="1749692" cy="369332"/>
+            <a:off x="7713565" y="5153335"/>
+            <a:ext cx="1749692" cy="400110"/>
           </a:xfrm>
           <a:prstGeom prst="rect">
             <a:avLst/>
@@ -11965,11 +11313,7 @@
           <a:p>
             <a:pPr algn="ctr"/>
             <a:r>
-              <a:rPr lang="en-US" dirty="0">
-                <a:solidFill>
-                  <a:schemeClr val="bg1"/>
-                </a:solidFill>
-              </a:rPr>
+              <a:rPr lang="en-US" sz="2000" dirty="0"/>
               <a:t>Module-M6</a:t>
             </a:r>
           </a:p>
@@ -11977,10 +11321,10 @@
       </p:sp>
       <p:sp>
         <p:nvSpPr>
-          <p:cNvPr id="15" name="TextBox 14">
-            <a:extLst>
-              <a:ext uri="{FF2B5EF4-FFF2-40B4-BE49-F238E27FC236}">
-                <a16:creationId xmlns:a16="http://schemas.microsoft.com/office/drawing/2014/main" id="{6709A9C4-6C1B-A60A-8E3D-07CEC2302849}"/>
+          <p:cNvPr id="44" name="TextBox 43">
+            <a:extLst>
+              <a:ext uri="{FF2B5EF4-FFF2-40B4-BE49-F238E27FC236}">
+                <a16:creationId xmlns:a16="http://schemas.microsoft.com/office/drawing/2014/main" id="{302CED13-B9CD-B5B9-F48D-A93818EB120D}"/>
               </a:ext>
             </a:extLst>
           </p:cNvPr>
@@ -11989,8 +11333,8 @@
         </p:nvSpPr>
         <p:spPr>
           <a:xfrm>
-            <a:off x="4403780" y="5153335"/>
-            <a:ext cx="1769477" cy="369332"/>
+            <a:off x="4613980" y="5129585"/>
+            <a:ext cx="1769477" cy="400110"/>
           </a:xfrm>
           <a:prstGeom prst="rect">
             <a:avLst/>
@@ -12008,11 +11352,7 @@
           <a:p>
             <a:pPr algn="ctr"/>
             <a:r>
-              <a:rPr lang="en-US" dirty="0">
-                <a:solidFill>
-                  <a:schemeClr val="bg1"/>
-                </a:solidFill>
-              </a:rPr>
+              <a:rPr lang="en-US" sz="2000" dirty="0"/>
               <a:t>Module-M5</a:t>
             </a:r>
           </a:p>
@@ -12020,10 +11360,10 @@
       </p:sp>
       <p:sp>
         <p:nvSpPr>
-          <p:cNvPr id="16" name="TextBox 15">
-            <a:extLst>
-              <a:ext uri="{FF2B5EF4-FFF2-40B4-BE49-F238E27FC236}">
-                <a16:creationId xmlns:a16="http://schemas.microsoft.com/office/drawing/2014/main" id="{6C961B3F-BFC7-9E6F-F5F7-F6BE28A28DC8}"/>
+          <p:cNvPr id="45" name="TextBox 44">
+            <a:extLst>
+              <a:ext uri="{FF2B5EF4-FFF2-40B4-BE49-F238E27FC236}">
+                <a16:creationId xmlns:a16="http://schemas.microsoft.com/office/drawing/2014/main" id="{71348A11-4A85-8A69-C385-9EC3A6AFD153}"/>
               </a:ext>
             </a:extLst>
           </p:cNvPr>
@@ -12032,8 +11372,8 @@
         </p:nvSpPr>
         <p:spPr>
           <a:xfrm>
-            <a:off x="2435822" y="5153335"/>
-            <a:ext cx="1769477" cy="369332"/>
+            <a:off x="2646022" y="5129585"/>
+            <a:ext cx="1769477" cy="400110"/>
           </a:xfrm>
           <a:prstGeom prst="rect">
             <a:avLst/>
@@ -12051,11 +11391,7 @@
           <a:p>
             <a:pPr algn="ctr"/>
             <a:r>
-              <a:rPr lang="en-US" dirty="0">
-                <a:solidFill>
-                  <a:schemeClr val="bg1"/>
-                </a:solidFill>
-              </a:rPr>
+              <a:rPr lang="en-US" sz="2000" dirty="0"/>
               <a:t>Module-M4</a:t>
             </a:r>
           </a:p>
@@ -12063,10 +11399,10 @@
       </p:sp>
       <p:pic>
         <p:nvPicPr>
-          <p:cNvPr id="33" name="Picture 32" descr="A picture containing dark, gauge&#10;&#10;Description automatically generated">
-            <a:extLst>
-              <a:ext uri="{FF2B5EF4-FFF2-40B4-BE49-F238E27FC236}">
-                <a16:creationId xmlns:a16="http://schemas.microsoft.com/office/drawing/2014/main" id="{25813005-A22A-B68A-F9DF-62227EEB6B91}"/>
+          <p:cNvPr id="26" name="Picture 25" descr="A picture containing dark, gauge&#10;&#10;Description automatically generated">
+            <a:extLst>
+              <a:ext uri="{FF2B5EF4-FFF2-40B4-BE49-F238E27FC236}">
+                <a16:creationId xmlns:a16="http://schemas.microsoft.com/office/drawing/2014/main" id="{EB5C53BF-7E87-C5B9-B272-8C33ADC3981F}"/>
               </a:ext>
             </a:extLst>
           </p:cNvPr>
@@ -12155,7 +11491,7 @@
         </p:nvSpPr>
         <p:spPr>
           <a:xfrm>
-            <a:off x="0" y="1720197"/>
+            <a:off x="0" y="1512379"/>
             <a:ext cx="12192000" cy="3417606"/>
           </a:xfrm>
           <a:prstGeom prst="rect">
@@ -12244,7 +11580,7 @@
           <p:cNvPr id="4" name="Picture 3" descr="A picture containing dark, gauge&#10;&#10;Description automatically generated">
             <a:extLst>
               <a:ext uri="{FF2B5EF4-FFF2-40B4-BE49-F238E27FC236}">
-                <a16:creationId xmlns:a16="http://schemas.microsoft.com/office/drawing/2014/main" id="{703E33DC-65D5-767C-C998-043BEE07F6EB}"/>
+                <a16:creationId xmlns:a16="http://schemas.microsoft.com/office/drawing/2014/main" id="{0D03915A-8C1E-F637-B8F5-8AECBE10BDC2}"/>
               </a:ext>
             </a:extLst>
           </p:cNvPr>
@@ -12462,9 +11798,8 @@
             <a:r>
               <a:rPr lang="en-US" sz="3600" b="1" dirty="0">
                 <a:solidFill>
-                  <a:schemeClr val="tx1">
-                    <a:lumMod val="65000"/>
-                    <a:lumOff val="35000"/>
+                  <a:schemeClr val="bg2">
+                    <a:lumMod val="25000"/>
                   </a:schemeClr>
                 </a:solidFill>
                 <a:latin typeface="Avenir Heavy" panose="02000503020000020003" pitchFamily="2" charset="0"/>
@@ -12474,9 +11809,8 @@
             </a:r>
             <a:endParaRPr lang="en-US" sz="3600" b="1" dirty="0">
               <a:solidFill>
-                <a:schemeClr val="tx1">
-                  <a:lumMod val="65000"/>
-                  <a:lumOff val="35000"/>
+                <a:schemeClr val="bg2">
+                  <a:lumMod val="25000"/>
                 </a:schemeClr>
               </a:solidFill>
               <a:latin typeface="Avenir Heavy" panose="02000503020000020003" pitchFamily="2" charset="0"/>
@@ -12518,32 +11852,14 @@
             <a:r>
               <a:rPr lang="en-US" sz="2800" dirty="0">
                 <a:solidFill>
-                  <a:srgbClr val="5EBB78"/>
+                  <a:schemeClr val="tx1">
+                    <a:lumMod val="65000"/>
+                    <a:lumOff val="35000"/>
+                  </a:schemeClr>
                 </a:solidFill>
                 <a:latin typeface="Consolas" panose="020B0609020204030204" pitchFamily="49" charset="0"/>
               </a:rPr>
-              <a:t>def</a:t>
-            </a:r>
-            <a:r>
-              <a:rPr lang="en-US" sz="2800" dirty="0">
-                <a:latin typeface="Consolas" panose="020B0609020204030204" pitchFamily="49" charset="0"/>
-              </a:rPr>
-              <a:t> </a:t>
-            </a:r>
-            <a:r>
-              <a:rPr lang="en-US" sz="2800" dirty="0">
-                <a:solidFill>
-                  <a:srgbClr val="FFC000"/>
-                </a:solidFill>
-                <a:latin typeface="Consolas" panose="020B0609020204030204" pitchFamily="49" charset="0"/>
-              </a:rPr>
-              <a:t>&lt;name&gt;</a:t>
-            </a:r>
-            <a:r>
-              <a:rPr lang="en-US" sz="2800" dirty="0">
-                <a:latin typeface="Consolas" panose="020B0609020204030204" pitchFamily="49" charset="0"/>
-              </a:rPr>
-              <a:t>():</a:t>
+              <a:t>def &lt;name&gt;():</a:t>
             </a:r>
           </a:p>
           <a:p>
@@ -12552,18 +11868,15 @@
             </a:pPr>
             <a:r>
               <a:rPr lang="en-US" sz="2800" dirty="0">
+                <a:solidFill>
+                  <a:schemeClr val="tx1">
+                    <a:lumMod val="65000"/>
+                    <a:lumOff val="35000"/>
+                  </a:schemeClr>
+                </a:solidFill>
                 <a:latin typeface="Consolas" panose="020B0609020204030204" pitchFamily="49" charset="0"/>
               </a:rPr>
-              <a:t>	</a:t>
-            </a:r>
-            <a:r>
-              <a:rPr lang="en-US" sz="2800" dirty="0">
-                <a:solidFill>
-                  <a:srgbClr val="6D6CCA"/>
-                </a:solidFill>
-                <a:latin typeface="Consolas" panose="020B0609020204030204" pitchFamily="49" charset="0"/>
-              </a:rPr>
-              <a:t>&lt;statements&gt;</a:t>
+              <a:t>	&lt;statements&gt;</a:t>
             </a:r>
           </a:p>
           <a:p>
@@ -12573,38 +11886,14 @@
             <a:r>
               <a:rPr lang="en-US" sz="2800" dirty="0">
                 <a:solidFill>
-                  <a:srgbClr val="FFC000"/>
+                  <a:schemeClr val="tx1">
+                    <a:lumMod val="65000"/>
+                    <a:lumOff val="35000"/>
+                  </a:schemeClr>
                 </a:solidFill>
                 <a:latin typeface="Consolas" panose="020B0609020204030204" pitchFamily="49" charset="0"/>
               </a:rPr>
-              <a:t>	</a:t>
-            </a:r>
-            <a:r>
-              <a:rPr lang="en-US" sz="2800" dirty="0">
-                <a:solidFill>
-                  <a:srgbClr val="5EBB78"/>
-                </a:solidFill>
-                <a:latin typeface="Consolas" panose="020B0609020204030204" pitchFamily="49" charset="0"/>
-              </a:rPr>
-              <a:t>return</a:t>
-            </a:r>
-            <a:r>
-              <a:rPr lang="en-US" sz="2800" dirty="0">
-                <a:solidFill>
-                  <a:srgbClr val="FFC000"/>
-                </a:solidFill>
-                <a:latin typeface="Consolas" panose="020B0609020204030204" pitchFamily="49" charset="0"/>
-              </a:rPr>
-              <a:t> </a:t>
-            </a:r>
-            <a:r>
-              <a:rPr lang="en-US" sz="2800" dirty="0">
-                <a:solidFill>
-                  <a:srgbClr val="6D6CCA"/>
-                </a:solidFill>
-                <a:latin typeface="Consolas" panose="020B0609020204030204" pitchFamily="49" charset="0"/>
-              </a:rPr>
-              <a:t>&lt;values&gt;</a:t>
+              <a:t>	return &lt;values&gt;</a:t>
             </a:r>
           </a:p>
         </p:txBody>
@@ -12670,7 +11959,7 @@
           <p:cNvPr id="8" name="Picture 7" descr="A picture containing dark, gauge&#10;&#10;Description automatically generated">
             <a:extLst>
               <a:ext uri="{FF2B5EF4-FFF2-40B4-BE49-F238E27FC236}">
-                <a16:creationId xmlns:a16="http://schemas.microsoft.com/office/drawing/2014/main" id="{524B03F5-A6D7-C697-7863-F2DC9C734427}"/>
+                <a16:creationId xmlns:a16="http://schemas.microsoft.com/office/drawing/2014/main" id="{C4D04E40-614D-E29F-B261-C4F52DA81685}"/>
               </a:ext>
             </a:extLst>
           </p:cNvPr>
@@ -12775,9 +12064,8 @@
             <a:r>
               <a:rPr lang="en-US" sz="3600" b="1" dirty="0">
                 <a:solidFill>
-                  <a:schemeClr val="tx1">
-                    <a:lumMod val="65000"/>
-                    <a:lumOff val="35000"/>
+                  <a:schemeClr val="bg2">
+                    <a:lumMod val="25000"/>
                   </a:schemeClr>
                 </a:solidFill>
                 <a:latin typeface="Avenir Heavy" panose="02000503020000020003" pitchFamily="2" charset="0"/>
@@ -12787,9 +12075,8 @@
             </a:r>
             <a:endParaRPr lang="en-US" sz="3600" b="1" dirty="0">
               <a:solidFill>
-                <a:schemeClr val="tx1">
-                  <a:lumMod val="65000"/>
-                  <a:lumOff val="35000"/>
+                <a:schemeClr val="bg2">
+                  <a:lumMod val="25000"/>
                 </a:schemeClr>
               </a:solidFill>
               <a:latin typeface="Avenir Heavy" panose="02000503020000020003" pitchFamily="2" charset="0"/>
@@ -12831,7 +12118,10 @@
             <a:r>
               <a:rPr lang="en-US" sz="2800" dirty="0">
                 <a:solidFill>
-                  <a:srgbClr val="6D6CCA"/>
+                  <a:schemeClr val="tx1">
+                    <a:lumMod val="65000"/>
+                    <a:lumOff val="35000"/>
+                  </a:schemeClr>
                 </a:solidFill>
                 <a:latin typeface="Consolas" panose="020B0609020204030204" pitchFamily="49" charset="0"/>
               </a:rPr>
@@ -12840,7 +12130,10 @@
             <a:r>
               <a:rPr lang="en-US" sz="2800" dirty="0" err="1">
                 <a:solidFill>
-                  <a:srgbClr val="6D6CCA"/>
+                  <a:schemeClr val="tx1">
+                    <a:lumMod val="65000"/>
+                    <a:lumOff val="35000"/>
+                  </a:schemeClr>
                 </a:solidFill>
                 <a:latin typeface="Consolas" panose="020B0609020204030204" pitchFamily="49" charset="0"/>
               </a:rPr>
@@ -12849,17 +12142,14 @@
             <a:r>
               <a:rPr lang="en-US" sz="2800" dirty="0">
                 <a:solidFill>
-                  <a:srgbClr val="6D6CCA"/>
+                  <a:schemeClr val="tx1">
+                    <a:lumMod val="65000"/>
+                    <a:lumOff val="35000"/>
+                  </a:schemeClr>
                 </a:solidFill>
                 <a:latin typeface="Consolas" panose="020B0609020204030204" pitchFamily="49" charset="0"/>
               </a:rPr>
-              <a:t>&gt;</a:t>
-            </a:r>
-            <a:r>
-              <a:rPr lang="en-US" sz="2800" dirty="0">
-                <a:latin typeface="Consolas" panose="020B0609020204030204" pitchFamily="49" charset="0"/>
-              </a:rPr>
-              <a:t>()</a:t>
+              <a:t>&gt;()</a:t>
             </a:r>
           </a:p>
         </p:txBody>
@@ -13096,10 +12386,10 @@
       </p:sp>
       <p:pic>
         <p:nvPicPr>
-          <p:cNvPr id="11" name="Picture 10" descr="A picture containing dark, gauge&#10;&#10;Description automatically generated">
-            <a:extLst>
-              <a:ext uri="{FF2B5EF4-FFF2-40B4-BE49-F238E27FC236}">
-                <a16:creationId xmlns:a16="http://schemas.microsoft.com/office/drawing/2014/main" id="{7C3E6A26-8BF4-41D5-8047-A03792F90807}"/>
+          <p:cNvPr id="8" name="Picture 7" descr="A picture containing dark, gauge&#10;&#10;Description automatically generated">
+            <a:extLst>
+              <a:ext uri="{FF2B5EF4-FFF2-40B4-BE49-F238E27FC236}">
+                <a16:creationId xmlns:a16="http://schemas.microsoft.com/office/drawing/2014/main" id="{263179B5-46D4-0574-14B4-A46FB1D22CFA}"/>
               </a:ext>
             </a:extLst>
           </p:cNvPr>
@@ -13290,47 +12580,19 @@
             <a:r>
               <a:rPr lang="en-US" sz="3600" b="1" dirty="0">
                 <a:solidFill>
-                  <a:schemeClr val="tx1">
-                    <a:lumMod val="75000"/>
-                    <a:lumOff val="25000"/>
+                  <a:schemeClr val="bg2">
+                    <a:lumMod val="25000"/>
                   </a:schemeClr>
                 </a:solidFill>
                 <a:latin typeface="Avenir Heavy" panose="02000503020000020003" pitchFamily="2" charset="0"/>
                 <a:cs typeface="Arial" panose="020B0604020202020204" pitchFamily="34" charset="0"/>
               </a:rPr>
-              <a:t>Function </a:t>
-            </a:r>
-            <a:r>
-              <a:rPr lang="en-US" sz="3600" b="1" dirty="0">
-                <a:solidFill>
-                  <a:schemeClr val="tx1">
-                    <a:lumMod val="65000"/>
-                    <a:lumOff val="35000"/>
-                  </a:schemeClr>
-                </a:solidFill>
-                <a:latin typeface="Avenir Heavy" panose="02000503020000020003" pitchFamily="2" charset="0"/>
-                <a:cs typeface="Arial" panose="020B0604020202020204" pitchFamily="34" charset="0"/>
-              </a:rPr>
-              <a:t>Parameters</a:t>
-            </a:r>
-            <a:r>
-              <a:rPr lang="en-US" sz="3600" b="1" dirty="0">
-                <a:solidFill>
-                  <a:schemeClr val="tx1">
-                    <a:lumMod val="75000"/>
-                    <a:lumOff val="25000"/>
-                  </a:schemeClr>
-                </a:solidFill>
-                <a:latin typeface="Avenir Heavy" panose="02000503020000020003" pitchFamily="2" charset="0"/>
-                <a:cs typeface="Arial" panose="020B0604020202020204" pitchFamily="34" charset="0"/>
-              </a:rPr>
-              <a:t> and Arguments</a:t>
+              <a:t>Function Parameters and Arguments</a:t>
             </a:r>
             <a:endParaRPr lang="en-US" sz="3600" b="1" dirty="0">
               <a:solidFill>
-                <a:schemeClr val="tx1">
-                  <a:lumMod val="75000"/>
-                  <a:lumOff val="25000"/>
+                <a:schemeClr val="bg2">
+                  <a:lumMod val="25000"/>
                 </a:schemeClr>
               </a:solidFill>
               <a:latin typeface="Avenir Heavy" panose="02000503020000020003" pitchFamily="2" charset="0"/>
@@ -13372,34 +12634,14 @@
             <a:r>
               <a:rPr lang="en-US" sz="2800" dirty="0">
                 <a:solidFill>
-                  <a:srgbClr val="5EBB78"/>
+                  <a:schemeClr val="tx1">
+                    <a:lumMod val="65000"/>
+                    <a:lumOff val="35000"/>
+                  </a:schemeClr>
                 </a:solidFill>
                 <a:latin typeface="Consolas" panose="020B0609020204030204" pitchFamily="49" charset="0"/>
               </a:rPr>
-              <a:t>def</a:t>
-            </a:r>
-            <a:r>
-              <a:rPr lang="en-US" sz="2800" dirty="0">
-                <a:latin typeface="Consolas" panose="020B0609020204030204" pitchFamily="49" charset="0"/>
-              </a:rPr>
-              <a:t> &lt;function_name&gt;(</a:t>
-            </a:r>
-            <a:r>
-              <a:rPr lang="en-US" sz="2800" dirty="0">
-                <a:solidFill>
-                  <a:schemeClr val="accent2">
-                    <a:lumMod val="75000"/>
-                  </a:schemeClr>
-                </a:solidFill>
-                <a:latin typeface="Consolas" panose="020B0609020204030204" pitchFamily="49" charset="0"/>
-              </a:rPr>
-              <a:t>param1, param2, </a:t>
-            </a:r>
-            <a:r>
-              <a:rPr lang="en-US" sz="2800" dirty="0">
-                <a:latin typeface="Consolas" panose="020B0609020204030204" pitchFamily="49" charset="0"/>
-              </a:rPr>
-              <a:t>. . .)</a:t>
+              <a:t>def &lt;function_name&gt;(param1, param2, . . .)</a:t>
             </a:r>
           </a:p>
         </p:txBody>
@@ -13465,7 +12707,7 @@
           <p:cNvPr id="6" name="Picture 5" descr="A picture containing dark, gauge&#10;&#10;Description automatically generated">
             <a:extLst>
               <a:ext uri="{FF2B5EF4-FFF2-40B4-BE49-F238E27FC236}">
-                <a16:creationId xmlns:a16="http://schemas.microsoft.com/office/drawing/2014/main" id="{F8B635AE-B6D7-9D88-5224-083BE9B61634}"/>
+                <a16:creationId xmlns:a16="http://schemas.microsoft.com/office/drawing/2014/main" id="{030A29F4-F5A6-1CDE-0E71-FA5B0973736A}"/>
               </a:ext>
             </a:extLst>
           </p:cNvPr>
@@ -13488,7 +12730,7 @@
         </p:blipFill>
         <p:spPr>
           <a:xfrm>
-            <a:off x="11378037" y="6045200"/>
+            <a:off x="11378037" y="6067234"/>
             <a:ext cx="800100" cy="812800"/>
           </a:xfrm>
           <a:prstGeom prst="rect">
@@ -13558,9 +12800,8 @@
             <a:r>
               <a:rPr lang="en-US" sz="3600" b="1" dirty="0">
                 <a:solidFill>
-                  <a:schemeClr val="tx1">
-                    <a:lumMod val="65000"/>
-                    <a:lumOff val="35000"/>
+                  <a:schemeClr val="bg2">
+                    <a:lumMod val="25000"/>
                   </a:schemeClr>
                 </a:solidFill>
                 <a:latin typeface="Avenir Heavy" panose="02000503020000020003" pitchFamily="2" charset="0"/>
@@ -13570,9 +12811,8 @@
             </a:r>
             <a:endParaRPr lang="en-US" sz="3600" b="1" dirty="0">
               <a:solidFill>
-                <a:schemeClr val="tx1">
-                  <a:lumMod val="65000"/>
-                  <a:lumOff val="35000"/>
+                <a:schemeClr val="bg2">
+                  <a:lumMod val="25000"/>
                 </a:schemeClr>
               </a:solidFill>
               <a:latin typeface="Avenir Heavy" panose="02000503020000020003" pitchFamily="2" charset="0"/>
@@ -13716,7 +12956,7 @@
               <a:rPr lang="en-US" sz="2800" dirty="0">
                 <a:latin typeface="Consolas" panose="020B0609020204030204" pitchFamily="49" charset="0"/>
               </a:rPr>
-              <a:t>my_name </a:t>
+              <a:t>myName </a:t>
             </a:r>
             <a:r>
               <a:rPr lang="en-US" sz="2800" dirty="0">
@@ -13769,7 +13009,7 @@
               <a:rPr lang="en-US" sz="2800" dirty="0">
                 <a:latin typeface="Consolas" panose="020B0609020204030204" pitchFamily="49" charset="0"/>
               </a:rPr>
-              <a:t>hello(my_name)</a:t>
+              <a:t>hello(myName)</a:t>
             </a:r>
           </a:p>
         </p:txBody>
@@ -14043,7 +13283,7 @@
           <p:cNvPr id="12" name="Picture 11" descr="A picture containing dark, gauge&#10;&#10;Description automatically generated">
             <a:extLst>
               <a:ext uri="{FF2B5EF4-FFF2-40B4-BE49-F238E27FC236}">
-                <a16:creationId xmlns:a16="http://schemas.microsoft.com/office/drawing/2014/main" id="{3447D1B3-5891-6085-FAA3-BF646720BE41}"/>
+                <a16:creationId xmlns:a16="http://schemas.microsoft.com/office/drawing/2014/main" id="{95CD789F-0A1C-B16C-055A-8AEB96CEB830}"/>
               </a:ext>
             </a:extLst>
           </p:cNvPr>
